--- a/Presentation for IT.pptx
+++ b/Presentation for IT.pptx
@@ -14,6 +14,8 @@
     <p:sldId id="263" r:id="rId8"/>
     <p:sldId id="264" r:id="rId9"/>
     <p:sldId id="265" r:id="rId10"/>
+    <p:sldId id="266" r:id="rId11"/>
+    <p:sldId id="267" r:id="rId12"/>
   </p:sldIdLst>
   <p:sldSz cx="12192000" cy="6858000"/>
   <p:notesSz cx="6858000" cy="9144000"/>
@@ -112,6 +114,11 @@
       </a:defRPr>
     </a:lvl9pPr>
   </p:defaultTextStyle>
+  <p:extLst>
+    <p:ext uri="{EFAFB233-063F-42B5-8137-9DF3F51BA10A}">
+      <p15:sldGuideLst xmlns:p15="http://schemas.microsoft.com/office/powerpoint/2012/main"/>
+    </p:ext>
+  </p:extLst>
 </p:presentation>
 </file>
 
@@ -10735,7 +10742,7 @@
           <a:p>
             <a:fld id="{29134D58-3766-44A1-9C78-2A4754B7E537}" type="datetimeFigureOut">
               <a:rPr lang="en-US" smtClean="0"/>
-              <a:t>12/27/2022</a:t>
+              <a:t>12/28/2022</a:t>
             </a:fld>
             <a:endParaRPr lang="en-US"/>
           </a:p>
@@ -10933,7 +10940,7 @@
           <a:p>
             <a:fld id="{29134D58-3766-44A1-9C78-2A4754B7E537}" type="datetimeFigureOut">
               <a:rPr lang="en-US" smtClean="0"/>
-              <a:t>12/27/2022</a:t>
+              <a:t>12/28/2022</a:t>
             </a:fld>
             <a:endParaRPr lang="en-US"/>
           </a:p>
@@ -11141,7 +11148,7 @@
           <a:p>
             <a:fld id="{29134D58-3766-44A1-9C78-2A4754B7E537}" type="datetimeFigureOut">
               <a:rPr lang="en-US" smtClean="0"/>
-              <a:t>12/27/2022</a:t>
+              <a:t>12/28/2022</a:t>
             </a:fld>
             <a:endParaRPr lang="en-US"/>
           </a:p>
@@ -11339,7 +11346,7 @@
           <a:p>
             <a:fld id="{29134D58-3766-44A1-9C78-2A4754B7E537}" type="datetimeFigureOut">
               <a:rPr lang="en-US" smtClean="0"/>
-              <a:t>12/27/2022</a:t>
+              <a:t>12/28/2022</a:t>
             </a:fld>
             <a:endParaRPr lang="en-US"/>
           </a:p>
@@ -11614,7 +11621,7 @@
           <a:p>
             <a:fld id="{29134D58-3766-44A1-9C78-2A4754B7E537}" type="datetimeFigureOut">
               <a:rPr lang="en-US" smtClean="0"/>
-              <a:t>12/27/2022</a:t>
+              <a:t>12/28/2022</a:t>
             </a:fld>
             <a:endParaRPr lang="en-US"/>
           </a:p>
@@ -11879,7 +11886,7 @@
           <a:p>
             <a:fld id="{29134D58-3766-44A1-9C78-2A4754B7E537}" type="datetimeFigureOut">
               <a:rPr lang="en-US" smtClean="0"/>
-              <a:t>12/27/2022</a:t>
+              <a:t>12/28/2022</a:t>
             </a:fld>
             <a:endParaRPr lang="en-US"/>
           </a:p>
@@ -12291,7 +12298,7 @@
           <a:p>
             <a:fld id="{29134D58-3766-44A1-9C78-2A4754B7E537}" type="datetimeFigureOut">
               <a:rPr lang="en-US" smtClean="0"/>
-              <a:t>12/27/2022</a:t>
+              <a:t>12/28/2022</a:t>
             </a:fld>
             <a:endParaRPr lang="en-US"/>
           </a:p>
@@ -12432,7 +12439,7 @@
           <a:p>
             <a:fld id="{29134D58-3766-44A1-9C78-2A4754B7E537}" type="datetimeFigureOut">
               <a:rPr lang="en-US" smtClean="0"/>
-              <a:t>12/27/2022</a:t>
+              <a:t>12/28/2022</a:t>
             </a:fld>
             <a:endParaRPr lang="en-US"/>
           </a:p>
@@ -12545,7 +12552,7 @@
           <a:p>
             <a:fld id="{29134D58-3766-44A1-9C78-2A4754B7E537}" type="datetimeFigureOut">
               <a:rPr lang="en-US" smtClean="0"/>
-              <a:t>12/27/2022</a:t>
+              <a:t>12/28/2022</a:t>
             </a:fld>
             <a:endParaRPr lang="en-US"/>
           </a:p>
@@ -12856,7 +12863,7 @@
           <a:p>
             <a:fld id="{29134D58-3766-44A1-9C78-2A4754B7E537}" type="datetimeFigureOut">
               <a:rPr lang="en-US" smtClean="0"/>
-              <a:t>12/27/2022</a:t>
+              <a:t>12/28/2022</a:t>
             </a:fld>
             <a:endParaRPr lang="en-US"/>
           </a:p>
@@ -13144,7 +13151,7 @@
           <a:p>
             <a:fld id="{29134D58-3766-44A1-9C78-2A4754B7E537}" type="datetimeFigureOut">
               <a:rPr lang="en-US" smtClean="0"/>
-              <a:t>12/27/2022</a:t>
+              <a:t>12/28/2022</a:t>
             </a:fld>
             <a:endParaRPr lang="en-US"/>
           </a:p>
@@ -13385,7 +13392,7 @@
           <a:p>
             <a:fld id="{29134D58-3766-44A1-9C78-2A4754B7E537}" type="datetimeFigureOut">
               <a:rPr lang="en-US" smtClean="0"/>
-              <a:t>12/27/2022</a:t>
+              <a:t>12/28/2022</a:t>
             </a:fld>
             <a:endParaRPr lang="en-US"/>
           </a:p>
@@ -16354,6 +16361,176 @@
       <p:bldP spid="3" grpId="0" build="p"/>
     </p:bldLst>
   </p:timing>
+</p:sld>
+</file>
+
+<file path=ppt/slides/slide10.xml><?xml version="1.0" encoding="utf-8"?>
+<p:sld xmlns:a="http://schemas.openxmlformats.org/drawingml/2006/main" xmlns:r="http://schemas.openxmlformats.org/officeDocument/2006/relationships" xmlns:p="http://schemas.openxmlformats.org/presentationml/2006/main">
+  <p:cSld>
+    <p:spTree>
+      <p:nvGrpSpPr>
+        <p:cNvPr id="1" name=""/>
+        <p:cNvGrpSpPr/>
+        <p:nvPr/>
+      </p:nvGrpSpPr>
+      <p:grpSpPr>
+        <a:xfrm>
+          <a:off x="0" y="0"/>
+          <a:ext cx="0" cy="0"/>
+          <a:chOff x="0" y="0"/>
+          <a:chExt cx="0" cy="0"/>
+        </a:xfrm>
+      </p:grpSpPr>
+      <p:sp>
+        <p:nvSpPr>
+          <p:cNvPr id="2" name="Title 1">
+            <a:extLst>
+              <a:ext uri="{FF2B5EF4-FFF2-40B4-BE49-F238E27FC236}">
+                <a16:creationId xmlns:a16="http://schemas.microsoft.com/office/drawing/2014/main" id="{6A5F9E06-29CF-672C-D5F3-838C6F1282A5}"/>
+              </a:ext>
+            </a:extLst>
+          </p:cNvPr>
+          <p:cNvSpPr>
+            <a:spLocks noGrp="1"/>
+          </p:cNvSpPr>
+          <p:nvPr>
+            <p:ph type="title"/>
+          </p:nvPr>
+        </p:nvSpPr>
+        <p:spPr/>
+        <p:txBody>
+          <a:bodyPr/>
+          <a:lstStyle/>
+          <a:p>
+            <a:r>
+              <a:rPr lang="en-US" b="0" i="0" dirty="0">
+                <a:solidFill>
+                  <a:srgbClr val="24292F"/>
+                </a:solidFill>
+                <a:effectLst/>
+                <a:latin typeface="-apple-system"/>
+              </a:rPr>
+              <a:t>CIE</a:t>
+            </a:r>
+            <a:endParaRPr lang="en-US" dirty="0"/>
+          </a:p>
+        </p:txBody>
+      </p:sp>
+      <p:sp>
+        <p:nvSpPr>
+          <p:cNvPr id="3" name="Content Placeholder 2">
+            <a:extLst>
+              <a:ext uri="{FF2B5EF4-FFF2-40B4-BE49-F238E27FC236}">
+                <a16:creationId xmlns:a16="http://schemas.microsoft.com/office/drawing/2014/main" id="{EB92259B-5820-8C18-5083-F52A09033E33}"/>
+              </a:ext>
+            </a:extLst>
+          </p:cNvPr>
+          <p:cNvSpPr>
+            <a:spLocks noGrp="1"/>
+          </p:cNvSpPr>
+          <p:nvPr>
+            <p:ph idx="1"/>
+          </p:nvPr>
+        </p:nvSpPr>
+        <p:spPr/>
+        <p:txBody>
+          <a:bodyPr/>
+          <a:lstStyle/>
+          <a:p>
+            <a:endParaRPr lang="en-US" dirty="0"/>
+          </a:p>
+        </p:txBody>
+      </p:sp>
+    </p:spTree>
+    <p:extLst>
+      <p:ext uri="{BB962C8B-B14F-4D97-AF65-F5344CB8AC3E}">
+        <p14:creationId xmlns:p14="http://schemas.microsoft.com/office/powerpoint/2010/main" val="2807002669"/>
+      </p:ext>
+    </p:extLst>
+  </p:cSld>
+  <p:clrMapOvr>
+    <a:masterClrMapping/>
+  </p:clrMapOvr>
+</p:sld>
+</file>
+
+<file path=ppt/slides/slide11.xml><?xml version="1.0" encoding="utf-8"?>
+<p:sld xmlns:a="http://schemas.openxmlformats.org/drawingml/2006/main" xmlns:r="http://schemas.openxmlformats.org/officeDocument/2006/relationships" xmlns:p="http://schemas.openxmlformats.org/presentationml/2006/main">
+  <p:cSld>
+    <p:spTree>
+      <p:nvGrpSpPr>
+        <p:cNvPr id="1" name=""/>
+        <p:cNvGrpSpPr/>
+        <p:nvPr/>
+      </p:nvGrpSpPr>
+      <p:grpSpPr>
+        <a:xfrm>
+          <a:off x="0" y="0"/>
+          <a:ext cx="0" cy="0"/>
+          <a:chOff x="0" y="0"/>
+          <a:chExt cx="0" cy="0"/>
+        </a:xfrm>
+      </p:grpSpPr>
+      <p:sp>
+        <p:nvSpPr>
+          <p:cNvPr id="2" name="Title 1">
+            <a:extLst>
+              <a:ext uri="{FF2B5EF4-FFF2-40B4-BE49-F238E27FC236}">
+                <a16:creationId xmlns:a16="http://schemas.microsoft.com/office/drawing/2014/main" id="{AA442F36-B4FB-6CC8-ACC1-667DC63B188B}"/>
+              </a:ext>
+            </a:extLst>
+          </p:cNvPr>
+          <p:cNvSpPr>
+            <a:spLocks noGrp="1"/>
+          </p:cNvSpPr>
+          <p:nvPr>
+            <p:ph type="title"/>
+          </p:nvPr>
+        </p:nvSpPr>
+        <p:spPr/>
+        <p:txBody>
+          <a:bodyPr/>
+          <a:lstStyle/>
+          <a:p>
+            <a:endParaRPr lang="en-US"/>
+          </a:p>
+        </p:txBody>
+      </p:sp>
+      <p:sp>
+        <p:nvSpPr>
+          <p:cNvPr id="3" name="Content Placeholder 2">
+            <a:extLst>
+              <a:ext uri="{FF2B5EF4-FFF2-40B4-BE49-F238E27FC236}">
+                <a16:creationId xmlns:a16="http://schemas.microsoft.com/office/drawing/2014/main" id="{55847C3D-1324-FB48-DDB6-51E3D2DBDAB9}"/>
+              </a:ext>
+            </a:extLst>
+          </p:cNvPr>
+          <p:cNvSpPr>
+            <a:spLocks noGrp="1"/>
+          </p:cNvSpPr>
+          <p:nvPr>
+            <p:ph idx="1"/>
+          </p:nvPr>
+        </p:nvSpPr>
+        <p:spPr/>
+        <p:txBody>
+          <a:bodyPr/>
+          <a:lstStyle/>
+          <a:p>
+            <a:endParaRPr lang="en-US"/>
+          </a:p>
+        </p:txBody>
+      </p:sp>
+    </p:spTree>
+    <p:extLst>
+      <p:ext uri="{BB962C8B-B14F-4D97-AF65-F5344CB8AC3E}">
+        <p14:creationId xmlns:p14="http://schemas.microsoft.com/office/powerpoint/2010/main" val="3207809950"/>
+      </p:ext>
+    </p:extLst>
+  </p:cSld>
+  <p:clrMapOvr>
+    <a:masterClrMapping/>
+  </p:clrMapOvr>
 </p:sld>
 </file>
 

--- a/Presentation for IT.pptx
+++ b/Presentation for IT.pptx
@@ -16583,7 +16583,7 @@
           <a:p>
             <a:fld id="{29134D58-3766-44A1-9C78-2A4754B7E537}" type="datetimeFigureOut">
               <a:rPr lang="en-US" smtClean="0"/>
-              <a:t>12/30/2022</a:t>
+              <a:t>1/1/2023</a:t>
             </a:fld>
             <a:endParaRPr lang="en-US"/>
           </a:p>
@@ -16781,7 +16781,7 @@
           <a:p>
             <a:fld id="{29134D58-3766-44A1-9C78-2A4754B7E537}" type="datetimeFigureOut">
               <a:rPr lang="en-US" smtClean="0"/>
-              <a:t>12/30/2022</a:t>
+              <a:t>1/1/2023</a:t>
             </a:fld>
             <a:endParaRPr lang="en-US"/>
           </a:p>
@@ -16989,7 +16989,7 @@
           <a:p>
             <a:fld id="{29134D58-3766-44A1-9C78-2A4754B7E537}" type="datetimeFigureOut">
               <a:rPr lang="en-US" smtClean="0"/>
-              <a:t>12/30/2022</a:t>
+              <a:t>1/1/2023</a:t>
             </a:fld>
             <a:endParaRPr lang="en-US"/>
           </a:p>
@@ -17187,7 +17187,7 @@
           <a:p>
             <a:fld id="{29134D58-3766-44A1-9C78-2A4754B7E537}" type="datetimeFigureOut">
               <a:rPr lang="en-US" smtClean="0"/>
-              <a:t>12/30/2022</a:t>
+              <a:t>1/1/2023</a:t>
             </a:fld>
             <a:endParaRPr lang="en-US"/>
           </a:p>
@@ -17462,7 +17462,7 @@
           <a:p>
             <a:fld id="{29134D58-3766-44A1-9C78-2A4754B7E537}" type="datetimeFigureOut">
               <a:rPr lang="en-US" smtClean="0"/>
-              <a:t>12/30/2022</a:t>
+              <a:t>1/1/2023</a:t>
             </a:fld>
             <a:endParaRPr lang="en-US"/>
           </a:p>
@@ -17727,7 +17727,7 @@
           <a:p>
             <a:fld id="{29134D58-3766-44A1-9C78-2A4754B7E537}" type="datetimeFigureOut">
               <a:rPr lang="en-US" smtClean="0"/>
-              <a:t>12/30/2022</a:t>
+              <a:t>1/1/2023</a:t>
             </a:fld>
             <a:endParaRPr lang="en-US"/>
           </a:p>
@@ -18139,7 +18139,7 @@
           <a:p>
             <a:fld id="{29134D58-3766-44A1-9C78-2A4754B7E537}" type="datetimeFigureOut">
               <a:rPr lang="en-US" smtClean="0"/>
-              <a:t>12/30/2022</a:t>
+              <a:t>1/1/2023</a:t>
             </a:fld>
             <a:endParaRPr lang="en-US"/>
           </a:p>
@@ -18280,7 +18280,7 @@
           <a:p>
             <a:fld id="{29134D58-3766-44A1-9C78-2A4754B7E537}" type="datetimeFigureOut">
               <a:rPr lang="en-US" smtClean="0"/>
-              <a:t>12/30/2022</a:t>
+              <a:t>1/1/2023</a:t>
             </a:fld>
             <a:endParaRPr lang="en-US"/>
           </a:p>
@@ -18393,7 +18393,7 @@
           <a:p>
             <a:fld id="{29134D58-3766-44A1-9C78-2A4754B7E537}" type="datetimeFigureOut">
               <a:rPr lang="en-US" smtClean="0"/>
-              <a:t>12/30/2022</a:t>
+              <a:t>1/1/2023</a:t>
             </a:fld>
             <a:endParaRPr lang="en-US"/>
           </a:p>
@@ -18704,7 +18704,7 @@
           <a:p>
             <a:fld id="{29134D58-3766-44A1-9C78-2A4754B7E537}" type="datetimeFigureOut">
               <a:rPr lang="en-US" smtClean="0"/>
-              <a:t>12/30/2022</a:t>
+              <a:t>1/1/2023</a:t>
             </a:fld>
             <a:endParaRPr lang="en-US"/>
           </a:p>
@@ -18992,7 +18992,7 @@
           <a:p>
             <a:fld id="{29134D58-3766-44A1-9C78-2A4754B7E537}" type="datetimeFigureOut">
               <a:rPr lang="en-US" smtClean="0"/>
-              <a:t>12/30/2022</a:t>
+              <a:t>1/1/2023</a:t>
             </a:fld>
             <a:endParaRPr lang="en-US"/>
           </a:p>
@@ -19233,7 +19233,7 @@
           <a:p>
             <a:fld id="{29134D58-3766-44A1-9C78-2A4754B7E537}" type="datetimeFigureOut">
               <a:rPr lang="en-US" smtClean="0"/>
-              <a:t>12/30/2022</a:t>
+              <a:t>1/1/2023</a:t>
             </a:fld>
             <a:endParaRPr lang="en-US"/>
           </a:p>
@@ -22063,6 +22063,18 @@
   <p:clrMapOvr>
     <a:masterClrMapping/>
   </p:clrMapOvr>
+  <mc:AlternateContent xmlns:mc="http://schemas.openxmlformats.org/markup-compatibility/2006">
+    <mc:Choice xmlns:p14="http://schemas.microsoft.com/office/powerpoint/2010/main" Requires="p14">
+      <p:transition spd="slow" p14:dur="2000">
+        <p14:reveal/>
+      </p:transition>
+    </mc:Choice>
+    <mc:Fallback>
+      <p:transition spd="slow">
+        <p:fade/>
+      </p:transition>
+    </mc:Fallback>
+  </mc:AlternateContent>
   <p:timing>
     <p:tnLst>
       <p:par>
@@ -22800,6 +22812,18 @@
   <p:clrMapOvr>
     <a:masterClrMapping/>
   </p:clrMapOvr>
+  <mc:AlternateContent xmlns:mc="http://schemas.openxmlformats.org/markup-compatibility/2006">
+    <mc:Choice xmlns:p14="http://schemas.microsoft.com/office/powerpoint/2010/main" Requires="p14">
+      <p:transition spd="slow" p14:dur="3400">
+        <p14:reveal/>
+      </p:transition>
+    </mc:Choice>
+    <mc:Fallback>
+      <p:transition spd="slow">
+        <p:fade/>
+      </p:transition>
+    </mc:Fallback>
+  </mc:AlternateContent>
 </p:sld>
 </file>
 
@@ -23508,6 +23532,18 @@
   <p:clrMapOvr>
     <a:masterClrMapping/>
   </p:clrMapOvr>
+  <mc:AlternateContent xmlns:mc="http://schemas.openxmlformats.org/markup-compatibility/2006">
+    <mc:Choice xmlns:p14="http://schemas.microsoft.com/office/powerpoint/2010/main" Requires="p14">
+      <p:transition spd="slow" p14:dur="3400">
+        <p14:reveal/>
+      </p:transition>
+    </mc:Choice>
+    <mc:Fallback>
+      <p:transition spd="slow">
+        <p:fade/>
+      </p:transition>
+    </mc:Fallback>
+  </mc:AlternateContent>
 </p:sld>
 </file>
 
@@ -24951,6 +24987,18 @@
   <p:clrMapOvr>
     <a:masterClrMapping/>
   </p:clrMapOvr>
+  <mc:AlternateContent xmlns:mc="http://schemas.openxmlformats.org/markup-compatibility/2006">
+    <mc:Choice xmlns:p14="http://schemas.microsoft.com/office/powerpoint/2010/main" Requires="p14">
+      <p:transition spd="slow" p14:dur="3400">
+        <p14:reveal/>
+      </p:transition>
+    </mc:Choice>
+    <mc:Fallback>
+      <p:transition spd="slow">
+        <p:fade/>
+      </p:transition>
+    </mc:Fallback>
+  </mc:AlternateContent>
 </p:sld>
 </file>
 
@@ -25368,6 +25416,18 @@
   <p:clrMapOvr>
     <a:masterClrMapping/>
   </p:clrMapOvr>
+  <mc:AlternateContent xmlns:mc="http://schemas.openxmlformats.org/markup-compatibility/2006">
+    <mc:Choice xmlns:p14="http://schemas.microsoft.com/office/powerpoint/2010/main" Requires="p14">
+      <p:transition spd="slow" p14:dur="3400">
+        <p14:reveal/>
+      </p:transition>
+    </mc:Choice>
+    <mc:Fallback>
+      <p:transition spd="slow">
+        <p:fade/>
+      </p:transition>
+    </mc:Fallback>
+  </mc:AlternateContent>
 </p:sld>
 </file>
 
@@ -25847,6 +25907,18 @@
   <p:clrMapOvr>
     <a:masterClrMapping/>
   </p:clrMapOvr>
+  <mc:AlternateContent xmlns:mc="http://schemas.openxmlformats.org/markup-compatibility/2006">
+    <mc:Choice xmlns:p14="http://schemas.microsoft.com/office/powerpoint/2010/main" Requires="p14">
+      <p:transition spd="slow" p14:dur="3400">
+        <p14:reveal/>
+      </p:transition>
+    </mc:Choice>
+    <mc:Fallback>
+      <p:transition spd="slow">
+        <p:fade/>
+      </p:transition>
+    </mc:Fallback>
+  </mc:AlternateContent>
 </p:sld>
 </file>
 
@@ -26147,6 +26219,18 @@
   <p:clrMapOvr>
     <a:masterClrMapping/>
   </p:clrMapOvr>
+  <mc:AlternateContent xmlns:mc="http://schemas.openxmlformats.org/markup-compatibility/2006">
+    <mc:Choice xmlns:p14="http://schemas.microsoft.com/office/powerpoint/2010/main" Requires="p14">
+      <p:transition spd="slow" p14:dur="1500">
+        <p:split orient="vert"/>
+      </p:transition>
+    </mc:Choice>
+    <mc:Fallback>
+      <p:transition spd="slow">
+        <p:split orient="vert"/>
+      </p:transition>
+    </mc:Fallback>
+  </mc:AlternateContent>
 </p:sld>
 </file>
 
@@ -26527,6 +26611,18 @@
   <p:clrMapOvr>
     <a:masterClrMapping/>
   </p:clrMapOvr>
+  <mc:AlternateContent xmlns:mc="http://schemas.openxmlformats.org/markup-compatibility/2006">
+    <mc:Choice xmlns:p14="http://schemas.microsoft.com/office/powerpoint/2010/main" Requires="p14">
+      <p:transition spd="slow" p14:dur="3400">
+        <p14:reveal/>
+      </p:transition>
+    </mc:Choice>
+    <mc:Fallback>
+      <p:transition spd="slow">
+        <p:fade/>
+      </p:transition>
+    </mc:Fallback>
+  </mc:AlternateContent>
 </p:sld>
 </file>
 
@@ -27235,6 +27331,18 @@
   <p:clrMapOvr>
     <a:masterClrMapping/>
   </p:clrMapOvr>
+  <mc:AlternateContent xmlns:mc="http://schemas.openxmlformats.org/markup-compatibility/2006">
+    <mc:Choice xmlns:p14="http://schemas.microsoft.com/office/powerpoint/2010/main" Requires="p14">
+      <p:transition spd="slow" p14:dur="3400">
+        <p14:reveal/>
+      </p:transition>
+    </mc:Choice>
+    <mc:Fallback>
+      <p:transition spd="slow">
+        <p:fade/>
+      </p:transition>
+    </mc:Fallback>
+  </mc:AlternateContent>
 </p:sld>
 </file>
 
@@ -27544,6 +27652,18 @@
   <p:clrMapOvr>
     <a:masterClrMapping/>
   </p:clrMapOvr>
+  <mc:AlternateContent xmlns:mc="http://schemas.openxmlformats.org/markup-compatibility/2006">
+    <mc:Choice xmlns:p14="http://schemas.microsoft.com/office/powerpoint/2010/main" Requires="p14">
+      <p:transition spd="slow" p14:dur="3400">
+        <p14:reveal/>
+      </p:transition>
+    </mc:Choice>
+    <mc:Fallback>
+      <p:transition spd="slow">
+        <p:fade/>
+      </p:transition>
+    </mc:Fallback>
+  </mc:AlternateContent>
 </p:sld>
 </file>
 
@@ -28416,6 +28536,18 @@
   <p:clrMapOvr>
     <a:masterClrMapping/>
   </p:clrMapOvr>
+  <mc:AlternateContent xmlns:mc="http://schemas.openxmlformats.org/markup-compatibility/2006">
+    <mc:Choice xmlns:p14="http://schemas.microsoft.com/office/powerpoint/2010/main" Requires="p14">
+      <p:transition spd="slow" p14:dur="3400">
+        <p14:reveal/>
+      </p:transition>
+    </mc:Choice>
+    <mc:Fallback>
+      <p:transition spd="slow">
+        <p:fade/>
+      </p:transition>
+    </mc:Fallback>
+  </mc:AlternateContent>
 </p:sld>
 </file>
 
@@ -28768,6 +28900,18 @@
   <p:clrMapOvr>
     <a:masterClrMapping/>
   </p:clrMapOvr>
+  <mc:AlternateContent xmlns:mc="http://schemas.openxmlformats.org/markup-compatibility/2006">
+    <mc:Choice xmlns:p14="http://schemas.microsoft.com/office/powerpoint/2010/main" Requires="p14">
+      <p:transition spd="slow" p14:dur="3400">
+        <p14:reveal/>
+      </p:transition>
+    </mc:Choice>
+    <mc:Fallback>
+      <p:transition spd="slow">
+        <p:fade/>
+      </p:transition>
+    </mc:Fallback>
+  </mc:AlternateContent>
 </p:sld>
 </file>
 
@@ -29360,6 +29504,18 @@
   <p:clrMapOvr>
     <a:masterClrMapping/>
   </p:clrMapOvr>
+  <mc:AlternateContent xmlns:mc="http://schemas.openxmlformats.org/markup-compatibility/2006">
+    <mc:Choice xmlns:p14="http://schemas.microsoft.com/office/powerpoint/2010/main" Requires="p14">
+      <p:transition spd="slow" p14:dur="3400">
+        <p14:reveal/>
+      </p:transition>
+    </mc:Choice>
+    <mc:Fallback>
+      <p:transition spd="slow">
+        <p:fade/>
+      </p:transition>
+    </mc:Fallback>
+  </mc:AlternateContent>
 </p:sld>
 </file>
 

--- a/Presentation for IT.pptx
+++ b/Presentation for IT.pptx
@@ -17,9 +17,11 @@
     <p:sldId id="267" r:id="rId11"/>
     <p:sldId id="268" r:id="rId12"/>
     <p:sldId id="269" r:id="rId13"/>
-    <p:sldId id="271" r:id="rId14"/>
-    <p:sldId id="270" r:id="rId15"/>
-    <p:sldId id="272" r:id="rId16"/>
+    <p:sldId id="273" r:id="rId14"/>
+    <p:sldId id="274" r:id="rId15"/>
+    <p:sldId id="271" r:id="rId16"/>
+    <p:sldId id="270" r:id="rId17"/>
+    <p:sldId id="272" r:id="rId18"/>
   </p:sldIdLst>
   <p:sldSz cx="12192000" cy="6858000"/>
   <p:notesSz cx="6858000" cy="9144000"/>
@@ -3967,6 +3969,788 @@
 </file>
 
 <file path=ppt/diagrams/colors6.xml><?xml version="1.0" encoding="utf-8"?>
+<dgm:colorsDef xmlns:dgm="http://schemas.openxmlformats.org/drawingml/2006/diagram" xmlns:a="http://schemas.openxmlformats.org/drawingml/2006/main" uniqueId="urn:microsoft.com/office/officeart/2005/8/colors/colorful2">
+  <dgm:title val=""/>
+  <dgm:desc val=""/>
+  <dgm:catLst>
+    <dgm:cat type="colorful" pri="10200"/>
+  </dgm:catLst>
+  <dgm:styleLbl name="node0">
+    <dgm:fillClrLst meth="repeat">
+      <a:schemeClr val="accent1"/>
+    </dgm:fillClrLst>
+    <dgm:linClrLst meth="repeat">
+      <a:schemeClr val="lt1"/>
+    </dgm:linClrLst>
+    <dgm:effectClrLst/>
+    <dgm:txLinClrLst/>
+    <dgm:txFillClrLst/>
+    <dgm:txEffectClrLst/>
+  </dgm:styleLbl>
+  <dgm:styleLbl name="node1">
+    <dgm:fillClrLst>
+      <a:schemeClr val="accent2"/>
+      <a:schemeClr val="accent3"/>
+    </dgm:fillClrLst>
+    <dgm:linClrLst meth="repeat">
+      <a:schemeClr val="lt1"/>
+    </dgm:linClrLst>
+    <dgm:effectClrLst/>
+    <dgm:txLinClrLst/>
+    <dgm:txFillClrLst/>
+    <dgm:txEffectClrLst/>
+  </dgm:styleLbl>
+  <dgm:styleLbl name="alignNode1">
+    <dgm:fillClrLst>
+      <a:schemeClr val="accent2"/>
+      <a:schemeClr val="accent3"/>
+    </dgm:fillClrLst>
+    <dgm:linClrLst>
+      <a:schemeClr val="accent2"/>
+      <a:schemeClr val="accent3"/>
+    </dgm:linClrLst>
+    <dgm:effectClrLst/>
+    <dgm:txLinClrLst/>
+    <dgm:txFillClrLst/>
+    <dgm:txEffectClrLst/>
+  </dgm:styleLbl>
+  <dgm:styleLbl name="lnNode1">
+    <dgm:fillClrLst>
+      <a:schemeClr val="accent2"/>
+      <a:schemeClr val="accent3"/>
+    </dgm:fillClrLst>
+    <dgm:linClrLst meth="repeat">
+      <a:schemeClr val="lt1"/>
+    </dgm:linClrLst>
+    <dgm:effectClrLst/>
+    <dgm:txLinClrLst/>
+    <dgm:txFillClrLst/>
+    <dgm:txEffectClrLst/>
+  </dgm:styleLbl>
+  <dgm:styleLbl name="vennNode1">
+    <dgm:fillClrLst>
+      <a:schemeClr val="accent2">
+        <a:alpha val="50000"/>
+      </a:schemeClr>
+      <a:schemeClr val="accent3">
+        <a:alpha val="50000"/>
+      </a:schemeClr>
+    </dgm:fillClrLst>
+    <dgm:linClrLst meth="repeat">
+      <a:schemeClr val="lt1"/>
+    </dgm:linClrLst>
+    <dgm:effectClrLst/>
+    <dgm:txLinClrLst/>
+    <dgm:txFillClrLst/>
+    <dgm:txEffectClrLst/>
+  </dgm:styleLbl>
+  <dgm:styleLbl name="node2">
+    <dgm:fillClrLst>
+      <a:schemeClr val="accent3"/>
+    </dgm:fillClrLst>
+    <dgm:linClrLst meth="repeat">
+      <a:schemeClr val="lt1"/>
+    </dgm:linClrLst>
+    <dgm:effectClrLst/>
+    <dgm:txLinClrLst/>
+    <dgm:txFillClrLst/>
+    <dgm:txEffectClrLst/>
+  </dgm:styleLbl>
+  <dgm:styleLbl name="node3">
+    <dgm:fillClrLst>
+      <a:schemeClr val="accent4"/>
+    </dgm:fillClrLst>
+    <dgm:linClrLst meth="repeat">
+      <a:schemeClr val="lt1"/>
+    </dgm:linClrLst>
+    <dgm:effectClrLst/>
+    <dgm:txLinClrLst/>
+    <dgm:txFillClrLst/>
+    <dgm:txEffectClrLst/>
+  </dgm:styleLbl>
+  <dgm:styleLbl name="node4">
+    <dgm:fillClrLst>
+      <a:schemeClr val="accent5"/>
+    </dgm:fillClrLst>
+    <dgm:linClrLst meth="repeat">
+      <a:schemeClr val="lt1"/>
+    </dgm:linClrLst>
+    <dgm:effectClrLst/>
+    <dgm:txLinClrLst/>
+    <dgm:txFillClrLst/>
+    <dgm:txEffectClrLst/>
+  </dgm:styleLbl>
+  <dgm:styleLbl name="fgImgPlace1">
+    <dgm:fillClrLst>
+      <a:schemeClr val="accent2">
+        <a:tint val="50000"/>
+      </a:schemeClr>
+      <a:schemeClr val="accent3">
+        <a:tint val="50000"/>
+      </a:schemeClr>
+    </dgm:fillClrLst>
+    <dgm:linClrLst meth="repeat">
+      <a:schemeClr val="lt1"/>
+    </dgm:linClrLst>
+    <dgm:effectClrLst/>
+    <dgm:txLinClrLst/>
+    <dgm:txFillClrLst meth="repeat">
+      <a:schemeClr val="lt1"/>
+    </dgm:txFillClrLst>
+    <dgm:txEffectClrLst/>
+  </dgm:styleLbl>
+  <dgm:styleLbl name="alignImgPlace1">
+    <dgm:fillClrLst>
+      <a:schemeClr val="accent2">
+        <a:tint val="50000"/>
+      </a:schemeClr>
+      <a:schemeClr val="accent3">
+        <a:tint val="20000"/>
+      </a:schemeClr>
+    </dgm:fillClrLst>
+    <dgm:linClrLst meth="repeat">
+      <a:schemeClr val="lt1"/>
+    </dgm:linClrLst>
+    <dgm:effectClrLst/>
+    <dgm:txLinClrLst/>
+    <dgm:txFillClrLst meth="repeat">
+      <a:schemeClr val="lt1"/>
+    </dgm:txFillClrLst>
+    <dgm:txEffectClrLst/>
+  </dgm:styleLbl>
+  <dgm:styleLbl name="bgImgPlace1">
+    <dgm:fillClrLst>
+      <a:schemeClr val="accent2">
+        <a:tint val="50000"/>
+      </a:schemeClr>
+      <a:schemeClr val="accent3">
+        <a:tint val="20000"/>
+      </a:schemeClr>
+    </dgm:fillClrLst>
+    <dgm:linClrLst meth="repeat">
+      <a:schemeClr val="lt1"/>
+    </dgm:linClrLst>
+    <dgm:effectClrLst/>
+    <dgm:txLinClrLst/>
+    <dgm:txFillClrLst meth="repeat">
+      <a:schemeClr val="lt1"/>
+    </dgm:txFillClrLst>
+    <dgm:txEffectClrLst/>
+  </dgm:styleLbl>
+  <dgm:styleLbl name="sibTrans2D1">
+    <dgm:fillClrLst>
+      <a:schemeClr val="accent2"/>
+      <a:schemeClr val="accent3"/>
+    </dgm:fillClrLst>
+    <dgm:linClrLst meth="repeat">
+      <a:schemeClr val="lt1"/>
+    </dgm:linClrLst>
+    <dgm:effectClrLst/>
+    <dgm:txLinClrLst/>
+    <dgm:txFillClrLst/>
+    <dgm:txEffectClrLst/>
+  </dgm:styleLbl>
+  <dgm:styleLbl name="fgSibTrans2D1">
+    <dgm:fillClrLst>
+      <a:schemeClr val="accent2"/>
+      <a:schemeClr val="accent3"/>
+    </dgm:fillClrLst>
+    <dgm:linClrLst meth="repeat">
+      <a:schemeClr val="lt1"/>
+    </dgm:linClrLst>
+    <dgm:effectClrLst/>
+    <dgm:txLinClrLst/>
+    <dgm:txFillClrLst meth="repeat">
+      <a:schemeClr val="lt1"/>
+    </dgm:txFillClrLst>
+    <dgm:txEffectClrLst/>
+  </dgm:styleLbl>
+  <dgm:styleLbl name="bgSibTrans2D1">
+    <dgm:fillClrLst>
+      <a:schemeClr val="accent2"/>
+      <a:schemeClr val="accent3"/>
+    </dgm:fillClrLst>
+    <dgm:linClrLst meth="repeat">
+      <a:schemeClr val="lt1"/>
+    </dgm:linClrLst>
+    <dgm:effectClrLst/>
+    <dgm:txLinClrLst/>
+    <dgm:txFillClrLst meth="repeat">
+      <a:schemeClr val="lt1"/>
+    </dgm:txFillClrLst>
+    <dgm:txEffectClrLst/>
+  </dgm:styleLbl>
+  <dgm:styleLbl name="sibTrans1D1">
+    <dgm:fillClrLst/>
+    <dgm:linClrLst>
+      <a:schemeClr val="accent2"/>
+      <a:schemeClr val="accent3"/>
+    </dgm:linClrLst>
+    <dgm:effectClrLst/>
+    <dgm:txLinClrLst/>
+    <dgm:txFillClrLst meth="repeat">
+      <a:schemeClr val="tx1"/>
+    </dgm:txFillClrLst>
+    <dgm:txEffectClrLst/>
+  </dgm:styleLbl>
+  <dgm:styleLbl name="callout">
+    <dgm:fillClrLst meth="repeat">
+      <a:schemeClr val="accent2"/>
+    </dgm:fillClrLst>
+    <dgm:linClrLst meth="repeat">
+      <a:schemeClr val="accent2">
+        <a:tint val="50000"/>
+      </a:schemeClr>
+    </dgm:linClrLst>
+    <dgm:effectClrLst/>
+    <dgm:txLinClrLst/>
+    <dgm:txFillClrLst meth="repeat">
+      <a:schemeClr val="tx1"/>
+    </dgm:txFillClrLst>
+    <dgm:txEffectClrLst/>
+  </dgm:styleLbl>
+  <dgm:styleLbl name="asst0">
+    <dgm:fillClrLst meth="repeat">
+      <a:schemeClr val="accent2"/>
+    </dgm:fillClrLst>
+    <dgm:linClrLst meth="repeat">
+      <a:schemeClr val="lt1">
+        <a:shade val="80000"/>
+      </a:schemeClr>
+    </dgm:linClrLst>
+    <dgm:effectClrLst/>
+    <dgm:txLinClrLst/>
+    <dgm:txFillClrLst/>
+    <dgm:txEffectClrLst/>
+  </dgm:styleLbl>
+  <dgm:styleLbl name="asst1">
+    <dgm:fillClrLst meth="repeat">
+      <a:schemeClr val="accent3"/>
+    </dgm:fillClrLst>
+    <dgm:linClrLst meth="repeat">
+      <a:schemeClr val="lt1">
+        <a:shade val="80000"/>
+      </a:schemeClr>
+    </dgm:linClrLst>
+    <dgm:effectClrLst/>
+    <dgm:txLinClrLst/>
+    <dgm:txFillClrLst/>
+    <dgm:txEffectClrLst/>
+  </dgm:styleLbl>
+  <dgm:styleLbl name="asst2">
+    <dgm:fillClrLst>
+      <a:schemeClr val="accent4"/>
+    </dgm:fillClrLst>
+    <dgm:linClrLst meth="repeat">
+      <a:schemeClr val="lt1"/>
+    </dgm:linClrLst>
+    <dgm:effectClrLst/>
+    <dgm:txLinClrLst/>
+    <dgm:txFillClrLst/>
+    <dgm:txEffectClrLst/>
+  </dgm:styleLbl>
+  <dgm:styleLbl name="asst3">
+    <dgm:fillClrLst>
+      <a:schemeClr val="accent5"/>
+    </dgm:fillClrLst>
+    <dgm:linClrLst meth="repeat">
+      <a:schemeClr val="lt1"/>
+    </dgm:linClrLst>
+    <dgm:effectClrLst/>
+    <dgm:txLinClrLst/>
+    <dgm:txFillClrLst/>
+    <dgm:txEffectClrLst/>
+  </dgm:styleLbl>
+  <dgm:styleLbl name="asst4">
+    <dgm:fillClrLst>
+      <a:schemeClr val="accent6"/>
+    </dgm:fillClrLst>
+    <dgm:linClrLst meth="repeat">
+      <a:schemeClr val="lt1"/>
+    </dgm:linClrLst>
+    <dgm:effectClrLst/>
+    <dgm:txLinClrLst/>
+    <dgm:txFillClrLst/>
+    <dgm:txEffectClrLst/>
+  </dgm:styleLbl>
+  <dgm:styleLbl name="parChTrans2D1">
+    <dgm:fillClrLst meth="repeat">
+      <a:schemeClr val="accent2"/>
+    </dgm:fillClrLst>
+    <dgm:linClrLst meth="repeat">
+      <a:schemeClr val="lt1"/>
+    </dgm:linClrLst>
+    <dgm:effectClrLst/>
+    <dgm:txLinClrLst/>
+    <dgm:txFillClrLst meth="repeat">
+      <a:schemeClr val="lt1"/>
+    </dgm:txFillClrLst>
+    <dgm:txEffectClrLst/>
+  </dgm:styleLbl>
+  <dgm:styleLbl name="parChTrans2D2">
+    <dgm:fillClrLst meth="repeat">
+      <a:schemeClr val="accent3"/>
+    </dgm:fillClrLst>
+    <dgm:linClrLst meth="repeat">
+      <a:schemeClr val="lt1"/>
+    </dgm:linClrLst>
+    <dgm:effectClrLst/>
+    <dgm:txLinClrLst/>
+    <dgm:txFillClrLst/>
+    <dgm:txEffectClrLst/>
+  </dgm:styleLbl>
+  <dgm:styleLbl name="parChTrans2D3">
+    <dgm:fillClrLst meth="repeat">
+      <a:schemeClr val="accent4"/>
+    </dgm:fillClrLst>
+    <dgm:linClrLst meth="repeat">
+      <a:schemeClr val="lt1"/>
+    </dgm:linClrLst>
+    <dgm:effectClrLst/>
+    <dgm:txLinClrLst/>
+    <dgm:txFillClrLst/>
+    <dgm:txEffectClrLst/>
+  </dgm:styleLbl>
+  <dgm:styleLbl name="parChTrans2D4">
+    <dgm:fillClrLst meth="repeat">
+      <a:schemeClr val="accent5"/>
+    </dgm:fillClrLst>
+    <dgm:linClrLst meth="repeat">
+      <a:schemeClr val="lt1"/>
+    </dgm:linClrLst>
+    <dgm:effectClrLst/>
+    <dgm:txLinClrLst/>
+    <dgm:txFillClrLst meth="repeat">
+      <a:schemeClr val="lt1"/>
+    </dgm:txFillClrLst>
+    <dgm:txEffectClrLst/>
+  </dgm:styleLbl>
+  <dgm:styleLbl name="parChTrans1D1">
+    <dgm:fillClrLst meth="repeat">
+      <a:schemeClr val="accent2"/>
+    </dgm:fillClrLst>
+    <dgm:linClrLst meth="repeat">
+      <a:schemeClr val="accent2"/>
+    </dgm:linClrLst>
+    <dgm:effectClrLst/>
+    <dgm:txLinClrLst/>
+    <dgm:txFillClrLst meth="repeat">
+      <a:schemeClr val="tx1"/>
+    </dgm:txFillClrLst>
+    <dgm:txEffectClrLst/>
+  </dgm:styleLbl>
+  <dgm:styleLbl name="parChTrans1D2">
+    <dgm:fillClrLst meth="repeat">
+      <a:schemeClr val="accent2">
+        <a:tint val="90000"/>
+      </a:schemeClr>
+    </dgm:fillClrLst>
+    <dgm:linClrLst meth="repeat">
+      <a:schemeClr val="accent3"/>
+    </dgm:linClrLst>
+    <dgm:effectClrLst/>
+    <dgm:txLinClrLst/>
+    <dgm:txFillClrLst meth="repeat">
+      <a:schemeClr val="tx1"/>
+    </dgm:txFillClrLst>
+    <dgm:txEffectClrLst/>
+  </dgm:styleLbl>
+  <dgm:styleLbl name="parChTrans1D3">
+    <dgm:fillClrLst meth="repeat">
+      <a:schemeClr val="accent2">
+        <a:tint val="70000"/>
+      </a:schemeClr>
+    </dgm:fillClrLst>
+    <dgm:linClrLst meth="repeat">
+      <a:schemeClr val="accent4"/>
+    </dgm:linClrLst>
+    <dgm:effectClrLst/>
+    <dgm:txLinClrLst/>
+    <dgm:txFillClrLst meth="repeat">
+      <a:schemeClr val="tx1"/>
+    </dgm:txFillClrLst>
+    <dgm:txEffectClrLst/>
+  </dgm:styleLbl>
+  <dgm:styleLbl name="parChTrans1D4">
+    <dgm:fillClrLst meth="repeat">
+      <a:schemeClr val="accent2">
+        <a:tint val="50000"/>
+      </a:schemeClr>
+    </dgm:fillClrLst>
+    <dgm:linClrLst meth="repeat">
+      <a:schemeClr val="accent5"/>
+    </dgm:linClrLst>
+    <dgm:effectClrLst/>
+    <dgm:txLinClrLst/>
+    <dgm:txFillClrLst meth="repeat">
+      <a:schemeClr val="tx1"/>
+    </dgm:txFillClrLst>
+    <dgm:txEffectClrLst/>
+  </dgm:styleLbl>
+  <dgm:styleLbl name="fgAcc1">
+    <dgm:fillClrLst meth="repeat">
+      <a:schemeClr val="lt1">
+        <a:alpha val="90000"/>
+      </a:schemeClr>
+    </dgm:fillClrLst>
+    <dgm:linClrLst>
+      <a:schemeClr val="accent2"/>
+      <a:schemeClr val="accent3"/>
+    </dgm:linClrLst>
+    <dgm:effectClrLst/>
+    <dgm:txLinClrLst/>
+    <dgm:txFillClrLst meth="repeat">
+      <a:schemeClr val="dk1"/>
+    </dgm:txFillClrLst>
+    <dgm:txEffectClrLst/>
+  </dgm:styleLbl>
+  <dgm:styleLbl name="conFgAcc1">
+    <dgm:fillClrLst meth="repeat">
+      <a:schemeClr val="lt1">
+        <a:alpha val="90000"/>
+      </a:schemeClr>
+    </dgm:fillClrLst>
+    <dgm:linClrLst>
+      <a:schemeClr val="accent2"/>
+      <a:schemeClr val="accent3"/>
+    </dgm:linClrLst>
+    <dgm:effectClrLst/>
+    <dgm:txLinClrLst/>
+    <dgm:txFillClrLst meth="repeat">
+      <a:schemeClr val="dk1"/>
+    </dgm:txFillClrLst>
+    <dgm:txEffectClrLst/>
+  </dgm:styleLbl>
+  <dgm:styleLbl name="alignAcc1">
+    <dgm:fillClrLst meth="repeat">
+      <a:schemeClr val="lt1">
+        <a:alpha val="90000"/>
+      </a:schemeClr>
+    </dgm:fillClrLst>
+    <dgm:linClrLst>
+      <a:schemeClr val="accent2"/>
+      <a:schemeClr val="accent3"/>
+    </dgm:linClrLst>
+    <dgm:effectClrLst/>
+    <dgm:txLinClrLst/>
+    <dgm:txFillClrLst meth="repeat">
+      <a:schemeClr val="dk1"/>
+    </dgm:txFillClrLst>
+    <dgm:txEffectClrLst/>
+  </dgm:styleLbl>
+  <dgm:styleLbl name="trAlignAcc1">
+    <dgm:fillClrLst meth="repeat">
+      <a:schemeClr val="lt1">
+        <a:alpha val="40000"/>
+      </a:schemeClr>
+    </dgm:fillClrLst>
+    <dgm:linClrLst meth="repeat">
+      <a:schemeClr val="accent2"/>
+    </dgm:linClrLst>
+    <dgm:effectClrLst/>
+    <dgm:txLinClrLst/>
+    <dgm:txFillClrLst meth="repeat">
+      <a:schemeClr val="dk1"/>
+    </dgm:txFillClrLst>
+    <dgm:txEffectClrLst/>
+  </dgm:styleLbl>
+  <dgm:styleLbl name="bgAcc1">
+    <dgm:fillClrLst meth="repeat">
+      <a:schemeClr val="lt1">
+        <a:alpha val="90000"/>
+      </a:schemeClr>
+    </dgm:fillClrLst>
+    <dgm:linClrLst>
+      <a:schemeClr val="accent2"/>
+      <a:schemeClr val="accent3"/>
+    </dgm:linClrLst>
+    <dgm:effectClrLst/>
+    <dgm:txLinClrLst/>
+    <dgm:txFillClrLst meth="repeat">
+      <a:schemeClr val="dk1"/>
+    </dgm:txFillClrLst>
+    <dgm:txEffectClrLst/>
+  </dgm:styleLbl>
+  <dgm:styleLbl name="solidFgAcc1">
+    <dgm:fillClrLst meth="repeat">
+      <a:schemeClr val="lt1"/>
+    </dgm:fillClrLst>
+    <dgm:linClrLst>
+      <a:schemeClr val="accent2"/>
+      <a:schemeClr val="accent3"/>
+    </dgm:linClrLst>
+    <dgm:effectClrLst/>
+    <dgm:txLinClrLst/>
+    <dgm:txFillClrLst meth="repeat">
+      <a:schemeClr val="dk1"/>
+    </dgm:txFillClrLst>
+    <dgm:txEffectClrLst/>
+  </dgm:styleLbl>
+  <dgm:styleLbl name="solidAlignAcc1">
+    <dgm:fillClrLst meth="repeat">
+      <a:schemeClr val="lt1"/>
+    </dgm:fillClrLst>
+    <dgm:linClrLst>
+      <a:schemeClr val="accent2"/>
+      <a:schemeClr val="accent3"/>
+    </dgm:linClrLst>
+    <dgm:effectClrLst/>
+    <dgm:txLinClrLst/>
+    <dgm:txFillClrLst meth="repeat">
+      <a:schemeClr val="dk1"/>
+    </dgm:txFillClrLst>
+    <dgm:txEffectClrLst/>
+  </dgm:styleLbl>
+  <dgm:styleLbl name="solidBgAcc1">
+    <dgm:fillClrLst meth="repeat">
+      <a:schemeClr val="lt1"/>
+    </dgm:fillClrLst>
+    <dgm:linClrLst>
+      <a:schemeClr val="accent2"/>
+      <a:schemeClr val="accent3"/>
+    </dgm:linClrLst>
+    <dgm:effectClrLst/>
+    <dgm:txLinClrLst/>
+    <dgm:txFillClrLst meth="repeat">
+      <a:schemeClr val="dk1"/>
+    </dgm:txFillClrLst>
+    <dgm:txEffectClrLst/>
+  </dgm:styleLbl>
+  <dgm:styleLbl name="fgAccFollowNode1">
+    <dgm:fillClrLst>
+      <a:schemeClr val="accent2">
+        <a:tint val="40000"/>
+        <a:alpha val="90000"/>
+      </a:schemeClr>
+      <a:schemeClr val="accent3">
+        <a:tint val="40000"/>
+        <a:alpha val="90000"/>
+      </a:schemeClr>
+    </dgm:fillClrLst>
+    <dgm:linClrLst>
+      <a:schemeClr val="accent2">
+        <a:tint val="40000"/>
+        <a:alpha val="90000"/>
+      </a:schemeClr>
+      <a:schemeClr val="accent3">
+        <a:tint val="40000"/>
+        <a:alpha val="90000"/>
+      </a:schemeClr>
+    </dgm:linClrLst>
+    <dgm:effectClrLst/>
+    <dgm:txLinClrLst/>
+    <dgm:txFillClrLst meth="repeat">
+      <a:schemeClr val="dk1"/>
+    </dgm:txFillClrLst>
+    <dgm:txEffectClrLst/>
+  </dgm:styleLbl>
+  <dgm:styleLbl name="alignAccFollowNode1">
+    <dgm:fillClrLst>
+      <a:schemeClr val="accent2">
+        <a:tint val="40000"/>
+        <a:alpha val="90000"/>
+      </a:schemeClr>
+      <a:schemeClr val="accent3">
+        <a:tint val="40000"/>
+        <a:alpha val="90000"/>
+      </a:schemeClr>
+    </dgm:fillClrLst>
+    <dgm:linClrLst>
+      <a:schemeClr val="accent2">
+        <a:tint val="40000"/>
+        <a:alpha val="90000"/>
+      </a:schemeClr>
+      <a:schemeClr val="accent3">
+        <a:tint val="40000"/>
+        <a:alpha val="90000"/>
+      </a:schemeClr>
+    </dgm:linClrLst>
+    <dgm:effectClrLst/>
+    <dgm:txLinClrLst/>
+    <dgm:txFillClrLst meth="repeat">
+      <a:schemeClr val="dk1"/>
+    </dgm:txFillClrLst>
+    <dgm:txEffectClrLst/>
+  </dgm:styleLbl>
+  <dgm:styleLbl name="bgAccFollowNode1">
+    <dgm:fillClrLst>
+      <a:schemeClr val="accent2">
+        <a:tint val="40000"/>
+        <a:alpha val="90000"/>
+      </a:schemeClr>
+      <a:schemeClr val="accent3">
+        <a:tint val="40000"/>
+        <a:alpha val="90000"/>
+      </a:schemeClr>
+    </dgm:fillClrLst>
+    <dgm:linClrLst>
+      <a:schemeClr val="accent2">
+        <a:tint val="40000"/>
+        <a:alpha val="90000"/>
+      </a:schemeClr>
+      <a:schemeClr val="accent3">
+        <a:tint val="40000"/>
+        <a:alpha val="90000"/>
+      </a:schemeClr>
+    </dgm:linClrLst>
+    <dgm:effectClrLst/>
+    <dgm:txLinClrLst/>
+    <dgm:txFillClrLst meth="repeat">
+      <a:schemeClr val="dk1"/>
+    </dgm:txFillClrLst>
+    <dgm:txEffectClrLst/>
+  </dgm:styleLbl>
+  <dgm:styleLbl name="fgAcc0">
+    <dgm:fillClrLst meth="repeat">
+      <a:schemeClr val="lt1">
+        <a:alpha val="90000"/>
+      </a:schemeClr>
+    </dgm:fillClrLst>
+    <dgm:linClrLst>
+      <a:schemeClr val="accent1"/>
+    </dgm:linClrLst>
+    <dgm:effectClrLst/>
+    <dgm:txLinClrLst/>
+    <dgm:txFillClrLst meth="repeat">
+      <a:schemeClr val="dk1"/>
+    </dgm:txFillClrLst>
+    <dgm:txEffectClrLst/>
+  </dgm:styleLbl>
+  <dgm:styleLbl name="fgAcc2">
+    <dgm:fillClrLst meth="repeat">
+      <a:schemeClr val="lt1">
+        <a:alpha val="90000"/>
+      </a:schemeClr>
+    </dgm:fillClrLst>
+    <dgm:linClrLst>
+      <a:schemeClr val="accent3"/>
+    </dgm:linClrLst>
+    <dgm:effectClrLst/>
+    <dgm:txLinClrLst/>
+    <dgm:txFillClrLst meth="repeat">
+      <a:schemeClr val="dk1"/>
+    </dgm:txFillClrLst>
+    <dgm:txEffectClrLst/>
+  </dgm:styleLbl>
+  <dgm:styleLbl name="fgAcc3">
+    <dgm:fillClrLst meth="repeat">
+      <a:schemeClr val="lt1">
+        <a:alpha val="90000"/>
+      </a:schemeClr>
+    </dgm:fillClrLst>
+    <dgm:linClrLst>
+      <a:schemeClr val="accent4"/>
+    </dgm:linClrLst>
+    <dgm:effectClrLst/>
+    <dgm:txLinClrLst/>
+    <dgm:txFillClrLst meth="repeat">
+      <a:schemeClr val="dk1"/>
+    </dgm:txFillClrLst>
+    <dgm:txEffectClrLst/>
+  </dgm:styleLbl>
+  <dgm:styleLbl name="fgAcc4">
+    <dgm:fillClrLst meth="repeat">
+      <a:schemeClr val="lt1">
+        <a:alpha val="90000"/>
+      </a:schemeClr>
+    </dgm:fillClrLst>
+    <dgm:linClrLst>
+      <a:schemeClr val="accent5"/>
+    </dgm:linClrLst>
+    <dgm:effectClrLst/>
+    <dgm:txLinClrLst/>
+    <dgm:txFillClrLst meth="repeat">
+      <a:schemeClr val="dk1"/>
+    </dgm:txFillClrLst>
+    <dgm:txEffectClrLst/>
+  </dgm:styleLbl>
+  <dgm:styleLbl name="bgShp">
+    <dgm:fillClrLst meth="repeat">
+      <a:schemeClr val="accent2">
+        <a:tint val="40000"/>
+      </a:schemeClr>
+    </dgm:fillClrLst>
+    <dgm:linClrLst meth="repeat">
+      <a:schemeClr val="dk1"/>
+    </dgm:linClrLst>
+    <dgm:effectClrLst/>
+    <dgm:txLinClrLst/>
+    <dgm:txFillClrLst meth="repeat">
+      <a:schemeClr val="dk1"/>
+    </dgm:txFillClrLst>
+    <dgm:txEffectClrLst/>
+  </dgm:styleLbl>
+  <dgm:styleLbl name="dkBgShp">
+    <dgm:fillClrLst meth="repeat">
+      <a:schemeClr val="accent2">
+        <a:shade val="90000"/>
+      </a:schemeClr>
+    </dgm:fillClrLst>
+    <dgm:linClrLst meth="repeat">
+      <a:schemeClr val="dk1"/>
+    </dgm:linClrLst>
+    <dgm:effectClrLst/>
+    <dgm:txLinClrLst/>
+    <dgm:txFillClrLst meth="repeat">
+      <a:schemeClr val="lt1"/>
+    </dgm:txFillClrLst>
+    <dgm:txEffectClrLst/>
+  </dgm:styleLbl>
+  <dgm:styleLbl name="trBgShp">
+    <dgm:fillClrLst meth="repeat">
+      <a:schemeClr val="accent2">
+        <a:tint val="50000"/>
+        <a:alpha val="40000"/>
+      </a:schemeClr>
+    </dgm:fillClrLst>
+    <dgm:linClrLst meth="repeat">
+      <a:schemeClr val="accent2"/>
+    </dgm:linClrLst>
+    <dgm:effectClrLst/>
+    <dgm:txLinClrLst/>
+    <dgm:txFillClrLst meth="repeat">
+      <a:schemeClr val="lt1"/>
+    </dgm:txFillClrLst>
+    <dgm:txEffectClrLst/>
+  </dgm:styleLbl>
+  <dgm:styleLbl name="fgShp">
+    <dgm:fillClrLst meth="repeat">
+      <a:schemeClr val="accent2">
+        <a:tint val="40000"/>
+      </a:schemeClr>
+    </dgm:fillClrLst>
+    <dgm:linClrLst meth="repeat">
+      <a:schemeClr val="lt1"/>
+    </dgm:linClrLst>
+    <dgm:effectClrLst/>
+    <dgm:txLinClrLst/>
+    <dgm:txFillClrLst meth="repeat">
+      <a:schemeClr val="dk1"/>
+    </dgm:txFillClrLst>
+    <dgm:txEffectClrLst/>
+  </dgm:styleLbl>
+  <dgm:styleLbl name="revTx">
+    <dgm:fillClrLst meth="repeat">
+      <a:schemeClr val="lt1">
+        <a:alpha val="0"/>
+      </a:schemeClr>
+    </dgm:fillClrLst>
+    <dgm:linClrLst meth="repeat">
+      <a:schemeClr val="dk1">
+        <a:alpha val="0"/>
+      </a:schemeClr>
+    </dgm:linClrLst>
+    <dgm:effectClrLst/>
+    <dgm:txLinClrLst/>
+    <dgm:txFillClrLst meth="repeat">
+      <a:schemeClr val="tx1"/>
+    </dgm:txFillClrLst>
+    <dgm:txEffectClrLst/>
+  </dgm:styleLbl>
+</dgm:colorsDef>
+</file>
+
+<file path=ppt/diagrams/colors7.xml><?xml version="1.0" encoding="utf-8"?>
 <dgm:colorsDef xmlns:dgm="http://schemas.openxmlformats.org/drawingml/2006/diagram" xmlns:a="http://schemas.openxmlformats.org/drawingml/2006/main" uniqueId="urn:microsoft.com/office/officeart/2005/8/colors/colorful1">
   <dgm:title val=""/>
   <dgm:desc val=""/>
@@ -5721,10 +6505,10 @@
             <a:defRPr cap="all"/>
           </a:pPr>
           <a:r>
-            <a:rPr lang="cs-CZ"/>
+            <a:rPr lang="cs-CZ" dirty="0"/>
             <a:t>Co to znamená?</a:t>
           </a:r>
-          <a:endParaRPr lang="en-US"/>
+          <a:endParaRPr lang="en-US" dirty="0"/>
         </a:p>
       </dgm:t>
     </dgm:pt>
@@ -5859,6 +6643,196 @@
 </file>
 
 <file path=ppt/diagrams/data6.xml><?xml version="1.0" encoding="utf-8"?>
+<dgm:dataModel xmlns:dgm="http://schemas.openxmlformats.org/drawingml/2006/diagram" xmlns:a="http://schemas.openxmlformats.org/drawingml/2006/main">
+  <dgm:ptLst>
+    <dgm:pt modelId="{56B28CD6-E869-4774-8398-46362D295EB4}" type="doc">
+      <dgm:prSet loTypeId="urn:microsoft.com/office/officeart/2005/8/layout/vProcess5" loCatId="process" qsTypeId="urn:microsoft.com/office/officeart/2005/8/quickstyle/simple1" qsCatId="simple" csTypeId="urn:microsoft.com/office/officeart/2005/8/colors/colorful2" csCatId="colorful" phldr="1"/>
+      <dgm:spPr/>
+      <dgm:t>
+        <a:bodyPr/>
+        <a:lstStyle/>
+        <a:p>
+          <a:endParaRPr lang="en-US"/>
+        </a:p>
+      </dgm:t>
+    </dgm:pt>
+    <dgm:pt modelId="{C5F10E51-44AC-4A14-A1C3-2DA264D77342}">
+      <dgm:prSet/>
+      <dgm:spPr/>
+      <dgm:t>
+        <a:bodyPr/>
+        <a:lstStyle/>
+        <a:p>
+          <a:r>
+            <a:rPr lang="en-US" dirty="0" err="1"/>
+            <a:t>Proč</a:t>
+          </a:r>
+          <a:r>
+            <a:rPr lang="en-US" dirty="0"/>
+            <a:t> </a:t>
+          </a:r>
+          <a:r>
+            <a:rPr lang="en-US" dirty="0" err="1"/>
+            <a:t>byl</a:t>
+          </a:r>
+          <a:r>
+            <a:rPr lang="en-US" dirty="0"/>
+            <a:t> </a:t>
+          </a:r>
+          <a:r>
+            <a:rPr lang="en-US" dirty="0" err="1"/>
+            <a:t>navržen</a:t>
+          </a:r>
+          <a:r>
+            <a:rPr lang="en-US" dirty="0"/>
+            <a:t>?</a:t>
+          </a:r>
+        </a:p>
+      </dgm:t>
+    </dgm:pt>
+    <dgm:pt modelId="{0AEEDD36-A738-4D76-8F20-C2DC998C7C3C}" type="parTrans" cxnId="{C1CC6CB5-DB6A-4B02-B57A-02DA1BFF2E36}">
+      <dgm:prSet/>
+      <dgm:spPr/>
+      <dgm:t>
+        <a:bodyPr/>
+        <a:lstStyle/>
+        <a:p>
+          <a:endParaRPr lang="en-US"/>
+        </a:p>
+      </dgm:t>
+    </dgm:pt>
+    <dgm:pt modelId="{EFAC44B7-4C89-4138-8F18-30F36AC972A0}" type="sibTrans" cxnId="{C1CC6CB5-DB6A-4B02-B57A-02DA1BFF2E36}">
+      <dgm:prSet/>
+      <dgm:spPr/>
+      <dgm:t>
+        <a:bodyPr/>
+        <a:lstStyle/>
+        <a:p>
+          <a:endParaRPr lang="en-US"/>
+        </a:p>
+      </dgm:t>
+    </dgm:pt>
+    <dgm:pt modelId="{3EA8F894-0E9A-4C9A-896C-2B11F8B5D52E}">
+      <dgm:prSet/>
+      <dgm:spPr/>
+      <dgm:t>
+        <a:bodyPr/>
+        <a:lstStyle/>
+        <a:p>
+          <a:r>
+            <a:rPr lang="cs-CZ" dirty="0"/>
+            <a:t>Jaký je jeho hlavní účel?</a:t>
+          </a:r>
+          <a:endParaRPr lang="en-US" dirty="0"/>
+        </a:p>
+      </dgm:t>
+    </dgm:pt>
+    <dgm:pt modelId="{D5107BB0-0D23-42D3-BF6E-8B0EA239B4B4}" type="parTrans" cxnId="{99DE13E3-FE1E-4187-80BD-A2D897E319DE}">
+      <dgm:prSet/>
+      <dgm:spPr/>
+      <dgm:t>
+        <a:bodyPr/>
+        <a:lstStyle/>
+        <a:p>
+          <a:endParaRPr lang="en-US"/>
+        </a:p>
+      </dgm:t>
+    </dgm:pt>
+    <dgm:pt modelId="{8A134CEA-2D5D-4350-86A7-D89B8EEC3872}" type="sibTrans" cxnId="{99DE13E3-FE1E-4187-80BD-A2D897E319DE}">
+      <dgm:prSet/>
+      <dgm:spPr/>
+      <dgm:t>
+        <a:bodyPr/>
+        <a:lstStyle/>
+        <a:p>
+          <a:endParaRPr lang="en-US"/>
+        </a:p>
+      </dgm:t>
+    </dgm:pt>
+    <dgm:pt modelId="{99DF05CB-51B4-49EE-A891-B909E606A3A0}" type="pres">
+      <dgm:prSet presAssocID="{56B28CD6-E869-4774-8398-46362D295EB4}" presName="outerComposite" presStyleCnt="0">
+        <dgm:presLayoutVars>
+          <dgm:chMax val="5"/>
+          <dgm:dir/>
+          <dgm:resizeHandles val="exact"/>
+        </dgm:presLayoutVars>
+      </dgm:prSet>
+      <dgm:spPr/>
+    </dgm:pt>
+    <dgm:pt modelId="{1D388B6B-24B4-41D5-B045-3ECF9A0DF0CD}" type="pres">
+      <dgm:prSet presAssocID="{56B28CD6-E869-4774-8398-46362D295EB4}" presName="dummyMaxCanvas" presStyleCnt="0">
+        <dgm:presLayoutVars/>
+      </dgm:prSet>
+      <dgm:spPr/>
+    </dgm:pt>
+    <dgm:pt modelId="{960E1E0C-9D9D-474F-A8BA-DCC39E1CDCBD}" type="pres">
+      <dgm:prSet presAssocID="{56B28CD6-E869-4774-8398-46362D295EB4}" presName="TwoNodes_1" presStyleLbl="node1" presStyleIdx="0" presStyleCnt="2">
+        <dgm:presLayoutVars>
+          <dgm:bulletEnabled val="1"/>
+        </dgm:presLayoutVars>
+      </dgm:prSet>
+      <dgm:spPr/>
+    </dgm:pt>
+    <dgm:pt modelId="{785FDFDD-EEDB-4DFA-AA28-5E7BC36BB8F5}" type="pres">
+      <dgm:prSet presAssocID="{56B28CD6-E869-4774-8398-46362D295EB4}" presName="TwoNodes_2" presStyleLbl="node1" presStyleIdx="1" presStyleCnt="2">
+        <dgm:presLayoutVars>
+          <dgm:bulletEnabled val="1"/>
+        </dgm:presLayoutVars>
+      </dgm:prSet>
+      <dgm:spPr/>
+    </dgm:pt>
+    <dgm:pt modelId="{42B85825-ADDA-4068-A893-70F3AABECB22}" type="pres">
+      <dgm:prSet presAssocID="{56B28CD6-E869-4774-8398-46362D295EB4}" presName="TwoConn_1-2" presStyleLbl="fgAccFollowNode1" presStyleIdx="0" presStyleCnt="1">
+        <dgm:presLayoutVars>
+          <dgm:bulletEnabled val="1"/>
+        </dgm:presLayoutVars>
+      </dgm:prSet>
+      <dgm:spPr/>
+    </dgm:pt>
+    <dgm:pt modelId="{6CACC9DB-0E53-46FB-8FF9-633815ECA2CF}" type="pres">
+      <dgm:prSet presAssocID="{56B28CD6-E869-4774-8398-46362D295EB4}" presName="TwoNodes_1_text" presStyleLbl="node1" presStyleIdx="1" presStyleCnt="2">
+        <dgm:presLayoutVars>
+          <dgm:bulletEnabled val="1"/>
+        </dgm:presLayoutVars>
+      </dgm:prSet>
+      <dgm:spPr/>
+    </dgm:pt>
+    <dgm:pt modelId="{9D4B6D3D-8D7B-46A8-B9E5-02604433B8D8}" type="pres">
+      <dgm:prSet presAssocID="{56B28CD6-E869-4774-8398-46362D295EB4}" presName="TwoNodes_2_text" presStyleLbl="node1" presStyleIdx="1" presStyleCnt="2">
+        <dgm:presLayoutVars>
+          <dgm:bulletEnabled val="1"/>
+        </dgm:presLayoutVars>
+      </dgm:prSet>
+      <dgm:spPr/>
+    </dgm:pt>
+  </dgm:ptLst>
+  <dgm:cxnLst>
+    <dgm:cxn modelId="{0E854130-5B6B-4C2F-999D-5D7861045606}" type="presOf" srcId="{C5F10E51-44AC-4A14-A1C3-2DA264D77342}" destId="{960E1E0C-9D9D-474F-A8BA-DCC39E1CDCBD}" srcOrd="0" destOrd="0" presId="urn:microsoft.com/office/officeart/2005/8/layout/vProcess5"/>
+    <dgm:cxn modelId="{80829B6C-CB38-460C-BF99-021D78A28302}" type="presOf" srcId="{C5F10E51-44AC-4A14-A1C3-2DA264D77342}" destId="{6CACC9DB-0E53-46FB-8FF9-633815ECA2CF}" srcOrd="1" destOrd="0" presId="urn:microsoft.com/office/officeart/2005/8/layout/vProcess5"/>
+    <dgm:cxn modelId="{E5E03A8C-3A1B-4A5E-85C8-FE98E2CD1450}" type="presOf" srcId="{3EA8F894-0E9A-4C9A-896C-2B11F8B5D52E}" destId="{785FDFDD-EEDB-4DFA-AA28-5E7BC36BB8F5}" srcOrd="0" destOrd="0" presId="urn:microsoft.com/office/officeart/2005/8/layout/vProcess5"/>
+    <dgm:cxn modelId="{2155269A-BDC1-456E-A5D2-252E1ECD14E4}" type="presOf" srcId="{3EA8F894-0E9A-4C9A-896C-2B11F8B5D52E}" destId="{9D4B6D3D-8D7B-46A8-B9E5-02604433B8D8}" srcOrd="1" destOrd="0" presId="urn:microsoft.com/office/officeart/2005/8/layout/vProcess5"/>
+    <dgm:cxn modelId="{C1CC6CB5-DB6A-4B02-B57A-02DA1BFF2E36}" srcId="{56B28CD6-E869-4774-8398-46362D295EB4}" destId="{C5F10E51-44AC-4A14-A1C3-2DA264D77342}" srcOrd="0" destOrd="0" parTransId="{0AEEDD36-A738-4D76-8F20-C2DC998C7C3C}" sibTransId="{EFAC44B7-4C89-4138-8F18-30F36AC972A0}"/>
+    <dgm:cxn modelId="{F227D2DB-BB75-40C3-85B1-755173C76701}" type="presOf" srcId="{EFAC44B7-4C89-4138-8F18-30F36AC972A0}" destId="{42B85825-ADDA-4068-A893-70F3AABECB22}" srcOrd="0" destOrd="0" presId="urn:microsoft.com/office/officeart/2005/8/layout/vProcess5"/>
+    <dgm:cxn modelId="{99DE13E3-FE1E-4187-80BD-A2D897E319DE}" srcId="{56B28CD6-E869-4774-8398-46362D295EB4}" destId="{3EA8F894-0E9A-4C9A-896C-2B11F8B5D52E}" srcOrd="1" destOrd="0" parTransId="{D5107BB0-0D23-42D3-BF6E-8B0EA239B4B4}" sibTransId="{8A134CEA-2D5D-4350-86A7-D89B8EEC3872}"/>
+    <dgm:cxn modelId="{B5724BF5-4BE2-4054-8F50-7DF12C5F93B5}" type="presOf" srcId="{56B28CD6-E869-4774-8398-46362D295EB4}" destId="{99DF05CB-51B4-49EE-A891-B909E606A3A0}" srcOrd="0" destOrd="0" presId="urn:microsoft.com/office/officeart/2005/8/layout/vProcess5"/>
+    <dgm:cxn modelId="{CFA584A8-0D56-4025-80BF-8A6587DBC4A4}" type="presParOf" srcId="{99DF05CB-51B4-49EE-A891-B909E606A3A0}" destId="{1D388B6B-24B4-41D5-B045-3ECF9A0DF0CD}" srcOrd="0" destOrd="0" presId="urn:microsoft.com/office/officeart/2005/8/layout/vProcess5"/>
+    <dgm:cxn modelId="{93A68AA8-FA55-4D93-9BBB-65FE10C6A257}" type="presParOf" srcId="{99DF05CB-51B4-49EE-A891-B909E606A3A0}" destId="{960E1E0C-9D9D-474F-A8BA-DCC39E1CDCBD}" srcOrd="1" destOrd="0" presId="urn:microsoft.com/office/officeart/2005/8/layout/vProcess5"/>
+    <dgm:cxn modelId="{35AD0FC9-30D6-4F51-9097-80465FAFA60D}" type="presParOf" srcId="{99DF05CB-51B4-49EE-A891-B909E606A3A0}" destId="{785FDFDD-EEDB-4DFA-AA28-5E7BC36BB8F5}" srcOrd="2" destOrd="0" presId="urn:microsoft.com/office/officeart/2005/8/layout/vProcess5"/>
+    <dgm:cxn modelId="{E1288E7E-0DFE-48E0-B7D9-C908DBF3DC60}" type="presParOf" srcId="{99DF05CB-51B4-49EE-A891-B909E606A3A0}" destId="{42B85825-ADDA-4068-A893-70F3AABECB22}" srcOrd="3" destOrd="0" presId="urn:microsoft.com/office/officeart/2005/8/layout/vProcess5"/>
+    <dgm:cxn modelId="{58F96E5F-7927-46CF-B1AD-A26D9D52AFA2}" type="presParOf" srcId="{99DF05CB-51B4-49EE-A891-B909E606A3A0}" destId="{6CACC9DB-0E53-46FB-8FF9-633815ECA2CF}" srcOrd="4" destOrd="0" presId="urn:microsoft.com/office/officeart/2005/8/layout/vProcess5"/>
+    <dgm:cxn modelId="{023D8893-0F0F-45CD-836A-D082D5E561FD}" type="presParOf" srcId="{99DF05CB-51B4-49EE-A891-B909E606A3A0}" destId="{9D4B6D3D-8D7B-46A8-B9E5-02604433B8D8}" srcOrd="5" destOrd="0" presId="urn:microsoft.com/office/officeart/2005/8/layout/vProcess5"/>
+  </dgm:cxnLst>
+  <dgm:bg/>
+  <dgm:whole/>
+  <dgm:extLst>
+    <a:ext uri="http://schemas.microsoft.com/office/drawing/2008/diagram">
+      <dsp:dataModelExt xmlns:dsp="http://schemas.microsoft.com/office/drawing/2008/diagram" relId="rId6" minVer="http://schemas.openxmlformats.org/drawingml/2006/diagram"/>
+    </a:ext>
+  </dgm:extLst>
+</dgm:dataModel>
+</file>
+
+<file path=ppt/diagrams/data7.xml><?xml version="1.0" encoding="utf-8"?>
 <dgm:dataModel xmlns:dgm="http://schemas.openxmlformats.org/drawingml/2006/diagram" xmlns:a="http://schemas.openxmlformats.org/drawingml/2006/main">
   <dgm:ptLst>
     <dgm:pt modelId="{4DC19B4E-F076-4360-A947-EA61797572F7}" type="doc">
@@ -7324,10 +8298,10 @@
             <a:defRPr cap="all"/>
           </a:pPr>
           <a:r>
-            <a:rPr lang="cs-CZ" sz="6500" kern="1200"/>
+            <a:rPr lang="cs-CZ" sz="6500" kern="1200" dirty="0"/>
             <a:t>Co to znamená?</a:t>
           </a:r>
-          <a:endParaRPr lang="en-US" sz="6500" kern="1200"/>
+          <a:endParaRPr lang="en-US" sz="6500" kern="1200" dirty="0"/>
         </a:p>
       </dsp:txBody>
       <dsp:txXfrm>
@@ -7452,6 +8426,279 @@
 </file>
 
 <file path=ppt/diagrams/drawing6.xml><?xml version="1.0" encoding="utf-8"?>
+<dsp:drawing xmlns:dgm="http://schemas.openxmlformats.org/drawingml/2006/diagram" xmlns:dsp="http://schemas.microsoft.com/office/drawing/2008/diagram" xmlns:a="http://schemas.openxmlformats.org/drawingml/2006/main">
+  <dsp:spTree>
+    <dsp:nvGrpSpPr>
+      <dsp:cNvPr id="0" name=""/>
+      <dsp:cNvGrpSpPr/>
+    </dsp:nvGrpSpPr>
+    <dsp:grpSpPr/>
+    <dsp:sp modelId="{960E1E0C-9D9D-474F-A8BA-DCC39E1CDCBD}">
+      <dsp:nvSpPr>
+        <dsp:cNvPr id="0" name=""/>
+        <dsp:cNvSpPr/>
+      </dsp:nvSpPr>
+      <dsp:spPr>
+        <a:xfrm>
+          <a:off x="0" y="0"/>
+          <a:ext cx="9288654" cy="1660232"/>
+        </a:xfrm>
+        <a:prstGeom prst="roundRect">
+          <a:avLst>
+            <a:gd name="adj" fmla="val 10000"/>
+          </a:avLst>
+        </a:prstGeom>
+        <a:solidFill>
+          <a:schemeClr val="accent2">
+            <a:hueOff val="0"/>
+            <a:satOff val="0"/>
+            <a:lumOff val="0"/>
+            <a:alphaOff val="0"/>
+          </a:schemeClr>
+        </a:solidFill>
+        <a:ln w="12700" cap="flat" cmpd="sng" algn="ctr">
+          <a:solidFill>
+            <a:schemeClr val="lt1">
+              <a:hueOff val="0"/>
+              <a:satOff val="0"/>
+              <a:lumOff val="0"/>
+              <a:alphaOff val="0"/>
+            </a:schemeClr>
+          </a:solidFill>
+          <a:prstDash val="solid"/>
+          <a:miter lim="800000"/>
+        </a:ln>
+        <a:effectLst/>
+      </dsp:spPr>
+      <dsp:style>
+        <a:lnRef idx="2">
+          <a:scrgbClr r="0" g="0" b="0"/>
+        </a:lnRef>
+        <a:fillRef idx="1">
+          <a:scrgbClr r="0" g="0" b="0"/>
+        </a:fillRef>
+        <a:effectRef idx="0">
+          <a:scrgbClr r="0" g="0" b="0"/>
+        </a:effectRef>
+        <a:fontRef idx="minor">
+          <a:schemeClr val="lt1"/>
+        </a:fontRef>
+      </dsp:style>
+      <dsp:txBody>
+        <a:bodyPr spcFirstLastPara="0" vert="horz" wrap="square" lIns="186690" tIns="186690" rIns="186690" bIns="186690" numCol="1" spcCol="1270" anchor="ctr" anchorCtr="0">
+          <a:noAutofit/>
+        </a:bodyPr>
+        <a:lstStyle/>
+        <a:p>
+          <a:pPr marL="0" lvl="0" indent="0" algn="l" defTabSz="2178050">
+            <a:lnSpc>
+              <a:spcPct val="90000"/>
+            </a:lnSpc>
+            <a:spcBef>
+              <a:spcPct val="0"/>
+            </a:spcBef>
+            <a:spcAft>
+              <a:spcPct val="35000"/>
+            </a:spcAft>
+            <a:buNone/>
+          </a:pPr>
+          <a:r>
+            <a:rPr lang="en-US" sz="4900" kern="1200" dirty="0" err="1"/>
+            <a:t>Proč</a:t>
+          </a:r>
+          <a:r>
+            <a:rPr lang="en-US" sz="4900" kern="1200" dirty="0"/>
+            <a:t> </a:t>
+          </a:r>
+          <a:r>
+            <a:rPr lang="en-US" sz="4900" kern="1200" dirty="0" err="1"/>
+            <a:t>byl</a:t>
+          </a:r>
+          <a:r>
+            <a:rPr lang="en-US" sz="4900" kern="1200" dirty="0"/>
+            <a:t> </a:t>
+          </a:r>
+          <a:r>
+            <a:rPr lang="en-US" sz="4900" kern="1200" dirty="0" err="1"/>
+            <a:t>navržen</a:t>
+          </a:r>
+          <a:r>
+            <a:rPr lang="en-US" sz="4900" kern="1200" dirty="0"/>
+            <a:t>?</a:t>
+          </a:r>
+        </a:p>
+      </dsp:txBody>
+      <dsp:txXfrm>
+        <a:off x="48627" y="48627"/>
+        <a:ext cx="7572674" cy="1562978"/>
+      </dsp:txXfrm>
+    </dsp:sp>
+    <dsp:sp modelId="{785FDFDD-EEDB-4DFA-AA28-5E7BC36BB8F5}">
+      <dsp:nvSpPr>
+        <dsp:cNvPr id="0" name=""/>
+        <dsp:cNvSpPr/>
+      </dsp:nvSpPr>
+      <dsp:spPr>
+        <a:xfrm>
+          <a:off x="1639174" y="2029172"/>
+          <a:ext cx="9288654" cy="1660232"/>
+        </a:xfrm>
+        <a:prstGeom prst="roundRect">
+          <a:avLst>
+            <a:gd name="adj" fmla="val 10000"/>
+          </a:avLst>
+        </a:prstGeom>
+        <a:solidFill>
+          <a:schemeClr val="accent2">
+            <a:hueOff val="-1455363"/>
+            <a:satOff val="-83928"/>
+            <a:lumOff val="8628"/>
+            <a:alphaOff val="0"/>
+          </a:schemeClr>
+        </a:solidFill>
+        <a:ln w="12700" cap="flat" cmpd="sng" algn="ctr">
+          <a:solidFill>
+            <a:schemeClr val="lt1">
+              <a:hueOff val="0"/>
+              <a:satOff val="0"/>
+              <a:lumOff val="0"/>
+              <a:alphaOff val="0"/>
+            </a:schemeClr>
+          </a:solidFill>
+          <a:prstDash val="solid"/>
+          <a:miter lim="800000"/>
+        </a:ln>
+        <a:effectLst/>
+      </dsp:spPr>
+      <dsp:style>
+        <a:lnRef idx="2">
+          <a:scrgbClr r="0" g="0" b="0"/>
+        </a:lnRef>
+        <a:fillRef idx="1">
+          <a:scrgbClr r="0" g="0" b="0"/>
+        </a:fillRef>
+        <a:effectRef idx="0">
+          <a:scrgbClr r="0" g="0" b="0"/>
+        </a:effectRef>
+        <a:fontRef idx="minor">
+          <a:schemeClr val="lt1"/>
+        </a:fontRef>
+      </dsp:style>
+      <dsp:txBody>
+        <a:bodyPr spcFirstLastPara="0" vert="horz" wrap="square" lIns="186690" tIns="186690" rIns="186690" bIns="186690" numCol="1" spcCol="1270" anchor="ctr" anchorCtr="0">
+          <a:noAutofit/>
+        </a:bodyPr>
+        <a:lstStyle/>
+        <a:p>
+          <a:pPr marL="0" lvl="0" indent="0" algn="l" defTabSz="2178050">
+            <a:lnSpc>
+              <a:spcPct val="90000"/>
+            </a:lnSpc>
+            <a:spcBef>
+              <a:spcPct val="0"/>
+            </a:spcBef>
+            <a:spcAft>
+              <a:spcPct val="35000"/>
+            </a:spcAft>
+            <a:buNone/>
+          </a:pPr>
+          <a:r>
+            <a:rPr lang="cs-CZ" sz="4900" kern="1200" dirty="0"/>
+            <a:t>Jaký je jeho hlavní účel?</a:t>
+          </a:r>
+          <a:endParaRPr lang="en-US" sz="4900" kern="1200" dirty="0"/>
+        </a:p>
+      </dsp:txBody>
+      <dsp:txXfrm>
+        <a:off x="1687801" y="2077799"/>
+        <a:ext cx="6473075" cy="1562978"/>
+      </dsp:txXfrm>
+    </dsp:sp>
+    <dsp:sp modelId="{42B85825-ADDA-4068-A893-70F3AABECB22}">
+      <dsp:nvSpPr>
+        <dsp:cNvPr id="0" name=""/>
+        <dsp:cNvSpPr/>
+      </dsp:nvSpPr>
+      <dsp:spPr>
+        <a:xfrm>
+          <a:off x="8209503" y="1305127"/>
+          <a:ext cx="1079150" cy="1079150"/>
+        </a:xfrm>
+        <a:prstGeom prst="downArrow">
+          <a:avLst>
+            <a:gd name="adj1" fmla="val 55000"/>
+            <a:gd name="adj2" fmla="val 45000"/>
+          </a:avLst>
+        </a:prstGeom>
+        <a:solidFill>
+          <a:schemeClr val="accent2">
+            <a:tint val="40000"/>
+            <a:alpha val="90000"/>
+            <a:hueOff val="0"/>
+            <a:satOff val="0"/>
+            <a:lumOff val="0"/>
+            <a:alphaOff val="0"/>
+          </a:schemeClr>
+        </a:solidFill>
+        <a:ln w="12700" cap="flat" cmpd="sng" algn="ctr">
+          <a:solidFill>
+            <a:schemeClr val="accent2">
+              <a:tint val="40000"/>
+              <a:alpha val="90000"/>
+              <a:hueOff val="0"/>
+              <a:satOff val="0"/>
+              <a:lumOff val="0"/>
+              <a:alphaOff val="0"/>
+            </a:schemeClr>
+          </a:solidFill>
+          <a:prstDash val="solid"/>
+          <a:miter lim="800000"/>
+        </a:ln>
+        <a:effectLst/>
+      </dsp:spPr>
+      <dsp:style>
+        <a:lnRef idx="2">
+          <a:scrgbClr r="0" g="0" b="0"/>
+        </a:lnRef>
+        <a:fillRef idx="1">
+          <a:scrgbClr r="0" g="0" b="0"/>
+        </a:fillRef>
+        <a:effectRef idx="0">
+          <a:scrgbClr r="0" g="0" b="0"/>
+        </a:effectRef>
+        <a:fontRef idx="minor"/>
+      </dsp:style>
+      <dsp:txBody>
+        <a:bodyPr spcFirstLastPara="0" vert="horz" wrap="square" lIns="45720" tIns="45720" rIns="45720" bIns="45720" numCol="1" spcCol="1270" anchor="ctr" anchorCtr="0">
+          <a:noAutofit/>
+        </a:bodyPr>
+        <a:lstStyle/>
+        <a:p>
+          <a:pPr marL="0" lvl="0" indent="0" algn="ctr" defTabSz="1600200">
+            <a:lnSpc>
+              <a:spcPct val="90000"/>
+            </a:lnSpc>
+            <a:spcBef>
+              <a:spcPct val="0"/>
+            </a:spcBef>
+            <a:spcAft>
+              <a:spcPct val="35000"/>
+            </a:spcAft>
+            <a:buNone/>
+          </a:pPr>
+          <a:endParaRPr lang="en-US" sz="3600" kern="1200"/>
+        </a:p>
+      </dsp:txBody>
+      <dsp:txXfrm>
+        <a:off x="8452312" y="1305127"/>
+        <a:ext cx="593532" cy="812060"/>
+      </dsp:txXfrm>
+    </dsp:sp>
+  </dsp:spTree>
+</dsp:drawing>
+</file>
+
+<file path=ppt/diagrams/drawing7.xml><?xml version="1.0" encoding="utf-8"?>
 <dsp:drawing xmlns:dgm="http://schemas.openxmlformats.org/drawingml/2006/diagram" xmlns:dsp="http://schemas.microsoft.com/office/drawing/2008/diagram" xmlns:a="http://schemas.openxmlformats.org/drawingml/2006/main">
   <dsp:spTree>
     <dsp:nvGrpSpPr>
@@ -9767,6 +11014,1232 @@
 </file>
 
 <file path=ppt/diagrams/layout6.xml><?xml version="1.0" encoding="utf-8"?>
+<dgm:layoutDef xmlns:dgm="http://schemas.openxmlformats.org/drawingml/2006/diagram" xmlns:a="http://schemas.openxmlformats.org/drawingml/2006/main" uniqueId="urn:microsoft.com/office/officeart/2005/8/layout/vProcess5">
+  <dgm:title val=""/>
+  <dgm:desc val=""/>
+  <dgm:catLst>
+    <dgm:cat type="process" pri="14000"/>
+  </dgm:catLst>
+  <dgm:sampData>
+    <dgm:dataModel>
+      <dgm:ptLst>
+        <dgm:pt modelId="0" type="doc"/>
+        <dgm:pt modelId="1">
+          <dgm:prSet phldr="1"/>
+        </dgm:pt>
+        <dgm:pt modelId="2">
+          <dgm:prSet phldr="1"/>
+        </dgm:pt>
+        <dgm:pt modelId="3">
+          <dgm:prSet phldr="1"/>
+        </dgm:pt>
+      </dgm:ptLst>
+      <dgm:cxnLst>
+        <dgm:cxn modelId="5" srcId="0" destId="1" srcOrd="0" destOrd="0"/>
+        <dgm:cxn modelId="6" srcId="0" destId="2" srcOrd="1" destOrd="0"/>
+        <dgm:cxn modelId="7" srcId="0" destId="3" srcOrd="2" destOrd="0"/>
+      </dgm:cxnLst>
+      <dgm:bg/>
+      <dgm:whole/>
+    </dgm:dataModel>
+  </dgm:sampData>
+  <dgm:styleData>
+    <dgm:dataModel>
+      <dgm:ptLst>
+        <dgm:pt modelId="0" type="doc"/>
+        <dgm:pt modelId="1"/>
+        <dgm:pt modelId="2"/>
+      </dgm:ptLst>
+      <dgm:cxnLst>
+        <dgm:cxn modelId="3" srcId="0" destId="1" srcOrd="0" destOrd="0"/>
+        <dgm:cxn modelId="4" srcId="0" destId="2" srcOrd="1" destOrd="0"/>
+      </dgm:cxnLst>
+      <dgm:bg/>
+      <dgm:whole/>
+    </dgm:dataModel>
+  </dgm:styleData>
+  <dgm:clrData>
+    <dgm:dataModel>
+      <dgm:ptLst>
+        <dgm:pt modelId="0" type="doc"/>
+        <dgm:pt modelId="1"/>
+        <dgm:pt modelId="2"/>
+        <dgm:pt modelId="3"/>
+        <dgm:pt modelId="4"/>
+      </dgm:ptLst>
+      <dgm:cxnLst>
+        <dgm:cxn modelId="6" srcId="0" destId="1" srcOrd="0" destOrd="0"/>
+        <dgm:cxn modelId="7" srcId="0" destId="2" srcOrd="1" destOrd="0"/>
+        <dgm:cxn modelId="8" srcId="0" destId="3" srcOrd="2" destOrd="0"/>
+        <dgm:cxn modelId="9" srcId="0" destId="4" srcOrd="3" destOrd="0"/>
+      </dgm:cxnLst>
+      <dgm:bg/>
+      <dgm:whole/>
+    </dgm:dataModel>
+  </dgm:clrData>
+  <dgm:layoutNode name="outerComposite">
+    <dgm:varLst>
+      <dgm:chMax val="5"/>
+      <dgm:dir/>
+      <dgm:resizeHandles val="exact"/>
+    </dgm:varLst>
+    <dgm:alg type="composite"/>
+    <dgm:shape xmlns:r="http://schemas.openxmlformats.org/officeDocument/2006/relationships" r:blip="">
+      <dgm:adjLst/>
+    </dgm:shape>
+    <dgm:presOf/>
+    <dgm:choose name="Name0">
+      <dgm:if name="Name1" func="var" arg="dir" op="equ" val="norm">
+        <dgm:constrLst>
+          <dgm:constr type="primFontSz" for="ch" ptType="node" op="equ" val="65"/>
+          <dgm:constr type="w" for="ch" forName="dummyMaxCanvas" refType="w"/>
+          <dgm:constr type="h" for="ch" forName="dummyMaxCanvas" refType="h"/>
+          <dgm:constr type="w" for="ch" forName="OneNode_1" refType="w"/>
+          <dgm:constr type="h" for="ch" forName="OneNode_1" refType="h" fact="0.5"/>
+          <dgm:constr type="ctrY" for="ch" forName="OneNode_1" refType="h" fact="0.5"/>
+          <dgm:constr type="w" for="ch" forName="TwoNodes_1" refType="w" fact="0.85"/>
+          <dgm:constr type="h" for="ch" forName="TwoNodes_1" refType="h" fact="0.45"/>
+          <dgm:constr type="t" for="ch" forName="TwoNodes_1"/>
+          <dgm:constr type="l" for="ch" forName="TwoNodes_1"/>
+          <dgm:constr type="w" for="ch" forName="TwoNodes_2" refType="w" fact="0.85"/>
+          <dgm:constr type="h" for="ch" forName="TwoNodes_2" refType="h" fact="0.45"/>
+          <dgm:constr type="b" for="ch" forName="TwoNodes_2" refType="h"/>
+          <dgm:constr type="r" for="ch" forName="TwoNodes_2" refType="w"/>
+          <dgm:constr type="w" for="ch" forName="TwoConn_1-2" refType="h" refFor="ch" refForName="TwoNodes_1" fact="0.65"/>
+          <dgm:constr type="h" for="ch" forName="TwoConn_1-2" refType="h" refFor="ch" refForName="TwoNodes_1" fact="0.65"/>
+          <dgm:constr type="ctrY" for="ch" forName="TwoConn_1-2" refType="h" fact="0.5"/>
+          <dgm:constr type="r" for="ch" forName="TwoConn_1-2" refType="r" refFor="ch" refForName="TwoNodes_1"/>
+          <dgm:constr type="r" for="ch" forName="TwoNodes_1_text" refType="l" refFor="ch" refForName="TwoConn_1-2"/>
+          <dgm:constr type="rOff" for="ch" forName="TwoNodes_1_text" refType="w" refFor="ch" refForName="TwoConn_1-2" fact="-0.5"/>
+          <dgm:constr type="t" for="ch" forName="TwoNodes_1_text" refType="t" refFor="ch" refForName="TwoNodes_1"/>
+          <dgm:constr type="b" for="ch" forName="TwoNodes_1_text" refType="b" refFor="ch" refForName="TwoNodes_1"/>
+          <dgm:constr type="l" for="ch" forName="TwoNodes_1_text" refType="l" refFor="ch" refForName="TwoNodes_1"/>
+          <dgm:constr type="r" for="ch" forName="TwoNodes_2_text" refType="l" refFor="ch" refForName="TwoConn_1-2"/>
+          <dgm:constr type="t" for="ch" forName="TwoNodes_2_text" refType="t" refFor="ch" refForName="TwoNodes_2"/>
+          <dgm:constr type="b" for="ch" forName="TwoNodes_2_text" refType="b" refFor="ch" refForName="TwoNodes_2"/>
+          <dgm:constr type="l" for="ch" forName="TwoNodes_2_text" refType="l" refFor="ch" refForName="TwoNodes_2"/>
+          <dgm:constr type="w" for="ch" forName="ThreeNodes_1" refType="w" fact="0.85"/>
+          <dgm:constr type="h" for="ch" forName="ThreeNodes_1" refType="h" fact="0.3"/>
+          <dgm:constr type="t" for="ch" forName="ThreeNodes_1"/>
+          <dgm:constr type="l" for="ch" forName="ThreeNodes_1"/>
+          <dgm:constr type="w" for="ch" forName="ThreeNodes_2" refType="w" fact="0.85"/>
+          <dgm:constr type="h" for="ch" forName="ThreeNodes_2" refType="h" fact="0.3"/>
+          <dgm:constr type="ctrY" for="ch" forName="ThreeNodes_2" refType="h" fact="0.5"/>
+          <dgm:constr type="ctrX" for="ch" forName="ThreeNodes_2" refType="w" fact="0.5"/>
+          <dgm:constr type="w" for="ch" forName="ThreeNodes_3" refType="w" fact="0.85"/>
+          <dgm:constr type="h" for="ch" forName="ThreeNodes_3" refType="h" fact="0.3"/>
+          <dgm:constr type="b" for="ch" forName="ThreeNodes_3" refType="h"/>
+          <dgm:constr type="r" for="ch" forName="ThreeNodes_3" refType="w"/>
+          <dgm:constr type="w" for="ch" forName="ThreeConn_1-2" refType="h" refFor="ch" refForName="ThreeNodes_1" fact="0.65"/>
+          <dgm:constr type="h" for="ch" forName="ThreeConn_1-2" refType="h" refFor="ch" refForName="ThreeNodes_1" fact="0.65"/>
+          <dgm:constr type="ctrY" for="ch" forName="ThreeConn_1-2" refType="h" fact="0.325"/>
+          <dgm:constr type="r" for="ch" forName="ThreeConn_1-2" refType="r" refFor="ch" refForName="ThreeNodes_1"/>
+          <dgm:constr type="w" for="ch" forName="ThreeConn_2-3" refType="h" refFor="ch" refForName="ThreeNodes_2" fact="0.65"/>
+          <dgm:constr type="h" for="ch" forName="ThreeConn_2-3" refType="h" refFor="ch" refForName="ThreeNodes_2" fact="0.65"/>
+          <dgm:constr type="ctrY" for="ch" forName="ThreeConn_2-3" refType="h" fact="0.673"/>
+          <dgm:constr type="r" for="ch" forName="ThreeConn_2-3" refType="r" refFor="ch" refForName="ThreeNodes_2"/>
+          <dgm:constr type="r" for="ch" forName="ThreeNodes_1_text" refType="l" refFor="ch" refForName="ThreeConn_1-2"/>
+          <dgm:constr type="rOff" for="ch" forName="ThreeNodes_1_text" refType="w" refFor="ch" refForName="ThreeConn_1-2" fact="-0.57"/>
+          <dgm:constr type="t" for="ch" forName="ThreeNodes_1_text" refType="t" refFor="ch" refForName="ThreeNodes_1"/>
+          <dgm:constr type="b" for="ch" forName="ThreeNodes_1_text" refType="b" refFor="ch" refForName="ThreeNodes_1"/>
+          <dgm:constr type="l" for="ch" forName="ThreeNodes_1_text" refType="l" refFor="ch" refForName="ThreeNodes_1"/>
+          <dgm:constr type="r" for="ch" forName="ThreeNodes_2_text" refType="l" refFor="ch" refForName="ThreeConn_1-2"/>
+          <dgm:constr type="t" for="ch" forName="ThreeNodes_2_text" refType="t" refFor="ch" refForName="ThreeNodes_2"/>
+          <dgm:constr type="b" for="ch" forName="ThreeNodes_2_text" refType="b" refFor="ch" refForName="ThreeNodes_2"/>
+          <dgm:constr type="l" for="ch" forName="ThreeNodes_2_text" refType="l" refFor="ch" refForName="ThreeNodes_2"/>
+          <dgm:constr type="r" for="ch" forName="ThreeNodes_3_text" refType="l" refFor="ch" refForName="ThreeConn_2-3"/>
+          <dgm:constr type="t" for="ch" forName="ThreeNodes_3_text" refType="t" refFor="ch" refForName="ThreeNodes_3"/>
+          <dgm:constr type="b" for="ch" forName="ThreeNodes_3_text" refType="b" refFor="ch" refForName="ThreeNodes_3"/>
+          <dgm:constr type="l" for="ch" forName="ThreeNodes_3_text" refType="l" refFor="ch" refForName="ThreeNodes_3"/>
+          <dgm:constr type="w" for="ch" forName="FourNodes_1" refType="w" fact="0.8"/>
+          <dgm:constr type="h" for="ch" forName="FourNodes_1" refType="h" fact="0.22"/>
+          <dgm:constr type="t" for="ch" forName="FourNodes_1"/>
+          <dgm:constr type="l" for="ch" forName="FourNodes_1"/>
+          <dgm:constr type="w" for="ch" forName="FourNodes_2" refType="w" fact="0.8"/>
+          <dgm:constr type="h" for="ch" forName="FourNodes_2" refType="h" fact="0.22"/>
+          <dgm:constr type="ctrY" for="ch" forName="FourNodes_2" refType="h" fact="0.37"/>
+          <dgm:constr type="ctrX" for="ch" forName="FourNodes_2" refType="w" fact="0.467"/>
+          <dgm:constr type="w" for="ch" forName="FourNodes_3" refType="w" fact="0.8"/>
+          <dgm:constr type="h" for="ch" forName="FourNodes_3" refType="h" fact="0.22"/>
+          <dgm:constr type="ctrY" for="ch" forName="FourNodes_3" refType="h" fact="0.63"/>
+          <dgm:constr type="ctrX" for="ch" forName="FourNodes_3" refType="w" fact="0.533"/>
+          <dgm:constr type="w" for="ch" forName="FourNodes_4" refType="w" fact="0.8"/>
+          <dgm:constr type="h" for="ch" forName="FourNodes_4" refType="h" fact="0.22"/>
+          <dgm:constr type="b" for="ch" forName="FourNodes_4" refType="h"/>
+          <dgm:constr type="r" for="ch" forName="FourNodes_4" refType="w"/>
+          <dgm:constr type="w" for="ch" forName="FourConn_1-2" refType="h" refFor="ch" refForName="FourNodes_1" fact="0.65"/>
+          <dgm:constr type="h" for="ch" forName="FourConn_1-2" refType="h" refFor="ch" refForName="FourNodes_1" fact="0.65"/>
+          <dgm:constr type="ctrY" for="ch" forName="FourConn_1-2" refType="h" fact="0.24"/>
+          <dgm:constr type="r" for="ch" forName="FourConn_1-2" refType="r" refFor="ch" refForName="FourNodes_1"/>
+          <dgm:constr type="w" for="ch" forName="FourConn_2-3" refType="h" refFor="ch" refForName="FourNodes_2" fact="0.65"/>
+          <dgm:constr type="h" for="ch" forName="FourConn_2-3" refType="h" refFor="ch" refForName="FourNodes_2" fact="0.65"/>
+          <dgm:constr type="ctrY" for="ch" forName="FourConn_2-3" refType="h" fact="0.5"/>
+          <dgm:constr type="r" for="ch" forName="FourConn_2-3" refType="r" refFor="ch" refForName="FourNodes_2"/>
+          <dgm:constr type="w" for="ch" forName="FourConn_3-4" refType="h" refFor="ch" refForName="FourNodes_3" fact="0.65"/>
+          <dgm:constr type="h" for="ch" forName="FourConn_3-4" refType="h" refFor="ch" refForName="FourNodes_3" fact="0.65"/>
+          <dgm:constr type="ctrY" for="ch" forName="FourConn_3-4" refType="h" fact="0.76"/>
+          <dgm:constr type="r" for="ch" forName="FourConn_3-4" refType="r" refFor="ch" refForName="FourNodes_3"/>
+          <dgm:constr type="r" for="ch" forName="FourNodes_1_text" refType="l" refFor="ch" refForName="FourConn_1-2"/>
+          <dgm:constr type="rOff" for="ch" forName="FourNodes_1_text" refType="w" refFor="ch" refForName="FourConn_1-2" fact="-0.7"/>
+          <dgm:constr type="t" for="ch" forName="FourNodes_1_text" refType="t" refFor="ch" refForName="FourNodes_1"/>
+          <dgm:constr type="b" for="ch" forName="FourNodes_1_text" refType="b" refFor="ch" refForName="FourNodes_1"/>
+          <dgm:constr type="l" for="ch" forName="FourNodes_1_text" refType="l" refFor="ch" refForName="FourNodes_1"/>
+          <dgm:constr type="r" for="ch" forName="FourNodes_2_text" refType="l" refFor="ch" refForName="FourConn_1-2"/>
+          <dgm:constr type="t" for="ch" forName="FourNodes_2_text" refType="t" refFor="ch" refForName="FourNodes_2"/>
+          <dgm:constr type="b" for="ch" forName="FourNodes_2_text" refType="b" refFor="ch" refForName="FourNodes_2"/>
+          <dgm:constr type="l" for="ch" forName="FourNodes_2_text" refType="l" refFor="ch" refForName="FourNodes_2"/>
+          <dgm:constr type="r" for="ch" forName="FourNodes_3_text" refType="l" refFor="ch" refForName="FourConn_2-3"/>
+          <dgm:constr type="t" for="ch" forName="FourNodes_3_text" refType="t" refFor="ch" refForName="FourNodes_3"/>
+          <dgm:constr type="b" for="ch" forName="FourNodes_3_text" refType="b" refFor="ch" refForName="FourNodes_3"/>
+          <dgm:constr type="l" for="ch" forName="FourNodes_3_text" refType="l" refFor="ch" refForName="FourNodes_3"/>
+          <dgm:constr type="r" for="ch" forName="FourNodes_4_text" refType="l" refFor="ch" refForName="FourConn_3-4"/>
+          <dgm:constr type="t" for="ch" forName="FourNodes_4_text" refType="t" refFor="ch" refForName="FourNodes_4"/>
+          <dgm:constr type="b" for="ch" forName="FourNodes_4_text" refType="b" refFor="ch" refForName="FourNodes_4"/>
+          <dgm:constr type="l" for="ch" forName="FourNodes_4_text" refType="l" refFor="ch" refForName="FourNodes_4"/>
+          <dgm:constr type="w" for="ch" forName="FiveNodes_1" refType="w" fact="0.77"/>
+          <dgm:constr type="h" for="ch" forName="FiveNodes_1" refType="h" fact="0.18"/>
+          <dgm:constr type="t" for="ch" forName="FiveNodes_1"/>
+          <dgm:constr type="l" for="ch" forName="FiveNodes_1"/>
+          <dgm:constr type="w" for="ch" forName="FiveNodes_2" refType="w" fact="0.77"/>
+          <dgm:constr type="h" for="ch" forName="FiveNodes_2" refType="h" fact="0.18"/>
+          <dgm:constr type="ctrY" for="ch" forName="FiveNodes_2" refType="h" fact="0.295"/>
+          <dgm:constr type="ctrX" for="ch" forName="FiveNodes_2" refType="w" fact="0.4425"/>
+          <dgm:constr type="w" for="ch" forName="FiveNodes_3" refType="w" fact="0.77"/>
+          <dgm:constr type="h" for="ch" forName="FiveNodes_3" refType="h" fact="0.18"/>
+          <dgm:constr type="ctrY" for="ch" forName="FiveNodes_3" refType="h" fact="0.5"/>
+          <dgm:constr type="ctrX" for="ch" forName="FiveNodes_3" refType="w" fact="0.5"/>
+          <dgm:constr type="w" for="ch" forName="FiveNodes_4" refType="w" fact="0.77"/>
+          <dgm:constr type="h" for="ch" forName="FiveNodes_4" refType="h" fact="0.18"/>
+          <dgm:constr type="ctrY" for="ch" forName="FiveNodes_4" refType="h" fact="0.705"/>
+          <dgm:constr type="ctrX" for="ch" forName="FiveNodes_4" refType="w" fact="0.5575"/>
+          <dgm:constr type="w" for="ch" forName="FiveNodes_5" refType="w" fact="0.77"/>
+          <dgm:constr type="h" for="ch" forName="FiveNodes_5" refType="h" fact="0.18"/>
+          <dgm:constr type="b" for="ch" forName="FiveNodes_5" refType="h"/>
+          <dgm:constr type="r" for="ch" forName="FiveNodes_5" refType="w"/>
+          <dgm:constr type="w" for="ch" forName="FiveConn_1-2" refType="h" refFor="ch" refForName="FiveNodes_1" fact="0.65"/>
+          <dgm:constr type="h" for="ch" forName="FiveConn_1-2" refType="h" refFor="ch" refForName="FiveNodes_1" fact="0.65"/>
+          <dgm:constr type="ctrY" for="ch" forName="FiveConn_1-2" refType="h" fact="0.19"/>
+          <dgm:constr type="r" for="ch" forName="FiveConn_1-2" refType="r" refFor="ch" refForName="FiveNodes_1"/>
+          <dgm:constr type="w" for="ch" forName="FiveConn_2-3" refType="h" refFor="ch" refForName="FiveNodes_2" fact="0.65"/>
+          <dgm:constr type="h" for="ch" forName="FiveConn_2-3" refType="h" refFor="ch" refForName="FiveNodes_2" fact="0.65"/>
+          <dgm:constr type="ctrY" for="ch" forName="FiveConn_2-3" refType="h" fact="0.395"/>
+          <dgm:constr type="r" for="ch" forName="FiveConn_2-3" refType="r" refFor="ch" refForName="FiveNodes_2"/>
+          <dgm:constr type="w" for="ch" forName="FiveConn_3-4" refType="h" refFor="ch" refForName="FiveNodes_3" fact="0.65"/>
+          <dgm:constr type="h" for="ch" forName="FiveConn_3-4" refType="h" refFor="ch" refForName="FiveNodes_3" fact="0.65"/>
+          <dgm:constr type="ctrY" for="ch" forName="FiveConn_3-4" refType="h" fact="0.597"/>
+          <dgm:constr type="r" for="ch" forName="FiveConn_3-4" refType="r" refFor="ch" refForName="FiveNodes_3"/>
+          <dgm:constr type="w" for="ch" forName="FiveConn_4-5" refType="h" refFor="ch" refForName="FiveNodes_4" fact="0.65"/>
+          <dgm:constr type="h" for="ch" forName="FiveConn_4-5" refType="h" refFor="ch" refForName="FiveNodes_4" fact="0.65"/>
+          <dgm:constr type="ctrY" for="ch" forName="FiveConn_4-5" refType="h" fact="0.804"/>
+          <dgm:constr type="r" for="ch" forName="FiveConn_4-5" refType="r" refFor="ch" refForName="FiveNodes_4"/>
+          <dgm:constr type="r" for="ch" forName="FiveNodes_1_text" refType="l" refFor="ch" refForName="FiveConn_1-2"/>
+          <dgm:constr type="rOff" for="ch" forName="FiveNodes_1_text" refType="w" refFor="ch" refForName="FiveConn_1-2" fact="-0.75"/>
+          <dgm:constr type="t" for="ch" forName="FiveNodes_1_text" refType="t" refFor="ch" refForName="FiveNodes_1"/>
+          <dgm:constr type="b" for="ch" forName="FiveNodes_1_text" refType="b" refFor="ch" refForName="FiveNodes_1"/>
+          <dgm:constr type="l" for="ch" forName="FiveNodes_1_text" refType="l" refFor="ch" refForName="FiveNodes_1"/>
+          <dgm:constr type="r" for="ch" forName="FiveNodes_2_text" refType="l" refFor="ch" refForName="FiveConn_1-2"/>
+          <dgm:constr type="t" for="ch" forName="FiveNodes_2_text" refType="t" refFor="ch" refForName="FiveNodes_2"/>
+          <dgm:constr type="b" for="ch" forName="FiveNodes_2_text" refType="b" refFor="ch" refForName="FiveNodes_2"/>
+          <dgm:constr type="l" for="ch" forName="FiveNodes_2_text" refType="l" refFor="ch" refForName="FiveNodes_2"/>
+          <dgm:constr type="r" for="ch" forName="FiveNodes_3_text" refType="l" refFor="ch" refForName="FiveConn_2-3"/>
+          <dgm:constr type="t" for="ch" forName="FiveNodes_3_text" refType="t" refFor="ch" refForName="FiveNodes_3"/>
+          <dgm:constr type="b" for="ch" forName="FiveNodes_3_text" refType="b" refFor="ch" refForName="FiveNodes_3"/>
+          <dgm:constr type="l" for="ch" forName="FiveNodes_3_text" refType="l" refFor="ch" refForName="FiveNodes_3"/>
+          <dgm:constr type="r" for="ch" forName="FiveNodes_4_text" refType="l" refFor="ch" refForName="FiveConn_3-4"/>
+          <dgm:constr type="t" for="ch" forName="FiveNodes_4_text" refType="t" refFor="ch" refForName="FiveNodes_4"/>
+          <dgm:constr type="b" for="ch" forName="FiveNodes_4_text" refType="b" refFor="ch" refForName="FiveNodes_4"/>
+          <dgm:constr type="l" for="ch" forName="FiveNodes_4_text" refType="l" refFor="ch" refForName="FiveNodes_4"/>
+          <dgm:constr type="r" for="ch" forName="FiveNodes_5_text" refType="l" refFor="ch" refForName="FiveConn_4-5"/>
+          <dgm:constr type="t" for="ch" forName="FiveNodes_5_text" refType="t" refFor="ch" refForName="FiveNodes_5"/>
+          <dgm:constr type="b" for="ch" forName="FiveNodes_5_text" refType="b" refFor="ch" refForName="FiveNodes_5"/>
+          <dgm:constr type="l" for="ch" forName="FiveNodes_5_text" refType="l" refFor="ch" refForName="FiveNodes_5"/>
+        </dgm:constrLst>
+      </dgm:if>
+      <dgm:else name="Name2">
+        <dgm:constrLst>
+          <dgm:constr type="primFontSz" for="ch" ptType="node" op="equ" val="65"/>
+          <dgm:constr type="w" for="ch" forName="dummyMaxCanvas" refType="w"/>
+          <dgm:constr type="h" for="ch" forName="dummyMaxCanvas" refType="h"/>
+          <dgm:constr type="w" for="ch" forName="OneNode_1" refType="w"/>
+          <dgm:constr type="h" for="ch" forName="OneNode_1" refType="h" fact="0.5"/>
+          <dgm:constr type="ctrY" for="ch" forName="OneNode_1" refType="h" fact="0.5"/>
+          <dgm:constr type="w" for="ch" forName="TwoNodes_1" refType="w" fact="0.85"/>
+          <dgm:constr type="h" for="ch" forName="TwoNodes_1" refType="h" fact="0.45"/>
+          <dgm:constr type="t" for="ch" forName="TwoNodes_1"/>
+          <dgm:constr type="r" for="ch" forName="TwoNodes_1" refType="w"/>
+          <dgm:constr type="w" for="ch" forName="TwoNodes_2" refType="w" fact="0.85"/>
+          <dgm:constr type="h" for="ch" forName="TwoNodes_2" refType="h" fact="0.45"/>
+          <dgm:constr type="b" for="ch" forName="TwoNodes_2" refType="h"/>
+          <dgm:constr type="l" for="ch" forName="TwoNodes_2"/>
+          <dgm:constr type="w" for="ch" forName="TwoConn_1-2" refType="h" refFor="ch" refForName="TwoNodes_1" fact="0.65"/>
+          <dgm:constr type="h" for="ch" forName="TwoConn_1-2" refType="h" refFor="ch" refForName="TwoNodes_1" fact="0.65"/>
+          <dgm:constr type="ctrY" for="ch" forName="TwoConn_1-2" refType="h" fact="0.5"/>
+          <dgm:constr type="l" for="ch" forName="TwoConn_1-2" refType="l" refFor="ch" refForName="TwoNodes_1"/>
+          <dgm:constr type="l" for="ch" forName="TwoNodes_1_text" refType="r" refFor="ch" refForName="TwoConn_1-2"/>
+          <dgm:constr type="lOff" for="ch" forName="TwoNodes_1_text" refType="w" refFor="ch" refForName="TwoConn_1-2" fact="0.5"/>
+          <dgm:constr type="t" for="ch" forName="TwoNodes_1_text" refType="t" refFor="ch" refForName="TwoNodes_1"/>
+          <dgm:constr type="b" for="ch" forName="TwoNodes_1_text" refType="b" refFor="ch" refForName="TwoNodes_1"/>
+          <dgm:constr type="r" for="ch" forName="TwoNodes_1_text" refType="r" refFor="ch" refForName="TwoNodes_1"/>
+          <dgm:constr type="l" for="ch" forName="TwoNodes_2_text" refType="r" refFor="ch" refForName="TwoConn_1-2"/>
+          <dgm:constr type="t" for="ch" forName="TwoNodes_2_text" refType="t" refFor="ch" refForName="TwoNodes_2"/>
+          <dgm:constr type="b" for="ch" forName="TwoNodes_2_text" refType="b" refFor="ch" refForName="TwoNodes_2"/>
+          <dgm:constr type="r" for="ch" forName="TwoNodes_2_text" refType="r" refFor="ch" refForName="TwoNodes_2"/>
+          <dgm:constr type="w" for="ch" forName="ThreeNodes_1" refType="w" fact="0.85"/>
+          <dgm:constr type="h" for="ch" forName="ThreeNodes_1" refType="h" fact="0.3"/>
+          <dgm:constr type="t" for="ch" forName="ThreeNodes_1"/>
+          <dgm:constr type="r" for="ch" forName="ThreeNodes_1" refType="w"/>
+          <dgm:constr type="w" for="ch" forName="ThreeNodes_2" refType="w" fact="0.85"/>
+          <dgm:constr type="h" for="ch" forName="ThreeNodes_2" refType="h" fact="0.3"/>
+          <dgm:constr type="ctrY" for="ch" forName="ThreeNodes_2" refType="h" fact="0.5"/>
+          <dgm:constr type="ctrX" for="ch" forName="ThreeNodes_2" refType="w" fact="0.5"/>
+          <dgm:constr type="w" for="ch" forName="ThreeNodes_3" refType="w" fact="0.85"/>
+          <dgm:constr type="h" for="ch" forName="ThreeNodes_3" refType="h" fact="0.3"/>
+          <dgm:constr type="b" for="ch" forName="ThreeNodes_3" refType="h"/>
+          <dgm:constr type="l" for="ch" forName="ThreeNodes_3"/>
+          <dgm:constr type="w" for="ch" forName="ThreeConn_1-2" refType="h" refFor="ch" refForName="ThreeNodes_1" fact="0.65"/>
+          <dgm:constr type="h" for="ch" forName="ThreeConn_1-2" refType="h" refFor="ch" refForName="ThreeNodes_1" fact="0.65"/>
+          <dgm:constr type="ctrY" for="ch" forName="ThreeConn_1-2" refType="h" fact="0.325"/>
+          <dgm:constr type="l" for="ch" forName="ThreeConn_1-2" refType="l" refFor="ch" refForName="ThreeNodes_1"/>
+          <dgm:constr type="w" for="ch" forName="ThreeConn_2-3" refType="h" refFor="ch" refForName="ThreeNodes_2" fact="0.65"/>
+          <dgm:constr type="h" for="ch" forName="ThreeConn_2-3" refType="h" refFor="ch" refForName="ThreeNodes_2" fact="0.65"/>
+          <dgm:constr type="ctrY" for="ch" forName="ThreeConn_2-3" refType="h" fact="0.673"/>
+          <dgm:constr type="l" for="ch" forName="ThreeConn_2-3" refType="l" refFor="ch" refForName="ThreeNodes_2"/>
+          <dgm:constr type="l" for="ch" forName="ThreeNodes_1_text" refType="r" refFor="ch" refForName="ThreeConn_1-2"/>
+          <dgm:constr type="lOff" for="ch" forName="ThreeNodes_1_text" refType="w" refFor="ch" refForName="ThreeConn_1-2" fact="0.55"/>
+          <dgm:constr type="t" for="ch" forName="ThreeNodes_1_text" refType="t" refFor="ch" refForName="ThreeNodes_1"/>
+          <dgm:constr type="b" for="ch" forName="ThreeNodes_1_text" refType="b" refFor="ch" refForName="ThreeNodes_1"/>
+          <dgm:constr type="r" for="ch" forName="ThreeNodes_1_text" refType="r" refFor="ch" refForName="ThreeNodes_1"/>
+          <dgm:constr type="l" for="ch" forName="ThreeNodes_2_text" refType="r" refFor="ch" refForName="ThreeConn_1-2"/>
+          <dgm:constr type="t" for="ch" forName="ThreeNodes_2_text" refType="t" refFor="ch" refForName="ThreeNodes_2"/>
+          <dgm:constr type="b" for="ch" forName="ThreeNodes_2_text" refType="b" refFor="ch" refForName="ThreeNodes_2"/>
+          <dgm:constr type="r" for="ch" forName="ThreeNodes_2_text" refType="r" refFor="ch" refForName="ThreeNodes_2"/>
+          <dgm:constr type="l" for="ch" forName="ThreeNodes_3_text" refType="r" refFor="ch" refForName="ThreeConn_2-3"/>
+          <dgm:constr type="t" for="ch" forName="ThreeNodes_3_text" refType="t" refFor="ch" refForName="ThreeNodes_3"/>
+          <dgm:constr type="b" for="ch" forName="ThreeNodes_3_text" refType="b" refFor="ch" refForName="ThreeNodes_3"/>
+          <dgm:constr type="r" for="ch" forName="ThreeNodes_3_text" refType="r" refFor="ch" refForName="ThreeNodes_3"/>
+          <dgm:constr type="w" for="ch" forName="FourNodes_1" refType="w" fact="0.8"/>
+          <dgm:constr type="h" for="ch" forName="FourNodes_1" refType="h" fact="0.22"/>
+          <dgm:constr type="t" for="ch" forName="FourNodes_1"/>
+          <dgm:constr type="r" for="ch" forName="FourNodes_1" refType="w"/>
+          <dgm:constr type="w" for="ch" forName="FourNodes_2" refType="w" fact="0.8"/>
+          <dgm:constr type="h" for="ch" forName="FourNodes_2" refType="h" fact="0.22"/>
+          <dgm:constr type="ctrY" for="ch" forName="FourNodes_2" refType="h" fact="0.37"/>
+          <dgm:constr type="ctrX" for="ch" forName="FourNodes_2" refType="w" fact="0.533"/>
+          <dgm:constr type="w" for="ch" forName="FourNodes_3" refType="w" fact="0.8"/>
+          <dgm:constr type="h" for="ch" forName="FourNodes_3" refType="h" fact="0.22"/>
+          <dgm:constr type="ctrY" for="ch" forName="FourNodes_3" refType="h" fact="0.63"/>
+          <dgm:constr type="ctrX" for="ch" forName="FourNodes_3" refType="w" fact="0.467"/>
+          <dgm:constr type="w" for="ch" forName="FourNodes_4" refType="w" fact="0.8"/>
+          <dgm:constr type="h" for="ch" forName="FourNodes_4" refType="h" fact="0.22"/>
+          <dgm:constr type="b" for="ch" forName="FourNodes_4" refType="h"/>
+          <dgm:constr type="l" for="ch" forName="FourNodes_4"/>
+          <dgm:constr type="w" for="ch" forName="FourConn_1-2" refType="h" refFor="ch" refForName="FourNodes_1" fact="0.65"/>
+          <dgm:constr type="h" for="ch" forName="FourConn_1-2" refType="h" refFor="ch" refForName="FourNodes_1" fact="0.65"/>
+          <dgm:constr type="ctrY" for="ch" forName="FourConn_1-2" refType="h" fact="0.24"/>
+          <dgm:constr type="l" for="ch" forName="FourConn_1-2" refType="l" refFor="ch" refForName="FourNodes_1"/>
+          <dgm:constr type="w" for="ch" forName="FourConn_2-3" refType="h" refFor="ch" refForName="FourNodes_2" fact="0.65"/>
+          <dgm:constr type="h" for="ch" forName="FourConn_2-3" refType="h" refFor="ch" refForName="FourNodes_2" fact="0.65"/>
+          <dgm:constr type="ctrY" for="ch" forName="FourConn_2-3" refType="h" fact="0.5"/>
+          <dgm:constr type="l" for="ch" forName="FourConn_2-3" refType="l" refFor="ch" refForName="FourNodes_2"/>
+          <dgm:constr type="w" for="ch" forName="FourConn_3-4" refType="h" refFor="ch" refForName="FourNodes_3" fact="0.65"/>
+          <dgm:constr type="h" for="ch" forName="FourConn_3-4" refType="h" refFor="ch" refForName="FourNodes_3" fact="0.65"/>
+          <dgm:constr type="ctrY" for="ch" forName="FourConn_3-4" refType="h" fact="0.76"/>
+          <dgm:constr type="l" for="ch" forName="FourConn_3-4" refType="l" refFor="ch" refForName="FourNodes_3"/>
+          <dgm:constr type="l" for="ch" forName="FourNodes_1_text" refType="r" refFor="ch" refForName="FourConn_1-2"/>
+          <dgm:constr type="lOff" for="ch" forName="FourNodes_1_text" refType="w" refFor="ch" refForName="FourConn_1-2" fact="0.69"/>
+          <dgm:constr type="t" for="ch" forName="FourNodes_1_text" refType="t" refFor="ch" refForName="FourNodes_1"/>
+          <dgm:constr type="b" for="ch" forName="FourNodes_1_text" refType="b" refFor="ch" refForName="FourNodes_1"/>
+          <dgm:constr type="r" for="ch" forName="FourNodes_1_text" refType="r" refFor="ch" refForName="FourNodes_1"/>
+          <dgm:constr type="l" for="ch" forName="FourNodes_2_text" refType="r" refFor="ch" refForName="FourConn_1-2"/>
+          <dgm:constr type="t" for="ch" forName="FourNodes_2_text" refType="t" refFor="ch" refForName="FourNodes_2"/>
+          <dgm:constr type="b" for="ch" forName="FourNodes_2_text" refType="b" refFor="ch" refForName="FourNodes_2"/>
+          <dgm:constr type="r" for="ch" forName="FourNodes_2_text" refType="r" refFor="ch" refForName="FourNodes_2"/>
+          <dgm:constr type="l" for="ch" forName="FourNodes_3_text" refType="r" refFor="ch" refForName="FourConn_2-3"/>
+          <dgm:constr type="t" for="ch" forName="FourNodes_3_text" refType="t" refFor="ch" refForName="FourNodes_3"/>
+          <dgm:constr type="b" for="ch" forName="FourNodes_3_text" refType="b" refFor="ch" refForName="FourNodes_3"/>
+          <dgm:constr type="r" for="ch" forName="FourNodes_3_text" refType="r" refFor="ch" refForName="FourNodes_3"/>
+          <dgm:constr type="l" for="ch" forName="FourNodes_4_text" refType="r" refFor="ch" refForName="FourConn_3-4"/>
+          <dgm:constr type="t" for="ch" forName="FourNodes_4_text" refType="t" refFor="ch" refForName="FourNodes_4"/>
+          <dgm:constr type="b" for="ch" forName="FourNodes_4_text" refType="b" refFor="ch" refForName="FourNodes_4"/>
+          <dgm:constr type="r" for="ch" forName="FourNodes_4_text" refType="r" refFor="ch" refForName="FourNodes_4"/>
+          <dgm:constr type="w" for="ch" forName="FiveNodes_1" refType="w" fact="0.77"/>
+          <dgm:constr type="h" for="ch" forName="FiveNodes_1" refType="h" fact="0.18"/>
+          <dgm:constr type="t" for="ch" forName="FiveNodes_1"/>
+          <dgm:constr type="r" for="ch" forName="FiveNodes_1" refType="w"/>
+          <dgm:constr type="w" for="ch" forName="FiveNodes_2" refType="w" fact="0.77"/>
+          <dgm:constr type="h" for="ch" forName="FiveNodes_2" refType="h" fact="0.18"/>
+          <dgm:constr type="ctrY" for="ch" forName="FiveNodes_2" refType="h" fact="0.295"/>
+          <dgm:constr type="ctrX" for="ch" forName="FiveNodes_2" refType="w" fact="0.5575"/>
+          <dgm:constr type="w" for="ch" forName="FiveNodes_3" refType="w" fact="0.77"/>
+          <dgm:constr type="h" for="ch" forName="FiveNodes_3" refType="h" fact="0.18"/>
+          <dgm:constr type="ctrY" for="ch" forName="FiveNodes_3" refType="h" fact="0.5"/>
+          <dgm:constr type="ctrX" for="ch" forName="FiveNodes_3" refType="w" fact="0.5"/>
+          <dgm:constr type="w" for="ch" forName="FiveNodes_4" refType="w" fact="0.77"/>
+          <dgm:constr type="h" for="ch" forName="FiveNodes_4" refType="h" fact="0.18"/>
+          <dgm:constr type="ctrY" for="ch" forName="FiveNodes_4" refType="h" fact="0.705"/>
+          <dgm:constr type="ctrX" for="ch" forName="FiveNodes_4" refType="w" fact="0.4425"/>
+          <dgm:constr type="w" for="ch" forName="FiveNodes_5" refType="w" fact="0.77"/>
+          <dgm:constr type="h" for="ch" forName="FiveNodes_5" refType="h" fact="0.18"/>
+          <dgm:constr type="b" for="ch" forName="FiveNodes_5" refType="h"/>
+          <dgm:constr type="l" for="ch" forName="FiveNodes_5"/>
+          <dgm:constr type="w" for="ch" forName="FiveConn_1-2" refType="h" refFor="ch" refForName="FiveNodes_1" fact="0.65"/>
+          <dgm:constr type="h" for="ch" forName="FiveConn_1-2" refType="h" refFor="ch" refForName="FiveNodes_1" fact="0.65"/>
+          <dgm:constr type="ctrY" for="ch" forName="FiveConn_1-2" refType="h" fact="0.19"/>
+          <dgm:constr type="l" for="ch" forName="FiveConn_1-2" refType="l" refFor="ch" refForName="FiveNodes_1"/>
+          <dgm:constr type="w" for="ch" forName="FiveConn_2-3" refType="h" refFor="ch" refForName="FiveNodes_2" fact="0.65"/>
+          <dgm:constr type="h" for="ch" forName="FiveConn_2-3" refType="h" refFor="ch" refForName="FiveNodes_2" fact="0.65"/>
+          <dgm:constr type="ctrY" for="ch" forName="FiveConn_2-3" refType="h" fact="0.395"/>
+          <dgm:constr type="l" for="ch" forName="FiveConn_2-3" refType="l" refFor="ch" refForName="FiveNodes_2"/>
+          <dgm:constr type="w" for="ch" forName="FiveConn_3-4" refType="h" refFor="ch" refForName="FiveNodes_3" fact="0.65"/>
+          <dgm:constr type="h" for="ch" forName="FiveConn_3-4" refType="h" refFor="ch" refForName="FiveNodes_3" fact="0.65"/>
+          <dgm:constr type="ctrY" for="ch" forName="FiveConn_3-4" refType="h" fact="0.597"/>
+          <dgm:constr type="l" for="ch" forName="FiveConn_3-4" refType="l" refFor="ch" refForName="FiveNodes_3"/>
+          <dgm:constr type="w" for="ch" forName="FiveConn_4-5" refType="h" refFor="ch" refForName="FiveNodes_4" fact="0.65"/>
+          <dgm:constr type="h" for="ch" forName="FiveConn_4-5" refType="h" refFor="ch" refForName="FiveNodes_4" fact="0.65"/>
+          <dgm:constr type="ctrY" for="ch" forName="FiveConn_4-5" refType="h" fact="0.804"/>
+          <dgm:constr type="l" for="ch" forName="FiveConn_4-5" refType="l" refFor="ch" refForName="FiveNodes_4"/>
+          <dgm:constr type="l" for="ch" forName="FiveNodes_1_text" refType="r" refFor="ch" refForName="FiveConn_1-2"/>
+          <dgm:constr type="lOff" for="ch" forName="FiveNodes_1_text" refType="w" refFor="ch" refForName="FiveConn_1-2" fact="0.73"/>
+          <dgm:constr type="t" for="ch" forName="FiveNodes_1_text" refType="t" refFor="ch" refForName="FiveNodes_1"/>
+          <dgm:constr type="b" for="ch" forName="FiveNodes_1_text" refType="b" refFor="ch" refForName="FiveNodes_1"/>
+          <dgm:constr type="r" for="ch" forName="FiveNodes_1_text" refType="r" refFor="ch" refForName="FiveNodes_1"/>
+          <dgm:constr type="l" for="ch" forName="FiveNodes_2_text" refType="r" refFor="ch" refForName="FiveConn_1-2"/>
+          <dgm:constr type="t" for="ch" forName="FiveNodes_2_text" refType="t" refFor="ch" refForName="FiveNodes_2"/>
+          <dgm:constr type="b" for="ch" forName="FiveNodes_2_text" refType="b" refFor="ch" refForName="FiveNodes_2"/>
+          <dgm:constr type="r" for="ch" forName="FiveNodes_2_text" refType="r" refFor="ch" refForName="FiveNodes_2"/>
+          <dgm:constr type="l" for="ch" forName="FiveNodes_3_text" refType="r" refFor="ch" refForName="FiveConn_2-3"/>
+          <dgm:constr type="t" for="ch" forName="FiveNodes_3_text" refType="t" refFor="ch" refForName="FiveNodes_3"/>
+          <dgm:constr type="b" for="ch" forName="FiveNodes_3_text" refType="b" refFor="ch" refForName="FiveNodes_3"/>
+          <dgm:constr type="r" for="ch" forName="FiveNodes_3_text" refType="r" refFor="ch" refForName="FiveNodes_3"/>
+          <dgm:constr type="l" for="ch" forName="FiveNodes_4_text" refType="r" refFor="ch" refForName="FiveConn_3-4"/>
+          <dgm:constr type="t" for="ch" forName="FiveNodes_4_text" refType="t" refFor="ch" refForName="FiveNodes_4"/>
+          <dgm:constr type="b" for="ch" forName="FiveNodes_4_text" refType="b" refFor="ch" refForName="FiveNodes_4"/>
+          <dgm:constr type="r" for="ch" forName="FiveNodes_4_text" refType="r" refFor="ch" refForName="FiveNodes_4"/>
+          <dgm:constr type="l" for="ch" forName="FiveNodes_5_text" refType="r" refFor="ch" refForName="FiveConn_4-5"/>
+          <dgm:constr type="t" for="ch" forName="FiveNodes_5_text" refType="t" refFor="ch" refForName="FiveNodes_5"/>
+          <dgm:constr type="b" for="ch" forName="FiveNodes_5_text" refType="b" refFor="ch" refForName="FiveNodes_5"/>
+          <dgm:constr type="r" for="ch" forName="FiveNodes_5_text" refType="r" refFor="ch" refForName="FiveNodes_5"/>
+        </dgm:constrLst>
+      </dgm:else>
+    </dgm:choose>
+    <dgm:ruleLst/>
+    <dgm:layoutNode name="dummyMaxCanvas">
+      <dgm:varLst/>
+      <dgm:alg type="sp"/>
+      <dgm:shape xmlns:r="http://schemas.openxmlformats.org/officeDocument/2006/relationships" r:blip="">
+        <dgm:adjLst/>
+      </dgm:shape>
+      <dgm:presOf/>
+      <dgm:constrLst/>
+      <dgm:ruleLst/>
+    </dgm:layoutNode>
+    <dgm:choose name="Name3">
+      <dgm:if name="Name4" axis="ch" ptType="node" func="cnt" op="equ" val="1">
+        <dgm:layoutNode name="OneNode_1">
+          <dgm:varLst>
+            <dgm:bulletEnabled val="1"/>
+          </dgm:varLst>
+          <dgm:alg type="tx"/>
+          <dgm:shape xmlns:r="http://schemas.openxmlformats.org/officeDocument/2006/relationships" type="roundRect" r:blip="">
+            <dgm:adjLst>
+              <dgm:adj idx="1" val="0.1"/>
+            </dgm:adjLst>
+          </dgm:shape>
+          <dgm:presOf axis="ch desOrSelf" ptType="node node" st="1 1" cnt="1 0"/>
+          <dgm:constrLst>
+            <dgm:constr type="lMarg" refType="primFontSz" fact="0.3"/>
+            <dgm:constr type="rMarg" refType="primFontSz" fact="0.3"/>
+            <dgm:constr type="tMarg" refType="primFontSz" fact="0.3"/>
+            <dgm:constr type="bMarg" refType="primFontSz" fact="0.3"/>
+          </dgm:constrLst>
+          <dgm:ruleLst>
+            <dgm:rule type="primFontSz" val="5" fact="NaN" max="NaN"/>
+          </dgm:ruleLst>
+        </dgm:layoutNode>
+      </dgm:if>
+      <dgm:else name="Name5">
+        <dgm:choose name="Name6">
+          <dgm:if name="Name7" axis="ch" ptType="node" func="cnt" op="equ" val="2">
+            <dgm:layoutNode name="TwoNodes_1">
+              <dgm:varLst>
+                <dgm:bulletEnabled val="1"/>
+              </dgm:varLst>
+              <dgm:alg type="sp"/>
+              <dgm:shape xmlns:r="http://schemas.openxmlformats.org/officeDocument/2006/relationships" type="roundRect" r:blip="">
+                <dgm:adjLst>
+                  <dgm:adj idx="1" val="0.1"/>
+                </dgm:adjLst>
+              </dgm:shape>
+              <dgm:presOf axis="ch desOrSelf" ptType="node node" st="1 1" cnt="1 0"/>
+              <dgm:constrLst/>
+              <dgm:ruleLst/>
+            </dgm:layoutNode>
+            <dgm:layoutNode name="TwoNodes_2">
+              <dgm:varLst>
+                <dgm:bulletEnabled val="1"/>
+              </dgm:varLst>
+              <dgm:alg type="sp"/>
+              <dgm:shape xmlns:r="http://schemas.openxmlformats.org/officeDocument/2006/relationships" type="roundRect" r:blip="">
+                <dgm:adjLst>
+                  <dgm:adj idx="1" val="0.1"/>
+                </dgm:adjLst>
+              </dgm:shape>
+              <dgm:presOf axis="ch desOrSelf" ptType="node node" st="2 1" cnt="1 0"/>
+              <dgm:constrLst/>
+              <dgm:ruleLst/>
+            </dgm:layoutNode>
+            <dgm:layoutNode name="TwoConn_1-2" styleLbl="fgAccFollowNode1">
+              <dgm:varLst>
+                <dgm:bulletEnabled val="1"/>
+              </dgm:varLst>
+              <dgm:alg type="tx"/>
+              <dgm:shape xmlns:r="http://schemas.openxmlformats.org/officeDocument/2006/relationships" type="downArrow" r:blip="">
+                <dgm:adjLst>
+                  <dgm:adj idx="1" val="0.55"/>
+                  <dgm:adj idx="2" val="0.45"/>
+                </dgm:adjLst>
+              </dgm:shape>
+              <dgm:presOf axis="ch" ptType="sibTrans" cnt="1"/>
+              <dgm:constrLst>
+                <dgm:constr type="lMarg" refType="primFontSz" fact="0.1"/>
+                <dgm:constr type="rMarg" refType="primFontSz" fact="0.1"/>
+                <dgm:constr type="tMarg" refType="primFontSz" fact="0.1"/>
+                <dgm:constr type="bMarg" refType="primFontSz" fact="0.1"/>
+              </dgm:constrLst>
+              <dgm:ruleLst>
+                <dgm:rule type="primFontSz" val="5" fact="NaN" max="NaN"/>
+              </dgm:ruleLst>
+            </dgm:layoutNode>
+            <dgm:layoutNode name="TwoNodes_1_text">
+              <dgm:varLst>
+                <dgm:bulletEnabled val="1"/>
+              </dgm:varLst>
+              <dgm:alg type="tx">
+                <dgm:param type="parTxLTRAlign" val="l"/>
+                <dgm:param type="txAnchorVertCh" val="mid"/>
+              </dgm:alg>
+              <dgm:shape xmlns:r="http://schemas.openxmlformats.org/officeDocument/2006/relationships" type="roundRect" r:blip="" hideGeom="1">
+                <dgm:adjLst>
+                  <dgm:adj idx="1" val="0.1"/>
+                </dgm:adjLst>
+              </dgm:shape>
+              <dgm:presOf axis="ch desOrSelf" ptType="node node" st="1 1" cnt="1 0"/>
+              <dgm:constrLst>
+                <dgm:constr type="lMarg" refType="primFontSz" fact="0.3"/>
+                <dgm:constr type="rMarg" refType="primFontSz" fact="0.3"/>
+                <dgm:constr type="tMarg" refType="primFontSz" fact="0.3"/>
+                <dgm:constr type="bMarg" refType="primFontSz" fact="0.3"/>
+              </dgm:constrLst>
+              <dgm:ruleLst>
+                <dgm:rule type="primFontSz" val="5" fact="NaN" max="NaN"/>
+              </dgm:ruleLst>
+            </dgm:layoutNode>
+            <dgm:layoutNode name="TwoNodes_2_text">
+              <dgm:varLst>
+                <dgm:bulletEnabled val="1"/>
+              </dgm:varLst>
+              <dgm:alg type="tx">
+                <dgm:param type="parTxLTRAlign" val="l"/>
+                <dgm:param type="txAnchorVertCh" val="mid"/>
+              </dgm:alg>
+              <dgm:shape xmlns:r="http://schemas.openxmlformats.org/officeDocument/2006/relationships" type="roundRect" r:blip="" hideGeom="1">
+                <dgm:adjLst>
+                  <dgm:adj idx="1" val="0.1"/>
+                </dgm:adjLst>
+              </dgm:shape>
+              <dgm:presOf axis="ch desOrSelf" ptType="node node" st="2 1" cnt="1 0"/>
+              <dgm:constrLst>
+                <dgm:constr type="lMarg" refType="primFontSz" fact="0.3"/>
+                <dgm:constr type="rMarg" refType="primFontSz" fact="0.3"/>
+                <dgm:constr type="tMarg" refType="primFontSz" fact="0.3"/>
+                <dgm:constr type="bMarg" refType="primFontSz" fact="0.3"/>
+              </dgm:constrLst>
+              <dgm:ruleLst>
+                <dgm:rule type="primFontSz" val="5" fact="NaN" max="NaN"/>
+              </dgm:ruleLst>
+            </dgm:layoutNode>
+          </dgm:if>
+          <dgm:else name="Name8">
+            <dgm:choose name="Name9">
+              <dgm:if name="Name10" axis="ch" ptType="node" func="cnt" op="equ" val="3">
+                <dgm:layoutNode name="ThreeNodes_1">
+                  <dgm:varLst>
+                    <dgm:bulletEnabled val="1"/>
+                  </dgm:varLst>
+                  <dgm:alg type="sp"/>
+                  <dgm:shape xmlns:r="http://schemas.openxmlformats.org/officeDocument/2006/relationships" type="roundRect" r:blip="">
+                    <dgm:adjLst>
+                      <dgm:adj idx="1" val="0.1"/>
+                    </dgm:adjLst>
+                  </dgm:shape>
+                  <dgm:presOf axis="ch desOrSelf" ptType="node node" st="1 1" cnt="1 0"/>
+                  <dgm:constrLst/>
+                  <dgm:ruleLst/>
+                </dgm:layoutNode>
+                <dgm:layoutNode name="ThreeNodes_2">
+                  <dgm:varLst>
+                    <dgm:bulletEnabled val="1"/>
+                  </dgm:varLst>
+                  <dgm:alg type="sp"/>
+                  <dgm:shape xmlns:r="http://schemas.openxmlformats.org/officeDocument/2006/relationships" type="roundRect" r:blip="">
+                    <dgm:adjLst>
+                      <dgm:adj idx="1" val="0.1"/>
+                    </dgm:adjLst>
+                  </dgm:shape>
+                  <dgm:presOf axis="ch desOrSelf" ptType="node node" st="2 1" cnt="1 0"/>
+                  <dgm:constrLst/>
+                  <dgm:ruleLst/>
+                </dgm:layoutNode>
+                <dgm:layoutNode name="ThreeNodes_3">
+                  <dgm:varLst>
+                    <dgm:bulletEnabled val="1"/>
+                  </dgm:varLst>
+                  <dgm:alg type="sp"/>
+                  <dgm:shape xmlns:r="http://schemas.openxmlformats.org/officeDocument/2006/relationships" type="roundRect" r:blip="">
+                    <dgm:adjLst>
+                      <dgm:adj idx="1" val="0.1"/>
+                    </dgm:adjLst>
+                  </dgm:shape>
+                  <dgm:presOf axis="ch desOrSelf" ptType="node node" st="3 1" cnt="1 0"/>
+                  <dgm:constrLst/>
+                  <dgm:ruleLst/>
+                </dgm:layoutNode>
+                <dgm:layoutNode name="ThreeConn_1-2" styleLbl="fgAccFollowNode1">
+                  <dgm:varLst>
+                    <dgm:bulletEnabled val="1"/>
+                  </dgm:varLst>
+                  <dgm:alg type="tx"/>
+                  <dgm:shape xmlns:r="http://schemas.openxmlformats.org/officeDocument/2006/relationships" type="downArrow" r:blip="">
+                    <dgm:adjLst>
+                      <dgm:adj idx="1" val="0.55"/>
+                      <dgm:adj idx="2" val="0.45"/>
+                    </dgm:adjLst>
+                  </dgm:shape>
+                  <dgm:presOf axis="ch" ptType="sibTrans" cnt="1"/>
+                  <dgm:constrLst>
+                    <dgm:constr type="lMarg" refType="primFontSz" fact="0.1"/>
+                    <dgm:constr type="rMarg" refType="primFontSz" fact="0.1"/>
+                    <dgm:constr type="tMarg" refType="primFontSz" fact="0.1"/>
+                    <dgm:constr type="bMarg" refType="primFontSz" fact="0.1"/>
+                  </dgm:constrLst>
+                  <dgm:ruleLst>
+                    <dgm:rule type="primFontSz" val="5" fact="NaN" max="NaN"/>
+                  </dgm:ruleLst>
+                </dgm:layoutNode>
+                <dgm:layoutNode name="ThreeConn_2-3" styleLbl="fgAccFollowNode1">
+                  <dgm:varLst>
+                    <dgm:bulletEnabled val="1"/>
+                  </dgm:varLst>
+                  <dgm:alg type="tx"/>
+                  <dgm:shape xmlns:r="http://schemas.openxmlformats.org/officeDocument/2006/relationships" type="downArrow" r:blip="">
+                    <dgm:adjLst>
+                      <dgm:adj idx="1" val="0.55"/>
+                      <dgm:adj idx="2" val="0.45"/>
+                    </dgm:adjLst>
+                  </dgm:shape>
+                  <dgm:presOf axis="ch" ptType="sibTrans" st="2" cnt="1"/>
+                  <dgm:constrLst>
+                    <dgm:constr type="lMarg" refType="primFontSz" fact="0.1"/>
+                    <dgm:constr type="rMarg" refType="primFontSz" fact="0.1"/>
+                    <dgm:constr type="tMarg" refType="primFontSz" fact="0.1"/>
+                    <dgm:constr type="bMarg" refType="primFontSz" fact="0.1"/>
+                  </dgm:constrLst>
+                  <dgm:ruleLst>
+                    <dgm:rule type="primFontSz" val="5" fact="NaN" max="NaN"/>
+                  </dgm:ruleLst>
+                </dgm:layoutNode>
+                <dgm:layoutNode name="ThreeNodes_1_text">
+                  <dgm:varLst>
+                    <dgm:bulletEnabled val="1"/>
+                  </dgm:varLst>
+                  <dgm:alg type="tx">
+                    <dgm:param type="parTxLTRAlign" val="l"/>
+                    <dgm:param type="txAnchorVertCh" val="mid"/>
+                  </dgm:alg>
+                  <dgm:shape xmlns:r="http://schemas.openxmlformats.org/officeDocument/2006/relationships" type="roundRect" r:blip="" hideGeom="1">
+                    <dgm:adjLst>
+                      <dgm:adj idx="1" val="0.1"/>
+                    </dgm:adjLst>
+                  </dgm:shape>
+                  <dgm:presOf axis="ch desOrSelf" ptType="node node" st="1 1" cnt="1 0"/>
+                  <dgm:constrLst>
+                    <dgm:constr type="lMarg" refType="primFontSz" fact="0.3"/>
+                    <dgm:constr type="rMarg" refType="primFontSz" fact="0.3"/>
+                    <dgm:constr type="tMarg" refType="primFontSz" fact="0.3"/>
+                    <dgm:constr type="bMarg" refType="primFontSz" fact="0.3"/>
+                  </dgm:constrLst>
+                  <dgm:ruleLst>
+                    <dgm:rule type="primFontSz" val="5" fact="NaN" max="NaN"/>
+                  </dgm:ruleLst>
+                </dgm:layoutNode>
+                <dgm:layoutNode name="ThreeNodes_2_text">
+                  <dgm:varLst>
+                    <dgm:bulletEnabled val="1"/>
+                  </dgm:varLst>
+                  <dgm:alg type="tx">
+                    <dgm:param type="parTxLTRAlign" val="l"/>
+                    <dgm:param type="txAnchorVertCh" val="mid"/>
+                  </dgm:alg>
+                  <dgm:shape xmlns:r="http://schemas.openxmlformats.org/officeDocument/2006/relationships" type="roundRect" r:blip="" hideGeom="1">
+                    <dgm:adjLst>
+                      <dgm:adj idx="1" val="0.1"/>
+                    </dgm:adjLst>
+                  </dgm:shape>
+                  <dgm:presOf axis="ch desOrSelf" ptType="node node" st="2 1" cnt="1 0"/>
+                  <dgm:constrLst>
+                    <dgm:constr type="lMarg" refType="primFontSz" fact="0.3"/>
+                    <dgm:constr type="rMarg" refType="primFontSz" fact="0.3"/>
+                    <dgm:constr type="tMarg" refType="primFontSz" fact="0.3"/>
+                    <dgm:constr type="bMarg" refType="primFontSz" fact="0.3"/>
+                  </dgm:constrLst>
+                  <dgm:ruleLst>
+                    <dgm:rule type="primFontSz" val="5" fact="NaN" max="NaN"/>
+                  </dgm:ruleLst>
+                </dgm:layoutNode>
+                <dgm:layoutNode name="ThreeNodes_3_text">
+                  <dgm:varLst>
+                    <dgm:bulletEnabled val="1"/>
+                  </dgm:varLst>
+                  <dgm:alg type="tx">
+                    <dgm:param type="parTxLTRAlign" val="l"/>
+                    <dgm:param type="txAnchorVertCh" val="mid"/>
+                  </dgm:alg>
+                  <dgm:shape xmlns:r="http://schemas.openxmlformats.org/officeDocument/2006/relationships" type="roundRect" r:blip="" hideGeom="1">
+                    <dgm:adjLst>
+                      <dgm:adj idx="1" val="0.1"/>
+                    </dgm:adjLst>
+                  </dgm:shape>
+                  <dgm:presOf axis="ch desOrSelf" ptType="node node" st="3 1" cnt="1 0"/>
+                  <dgm:constrLst>
+                    <dgm:constr type="lMarg" refType="primFontSz" fact="0.3"/>
+                    <dgm:constr type="rMarg" refType="primFontSz" fact="0.3"/>
+                    <dgm:constr type="tMarg" refType="primFontSz" fact="0.3"/>
+                    <dgm:constr type="bMarg" refType="primFontSz" fact="0.3"/>
+                  </dgm:constrLst>
+                  <dgm:ruleLst>
+                    <dgm:rule type="primFontSz" val="5" fact="NaN" max="NaN"/>
+                  </dgm:ruleLst>
+                </dgm:layoutNode>
+              </dgm:if>
+              <dgm:else name="Name11">
+                <dgm:choose name="Name12">
+                  <dgm:if name="Name13" axis="ch" ptType="node" func="cnt" op="equ" val="4">
+                    <dgm:layoutNode name="FourNodes_1">
+                      <dgm:varLst>
+                        <dgm:bulletEnabled val="1"/>
+                      </dgm:varLst>
+                      <dgm:alg type="sp"/>
+                      <dgm:shape xmlns:r="http://schemas.openxmlformats.org/officeDocument/2006/relationships" type="roundRect" r:blip="">
+                        <dgm:adjLst>
+                          <dgm:adj idx="1" val="0.1"/>
+                        </dgm:adjLst>
+                      </dgm:shape>
+                      <dgm:presOf axis="ch desOrSelf" ptType="node node" st="1 1" cnt="1 0"/>
+                      <dgm:constrLst/>
+                      <dgm:ruleLst/>
+                    </dgm:layoutNode>
+                    <dgm:layoutNode name="FourNodes_2">
+                      <dgm:varLst>
+                        <dgm:bulletEnabled val="1"/>
+                      </dgm:varLst>
+                      <dgm:alg type="sp"/>
+                      <dgm:shape xmlns:r="http://schemas.openxmlformats.org/officeDocument/2006/relationships" type="roundRect" r:blip="">
+                        <dgm:adjLst>
+                          <dgm:adj idx="1" val="0.1"/>
+                        </dgm:adjLst>
+                      </dgm:shape>
+                      <dgm:presOf axis="ch desOrSelf" ptType="node node" st="2 1" cnt="1 0"/>
+                      <dgm:constrLst/>
+                      <dgm:ruleLst/>
+                    </dgm:layoutNode>
+                    <dgm:layoutNode name="FourNodes_3">
+                      <dgm:varLst>
+                        <dgm:bulletEnabled val="1"/>
+                      </dgm:varLst>
+                      <dgm:alg type="sp"/>
+                      <dgm:shape xmlns:r="http://schemas.openxmlformats.org/officeDocument/2006/relationships" type="roundRect" r:blip="">
+                        <dgm:adjLst>
+                          <dgm:adj idx="1" val="0.1"/>
+                        </dgm:adjLst>
+                      </dgm:shape>
+                      <dgm:presOf axis="ch desOrSelf" ptType="node node" st="3 1" cnt="1 0"/>
+                      <dgm:constrLst/>
+                      <dgm:ruleLst/>
+                    </dgm:layoutNode>
+                    <dgm:layoutNode name="FourNodes_4">
+                      <dgm:varLst>
+                        <dgm:bulletEnabled val="1"/>
+                      </dgm:varLst>
+                      <dgm:alg type="sp"/>
+                      <dgm:shape xmlns:r="http://schemas.openxmlformats.org/officeDocument/2006/relationships" type="roundRect" r:blip="">
+                        <dgm:adjLst>
+                          <dgm:adj idx="1" val="0.1"/>
+                        </dgm:adjLst>
+                      </dgm:shape>
+                      <dgm:presOf axis="ch desOrSelf" ptType="node node" st="4 1" cnt="1 0"/>
+                      <dgm:constrLst/>
+                      <dgm:ruleLst/>
+                    </dgm:layoutNode>
+                    <dgm:layoutNode name="FourConn_1-2" styleLbl="fgAccFollowNode1">
+                      <dgm:varLst>
+                        <dgm:bulletEnabled val="1"/>
+                      </dgm:varLst>
+                      <dgm:alg type="tx"/>
+                      <dgm:shape xmlns:r="http://schemas.openxmlformats.org/officeDocument/2006/relationships" type="downArrow" r:blip="">
+                        <dgm:adjLst>
+                          <dgm:adj idx="1" val="0.55"/>
+                          <dgm:adj idx="2" val="0.45"/>
+                        </dgm:adjLst>
+                      </dgm:shape>
+                      <dgm:presOf axis="ch" ptType="sibTrans" cnt="1"/>
+                      <dgm:constrLst>
+                        <dgm:constr type="lMarg" refType="primFontSz" fact="0.1"/>
+                        <dgm:constr type="rMarg" refType="primFontSz" fact="0.1"/>
+                        <dgm:constr type="tMarg" refType="primFontSz" fact="0.1"/>
+                        <dgm:constr type="bMarg" refType="primFontSz" fact="0.1"/>
+                      </dgm:constrLst>
+                      <dgm:ruleLst>
+                        <dgm:rule type="primFontSz" val="5" fact="NaN" max="NaN"/>
+                      </dgm:ruleLst>
+                    </dgm:layoutNode>
+                    <dgm:layoutNode name="FourConn_2-3" styleLbl="fgAccFollowNode1">
+                      <dgm:varLst>
+                        <dgm:bulletEnabled val="1"/>
+                      </dgm:varLst>
+                      <dgm:alg type="tx"/>
+                      <dgm:shape xmlns:r="http://schemas.openxmlformats.org/officeDocument/2006/relationships" type="downArrow" r:blip="">
+                        <dgm:adjLst>
+                          <dgm:adj idx="1" val="0.55"/>
+                          <dgm:adj idx="2" val="0.45"/>
+                        </dgm:adjLst>
+                      </dgm:shape>
+                      <dgm:presOf axis="ch" ptType="sibTrans" st="2" cnt="1"/>
+                      <dgm:constrLst>
+                        <dgm:constr type="lMarg" refType="primFontSz" fact="0.1"/>
+                        <dgm:constr type="rMarg" refType="primFontSz" fact="0.1"/>
+                        <dgm:constr type="tMarg" refType="primFontSz" fact="0.1"/>
+                        <dgm:constr type="bMarg" refType="primFontSz" fact="0.1"/>
+                      </dgm:constrLst>
+                      <dgm:ruleLst>
+                        <dgm:rule type="primFontSz" val="5" fact="NaN" max="NaN"/>
+                      </dgm:ruleLst>
+                    </dgm:layoutNode>
+                    <dgm:layoutNode name="FourConn_3-4" styleLbl="fgAccFollowNode1">
+                      <dgm:varLst>
+                        <dgm:bulletEnabled val="1"/>
+                      </dgm:varLst>
+                      <dgm:alg type="tx"/>
+                      <dgm:shape xmlns:r="http://schemas.openxmlformats.org/officeDocument/2006/relationships" type="downArrow" r:blip="">
+                        <dgm:adjLst>
+                          <dgm:adj idx="1" val="0.55"/>
+                          <dgm:adj idx="2" val="0.45"/>
+                        </dgm:adjLst>
+                      </dgm:shape>
+                      <dgm:presOf axis="ch" ptType="sibTrans" st="3" cnt="1"/>
+                      <dgm:constrLst>
+                        <dgm:constr type="lMarg" refType="primFontSz" fact="0.1"/>
+                        <dgm:constr type="rMarg" refType="primFontSz" fact="0.1"/>
+                        <dgm:constr type="tMarg" refType="primFontSz" fact="0.1"/>
+                        <dgm:constr type="bMarg" refType="primFontSz" fact="0.1"/>
+                      </dgm:constrLst>
+                      <dgm:ruleLst>
+                        <dgm:rule type="primFontSz" val="5" fact="NaN" max="NaN"/>
+                      </dgm:ruleLst>
+                    </dgm:layoutNode>
+                    <dgm:layoutNode name="FourNodes_1_text">
+                      <dgm:varLst>
+                        <dgm:bulletEnabled val="1"/>
+                      </dgm:varLst>
+                      <dgm:alg type="tx">
+                        <dgm:param type="parTxLTRAlign" val="l"/>
+                        <dgm:param type="txAnchorVertCh" val="mid"/>
+                      </dgm:alg>
+                      <dgm:shape xmlns:r="http://schemas.openxmlformats.org/officeDocument/2006/relationships" type="roundRect" r:blip="" hideGeom="1">
+                        <dgm:adjLst>
+                          <dgm:adj idx="1" val="0.1"/>
+                        </dgm:adjLst>
+                      </dgm:shape>
+                      <dgm:presOf axis="ch desOrSelf" ptType="node node" st="1 1" cnt="1 0"/>
+                      <dgm:constrLst>
+                        <dgm:constr type="lMarg" refType="primFontSz" fact="0.3"/>
+                        <dgm:constr type="rMarg" refType="primFontSz" fact="0.3"/>
+                        <dgm:constr type="tMarg" refType="primFontSz" fact="0.3"/>
+                        <dgm:constr type="bMarg" refType="primFontSz" fact="0.3"/>
+                      </dgm:constrLst>
+                      <dgm:ruleLst>
+                        <dgm:rule type="primFontSz" val="5" fact="NaN" max="NaN"/>
+                      </dgm:ruleLst>
+                    </dgm:layoutNode>
+                    <dgm:layoutNode name="FourNodes_2_text">
+                      <dgm:varLst>
+                        <dgm:bulletEnabled val="1"/>
+                      </dgm:varLst>
+                      <dgm:alg type="tx">
+                        <dgm:param type="parTxLTRAlign" val="l"/>
+                        <dgm:param type="txAnchorVertCh" val="mid"/>
+                      </dgm:alg>
+                      <dgm:shape xmlns:r="http://schemas.openxmlformats.org/officeDocument/2006/relationships" type="roundRect" r:blip="" hideGeom="1">
+                        <dgm:adjLst>
+                          <dgm:adj idx="1" val="0.1"/>
+                        </dgm:adjLst>
+                      </dgm:shape>
+                      <dgm:presOf axis="ch desOrSelf" ptType="node node" st="2 1" cnt="1 0"/>
+                      <dgm:constrLst>
+                        <dgm:constr type="lMarg" refType="primFontSz" fact="0.3"/>
+                        <dgm:constr type="rMarg" refType="primFontSz" fact="0.3"/>
+                        <dgm:constr type="tMarg" refType="primFontSz" fact="0.3"/>
+                        <dgm:constr type="bMarg" refType="primFontSz" fact="0.3"/>
+                      </dgm:constrLst>
+                      <dgm:ruleLst>
+                        <dgm:rule type="primFontSz" val="5" fact="NaN" max="NaN"/>
+                      </dgm:ruleLst>
+                    </dgm:layoutNode>
+                    <dgm:layoutNode name="FourNodes_3_text">
+                      <dgm:varLst>
+                        <dgm:bulletEnabled val="1"/>
+                      </dgm:varLst>
+                      <dgm:alg type="tx">
+                        <dgm:param type="parTxLTRAlign" val="l"/>
+                        <dgm:param type="txAnchorVertCh" val="mid"/>
+                      </dgm:alg>
+                      <dgm:shape xmlns:r="http://schemas.openxmlformats.org/officeDocument/2006/relationships" type="roundRect" r:blip="" hideGeom="1">
+                        <dgm:adjLst>
+                          <dgm:adj idx="1" val="0.1"/>
+                        </dgm:adjLst>
+                      </dgm:shape>
+                      <dgm:presOf axis="ch desOrSelf" ptType="node node" st="3 1" cnt="1 0"/>
+                      <dgm:constrLst>
+                        <dgm:constr type="lMarg" refType="primFontSz" fact="0.3"/>
+                        <dgm:constr type="rMarg" refType="primFontSz" fact="0.3"/>
+                        <dgm:constr type="tMarg" refType="primFontSz" fact="0.3"/>
+                        <dgm:constr type="bMarg" refType="primFontSz" fact="0.3"/>
+                      </dgm:constrLst>
+                      <dgm:ruleLst>
+                        <dgm:rule type="primFontSz" val="5" fact="NaN" max="NaN"/>
+                      </dgm:ruleLst>
+                    </dgm:layoutNode>
+                    <dgm:layoutNode name="FourNodes_4_text">
+                      <dgm:varLst>
+                        <dgm:bulletEnabled val="1"/>
+                      </dgm:varLst>
+                      <dgm:alg type="tx">
+                        <dgm:param type="parTxLTRAlign" val="l"/>
+                        <dgm:param type="txAnchorVertCh" val="mid"/>
+                      </dgm:alg>
+                      <dgm:shape xmlns:r="http://schemas.openxmlformats.org/officeDocument/2006/relationships" type="roundRect" r:blip="" hideGeom="1">
+                        <dgm:adjLst>
+                          <dgm:adj idx="1" val="0.1"/>
+                        </dgm:adjLst>
+                      </dgm:shape>
+                      <dgm:presOf axis="ch desOrSelf" ptType="node node" st="4 1" cnt="1 0"/>
+                      <dgm:constrLst>
+                        <dgm:constr type="lMarg" refType="primFontSz" fact="0.3"/>
+                        <dgm:constr type="rMarg" refType="primFontSz" fact="0.3"/>
+                        <dgm:constr type="tMarg" refType="primFontSz" fact="0.3"/>
+                        <dgm:constr type="bMarg" refType="primFontSz" fact="0.3"/>
+                      </dgm:constrLst>
+                      <dgm:ruleLst>
+                        <dgm:rule type="primFontSz" val="5" fact="NaN" max="NaN"/>
+                      </dgm:ruleLst>
+                    </dgm:layoutNode>
+                  </dgm:if>
+                  <dgm:else name="Name14">
+                    <dgm:choose name="Name15">
+                      <dgm:if name="Name16" axis="ch" ptType="node" func="cnt" op="gte" val="5">
+                        <dgm:layoutNode name="FiveNodes_1">
+                          <dgm:varLst>
+                            <dgm:bulletEnabled val="1"/>
+                          </dgm:varLst>
+                          <dgm:alg type="sp"/>
+                          <dgm:shape xmlns:r="http://schemas.openxmlformats.org/officeDocument/2006/relationships" type="roundRect" r:blip="">
+                            <dgm:adjLst>
+                              <dgm:adj idx="1" val="0.1"/>
+                            </dgm:adjLst>
+                          </dgm:shape>
+                          <dgm:presOf axis="ch desOrSelf" ptType="node node" st="1 1" cnt="1 0"/>
+                          <dgm:constrLst/>
+                          <dgm:ruleLst/>
+                        </dgm:layoutNode>
+                        <dgm:layoutNode name="FiveNodes_2">
+                          <dgm:varLst>
+                            <dgm:bulletEnabled val="1"/>
+                          </dgm:varLst>
+                          <dgm:alg type="sp"/>
+                          <dgm:shape xmlns:r="http://schemas.openxmlformats.org/officeDocument/2006/relationships" type="roundRect" r:blip="">
+                            <dgm:adjLst>
+                              <dgm:adj idx="1" val="0.1"/>
+                            </dgm:adjLst>
+                          </dgm:shape>
+                          <dgm:presOf axis="ch desOrSelf" ptType="node node" st="2 1" cnt="1 0"/>
+                          <dgm:constrLst/>
+                          <dgm:ruleLst/>
+                        </dgm:layoutNode>
+                        <dgm:layoutNode name="FiveNodes_3">
+                          <dgm:varLst>
+                            <dgm:bulletEnabled val="1"/>
+                          </dgm:varLst>
+                          <dgm:alg type="sp"/>
+                          <dgm:shape xmlns:r="http://schemas.openxmlformats.org/officeDocument/2006/relationships" type="roundRect" r:blip="">
+                            <dgm:adjLst>
+                              <dgm:adj idx="1" val="0.1"/>
+                            </dgm:adjLst>
+                          </dgm:shape>
+                          <dgm:presOf axis="ch desOrSelf" ptType="node node" st="3 1" cnt="1 0"/>
+                          <dgm:constrLst/>
+                          <dgm:ruleLst/>
+                        </dgm:layoutNode>
+                        <dgm:layoutNode name="FiveNodes_4">
+                          <dgm:varLst>
+                            <dgm:bulletEnabled val="1"/>
+                          </dgm:varLst>
+                          <dgm:alg type="sp"/>
+                          <dgm:shape xmlns:r="http://schemas.openxmlformats.org/officeDocument/2006/relationships" type="roundRect" r:blip="">
+                            <dgm:adjLst>
+                              <dgm:adj idx="1" val="0.1"/>
+                            </dgm:adjLst>
+                          </dgm:shape>
+                          <dgm:presOf axis="ch desOrSelf" ptType="node node" st="4 1" cnt="1 0"/>
+                          <dgm:constrLst/>
+                          <dgm:ruleLst/>
+                        </dgm:layoutNode>
+                        <dgm:layoutNode name="FiveNodes_5">
+                          <dgm:varLst>
+                            <dgm:bulletEnabled val="1"/>
+                          </dgm:varLst>
+                          <dgm:alg type="sp"/>
+                          <dgm:shape xmlns:r="http://schemas.openxmlformats.org/officeDocument/2006/relationships" type="roundRect" r:blip="">
+                            <dgm:adjLst>
+                              <dgm:adj idx="1" val="0.1"/>
+                            </dgm:adjLst>
+                          </dgm:shape>
+                          <dgm:presOf axis="ch desOrSelf" ptType="node node" st="5 1" cnt="1 0"/>
+                          <dgm:constrLst/>
+                          <dgm:ruleLst/>
+                        </dgm:layoutNode>
+                        <dgm:layoutNode name="FiveConn_1-2" styleLbl="fgAccFollowNode1">
+                          <dgm:varLst>
+                            <dgm:bulletEnabled val="1"/>
+                          </dgm:varLst>
+                          <dgm:alg type="tx"/>
+                          <dgm:shape xmlns:r="http://schemas.openxmlformats.org/officeDocument/2006/relationships" type="downArrow" r:blip="">
+                            <dgm:adjLst>
+                              <dgm:adj idx="1" val="0.55"/>
+                              <dgm:adj idx="2" val="0.45"/>
+                            </dgm:adjLst>
+                          </dgm:shape>
+                          <dgm:presOf axis="ch" ptType="sibTrans" cnt="1"/>
+                          <dgm:constrLst>
+                            <dgm:constr type="lMarg" refType="primFontSz" fact="0.1"/>
+                            <dgm:constr type="rMarg" refType="primFontSz" fact="0.1"/>
+                            <dgm:constr type="tMarg" refType="primFontSz" fact="0.1"/>
+                            <dgm:constr type="bMarg" refType="primFontSz" fact="0.1"/>
+                          </dgm:constrLst>
+                          <dgm:ruleLst>
+                            <dgm:rule type="primFontSz" val="5" fact="NaN" max="NaN"/>
+                          </dgm:ruleLst>
+                        </dgm:layoutNode>
+                        <dgm:layoutNode name="FiveConn_2-3" styleLbl="fgAccFollowNode1">
+                          <dgm:varLst>
+                            <dgm:bulletEnabled val="1"/>
+                          </dgm:varLst>
+                          <dgm:alg type="tx"/>
+                          <dgm:shape xmlns:r="http://schemas.openxmlformats.org/officeDocument/2006/relationships" type="downArrow" r:blip="">
+                            <dgm:adjLst>
+                              <dgm:adj idx="1" val="0.55"/>
+                              <dgm:adj idx="2" val="0.45"/>
+                            </dgm:adjLst>
+                          </dgm:shape>
+                          <dgm:presOf axis="ch" ptType="sibTrans" st="2" cnt="1"/>
+                          <dgm:constrLst>
+                            <dgm:constr type="lMarg" refType="primFontSz" fact="0.1"/>
+                            <dgm:constr type="rMarg" refType="primFontSz" fact="0.1"/>
+                            <dgm:constr type="tMarg" refType="primFontSz" fact="0.1"/>
+                            <dgm:constr type="bMarg" refType="primFontSz" fact="0.1"/>
+                          </dgm:constrLst>
+                          <dgm:ruleLst>
+                            <dgm:rule type="primFontSz" val="5" fact="NaN" max="NaN"/>
+                          </dgm:ruleLst>
+                        </dgm:layoutNode>
+                        <dgm:layoutNode name="FiveConn_3-4" styleLbl="fgAccFollowNode1">
+                          <dgm:varLst>
+                            <dgm:bulletEnabled val="1"/>
+                          </dgm:varLst>
+                          <dgm:alg type="tx"/>
+                          <dgm:shape xmlns:r="http://schemas.openxmlformats.org/officeDocument/2006/relationships" type="downArrow" r:blip="">
+                            <dgm:adjLst>
+                              <dgm:adj idx="1" val="0.55"/>
+                              <dgm:adj idx="2" val="0.45"/>
+                            </dgm:adjLst>
+                          </dgm:shape>
+                          <dgm:presOf axis="ch" ptType="sibTrans" st="3" cnt="1"/>
+                          <dgm:constrLst>
+                            <dgm:constr type="lMarg" refType="primFontSz" fact="0.1"/>
+                            <dgm:constr type="rMarg" refType="primFontSz" fact="0.1"/>
+                            <dgm:constr type="tMarg" refType="primFontSz" fact="0.1"/>
+                            <dgm:constr type="bMarg" refType="primFontSz" fact="0.1"/>
+                          </dgm:constrLst>
+                          <dgm:ruleLst>
+                            <dgm:rule type="primFontSz" val="5" fact="NaN" max="NaN"/>
+                          </dgm:ruleLst>
+                        </dgm:layoutNode>
+                        <dgm:layoutNode name="FiveConn_4-5" styleLbl="fgAccFollowNode1">
+                          <dgm:varLst>
+                            <dgm:bulletEnabled val="1"/>
+                          </dgm:varLst>
+                          <dgm:alg type="tx"/>
+                          <dgm:shape xmlns:r="http://schemas.openxmlformats.org/officeDocument/2006/relationships" type="downArrow" r:blip="">
+                            <dgm:adjLst>
+                              <dgm:adj idx="1" val="0.55"/>
+                              <dgm:adj idx="2" val="0.45"/>
+                            </dgm:adjLst>
+                          </dgm:shape>
+                          <dgm:presOf axis="ch" ptType="sibTrans" st="4" cnt="1"/>
+                          <dgm:constrLst>
+                            <dgm:constr type="lMarg" refType="primFontSz" fact="0.1"/>
+                            <dgm:constr type="rMarg" refType="primFontSz" fact="0.1"/>
+                            <dgm:constr type="tMarg" refType="primFontSz" fact="0.1"/>
+                            <dgm:constr type="bMarg" refType="primFontSz" fact="0.1"/>
+                          </dgm:constrLst>
+                          <dgm:ruleLst>
+                            <dgm:rule type="primFontSz" val="5" fact="NaN" max="NaN"/>
+                          </dgm:ruleLst>
+                        </dgm:layoutNode>
+                        <dgm:layoutNode name="FiveNodes_1_text">
+                          <dgm:varLst>
+                            <dgm:bulletEnabled val="1"/>
+                          </dgm:varLst>
+                          <dgm:alg type="tx">
+                            <dgm:param type="parTxLTRAlign" val="l"/>
+                            <dgm:param type="txAnchorVertCh" val="mid"/>
+                          </dgm:alg>
+                          <dgm:shape xmlns:r="http://schemas.openxmlformats.org/officeDocument/2006/relationships" type="roundRect" r:blip="" hideGeom="1">
+                            <dgm:adjLst>
+                              <dgm:adj idx="1" val="0.1"/>
+                            </dgm:adjLst>
+                          </dgm:shape>
+                          <dgm:presOf axis="ch desOrSelf" ptType="node node" st="1 1" cnt="1 0"/>
+                          <dgm:constrLst>
+                            <dgm:constr type="lMarg" refType="primFontSz" fact="0.3"/>
+                            <dgm:constr type="rMarg" refType="primFontSz" fact="0.3"/>
+                            <dgm:constr type="tMarg" refType="primFontSz" fact="0.3"/>
+                            <dgm:constr type="bMarg" refType="primFontSz" fact="0.3"/>
+                          </dgm:constrLst>
+                          <dgm:ruleLst>
+                            <dgm:rule type="primFontSz" val="5" fact="NaN" max="NaN"/>
+                          </dgm:ruleLst>
+                        </dgm:layoutNode>
+                        <dgm:layoutNode name="FiveNodes_2_text">
+                          <dgm:varLst>
+                            <dgm:bulletEnabled val="1"/>
+                          </dgm:varLst>
+                          <dgm:alg type="tx">
+                            <dgm:param type="parTxLTRAlign" val="l"/>
+                            <dgm:param type="txAnchorVertCh" val="mid"/>
+                          </dgm:alg>
+                          <dgm:shape xmlns:r="http://schemas.openxmlformats.org/officeDocument/2006/relationships" type="roundRect" r:blip="" hideGeom="1">
+                            <dgm:adjLst>
+                              <dgm:adj idx="1" val="0.1"/>
+                            </dgm:adjLst>
+                          </dgm:shape>
+                          <dgm:presOf axis="ch desOrSelf" ptType="node node" st="2 1" cnt="1 0"/>
+                          <dgm:constrLst>
+                            <dgm:constr type="lMarg" refType="primFontSz" fact="0.3"/>
+                            <dgm:constr type="rMarg" refType="primFontSz" fact="0.3"/>
+                            <dgm:constr type="tMarg" refType="primFontSz" fact="0.3"/>
+                            <dgm:constr type="bMarg" refType="primFontSz" fact="0.3"/>
+                          </dgm:constrLst>
+                          <dgm:ruleLst>
+                            <dgm:rule type="primFontSz" val="5" fact="NaN" max="NaN"/>
+                          </dgm:ruleLst>
+                        </dgm:layoutNode>
+                        <dgm:layoutNode name="FiveNodes_3_text">
+                          <dgm:varLst>
+                            <dgm:bulletEnabled val="1"/>
+                          </dgm:varLst>
+                          <dgm:alg type="tx">
+                            <dgm:param type="parTxLTRAlign" val="l"/>
+                            <dgm:param type="txAnchorVertCh" val="mid"/>
+                          </dgm:alg>
+                          <dgm:shape xmlns:r="http://schemas.openxmlformats.org/officeDocument/2006/relationships" type="roundRect" r:blip="" hideGeom="1">
+                            <dgm:adjLst>
+                              <dgm:adj idx="1" val="0.1"/>
+                            </dgm:adjLst>
+                          </dgm:shape>
+                          <dgm:presOf axis="ch desOrSelf" ptType="node node" st="3 1" cnt="1 0"/>
+                          <dgm:constrLst>
+                            <dgm:constr type="lMarg" refType="primFontSz" fact="0.3"/>
+                            <dgm:constr type="rMarg" refType="primFontSz" fact="0.3"/>
+                            <dgm:constr type="tMarg" refType="primFontSz" fact="0.3"/>
+                            <dgm:constr type="bMarg" refType="primFontSz" fact="0.3"/>
+                          </dgm:constrLst>
+                          <dgm:ruleLst>
+                            <dgm:rule type="primFontSz" val="5" fact="NaN" max="NaN"/>
+                          </dgm:ruleLst>
+                        </dgm:layoutNode>
+                        <dgm:layoutNode name="FiveNodes_4_text">
+                          <dgm:varLst>
+                            <dgm:bulletEnabled val="1"/>
+                          </dgm:varLst>
+                          <dgm:alg type="tx">
+                            <dgm:param type="parTxLTRAlign" val="l"/>
+                            <dgm:param type="txAnchorVertCh" val="mid"/>
+                          </dgm:alg>
+                          <dgm:shape xmlns:r="http://schemas.openxmlformats.org/officeDocument/2006/relationships" type="roundRect" r:blip="" hideGeom="1">
+                            <dgm:adjLst>
+                              <dgm:adj idx="1" val="0.1"/>
+                            </dgm:adjLst>
+                          </dgm:shape>
+                          <dgm:presOf axis="ch desOrSelf" ptType="node node" st="4 1" cnt="1 0"/>
+                          <dgm:constrLst>
+                            <dgm:constr type="lMarg" refType="primFontSz" fact="0.3"/>
+                            <dgm:constr type="rMarg" refType="primFontSz" fact="0.3"/>
+                            <dgm:constr type="tMarg" refType="primFontSz" fact="0.3"/>
+                            <dgm:constr type="bMarg" refType="primFontSz" fact="0.3"/>
+                          </dgm:constrLst>
+                          <dgm:ruleLst>
+                            <dgm:rule type="primFontSz" val="5" fact="NaN" max="NaN"/>
+                          </dgm:ruleLst>
+                        </dgm:layoutNode>
+                        <dgm:layoutNode name="FiveNodes_5_text">
+                          <dgm:varLst>
+                            <dgm:bulletEnabled val="1"/>
+                          </dgm:varLst>
+                          <dgm:alg type="tx">
+                            <dgm:param type="parTxLTRAlign" val="l"/>
+                            <dgm:param type="txAnchorVertCh" val="mid"/>
+                          </dgm:alg>
+                          <dgm:shape xmlns:r="http://schemas.openxmlformats.org/officeDocument/2006/relationships" type="roundRect" r:blip="" hideGeom="1">
+                            <dgm:adjLst>
+                              <dgm:adj idx="1" val="0.1"/>
+                            </dgm:adjLst>
+                          </dgm:shape>
+                          <dgm:presOf axis="ch desOrSelf" ptType="node node" st="5 1" cnt="1 0"/>
+                          <dgm:constrLst>
+                            <dgm:constr type="lMarg" refType="primFontSz" fact="0.3"/>
+                            <dgm:constr type="rMarg" refType="primFontSz" fact="0.3"/>
+                            <dgm:constr type="tMarg" refType="primFontSz" fact="0.3"/>
+                            <dgm:constr type="bMarg" refType="primFontSz" fact="0.3"/>
+                          </dgm:constrLst>
+                          <dgm:ruleLst>
+                            <dgm:rule type="primFontSz" val="5" fact="NaN" max="NaN"/>
+                          </dgm:ruleLst>
+                        </dgm:layoutNode>
+                      </dgm:if>
+                      <dgm:else name="Name17"/>
+                    </dgm:choose>
+                  </dgm:else>
+                </dgm:choose>
+              </dgm:else>
+            </dgm:choose>
+          </dgm:else>
+        </dgm:choose>
+      </dgm:else>
+    </dgm:choose>
+  </dgm:layoutNode>
+</dgm:layoutDef>
+</file>
+
+<file path=ppt/diagrams/layout7.xml><?xml version="1.0" encoding="utf-8"?>
 <dgm:layoutDef xmlns:dgm="http://schemas.openxmlformats.org/drawingml/2006/diagram" xmlns:a="http://schemas.openxmlformats.org/drawingml/2006/main" uniqueId="urn:microsoft.com/office/officeart/2008/layout/LinedList">
   <dgm:title val=""/>
   <dgm:desc val=""/>
@@ -16436,6 +18909,1040 @@
 </dgm:styleDef>
 </file>
 
+<file path=ppt/diagrams/quickStyle7.xml><?xml version="1.0" encoding="utf-8"?>
+<dgm:styleDef xmlns:dgm="http://schemas.openxmlformats.org/drawingml/2006/diagram" xmlns:a="http://schemas.openxmlformats.org/drawingml/2006/main" uniqueId="urn:microsoft.com/office/officeart/2005/8/quickstyle/simple1">
+  <dgm:title val=""/>
+  <dgm:desc val=""/>
+  <dgm:catLst>
+    <dgm:cat type="simple" pri="10100"/>
+  </dgm:catLst>
+  <dgm:scene3d>
+    <a:camera prst="orthographicFront"/>
+    <a:lightRig rig="threePt" dir="t"/>
+  </dgm:scene3d>
+  <dgm:styleLbl name="node0">
+    <dgm:scene3d>
+      <a:camera prst="orthographicFront"/>
+      <a:lightRig rig="threePt" dir="t"/>
+    </dgm:scene3d>
+    <dgm:sp3d/>
+    <dgm:txPr/>
+    <dgm:style>
+      <a:lnRef idx="2">
+        <a:scrgbClr r="0" g="0" b="0"/>
+      </a:lnRef>
+      <a:fillRef idx="1">
+        <a:scrgbClr r="0" g="0" b="0"/>
+      </a:fillRef>
+      <a:effectRef idx="0">
+        <a:scrgbClr r="0" g="0" b="0"/>
+      </a:effectRef>
+      <a:fontRef idx="minor">
+        <a:schemeClr val="lt1"/>
+      </a:fontRef>
+    </dgm:style>
+  </dgm:styleLbl>
+  <dgm:styleLbl name="lnNode1">
+    <dgm:scene3d>
+      <a:camera prst="orthographicFront"/>
+      <a:lightRig rig="threePt" dir="t"/>
+    </dgm:scene3d>
+    <dgm:sp3d/>
+    <dgm:txPr/>
+    <dgm:style>
+      <a:lnRef idx="2">
+        <a:scrgbClr r="0" g="0" b="0"/>
+      </a:lnRef>
+      <a:fillRef idx="1">
+        <a:scrgbClr r="0" g="0" b="0"/>
+      </a:fillRef>
+      <a:effectRef idx="0">
+        <a:scrgbClr r="0" g="0" b="0"/>
+      </a:effectRef>
+      <a:fontRef idx="minor">
+        <a:schemeClr val="lt1"/>
+      </a:fontRef>
+    </dgm:style>
+  </dgm:styleLbl>
+  <dgm:styleLbl name="vennNode1">
+    <dgm:scene3d>
+      <a:camera prst="orthographicFront"/>
+      <a:lightRig rig="threePt" dir="t"/>
+    </dgm:scene3d>
+    <dgm:sp3d/>
+    <dgm:txPr/>
+    <dgm:style>
+      <a:lnRef idx="2">
+        <a:scrgbClr r="0" g="0" b="0"/>
+      </a:lnRef>
+      <a:fillRef idx="1">
+        <a:scrgbClr r="0" g="0" b="0"/>
+      </a:fillRef>
+      <a:effectRef idx="0">
+        <a:scrgbClr r="0" g="0" b="0"/>
+      </a:effectRef>
+      <a:fontRef idx="minor">
+        <a:schemeClr val="tx1"/>
+      </a:fontRef>
+    </dgm:style>
+  </dgm:styleLbl>
+  <dgm:styleLbl name="alignNode1">
+    <dgm:scene3d>
+      <a:camera prst="orthographicFront"/>
+      <a:lightRig rig="threePt" dir="t"/>
+    </dgm:scene3d>
+    <dgm:sp3d/>
+    <dgm:txPr/>
+    <dgm:style>
+      <a:lnRef idx="2">
+        <a:scrgbClr r="0" g="0" b="0"/>
+      </a:lnRef>
+      <a:fillRef idx="1">
+        <a:scrgbClr r="0" g="0" b="0"/>
+      </a:fillRef>
+      <a:effectRef idx="0">
+        <a:scrgbClr r="0" g="0" b="0"/>
+      </a:effectRef>
+      <a:fontRef idx="minor">
+        <a:schemeClr val="lt1"/>
+      </a:fontRef>
+    </dgm:style>
+  </dgm:styleLbl>
+  <dgm:styleLbl name="node1">
+    <dgm:scene3d>
+      <a:camera prst="orthographicFront"/>
+      <a:lightRig rig="threePt" dir="t"/>
+    </dgm:scene3d>
+    <dgm:sp3d/>
+    <dgm:txPr/>
+    <dgm:style>
+      <a:lnRef idx="2">
+        <a:scrgbClr r="0" g="0" b="0"/>
+      </a:lnRef>
+      <a:fillRef idx="1">
+        <a:scrgbClr r="0" g="0" b="0"/>
+      </a:fillRef>
+      <a:effectRef idx="0">
+        <a:scrgbClr r="0" g="0" b="0"/>
+      </a:effectRef>
+      <a:fontRef idx="minor">
+        <a:schemeClr val="lt1"/>
+      </a:fontRef>
+    </dgm:style>
+  </dgm:styleLbl>
+  <dgm:styleLbl name="node2">
+    <dgm:scene3d>
+      <a:camera prst="orthographicFront"/>
+      <a:lightRig rig="threePt" dir="t"/>
+    </dgm:scene3d>
+    <dgm:sp3d/>
+    <dgm:txPr/>
+    <dgm:style>
+      <a:lnRef idx="2">
+        <a:scrgbClr r="0" g="0" b="0"/>
+      </a:lnRef>
+      <a:fillRef idx="1">
+        <a:scrgbClr r="0" g="0" b="0"/>
+      </a:fillRef>
+      <a:effectRef idx="0">
+        <a:scrgbClr r="0" g="0" b="0"/>
+      </a:effectRef>
+      <a:fontRef idx="minor">
+        <a:schemeClr val="lt1"/>
+      </a:fontRef>
+    </dgm:style>
+  </dgm:styleLbl>
+  <dgm:styleLbl name="node3">
+    <dgm:scene3d>
+      <a:camera prst="orthographicFront"/>
+      <a:lightRig rig="threePt" dir="t"/>
+    </dgm:scene3d>
+    <dgm:sp3d/>
+    <dgm:txPr/>
+    <dgm:style>
+      <a:lnRef idx="2">
+        <a:scrgbClr r="0" g="0" b="0"/>
+      </a:lnRef>
+      <a:fillRef idx="1">
+        <a:scrgbClr r="0" g="0" b="0"/>
+      </a:fillRef>
+      <a:effectRef idx="0">
+        <a:scrgbClr r="0" g="0" b="0"/>
+      </a:effectRef>
+      <a:fontRef idx="minor">
+        <a:schemeClr val="lt1"/>
+      </a:fontRef>
+    </dgm:style>
+  </dgm:styleLbl>
+  <dgm:styleLbl name="node4">
+    <dgm:scene3d>
+      <a:camera prst="orthographicFront"/>
+      <a:lightRig rig="threePt" dir="t"/>
+    </dgm:scene3d>
+    <dgm:sp3d/>
+    <dgm:txPr/>
+    <dgm:style>
+      <a:lnRef idx="2">
+        <a:scrgbClr r="0" g="0" b="0"/>
+      </a:lnRef>
+      <a:fillRef idx="1">
+        <a:scrgbClr r="0" g="0" b="0"/>
+      </a:fillRef>
+      <a:effectRef idx="0">
+        <a:scrgbClr r="0" g="0" b="0"/>
+      </a:effectRef>
+      <a:fontRef idx="minor">
+        <a:schemeClr val="lt1"/>
+      </a:fontRef>
+    </dgm:style>
+  </dgm:styleLbl>
+  <dgm:styleLbl name="fgImgPlace1">
+    <dgm:scene3d>
+      <a:camera prst="orthographicFront"/>
+      <a:lightRig rig="threePt" dir="t"/>
+    </dgm:scene3d>
+    <dgm:sp3d/>
+    <dgm:txPr/>
+    <dgm:style>
+      <a:lnRef idx="2">
+        <a:scrgbClr r="0" g="0" b="0"/>
+      </a:lnRef>
+      <a:fillRef idx="1">
+        <a:scrgbClr r="0" g="0" b="0"/>
+      </a:fillRef>
+      <a:effectRef idx="0">
+        <a:scrgbClr r="0" g="0" b="0"/>
+      </a:effectRef>
+      <a:fontRef idx="minor"/>
+    </dgm:style>
+  </dgm:styleLbl>
+  <dgm:styleLbl name="alignImgPlace1">
+    <dgm:scene3d>
+      <a:camera prst="orthographicFront"/>
+      <a:lightRig rig="threePt" dir="t"/>
+    </dgm:scene3d>
+    <dgm:sp3d/>
+    <dgm:txPr/>
+    <dgm:style>
+      <a:lnRef idx="2">
+        <a:scrgbClr r="0" g="0" b="0"/>
+      </a:lnRef>
+      <a:fillRef idx="1">
+        <a:scrgbClr r="0" g="0" b="0"/>
+      </a:fillRef>
+      <a:effectRef idx="0">
+        <a:scrgbClr r="0" g="0" b="0"/>
+      </a:effectRef>
+      <a:fontRef idx="minor"/>
+    </dgm:style>
+  </dgm:styleLbl>
+  <dgm:styleLbl name="bgImgPlace1">
+    <dgm:scene3d>
+      <a:camera prst="orthographicFront"/>
+      <a:lightRig rig="threePt" dir="t"/>
+    </dgm:scene3d>
+    <dgm:sp3d/>
+    <dgm:txPr/>
+    <dgm:style>
+      <a:lnRef idx="2">
+        <a:scrgbClr r="0" g="0" b="0"/>
+      </a:lnRef>
+      <a:fillRef idx="1">
+        <a:scrgbClr r="0" g="0" b="0"/>
+      </a:fillRef>
+      <a:effectRef idx="0">
+        <a:scrgbClr r="0" g="0" b="0"/>
+      </a:effectRef>
+      <a:fontRef idx="minor"/>
+    </dgm:style>
+  </dgm:styleLbl>
+  <dgm:styleLbl name="sibTrans2D1">
+    <dgm:scene3d>
+      <a:camera prst="orthographicFront"/>
+      <a:lightRig rig="threePt" dir="t"/>
+    </dgm:scene3d>
+    <dgm:sp3d/>
+    <dgm:txPr/>
+    <dgm:style>
+      <a:lnRef idx="0">
+        <a:scrgbClr r="0" g="0" b="0"/>
+      </a:lnRef>
+      <a:fillRef idx="1">
+        <a:scrgbClr r="0" g="0" b="0"/>
+      </a:fillRef>
+      <a:effectRef idx="0">
+        <a:scrgbClr r="0" g="0" b="0"/>
+      </a:effectRef>
+      <a:fontRef idx="minor">
+        <a:schemeClr val="lt1"/>
+      </a:fontRef>
+    </dgm:style>
+  </dgm:styleLbl>
+  <dgm:styleLbl name="fgSibTrans2D1">
+    <dgm:scene3d>
+      <a:camera prst="orthographicFront"/>
+      <a:lightRig rig="threePt" dir="t"/>
+    </dgm:scene3d>
+    <dgm:sp3d/>
+    <dgm:txPr/>
+    <dgm:style>
+      <a:lnRef idx="0">
+        <a:scrgbClr r="0" g="0" b="0"/>
+      </a:lnRef>
+      <a:fillRef idx="1">
+        <a:scrgbClr r="0" g="0" b="0"/>
+      </a:fillRef>
+      <a:effectRef idx="0">
+        <a:scrgbClr r="0" g="0" b="0"/>
+      </a:effectRef>
+      <a:fontRef idx="minor">
+        <a:schemeClr val="lt1"/>
+      </a:fontRef>
+    </dgm:style>
+  </dgm:styleLbl>
+  <dgm:styleLbl name="bgSibTrans2D1">
+    <dgm:scene3d>
+      <a:camera prst="orthographicFront"/>
+      <a:lightRig rig="threePt" dir="t"/>
+    </dgm:scene3d>
+    <dgm:sp3d/>
+    <dgm:txPr/>
+    <dgm:style>
+      <a:lnRef idx="0">
+        <a:scrgbClr r="0" g="0" b="0"/>
+      </a:lnRef>
+      <a:fillRef idx="1">
+        <a:scrgbClr r="0" g="0" b="0"/>
+      </a:fillRef>
+      <a:effectRef idx="0">
+        <a:scrgbClr r="0" g="0" b="0"/>
+      </a:effectRef>
+      <a:fontRef idx="minor">
+        <a:schemeClr val="lt1"/>
+      </a:fontRef>
+    </dgm:style>
+  </dgm:styleLbl>
+  <dgm:styleLbl name="sibTrans1D1">
+    <dgm:scene3d>
+      <a:camera prst="orthographicFront"/>
+      <a:lightRig rig="threePt" dir="t"/>
+    </dgm:scene3d>
+    <dgm:sp3d/>
+    <dgm:txPr/>
+    <dgm:style>
+      <a:lnRef idx="1">
+        <a:scrgbClr r="0" g="0" b="0"/>
+      </a:lnRef>
+      <a:fillRef idx="0">
+        <a:scrgbClr r="0" g="0" b="0"/>
+      </a:fillRef>
+      <a:effectRef idx="0">
+        <a:scrgbClr r="0" g="0" b="0"/>
+      </a:effectRef>
+      <a:fontRef idx="minor"/>
+    </dgm:style>
+  </dgm:styleLbl>
+  <dgm:styleLbl name="callout">
+    <dgm:scene3d>
+      <a:camera prst="orthographicFront"/>
+      <a:lightRig rig="threePt" dir="t"/>
+    </dgm:scene3d>
+    <dgm:sp3d/>
+    <dgm:txPr/>
+    <dgm:style>
+      <a:lnRef idx="2">
+        <a:scrgbClr r="0" g="0" b="0"/>
+      </a:lnRef>
+      <a:fillRef idx="1">
+        <a:scrgbClr r="0" g="0" b="0"/>
+      </a:fillRef>
+      <a:effectRef idx="0">
+        <a:scrgbClr r="0" g="0" b="0"/>
+      </a:effectRef>
+      <a:fontRef idx="minor"/>
+    </dgm:style>
+  </dgm:styleLbl>
+  <dgm:styleLbl name="asst0">
+    <dgm:scene3d>
+      <a:camera prst="orthographicFront"/>
+      <a:lightRig rig="threePt" dir="t"/>
+    </dgm:scene3d>
+    <dgm:sp3d/>
+    <dgm:txPr/>
+    <dgm:style>
+      <a:lnRef idx="2">
+        <a:scrgbClr r="0" g="0" b="0"/>
+      </a:lnRef>
+      <a:fillRef idx="1">
+        <a:scrgbClr r="0" g="0" b="0"/>
+      </a:fillRef>
+      <a:effectRef idx="0">
+        <a:scrgbClr r="0" g="0" b="0"/>
+      </a:effectRef>
+      <a:fontRef idx="minor">
+        <a:schemeClr val="lt1"/>
+      </a:fontRef>
+    </dgm:style>
+  </dgm:styleLbl>
+  <dgm:styleLbl name="asst1">
+    <dgm:scene3d>
+      <a:camera prst="orthographicFront"/>
+      <a:lightRig rig="threePt" dir="t"/>
+    </dgm:scene3d>
+    <dgm:sp3d/>
+    <dgm:txPr/>
+    <dgm:style>
+      <a:lnRef idx="2">
+        <a:scrgbClr r="0" g="0" b="0"/>
+      </a:lnRef>
+      <a:fillRef idx="1">
+        <a:scrgbClr r="0" g="0" b="0"/>
+      </a:fillRef>
+      <a:effectRef idx="0">
+        <a:scrgbClr r="0" g="0" b="0"/>
+      </a:effectRef>
+      <a:fontRef idx="minor">
+        <a:schemeClr val="lt1"/>
+      </a:fontRef>
+    </dgm:style>
+  </dgm:styleLbl>
+  <dgm:styleLbl name="asst2">
+    <dgm:scene3d>
+      <a:camera prst="orthographicFront"/>
+      <a:lightRig rig="threePt" dir="t"/>
+    </dgm:scene3d>
+    <dgm:sp3d/>
+    <dgm:txPr/>
+    <dgm:style>
+      <a:lnRef idx="2">
+        <a:scrgbClr r="0" g="0" b="0"/>
+      </a:lnRef>
+      <a:fillRef idx="1">
+        <a:scrgbClr r="0" g="0" b="0"/>
+      </a:fillRef>
+      <a:effectRef idx="0">
+        <a:scrgbClr r="0" g="0" b="0"/>
+      </a:effectRef>
+      <a:fontRef idx="minor">
+        <a:schemeClr val="lt1"/>
+      </a:fontRef>
+    </dgm:style>
+  </dgm:styleLbl>
+  <dgm:styleLbl name="asst3">
+    <dgm:scene3d>
+      <a:camera prst="orthographicFront"/>
+      <a:lightRig rig="threePt" dir="t"/>
+    </dgm:scene3d>
+    <dgm:sp3d/>
+    <dgm:txPr/>
+    <dgm:style>
+      <a:lnRef idx="2">
+        <a:scrgbClr r="0" g="0" b="0"/>
+      </a:lnRef>
+      <a:fillRef idx="1">
+        <a:scrgbClr r="0" g="0" b="0"/>
+      </a:fillRef>
+      <a:effectRef idx="0">
+        <a:scrgbClr r="0" g="0" b="0"/>
+      </a:effectRef>
+      <a:fontRef idx="minor">
+        <a:schemeClr val="lt1"/>
+      </a:fontRef>
+    </dgm:style>
+  </dgm:styleLbl>
+  <dgm:styleLbl name="asst4">
+    <dgm:scene3d>
+      <a:camera prst="orthographicFront"/>
+      <a:lightRig rig="threePt" dir="t"/>
+    </dgm:scene3d>
+    <dgm:sp3d/>
+    <dgm:txPr/>
+    <dgm:style>
+      <a:lnRef idx="2">
+        <a:scrgbClr r="0" g="0" b="0"/>
+      </a:lnRef>
+      <a:fillRef idx="1">
+        <a:scrgbClr r="0" g="0" b="0"/>
+      </a:fillRef>
+      <a:effectRef idx="0">
+        <a:scrgbClr r="0" g="0" b="0"/>
+      </a:effectRef>
+      <a:fontRef idx="minor">
+        <a:schemeClr val="lt1"/>
+      </a:fontRef>
+    </dgm:style>
+  </dgm:styleLbl>
+  <dgm:styleLbl name="parChTrans2D1">
+    <dgm:scene3d>
+      <a:camera prst="orthographicFront"/>
+      <a:lightRig rig="threePt" dir="t"/>
+    </dgm:scene3d>
+    <dgm:sp3d/>
+    <dgm:txPr/>
+    <dgm:style>
+      <a:lnRef idx="2">
+        <a:scrgbClr r="0" g="0" b="0"/>
+      </a:lnRef>
+      <a:fillRef idx="1">
+        <a:scrgbClr r="0" g="0" b="0"/>
+      </a:fillRef>
+      <a:effectRef idx="0">
+        <a:scrgbClr r="0" g="0" b="0"/>
+      </a:effectRef>
+      <a:fontRef idx="minor">
+        <a:schemeClr val="lt1"/>
+      </a:fontRef>
+    </dgm:style>
+  </dgm:styleLbl>
+  <dgm:styleLbl name="parChTrans2D2">
+    <dgm:scene3d>
+      <a:camera prst="orthographicFront"/>
+      <a:lightRig rig="threePt" dir="t"/>
+    </dgm:scene3d>
+    <dgm:sp3d/>
+    <dgm:txPr/>
+    <dgm:style>
+      <a:lnRef idx="2">
+        <a:scrgbClr r="0" g="0" b="0"/>
+      </a:lnRef>
+      <a:fillRef idx="1">
+        <a:scrgbClr r="0" g="0" b="0"/>
+      </a:fillRef>
+      <a:effectRef idx="0">
+        <a:scrgbClr r="0" g="0" b="0"/>
+      </a:effectRef>
+      <a:fontRef idx="minor">
+        <a:schemeClr val="lt1"/>
+      </a:fontRef>
+    </dgm:style>
+  </dgm:styleLbl>
+  <dgm:styleLbl name="parChTrans2D3">
+    <dgm:scene3d>
+      <a:camera prst="orthographicFront"/>
+      <a:lightRig rig="threePt" dir="t"/>
+    </dgm:scene3d>
+    <dgm:sp3d/>
+    <dgm:txPr/>
+    <dgm:style>
+      <a:lnRef idx="2">
+        <a:scrgbClr r="0" g="0" b="0"/>
+      </a:lnRef>
+      <a:fillRef idx="1">
+        <a:scrgbClr r="0" g="0" b="0"/>
+      </a:fillRef>
+      <a:effectRef idx="0">
+        <a:scrgbClr r="0" g="0" b="0"/>
+      </a:effectRef>
+      <a:fontRef idx="minor">
+        <a:schemeClr val="lt1"/>
+      </a:fontRef>
+    </dgm:style>
+  </dgm:styleLbl>
+  <dgm:styleLbl name="parChTrans2D4">
+    <dgm:scene3d>
+      <a:camera prst="orthographicFront"/>
+      <a:lightRig rig="threePt" dir="t"/>
+    </dgm:scene3d>
+    <dgm:sp3d/>
+    <dgm:txPr/>
+    <dgm:style>
+      <a:lnRef idx="2">
+        <a:scrgbClr r="0" g="0" b="0"/>
+      </a:lnRef>
+      <a:fillRef idx="1">
+        <a:scrgbClr r="0" g="0" b="0"/>
+      </a:fillRef>
+      <a:effectRef idx="0">
+        <a:scrgbClr r="0" g="0" b="0"/>
+      </a:effectRef>
+      <a:fontRef idx="minor">
+        <a:schemeClr val="lt1"/>
+      </a:fontRef>
+    </dgm:style>
+  </dgm:styleLbl>
+  <dgm:styleLbl name="parChTrans1D1">
+    <dgm:scene3d>
+      <a:camera prst="orthographicFront"/>
+      <a:lightRig rig="threePt" dir="t"/>
+    </dgm:scene3d>
+    <dgm:sp3d/>
+    <dgm:txPr/>
+    <dgm:style>
+      <a:lnRef idx="2">
+        <a:scrgbClr r="0" g="0" b="0"/>
+      </a:lnRef>
+      <a:fillRef idx="0">
+        <a:scrgbClr r="0" g="0" b="0"/>
+      </a:fillRef>
+      <a:effectRef idx="0">
+        <a:scrgbClr r="0" g="0" b="0"/>
+      </a:effectRef>
+      <a:fontRef idx="minor"/>
+    </dgm:style>
+  </dgm:styleLbl>
+  <dgm:styleLbl name="parChTrans1D2">
+    <dgm:scene3d>
+      <a:camera prst="orthographicFront"/>
+      <a:lightRig rig="threePt" dir="t"/>
+    </dgm:scene3d>
+    <dgm:sp3d/>
+    <dgm:txPr/>
+    <dgm:style>
+      <a:lnRef idx="2">
+        <a:scrgbClr r="0" g="0" b="0"/>
+      </a:lnRef>
+      <a:fillRef idx="0">
+        <a:scrgbClr r="0" g="0" b="0"/>
+      </a:fillRef>
+      <a:effectRef idx="0">
+        <a:scrgbClr r="0" g="0" b="0"/>
+      </a:effectRef>
+      <a:fontRef idx="minor"/>
+    </dgm:style>
+  </dgm:styleLbl>
+  <dgm:styleLbl name="parChTrans1D3">
+    <dgm:scene3d>
+      <a:camera prst="orthographicFront"/>
+      <a:lightRig rig="threePt" dir="t"/>
+    </dgm:scene3d>
+    <dgm:sp3d/>
+    <dgm:txPr/>
+    <dgm:style>
+      <a:lnRef idx="2">
+        <a:scrgbClr r="0" g="0" b="0"/>
+      </a:lnRef>
+      <a:fillRef idx="0">
+        <a:scrgbClr r="0" g="0" b="0"/>
+      </a:fillRef>
+      <a:effectRef idx="0">
+        <a:scrgbClr r="0" g="0" b="0"/>
+      </a:effectRef>
+      <a:fontRef idx="minor"/>
+    </dgm:style>
+  </dgm:styleLbl>
+  <dgm:styleLbl name="parChTrans1D4">
+    <dgm:scene3d>
+      <a:camera prst="orthographicFront"/>
+      <a:lightRig rig="threePt" dir="t"/>
+    </dgm:scene3d>
+    <dgm:sp3d/>
+    <dgm:txPr/>
+    <dgm:style>
+      <a:lnRef idx="2">
+        <a:scrgbClr r="0" g="0" b="0"/>
+      </a:lnRef>
+      <a:fillRef idx="0">
+        <a:scrgbClr r="0" g="0" b="0"/>
+      </a:fillRef>
+      <a:effectRef idx="0">
+        <a:scrgbClr r="0" g="0" b="0"/>
+      </a:effectRef>
+      <a:fontRef idx="minor"/>
+    </dgm:style>
+  </dgm:styleLbl>
+  <dgm:styleLbl name="fgAcc1">
+    <dgm:scene3d>
+      <a:camera prst="orthographicFront"/>
+      <a:lightRig rig="threePt" dir="t"/>
+    </dgm:scene3d>
+    <dgm:sp3d/>
+    <dgm:txPr/>
+    <dgm:style>
+      <a:lnRef idx="2">
+        <a:scrgbClr r="0" g="0" b="0"/>
+      </a:lnRef>
+      <a:fillRef idx="1">
+        <a:scrgbClr r="0" g="0" b="0"/>
+      </a:fillRef>
+      <a:effectRef idx="0">
+        <a:scrgbClr r="0" g="0" b="0"/>
+      </a:effectRef>
+      <a:fontRef idx="minor"/>
+    </dgm:style>
+  </dgm:styleLbl>
+  <dgm:styleLbl name="conFgAcc1">
+    <dgm:scene3d>
+      <a:camera prst="orthographicFront"/>
+      <a:lightRig rig="threePt" dir="t"/>
+    </dgm:scene3d>
+    <dgm:sp3d/>
+    <dgm:txPr/>
+    <dgm:style>
+      <a:lnRef idx="2">
+        <a:scrgbClr r="0" g="0" b="0"/>
+      </a:lnRef>
+      <a:fillRef idx="1">
+        <a:scrgbClr r="0" g="0" b="0"/>
+      </a:fillRef>
+      <a:effectRef idx="0">
+        <a:scrgbClr r="0" g="0" b="0"/>
+      </a:effectRef>
+      <a:fontRef idx="minor"/>
+    </dgm:style>
+  </dgm:styleLbl>
+  <dgm:styleLbl name="alignAcc1">
+    <dgm:scene3d>
+      <a:camera prst="orthographicFront"/>
+      <a:lightRig rig="threePt" dir="t"/>
+    </dgm:scene3d>
+    <dgm:sp3d/>
+    <dgm:txPr/>
+    <dgm:style>
+      <a:lnRef idx="2">
+        <a:scrgbClr r="0" g="0" b="0"/>
+      </a:lnRef>
+      <a:fillRef idx="1">
+        <a:scrgbClr r="0" g="0" b="0"/>
+      </a:fillRef>
+      <a:effectRef idx="0">
+        <a:scrgbClr r="0" g="0" b="0"/>
+      </a:effectRef>
+      <a:fontRef idx="minor"/>
+    </dgm:style>
+  </dgm:styleLbl>
+  <dgm:styleLbl name="trAlignAcc1">
+    <dgm:scene3d>
+      <a:camera prst="orthographicFront"/>
+      <a:lightRig rig="threePt" dir="t"/>
+    </dgm:scene3d>
+    <dgm:sp3d/>
+    <dgm:txPr/>
+    <dgm:style>
+      <a:lnRef idx="1">
+        <a:scrgbClr r="0" g="0" b="0"/>
+      </a:lnRef>
+      <a:fillRef idx="1">
+        <a:scrgbClr r="0" g="0" b="0"/>
+      </a:fillRef>
+      <a:effectRef idx="0">
+        <a:scrgbClr r="0" g="0" b="0"/>
+      </a:effectRef>
+      <a:fontRef idx="minor"/>
+    </dgm:style>
+  </dgm:styleLbl>
+  <dgm:styleLbl name="bgAcc1">
+    <dgm:scene3d>
+      <a:camera prst="orthographicFront"/>
+      <a:lightRig rig="threePt" dir="t"/>
+    </dgm:scene3d>
+    <dgm:sp3d/>
+    <dgm:txPr/>
+    <dgm:style>
+      <a:lnRef idx="2">
+        <a:scrgbClr r="0" g="0" b="0"/>
+      </a:lnRef>
+      <a:fillRef idx="1">
+        <a:scrgbClr r="0" g="0" b="0"/>
+      </a:fillRef>
+      <a:effectRef idx="0">
+        <a:scrgbClr r="0" g="0" b="0"/>
+      </a:effectRef>
+      <a:fontRef idx="minor"/>
+    </dgm:style>
+  </dgm:styleLbl>
+  <dgm:styleLbl name="solidFgAcc1">
+    <dgm:scene3d>
+      <a:camera prst="orthographicFront"/>
+      <a:lightRig rig="threePt" dir="t"/>
+    </dgm:scene3d>
+    <dgm:sp3d/>
+    <dgm:txPr/>
+    <dgm:style>
+      <a:lnRef idx="2">
+        <a:scrgbClr r="0" g="0" b="0"/>
+      </a:lnRef>
+      <a:fillRef idx="1">
+        <a:scrgbClr r="0" g="0" b="0"/>
+      </a:fillRef>
+      <a:effectRef idx="0">
+        <a:scrgbClr r="0" g="0" b="0"/>
+      </a:effectRef>
+      <a:fontRef idx="minor"/>
+    </dgm:style>
+  </dgm:styleLbl>
+  <dgm:styleLbl name="solidAlignAcc1">
+    <dgm:scene3d>
+      <a:camera prst="orthographicFront"/>
+      <a:lightRig rig="threePt" dir="t"/>
+    </dgm:scene3d>
+    <dgm:sp3d/>
+    <dgm:txPr/>
+    <dgm:style>
+      <a:lnRef idx="2">
+        <a:scrgbClr r="0" g="0" b="0"/>
+      </a:lnRef>
+      <a:fillRef idx="1">
+        <a:scrgbClr r="0" g="0" b="0"/>
+      </a:fillRef>
+      <a:effectRef idx="0">
+        <a:scrgbClr r="0" g="0" b="0"/>
+      </a:effectRef>
+      <a:fontRef idx="minor"/>
+    </dgm:style>
+  </dgm:styleLbl>
+  <dgm:styleLbl name="solidBgAcc1">
+    <dgm:scene3d>
+      <a:camera prst="orthographicFront"/>
+      <a:lightRig rig="threePt" dir="t"/>
+    </dgm:scene3d>
+    <dgm:sp3d/>
+    <dgm:txPr/>
+    <dgm:style>
+      <a:lnRef idx="2">
+        <a:scrgbClr r="0" g="0" b="0"/>
+      </a:lnRef>
+      <a:fillRef idx="1">
+        <a:scrgbClr r="0" g="0" b="0"/>
+      </a:fillRef>
+      <a:effectRef idx="0">
+        <a:scrgbClr r="0" g="0" b="0"/>
+      </a:effectRef>
+      <a:fontRef idx="minor"/>
+    </dgm:style>
+  </dgm:styleLbl>
+  <dgm:styleLbl name="fgAccFollowNode1">
+    <dgm:scene3d>
+      <a:camera prst="orthographicFront"/>
+      <a:lightRig rig="threePt" dir="t"/>
+    </dgm:scene3d>
+    <dgm:sp3d/>
+    <dgm:txPr/>
+    <dgm:style>
+      <a:lnRef idx="2">
+        <a:scrgbClr r="0" g="0" b="0"/>
+      </a:lnRef>
+      <a:fillRef idx="1">
+        <a:scrgbClr r="0" g="0" b="0"/>
+      </a:fillRef>
+      <a:effectRef idx="0">
+        <a:scrgbClr r="0" g="0" b="0"/>
+      </a:effectRef>
+      <a:fontRef idx="minor"/>
+    </dgm:style>
+  </dgm:styleLbl>
+  <dgm:styleLbl name="alignAccFollowNode1">
+    <dgm:scene3d>
+      <a:camera prst="orthographicFront"/>
+      <a:lightRig rig="threePt" dir="t"/>
+    </dgm:scene3d>
+    <dgm:sp3d/>
+    <dgm:txPr/>
+    <dgm:style>
+      <a:lnRef idx="2">
+        <a:scrgbClr r="0" g="0" b="0"/>
+      </a:lnRef>
+      <a:fillRef idx="1">
+        <a:scrgbClr r="0" g="0" b="0"/>
+      </a:fillRef>
+      <a:effectRef idx="0">
+        <a:scrgbClr r="0" g="0" b="0"/>
+      </a:effectRef>
+      <a:fontRef idx="minor"/>
+    </dgm:style>
+  </dgm:styleLbl>
+  <dgm:styleLbl name="bgAccFollowNode1">
+    <dgm:scene3d>
+      <a:camera prst="orthographicFront"/>
+      <a:lightRig rig="threePt" dir="t"/>
+    </dgm:scene3d>
+    <dgm:sp3d/>
+    <dgm:txPr/>
+    <dgm:style>
+      <a:lnRef idx="2">
+        <a:scrgbClr r="0" g="0" b="0"/>
+      </a:lnRef>
+      <a:fillRef idx="1">
+        <a:scrgbClr r="0" g="0" b="0"/>
+      </a:fillRef>
+      <a:effectRef idx="0">
+        <a:scrgbClr r="0" g="0" b="0"/>
+      </a:effectRef>
+      <a:fontRef idx="minor"/>
+    </dgm:style>
+  </dgm:styleLbl>
+  <dgm:styleLbl name="fgAcc0">
+    <dgm:scene3d>
+      <a:camera prst="orthographicFront"/>
+      <a:lightRig rig="threePt" dir="t"/>
+    </dgm:scene3d>
+    <dgm:sp3d/>
+    <dgm:txPr/>
+    <dgm:style>
+      <a:lnRef idx="2">
+        <a:scrgbClr r="0" g="0" b="0"/>
+      </a:lnRef>
+      <a:fillRef idx="1">
+        <a:scrgbClr r="0" g="0" b="0"/>
+      </a:fillRef>
+      <a:effectRef idx="0">
+        <a:scrgbClr r="0" g="0" b="0"/>
+      </a:effectRef>
+      <a:fontRef idx="minor"/>
+    </dgm:style>
+  </dgm:styleLbl>
+  <dgm:styleLbl name="fgAcc2">
+    <dgm:scene3d>
+      <a:camera prst="orthographicFront"/>
+      <a:lightRig rig="threePt" dir="t"/>
+    </dgm:scene3d>
+    <dgm:sp3d/>
+    <dgm:txPr/>
+    <dgm:style>
+      <a:lnRef idx="2">
+        <a:scrgbClr r="0" g="0" b="0"/>
+      </a:lnRef>
+      <a:fillRef idx="1">
+        <a:scrgbClr r="0" g="0" b="0"/>
+      </a:fillRef>
+      <a:effectRef idx="0">
+        <a:scrgbClr r="0" g="0" b="0"/>
+      </a:effectRef>
+      <a:fontRef idx="minor"/>
+    </dgm:style>
+  </dgm:styleLbl>
+  <dgm:styleLbl name="fgAcc3">
+    <dgm:scene3d>
+      <a:camera prst="orthographicFront"/>
+      <a:lightRig rig="threePt" dir="t"/>
+    </dgm:scene3d>
+    <dgm:sp3d/>
+    <dgm:txPr/>
+    <dgm:style>
+      <a:lnRef idx="2">
+        <a:scrgbClr r="0" g="0" b="0"/>
+      </a:lnRef>
+      <a:fillRef idx="1">
+        <a:scrgbClr r="0" g="0" b="0"/>
+      </a:fillRef>
+      <a:effectRef idx="0">
+        <a:scrgbClr r="0" g="0" b="0"/>
+      </a:effectRef>
+      <a:fontRef idx="minor"/>
+    </dgm:style>
+  </dgm:styleLbl>
+  <dgm:styleLbl name="fgAcc4">
+    <dgm:scene3d>
+      <a:camera prst="orthographicFront"/>
+      <a:lightRig rig="threePt" dir="t"/>
+    </dgm:scene3d>
+    <dgm:sp3d/>
+    <dgm:txPr/>
+    <dgm:style>
+      <a:lnRef idx="2">
+        <a:scrgbClr r="0" g="0" b="0"/>
+      </a:lnRef>
+      <a:fillRef idx="1">
+        <a:scrgbClr r="0" g="0" b="0"/>
+      </a:fillRef>
+      <a:effectRef idx="0">
+        <a:scrgbClr r="0" g="0" b="0"/>
+      </a:effectRef>
+      <a:fontRef idx="minor"/>
+    </dgm:style>
+  </dgm:styleLbl>
+  <dgm:styleLbl name="bgShp">
+    <dgm:scene3d>
+      <a:camera prst="orthographicFront"/>
+      <a:lightRig rig="threePt" dir="t"/>
+    </dgm:scene3d>
+    <dgm:sp3d/>
+    <dgm:txPr/>
+    <dgm:style>
+      <a:lnRef idx="0">
+        <a:scrgbClr r="0" g="0" b="0"/>
+      </a:lnRef>
+      <a:fillRef idx="1">
+        <a:scrgbClr r="0" g="0" b="0"/>
+      </a:fillRef>
+      <a:effectRef idx="0">
+        <a:scrgbClr r="0" g="0" b="0"/>
+      </a:effectRef>
+      <a:fontRef idx="minor"/>
+    </dgm:style>
+  </dgm:styleLbl>
+  <dgm:styleLbl name="dkBgShp">
+    <dgm:scene3d>
+      <a:camera prst="orthographicFront"/>
+      <a:lightRig rig="threePt" dir="t"/>
+    </dgm:scene3d>
+    <dgm:sp3d/>
+    <dgm:txPr/>
+    <dgm:style>
+      <a:lnRef idx="0">
+        <a:scrgbClr r="0" g="0" b="0"/>
+      </a:lnRef>
+      <a:fillRef idx="1">
+        <a:scrgbClr r="0" g="0" b="0"/>
+      </a:fillRef>
+      <a:effectRef idx="0">
+        <a:scrgbClr r="0" g="0" b="0"/>
+      </a:effectRef>
+      <a:fontRef idx="minor"/>
+    </dgm:style>
+  </dgm:styleLbl>
+  <dgm:styleLbl name="trBgShp">
+    <dgm:scene3d>
+      <a:camera prst="orthographicFront"/>
+      <a:lightRig rig="threePt" dir="t"/>
+    </dgm:scene3d>
+    <dgm:sp3d/>
+    <dgm:txPr/>
+    <dgm:style>
+      <a:lnRef idx="0">
+        <a:scrgbClr r="0" g="0" b="0"/>
+      </a:lnRef>
+      <a:fillRef idx="1">
+        <a:scrgbClr r="0" g="0" b="0"/>
+      </a:fillRef>
+      <a:effectRef idx="0">
+        <a:scrgbClr r="0" g="0" b="0"/>
+      </a:effectRef>
+      <a:fontRef idx="minor"/>
+    </dgm:style>
+  </dgm:styleLbl>
+  <dgm:styleLbl name="fgShp">
+    <dgm:scene3d>
+      <a:camera prst="orthographicFront"/>
+      <a:lightRig rig="threePt" dir="t"/>
+    </dgm:scene3d>
+    <dgm:sp3d/>
+    <dgm:txPr/>
+    <dgm:style>
+      <a:lnRef idx="2">
+        <a:scrgbClr r="0" g="0" b="0"/>
+      </a:lnRef>
+      <a:fillRef idx="1">
+        <a:scrgbClr r="0" g="0" b="0"/>
+      </a:fillRef>
+      <a:effectRef idx="0">
+        <a:scrgbClr r="0" g="0" b="0"/>
+      </a:effectRef>
+      <a:fontRef idx="minor"/>
+    </dgm:style>
+  </dgm:styleLbl>
+  <dgm:styleLbl name="revTx">
+    <dgm:scene3d>
+      <a:camera prst="orthographicFront"/>
+      <a:lightRig rig="threePt" dir="t"/>
+    </dgm:scene3d>
+    <dgm:sp3d/>
+    <dgm:txPr/>
+    <dgm:style>
+      <a:lnRef idx="0">
+        <a:scrgbClr r="0" g="0" b="0"/>
+      </a:lnRef>
+      <a:fillRef idx="0">
+        <a:scrgbClr r="0" g="0" b="0"/>
+      </a:fillRef>
+      <a:effectRef idx="0">
+        <a:scrgbClr r="0" g="0" b="0"/>
+      </a:effectRef>
+      <a:fontRef idx="minor"/>
+    </dgm:style>
+  </dgm:styleLbl>
+</dgm:styleDef>
+</file>
+
 <file path=ppt/slideLayouts/slideLayout1.xml><?xml version="1.0" encoding="utf-8"?>
 <p:sldLayout xmlns:a="http://schemas.openxmlformats.org/drawingml/2006/main" xmlns:r="http://schemas.openxmlformats.org/officeDocument/2006/relationships" xmlns:p="http://schemas.openxmlformats.org/presentationml/2006/main" type="title" preserve="1">
   <p:cSld name="Title Slide">
@@ -16583,7 +20090,7 @@
           <a:p>
             <a:fld id="{29134D58-3766-44A1-9C78-2A4754B7E537}" type="datetimeFigureOut">
               <a:rPr lang="en-US" smtClean="0"/>
-              <a:t>1/1/2023</a:t>
+              <a:t>1/2/2023</a:t>
             </a:fld>
             <a:endParaRPr lang="en-US"/>
           </a:p>
@@ -16781,7 +20288,7 @@
           <a:p>
             <a:fld id="{29134D58-3766-44A1-9C78-2A4754B7E537}" type="datetimeFigureOut">
               <a:rPr lang="en-US" smtClean="0"/>
-              <a:t>1/1/2023</a:t>
+              <a:t>1/2/2023</a:t>
             </a:fld>
             <a:endParaRPr lang="en-US"/>
           </a:p>
@@ -16989,7 +20496,7 @@
           <a:p>
             <a:fld id="{29134D58-3766-44A1-9C78-2A4754B7E537}" type="datetimeFigureOut">
               <a:rPr lang="en-US" smtClean="0"/>
-              <a:t>1/1/2023</a:t>
+              <a:t>1/2/2023</a:t>
             </a:fld>
             <a:endParaRPr lang="en-US"/>
           </a:p>
@@ -17187,7 +20694,7 @@
           <a:p>
             <a:fld id="{29134D58-3766-44A1-9C78-2A4754B7E537}" type="datetimeFigureOut">
               <a:rPr lang="en-US" smtClean="0"/>
-              <a:t>1/1/2023</a:t>
+              <a:t>1/2/2023</a:t>
             </a:fld>
             <a:endParaRPr lang="en-US"/>
           </a:p>
@@ -17462,7 +20969,7 @@
           <a:p>
             <a:fld id="{29134D58-3766-44A1-9C78-2A4754B7E537}" type="datetimeFigureOut">
               <a:rPr lang="en-US" smtClean="0"/>
-              <a:t>1/1/2023</a:t>
+              <a:t>1/2/2023</a:t>
             </a:fld>
             <a:endParaRPr lang="en-US"/>
           </a:p>
@@ -17727,7 +21234,7 @@
           <a:p>
             <a:fld id="{29134D58-3766-44A1-9C78-2A4754B7E537}" type="datetimeFigureOut">
               <a:rPr lang="en-US" smtClean="0"/>
-              <a:t>1/1/2023</a:t>
+              <a:t>1/2/2023</a:t>
             </a:fld>
             <a:endParaRPr lang="en-US"/>
           </a:p>
@@ -18139,7 +21646,7 @@
           <a:p>
             <a:fld id="{29134D58-3766-44A1-9C78-2A4754B7E537}" type="datetimeFigureOut">
               <a:rPr lang="en-US" smtClean="0"/>
-              <a:t>1/1/2023</a:t>
+              <a:t>1/2/2023</a:t>
             </a:fld>
             <a:endParaRPr lang="en-US"/>
           </a:p>
@@ -18280,7 +21787,7 @@
           <a:p>
             <a:fld id="{29134D58-3766-44A1-9C78-2A4754B7E537}" type="datetimeFigureOut">
               <a:rPr lang="en-US" smtClean="0"/>
-              <a:t>1/1/2023</a:t>
+              <a:t>1/2/2023</a:t>
             </a:fld>
             <a:endParaRPr lang="en-US"/>
           </a:p>
@@ -18393,7 +21900,7 @@
           <a:p>
             <a:fld id="{29134D58-3766-44A1-9C78-2A4754B7E537}" type="datetimeFigureOut">
               <a:rPr lang="en-US" smtClean="0"/>
-              <a:t>1/1/2023</a:t>
+              <a:t>1/2/2023</a:t>
             </a:fld>
             <a:endParaRPr lang="en-US"/>
           </a:p>
@@ -18704,7 +22211,7 @@
           <a:p>
             <a:fld id="{29134D58-3766-44A1-9C78-2A4754B7E537}" type="datetimeFigureOut">
               <a:rPr lang="en-US" smtClean="0"/>
-              <a:t>1/1/2023</a:t>
+              <a:t>1/2/2023</a:t>
             </a:fld>
             <a:endParaRPr lang="en-US"/>
           </a:p>
@@ -18992,7 +22499,7 @@
           <a:p>
             <a:fld id="{29134D58-3766-44A1-9C78-2A4754B7E537}" type="datetimeFigureOut">
               <a:rPr lang="en-US" smtClean="0"/>
-              <a:t>1/1/2023</a:t>
+              <a:t>1/2/2023</a:t>
             </a:fld>
             <a:endParaRPr lang="en-US"/>
           </a:p>
@@ -19233,7 +22740,7 @@
           <a:p>
             <a:fld id="{29134D58-3766-44A1-9C78-2A4754B7E537}" type="datetimeFigureOut">
               <a:rPr lang="en-US" smtClean="0"/>
-              <a:t>1/1/2023</a:t>
+              <a:t>1/2/2023</a:t>
             </a:fld>
             <a:endParaRPr lang="en-US"/>
           </a:p>
@@ -22063,13 +25570,13 @@
   <p:clrMapOvr>
     <a:masterClrMapping/>
   </p:clrMapOvr>
-  <mc:AlternateContent xmlns:mc="http://schemas.openxmlformats.org/markup-compatibility/2006">
-    <mc:Choice xmlns:p14="http://schemas.microsoft.com/office/powerpoint/2010/main" Requires="p14">
+  <mc:AlternateContent xmlns:mc="http://schemas.openxmlformats.org/markup-compatibility/2006" xmlns:p14="http://schemas.microsoft.com/office/powerpoint/2010/main">
+    <mc:Choice Requires="p14">
       <p:transition spd="slow" p14:dur="2000">
         <p14:reveal/>
       </p:transition>
     </mc:Choice>
-    <mc:Fallback>
+    <mc:Fallback xmlns="">
       <p:transition spd="slow">
         <p:fade/>
       </p:transition>
@@ -22812,13 +26319,13 @@
   <p:clrMapOvr>
     <a:masterClrMapping/>
   </p:clrMapOvr>
-  <mc:AlternateContent xmlns:mc="http://schemas.openxmlformats.org/markup-compatibility/2006">
-    <mc:Choice xmlns:p14="http://schemas.microsoft.com/office/powerpoint/2010/main" Requires="p14">
+  <mc:AlternateContent xmlns:mc="http://schemas.openxmlformats.org/markup-compatibility/2006" xmlns:p14="http://schemas.microsoft.com/office/powerpoint/2010/main">
+    <mc:Choice Requires="p14">
       <p:transition spd="slow" p14:dur="3400">
         <p14:reveal/>
       </p:transition>
     </mc:Choice>
-    <mc:Fallback>
+    <mc:Fallback xmlns="">
       <p:transition spd="slow">
         <p:fade/>
       </p:transition>
@@ -23532,13 +27039,13 @@
   <p:clrMapOvr>
     <a:masterClrMapping/>
   </p:clrMapOvr>
-  <mc:AlternateContent xmlns:mc="http://schemas.openxmlformats.org/markup-compatibility/2006">
-    <mc:Choice xmlns:p14="http://schemas.microsoft.com/office/powerpoint/2010/main" Requires="p14">
+  <mc:AlternateContent xmlns:mc="http://schemas.openxmlformats.org/markup-compatibility/2006" xmlns:p14="http://schemas.microsoft.com/office/powerpoint/2010/main">
+    <mc:Choice Requires="p14">
       <p:transition spd="slow" p14:dur="3400">
         <p14:reveal/>
       </p:transition>
     </mc:Choice>
-    <mc:Fallback>
+    <mc:Fallback xmlns="">
       <p:transition spd="slow">
         <p:fade/>
       </p:transition>
@@ -23574,10 +27081,10 @@
       </p:grpSpPr>
       <p:sp useBgFill="1">
         <p:nvSpPr>
-          <p:cNvPr id="10" name="Rectangle 9">
+          <p:cNvPr id="2061" name="Rectangle 2056">
             <a:extLst>
               <a:ext uri="{FF2B5EF4-FFF2-40B4-BE49-F238E27FC236}">
-                <a16:creationId xmlns:a16="http://schemas.microsoft.com/office/drawing/2014/main" id="{8FC9BE17-9A7B-462D-AE50-3D8777387304}"/>
+                <a16:creationId xmlns:a16="http://schemas.microsoft.com/office/drawing/2014/main" id="{743AA782-23D1-4521-8CAD-47662984AA08}"/>
               </a:ext>
               <a:ext uri="{C183D7F6-B498-43B3-948B-1728B52AA6E4}">
                 <adec:decorative xmlns:adec="http://schemas.microsoft.com/office/drawing/2017/decorative" val="1"/>
@@ -23632,41 +27139,47 @@
           </a:p>
         </p:txBody>
       </p:sp>
-      <p:pic>
-        <p:nvPicPr>
-          <p:cNvPr id="6" name="Picture 5" descr="Barevné dokumenty skládané na vytváření papírových turbín">
+      <p:sp>
+        <p:nvSpPr>
+          <p:cNvPr id="2" name="Title 1">
             <a:extLst>
               <a:ext uri="{FF2B5EF4-FFF2-40B4-BE49-F238E27FC236}">
-                <a16:creationId xmlns:a16="http://schemas.microsoft.com/office/drawing/2014/main" id="{1C72BE4C-330D-B5DB-E70E-1A759B116241}"/>
+                <a16:creationId xmlns:a16="http://schemas.microsoft.com/office/drawing/2014/main" id="{D49455CD-2866-6562-4DF3-DF05AC746349}"/>
               </a:ext>
             </a:extLst>
           </p:cNvPr>
-          <p:cNvPicPr>
-            <a:picLocks noChangeAspect="1"/>
-          </p:cNvPicPr>
-          <p:nvPr/>
-        </p:nvPicPr>
-        <p:blipFill rotWithShape="1">
-          <a:blip r:embed="rId2"/>
-          <a:srcRect r="5200"/>
-          <a:stretch/>
-        </p:blipFill>
+          <p:cNvSpPr>
+            <a:spLocks noGrp="1"/>
+          </p:cNvSpPr>
+          <p:nvPr>
+            <p:ph type="title"/>
+          </p:nvPr>
+        </p:nvSpPr>
         <p:spPr>
           <a:xfrm>
-            <a:off x="3523488" y="10"/>
-            <a:ext cx="8668512" cy="6857990"/>
+            <a:off x="630936" y="640080"/>
+            <a:ext cx="4818888" cy="1481328"/>
           </a:xfrm>
-          <a:prstGeom prst="rect">
-            <a:avLst/>
-          </a:prstGeom>
         </p:spPr>
-      </p:pic>
+        <p:txBody>
+          <a:bodyPr anchor="b">
+            <a:normAutofit/>
+          </a:bodyPr>
+          <a:lstStyle/>
+          <a:p>
+            <a:r>
+              <a:rPr lang="en-US" sz="5400"/>
+              <a:t>CIE 1931</a:t>
+            </a:r>
+          </a:p>
+        </p:txBody>
+      </p:sp>
       <p:sp>
         <p:nvSpPr>
-          <p:cNvPr id="12" name="Rectangle 11">
+          <p:cNvPr id="2062" name="sketch line">
             <a:extLst>
               <a:ext uri="{FF2B5EF4-FFF2-40B4-BE49-F238E27FC236}">
-                <a16:creationId xmlns:a16="http://schemas.microsoft.com/office/drawing/2014/main" id="{3EBE8569-6AEC-4B8C-8D53-2DE337CDBA65}"/>
+                <a16:creationId xmlns:a16="http://schemas.microsoft.com/office/drawing/2014/main" id="{71877DBC-BB60-40F0-AC93-2ACDBAAE60CE}"/>
               </a:ext>
               <a:ext uri="{C183D7F6-B498-43B3-948B-1728B52AA6E4}">
                 <adec:decorative xmlns:adec="http://schemas.microsoft.com/office/drawing/2017/decorative" val="1"/>
@@ -23686,40 +27199,227 @@
         </p:nvSpPr>
         <p:spPr>
           <a:xfrm>
-            <a:off x="2" y="0"/>
-            <a:ext cx="9756601" cy="6858000"/>
+            <a:off x="643278" y="2372868"/>
+            <a:ext cx="3255095" cy="18288"/>
           </a:xfrm>
-          <a:prstGeom prst="rect">
+          <a:custGeom>
             <a:avLst/>
-          </a:prstGeom>
-          <a:gradFill>
-            <a:gsLst>
-              <a:gs pos="58000">
-                <a:schemeClr val="bg1"/>
-              </a:gs>
-              <a:gs pos="35000">
-                <a:schemeClr val="bg1">
-                  <a:alpha val="78000"/>
-                </a:schemeClr>
-              </a:gs>
-              <a:gs pos="19000">
-                <a:schemeClr val="bg1">
-                  <a:alpha val="38000"/>
-                </a:schemeClr>
-              </a:gs>
-              <a:gs pos="0">
-                <a:schemeClr val="bg1">
-                  <a:alpha val="0"/>
-                </a:schemeClr>
-              </a:gs>
-              <a:gs pos="100000">
-                <a:schemeClr val="bg1"/>
-              </a:gs>
-            </a:gsLst>
-            <a:lin ang="10800000" scaled="0"/>
-          </a:gradFill>
-          <a:ln>
-            <a:noFill/>
+            <a:gdLst>
+              <a:gd name="connsiteX0" fmla="*/ 0 w 3255095"/>
+              <a:gd name="connsiteY0" fmla="*/ 0 h 18288"/>
+              <a:gd name="connsiteX1" fmla="*/ 618468 w 3255095"/>
+              <a:gd name="connsiteY1" fmla="*/ 0 h 18288"/>
+              <a:gd name="connsiteX2" fmla="*/ 1269487 w 3255095"/>
+              <a:gd name="connsiteY2" fmla="*/ 0 h 18288"/>
+              <a:gd name="connsiteX3" fmla="*/ 1953057 w 3255095"/>
+              <a:gd name="connsiteY3" fmla="*/ 0 h 18288"/>
+              <a:gd name="connsiteX4" fmla="*/ 2636627 w 3255095"/>
+              <a:gd name="connsiteY4" fmla="*/ 0 h 18288"/>
+              <a:gd name="connsiteX5" fmla="*/ 3255095 w 3255095"/>
+              <a:gd name="connsiteY5" fmla="*/ 0 h 18288"/>
+              <a:gd name="connsiteX6" fmla="*/ 3255095 w 3255095"/>
+              <a:gd name="connsiteY6" fmla="*/ 18288 h 18288"/>
+              <a:gd name="connsiteX7" fmla="*/ 2538974 w 3255095"/>
+              <a:gd name="connsiteY7" fmla="*/ 18288 h 18288"/>
+              <a:gd name="connsiteX8" fmla="*/ 1822853 w 3255095"/>
+              <a:gd name="connsiteY8" fmla="*/ 18288 h 18288"/>
+              <a:gd name="connsiteX9" fmla="*/ 1171834 w 3255095"/>
+              <a:gd name="connsiteY9" fmla="*/ 18288 h 18288"/>
+              <a:gd name="connsiteX10" fmla="*/ 0 w 3255095"/>
+              <a:gd name="connsiteY10" fmla="*/ 18288 h 18288"/>
+              <a:gd name="connsiteX11" fmla="*/ 0 w 3255095"/>
+              <a:gd name="connsiteY11" fmla="*/ 0 h 18288"/>
+            </a:gdLst>
+            <a:ahLst/>
+            <a:cxnLst>
+              <a:cxn ang="0">
+                <a:pos x="connsiteX0" y="connsiteY0"/>
+              </a:cxn>
+              <a:cxn ang="0">
+                <a:pos x="connsiteX1" y="connsiteY1"/>
+              </a:cxn>
+              <a:cxn ang="0">
+                <a:pos x="connsiteX2" y="connsiteY2"/>
+              </a:cxn>
+              <a:cxn ang="0">
+                <a:pos x="connsiteX3" y="connsiteY3"/>
+              </a:cxn>
+              <a:cxn ang="0">
+                <a:pos x="connsiteX4" y="connsiteY4"/>
+              </a:cxn>
+              <a:cxn ang="0">
+                <a:pos x="connsiteX5" y="connsiteY5"/>
+              </a:cxn>
+              <a:cxn ang="0">
+                <a:pos x="connsiteX6" y="connsiteY6"/>
+              </a:cxn>
+              <a:cxn ang="0">
+                <a:pos x="connsiteX7" y="connsiteY7"/>
+              </a:cxn>
+              <a:cxn ang="0">
+                <a:pos x="connsiteX8" y="connsiteY8"/>
+              </a:cxn>
+              <a:cxn ang="0">
+                <a:pos x="connsiteX9" y="connsiteY9"/>
+              </a:cxn>
+              <a:cxn ang="0">
+                <a:pos x="connsiteX10" y="connsiteY10"/>
+              </a:cxn>
+              <a:cxn ang="0">
+                <a:pos x="connsiteX11" y="connsiteY11"/>
+              </a:cxn>
+            </a:cxnLst>
+            <a:rect l="l" t="t" r="r" b="b"/>
+            <a:pathLst>
+              <a:path w="3255095" h="18288" fill="none" extrusionOk="0">
+                <a:moveTo>
+                  <a:pt x="0" y="0"/>
+                </a:moveTo>
+                <a:cubicBezTo>
+                  <a:pt x="240201" y="-22123"/>
+                  <a:pt x="462021" y="-19623"/>
+                  <a:pt x="618468" y="0"/>
+                </a:cubicBezTo>
+                <a:cubicBezTo>
+                  <a:pt x="774915" y="19623"/>
+                  <a:pt x="974734" y="2035"/>
+                  <a:pt x="1269487" y="0"/>
+                </a:cubicBezTo>
+                <a:cubicBezTo>
+                  <a:pt x="1564240" y="-2035"/>
+                  <a:pt x="1733579" y="10639"/>
+                  <a:pt x="1953057" y="0"/>
+                </a:cubicBezTo>
+                <a:cubicBezTo>
+                  <a:pt x="2172535" y="-10639"/>
+                  <a:pt x="2453962" y="14018"/>
+                  <a:pt x="2636627" y="0"/>
+                </a:cubicBezTo>
+                <a:cubicBezTo>
+                  <a:pt x="2819292" y="-14018"/>
+                  <a:pt x="3121375" y="5399"/>
+                  <a:pt x="3255095" y="0"/>
+                </a:cubicBezTo>
+                <a:cubicBezTo>
+                  <a:pt x="3254386" y="8157"/>
+                  <a:pt x="3254682" y="12125"/>
+                  <a:pt x="3255095" y="18288"/>
+                </a:cubicBezTo>
+                <a:cubicBezTo>
+                  <a:pt x="3088545" y="23203"/>
+                  <a:pt x="2687475" y="7419"/>
+                  <a:pt x="2538974" y="18288"/>
+                </a:cubicBezTo>
+                <a:cubicBezTo>
+                  <a:pt x="2390473" y="29157"/>
+                  <a:pt x="2137381" y="-8959"/>
+                  <a:pt x="1822853" y="18288"/>
+                </a:cubicBezTo>
+                <a:cubicBezTo>
+                  <a:pt x="1508325" y="45535"/>
+                  <a:pt x="1466437" y="20385"/>
+                  <a:pt x="1171834" y="18288"/>
+                </a:cubicBezTo>
+                <a:cubicBezTo>
+                  <a:pt x="877231" y="16191"/>
+                  <a:pt x="561097" y="37643"/>
+                  <a:pt x="0" y="18288"/>
+                </a:cubicBezTo>
+                <a:cubicBezTo>
+                  <a:pt x="-46" y="12483"/>
+                  <a:pt x="-203" y="6491"/>
+                  <a:pt x="0" y="0"/>
+                </a:cubicBezTo>
+                <a:close/>
+              </a:path>
+              <a:path w="3255095" h="18288" stroke="0" extrusionOk="0">
+                <a:moveTo>
+                  <a:pt x="0" y="0"/>
+                </a:moveTo>
+                <a:cubicBezTo>
+                  <a:pt x="291965" y="19429"/>
+                  <a:pt x="363155" y="8568"/>
+                  <a:pt x="618468" y="0"/>
+                </a:cubicBezTo>
+                <a:cubicBezTo>
+                  <a:pt x="873781" y="-8568"/>
+                  <a:pt x="904459" y="-19505"/>
+                  <a:pt x="1171834" y="0"/>
+                </a:cubicBezTo>
+                <a:cubicBezTo>
+                  <a:pt x="1439209" y="19505"/>
+                  <a:pt x="1744369" y="9790"/>
+                  <a:pt x="1887955" y="0"/>
+                </a:cubicBezTo>
+                <a:cubicBezTo>
+                  <a:pt x="2031541" y="-9790"/>
+                  <a:pt x="2346378" y="21240"/>
+                  <a:pt x="2506423" y="0"/>
+                </a:cubicBezTo>
+                <a:cubicBezTo>
+                  <a:pt x="2666468" y="-21240"/>
+                  <a:pt x="2990257" y="30414"/>
+                  <a:pt x="3255095" y="0"/>
+                </a:cubicBezTo>
+                <a:cubicBezTo>
+                  <a:pt x="3254831" y="4493"/>
+                  <a:pt x="3255479" y="9472"/>
+                  <a:pt x="3255095" y="18288"/>
+                </a:cubicBezTo>
+                <a:cubicBezTo>
+                  <a:pt x="3120743" y="16690"/>
+                  <a:pt x="2759628" y="42462"/>
+                  <a:pt x="2604076" y="18288"/>
+                </a:cubicBezTo>
+                <a:cubicBezTo>
+                  <a:pt x="2448524" y="-5886"/>
+                  <a:pt x="2184336" y="19599"/>
+                  <a:pt x="1887955" y="18288"/>
+                </a:cubicBezTo>
+                <a:cubicBezTo>
+                  <a:pt x="1591574" y="16977"/>
+                  <a:pt x="1548845" y="6870"/>
+                  <a:pt x="1334589" y="18288"/>
+                </a:cubicBezTo>
+                <a:cubicBezTo>
+                  <a:pt x="1120333" y="29706"/>
+                  <a:pt x="996014" y="9662"/>
+                  <a:pt x="683570" y="18288"/>
+                </a:cubicBezTo>
+                <a:cubicBezTo>
+                  <a:pt x="371126" y="26914"/>
+                  <a:pt x="198687" y="16167"/>
+                  <a:pt x="0" y="18288"/>
+                </a:cubicBezTo>
+                <a:cubicBezTo>
+                  <a:pt x="843" y="9577"/>
+                  <a:pt x="371" y="6900"/>
+                  <a:pt x="0" y="0"/>
+                </a:cubicBezTo>
+                <a:close/>
+              </a:path>
+            </a:pathLst>
+          </a:custGeom>
+          <a:solidFill>
+            <a:schemeClr val="accent2"/>
+          </a:solidFill>
+          <a:ln w="38100" cap="rnd">
+            <a:solidFill>
+              <a:schemeClr val="accent2"/>
+            </a:solidFill>
+            <a:round/>
+            <a:extLst>
+              <a:ext uri="{C807C97D-BFC1-408E-A445-0C87EB9F89A2}">
+                <ask:lineSketchStyleProps xmlns:ask="http://schemas.microsoft.com/office/drawing/2018/sketchyshapes" sd="1219033472">
+                  <a:prstGeom prst="rect">
+                    <a:avLst/>
+                  </a:prstGeom>
+                  <ask:type>
+                    <ask:lineSketchFreehand/>
+                  </ask:type>
+                </ask:lineSketchStyleProps>
+              </a:ext>
+            </a:extLst>
           </a:ln>
         </p:spPr>
         <p:style>
@@ -23743,205 +27443,7 @@
           <a:lstStyle/>
           <a:p>
             <a:pPr algn="ctr"/>
-            <a:endParaRPr lang="en-US" dirty="0"/>
-          </a:p>
-        </p:txBody>
-      </p:sp>
-      <p:sp>
-        <p:nvSpPr>
-          <p:cNvPr id="2" name="Title 1">
-            <a:extLst>
-              <a:ext uri="{FF2B5EF4-FFF2-40B4-BE49-F238E27FC236}">
-                <a16:creationId xmlns:a16="http://schemas.microsoft.com/office/drawing/2014/main" id="{D49455CD-2866-6562-4DF3-DF05AC746349}"/>
-              </a:ext>
-            </a:extLst>
-          </p:cNvPr>
-          <p:cNvSpPr>
-            <a:spLocks noGrp="1"/>
-          </p:cNvSpPr>
-          <p:nvPr>
-            <p:ph type="title"/>
-          </p:nvPr>
-        </p:nvSpPr>
-        <p:spPr>
-          <a:xfrm>
-            <a:off x="371094" y="1161288"/>
-            <a:ext cx="3438144" cy="1124712"/>
-          </a:xfrm>
-        </p:spPr>
-        <p:txBody>
-          <a:bodyPr anchor="b">
-            <a:normAutofit/>
-          </a:bodyPr>
-          <a:lstStyle/>
-          <a:p>
-            <a:r>
-              <a:rPr lang="en-US" sz="2800"/>
-              <a:t>CIE 1931</a:t>
-            </a:r>
-          </a:p>
-        </p:txBody>
-      </p:sp>
-      <p:sp>
-        <p:nvSpPr>
-          <p:cNvPr id="14" name="Rectangle 13">
-            <a:extLst>
-              <a:ext uri="{FF2B5EF4-FFF2-40B4-BE49-F238E27FC236}">
-                <a16:creationId xmlns:a16="http://schemas.microsoft.com/office/drawing/2014/main" id="{55D4142C-5077-457F-A6AD-3FECFDB39685}"/>
-              </a:ext>
-              <a:ext uri="{C183D7F6-B498-43B3-948B-1728B52AA6E4}">
-                <adec:decorative xmlns:adec="http://schemas.microsoft.com/office/drawing/2017/decorative" val="1"/>
-              </a:ext>
-            </a:extLst>
-          </p:cNvPr>
-          <p:cNvSpPr>
-            <a:spLocks noGrp="1" noRot="1" noChangeAspect="1" noMove="1" noResize="1" noEditPoints="1" noAdjustHandles="1" noChangeArrowheads="1" noChangeShapeType="1" noTextEdit="1"/>
-          </p:cNvSpPr>
-          <p:nvPr>
-            <p:extLst>
-              <p:ext uri="{386F3935-93C4-4BCD-93E2-E3B085C9AB24}">
-                <p16:designElem xmlns:p16="http://schemas.microsoft.com/office/powerpoint/2015/main" val="1"/>
-              </p:ext>
-            </p:extLst>
-          </p:nvPr>
-        </p:nvSpPr>
-        <p:spPr>
-          <a:xfrm rot="5400000">
-            <a:off x="662559" y="605790"/>
-            <a:ext cx="73152" cy="548640"/>
-          </a:xfrm>
-          <a:prstGeom prst="rect">
-            <a:avLst/>
-          </a:prstGeom>
-          <a:solidFill>
-            <a:schemeClr val="accent2"/>
-          </a:solidFill>
-          <a:ln>
-            <a:noFill/>
-          </a:ln>
-        </p:spPr>
-        <p:style>
-          <a:lnRef idx="2">
-            <a:schemeClr val="accent1">
-              <a:shade val="50000"/>
-            </a:schemeClr>
-          </a:lnRef>
-          <a:fillRef idx="1">
-            <a:schemeClr val="accent1"/>
-          </a:fillRef>
-          <a:effectRef idx="0">
-            <a:schemeClr val="accent1"/>
-          </a:effectRef>
-          <a:fontRef idx="minor">
-            <a:schemeClr val="lt1"/>
-          </a:fontRef>
-        </p:style>
-        <p:txBody>
-          <a:bodyPr rtlCol="0" anchor="ctr"/>
-          <a:lstStyle/>
-          <a:p>
-            <a:pPr algn="ctr"/>
-            <a:endParaRPr lang="en-US">
-              <a:solidFill>
-                <a:prstClr val="white"/>
-              </a:solidFill>
-              <a:latin typeface="Calibri" panose="020F0502020204030204"/>
-            </a:endParaRPr>
-          </a:p>
-        </p:txBody>
-      </p:sp>
-      <p:sp>
-        <p:nvSpPr>
-          <p:cNvPr id="16" name="Rectangle 15">
-            <a:extLst>
-              <a:ext uri="{FF2B5EF4-FFF2-40B4-BE49-F238E27FC236}">
-                <a16:creationId xmlns:a16="http://schemas.microsoft.com/office/drawing/2014/main" id="{7A5F0580-5EE9-419F-96EE-B6529EF6E7D0}"/>
-              </a:ext>
-              <a:ext uri="{C183D7F6-B498-43B3-948B-1728B52AA6E4}">
-                <adec:decorative xmlns:adec="http://schemas.microsoft.com/office/drawing/2017/decorative" val="1"/>
-              </a:ext>
-            </a:extLst>
-          </p:cNvPr>
-          <p:cNvSpPr>
-            <a:spLocks noGrp="1" noRot="1" noChangeAspect="1" noMove="1" noResize="1" noEditPoints="1" noAdjustHandles="1" noChangeArrowheads="1" noChangeShapeType="1" noTextEdit="1"/>
-          </p:cNvSpPr>
-          <p:nvPr>
-            <p:extLst>
-              <p:ext uri="{386F3935-93C4-4BCD-93E2-E3B085C9AB24}">
-                <p16:designElem xmlns:p16="http://schemas.microsoft.com/office/powerpoint/2015/main" val="1"/>
-              </p:ext>
-            </p:extLst>
-          </p:nvPr>
-        </p:nvSpPr>
-        <p:spPr>
-          <a:xfrm>
-            <a:off x="428244" y="2443480"/>
-            <a:ext cx="3300984" cy="9144"/>
-          </a:xfrm>
-          <a:prstGeom prst="rect">
-            <a:avLst/>
-          </a:prstGeom>
-          <a:solidFill>
-            <a:srgbClr val="D5D5D5"/>
-          </a:solidFill>
-          <a:ln w="3175">
-            <a:solidFill>
-              <a:srgbClr val="D5D5D5"/>
-            </a:solidFill>
-          </a:ln>
-          <a:effectLst/>
-        </p:spPr>
-        <p:style>
-          <a:lnRef idx="2">
-            <a:schemeClr val="accent1">
-              <a:shade val="50000"/>
-            </a:schemeClr>
-          </a:lnRef>
-          <a:fillRef idx="1">
-            <a:schemeClr val="accent1"/>
-          </a:fillRef>
-          <a:effectRef idx="0">
-            <a:schemeClr val="accent1"/>
-          </a:effectRef>
-          <a:fontRef idx="minor">
-            <a:schemeClr val="lt1"/>
-          </a:fontRef>
-        </p:style>
-        <p:txBody>
-          <a:bodyPr rtlCol="0" anchor="ctr"/>
-          <a:lstStyle/>
-          <a:p>
-            <a:pPr marL="0" marR="0" lvl="0" indent="0" algn="ctr" defTabSz="914400" rtl="0" eaLnBrk="1" fontAlgn="auto" latinLnBrk="0" hangingPunct="1">
-              <a:lnSpc>
-                <a:spcPct val="100000"/>
-              </a:lnSpc>
-              <a:spcBef>
-                <a:spcPts val="0"/>
-              </a:spcBef>
-              <a:spcAft>
-                <a:spcPts val="0"/>
-              </a:spcAft>
-              <a:buClrTx/>
-              <a:buSzTx/>
-              <a:buFontTx/>
-              <a:buNone/>
-              <a:tabLst/>
-              <a:defRPr/>
-            </a:pPr>
-            <a:endParaRPr kumimoji="0" lang="en-US" sz="1800" b="0" i="0" u="none" strike="noStrike" kern="1200" cap="none" spc="0" normalizeH="0" baseline="0" noProof="0">
-              <a:ln>
-                <a:noFill/>
-              </a:ln>
-              <a:solidFill>
-                <a:prstClr val="white"/>
-              </a:solidFill>
-              <a:effectLst/>
-              <a:uLnTx/>
-              <a:uFillTx/>
-              <a:latin typeface="Calibri" panose="020F0502020204030204"/>
-              <a:ea typeface="+mn-ea"/>
-              <a:cs typeface="+mn-cs"/>
-            </a:endParaRPr>
+            <a:endParaRPr lang="en-US"/>
           </a:p>
         </p:txBody>
       </p:sp>
@@ -23963,8 +27465,8 @@
         </p:nvSpPr>
         <p:spPr>
           <a:xfrm>
-            <a:off x="371094" y="2718054"/>
-            <a:ext cx="3438906" cy="3207258"/>
+            <a:off x="630936" y="2660904"/>
+            <a:ext cx="4818888" cy="3547872"/>
           </a:xfrm>
         </p:spPr>
         <p:txBody>
@@ -23974,182 +27476,64 @@
           <a:lstStyle/>
           <a:p>
             <a:r>
-              <a:rPr lang="en-US" sz="1700" dirty="0"/>
-              <a:t>Na </a:t>
-            </a:r>
-            <a:r>
-              <a:rPr lang="en-US" sz="1700" dirty="0" err="1"/>
-              <a:t>rozdíl</a:t>
-            </a:r>
-            <a:r>
-              <a:rPr lang="en-US" sz="1700" dirty="0"/>
-              <a:t> od </a:t>
-            </a:r>
-            <a:r>
-              <a:rPr lang="en-US" sz="1700" dirty="0" err="1"/>
-              <a:t>barevného</a:t>
-            </a:r>
-            <a:r>
-              <a:rPr lang="en-US" sz="1700" dirty="0"/>
-              <a:t> </a:t>
-            </a:r>
-            <a:r>
-              <a:rPr lang="en-US" sz="1700" dirty="0" err="1"/>
-              <a:t>modelu</a:t>
-            </a:r>
-            <a:r>
-              <a:rPr lang="en-US" sz="1700" dirty="0"/>
-              <a:t> RGB </a:t>
-            </a:r>
-            <a:r>
-              <a:rPr lang="en-US" sz="1700" dirty="0" err="1"/>
-              <a:t>přesněji</a:t>
-            </a:r>
-            <a:r>
-              <a:rPr lang="en-US" sz="1700" dirty="0"/>
-              <a:t> </a:t>
-            </a:r>
-            <a:r>
-              <a:rPr lang="en-US" sz="1700" dirty="0" err="1"/>
-              <a:t>reprezentuje</a:t>
-            </a:r>
-            <a:r>
-              <a:rPr lang="en-US" sz="1700" dirty="0"/>
-              <a:t> </a:t>
-            </a:r>
-            <a:r>
-              <a:rPr lang="en-US" sz="1700" dirty="0" err="1"/>
-              <a:t>vnímání</a:t>
-            </a:r>
-            <a:r>
-              <a:rPr lang="en-US" sz="1700" dirty="0"/>
-              <a:t> </a:t>
-            </a:r>
-            <a:r>
-              <a:rPr lang="en-US" sz="1700" dirty="0" err="1"/>
-              <a:t>barev</a:t>
-            </a:r>
-            <a:r>
-              <a:rPr lang="en-US" sz="1700" dirty="0"/>
-              <a:t> </a:t>
-            </a:r>
-            <a:r>
-              <a:rPr lang="en-US" sz="1700" dirty="0" err="1"/>
-              <a:t>lidským</a:t>
-            </a:r>
-            <a:r>
-              <a:rPr lang="en-US" sz="1700" dirty="0"/>
-              <a:t> </a:t>
-            </a:r>
-            <a:r>
-              <a:rPr lang="en-US" sz="1700" dirty="0" err="1"/>
-              <a:t>okem</a:t>
-            </a:r>
-            <a:r>
-              <a:rPr lang="en-US" sz="1700" dirty="0"/>
-              <a:t>.</a:t>
+              <a:rPr lang="en-US" sz="2200"/>
+              <a:t>Na rozdíl od barevného modelu RGB přesněji reprezentuje vnímání barev lidským okem.</a:t>
             </a:r>
           </a:p>
           <a:p>
             <a:r>
-              <a:rPr lang="en-US" sz="1700" dirty="0" err="1"/>
-              <a:t>Často</a:t>
-            </a:r>
-            <a:r>
-              <a:rPr lang="en-US" sz="1700" dirty="0"/>
-              <a:t> se </a:t>
-            </a:r>
-            <a:r>
-              <a:rPr lang="en-US" sz="1700" dirty="0" err="1"/>
-              <a:t>používá</a:t>
-            </a:r>
-            <a:r>
-              <a:rPr lang="en-US" sz="1700" dirty="0"/>
-              <a:t> v </a:t>
-            </a:r>
-            <a:r>
-              <a:rPr lang="en-US" sz="1700" dirty="0" err="1"/>
-              <a:t>systémech</a:t>
-            </a:r>
-            <a:r>
-              <a:rPr lang="en-US" sz="1700" dirty="0"/>
-              <a:t> </a:t>
-            </a:r>
-            <a:r>
-              <a:rPr lang="en-US" sz="1700" dirty="0" err="1"/>
-              <a:t>správy</a:t>
-            </a:r>
-            <a:r>
-              <a:rPr lang="en-US" sz="1700" dirty="0"/>
-              <a:t> </a:t>
-            </a:r>
-            <a:r>
-              <a:rPr lang="en-US" sz="1700" dirty="0" err="1"/>
-              <a:t>barev</a:t>
-            </a:r>
-            <a:r>
-              <a:rPr lang="en-US" sz="1700" dirty="0"/>
-              <a:t> a </a:t>
-            </a:r>
-            <a:r>
-              <a:rPr lang="en-US" sz="1700" dirty="0" err="1"/>
-              <a:t>dalších</a:t>
-            </a:r>
-            <a:r>
-              <a:rPr lang="en-US" sz="1700" dirty="0"/>
-              <a:t> </a:t>
-            </a:r>
-            <a:r>
-              <a:rPr lang="en-US" sz="1700" dirty="0" err="1"/>
-              <a:t>aplikacích</a:t>
-            </a:r>
-            <a:r>
-              <a:rPr lang="en-US" sz="1700" dirty="0"/>
-              <a:t>, </a:t>
-            </a:r>
-            <a:r>
-              <a:rPr lang="en-US" sz="1700" dirty="0" err="1"/>
-              <a:t>kde</a:t>
-            </a:r>
-            <a:r>
-              <a:rPr lang="en-US" sz="1700" dirty="0"/>
-              <a:t> je </a:t>
-            </a:r>
-            <a:r>
-              <a:rPr lang="en-US" sz="1700" dirty="0" err="1"/>
-              <a:t>důležitá</a:t>
-            </a:r>
-            <a:r>
-              <a:rPr lang="en-US" sz="1700" dirty="0"/>
-              <a:t> </a:t>
-            </a:r>
-            <a:r>
-              <a:rPr lang="en-US" sz="1700" dirty="0" err="1"/>
-              <a:t>přesná</a:t>
-            </a:r>
-            <a:r>
-              <a:rPr lang="en-US" sz="1700" dirty="0"/>
-              <a:t> </a:t>
-            </a:r>
-            <a:r>
-              <a:rPr lang="en-US" sz="1700" dirty="0" err="1"/>
-              <a:t>reprezentace</a:t>
-            </a:r>
-            <a:r>
-              <a:rPr lang="en-US" sz="1700" dirty="0"/>
-              <a:t> </a:t>
-            </a:r>
-            <a:r>
-              <a:rPr lang="en-US" sz="1700" dirty="0" err="1"/>
-              <a:t>barev</a:t>
-            </a:r>
-            <a:r>
-              <a:rPr lang="en-US" sz="1700" dirty="0"/>
-              <a:t>.</a:t>
+              <a:rPr lang="en-US" sz="2200"/>
+              <a:t>Často se používá v systémech správy barev a dalších aplikacích, kde je důležitá přesná reprezentace barev.</a:t>
             </a:r>
           </a:p>
         </p:txBody>
       </p:sp>
+      <p:pic>
+        <p:nvPicPr>
+          <p:cNvPr id="2052" name="Picture 4">
+            <a:extLst>
+              <a:ext uri="{FF2B5EF4-FFF2-40B4-BE49-F238E27FC236}">
+                <a16:creationId xmlns:a16="http://schemas.microsoft.com/office/drawing/2014/main" id="{7452FA36-00B7-F630-ABED-9775B0D0A478}"/>
+              </a:ext>
+            </a:extLst>
+          </p:cNvPr>
+          <p:cNvPicPr>
+            <a:picLocks noChangeAspect="1" noChangeArrowheads="1"/>
+          </p:cNvPicPr>
+          <p:nvPr/>
+        </p:nvPicPr>
+        <p:blipFill>
+          <a:blip r:embed="rId2">
+            <a:extLst>
+              <a:ext uri="{28A0092B-C50C-407E-A947-70E740481C1C}">
+                <a14:useLocalDpi xmlns:a14="http://schemas.microsoft.com/office/drawing/2010/main" val="0"/>
+              </a:ext>
+            </a:extLst>
+          </a:blip>
+          <a:stretch>
+            <a:fillRect/>
+          </a:stretch>
+        </p:blipFill>
+        <p:spPr bwMode="auto">
+          <a:xfrm>
+            <a:off x="6099048" y="733635"/>
+            <a:ext cx="5458968" cy="5390730"/>
+          </a:xfrm>
+          <a:prstGeom prst="rect">
+            <a:avLst/>
+          </a:prstGeom>
+          <a:noFill/>
+          <a:extLst>
+            <a:ext uri="{909E8E84-426E-40DD-AFC4-6F175D3DCCD1}">
+              <a14:hiddenFill xmlns:a14="http://schemas.microsoft.com/office/drawing/2010/main">
+                <a:solidFill>
+                  <a:srgbClr val="FFFFFF"/>
+                </a:solidFill>
+              </a14:hiddenFill>
+            </a:ext>
+          </a:extLst>
+        </p:spPr>
+      </p:pic>
     </p:spTree>
     <p:extLst>
       <p:ext uri="{BB962C8B-B14F-4D97-AF65-F5344CB8AC3E}">
@@ -24256,6 +27640,770 @@
 </file>
 
 <file path=ppt/slides/slide13.xml><?xml version="1.0" encoding="utf-8"?>
+<p:sld xmlns:a="http://schemas.openxmlformats.org/drawingml/2006/main" xmlns:r="http://schemas.openxmlformats.org/officeDocument/2006/relationships" xmlns:p="http://schemas.openxmlformats.org/presentationml/2006/main">
+  <p:cSld>
+    <p:bg>
+      <p:bgPr>
+        <a:solidFill>
+          <a:schemeClr val="bg1"/>
+        </a:solidFill>
+        <a:effectLst/>
+      </p:bgPr>
+    </p:bg>
+    <p:spTree>
+      <p:nvGrpSpPr>
+        <p:cNvPr id="1" name=""/>
+        <p:cNvGrpSpPr/>
+        <p:nvPr/>
+      </p:nvGrpSpPr>
+      <p:grpSpPr>
+        <a:xfrm>
+          <a:off x="0" y="0"/>
+          <a:ext cx="0" cy="0"/>
+          <a:chOff x="0" y="0"/>
+          <a:chExt cx="0" cy="0"/>
+        </a:xfrm>
+      </p:grpSpPr>
+      <p:sp useBgFill="1">
+        <p:nvSpPr>
+          <p:cNvPr id="27" name="Rectangle 26">
+            <a:extLst>
+              <a:ext uri="{FF2B5EF4-FFF2-40B4-BE49-F238E27FC236}">
+                <a16:creationId xmlns:a16="http://schemas.microsoft.com/office/drawing/2014/main" id="{BACC6370-2D7E-4714-9D71-7542949D7D5D}"/>
+              </a:ext>
+              <a:ext uri="{C183D7F6-B498-43B3-948B-1728B52AA6E4}">
+                <adec:decorative xmlns:adec="http://schemas.microsoft.com/office/drawing/2017/decorative" val="1"/>
+              </a:ext>
+            </a:extLst>
+          </p:cNvPr>
+          <p:cNvSpPr>
+            <a:spLocks noGrp="1" noRot="1" noChangeAspect="1" noMove="1" noResize="1" noEditPoints="1" noAdjustHandles="1" noChangeArrowheads="1" noChangeShapeType="1" noTextEdit="1"/>
+          </p:cNvSpPr>
+          <p:nvPr>
+            <p:extLst>
+              <p:ext uri="{386F3935-93C4-4BCD-93E2-E3B085C9AB24}">
+                <p16:designElem xmlns:p16="http://schemas.microsoft.com/office/powerpoint/2015/main" val="1"/>
+              </p:ext>
+            </p:extLst>
+          </p:nvPr>
+        </p:nvSpPr>
+        <p:spPr>
+          <a:xfrm>
+            <a:off x="0" y="0"/>
+            <a:ext cx="12192000" cy="6858000"/>
+          </a:xfrm>
+          <a:prstGeom prst="rect">
+            <a:avLst/>
+          </a:prstGeom>
+          <a:ln w="12700" cap="flat" cmpd="sng" algn="ctr">
+            <a:noFill/>
+            <a:prstDash val="solid"/>
+            <a:miter lim="800000"/>
+          </a:ln>
+          <a:effectLst/>
+          <a:extLst>
+            <a:ext uri="{91240B29-F687-4F45-9708-019B960494DF}">
+              <a14:hiddenLine xmlns:a14="http://schemas.microsoft.com/office/drawing/2010/main" w="12700" cap="flat" cmpd="sng" algn="ctr">
+                <a:solidFill>
+                  <a:schemeClr val="accent1">
+                    <a:shade val="50000"/>
+                  </a:schemeClr>
+                </a:solidFill>
+                <a:prstDash val="solid"/>
+                <a:miter lim="800000"/>
+              </a14:hiddenLine>
+            </a:ext>
+          </a:extLst>
+        </p:spPr>
+        <p:style>
+          <a:lnRef idx="2">
+            <a:schemeClr val="accent1">
+              <a:shade val="50000"/>
+            </a:schemeClr>
+          </a:lnRef>
+          <a:fillRef idx="1">
+            <a:schemeClr val="accent1"/>
+          </a:fillRef>
+          <a:effectRef idx="0">
+            <a:schemeClr val="accent1"/>
+          </a:effectRef>
+          <a:fontRef idx="minor">
+            <a:schemeClr val="lt1"/>
+          </a:fontRef>
+        </p:style>
+        <p:txBody>
+          <a:bodyPr rtlCol="0" anchor="ctr"/>
+          <a:lstStyle/>
+          <a:p>
+            <a:pPr algn="ctr"/>
+            <a:endParaRPr lang="en-US"/>
+          </a:p>
+        </p:txBody>
+      </p:sp>
+      <p:sp>
+        <p:nvSpPr>
+          <p:cNvPr id="29" name="Rectangle 28">
+            <a:extLst>
+              <a:ext uri="{FF2B5EF4-FFF2-40B4-BE49-F238E27FC236}">
+                <a16:creationId xmlns:a16="http://schemas.microsoft.com/office/drawing/2014/main" id="{F68B3F68-107C-434F-AA38-110D5EA91B85}"/>
+              </a:ext>
+              <a:ext uri="{C183D7F6-B498-43B3-948B-1728B52AA6E4}">
+                <adec:decorative xmlns:adec="http://schemas.microsoft.com/office/drawing/2017/decorative" val="1"/>
+              </a:ext>
+            </a:extLst>
+          </p:cNvPr>
+          <p:cNvSpPr>
+            <a:spLocks noGrp="1" noRot="1" noChangeAspect="1" noMove="1" noResize="1" noEditPoints="1" noAdjustHandles="1" noChangeArrowheads="1" noChangeShapeType="1" noTextEdit="1"/>
+          </p:cNvSpPr>
+          <p:nvPr>
+            <p:extLst>
+              <p:ext uri="{386F3935-93C4-4BCD-93E2-E3B085C9AB24}">
+                <p16:designElem xmlns:p16="http://schemas.microsoft.com/office/powerpoint/2015/main" val="1"/>
+              </p:ext>
+            </p:extLst>
+          </p:nvPr>
+        </p:nvSpPr>
+        <p:spPr>
+          <a:xfrm flipH="1">
+            <a:off x="2" y="0"/>
+            <a:ext cx="12191998" cy="2170031"/>
+          </a:xfrm>
+          <a:prstGeom prst="rect">
+            <a:avLst/>
+          </a:prstGeom>
+          <a:gradFill>
+            <a:gsLst>
+              <a:gs pos="0">
+                <a:srgbClr val="000000">
+                  <a:alpha val="96000"/>
+                </a:srgbClr>
+              </a:gs>
+              <a:gs pos="100000">
+                <a:schemeClr val="accent1">
+                  <a:lumMod val="75000"/>
+                </a:schemeClr>
+              </a:gs>
+            </a:gsLst>
+            <a:lin ang="19800000" scaled="0"/>
+          </a:gradFill>
+          <a:ln>
+            <a:noFill/>
+          </a:ln>
+        </p:spPr>
+        <p:style>
+          <a:lnRef idx="2">
+            <a:schemeClr val="accent1">
+              <a:shade val="50000"/>
+            </a:schemeClr>
+          </a:lnRef>
+          <a:fillRef idx="1">
+            <a:schemeClr val="accent1"/>
+          </a:fillRef>
+          <a:effectRef idx="0">
+            <a:schemeClr val="accent1"/>
+          </a:effectRef>
+          <a:fontRef idx="minor">
+            <a:schemeClr val="lt1"/>
+          </a:fontRef>
+        </p:style>
+        <p:txBody>
+          <a:bodyPr rtlCol="0" anchor="ctr"/>
+          <a:lstStyle/>
+          <a:p>
+            <a:pPr algn="ctr"/>
+            <a:endParaRPr lang="en-US"/>
+          </a:p>
+        </p:txBody>
+      </p:sp>
+      <p:sp>
+        <p:nvSpPr>
+          <p:cNvPr id="31" name="Rectangle 30">
+            <a:extLst>
+              <a:ext uri="{FF2B5EF4-FFF2-40B4-BE49-F238E27FC236}">
+                <a16:creationId xmlns:a16="http://schemas.microsoft.com/office/drawing/2014/main" id="{AAD0DBB9-1A4B-4391-81D4-CB19F9AB918A}"/>
+              </a:ext>
+              <a:ext uri="{C183D7F6-B498-43B3-948B-1728B52AA6E4}">
+                <adec:decorative xmlns:adec="http://schemas.microsoft.com/office/drawing/2017/decorative" val="1"/>
+              </a:ext>
+            </a:extLst>
+          </p:cNvPr>
+          <p:cNvSpPr>
+            <a:spLocks noGrp="1" noRot="1" noChangeAspect="1" noMove="1" noResize="1" noEditPoints="1" noAdjustHandles="1" noChangeArrowheads="1" noChangeShapeType="1" noTextEdit="1"/>
+          </p:cNvSpPr>
+          <p:nvPr>
+            <p:extLst>
+              <p:ext uri="{386F3935-93C4-4BCD-93E2-E3B085C9AB24}">
+                <p16:designElem xmlns:p16="http://schemas.microsoft.com/office/powerpoint/2015/main" val="1"/>
+              </p:ext>
+            </p:extLst>
+          </p:nvPr>
+        </p:nvSpPr>
+        <p:spPr>
+          <a:xfrm flipH="1">
+            <a:off x="8082819" y="0"/>
+            <a:ext cx="4097211" cy="2170661"/>
+          </a:xfrm>
+          <a:prstGeom prst="rect">
+            <a:avLst/>
+          </a:prstGeom>
+          <a:gradFill>
+            <a:gsLst>
+              <a:gs pos="19000">
+                <a:schemeClr val="accent1">
+                  <a:lumMod val="50000"/>
+                  <a:alpha val="68000"/>
+                </a:schemeClr>
+              </a:gs>
+              <a:gs pos="100000">
+                <a:schemeClr val="accent1">
+                  <a:alpha val="48000"/>
+                </a:schemeClr>
+              </a:gs>
+            </a:gsLst>
+            <a:lin ang="19200000" scaled="0"/>
+          </a:gradFill>
+          <a:ln>
+            <a:noFill/>
+          </a:ln>
+        </p:spPr>
+        <p:style>
+          <a:lnRef idx="2">
+            <a:schemeClr val="accent1">
+              <a:shade val="50000"/>
+            </a:schemeClr>
+          </a:lnRef>
+          <a:fillRef idx="1">
+            <a:schemeClr val="accent1"/>
+          </a:fillRef>
+          <a:effectRef idx="0">
+            <a:schemeClr val="accent1"/>
+          </a:effectRef>
+          <a:fontRef idx="minor">
+            <a:schemeClr val="lt1"/>
+          </a:fontRef>
+        </p:style>
+        <p:txBody>
+          <a:bodyPr rtlCol="0" anchor="ctr"/>
+          <a:lstStyle/>
+          <a:p>
+            <a:pPr algn="ctr"/>
+            <a:endParaRPr lang="en-US"/>
+          </a:p>
+        </p:txBody>
+      </p:sp>
+      <p:sp>
+        <p:nvSpPr>
+          <p:cNvPr id="33" name="Rectangle 32">
+            <a:extLst>
+              <a:ext uri="{FF2B5EF4-FFF2-40B4-BE49-F238E27FC236}">
+                <a16:creationId xmlns:a16="http://schemas.microsoft.com/office/drawing/2014/main" id="{063BBA22-50EA-4C4D-BE05-F1CE4E63AA56}"/>
+              </a:ext>
+              <a:ext uri="{C183D7F6-B498-43B3-948B-1728B52AA6E4}">
+                <adec:decorative xmlns:adec="http://schemas.microsoft.com/office/drawing/2017/decorative" val="1"/>
+              </a:ext>
+            </a:extLst>
+          </p:cNvPr>
+          <p:cNvSpPr>
+            <a:spLocks noGrp="1" noRot="1" noChangeAspect="1" noMove="1" noResize="1" noEditPoints="1" noAdjustHandles="1" noChangeArrowheads="1" noChangeShapeType="1" noTextEdit="1"/>
+          </p:cNvSpPr>
+          <p:nvPr>
+            <p:extLst>
+              <p:ext uri="{386F3935-93C4-4BCD-93E2-E3B085C9AB24}">
+                <p16:designElem xmlns:p16="http://schemas.microsoft.com/office/powerpoint/2015/main" val="1"/>
+              </p:ext>
+            </p:extLst>
+          </p:nvPr>
+        </p:nvSpPr>
+        <p:spPr>
+          <a:xfrm rot="16200000" flipH="1">
+            <a:off x="5010646" y="-5010043"/>
+            <a:ext cx="2170709" cy="12192000"/>
+          </a:xfrm>
+          <a:prstGeom prst="rect">
+            <a:avLst/>
+          </a:prstGeom>
+          <a:gradFill>
+            <a:gsLst>
+              <a:gs pos="23000">
+                <a:schemeClr val="accent1">
+                  <a:lumMod val="75000"/>
+                  <a:alpha val="16000"/>
+                </a:schemeClr>
+              </a:gs>
+              <a:gs pos="99000">
+                <a:srgbClr val="000000">
+                  <a:alpha val="45000"/>
+                </a:srgbClr>
+              </a:gs>
+            </a:gsLst>
+            <a:lin ang="21000000" scaled="0"/>
+          </a:gradFill>
+          <a:ln>
+            <a:noFill/>
+          </a:ln>
+        </p:spPr>
+        <p:style>
+          <a:lnRef idx="2">
+            <a:schemeClr val="accent1">
+              <a:shade val="50000"/>
+            </a:schemeClr>
+          </a:lnRef>
+          <a:fillRef idx="1">
+            <a:schemeClr val="accent1"/>
+          </a:fillRef>
+          <a:effectRef idx="0">
+            <a:schemeClr val="accent1"/>
+          </a:effectRef>
+          <a:fontRef idx="minor">
+            <a:schemeClr val="lt1"/>
+          </a:fontRef>
+        </p:style>
+        <p:txBody>
+          <a:bodyPr rtlCol="0" anchor="ctr"/>
+          <a:lstStyle/>
+          <a:p>
+            <a:pPr algn="ctr"/>
+            <a:endParaRPr lang="en-US" dirty="0"/>
+          </a:p>
+        </p:txBody>
+      </p:sp>
+      <p:sp>
+        <p:nvSpPr>
+          <p:cNvPr id="2" name="Title 1">
+            <a:extLst>
+              <a:ext uri="{FF2B5EF4-FFF2-40B4-BE49-F238E27FC236}">
+                <a16:creationId xmlns:a16="http://schemas.microsoft.com/office/drawing/2014/main" id="{8FDE952F-E498-98D1-DC24-4790BB633EF0}"/>
+              </a:ext>
+            </a:extLst>
+          </p:cNvPr>
+          <p:cNvSpPr>
+            <a:spLocks noGrp="1"/>
+          </p:cNvSpPr>
+          <p:nvPr>
+            <p:ph type="title"/>
+          </p:nvPr>
+        </p:nvSpPr>
+        <p:spPr>
+          <a:xfrm>
+            <a:off x="1383564" y="348865"/>
+            <a:ext cx="9718111" cy="1576446"/>
+          </a:xfrm>
+        </p:spPr>
+        <p:txBody>
+          <a:bodyPr anchor="ctr">
+            <a:normAutofit/>
+          </a:bodyPr>
+          <a:lstStyle/>
+          <a:p>
+            <a:r>
+              <a:rPr lang="en-US" sz="4000" b="0" i="0" dirty="0">
+                <a:solidFill>
+                  <a:srgbClr val="FFFFFF"/>
+                </a:solidFill>
+                <a:effectLst/>
+                <a:latin typeface="Linux Libertine"/>
+              </a:rPr>
+              <a:t>CIE XYZ</a:t>
+            </a:r>
+            <a:endParaRPr lang="en-US" sz="4000" dirty="0">
+              <a:solidFill>
+                <a:srgbClr val="FFFFFF"/>
+              </a:solidFill>
+            </a:endParaRPr>
+          </a:p>
+        </p:txBody>
+      </p:sp>
+      <p:graphicFrame>
+        <p:nvGraphicFramePr>
+          <p:cNvPr id="22" name="Content Placeholder 7">
+            <a:extLst>
+              <a:ext uri="{FF2B5EF4-FFF2-40B4-BE49-F238E27FC236}">
+                <a16:creationId xmlns:a16="http://schemas.microsoft.com/office/drawing/2014/main" id="{3D4FF933-570B-636D-96F9-3365AC596372}"/>
+              </a:ext>
+            </a:extLst>
+          </p:cNvPr>
+          <p:cNvGraphicFramePr>
+            <a:graphicFrameLocks noGrp="1"/>
+          </p:cNvGraphicFramePr>
+          <p:nvPr>
+            <p:ph idx="1"/>
+            <p:extLst>
+              <p:ext uri="{D42A27DB-BD31-4B8C-83A1-F6EECF244321}">
+                <p14:modId xmlns:p14="http://schemas.microsoft.com/office/powerpoint/2010/main" val="258174158"/>
+              </p:ext>
+            </p:extLst>
+          </p:nvPr>
+        </p:nvGraphicFramePr>
+        <p:xfrm>
+          <a:off x="644056" y="2615979"/>
+          <a:ext cx="10927829" cy="3689405"/>
+        </p:xfrm>
+        <a:graphic>
+          <a:graphicData uri="http://schemas.openxmlformats.org/drawingml/2006/diagram">
+            <dgm:relIds xmlns:dgm="http://schemas.openxmlformats.org/drawingml/2006/diagram" xmlns:r="http://schemas.openxmlformats.org/officeDocument/2006/relationships" r:dm="rId2" r:lo="rId3" r:qs="rId4" r:cs="rId5"/>
+          </a:graphicData>
+        </a:graphic>
+      </p:graphicFrame>
+    </p:spTree>
+    <p:extLst>
+      <p:ext uri="{BB962C8B-B14F-4D97-AF65-F5344CB8AC3E}">
+        <p14:creationId xmlns:p14="http://schemas.microsoft.com/office/powerpoint/2010/main" val="2501424939"/>
+      </p:ext>
+    </p:extLst>
+  </p:cSld>
+  <p:clrMapOvr>
+    <a:masterClrMapping/>
+  </p:clrMapOvr>
+</p:sld>
+</file>
+
+<file path=ppt/slides/slide14.xml><?xml version="1.0" encoding="utf-8"?>
+<p:sld xmlns:a="http://schemas.openxmlformats.org/drawingml/2006/main" xmlns:r="http://schemas.openxmlformats.org/officeDocument/2006/relationships" xmlns:p="http://schemas.openxmlformats.org/presentationml/2006/main">
+  <p:cSld>
+    <p:spTree>
+      <p:nvGrpSpPr>
+        <p:cNvPr id="1" name=""/>
+        <p:cNvGrpSpPr/>
+        <p:nvPr/>
+      </p:nvGrpSpPr>
+      <p:grpSpPr>
+        <a:xfrm>
+          <a:off x="0" y="0"/>
+          <a:ext cx="0" cy="0"/>
+          <a:chOff x="0" y="0"/>
+          <a:chExt cx="0" cy="0"/>
+        </a:xfrm>
+      </p:grpSpPr>
+      <p:sp>
+        <p:nvSpPr>
+          <p:cNvPr id="2" name="Title 1">
+            <a:extLst>
+              <a:ext uri="{FF2B5EF4-FFF2-40B4-BE49-F238E27FC236}">
+                <a16:creationId xmlns:a16="http://schemas.microsoft.com/office/drawing/2014/main" id="{955DFFB9-7E04-437C-3A72-D89974E0DF19}"/>
+              </a:ext>
+            </a:extLst>
+          </p:cNvPr>
+          <p:cNvSpPr>
+            <a:spLocks noGrp="1"/>
+          </p:cNvSpPr>
+          <p:nvPr>
+            <p:ph type="title"/>
+          </p:nvPr>
+        </p:nvSpPr>
+        <p:spPr/>
+        <p:txBody>
+          <a:bodyPr/>
+          <a:lstStyle/>
+          <a:p>
+            <a:r>
+              <a:rPr lang="en-US" sz="4400" b="0" i="0" dirty="0">
+                <a:effectLst/>
+                <a:latin typeface="Linux Libertine"/>
+              </a:rPr>
+              <a:t>CIE XYZ</a:t>
+            </a:r>
+            <a:r>
+              <a:rPr lang="en-US" sz="4400" b="0" i="0" dirty="0">
+                <a:solidFill>
+                  <a:srgbClr val="FFFFFF"/>
+                </a:solidFill>
+                <a:effectLst/>
+                <a:latin typeface="Linux Libertine"/>
+              </a:rPr>
+              <a:t>XYZ</a:t>
+            </a:r>
+            <a:endParaRPr lang="en-US" dirty="0"/>
+          </a:p>
+        </p:txBody>
+      </p:sp>
+      <p:sp>
+        <p:nvSpPr>
+          <p:cNvPr id="3" name="Content Placeholder 2">
+            <a:extLst>
+              <a:ext uri="{FF2B5EF4-FFF2-40B4-BE49-F238E27FC236}">
+                <a16:creationId xmlns:a16="http://schemas.microsoft.com/office/drawing/2014/main" id="{9F34D3FC-C7B1-E10C-89B8-BE2CB747533F}"/>
+              </a:ext>
+            </a:extLst>
+          </p:cNvPr>
+          <p:cNvSpPr>
+            <a:spLocks noGrp="1"/>
+          </p:cNvSpPr>
+          <p:nvPr>
+            <p:ph sz="half" idx="1"/>
+          </p:nvPr>
+        </p:nvSpPr>
+        <p:spPr/>
+        <p:txBody>
+          <a:bodyPr/>
+          <a:lstStyle/>
+          <a:p>
+            <a:r>
+              <a:rPr lang="en-US" b="1" dirty="0" err="1"/>
+              <a:t>Proč</a:t>
+            </a:r>
+            <a:r>
+              <a:rPr lang="en-US" b="1" dirty="0"/>
+              <a:t> </a:t>
+            </a:r>
+            <a:r>
+              <a:rPr lang="en-US" b="1" dirty="0" err="1"/>
+              <a:t>byl</a:t>
+            </a:r>
+            <a:r>
+              <a:rPr lang="en-US" b="1" dirty="0"/>
+              <a:t> </a:t>
+            </a:r>
+            <a:r>
+              <a:rPr lang="en-US" b="1" dirty="0" err="1"/>
+              <a:t>navržen</a:t>
+            </a:r>
+            <a:r>
+              <a:rPr lang="en-US" b="1" dirty="0"/>
+              <a:t>?</a:t>
+            </a:r>
+          </a:p>
+          <a:p>
+            <a:r>
+              <a:rPr lang="en-US" i="1" dirty="0" err="1"/>
+              <a:t>Navržený</a:t>
+            </a:r>
+            <a:r>
+              <a:rPr lang="en-US" i="1" dirty="0"/>
+              <a:t> </a:t>
+            </a:r>
+            <a:r>
+              <a:rPr lang="en-US" i="1" dirty="0" err="1"/>
+              <a:t>tak</a:t>
+            </a:r>
+            <a:r>
+              <a:rPr lang="en-US" i="1" dirty="0"/>
+              <a:t>, aby </a:t>
+            </a:r>
+            <a:r>
+              <a:rPr lang="en-US" i="1" dirty="0" err="1"/>
+              <a:t>popisoval</a:t>
+            </a:r>
+            <a:r>
+              <a:rPr lang="en-US" i="1" dirty="0"/>
+              <a:t>, jak se </a:t>
+            </a:r>
+            <a:r>
+              <a:rPr lang="en-US" i="1" dirty="0" err="1"/>
+              <a:t>barvy</a:t>
+            </a:r>
+            <a:r>
+              <a:rPr lang="en-US" i="1" dirty="0"/>
+              <a:t> </a:t>
+            </a:r>
+            <a:r>
+              <a:rPr lang="en-US" i="1" dirty="0" err="1"/>
+              <a:t>mění</a:t>
+            </a:r>
+            <a:r>
+              <a:rPr lang="en-US" i="1" dirty="0"/>
+              <a:t>, </a:t>
+            </a:r>
+            <a:r>
+              <a:rPr lang="en-US" i="1" dirty="0" err="1"/>
+              <a:t>když</a:t>
+            </a:r>
+            <a:r>
+              <a:rPr lang="en-US" i="1" dirty="0"/>
+              <a:t> </a:t>
+            </a:r>
+            <a:r>
+              <a:rPr lang="en-US" i="1" dirty="0" err="1"/>
+              <a:t>jsou</a:t>
+            </a:r>
+            <a:r>
+              <a:rPr lang="en-US" i="1" dirty="0"/>
+              <a:t> </a:t>
+            </a:r>
+            <a:r>
+              <a:rPr lang="en-US" i="1" dirty="0" err="1"/>
+              <a:t>vytvářeny</a:t>
+            </a:r>
+            <a:r>
+              <a:rPr lang="en-US" i="1" dirty="0"/>
+              <a:t> </a:t>
+            </a:r>
+            <a:r>
+              <a:rPr lang="en-US" i="1" dirty="0" err="1"/>
+              <a:t>světelnými</a:t>
+            </a:r>
+            <a:r>
+              <a:rPr lang="en-US" i="1" dirty="0"/>
+              <a:t> </a:t>
+            </a:r>
+            <a:r>
+              <a:rPr lang="en-US" i="1" dirty="0" err="1"/>
+              <a:t>zdroji</a:t>
+            </a:r>
+            <a:endParaRPr lang="en-US" i="1" dirty="0"/>
+          </a:p>
+        </p:txBody>
+      </p:sp>
+      <p:sp>
+        <p:nvSpPr>
+          <p:cNvPr id="4" name="Content Placeholder 3">
+            <a:extLst>
+              <a:ext uri="{FF2B5EF4-FFF2-40B4-BE49-F238E27FC236}">
+                <a16:creationId xmlns:a16="http://schemas.microsoft.com/office/drawing/2014/main" id="{F6941F4F-88AD-D3CB-6395-F07AFC7E9CB6}"/>
+              </a:ext>
+            </a:extLst>
+          </p:cNvPr>
+          <p:cNvSpPr>
+            <a:spLocks noGrp="1"/>
+          </p:cNvSpPr>
+          <p:nvPr>
+            <p:ph sz="half" idx="2"/>
+          </p:nvPr>
+        </p:nvSpPr>
+        <p:spPr/>
+        <p:txBody>
+          <a:bodyPr/>
+          <a:lstStyle/>
+          <a:p>
+            <a:r>
+              <a:rPr lang="cs-CZ" b="1" dirty="0"/>
+              <a:t>Jaký je jeho hlavní účel?</a:t>
+            </a:r>
+            <a:endParaRPr lang="en-US" b="1" dirty="0"/>
+          </a:p>
+          <a:p>
+            <a:r>
+              <a:rPr lang="en-US" i="1" dirty="0" err="1"/>
+              <a:t>Slouží</a:t>
+            </a:r>
+            <a:r>
+              <a:rPr lang="en-US" i="1" dirty="0"/>
+              <a:t> k </a:t>
+            </a:r>
+            <a:r>
+              <a:rPr lang="en-US" i="1" dirty="0" err="1"/>
+              <a:t>předpovědi</a:t>
+            </a:r>
+            <a:r>
+              <a:rPr lang="en-US" i="1" dirty="0"/>
+              <a:t>, jak se </a:t>
+            </a:r>
+            <a:r>
+              <a:rPr lang="en-US" i="1" dirty="0" err="1"/>
+              <a:t>budou</a:t>
+            </a:r>
+            <a:r>
+              <a:rPr lang="en-US" i="1" dirty="0"/>
+              <a:t> </a:t>
+            </a:r>
+            <a:r>
+              <a:rPr lang="en-US" i="1" dirty="0" err="1"/>
+              <a:t>barvy</a:t>
+            </a:r>
+            <a:r>
+              <a:rPr lang="en-US" i="1" dirty="0"/>
+              <a:t> </a:t>
+            </a:r>
+            <a:r>
+              <a:rPr lang="en-US" i="1" dirty="0" err="1"/>
+              <a:t>obrázků</a:t>
+            </a:r>
+            <a:r>
+              <a:rPr lang="en-US" i="1" dirty="0"/>
+              <a:t> </a:t>
+            </a:r>
+            <a:r>
+              <a:rPr lang="en-US" i="1" dirty="0" err="1"/>
+              <a:t>měnit</a:t>
+            </a:r>
+            <a:r>
+              <a:rPr lang="en-US" i="1" dirty="0"/>
+              <a:t> za </a:t>
+            </a:r>
+            <a:r>
+              <a:rPr lang="en-US" i="1" dirty="0" err="1"/>
+              <a:t>různých</a:t>
+            </a:r>
+            <a:r>
+              <a:rPr lang="en-US" i="1" dirty="0"/>
+              <a:t> </a:t>
+            </a:r>
+            <a:r>
+              <a:rPr lang="en-US" i="1" dirty="0" err="1"/>
+              <a:t>světelných</a:t>
+            </a:r>
+            <a:r>
+              <a:rPr lang="en-US" i="1" dirty="0"/>
+              <a:t> </a:t>
+            </a:r>
+            <a:r>
+              <a:rPr lang="en-US" i="1" dirty="0" err="1"/>
+              <a:t>podmínek</a:t>
+            </a:r>
+            <a:endParaRPr lang="en-US" i="1" dirty="0"/>
+          </a:p>
+        </p:txBody>
+      </p:sp>
+      <p:pic>
+        <p:nvPicPr>
+          <p:cNvPr id="1028" name="Picture 4" descr="See the source image">
+            <a:extLst>
+              <a:ext uri="{FF2B5EF4-FFF2-40B4-BE49-F238E27FC236}">
+                <a16:creationId xmlns:a16="http://schemas.microsoft.com/office/drawing/2014/main" id="{3E09E4CE-70B4-5526-BAAD-DF46A64166D9}"/>
+              </a:ext>
+            </a:extLst>
+          </p:cNvPr>
+          <p:cNvPicPr>
+            <a:picLocks noChangeAspect="1" noChangeArrowheads="1"/>
+          </p:cNvPicPr>
+          <p:nvPr/>
+        </p:nvPicPr>
+        <p:blipFill>
+          <a:blip r:embed="rId2">
+            <a:extLst>
+              <a:ext uri="{28A0092B-C50C-407E-A947-70E740481C1C}">
+                <a14:useLocalDpi xmlns:a14="http://schemas.microsoft.com/office/drawing/2010/main" val="0"/>
+              </a:ext>
+            </a:extLst>
+          </a:blip>
+          <a:srcRect/>
+          <a:stretch>
+            <a:fillRect/>
+          </a:stretch>
+        </p:blipFill>
+        <p:spPr bwMode="auto">
+          <a:xfrm>
+            <a:off x="4414701" y="3686856"/>
+            <a:ext cx="2848247" cy="3027411"/>
+          </a:xfrm>
+          <a:prstGeom prst="rect">
+            <a:avLst/>
+          </a:prstGeom>
+          <a:noFill/>
+          <a:extLst>
+            <a:ext uri="{909E8E84-426E-40DD-AFC4-6F175D3DCCD1}">
+              <a14:hiddenFill xmlns:a14="http://schemas.microsoft.com/office/drawing/2010/main">
+                <a:solidFill>
+                  <a:srgbClr val="FFFFFF"/>
+                </a:solidFill>
+              </a14:hiddenFill>
+            </a:ext>
+          </a:extLst>
+        </p:spPr>
+      </p:pic>
+    </p:spTree>
+    <p:extLst>
+      <p:ext uri="{BB962C8B-B14F-4D97-AF65-F5344CB8AC3E}">
+        <p14:creationId xmlns:p14="http://schemas.microsoft.com/office/powerpoint/2010/main" val="1869064942"/>
+      </p:ext>
+    </p:extLst>
+  </p:cSld>
+  <p:clrMapOvr>
+    <a:masterClrMapping/>
+  </p:clrMapOvr>
+</p:sld>
+</file>
+
+<file path=ppt/slides/slide15.xml><?xml version="1.0" encoding="utf-8"?>
 <p:sld xmlns:a="http://schemas.openxmlformats.org/drawingml/2006/main" xmlns:r="http://schemas.openxmlformats.org/officeDocument/2006/relationships" xmlns:p="http://schemas.openxmlformats.org/presentationml/2006/main">
   <p:cSld>
     <p:bg>
@@ -24987,13 +29135,13 @@
   <p:clrMapOvr>
     <a:masterClrMapping/>
   </p:clrMapOvr>
-  <mc:AlternateContent xmlns:mc="http://schemas.openxmlformats.org/markup-compatibility/2006">
-    <mc:Choice xmlns:p14="http://schemas.microsoft.com/office/powerpoint/2010/main" Requires="p14">
+  <mc:AlternateContent xmlns:mc="http://schemas.openxmlformats.org/markup-compatibility/2006" xmlns:p14="http://schemas.microsoft.com/office/powerpoint/2010/main">
+    <mc:Choice Requires="p14">
       <p:transition spd="slow" p14:dur="3400">
         <p14:reveal/>
       </p:transition>
     </mc:Choice>
-    <mc:Fallback>
+    <mc:Fallback xmlns="">
       <p:transition spd="slow">
         <p:fade/>
       </p:transition>
@@ -25002,7 +29150,7 @@
 </p:sld>
 </file>
 
-<file path=ppt/slides/slide14.xml><?xml version="1.0" encoding="utf-8"?>
+<file path=ppt/slides/slide16.xml><?xml version="1.0" encoding="utf-8"?>
 <p:sld xmlns:a="http://schemas.openxmlformats.org/drawingml/2006/main" xmlns:r="http://schemas.openxmlformats.org/officeDocument/2006/relationships" xmlns:p="http://schemas.openxmlformats.org/presentationml/2006/main">
   <p:cSld>
     <p:bg>
@@ -25416,13 +29564,13 @@
   <p:clrMapOvr>
     <a:masterClrMapping/>
   </p:clrMapOvr>
-  <mc:AlternateContent xmlns:mc="http://schemas.openxmlformats.org/markup-compatibility/2006">
-    <mc:Choice xmlns:p14="http://schemas.microsoft.com/office/powerpoint/2010/main" Requires="p14">
+  <mc:AlternateContent xmlns:mc="http://schemas.openxmlformats.org/markup-compatibility/2006" xmlns:p14="http://schemas.microsoft.com/office/powerpoint/2010/main">
+    <mc:Choice Requires="p14">
       <p:transition spd="slow" p14:dur="3400">
         <p14:reveal/>
       </p:transition>
     </mc:Choice>
-    <mc:Fallback>
+    <mc:Fallback xmlns="">
       <p:transition spd="slow">
         <p:fade/>
       </p:transition>
@@ -25431,7 +29579,7 @@
 </p:sld>
 </file>
 
-<file path=ppt/slides/slide15.xml><?xml version="1.0" encoding="utf-8"?>
+<file path=ppt/slides/slide17.xml><?xml version="1.0" encoding="utf-8"?>
 <p:sld xmlns:a="http://schemas.openxmlformats.org/drawingml/2006/main" xmlns:r="http://schemas.openxmlformats.org/officeDocument/2006/relationships" xmlns:p="http://schemas.openxmlformats.org/presentationml/2006/main">
   <p:cSld>
     <p:bg>
@@ -25907,13 +30055,13 @@
   <p:clrMapOvr>
     <a:masterClrMapping/>
   </p:clrMapOvr>
-  <mc:AlternateContent xmlns:mc="http://schemas.openxmlformats.org/markup-compatibility/2006">
-    <mc:Choice xmlns:p14="http://schemas.microsoft.com/office/powerpoint/2010/main" Requires="p14">
+  <mc:AlternateContent xmlns:mc="http://schemas.openxmlformats.org/markup-compatibility/2006" xmlns:p14="http://schemas.microsoft.com/office/powerpoint/2010/main">
+    <mc:Choice Requires="p14">
       <p:transition spd="slow" p14:dur="3400">
         <p14:reveal/>
       </p:transition>
     </mc:Choice>
-    <mc:Fallback>
+    <mc:Fallback xmlns="">
       <p:transition spd="slow">
         <p:fade/>
       </p:transition>
@@ -26219,13 +30367,13 @@
   <p:clrMapOvr>
     <a:masterClrMapping/>
   </p:clrMapOvr>
-  <mc:AlternateContent xmlns:mc="http://schemas.openxmlformats.org/markup-compatibility/2006">
-    <mc:Choice xmlns:p14="http://schemas.microsoft.com/office/powerpoint/2010/main" Requires="p14">
+  <mc:AlternateContent xmlns:mc="http://schemas.openxmlformats.org/markup-compatibility/2006" xmlns:p14="http://schemas.microsoft.com/office/powerpoint/2010/main">
+    <mc:Choice Requires="p14">
       <p:transition spd="slow" p14:dur="1500">
         <p:split orient="vert"/>
       </p:transition>
     </mc:Choice>
-    <mc:Fallback>
+    <mc:Fallback xmlns="">
       <p:transition spd="slow">
         <p:split orient="vert"/>
       </p:transition>
@@ -26261,7 +30409,7 @@
       </p:grpSpPr>
       <p:sp useBgFill="1">
         <p:nvSpPr>
-          <p:cNvPr id="28" name="Rectangle 27">
+          <p:cNvPr id="39" name="Rectangle 34">
             <a:extLst>
               <a:ext uri="{FF2B5EF4-FFF2-40B4-BE49-F238E27FC236}">
                 <a16:creationId xmlns:a16="http://schemas.microsoft.com/office/drawing/2014/main" id="{04812C46-200A-4DEB-A05E-3ED6C68C2387}"/>
@@ -26284,7 +30432,7 @@
         </p:nvSpPr>
         <p:spPr>
           <a:xfrm>
-            <a:off x="-1" y="0"/>
+            <a:off x="3049" y="0"/>
             <a:ext cx="12188952" cy="6858000"/>
           </a:xfrm>
           <a:prstGeom prst="rect">
@@ -26340,7 +30488,7 @@
         </p:blipFill>
         <p:spPr>
           <a:xfrm>
-            <a:off x="1" y="10"/>
+            <a:off x="2522356" y="10"/>
             <a:ext cx="9669642" cy="6857990"/>
           </a:xfrm>
           <a:prstGeom prst="rect">
@@ -26350,7 +30498,7 @@
       </p:pic>
       <p:sp>
         <p:nvSpPr>
-          <p:cNvPr id="30" name="Rectangle 29">
+          <p:cNvPr id="40" name="Rectangle 36">
             <a:extLst>
               <a:ext uri="{FF2B5EF4-FFF2-40B4-BE49-F238E27FC236}">
                 <a16:creationId xmlns:a16="http://schemas.microsoft.com/office/drawing/2014/main" id="{D1EA859B-E555-4109-94F3-6700E046E008}"/>
@@ -26372,9 +30520,9 @@
           </p:nvPr>
         </p:nvSpPr>
         <p:spPr>
-          <a:xfrm flipH="1">
-            <a:off x="5125019" y="0"/>
-            <a:ext cx="7066978" cy="6858000"/>
+          <a:xfrm>
+            <a:off x="-1" y="0"/>
+            <a:ext cx="7390263" cy="6858000"/>
           </a:xfrm>
           <a:prstGeom prst="rect">
             <a:avLst/>
@@ -26452,7 +30600,7 @@
         </p:nvSpPr>
         <p:spPr>
           <a:xfrm>
-            <a:off x="7531610" y="365125"/>
+            <a:off x="838200" y="365125"/>
             <a:ext cx="3822189" cy="1899912"/>
           </a:xfrm>
         </p:spPr>
@@ -26491,7 +30639,7 @@
         </p:nvSpPr>
         <p:spPr>
           <a:xfrm>
-            <a:off x="7531610" y="2434201"/>
+            <a:off x="838200" y="2434201"/>
             <a:ext cx="3822189" cy="3742762"/>
           </a:xfrm>
         </p:spPr>
@@ -26505,7 +30653,7 @@
               <a:buAutoNum type="arabicPeriod"/>
             </a:pPr>
             <a:r>
-              <a:rPr lang="cs-CZ" sz="2000" b="1" dirty="0">
+              <a:rPr lang="cs-CZ" sz="2000" b="1">
                 <a:ea typeface="Meiryo"/>
               </a:rPr>
               <a:t>RGB nebo RGBA</a:t>
@@ -26516,7 +30664,7 @@
               <a:buAutoNum type="arabicPeriod"/>
             </a:pPr>
             <a:r>
-              <a:rPr lang="cs-CZ" sz="2000" b="1" dirty="0">
+              <a:rPr lang="cs-CZ" sz="2000" b="1">
                 <a:ea typeface="Meiryo"/>
               </a:rPr>
               <a:t>CMY nebo CMYK</a:t>
@@ -26527,7 +30675,7 @@
               <a:buAutoNum type="arabicPeriod"/>
             </a:pPr>
             <a:r>
-              <a:rPr lang="cs-CZ" sz="2000" b="1" dirty="0">
+              <a:rPr lang="cs-CZ" sz="2000" b="1">
                 <a:ea typeface="Meiryo"/>
               </a:rPr>
               <a:t>HSV nebo HSB</a:t>
@@ -26538,7 +30686,7 @@
               <a:buAutoNum type="arabicPeriod"/>
             </a:pPr>
             <a:r>
-              <a:rPr lang="cs-CZ" sz="2000" b="1" dirty="0">
+              <a:rPr lang="cs-CZ" sz="2000" b="1">
                 <a:ea typeface="Meiryo"/>
               </a:rPr>
               <a:t>HSL</a:t>
@@ -26549,7 +30697,7 @@
               <a:buAutoNum type="arabicPeriod"/>
             </a:pPr>
             <a:r>
-              <a:rPr lang="cs-CZ" sz="2000" b="1" dirty="0">
+              <a:rPr lang="cs-CZ" sz="2000" b="1">
                 <a:ea typeface="Meiryo"/>
               </a:rPr>
               <a:t>YUV</a:t>
@@ -26560,18 +30708,17 @@
               <a:buAutoNum type="arabicPeriod"/>
             </a:pPr>
             <a:r>
-              <a:rPr lang="cs-CZ" sz="2000" b="1" dirty="0">
+              <a:rPr lang="cs-CZ" sz="2000" b="1">
                 <a:ea typeface="Meiryo"/>
               </a:rPr>
-              <a:t>CIE (XZY, LAB,LUV, LCh)</a:t>
+              <a:t>CIE</a:t>
             </a:r>
           </a:p>
           <a:p>
             <a:pPr marL="342900" indent="-342900">
-              <a:buFont typeface="Arial" panose="020B0503020204020204" pitchFamily="34" charset="0"/>
-              <a:buChar char="•"/>
+              <a:buAutoNum type="arabicPeriod"/>
             </a:pPr>
-            <a:endParaRPr lang="cs-CZ" sz="2000" b="1" dirty="0">
+            <a:endParaRPr lang="cs-CZ" sz="2000">
               <a:ea typeface="Meiryo"/>
             </a:endParaRPr>
           </a:p>
@@ -26579,15 +30726,7 @@
             <a:pPr marL="342900" indent="-342900">
               <a:buAutoNum type="arabicPeriod"/>
             </a:pPr>
-            <a:endParaRPr lang="cs-CZ" sz="2000" dirty="0">
-              <a:ea typeface="Meiryo"/>
-            </a:endParaRPr>
-          </a:p>
-          <a:p>
-            <a:pPr marL="342900" indent="-342900">
-              <a:buAutoNum type="arabicPeriod"/>
-            </a:pPr>
-            <a:endParaRPr lang="cs-CZ" sz="2000" dirty="0">
+            <a:endParaRPr lang="cs-CZ" sz="2000">
               <a:ea typeface="Meiryo"/>
             </a:endParaRPr>
           </a:p>
@@ -26611,13 +30750,13 @@
   <p:clrMapOvr>
     <a:masterClrMapping/>
   </p:clrMapOvr>
-  <mc:AlternateContent xmlns:mc="http://schemas.openxmlformats.org/markup-compatibility/2006">
-    <mc:Choice xmlns:p14="http://schemas.microsoft.com/office/powerpoint/2010/main" Requires="p14">
+  <mc:AlternateContent xmlns:mc="http://schemas.openxmlformats.org/markup-compatibility/2006" xmlns:p14="http://schemas.microsoft.com/office/powerpoint/2010/main">
+    <mc:Choice Requires="p14">
       <p:transition spd="slow" p14:dur="3400">
         <p14:reveal/>
       </p:transition>
     </mc:Choice>
-    <mc:Fallback>
+    <mc:Fallback xmlns="">
       <p:transition spd="slow">
         <p:fade/>
       </p:transition>
@@ -27331,13 +31470,13 @@
   <p:clrMapOvr>
     <a:masterClrMapping/>
   </p:clrMapOvr>
-  <mc:AlternateContent xmlns:mc="http://schemas.openxmlformats.org/markup-compatibility/2006">
-    <mc:Choice xmlns:p14="http://schemas.microsoft.com/office/powerpoint/2010/main" Requires="p14">
+  <mc:AlternateContent xmlns:mc="http://schemas.openxmlformats.org/markup-compatibility/2006" xmlns:p14="http://schemas.microsoft.com/office/powerpoint/2010/main">
+    <mc:Choice Requires="p14">
       <p:transition spd="slow" p14:dur="3400">
         <p14:reveal/>
       </p:transition>
     </mc:Choice>
-    <mc:Fallback>
+    <mc:Fallback xmlns="">
       <p:transition spd="slow">
         <p:fade/>
       </p:transition>
@@ -27652,13 +31791,13 @@
   <p:clrMapOvr>
     <a:masterClrMapping/>
   </p:clrMapOvr>
-  <mc:AlternateContent xmlns:mc="http://schemas.openxmlformats.org/markup-compatibility/2006">
-    <mc:Choice xmlns:p14="http://schemas.microsoft.com/office/powerpoint/2010/main" Requires="p14">
+  <mc:AlternateContent xmlns:mc="http://schemas.openxmlformats.org/markup-compatibility/2006" xmlns:p14="http://schemas.microsoft.com/office/powerpoint/2010/main">
+    <mc:Choice Requires="p14">
       <p:transition spd="slow" p14:dur="3400">
         <p14:reveal/>
       </p:transition>
     </mc:Choice>
-    <mc:Fallback>
+    <mc:Fallback xmlns="">
       <p:transition spd="slow">
         <p:fade/>
       </p:transition>
@@ -28536,13 +32675,13 @@
   <p:clrMapOvr>
     <a:masterClrMapping/>
   </p:clrMapOvr>
-  <mc:AlternateContent xmlns:mc="http://schemas.openxmlformats.org/markup-compatibility/2006">
-    <mc:Choice xmlns:p14="http://schemas.microsoft.com/office/powerpoint/2010/main" Requires="p14">
+  <mc:AlternateContent xmlns:mc="http://schemas.openxmlformats.org/markup-compatibility/2006" xmlns:p14="http://schemas.microsoft.com/office/powerpoint/2010/main">
+    <mc:Choice Requires="p14">
       <p:transition spd="slow" p14:dur="3400">
         <p14:reveal/>
       </p:transition>
     </mc:Choice>
-    <mc:Fallback>
+    <mc:Fallback xmlns="">
       <p:transition spd="slow">
         <p:fade/>
       </p:transition>
@@ -28900,13 +33039,13 @@
   <p:clrMapOvr>
     <a:masterClrMapping/>
   </p:clrMapOvr>
-  <mc:AlternateContent xmlns:mc="http://schemas.openxmlformats.org/markup-compatibility/2006">
-    <mc:Choice xmlns:p14="http://schemas.microsoft.com/office/powerpoint/2010/main" Requires="p14">
+  <mc:AlternateContent xmlns:mc="http://schemas.openxmlformats.org/markup-compatibility/2006" xmlns:p14="http://schemas.microsoft.com/office/powerpoint/2010/main">
+    <mc:Choice Requires="p14">
       <p:transition spd="slow" p14:dur="3400">
         <p14:reveal/>
       </p:transition>
     </mc:Choice>
-    <mc:Fallback>
+    <mc:Fallback xmlns="">
       <p:transition spd="slow">
         <p:fade/>
       </p:transition>
@@ -29504,13 +33643,13 @@
   <p:clrMapOvr>
     <a:masterClrMapping/>
   </p:clrMapOvr>
-  <mc:AlternateContent xmlns:mc="http://schemas.openxmlformats.org/markup-compatibility/2006">
-    <mc:Choice xmlns:p14="http://schemas.microsoft.com/office/powerpoint/2010/main" Requires="p14">
+  <mc:AlternateContent xmlns:mc="http://schemas.openxmlformats.org/markup-compatibility/2006" xmlns:p14="http://schemas.microsoft.com/office/powerpoint/2010/main">
+    <mc:Choice Requires="p14">
       <p:transition spd="slow" p14:dur="3400">
         <p14:reveal/>
       </p:transition>
     </mc:Choice>
-    <mc:Fallback>
+    <mc:Fallback xmlns="">
       <p:transition spd="slow">
         <p:fade/>
       </p:transition>

--- a/Presentation for IT.pptx
+++ b/Presentation for IT.pptx
@@ -22,6 +22,8 @@
     <p:sldId id="271" r:id="rId16"/>
     <p:sldId id="270" r:id="rId17"/>
     <p:sldId id="272" r:id="rId18"/>
+    <p:sldId id="275" r:id="rId19"/>
+    <p:sldId id="276" r:id="rId20"/>
   </p:sldIdLst>
   <p:sldSz cx="12192000" cy="6858000"/>
   <p:notesSz cx="6858000" cy="9144000"/>
@@ -5636,6 +5638,753 @@
     <dgm:fillClrLst meth="repeat">
       <a:schemeClr val="accent2">
         <a:tint val="40000"/>
+      </a:schemeClr>
+    </dgm:fillClrLst>
+    <dgm:linClrLst meth="repeat">
+      <a:schemeClr val="lt1"/>
+    </dgm:linClrLst>
+    <dgm:effectClrLst/>
+    <dgm:txLinClrLst/>
+    <dgm:txFillClrLst meth="repeat">
+      <a:schemeClr val="dk1"/>
+    </dgm:txFillClrLst>
+    <dgm:txEffectClrLst/>
+  </dgm:styleLbl>
+  <dgm:styleLbl name="revTx">
+    <dgm:fillClrLst meth="repeat">
+      <a:schemeClr val="lt1">
+        <a:alpha val="0"/>
+      </a:schemeClr>
+    </dgm:fillClrLst>
+    <dgm:linClrLst meth="repeat">
+      <a:schemeClr val="dk1">
+        <a:alpha val="0"/>
+      </a:schemeClr>
+    </dgm:linClrLst>
+    <dgm:effectClrLst/>
+    <dgm:txLinClrLst/>
+    <dgm:txFillClrLst meth="repeat">
+      <a:schemeClr val="tx1"/>
+    </dgm:txFillClrLst>
+    <dgm:txEffectClrLst/>
+  </dgm:styleLbl>
+</dgm:colorsDef>
+</file>
+
+<file path=ppt/diagrams/colors8.xml><?xml version="1.0" encoding="utf-8"?>
+<dgm:colorsDef xmlns:dgm="http://schemas.openxmlformats.org/drawingml/2006/diagram" xmlns:a="http://schemas.openxmlformats.org/drawingml/2006/main" uniqueId="urn:microsoft.com/office/officeart/2005/8/colors/accent1_2">
+  <dgm:title val=""/>
+  <dgm:desc val=""/>
+  <dgm:catLst>
+    <dgm:cat type="accent1" pri="11200"/>
+  </dgm:catLst>
+  <dgm:styleLbl name="node0">
+    <dgm:fillClrLst meth="repeat">
+      <a:schemeClr val="accent1"/>
+    </dgm:fillClrLst>
+    <dgm:linClrLst meth="repeat">
+      <a:schemeClr val="lt1"/>
+    </dgm:linClrLst>
+    <dgm:effectClrLst/>
+    <dgm:txLinClrLst/>
+    <dgm:txFillClrLst/>
+    <dgm:txEffectClrLst/>
+  </dgm:styleLbl>
+  <dgm:styleLbl name="alignNode1">
+    <dgm:fillClrLst meth="repeat">
+      <a:schemeClr val="accent1"/>
+    </dgm:fillClrLst>
+    <dgm:linClrLst meth="repeat">
+      <a:schemeClr val="accent1"/>
+    </dgm:linClrLst>
+    <dgm:effectClrLst/>
+    <dgm:txLinClrLst/>
+    <dgm:txFillClrLst/>
+    <dgm:txEffectClrLst/>
+  </dgm:styleLbl>
+  <dgm:styleLbl name="node1">
+    <dgm:fillClrLst meth="repeat">
+      <a:schemeClr val="accent1"/>
+    </dgm:fillClrLst>
+    <dgm:linClrLst meth="repeat">
+      <a:schemeClr val="lt1"/>
+    </dgm:linClrLst>
+    <dgm:effectClrLst/>
+    <dgm:txLinClrLst/>
+    <dgm:txFillClrLst/>
+    <dgm:txEffectClrLst/>
+  </dgm:styleLbl>
+  <dgm:styleLbl name="lnNode1">
+    <dgm:fillClrLst meth="repeat">
+      <a:schemeClr val="accent1"/>
+    </dgm:fillClrLst>
+    <dgm:linClrLst meth="repeat">
+      <a:schemeClr val="lt1"/>
+    </dgm:linClrLst>
+    <dgm:effectClrLst/>
+    <dgm:txLinClrLst/>
+    <dgm:txFillClrLst/>
+    <dgm:txEffectClrLst/>
+  </dgm:styleLbl>
+  <dgm:styleLbl name="vennNode1">
+    <dgm:fillClrLst meth="repeat">
+      <a:schemeClr val="accent1">
+        <a:alpha val="50000"/>
+      </a:schemeClr>
+    </dgm:fillClrLst>
+    <dgm:linClrLst meth="repeat">
+      <a:schemeClr val="lt1"/>
+    </dgm:linClrLst>
+    <dgm:effectClrLst/>
+    <dgm:txLinClrLst/>
+    <dgm:txFillClrLst/>
+    <dgm:txEffectClrLst/>
+  </dgm:styleLbl>
+  <dgm:styleLbl name="node2">
+    <dgm:fillClrLst meth="repeat">
+      <a:schemeClr val="accent1"/>
+    </dgm:fillClrLst>
+    <dgm:linClrLst meth="repeat">
+      <a:schemeClr val="lt1"/>
+    </dgm:linClrLst>
+    <dgm:effectClrLst/>
+    <dgm:txLinClrLst/>
+    <dgm:txFillClrLst/>
+    <dgm:txEffectClrLst/>
+  </dgm:styleLbl>
+  <dgm:styleLbl name="node3">
+    <dgm:fillClrLst meth="repeat">
+      <a:schemeClr val="accent1"/>
+    </dgm:fillClrLst>
+    <dgm:linClrLst meth="repeat">
+      <a:schemeClr val="lt1"/>
+    </dgm:linClrLst>
+    <dgm:effectClrLst/>
+    <dgm:txLinClrLst/>
+    <dgm:txFillClrLst/>
+    <dgm:txEffectClrLst/>
+  </dgm:styleLbl>
+  <dgm:styleLbl name="node4">
+    <dgm:fillClrLst meth="repeat">
+      <a:schemeClr val="accent1"/>
+    </dgm:fillClrLst>
+    <dgm:linClrLst meth="repeat">
+      <a:schemeClr val="lt1"/>
+    </dgm:linClrLst>
+    <dgm:effectClrLst/>
+    <dgm:txLinClrLst/>
+    <dgm:txFillClrLst/>
+    <dgm:txEffectClrLst/>
+  </dgm:styleLbl>
+  <dgm:styleLbl name="fgImgPlace1">
+    <dgm:fillClrLst meth="repeat">
+      <a:schemeClr val="accent1">
+        <a:tint val="50000"/>
+      </a:schemeClr>
+    </dgm:fillClrLst>
+    <dgm:linClrLst meth="repeat">
+      <a:schemeClr val="lt1"/>
+    </dgm:linClrLst>
+    <dgm:effectClrLst/>
+    <dgm:txLinClrLst/>
+    <dgm:txFillClrLst meth="repeat">
+      <a:schemeClr val="lt1"/>
+    </dgm:txFillClrLst>
+    <dgm:txEffectClrLst/>
+  </dgm:styleLbl>
+  <dgm:styleLbl name="alignImgPlace1">
+    <dgm:fillClrLst meth="repeat">
+      <a:schemeClr val="accent1">
+        <a:tint val="50000"/>
+      </a:schemeClr>
+    </dgm:fillClrLst>
+    <dgm:linClrLst meth="repeat">
+      <a:schemeClr val="lt1"/>
+    </dgm:linClrLst>
+    <dgm:effectClrLst/>
+    <dgm:txLinClrLst/>
+    <dgm:txFillClrLst meth="repeat">
+      <a:schemeClr val="lt1"/>
+    </dgm:txFillClrLst>
+    <dgm:txEffectClrLst/>
+  </dgm:styleLbl>
+  <dgm:styleLbl name="bgImgPlace1">
+    <dgm:fillClrLst meth="repeat">
+      <a:schemeClr val="accent1">
+        <a:tint val="50000"/>
+      </a:schemeClr>
+    </dgm:fillClrLst>
+    <dgm:linClrLst meth="repeat">
+      <a:schemeClr val="lt1"/>
+    </dgm:linClrLst>
+    <dgm:effectClrLst/>
+    <dgm:txLinClrLst/>
+    <dgm:txFillClrLst meth="repeat">
+      <a:schemeClr val="lt1"/>
+    </dgm:txFillClrLst>
+    <dgm:txEffectClrLst/>
+  </dgm:styleLbl>
+  <dgm:styleLbl name="sibTrans2D1">
+    <dgm:fillClrLst meth="repeat">
+      <a:schemeClr val="accent1">
+        <a:tint val="60000"/>
+      </a:schemeClr>
+    </dgm:fillClrLst>
+    <dgm:linClrLst meth="repeat">
+      <a:schemeClr val="accent1">
+        <a:tint val="60000"/>
+      </a:schemeClr>
+    </dgm:linClrLst>
+    <dgm:effectClrLst/>
+    <dgm:txLinClrLst/>
+    <dgm:txFillClrLst/>
+    <dgm:txEffectClrLst/>
+  </dgm:styleLbl>
+  <dgm:styleLbl name="fgSibTrans2D1">
+    <dgm:fillClrLst meth="repeat">
+      <a:schemeClr val="accent1">
+        <a:tint val="60000"/>
+      </a:schemeClr>
+    </dgm:fillClrLst>
+    <dgm:linClrLst meth="repeat">
+      <a:schemeClr val="accent1">
+        <a:tint val="60000"/>
+      </a:schemeClr>
+    </dgm:linClrLst>
+    <dgm:effectClrLst/>
+    <dgm:txLinClrLst/>
+    <dgm:txFillClrLst/>
+    <dgm:txEffectClrLst/>
+  </dgm:styleLbl>
+  <dgm:styleLbl name="bgSibTrans2D1">
+    <dgm:fillClrLst meth="repeat">
+      <a:schemeClr val="accent1">
+        <a:tint val="60000"/>
+      </a:schemeClr>
+    </dgm:fillClrLst>
+    <dgm:linClrLst meth="repeat">
+      <a:schemeClr val="accent1">
+        <a:tint val="60000"/>
+      </a:schemeClr>
+    </dgm:linClrLst>
+    <dgm:effectClrLst/>
+    <dgm:txLinClrLst/>
+    <dgm:txFillClrLst/>
+    <dgm:txEffectClrLst/>
+  </dgm:styleLbl>
+  <dgm:styleLbl name="sibTrans1D1">
+    <dgm:fillClrLst meth="repeat">
+      <a:schemeClr val="accent1"/>
+    </dgm:fillClrLst>
+    <dgm:linClrLst meth="repeat">
+      <a:schemeClr val="accent1"/>
+    </dgm:linClrLst>
+    <dgm:effectClrLst/>
+    <dgm:txLinClrLst/>
+    <dgm:txFillClrLst meth="repeat">
+      <a:schemeClr val="tx1"/>
+    </dgm:txFillClrLst>
+    <dgm:txEffectClrLst/>
+  </dgm:styleLbl>
+  <dgm:styleLbl name="callout">
+    <dgm:fillClrLst meth="repeat">
+      <a:schemeClr val="accent1"/>
+    </dgm:fillClrLst>
+    <dgm:linClrLst meth="repeat">
+      <a:schemeClr val="accent1">
+        <a:tint val="50000"/>
+      </a:schemeClr>
+    </dgm:linClrLst>
+    <dgm:effectClrLst/>
+    <dgm:txLinClrLst/>
+    <dgm:txFillClrLst meth="repeat">
+      <a:schemeClr val="tx1"/>
+    </dgm:txFillClrLst>
+    <dgm:txEffectClrLst/>
+  </dgm:styleLbl>
+  <dgm:styleLbl name="asst0">
+    <dgm:fillClrLst meth="repeat">
+      <a:schemeClr val="accent1"/>
+    </dgm:fillClrLst>
+    <dgm:linClrLst meth="repeat">
+      <a:schemeClr val="lt1"/>
+    </dgm:linClrLst>
+    <dgm:effectClrLst/>
+    <dgm:txLinClrLst/>
+    <dgm:txFillClrLst/>
+    <dgm:txEffectClrLst/>
+  </dgm:styleLbl>
+  <dgm:styleLbl name="asst1">
+    <dgm:fillClrLst meth="repeat">
+      <a:schemeClr val="accent1"/>
+    </dgm:fillClrLst>
+    <dgm:linClrLst meth="repeat">
+      <a:schemeClr val="lt1"/>
+    </dgm:linClrLst>
+    <dgm:effectClrLst/>
+    <dgm:txLinClrLst/>
+    <dgm:txFillClrLst/>
+    <dgm:txEffectClrLst/>
+  </dgm:styleLbl>
+  <dgm:styleLbl name="asst2">
+    <dgm:fillClrLst meth="repeat">
+      <a:schemeClr val="accent1"/>
+    </dgm:fillClrLst>
+    <dgm:linClrLst meth="repeat">
+      <a:schemeClr val="lt1"/>
+    </dgm:linClrLst>
+    <dgm:effectClrLst/>
+    <dgm:txLinClrLst/>
+    <dgm:txFillClrLst/>
+    <dgm:txEffectClrLst/>
+  </dgm:styleLbl>
+  <dgm:styleLbl name="asst3">
+    <dgm:fillClrLst meth="repeat">
+      <a:schemeClr val="accent1"/>
+    </dgm:fillClrLst>
+    <dgm:linClrLst meth="repeat">
+      <a:schemeClr val="lt1"/>
+    </dgm:linClrLst>
+    <dgm:effectClrLst/>
+    <dgm:txLinClrLst/>
+    <dgm:txFillClrLst/>
+    <dgm:txEffectClrLst/>
+  </dgm:styleLbl>
+  <dgm:styleLbl name="asst4">
+    <dgm:fillClrLst meth="repeat">
+      <a:schemeClr val="accent1"/>
+    </dgm:fillClrLst>
+    <dgm:linClrLst meth="repeat">
+      <a:schemeClr val="lt1"/>
+    </dgm:linClrLst>
+    <dgm:effectClrLst/>
+    <dgm:txLinClrLst/>
+    <dgm:txFillClrLst/>
+    <dgm:txEffectClrLst/>
+  </dgm:styleLbl>
+  <dgm:styleLbl name="parChTrans2D1">
+    <dgm:fillClrLst meth="repeat">
+      <a:schemeClr val="accent1">
+        <a:tint val="60000"/>
+      </a:schemeClr>
+    </dgm:fillClrLst>
+    <dgm:linClrLst meth="repeat">
+      <a:schemeClr val="accent1">
+        <a:tint val="60000"/>
+      </a:schemeClr>
+    </dgm:linClrLst>
+    <dgm:effectClrLst/>
+    <dgm:txLinClrLst/>
+    <dgm:txFillClrLst meth="repeat">
+      <a:schemeClr val="lt1"/>
+    </dgm:txFillClrLst>
+    <dgm:txEffectClrLst/>
+  </dgm:styleLbl>
+  <dgm:styleLbl name="parChTrans2D2">
+    <dgm:fillClrLst meth="repeat">
+      <a:schemeClr val="accent1"/>
+    </dgm:fillClrLst>
+    <dgm:linClrLst meth="repeat">
+      <a:schemeClr val="accent1"/>
+    </dgm:linClrLst>
+    <dgm:effectClrLst/>
+    <dgm:txLinClrLst/>
+    <dgm:txFillClrLst meth="repeat">
+      <a:schemeClr val="lt1"/>
+    </dgm:txFillClrLst>
+    <dgm:txEffectClrLst/>
+  </dgm:styleLbl>
+  <dgm:styleLbl name="parChTrans2D3">
+    <dgm:fillClrLst meth="repeat">
+      <a:schemeClr val="accent1"/>
+    </dgm:fillClrLst>
+    <dgm:linClrLst meth="repeat">
+      <a:schemeClr val="accent1"/>
+    </dgm:linClrLst>
+    <dgm:effectClrLst/>
+    <dgm:txLinClrLst/>
+    <dgm:txFillClrLst meth="repeat">
+      <a:schemeClr val="lt1"/>
+    </dgm:txFillClrLst>
+    <dgm:txEffectClrLst/>
+  </dgm:styleLbl>
+  <dgm:styleLbl name="parChTrans2D4">
+    <dgm:fillClrLst meth="repeat">
+      <a:schemeClr val="accent1"/>
+    </dgm:fillClrLst>
+    <dgm:linClrLst meth="repeat">
+      <a:schemeClr val="accent1"/>
+    </dgm:linClrLst>
+    <dgm:effectClrLst/>
+    <dgm:txLinClrLst/>
+    <dgm:txFillClrLst meth="repeat">
+      <a:schemeClr val="lt1"/>
+    </dgm:txFillClrLst>
+    <dgm:txEffectClrLst/>
+  </dgm:styleLbl>
+  <dgm:styleLbl name="parChTrans1D1">
+    <dgm:fillClrLst meth="repeat">
+      <a:schemeClr val="accent1"/>
+    </dgm:fillClrLst>
+    <dgm:linClrLst meth="repeat">
+      <a:schemeClr val="accent1">
+        <a:shade val="60000"/>
+      </a:schemeClr>
+    </dgm:linClrLst>
+    <dgm:effectClrLst/>
+    <dgm:txLinClrLst/>
+    <dgm:txFillClrLst meth="repeat">
+      <a:schemeClr val="tx1"/>
+    </dgm:txFillClrLst>
+    <dgm:txEffectClrLst/>
+  </dgm:styleLbl>
+  <dgm:styleLbl name="parChTrans1D2">
+    <dgm:fillClrLst meth="repeat">
+      <a:schemeClr val="accent1"/>
+    </dgm:fillClrLst>
+    <dgm:linClrLst meth="repeat">
+      <a:schemeClr val="accent1">
+        <a:shade val="60000"/>
+      </a:schemeClr>
+    </dgm:linClrLst>
+    <dgm:effectClrLst/>
+    <dgm:txLinClrLst/>
+    <dgm:txFillClrLst meth="repeat">
+      <a:schemeClr val="tx1"/>
+    </dgm:txFillClrLst>
+    <dgm:txEffectClrLst/>
+  </dgm:styleLbl>
+  <dgm:styleLbl name="parChTrans1D3">
+    <dgm:fillClrLst meth="repeat">
+      <a:schemeClr val="accent1"/>
+    </dgm:fillClrLst>
+    <dgm:linClrLst meth="repeat">
+      <a:schemeClr val="accent1">
+        <a:shade val="80000"/>
+      </a:schemeClr>
+    </dgm:linClrLst>
+    <dgm:effectClrLst/>
+    <dgm:txLinClrLst/>
+    <dgm:txFillClrLst meth="repeat">
+      <a:schemeClr val="tx1"/>
+    </dgm:txFillClrLst>
+    <dgm:txEffectClrLst/>
+  </dgm:styleLbl>
+  <dgm:styleLbl name="parChTrans1D4">
+    <dgm:fillClrLst meth="repeat">
+      <a:schemeClr val="accent1"/>
+    </dgm:fillClrLst>
+    <dgm:linClrLst meth="repeat">
+      <a:schemeClr val="accent1">
+        <a:shade val="80000"/>
+      </a:schemeClr>
+    </dgm:linClrLst>
+    <dgm:effectClrLst/>
+    <dgm:txLinClrLst/>
+    <dgm:txFillClrLst meth="repeat">
+      <a:schemeClr val="tx1"/>
+    </dgm:txFillClrLst>
+    <dgm:txEffectClrLst/>
+  </dgm:styleLbl>
+  <dgm:styleLbl name="fgAcc1">
+    <dgm:fillClrLst meth="repeat">
+      <a:schemeClr val="lt1">
+        <a:alpha val="90000"/>
+      </a:schemeClr>
+    </dgm:fillClrLst>
+    <dgm:linClrLst meth="repeat">
+      <a:schemeClr val="accent1"/>
+    </dgm:linClrLst>
+    <dgm:effectClrLst/>
+    <dgm:txLinClrLst/>
+    <dgm:txFillClrLst meth="repeat">
+      <a:schemeClr val="dk1"/>
+    </dgm:txFillClrLst>
+    <dgm:txEffectClrLst/>
+  </dgm:styleLbl>
+  <dgm:styleLbl name="conFgAcc1">
+    <dgm:fillClrLst meth="repeat">
+      <a:schemeClr val="lt1">
+        <a:alpha val="90000"/>
+      </a:schemeClr>
+    </dgm:fillClrLst>
+    <dgm:linClrLst meth="repeat">
+      <a:schemeClr val="accent1"/>
+    </dgm:linClrLst>
+    <dgm:effectClrLst/>
+    <dgm:txLinClrLst/>
+    <dgm:txFillClrLst meth="repeat">
+      <a:schemeClr val="dk1"/>
+    </dgm:txFillClrLst>
+    <dgm:txEffectClrLst/>
+  </dgm:styleLbl>
+  <dgm:styleLbl name="alignAcc1">
+    <dgm:fillClrLst meth="repeat">
+      <a:schemeClr val="lt1">
+        <a:alpha val="90000"/>
+      </a:schemeClr>
+    </dgm:fillClrLst>
+    <dgm:linClrLst meth="repeat">
+      <a:schemeClr val="accent1"/>
+    </dgm:linClrLst>
+    <dgm:effectClrLst/>
+    <dgm:txLinClrLst/>
+    <dgm:txFillClrLst meth="repeat">
+      <a:schemeClr val="dk1"/>
+    </dgm:txFillClrLst>
+    <dgm:txEffectClrLst/>
+  </dgm:styleLbl>
+  <dgm:styleLbl name="trAlignAcc1">
+    <dgm:fillClrLst meth="repeat">
+      <a:schemeClr val="lt1">
+        <a:alpha val="40000"/>
+      </a:schemeClr>
+    </dgm:fillClrLst>
+    <dgm:linClrLst meth="repeat">
+      <a:schemeClr val="accent1"/>
+    </dgm:linClrLst>
+    <dgm:effectClrLst/>
+    <dgm:txLinClrLst/>
+    <dgm:txFillClrLst meth="repeat">
+      <a:schemeClr val="dk1"/>
+    </dgm:txFillClrLst>
+    <dgm:txEffectClrLst/>
+  </dgm:styleLbl>
+  <dgm:styleLbl name="bgAcc1">
+    <dgm:fillClrLst meth="repeat">
+      <a:schemeClr val="lt1">
+        <a:alpha val="90000"/>
+      </a:schemeClr>
+    </dgm:fillClrLst>
+    <dgm:linClrLst meth="repeat">
+      <a:schemeClr val="accent1"/>
+    </dgm:linClrLst>
+    <dgm:effectClrLst/>
+    <dgm:txLinClrLst/>
+    <dgm:txFillClrLst meth="repeat">
+      <a:schemeClr val="dk1"/>
+    </dgm:txFillClrLst>
+    <dgm:txEffectClrLst/>
+  </dgm:styleLbl>
+  <dgm:styleLbl name="solidFgAcc1">
+    <dgm:fillClrLst meth="repeat">
+      <a:schemeClr val="lt1"/>
+    </dgm:fillClrLst>
+    <dgm:linClrLst meth="repeat">
+      <a:schemeClr val="accent1"/>
+    </dgm:linClrLst>
+    <dgm:effectClrLst/>
+    <dgm:txLinClrLst/>
+    <dgm:txFillClrLst meth="repeat">
+      <a:schemeClr val="dk1"/>
+    </dgm:txFillClrLst>
+    <dgm:txEffectClrLst/>
+  </dgm:styleLbl>
+  <dgm:styleLbl name="solidAlignAcc1">
+    <dgm:fillClrLst meth="repeat">
+      <a:schemeClr val="lt1"/>
+    </dgm:fillClrLst>
+    <dgm:linClrLst meth="repeat">
+      <a:schemeClr val="accent1"/>
+    </dgm:linClrLst>
+    <dgm:effectClrLst/>
+    <dgm:txLinClrLst/>
+    <dgm:txFillClrLst meth="repeat">
+      <a:schemeClr val="dk1"/>
+    </dgm:txFillClrLst>
+    <dgm:txEffectClrLst/>
+  </dgm:styleLbl>
+  <dgm:styleLbl name="solidBgAcc1">
+    <dgm:fillClrLst meth="repeat">
+      <a:schemeClr val="lt1"/>
+    </dgm:fillClrLst>
+    <dgm:linClrLst meth="repeat">
+      <a:schemeClr val="accent1"/>
+    </dgm:linClrLst>
+    <dgm:effectClrLst/>
+    <dgm:txLinClrLst/>
+    <dgm:txFillClrLst meth="repeat">
+      <a:schemeClr val="dk1"/>
+    </dgm:txFillClrLst>
+    <dgm:txEffectClrLst/>
+  </dgm:styleLbl>
+  <dgm:styleLbl name="fgAccFollowNode1">
+    <dgm:fillClrLst meth="repeat">
+      <a:schemeClr val="accent1">
+        <a:alpha val="90000"/>
+        <a:tint val="40000"/>
+      </a:schemeClr>
+    </dgm:fillClrLst>
+    <dgm:linClrLst meth="repeat">
+      <a:schemeClr val="accent1">
+        <a:alpha val="90000"/>
+        <a:tint val="40000"/>
+      </a:schemeClr>
+    </dgm:linClrLst>
+    <dgm:effectClrLst/>
+    <dgm:txLinClrLst/>
+    <dgm:txFillClrLst meth="repeat">
+      <a:schemeClr val="dk1"/>
+    </dgm:txFillClrLst>
+    <dgm:txEffectClrLst/>
+  </dgm:styleLbl>
+  <dgm:styleLbl name="alignAccFollowNode1">
+    <dgm:fillClrLst meth="repeat">
+      <a:schemeClr val="accent1">
+        <a:alpha val="90000"/>
+        <a:tint val="40000"/>
+      </a:schemeClr>
+    </dgm:fillClrLst>
+    <dgm:linClrLst meth="repeat">
+      <a:schemeClr val="accent1">
+        <a:alpha val="90000"/>
+        <a:tint val="40000"/>
+      </a:schemeClr>
+    </dgm:linClrLst>
+    <dgm:effectClrLst/>
+    <dgm:txLinClrLst/>
+    <dgm:txFillClrLst meth="repeat">
+      <a:schemeClr val="dk1"/>
+    </dgm:txFillClrLst>
+    <dgm:txEffectClrLst/>
+  </dgm:styleLbl>
+  <dgm:styleLbl name="bgAccFollowNode1">
+    <dgm:fillClrLst meth="repeat">
+      <a:schemeClr val="accent1">
+        <a:alpha val="90000"/>
+        <a:tint val="40000"/>
+      </a:schemeClr>
+    </dgm:fillClrLst>
+    <dgm:linClrLst meth="repeat">
+      <a:schemeClr val="accent1">
+        <a:alpha val="90000"/>
+        <a:tint val="40000"/>
+      </a:schemeClr>
+    </dgm:linClrLst>
+    <dgm:effectClrLst/>
+    <dgm:txLinClrLst/>
+    <dgm:txFillClrLst meth="repeat">
+      <a:schemeClr val="dk1"/>
+    </dgm:txFillClrLst>
+    <dgm:txEffectClrLst/>
+  </dgm:styleLbl>
+  <dgm:styleLbl name="fgAcc0">
+    <dgm:fillClrLst meth="repeat">
+      <a:schemeClr val="lt1">
+        <a:alpha val="90000"/>
+      </a:schemeClr>
+    </dgm:fillClrLst>
+    <dgm:linClrLst meth="repeat">
+      <a:schemeClr val="accent1"/>
+    </dgm:linClrLst>
+    <dgm:effectClrLst/>
+    <dgm:txLinClrLst/>
+    <dgm:txFillClrLst meth="repeat">
+      <a:schemeClr val="dk1"/>
+    </dgm:txFillClrLst>
+    <dgm:txEffectClrLst/>
+  </dgm:styleLbl>
+  <dgm:styleLbl name="fgAcc2">
+    <dgm:fillClrLst meth="repeat">
+      <a:schemeClr val="lt1">
+        <a:alpha val="90000"/>
+      </a:schemeClr>
+    </dgm:fillClrLst>
+    <dgm:linClrLst meth="repeat">
+      <a:schemeClr val="accent1"/>
+    </dgm:linClrLst>
+    <dgm:effectClrLst/>
+    <dgm:txLinClrLst/>
+    <dgm:txFillClrLst meth="repeat">
+      <a:schemeClr val="dk1"/>
+    </dgm:txFillClrLst>
+    <dgm:txEffectClrLst/>
+  </dgm:styleLbl>
+  <dgm:styleLbl name="fgAcc3">
+    <dgm:fillClrLst meth="repeat">
+      <a:schemeClr val="lt1">
+        <a:alpha val="90000"/>
+      </a:schemeClr>
+    </dgm:fillClrLst>
+    <dgm:linClrLst meth="repeat">
+      <a:schemeClr val="accent1"/>
+    </dgm:linClrLst>
+    <dgm:effectClrLst/>
+    <dgm:txLinClrLst/>
+    <dgm:txFillClrLst meth="repeat">
+      <a:schemeClr val="dk1"/>
+    </dgm:txFillClrLst>
+    <dgm:txEffectClrLst/>
+  </dgm:styleLbl>
+  <dgm:styleLbl name="fgAcc4">
+    <dgm:fillClrLst meth="repeat">
+      <a:schemeClr val="lt1">
+        <a:alpha val="90000"/>
+      </a:schemeClr>
+    </dgm:fillClrLst>
+    <dgm:linClrLst meth="repeat">
+      <a:schemeClr val="accent1"/>
+    </dgm:linClrLst>
+    <dgm:effectClrLst/>
+    <dgm:txLinClrLst/>
+    <dgm:txFillClrLst meth="repeat">
+      <a:schemeClr val="dk1"/>
+    </dgm:txFillClrLst>
+    <dgm:txEffectClrLst/>
+  </dgm:styleLbl>
+  <dgm:styleLbl name="bgShp">
+    <dgm:fillClrLst meth="repeat">
+      <a:schemeClr val="accent1">
+        <a:tint val="40000"/>
+      </a:schemeClr>
+    </dgm:fillClrLst>
+    <dgm:linClrLst meth="repeat">
+      <a:schemeClr val="accent1"/>
+    </dgm:linClrLst>
+    <dgm:effectClrLst/>
+    <dgm:txLinClrLst/>
+    <dgm:txFillClrLst meth="repeat">
+      <a:schemeClr val="dk1"/>
+    </dgm:txFillClrLst>
+    <dgm:txEffectClrLst/>
+  </dgm:styleLbl>
+  <dgm:styleLbl name="dkBgShp">
+    <dgm:fillClrLst meth="repeat">
+      <a:schemeClr val="accent1">
+        <a:shade val="80000"/>
+      </a:schemeClr>
+    </dgm:fillClrLst>
+    <dgm:linClrLst meth="repeat">
+      <a:schemeClr val="accent1"/>
+    </dgm:linClrLst>
+    <dgm:effectClrLst/>
+    <dgm:txLinClrLst/>
+    <dgm:txFillClrLst meth="repeat">
+      <a:schemeClr val="lt1"/>
+    </dgm:txFillClrLst>
+    <dgm:txEffectClrLst/>
+  </dgm:styleLbl>
+  <dgm:styleLbl name="trBgShp">
+    <dgm:fillClrLst meth="repeat">
+      <a:schemeClr val="accent1">
+        <a:tint val="50000"/>
+        <a:alpha val="40000"/>
+      </a:schemeClr>
+    </dgm:fillClrLst>
+    <dgm:linClrLst meth="repeat">
+      <a:schemeClr val="accent1"/>
+    </dgm:linClrLst>
+    <dgm:effectClrLst/>
+    <dgm:txLinClrLst/>
+    <dgm:txFillClrLst meth="repeat">
+      <a:schemeClr val="lt1"/>
+    </dgm:txFillClrLst>
+    <dgm:txEffectClrLst/>
+  </dgm:styleLbl>
+  <dgm:styleLbl name="fgShp">
+    <dgm:fillClrLst meth="repeat">
+      <a:schemeClr val="accent1">
+        <a:tint val="60000"/>
       </a:schemeClr>
     </dgm:fillClrLst>
     <dgm:linClrLst meth="repeat">
@@ -6983,6 +7732,218 @@
     <dgm:cxn modelId="{A0C6CACD-7CF5-49AA-AC77-7E583E88A2AA}" type="presParOf" srcId="{400ADB74-CE36-450A-9DE3-7344316213AD}" destId="{3D1C0CFF-C435-4312-B436-DF327784843A}" srcOrd="3" destOrd="0" presId="urn:microsoft.com/office/officeart/2008/layout/LinedList"/>
     <dgm:cxn modelId="{13AEE89A-0600-47A7-8207-DEEFFA88EDEB}" type="presParOf" srcId="{3D1C0CFF-C435-4312-B436-DF327784843A}" destId="{85A309C9-F607-4A1D-A3B1-AB977C9565B5}" srcOrd="0" destOrd="0" presId="urn:microsoft.com/office/officeart/2008/layout/LinedList"/>
     <dgm:cxn modelId="{2874D158-46D8-4F14-9016-304F807543AA}" type="presParOf" srcId="{3D1C0CFF-C435-4312-B436-DF327784843A}" destId="{9EE93DB8-4482-4A38-A534-6D24CC327F32}" srcOrd="1" destOrd="0" presId="urn:microsoft.com/office/officeart/2008/layout/LinedList"/>
+  </dgm:cxnLst>
+  <dgm:bg/>
+  <dgm:whole/>
+  <dgm:extLst>
+    <a:ext uri="http://schemas.microsoft.com/office/drawing/2008/diagram">
+      <dsp:dataModelExt xmlns:dsp="http://schemas.microsoft.com/office/drawing/2008/diagram" relId="rId6" minVer="http://schemas.openxmlformats.org/drawingml/2006/diagram"/>
+    </a:ext>
+  </dgm:extLst>
+</dgm:dataModel>
+</file>
+
+<file path=ppt/diagrams/data8.xml><?xml version="1.0" encoding="utf-8"?>
+<dgm:dataModel xmlns:dgm="http://schemas.openxmlformats.org/drawingml/2006/diagram" xmlns:a="http://schemas.openxmlformats.org/drawingml/2006/main">
+  <dgm:ptLst>
+    <dgm:pt modelId="{3FDD8AC6-45CC-4039-83E7-A84933B856A0}" type="doc">
+      <dgm:prSet loTypeId="urn:microsoft.com/office/officeart/2008/layout/LinedList" loCatId="list" qsTypeId="urn:microsoft.com/office/officeart/2005/8/quickstyle/simple1" qsCatId="simple" csTypeId="urn:microsoft.com/office/officeart/2005/8/colors/accent1_2" csCatId="accent1"/>
+      <dgm:spPr/>
+      <dgm:t>
+        <a:bodyPr/>
+        <a:lstStyle/>
+        <a:p>
+          <a:endParaRPr lang="en-US"/>
+        </a:p>
+      </dgm:t>
+    </dgm:pt>
+    <dgm:pt modelId="{6E11BDDB-A26B-4718-9612-FAC3A0363EF8}">
+      <dgm:prSet/>
+      <dgm:spPr/>
+      <dgm:t>
+        <a:bodyPr/>
+        <a:lstStyle/>
+        <a:p>
+          <a:r>
+            <a:rPr lang="en-US"/>
+            <a:t>ChatGPT</a:t>
+          </a:r>
+        </a:p>
+      </dgm:t>
+    </dgm:pt>
+    <dgm:pt modelId="{5ED0C93E-0918-4D28-BC57-3D9E07F9C588}" type="parTrans" cxnId="{6F24BF08-3A0B-41C8-AA9E-A2A67D79F347}">
+      <dgm:prSet/>
+      <dgm:spPr/>
+      <dgm:t>
+        <a:bodyPr/>
+        <a:lstStyle/>
+        <a:p>
+          <a:endParaRPr lang="en-US"/>
+        </a:p>
+      </dgm:t>
+    </dgm:pt>
+    <dgm:pt modelId="{1A0C5C38-4CDC-4F2E-9689-3B42100D16EB}" type="sibTrans" cxnId="{6F24BF08-3A0B-41C8-AA9E-A2A67D79F347}">
+      <dgm:prSet/>
+      <dgm:spPr/>
+      <dgm:t>
+        <a:bodyPr/>
+        <a:lstStyle/>
+        <a:p>
+          <a:endParaRPr lang="en-US"/>
+        </a:p>
+      </dgm:t>
+    </dgm:pt>
+    <dgm:pt modelId="{DC457E70-6ADD-4947-96CA-244D29F93F8A}">
+      <dgm:prSet/>
+      <dgm:spPr/>
+      <dgm:t>
+        <a:bodyPr/>
+        <a:lstStyle/>
+        <a:p>
+          <a:r>
+            <a:rPr lang="en-US"/>
+            <a:t>Wikipedia</a:t>
+          </a:r>
+        </a:p>
+      </dgm:t>
+    </dgm:pt>
+    <dgm:pt modelId="{E368F0A9-665B-40C6-A7C2-12454B46DAA5}" type="parTrans" cxnId="{4F50BDAA-62DA-448A-AB03-A399E3749936}">
+      <dgm:prSet/>
+      <dgm:spPr/>
+      <dgm:t>
+        <a:bodyPr/>
+        <a:lstStyle/>
+        <a:p>
+          <a:endParaRPr lang="en-US"/>
+        </a:p>
+      </dgm:t>
+    </dgm:pt>
+    <dgm:pt modelId="{99F7E522-3395-48C4-B336-E3E0D00E4822}" type="sibTrans" cxnId="{4F50BDAA-62DA-448A-AB03-A399E3749936}">
+      <dgm:prSet/>
+      <dgm:spPr/>
+      <dgm:t>
+        <a:bodyPr/>
+        <a:lstStyle/>
+        <a:p>
+          <a:endParaRPr lang="en-US"/>
+        </a:p>
+      </dgm:t>
+    </dgm:pt>
+    <dgm:pt modelId="{F387326F-E853-4950-81F8-E92282382FE1}">
+      <dgm:prSet/>
+      <dgm:spPr/>
+      <dgm:t>
+        <a:bodyPr/>
+        <a:lstStyle/>
+        <a:p>
+          <a:r>
+            <a:rPr lang="en-US"/>
+            <a:t>Youtube – Barevné modely</a:t>
+          </a:r>
+        </a:p>
+      </dgm:t>
+    </dgm:pt>
+    <dgm:pt modelId="{C51F6557-2083-4368-8A93-8CE217A81A74}" type="parTrans" cxnId="{7F0A019C-5E0E-412A-B42E-24E5AA453415}">
+      <dgm:prSet/>
+      <dgm:spPr/>
+      <dgm:t>
+        <a:bodyPr/>
+        <a:lstStyle/>
+        <a:p>
+          <a:endParaRPr lang="en-US"/>
+        </a:p>
+      </dgm:t>
+    </dgm:pt>
+    <dgm:pt modelId="{7B442872-B506-400D-ACCB-123AD83A5C1B}" type="sibTrans" cxnId="{7F0A019C-5E0E-412A-B42E-24E5AA453415}">
+      <dgm:prSet/>
+      <dgm:spPr/>
+      <dgm:t>
+        <a:bodyPr/>
+        <a:lstStyle/>
+        <a:p>
+          <a:endParaRPr lang="en-US"/>
+        </a:p>
+      </dgm:t>
+    </dgm:pt>
+    <dgm:pt modelId="{280C743C-5274-4CF3-A435-0C4549F6B1A0}" type="pres">
+      <dgm:prSet presAssocID="{3FDD8AC6-45CC-4039-83E7-A84933B856A0}" presName="vert0" presStyleCnt="0">
+        <dgm:presLayoutVars>
+          <dgm:dir/>
+          <dgm:animOne val="branch"/>
+          <dgm:animLvl val="lvl"/>
+        </dgm:presLayoutVars>
+      </dgm:prSet>
+      <dgm:spPr/>
+    </dgm:pt>
+    <dgm:pt modelId="{1452218C-876F-4DEB-98B0-15332EF3B21A}" type="pres">
+      <dgm:prSet presAssocID="{6E11BDDB-A26B-4718-9612-FAC3A0363EF8}" presName="thickLine" presStyleLbl="alignNode1" presStyleIdx="0" presStyleCnt="3"/>
+      <dgm:spPr/>
+    </dgm:pt>
+    <dgm:pt modelId="{199DB4B4-ACDB-4C7D-B7E7-F44A14BF513F}" type="pres">
+      <dgm:prSet presAssocID="{6E11BDDB-A26B-4718-9612-FAC3A0363EF8}" presName="horz1" presStyleCnt="0"/>
+      <dgm:spPr/>
+    </dgm:pt>
+    <dgm:pt modelId="{7402983D-7D85-4577-A27E-364D3DA645D9}" type="pres">
+      <dgm:prSet presAssocID="{6E11BDDB-A26B-4718-9612-FAC3A0363EF8}" presName="tx1" presStyleLbl="revTx" presStyleIdx="0" presStyleCnt="3"/>
+      <dgm:spPr/>
+    </dgm:pt>
+    <dgm:pt modelId="{05A0765C-61D5-409D-8406-DA55213711C7}" type="pres">
+      <dgm:prSet presAssocID="{6E11BDDB-A26B-4718-9612-FAC3A0363EF8}" presName="vert1" presStyleCnt="0"/>
+      <dgm:spPr/>
+    </dgm:pt>
+    <dgm:pt modelId="{577D2E8E-EB62-4B1B-A610-CA8D91E52ADD}" type="pres">
+      <dgm:prSet presAssocID="{DC457E70-6ADD-4947-96CA-244D29F93F8A}" presName="thickLine" presStyleLbl="alignNode1" presStyleIdx="1" presStyleCnt="3"/>
+      <dgm:spPr/>
+    </dgm:pt>
+    <dgm:pt modelId="{A2910894-CD6D-4224-9188-D166252DB400}" type="pres">
+      <dgm:prSet presAssocID="{DC457E70-6ADD-4947-96CA-244D29F93F8A}" presName="horz1" presStyleCnt="0"/>
+      <dgm:spPr/>
+    </dgm:pt>
+    <dgm:pt modelId="{621395DC-3CB3-4E3E-A296-1D71AC038692}" type="pres">
+      <dgm:prSet presAssocID="{DC457E70-6ADD-4947-96CA-244D29F93F8A}" presName="tx1" presStyleLbl="revTx" presStyleIdx="1" presStyleCnt="3"/>
+      <dgm:spPr/>
+    </dgm:pt>
+    <dgm:pt modelId="{6D09E6C1-DB16-4629-B086-A9ED7468D928}" type="pres">
+      <dgm:prSet presAssocID="{DC457E70-6ADD-4947-96CA-244D29F93F8A}" presName="vert1" presStyleCnt="0"/>
+      <dgm:spPr/>
+    </dgm:pt>
+    <dgm:pt modelId="{E7245DCC-D669-41CD-8DBB-DFCF66EBF9A9}" type="pres">
+      <dgm:prSet presAssocID="{F387326F-E853-4950-81F8-E92282382FE1}" presName="thickLine" presStyleLbl="alignNode1" presStyleIdx="2" presStyleCnt="3"/>
+      <dgm:spPr/>
+    </dgm:pt>
+    <dgm:pt modelId="{B9601EB7-C821-4633-AAFD-6311381D7E1B}" type="pres">
+      <dgm:prSet presAssocID="{F387326F-E853-4950-81F8-E92282382FE1}" presName="horz1" presStyleCnt="0"/>
+      <dgm:spPr/>
+    </dgm:pt>
+    <dgm:pt modelId="{4DAB1FCE-F257-4A40-A8A7-032BE1948B4B}" type="pres">
+      <dgm:prSet presAssocID="{F387326F-E853-4950-81F8-E92282382FE1}" presName="tx1" presStyleLbl="revTx" presStyleIdx="2" presStyleCnt="3"/>
+      <dgm:spPr/>
+    </dgm:pt>
+    <dgm:pt modelId="{74FCD09E-2CCD-414B-A51B-0A71A71C6865}" type="pres">
+      <dgm:prSet presAssocID="{F387326F-E853-4950-81F8-E92282382FE1}" presName="vert1" presStyleCnt="0"/>
+      <dgm:spPr/>
+    </dgm:pt>
+  </dgm:ptLst>
+  <dgm:cxnLst>
+    <dgm:cxn modelId="{6F24BF08-3A0B-41C8-AA9E-A2A67D79F347}" srcId="{3FDD8AC6-45CC-4039-83E7-A84933B856A0}" destId="{6E11BDDB-A26B-4718-9612-FAC3A0363EF8}" srcOrd="0" destOrd="0" parTransId="{5ED0C93E-0918-4D28-BC57-3D9E07F9C588}" sibTransId="{1A0C5C38-4CDC-4F2E-9689-3B42100D16EB}"/>
+    <dgm:cxn modelId="{6D0C9A47-E729-445A-9809-C8A96975A817}" type="presOf" srcId="{F387326F-E853-4950-81F8-E92282382FE1}" destId="{4DAB1FCE-F257-4A40-A8A7-032BE1948B4B}" srcOrd="0" destOrd="0" presId="urn:microsoft.com/office/officeart/2008/layout/LinedList"/>
+    <dgm:cxn modelId="{CEEAD94A-EB4A-4ABB-B2EA-2215D63C5739}" type="presOf" srcId="{3FDD8AC6-45CC-4039-83E7-A84933B856A0}" destId="{280C743C-5274-4CF3-A435-0C4549F6B1A0}" srcOrd="0" destOrd="0" presId="urn:microsoft.com/office/officeart/2008/layout/LinedList"/>
+    <dgm:cxn modelId="{E9C02D9B-2017-40D0-A85F-0BD07472D187}" type="presOf" srcId="{6E11BDDB-A26B-4718-9612-FAC3A0363EF8}" destId="{7402983D-7D85-4577-A27E-364D3DA645D9}" srcOrd="0" destOrd="0" presId="urn:microsoft.com/office/officeart/2008/layout/LinedList"/>
+    <dgm:cxn modelId="{7F0A019C-5E0E-412A-B42E-24E5AA453415}" srcId="{3FDD8AC6-45CC-4039-83E7-A84933B856A0}" destId="{F387326F-E853-4950-81F8-E92282382FE1}" srcOrd="2" destOrd="0" parTransId="{C51F6557-2083-4368-8A93-8CE217A81A74}" sibTransId="{7B442872-B506-400D-ACCB-123AD83A5C1B}"/>
+    <dgm:cxn modelId="{4F50BDAA-62DA-448A-AB03-A399E3749936}" srcId="{3FDD8AC6-45CC-4039-83E7-A84933B856A0}" destId="{DC457E70-6ADD-4947-96CA-244D29F93F8A}" srcOrd="1" destOrd="0" parTransId="{E368F0A9-665B-40C6-A7C2-12454B46DAA5}" sibTransId="{99F7E522-3395-48C4-B336-E3E0D00E4822}"/>
+    <dgm:cxn modelId="{0528B7F4-3430-4F73-9A31-02A5E90C58C1}" type="presOf" srcId="{DC457E70-6ADD-4947-96CA-244D29F93F8A}" destId="{621395DC-3CB3-4E3E-A296-1D71AC038692}" srcOrd="0" destOrd="0" presId="urn:microsoft.com/office/officeart/2008/layout/LinedList"/>
+    <dgm:cxn modelId="{E8F18B6B-F25A-472B-B1EB-039576B2EEFC}" type="presParOf" srcId="{280C743C-5274-4CF3-A435-0C4549F6B1A0}" destId="{1452218C-876F-4DEB-98B0-15332EF3B21A}" srcOrd="0" destOrd="0" presId="urn:microsoft.com/office/officeart/2008/layout/LinedList"/>
+    <dgm:cxn modelId="{40FCC8F4-F3D6-445C-A1E4-D0AB3AB1B2DB}" type="presParOf" srcId="{280C743C-5274-4CF3-A435-0C4549F6B1A0}" destId="{199DB4B4-ACDB-4C7D-B7E7-F44A14BF513F}" srcOrd="1" destOrd="0" presId="urn:microsoft.com/office/officeart/2008/layout/LinedList"/>
+    <dgm:cxn modelId="{2CFDDCCD-593A-449D-ADCF-BF890F951F81}" type="presParOf" srcId="{199DB4B4-ACDB-4C7D-B7E7-F44A14BF513F}" destId="{7402983D-7D85-4577-A27E-364D3DA645D9}" srcOrd="0" destOrd="0" presId="urn:microsoft.com/office/officeart/2008/layout/LinedList"/>
+    <dgm:cxn modelId="{9904631A-BCDD-49AE-91BF-41C8DD11B79B}" type="presParOf" srcId="{199DB4B4-ACDB-4C7D-B7E7-F44A14BF513F}" destId="{05A0765C-61D5-409D-8406-DA55213711C7}" srcOrd="1" destOrd="0" presId="urn:microsoft.com/office/officeart/2008/layout/LinedList"/>
+    <dgm:cxn modelId="{B49E9ABC-57FC-4A29-B17A-5AC0079AC691}" type="presParOf" srcId="{280C743C-5274-4CF3-A435-0C4549F6B1A0}" destId="{577D2E8E-EB62-4B1B-A610-CA8D91E52ADD}" srcOrd="2" destOrd="0" presId="urn:microsoft.com/office/officeart/2008/layout/LinedList"/>
+    <dgm:cxn modelId="{3F347591-8543-4303-B82B-8D611965E4A0}" type="presParOf" srcId="{280C743C-5274-4CF3-A435-0C4549F6B1A0}" destId="{A2910894-CD6D-4224-9188-D166252DB400}" srcOrd="3" destOrd="0" presId="urn:microsoft.com/office/officeart/2008/layout/LinedList"/>
+    <dgm:cxn modelId="{D5B332F8-B8F7-4148-BD92-71F419A9C537}" type="presParOf" srcId="{A2910894-CD6D-4224-9188-D166252DB400}" destId="{621395DC-3CB3-4E3E-A296-1D71AC038692}" srcOrd="0" destOrd="0" presId="urn:microsoft.com/office/officeart/2008/layout/LinedList"/>
+    <dgm:cxn modelId="{350C4E11-AE03-498D-89F1-8BE3455E46E1}" type="presParOf" srcId="{A2910894-CD6D-4224-9188-D166252DB400}" destId="{6D09E6C1-DB16-4629-B086-A9ED7468D928}" srcOrd="1" destOrd="0" presId="urn:microsoft.com/office/officeart/2008/layout/LinedList"/>
+    <dgm:cxn modelId="{02408CEA-1476-44C3-AD62-08C3C2E3BB90}" type="presParOf" srcId="{280C743C-5274-4CF3-A435-0C4549F6B1A0}" destId="{E7245DCC-D669-41CD-8DBB-DFCF66EBF9A9}" srcOrd="4" destOrd="0" presId="urn:microsoft.com/office/officeart/2008/layout/LinedList"/>
+    <dgm:cxn modelId="{6882864C-14A1-4898-BDA1-8751C1E3BA4E}" type="presParOf" srcId="{280C743C-5274-4CF3-A435-0C4549F6B1A0}" destId="{B9601EB7-C821-4633-AAFD-6311381D7E1B}" srcOrd="5" destOrd="0" presId="urn:microsoft.com/office/officeart/2008/layout/LinedList"/>
+    <dgm:cxn modelId="{21033381-ACB3-43F1-8FE0-FE2BAF290D5B}" type="presParOf" srcId="{B9601EB7-C821-4633-AAFD-6311381D7E1B}" destId="{4DAB1FCE-F257-4A40-A8A7-032BE1948B4B}" srcOrd="0" destOrd="0" presId="urn:microsoft.com/office/officeart/2008/layout/LinedList"/>
+    <dgm:cxn modelId="{C9483048-BF54-481F-9A55-9507BAF08AAA}" type="presParOf" srcId="{B9601EB7-C821-4633-AAFD-6311381D7E1B}" destId="{74FCD09E-2CCD-414B-A51B-0A71A71C6865}" srcOrd="1" destOrd="0" presId="urn:microsoft.com/office/officeart/2008/layout/LinedList"/>
   </dgm:cxnLst>
   <dgm:bg/>
   <dgm:whole/>
@@ -8928,6 +9889,348 @@
       <dsp:txXfrm>
         <a:off x="0" y="2552700"/>
         <a:ext cx="6492875" cy="2552700"/>
+      </dsp:txXfrm>
+    </dsp:sp>
+  </dsp:spTree>
+</dsp:drawing>
+</file>
+
+<file path=ppt/diagrams/drawing8.xml><?xml version="1.0" encoding="utf-8"?>
+<dsp:drawing xmlns:dgm="http://schemas.openxmlformats.org/drawingml/2006/diagram" xmlns:dsp="http://schemas.microsoft.com/office/drawing/2008/diagram" xmlns:a="http://schemas.openxmlformats.org/drawingml/2006/main">
+  <dsp:spTree>
+    <dsp:nvGrpSpPr>
+      <dsp:cNvPr id="0" name=""/>
+      <dsp:cNvGrpSpPr/>
+    </dsp:nvGrpSpPr>
+    <dsp:grpSpPr/>
+    <dsp:sp modelId="{1452218C-876F-4DEB-98B0-15332EF3B21A}">
+      <dsp:nvSpPr>
+        <dsp:cNvPr id="0" name=""/>
+        <dsp:cNvSpPr/>
+      </dsp:nvSpPr>
+      <dsp:spPr>
+        <a:xfrm>
+          <a:off x="0" y="2124"/>
+          <a:ext cx="10515600" cy="0"/>
+        </a:xfrm>
+        <a:prstGeom prst="line">
+          <a:avLst/>
+        </a:prstGeom>
+        <a:solidFill>
+          <a:schemeClr val="accent1">
+            <a:hueOff val="0"/>
+            <a:satOff val="0"/>
+            <a:lumOff val="0"/>
+            <a:alphaOff val="0"/>
+          </a:schemeClr>
+        </a:solidFill>
+        <a:ln w="12700" cap="flat" cmpd="sng" algn="ctr">
+          <a:solidFill>
+            <a:schemeClr val="accent1">
+              <a:hueOff val="0"/>
+              <a:satOff val="0"/>
+              <a:lumOff val="0"/>
+              <a:alphaOff val="0"/>
+            </a:schemeClr>
+          </a:solidFill>
+          <a:prstDash val="solid"/>
+          <a:miter lim="800000"/>
+        </a:ln>
+        <a:effectLst/>
+      </dsp:spPr>
+      <dsp:style>
+        <a:lnRef idx="2">
+          <a:scrgbClr r="0" g="0" b="0"/>
+        </a:lnRef>
+        <a:fillRef idx="1">
+          <a:scrgbClr r="0" g="0" b="0"/>
+        </a:fillRef>
+        <a:effectRef idx="0">
+          <a:scrgbClr r="0" g="0" b="0"/>
+        </a:effectRef>
+        <a:fontRef idx="minor">
+          <a:schemeClr val="lt1"/>
+        </a:fontRef>
+      </dsp:style>
+    </dsp:sp>
+    <dsp:sp modelId="{7402983D-7D85-4577-A27E-364D3DA645D9}">
+      <dsp:nvSpPr>
+        <dsp:cNvPr id="0" name=""/>
+        <dsp:cNvSpPr/>
+      </dsp:nvSpPr>
+      <dsp:spPr>
+        <a:xfrm>
+          <a:off x="0" y="2124"/>
+          <a:ext cx="10515600" cy="1449029"/>
+        </a:xfrm>
+        <a:prstGeom prst="rect">
+          <a:avLst/>
+        </a:prstGeom>
+        <a:noFill/>
+        <a:ln>
+          <a:noFill/>
+        </a:ln>
+        <a:effectLst/>
+      </dsp:spPr>
+      <dsp:style>
+        <a:lnRef idx="0">
+          <a:scrgbClr r="0" g="0" b="0"/>
+        </a:lnRef>
+        <a:fillRef idx="0">
+          <a:scrgbClr r="0" g="0" b="0"/>
+        </a:fillRef>
+        <a:effectRef idx="0">
+          <a:scrgbClr r="0" g="0" b="0"/>
+        </a:effectRef>
+        <a:fontRef idx="minor"/>
+      </dsp:style>
+      <dsp:txBody>
+        <a:bodyPr spcFirstLastPara="0" vert="horz" wrap="square" lIns="247650" tIns="247650" rIns="247650" bIns="247650" numCol="1" spcCol="1270" anchor="t" anchorCtr="0">
+          <a:noAutofit/>
+        </a:bodyPr>
+        <a:lstStyle/>
+        <a:p>
+          <a:pPr marL="0" lvl="0" indent="0" algn="l" defTabSz="2889250">
+            <a:lnSpc>
+              <a:spcPct val="90000"/>
+            </a:lnSpc>
+            <a:spcBef>
+              <a:spcPct val="0"/>
+            </a:spcBef>
+            <a:spcAft>
+              <a:spcPct val="35000"/>
+            </a:spcAft>
+            <a:buNone/>
+          </a:pPr>
+          <a:r>
+            <a:rPr lang="en-US" sz="6500" kern="1200"/>
+            <a:t>ChatGPT</a:t>
+          </a:r>
+        </a:p>
+      </dsp:txBody>
+      <dsp:txXfrm>
+        <a:off x="0" y="2124"/>
+        <a:ext cx="10515600" cy="1449029"/>
+      </dsp:txXfrm>
+    </dsp:sp>
+    <dsp:sp modelId="{577D2E8E-EB62-4B1B-A610-CA8D91E52ADD}">
+      <dsp:nvSpPr>
+        <dsp:cNvPr id="0" name=""/>
+        <dsp:cNvSpPr/>
+      </dsp:nvSpPr>
+      <dsp:spPr>
+        <a:xfrm>
+          <a:off x="0" y="1451154"/>
+          <a:ext cx="10515600" cy="0"/>
+        </a:xfrm>
+        <a:prstGeom prst="line">
+          <a:avLst/>
+        </a:prstGeom>
+        <a:solidFill>
+          <a:schemeClr val="accent1">
+            <a:hueOff val="0"/>
+            <a:satOff val="0"/>
+            <a:lumOff val="0"/>
+            <a:alphaOff val="0"/>
+          </a:schemeClr>
+        </a:solidFill>
+        <a:ln w="12700" cap="flat" cmpd="sng" algn="ctr">
+          <a:solidFill>
+            <a:schemeClr val="accent1">
+              <a:hueOff val="0"/>
+              <a:satOff val="0"/>
+              <a:lumOff val="0"/>
+              <a:alphaOff val="0"/>
+            </a:schemeClr>
+          </a:solidFill>
+          <a:prstDash val="solid"/>
+          <a:miter lim="800000"/>
+        </a:ln>
+        <a:effectLst/>
+      </dsp:spPr>
+      <dsp:style>
+        <a:lnRef idx="2">
+          <a:scrgbClr r="0" g="0" b="0"/>
+        </a:lnRef>
+        <a:fillRef idx="1">
+          <a:scrgbClr r="0" g="0" b="0"/>
+        </a:fillRef>
+        <a:effectRef idx="0">
+          <a:scrgbClr r="0" g="0" b="0"/>
+        </a:effectRef>
+        <a:fontRef idx="minor">
+          <a:schemeClr val="lt1"/>
+        </a:fontRef>
+      </dsp:style>
+    </dsp:sp>
+    <dsp:sp modelId="{621395DC-3CB3-4E3E-A296-1D71AC038692}">
+      <dsp:nvSpPr>
+        <dsp:cNvPr id="0" name=""/>
+        <dsp:cNvSpPr/>
+      </dsp:nvSpPr>
+      <dsp:spPr>
+        <a:xfrm>
+          <a:off x="0" y="1451154"/>
+          <a:ext cx="10515600" cy="1449029"/>
+        </a:xfrm>
+        <a:prstGeom prst="rect">
+          <a:avLst/>
+        </a:prstGeom>
+        <a:noFill/>
+        <a:ln>
+          <a:noFill/>
+        </a:ln>
+        <a:effectLst/>
+      </dsp:spPr>
+      <dsp:style>
+        <a:lnRef idx="0">
+          <a:scrgbClr r="0" g="0" b="0"/>
+        </a:lnRef>
+        <a:fillRef idx="0">
+          <a:scrgbClr r="0" g="0" b="0"/>
+        </a:fillRef>
+        <a:effectRef idx="0">
+          <a:scrgbClr r="0" g="0" b="0"/>
+        </a:effectRef>
+        <a:fontRef idx="minor"/>
+      </dsp:style>
+      <dsp:txBody>
+        <a:bodyPr spcFirstLastPara="0" vert="horz" wrap="square" lIns="247650" tIns="247650" rIns="247650" bIns="247650" numCol="1" spcCol="1270" anchor="t" anchorCtr="0">
+          <a:noAutofit/>
+        </a:bodyPr>
+        <a:lstStyle/>
+        <a:p>
+          <a:pPr marL="0" lvl="0" indent="0" algn="l" defTabSz="2889250">
+            <a:lnSpc>
+              <a:spcPct val="90000"/>
+            </a:lnSpc>
+            <a:spcBef>
+              <a:spcPct val="0"/>
+            </a:spcBef>
+            <a:spcAft>
+              <a:spcPct val="35000"/>
+            </a:spcAft>
+            <a:buNone/>
+          </a:pPr>
+          <a:r>
+            <a:rPr lang="en-US" sz="6500" kern="1200"/>
+            <a:t>Wikipedia</a:t>
+          </a:r>
+        </a:p>
+      </dsp:txBody>
+      <dsp:txXfrm>
+        <a:off x="0" y="1451154"/>
+        <a:ext cx="10515600" cy="1449029"/>
+      </dsp:txXfrm>
+    </dsp:sp>
+    <dsp:sp modelId="{E7245DCC-D669-41CD-8DBB-DFCF66EBF9A9}">
+      <dsp:nvSpPr>
+        <dsp:cNvPr id="0" name=""/>
+        <dsp:cNvSpPr/>
+      </dsp:nvSpPr>
+      <dsp:spPr>
+        <a:xfrm>
+          <a:off x="0" y="2900183"/>
+          <a:ext cx="10515600" cy="0"/>
+        </a:xfrm>
+        <a:prstGeom prst="line">
+          <a:avLst/>
+        </a:prstGeom>
+        <a:solidFill>
+          <a:schemeClr val="accent1">
+            <a:hueOff val="0"/>
+            <a:satOff val="0"/>
+            <a:lumOff val="0"/>
+            <a:alphaOff val="0"/>
+          </a:schemeClr>
+        </a:solidFill>
+        <a:ln w="12700" cap="flat" cmpd="sng" algn="ctr">
+          <a:solidFill>
+            <a:schemeClr val="accent1">
+              <a:hueOff val="0"/>
+              <a:satOff val="0"/>
+              <a:lumOff val="0"/>
+              <a:alphaOff val="0"/>
+            </a:schemeClr>
+          </a:solidFill>
+          <a:prstDash val="solid"/>
+          <a:miter lim="800000"/>
+        </a:ln>
+        <a:effectLst/>
+      </dsp:spPr>
+      <dsp:style>
+        <a:lnRef idx="2">
+          <a:scrgbClr r="0" g="0" b="0"/>
+        </a:lnRef>
+        <a:fillRef idx="1">
+          <a:scrgbClr r="0" g="0" b="0"/>
+        </a:fillRef>
+        <a:effectRef idx="0">
+          <a:scrgbClr r="0" g="0" b="0"/>
+        </a:effectRef>
+        <a:fontRef idx="minor">
+          <a:schemeClr val="lt1"/>
+        </a:fontRef>
+      </dsp:style>
+    </dsp:sp>
+    <dsp:sp modelId="{4DAB1FCE-F257-4A40-A8A7-032BE1948B4B}">
+      <dsp:nvSpPr>
+        <dsp:cNvPr id="0" name=""/>
+        <dsp:cNvSpPr/>
+      </dsp:nvSpPr>
+      <dsp:spPr>
+        <a:xfrm>
+          <a:off x="0" y="2900183"/>
+          <a:ext cx="10515600" cy="1449029"/>
+        </a:xfrm>
+        <a:prstGeom prst="rect">
+          <a:avLst/>
+        </a:prstGeom>
+        <a:noFill/>
+        <a:ln>
+          <a:noFill/>
+        </a:ln>
+        <a:effectLst/>
+      </dsp:spPr>
+      <dsp:style>
+        <a:lnRef idx="0">
+          <a:scrgbClr r="0" g="0" b="0"/>
+        </a:lnRef>
+        <a:fillRef idx="0">
+          <a:scrgbClr r="0" g="0" b="0"/>
+        </a:fillRef>
+        <a:effectRef idx="0">
+          <a:scrgbClr r="0" g="0" b="0"/>
+        </a:effectRef>
+        <a:fontRef idx="minor"/>
+      </dsp:style>
+      <dsp:txBody>
+        <a:bodyPr spcFirstLastPara="0" vert="horz" wrap="square" lIns="247650" tIns="247650" rIns="247650" bIns="247650" numCol="1" spcCol="1270" anchor="t" anchorCtr="0">
+          <a:noAutofit/>
+        </a:bodyPr>
+        <a:lstStyle/>
+        <a:p>
+          <a:pPr marL="0" lvl="0" indent="0" algn="l" defTabSz="2889250">
+            <a:lnSpc>
+              <a:spcPct val="90000"/>
+            </a:lnSpc>
+            <a:spcBef>
+              <a:spcPct val="0"/>
+            </a:spcBef>
+            <a:spcAft>
+              <a:spcPct val="35000"/>
+            </a:spcAft>
+            <a:buNone/>
+          </a:pPr>
+          <a:r>
+            <a:rPr lang="en-US" sz="6500" kern="1200"/>
+            <a:t>Youtube – Barevné modely</a:t>
+          </a:r>
+        </a:p>
+      </dsp:txBody>
+      <dsp:txXfrm>
+        <a:off x="0" y="2900183"/>
+        <a:ext cx="10515600" cy="1449029"/>
       </dsp:txXfrm>
     </dsp:sp>
   </dsp:spTree>
@@ -12705,6 +14008,472 @@
 </dgm:layoutDef>
 </file>
 
+<file path=ppt/diagrams/layout8.xml><?xml version="1.0" encoding="utf-8"?>
+<dgm:layoutDef xmlns:dgm="http://schemas.openxmlformats.org/drawingml/2006/diagram" xmlns:a="http://schemas.openxmlformats.org/drawingml/2006/main" uniqueId="urn:microsoft.com/office/officeart/2008/layout/LinedList">
+  <dgm:title val=""/>
+  <dgm:desc val=""/>
+  <dgm:catLst>
+    <dgm:cat type="hierarchy" pri="8000"/>
+    <dgm:cat type="list" pri="2500"/>
+  </dgm:catLst>
+  <dgm:sampData>
+    <dgm:dataModel>
+      <dgm:ptLst>
+        <dgm:pt modelId="0" type="doc"/>
+        <dgm:pt modelId="1">
+          <dgm:prSet phldr="1"/>
+        </dgm:pt>
+        <dgm:pt modelId="11">
+          <dgm:prSet phldr="1"/>
+        </dgm:pt>
+        <dgm:pt modelId="12">
+          <dgm:prSet phldr="1"/>
+        </dgm:pt>
+        <dgm:pt modelId="13">
+          <dgm:prSet phldr="1"/>
+        </dgm:pt>
+      </dgm:ptLst>
+      <dgm:cxnLst>
+        <dgm:cxn modelId="2" srcId="0" destId="1" srcOrd="0" destOrd="0"/>
+        <dgm:cxn modelId="3" srcId="1" destId="11" srcOrd="0" destOrd="0"/>
+        <dgm:cxn modelId="4" srcId="1" destId="12" srcOrd="1" destOrd="0"/>
+        <dgm:cxn modelId="5" srcId="1" destId="13" srcOrd="2" destOrd="0"/>
+      </dgm:cxnLst>
+      <dgm:bg/>
+      <dgm:whole/>
+    </dgm:dataModel>
+  </dgm:sampData>
+  <dgm:styleData>
+    <dgm:dataModel>
+      <dgm:ptLst>
+        <dgm:pt modelId="0" type="doc"/>
+        <dgm:pt modelId="1">
+          <dgm:prSet phldr="1"/>
+        </dgm:pt>
+        <dgm:pt modelId="11">
+          <dgm:prSet phldr="1"/>
+        </dgm:pt>
+        <dgm:pt modelId="12">
+          <dgm:prSet phldr="1"/>
+        </dgm:pt>
+      </dgm:ptLst>
+      <dgm:cxnLst>
+        <dgm:cxn modelId="2" srcId="0" destId="1" srcOrd="0" destOrd="0"/>
+        <dgm:cxn modelId="3" srcId="1" destId="11" srcOrd="0" destOrd="0"/>
+        <dgm:cxn modelId="4" srcId="1" destId="12" srcOrd="1" destOrd="0"/>
+      </dgm:cxnLst>
+      <dgm:bg/>
+      <dgm:whole/>
+    </dgm:dataModel>
+  </dgm:styleData>
+  <dgm:clrData>
+    <dgm:dataModel>
+      <dgm:ptLst>
+        <dgm:pt modelId="0" type="doc"/>
+        <dgm:pt modelId="1">
+          <dgm:prSet phldr="1"/>
+        </dgm:pt>
+        <dgm:pt modelId="11">
+          <dgm:prSet phldr="1"/>
+        </dgm:pt>
+        <dgm:pt modelId="12">
+          <dgm:prSet phldr="1"/>
+        </dgm:pt>
+      </dgm:ptLst>
+      <dgm:cxnLst>
+        <dgm:cxn modelId="2" srcId="0" destId="1" srcOrd="0" destOrd="0"/>
+        <dgm:cxn modelId="3" srcId="1" destId="11" srcOrd="0" destOrd="0"/>
+        <dgm:cxn modelId="4" srcId="1" destId="12" srcOrd="1" destOrd="0"/>
+      </dgm:cxnLst>
+      <dgm:bg/>
+      <dgm:whole/>
+    </dgm:dataModel>
+  </dgm:clrData>
+  <dgm:layoutNode name="vert0">
+    <dgm:varLst>
+      <dgm:dir/>
+      <dgm:animOne val="branch"/>
+      <dgm:animLvl val="lvl"/>
+    </dgm:varLst>
+    <dgm:choose name="Name0">
+      <dgm:if name="Name1" func="var" arg="dir" op="equ" val="norm">
+        <dgm:alg type="lin">
+          <dgm:param type="linDir" val="fromT"/>
+          <dgm:param type="nodeHorzAlign" val="l"/>
+        </dgm:alg>
+      </dgm:if>
+      <dgm:else name="Name2">
+        <dgm:alg type="lin">
+          <dgm:param type="linDir" val="fromT"/>
+          <dgm:param type="nodeHorzAlign" val="r"/>
+        </dgm:alg>
+      </dgm:else>
+    </dgm:choose>
+    <dgm:shape xmlns:r="http://schemas.openxmlformats.org/officeDocument/2006/relationships" r:blip="">
+      <dgm:adjLst/>
+    </dgm:shape>
+    <dgm:presOf/>
+    <dgm:constrLst>
+      <dgm:constr type="w" for="ch" forName="horz1" refType="w"/>
+      <dgm:constr type="h" for="ch" forName="horz1" refType="h"/>
+      <dgm:constr type="h" for="des" forName="vert1" refType="h"/>
+      <dgm:constr type="h" for="des" forName="tx1" refType="h"/>
+      <dgm:constr type="h" for="des" forName="horz2" refType="h"/>
+      <dgm:constr type="h" for="des" forName="vert2" refType="h"/>
+      <dgm:constr type="h" for="des" forName="horz3" refType="h"/>
+      <dgm:constr type="h" for="des" forName="vert3" refType="h"/>
+      <dgm:constr type="h" for="des" forName="horz4" refType="h"/>
+      <dgm:constr type="h" for="des" ptType="node" refType="h"/>
+      <dgm:constr type="primFontSz" for="des" forName="tx1" op="equ" val="65"/>
+      <dgm:constr type="primFontSz" for="des" forName="tx2" op="equ" val="65"/>
+      <dgm:constr type="primFontSz" for="des" forName="tx3" op="equ" val="65"/>
+      <dgm:constr type="primFontSz" for="des" forName="tx4" op="equ" val="65"/>
+      <dgm:constr type="w" for="des" forName="thickLine" refType="w"/>
+      <dgm:constr type="h" for="des" forName="thickLine"/>
+      <dgm:constr type="h" for="des" forName="thinLine1"/>
+      <dgm:constr type="h" for="des" forName="thinLine2b"/>
+      <dgm:constr type="h" for="des" forName="thinLine3"/>
+      <dgm:constr type="h" for="des" forName="vertSpace2a" refType="h" fact="0.05"/>
+      <dgm:constr type="h" for="des" forName="vertSpace2b" refType="h" refFor="des" refForName="vertSpace2a"/>
+    </dgm:constrLst>
+    <dgm:forEach name="Name3" axis="ch" ptType="node">
+      <dgm:layoutNode name="thickLine" styleLbl="alignNode1">
+        <dgm:alg type="sp"/>
+        <dgm:shape xmlns:r="http://schemas.openxmlformats.org/officeDocument/2006/relationships" type="line" r:blip="">
+          <dgm:adjLst/>
+        </dgm:shape>
+        <dgm:presOf/>
+      </dgm:layoutNode>
+      <dgm:layoutNode name="horz1">
+        <dgm:choose name="Name4">
+          <dgm:if name="Name5" func="var" arg="dir" op="equ" val="norm">
+            <dgm:alg type="lin">
+              <dgm:param type="linDir" val="fromL"/>
+              <dgm:param type="nodeVertAlign" val="t"/>
+            </dgm:alg>
+          </dgm:if>
+          <dgm:else name="Name6">
+            <dgm:alg type="lin">
+              <dgm:param type="linDir" val="fromR"/>
+              <dgm:param type="nodeVertAlign" val="t"/>
+            </dgm:alg>
+          </dgm:else>
+        </dgm:choose>
+        <dgm:shape xmlns:r="http://schemas.openxmlformats.org/officeDocument/2006/relationships" r:blip="">
+          <dgm:adjLst/>
+        </dgm:shape>
+        <dgm:presOf/>
+        <dgm:choose name="Name7">
+          <dgm:if name="Name8" axis="root des" func="maxDepth" op="equ" val="1">
+            <dgm:constrLst>
+              <dgm:constr type="w" for="ch" forName="tx1" refType="w"/>
+            </dgm:constrLst>
+          </dgm:if>
+          <dgm:if name="Name9" axis="root des" func="maxDepth" op="equ" val="2">
+            <dgm:constrLst>
+              <dgm:constr type="w" for="ch" forName="tx1" refType="w" fact="0.2"/>
+              <dgm:constr type="w" for="des" forName="tx2" refType="w" fact="0.785"/>
+              <dgm:constr type="w" for="des" forName="horzSpace2" refType="w" fact="0.015"/>
+              <dgm:constr type="w" for="des" forName="thinLine2b" refType="w" fact="0.8"/>
+            </dgm:constrLst>
+          </dgm:if>
+          <dgm:if name="Name10" axis="root des" func="maxDepth" op="equ" val="3">
+            <dgm:constrLst>
+              <dgm:constr type="w" for="ch" forName="tx1" refType="w" fact="0.2"/>
+              <dgm:constr type="w" for="des" forName="tx2" refType="w" fact="0.385"/>
+              <dgm:constr type="w" for="des" forName="tx3" refType="w" fact="0.385"/>
+              <dgm:constr type="w" for="des" forName="horzSpace2" refType="w" fact="0.015"/>
+              <dgm:constr type="w" for="des" forName="horzSpace3" refType="w" fact="0.015"/>
+              <dgm:constr type="w" for="des" forName="thinLine2b" refType="w" fact="0.8"/>
+              <dgm:constr type="w" for="des" forName="thinLine3" refType="w" fact="0.385"/>
+            </dgm:constrLst>
+          </dgm:if>
+          <dgm:if name="Name11" axis="root des" func="maxDepth" op="gte" val="4">
+            <dgm:constrLst>
+              <dgm:constr type="w" for="ch" forName="tx1" refType="w" fact="0.2"/>
+              <dgm:constr type="w" for="des" forName="tx2" refType="w" fact="0.2516"/>
+              <dgm:constr type="w" for="des" forName="tx3" refType="w" fact="0.2516"/>
+              <dgm:constr type="w" for="des" forName="tx4" refType="w" fact="0.2516"/>
+              <dgm:constr type="w" for="des" forName="horzSpace2" refType="w" fact="0.015"/>
+              <dgm:constr type="w" for="des" forName="horzSpace3" refType="w" fact="0.015"/>
+              <dgm:constr type="w" for="des" forName="horzSpace4" refType="w" fact="0.015"/>
+              <dgm:constr type="w" for="des" forName="thinLine2b" refType="w" fact="0.8"/>
+              <dgm:constr type="w" for="des" forName="thinLine3" refType="w" fact="0.5332"/>
+            </dgm:constrLst>
+          </dgm:if>
+          <dgm:else name="Name12"/>
+        </dgm:choose>
+        <dgm:layoutNode name="tx1" styleLbl="revTx">
+          <dgm:alg type="tx">
+            <dgm:param type="parTxLTRAlign" val="l"/>
+            <dgm:param type="parTxRTLAlign" val="r"/>
+            <dgm:param type="txAnchorVert" val="t"/>
+          </dgm:alg>
+          <dgm:shape xmlns:r="http://schemas.openxmlformats.org/officeDocument/2006/relationships" type="rect" r:blip="">
+            <dgm:adjLst/>
+          </dgm:shape>
+          <dgm:presOf axis="self"/>
+          <dgm:constrLst>
+            <dgm:constr type="tMarg" refType="primFontSz" fact="0.3"/>
+            <dgm:constr type="bMarg" refType="primFontSz" fact="0.3"/>
+            <dgm:constr type="lMarg" refType="primFontSz" fact="0.3"/>
+            <dgm:constr type="rMarg" refType="primFontSz" fact="0.3"/>
+          </dgm:constrLst>
+          <dgm:ruleLst>
+            <dgm:rule type="primFontSz" val="5" fact="NaN" max="NaN"/>
+          </dgm:ruleLst>
+        </dgm:layoutNode>
+        <dgm:layoutNode name="vert1">
+          <dgm:choose name="Name13">
+            <dgm:if name="Name14" func="var" arg="dir" op="equ" val="norm">
+              <dgm:alg type="lin">
+                <dgm:param type="linDir" val="fromT"/>
+                <dgm:param type="nodeHorzAlign" val="l"/>
+              </dgm:alg>
+            </dgm:if>
+            <dgm:else name="Name15">
+              <dgm:alg type="lin">
+                <dgm:param type="linDir" val="fromT"/>
+                <dgm:param type="nodeHorzAlign" val="r"/>
+              </dgm:alg>
+            </dgm:else>
+          </dgm:choose>
+          <dgm:shape xmlns:r="http://schemas.openxmlformats.org/officeDocument/2006/relationships" r:blip="">
+            <dgm:adjLst/>
+          </dgm:shape>
+          <dgm:presOf/>
+          <dgm:forEach name="Name16" axis="ch" ptType="node">
+            <dgm:choose name="Name17">
+              <dgm:if name="Name18" axis="self" ptType="node" func="pos" op="equ" val="1">
+                <dgm:layoutNode name="vertSpace2a">
+                  <dgm:alg type="sp"/>
+                  <dgm:shape xmlns:r="http://schemas.openxmlformats.org/officeDocument/2006/relationships" r:blip="">
+                    <dgm:adjLst/>
+                  </dgm:shape>
+                  <dgm:presOf/>
+                </dgm:layoutNode>
+              </dgm:if>
+              <dgm:else name="Name19"/>
+            </dgm:choose>
+            <dgm:layoutNode name="horz2">
+              <dgm:choose name="Name20">
+                <dgm:if name="Name21" func="var" arg="dir" op="equ" val="norm">
+                  <dgm:alg type="lin">
+                    <dgm:param type="linDir" val="fromL"/>
+                    <dgm:param type="nodeVertAlign" val="t"/>
+                  </dgm:alg>
+                </dgm:if>
+                <dgm:else name="Name22">
+                  <dgm:alg type="lin">
+                    <dgm:param type="linDir" val="fromR"/>
+                    <dgm:param type="nodeVertAlign" val="t"/>
+                  </dgm:alg>
+                </dgm:else>
+              </dgm:choose>
+              <dgm:shape xmlns:r="http://schemas.openxmlformats.org/officeDocument/2006/relationships" r:blip="">
+                <dgm:adjLst/>
+              </dgm:shape>
+              <dgm:presOf/>
+              <dgm:layoutNode name="horzSpace2">
+                <dgm:alg type="sp"/>
+                <dgm:shape xmlns:r="http://schemas.openxmlformats.org/officeDocument/2006/relationships" r:blip="">
+                  <dgm:adjLst/>
+                </dgm:shape>
+                <dgm:presOf/>
+              </dgm:layoutNode>
+              <dgm:layoutNode name="tx2" styleLbl="revTx">
+                <dgm:alg type="tx">
+                  <dgm:param type="parTxLTRAlign" val="l"/>
+                  <dgm:param type="parTxRTLAlign" val="r"/>
+                  <dgm:param type="txAnchorVert" val="t"/>
+                </dgm:alg>
+                <dgm:shape xmlns:r="http://schemas.openxmlformats.org/officeDocument/2006/relationships" type="rect" r:blip="">
+                  <dgm:adjLst/>
+                </dgm:shape>
+                <dgm:presOf axis="self"/>
+                <dgm:constrLst>
+                  <dgm:constr type="tMarg" refType="primFontSz" fact="0.3"/>
+                  <dgm:constr type="bMarg" refType="primFontSz" fact="0.3"/>
+                  <dgm:constr type="lMarg" refType="primFontSz" fact="0.3"/>
+                  <dgm:constr type="rMarg" refType="primFontSz" fact="0.3"/>
+                </dgm:constrLst>
+                <dgm:ruleLst>
+                  <dgm:rule type="primFontSz" val="5" fact="NaN" max="NaN"/>
+                </dgm:ruleLst>
+              </dgm:layoutNode>
+              <dgm:layoutNode name="vert2">
+                <dgm:choose name="Name23">
+                  <dgm:if name="Name24" func="var" arg="dir" op="equ" val="norm">
+                    <dgm:alg type="lin">
+                      <dgm:param type="linDir" val="fromT"/>
+                      <dgm:param type="nodeHorzAlign" val="l"/>
+                    </dgm:alg>
+                  </dgm:if>
+                  <dgm:else name="Name25">
+                    <dgm:alg type="lin">
+                      <dgm:param type="linDir" val="fromT"/>
+                      <dgm:param type="nodeHorzAlign" val="r"/>
+                    </dgm:alg>
+                  </dgm:else>
+                </dgm:choose>
+                <dgm:shape xmlns:r="http://schemas.openxmlformats.org/officeDocument/2006/relationships" r:blip="">
+                  <dgm:adjLst/>
+                </dgm:shape>
+                <dgm:presOf/>
+                <dgm:forEach name="Name26" axis="ch" ptType="node">
+                  <dgm:layoutNode name="horz3">
+                    <dgm:choose name="Name27">
+                      <dgm:if name="Name28" func="var" arg="dir" op="equ" val="norm">
+                        <dgm:alg type="lin">
+                          <dgm:param type="linDir" val="fromL"/>
+                          <dgm:param type="nodeVertAlign" val="t"/>
+                        </dgm:alg>
+                      </dgm:if>
+                      <dgm:else name="Name29">
+                        <dgm:alg type="lin">
+                          <dgm:param type="linDir" val="fromR"/>
+                          <dgm:param type="nodeVertAlign" val="t"/>
+                        </dgm:alg>
+                      </dgm:else>
+                    </dgm:choose>
+                    <dgm:shape xmlns:r="http://schemas.openxmlformats.org/officeDocument/2006/relationships" r:blip="">
+                      <dgm:adjLst/>
+                    </dgm:shape>
+                    <dgm:presOf/>
+                    <dgm:layoutNode name="horzSpace3">
+                      <dgm:alg type="sp"/>
+                      <dgm:shape xmlns:r="http://schemas.openxmlformats.org/officeDocument/2006/relationships" r:blip="">
+                        <dgm:adjLst/>
+                      </dgm:shape>
+                      <dgm:presOf/>
+                    </dgm:layoutNode>
+                    <dgm:layoutNode name="tx3" styleLbl="revTx">
+                      <dgm:alg type="tx">
+                        <dgm:param type="parTxLTRAlign" val="l"/>
+                        <dgm:param type="parTxRTLAlign" val="r"/>
+                        <dgm:param type="txAnchorVert" val="t"/>
+                      </dgm:alg>
+                      <dgm:shape xmlns:r="http://schemas.openxmlformats.org/officeDocument/2006/relationships" type="rect" r:blip="">
+                        <dgm:adjLst/>
+                      </dgm:shape>
+                      <dgm:presOf axis="self"/>
+                      <dgm:constrLst>
+                        <dgm:constr type="tMarg" refType="primFontSz" fact="0.3"/>
+                        <dgm:constr type="bMarg" refType="primFontSz" fact="0.3"/>
+                        <dgm:constr type="lMarg" refType="primFontSz" fact="0.3"/>
+                        <dgm:constr type="rMarg" refType="primFontSz" fact="0.3"/>
+                      </dgm:constrLst>
+                      <dgm:ruleLst>
+                        <dgm:rule type="primFontSz" val="5" fact="NaN" max="NaN"/>
+                      </dgm:ruleLst>
+                    </dgm:layoutNode>
+                    <dgm:layoutNode name="vert3">
+                      <dgm:choose name="Name30">
+                        <dgm:if name="Name31" func="var" arg="dir" op="equ" val="norm">
+                          <dgm:alg type="lin">
+                            <dgm:param type="linDir" val="fromT"/>
+                            <dgm:param type="nodeHorzAlign" val="l"/>
+                          </dgm:alg>
+                        </dgm:if>
+                        <dgm:else name="Name32">
+                          <dgm:alg type="lin">
+                            <dgm:param type="linDir" val="fromT"/>
+                            <dgm:param type="nodeHorzAlign" val="r"/>
+                          </dgm:alg>
+                        </dgm:else>
+                      </dgm:choose>
+                      <dgm:shape xmlns:r="http://schemas.openxmlformats.org/officeDocument/2006/relationships" r:blip="">
+                        <dgm:adjLst/>
+                      </dgm:shape>
+                      <dgm:presOf/>
+                      <dgm:forEach name="Name33" axis="ch" ptType="node">
+                        <dgm:layoutNode name="horz4">
+                          <dgm:choose name="Name34">
+                            <dgm:if name="Name35" func="var" arg="dir" op="equ" val="norm">
+                              <dgm:alg type="lin">
+                                <dgm:param type="linDir" val="fromL"/>
+                                <dgm:param type="nodeVertAlign" val="t"/>
+                              </dgm:alg>
+                            </dgm:if>
+                            <dgm:else name="Name36">
+                              <dgm:alg type="lin">
+                                <dgm:param type="linDir" val="fromR"/>
+                                <dgm:param type="nodeVertAlign" val="t"/>
+                              </dgm:alg>
+                            </dgm:else>
+                          </dgm:choose>
+                          <dgm:shape xmlns:r="http://schemas.openxmlformats.org/officeDocument/2006/relationships" r:blip="">
+                            <dgm:adjLst/>
+                          </dgm:shape>
+                          <dgm:presOf/>
+                          <dgm:layoutNode name="horzSpace4">
+                            <dgm:alg type="sp"/>
+                            <dgm:shape xmlns:r="http://schemas.openxmlformats.org/officeDocument/2006/relationships" r:blip="">
+                              <dgm:adjLst/>
+                            </dgm:shape>
+                            <dgm:presOf/>
+                          </dgm:layoutNode>
+                          <dgm:layoutNode name="tx4" styleLbl="revTx">
+                            <dgm:varLst>
+                              <dgm:bulletEnabled val="1"/>
+                            </dgm:varLst>
+                            <dgm:alg type="tx">
+                              <dgm:param type="parTxLTRAlign" val="l"/>
+                              <dgm:param type="parTxRTLAlign" val="r"/>
+                              <dgm:param type="txAnchorVert" val="t"/>
+                            </dgm:alg>
+                            <dgm:shape xmlns:r="http://schemas.openxmlformats.org/officeDocument/2006/relationships" type="rect" r:blip="">
+                              <dgm:adjLst/>
+                            </dgm:shape>
+                            <dgm:presOf axis="desOrSelf" ptType="node"/>
+                            <dgm:constrLst>
+                              <dgm:constr type="tMarg" refType="primFontSz" fact="0.3"/>
+                              <dgm:constr type="bMarg" refType="primFontSz" fact="0.3"/>
+                              <dgm:constr type="lMarg" refType="primFontSz" fact="0.3"/>
+                              <dgm:constr type="rMarg" refType="primFontSz" fact="0.3"/>
+                            </dgm:constrLst>
+                            <dgm:ruleLst>
+                              <dgm:rule type="primFontSz" val="5" fact="NaN" max="NaN"/>
+                            </dgm:ruleLst>
+                          </dgm:layoutNode>
+                        </dgm:layoutNode>
+                      </dgm:forEach>
+                    </dgm:layoutNode>
+                  </dgm:layoutNode>
+                  <dgm:forEach name="Name37" axis="followSib" ptType="sibTrans" cnt="1">
+                    <dgm:layoutNode name="thinLine3" styleLbl="callout">
+                      <dgm:alg type="sp"/>
+                      <dgm:shape xmlns:r="http://schemas.openxmlformats.org/officeDocument/2006/relationships" type="line" r:blip="">
+                        <dgm:adjLst/>
+                      </dgm:shape>
+                      <dgm:presOf/>
+                    </dgm:layoutNode>
+                  </dgm:forEach>
+                </dgm:forEach>
+              </dgm:layoutNode>
+            </dgm:layoutNode>
+            <dgm:layoutNode name="thinLine2b" styleLbl="callout">
+              <dgm:alg type="sp"/>
+              <dgm:shape xmlns:r="http://schemas.openxmlformats.org/officeDocument/2006/relationships" type="line" r:blip="">
+                <dgm:adjLst/>
+              </dgm:shape>
+              <dgm:presOf/>
+            </dgm:layoutNode>
+            <dgm:layoutNode name="vertSpace2b">
+              <dgm:alg type="sp"/>
+              <dgm:shape xmlns:r="http://schemas.openxmlformats.org/officeDocument/2006/relationships" r:blip="">
+                <dgm:adjLst/>
+              </dgm:shape>
+              <dgm:presOf/>
+            </dgm:layoutNode>
+          </dgm:forEach>
+        </dgm:layoutNode>
+      </dgm:layoutNode>
+    </dgm:forEach>
+  </dgm:layoutNode>
+</dgm:layoutDef>
+</file>
+
 <file path=ppt/diagrams/quickStyle1.xml><?xml version="1.0" encoding="utf-8"?>
 <dgm:styleDef xmlns:dgm="http://schemas.openxmlformats.org/drawingml/2006/diagram" xmlns:a="http://schemas.openxmlformats.org/drawingml/2006/main" uniqueId="urn:microsoft.com/office/officeart/2005/8/quickstyle/simple1">
   <dgm:title val=""/>
@@ -18910,6 +20679,1040 @@
 </file>
 
 <file path=ppt/diagrams/quickStyle7.xml><?xml version="1.0" encoding="utf-8"?>
+<dgm:styleDef xmlns:dgm="http://schemas.openxmlformats.org/drawingml/2006/diagram" xmlns:a="http://schemas.openxmlformats.org/drawingml/2006/main" uniqueId="urn:microsoft.com/office/officeart/2005/8/quickstyle/simple1">
+  <dgm:title val=""/>
+  <dgm:desc val=""/>
+  <dgm:catLst>
+    <dgm:cat type="simple" pri="10100"/>
+  </dgm:catLst>
+  <dgm:scene3d>
+    <a:camera prst="orthographicFront"/>
+    <a:lightRig rig="threePt" dir="t"/>
+  </dgm:scene3d>
+  <dgm:styleLbl name="node0">
+    <dgm:scene3d>
+      <a:camera prst="orthographicFront"/>
+      <a:lightRig rig="threePt" dir="t"/>
+    </dgm:scene3d>
+    <dgm:sp3d/>
+    <dgm:txPr/>
+    <dgm:style>
+      <a:lnRef idx="2">
+        <a:scrgbClr r="0" g="0" b="0"/>
+      </a:lnRef>
+      <a:fillRef idx="1">
+        <a:scrgbClr r="0" g="0" b="0"/>
+      </a:fillRef>
+      <a:effectRef idx="0">
+        <a:scrgbClr r="0" g="0" b="0"/>
+      </a:effectRef>
+      <a:fontRef idx="minor">
+        <a:schemeClr val="lt1"/>
+      </a:fontRef>
+    </dgm:style>
+  </dgm:styleLbl>
+  <dgm:styleLbl name="lnNode1">
+    <dgm:scene3d>
+      <a:camera prst="orthographicFront"/>
+      <a:lightRig rig="threePt" dir="t"/>
+    </dgm:scene3d>
+    <dgm:sp3d/>
+    <dgm:txPr/>
+    <dgm:style>
+      <a:lnRef idx="2">
+        <a:scrgbClr r="0" g="0" b="0"/>
+      </a:lnRef>
+      <a:fillRef idx="1">
+        <a:scrgbClr r="0" g="0" b="0"/>
+      </a:fillRef>
+      <a:effectRef idx="0">
+        <a:scrgbClr r="0" g="0" b="0"/>
+      </a:effectRef>
+      <a:fontRef idx="minor">
+        <a:schemeClr val="lt1"/>
+      </a:fontRef>
+    </dgm:style>
+  </dgm:styleLbl>
+  <dgm:styleLbl name="vennNode1">
+    <dgm:scene3d>
+      <a:camera prst="orthographicFront"/>
+      <a:lightRig rig="threePt" dir="t"/>
+    </dgm:scene3d>
+    <dgm:sp3d/>
+    <dgm:txPr/>
+    <dgm:style>
+      <a:lnRef idx="2">
+        <a:scrgbClr r="0" g="0" b="0"/>
+      </a:lnRef>
+      <a:fillRef idx="1">
+        <a:scrgbClr r="0" g="0" b="0"/>
+      </a:fillRef>
+      <a:effectRef idx="0">
+        <a:scrgbClr r="0" g="0" b="0"/>
+      </a:effectRef>
+      <a:fontRef idx="minor">
+        <a:schemeClr val="tx1"/>
+      </a:fontRef>
+    </dgm:style>
+  </dgm:styleLbl>
+  <dgm:styleLbl name="alignNode1">
+    <dgm:scene3d>
+      <a:camera prst="orthographicFront"/>
+      <a:lightRig rig="threePt" dir="t"/>
+    </dgm:scene3d>
+    <dgm:sp3d/>
+    <dgm:txPr/>
+    <dgm:style>
+      <a:lnRef idx="2">
+        <a:scrgbClr r="0" g="0" b="0"/>
+      </a:lnRef>
+      <a:fillRef idx="1">
+        <a:scrgbClr r="0" g="0" b="0"/>
+      </a:fillRef>
+      <a:effectRef idx="0">
+        <a:scrgbClr r="0" g="0" b="0"/>
+      </a:effectRef>
+      <a:fontRef idx="minor">
+        <a:schemeClr val="lt1"/>
+      </a:fontRef>
+    </dgm:style>
+  </dgm:styleLbl>
+  <dgm:styleLbl name="node1">
+    <dgm:scene3d>
+      <a:camera prst="orthographicFront"/>
+      <a:lightRig rig="threePt" dir="t"/>
+    </dgm:scene3d>
+    <dgm:sp3d/>
+    <dgm:txPr/>
+    <dgm:style>
+      <a:lnRef idx="2">
+        <a:scrgbClr r="0" g="0" b="0"/>
+      </a:lnRef>
+      <a:fillRef idx="1">
+        <a:scrgbClr r="0" g="0" b="0"/>
+      </a:fillRef>
+      <a:effectRef idx="0">
+        <a:scrgbClr r="0" g="0" b="0"/>
+      </a:effectRef>
+      <a:fontRef idx="minor">
+        <a:schemeClr val="lt1"/>
+      </a:fontRef>
+    </dgm:style>
+  </dgm:styleLbl>
+  <dgm:styleLbl name="node2">
+    <dgm:scene3d>
+      <a:camera prst="orthographicFront"/>
+      <a:lightRig rig="threePt" dir="t"/>
+    </dgm:scene3d>
+    <dgm:sp3d/>
+    <dgm:txPr/>
+    <dgm:style>
+      <a:lnRef idx="2">
+        <a:scrgbClr r="0" g="0" b="0"/>
+      </a:lnRef>
+      <a:fillRef idx="1">
+        <a:scrgbClr r="0" g="0" b="0"/>
+      </a:fillRef>
+      <a:effectRef idx="0">
+        <a:scrgbClr r="0" g="0" b="0"/>
+      </a:effectRef>
+      <a:fontRef idx="minor">
+        <a:schemeClr val="lt1"/>
+      </a:fontRef>
+    </dgm:style>
+  </dgm:styleLbl>
+  <dgm:styleLbl name="node3">
+    <dgm:scene3d>
+      <a:camera prst="orthographicFront"/>
+      <a:lightRig rig="threePt" dir="t"/>
+    </dgm:scene3d>
+    <dgm:sp3d/>
+    <dgm:txPr/>
+    <dgm:style>
+      <a:lnRef idx="2">
+        <a:scrgbClr r="0" g="0" b="0"/>
+      </a:lnRef>
+      <a:fillRef idx="1">
+        <a:scrgbClr r="0" g="0" b="0"/>
+      </a:fillRef>
+      <a:effectRef idx="0">
+        <a:scrgbClr r="0" g="0" b="0"/>
+      </a:effectRef>
+      <a:fontRef idx="minor">
+        <a:schemeClr val="lt1"/>
+      </a:fontRef>
+    </dgm:style>
+  </dgm:styleLbl>
+  <dgm:styleLbl name="node4">
+    <dgm:scene3d>
+      <a:camera prst="orthographicFront"/>
+      <a:lightRig rig="threePt" dir="t"/>
+    </dgm:scene3d>
+    <dgm:sp3d/>
+    <dgm:txPr/>
+    <dgm:style>
+      <a:lnRef idx="2">
+        <a:scrgbClr r="0" g="0" b="0"/>
+      </a:lnRef>
+      <a:fillRef idx="1">
+        <a:scrgbClr r="0" g="0" b="0"/>
+      </a:fillRef>
+      <a:effectRef idx="0">
+        <a:scrgbClr r="0" g="0" b="0"/>
+      </a:effectRef>
+      <a:fontRef idx="minor">
+        <a:schemeClr val="lt1"/>
+      </a:fontRef>
+    </dgm:style>
+  </dgm:styleLbl>
+  <dgm:styleLbl name="fgImgPlace1">
+    <dgm:scene3d>
+      <a:camera prst="orthographicFront"/>
+      <a:lightRig rig="threePt" dir="t"/>
+    </dgm:scene3d>
+    <dgm:sp3d/>
+    <dgm:txPr/>
+    <dgm:style>
+      <a:lnRef idx="2">
+        <a:scrgbClr r="0" g="0" b="0"/>
+      </a:lnRef>
+      <a:fillRef idx="1">
+        <a:scrgbClr r="0" g="0" b="0"/>
+      </a:fillRef>
+      <a:effectRef idx="0">
+        <a:scrgbClr r="0" g="0" b="0"/>
+      </a:effectRef>
+      <a:fontRef idx="minor"/>
+    </dgm:style>
+  </dgm:styleLbl>
+  <dgm:styleLbl name="alignImgPlace1">
+    <dgm:scene3d>
+      <a:camera prst="orthographicFront"/>
+      <a:lightRig rig="threePt" dir="t"/>
+    </dgm:scene3d>
+    <dgm:sp3d/>
+    <dgm:txPr/>
+    <dgm:style>
+      <a:lnRef idx="2">
+        <a:scrgbClr r="0" g="0" b="0"/>
+      </a:lnRef>
+      <a:fillRef idx="1">
+        <a:scrgbClr r="0" g="0" b="0"/>
+      </a:fillRef>
+      <a:effectRef idx="0">
+        <a:scrgbClr r="0" g="0" b="0"/>
+      </a:effectRef>
+      <a:fontRef idx="minor"/>
+    </dgm:style>
+  </dgm:styleLbl>
+  <dgm:styleLbl name="bgImgPlace1">
+    <dgm:scene3d>
+      <a:camera prst="orthographicFront"/>
+      <a:lightRig rig="threePt" dir="t"/>
+    </dgm:scene3d>
+    <dgm:sp3d/>
+    <dgm:txPr/>
+    <dgm:style>
+      <a:lnRef idx="2">
+        <a:scrgbClr r="0" g="0" b="0"/>
+      </a:lnRef>
+      <a:fillRef idx="1">
+        <a:scrgbClr r="0" g="0" b="0"/>
+      </a:fillRef>
+      <a:effectRef idx="0">
+        <a:scrgbClr r="0" g="0" b="0"/>
+      </a:effectRef>
+      <a:fontRef idx="minor"/>
+    </dgm:style>
+  </dgm:styleLbl>
+  <dgm:styleLbl name="sibTrans2D1">
+    <dgm:scene3d>
+      <a:camera prst="orthographicFront"/>
+      <a:lightRig rig="threePt" dir="t"/>
+    </dgm:scene3d>
+    <dgm:sp3d/>
+    <dgm:txPr/>
+    <dgm:style>
+      <a:lnRef idx="0">
+        <a:scrgbClr r="0" g="0" b="0"/>
+      </a:lnRef>
+      <a:fillRef idx="1">
+        <a:scrgbClr r="0" g="0" b="0"/>
+      </a:fillRef>
+      <a:effectRef idx="0">
+        <a:scrgbClr r="0" g="0" b="0"/>
+      </a:effectRef>
+      <a:fontRef idx="minor">
+        <a:schemeClr val="lt1"/>
+      </a:fontRef>
+    </dgm:style>
+  </dgm:styleLbl>
+  <dgm:styleLbl name="fgSibTrans2D1">
+    <dgm:scene3d>
+      <a:camera prst="orthographicFront"/>
+      <a:lightRig rig="threePt" dir="t"/>
+    </dgm:scene3d>
+    <dgm:sp3d/>
+    <dgm:txPr/>
+    <dgm:style>
+      <a:lnRef idx="0">
+        <a:scrgbClr r="0" g="0" b="0"/>
+      </a:lnRef>
+      <a:fillRef idx="1">
+        <a:scrgbClr r="0" g="0" b="0"/>
+      </a:fillRef>
+      <a:effectRef idx="0">
+        <a:scrgbClr r="0" g="0" b="0"/>
+      </a:effectRef>
+      <a:fontRef idx="minor">
+        <a:schemeClr val="lt1"/>
+      </a:fontRef>
+    </dgm:style>
+  </dgm:styleLbl>
+  <dgm:styleLbl name="bgSibTrans2D1">
+    <dgm:scene3d>
+      <a:camera prst="orthographicFront"/>
+      <a:lightRig rig="threePt" dir="t"/>
+    </dgm:scene3d>
+    <dgm:sp3d/>
+    <dgm:txPr/>
+    <dgm:style>
+      <a:lnRef idx="0">
+        <a:scrgbClr r="0" g="0" b="0"/>
+      </a:lnRef>
+      <a:fillRef idx="1">
+        <a:scrgbClr r="0" g="0" b="0"/>
+      </a:fillRef>
+      <a:effectRef idx="0">
+        <a:scrgbClr r="0" g="0" b="0"/>
+      </a:effectRef>
+      <a:fontRef idx="minor">
+        <a:schemeClr val="lt1"/>
+      </a:fontRef>
+    </dgm:style>
+  </dgm:styleLbl>
+  <dgm:styleLbl name="sibTrans1D1">
+    <dgm:scene3d>
+      <a:camera prst="orthographicFront"/>
+      <a:lightRig rig="threePt" dir="t"/>
+    </dgm:scene3d>
+    <dgm:sp3d/>
+    <dgm:txPr/>
+    <dgm:style>
+      <a:lnRef idx="1">
+        <a:scrgbClr r="0" g="0" b="0"/>
+      </a:lnRef>
+      <a:fillRef idx="0">
+        <a:scrgbClr r="0" g="0" b="0"/>
+      </a:fillRef>
+      <a:effectRef idx="0">
+        <a:scrgbClr r="0" g="0" b="0"/>
+      </a:effectRef>
+      <a:fontRef idx="minor"/>
+    </dgm:style>
+  </dgm:styleLbl>
+  <dgm:styleLbl name="callout">
+    <dgm:scene3d>
+      <a:camera prst="orthographicFront"/>
+      <a:lightRig rig="threePt" dir="t"/>
+    </dgm:scene3d>
+    <dgm:sp3d/>
+    <dgm:txPr/>
+    <dgm:style>
+      <a:lnRef idx="2">
+        <a:scrgbClr r="0" g="0" b="0"/>
+      </a:lnRef>
+      <a:fillRef idx="1">
+        <a:scrgbClr r="0" g="0" b="0"/>
+      </a:fillRef>
+      <a:effectRef idx="0">
+        <a:scrgbClr r="0" g="0" b="0"/>
+      </a:effectRef>
+      <a:fontRef idx="minor"/>
+    </dgm:style>
+  </dgm:styleLbl>
+  <dgm:styleLbl name="asst0">
+    <dgm:scene3d>
+      <a:camera prst="orthographicFront"/>
+      <a:lightRig rig="threePt" dir="t"/>
+    </dgm:scene3d>
+    <dgm:sp3d/>
+    <dgm:txPr/>
+    <dgm:style>
+      <a:lnRef idx="2">
+        <a:scrgbClr r="0" g="0" b="0"/>
+      </a:lnRef>
+      <a:fillRef idx="1">
+        <a:scrgbClr r="0" g="0" b="0"/>
+      </a:fillRef>
+      <a:effectRef idx="0">
+        <a:scrgbClr r="0" g="0" b="0"/>
+      </a:effectRef>
+      <a:fontRef idx="minor">
+        <a:schemeClr val="lt1"/>
+      </a:fontRef>
+    </dgm:style>
+  </dgm:styleLbl>
+  <dgm:styleLbl name="asst1">
+    <dgm:scene3d>
+      <a:camera prst="orthographicFront"/>
+      <a:lightRig rig="threePt" dir="t"/>
+    </dgm:scene3d>
+    <dgm:sp3d/>
+    <dgm:txPr/>
+    <dgm:style>
+      <a:lnRef idx="2">
+        <a:scrgbClr r="0" g="0" b="0"/>
+      </a:lnRef>
+      <a:fillRef idx="1">
+        <a:scrgbClr r="0" g="0" b="0"/>
+      </a:fillRef>
+      <a:effectRef idx="0">
+        <a:scrgbClr r="0" g="0" b="0"/>
+      </a:effectRef>
+      <a:fontRef idx="minor">
+        <a:schemeClr val="lt1"/>
+      </a:fontRef>
+    </dgm:style>
+  </dgm:styleLbl>
+  <dgm:styleLbl name="asst2">
+    <dgm:scene3d>
+      <a:camera prst="orthographicFront"/>
+      <a:lightRig rig="threePt" dir="t"/>
+    </dgm:scene3d>
+    <dgm:sp3d/>
+    <dgm:txPr/>
+    <dgm:style>
+      <a:lnRef idx="2">
+        <a:scrgbClr r="0" g="0" b="0"/>
+      </a:lnRef>
+      <a:fillRef idx="1">
+        <a:scrgbClr r="0" g="0" b="0"/>
+      </a:fillRef>
+      <a:effectRef idx="0">
+        <a:scrgbClr r="0" g="0" b="0"/>
+      </a:effectRef>
+      <a:fontRef idx="minor">
+        <a:schemeClr val="lt1"/>
+      </a:fontRef>
+    </dgm:style>
+  </dgm:styleLbl>
+  <dgm:styleLbl name="asst3">
+    <dgm:scene3d>
+      <a:camera prst="orthographicFront"/>
+      <a:lightRig rig="threePt" dir="t"/>
+    </dgm:scene3d>
+    <dgm:sp3d/>
+    <dgm:txPr/>
+    <dgm:style>
+      <a:lnRef idx="2">
+        <a:scrgbClr r="0" g="0" b="0"/>
+      </a:lnRef>
+      <a:fillRef idx="1">
+        <a:scrgbClr r="0" g="0" b="0"/>
+      </a:fillRef>
+      <a:effectRef idx="0">
+        <a:scrgbClr r="0" g="0" b="0"/>
+      </a:effectRef>
+      <a:fontRef idx="minor">
+        <a:schemeClr val="lt1"/>
+      </a:fontRef>
+    </dgm:style>
+  </dgm:styleLbl>
+  <dgm:styleLbl name="asst4">
+    <dgm:scene3d>
+      <a:camera prst="orthographicFront"/>
+      <a:lightRig rig="threePt" dir="t"/>
+    </dgm:scene3d>
+    <dgm:sp3d/>
+    <dgm:txPr/>
+    <dgm:style>
+      <a:lnRef idx="2">
+        <a:scrgbClr r="0" g="0" b="0"/>
+      </a:lnRef>
+      <a:fillRef idx="1">
+        <a:scrgbClr r="0" g="0" b="0"/>
+      </a:fillRef>
+      <a:effectRef idx="0">
+        <a:scrgbClr r="0" g="0" b="0"/>
+      </a:effectRef>
+      <a:fontRef idx="minor">
+        <a:schemeClr val="lt1"/>
+      </a:fontRef>
+    </dgm:style>
+  </dgm:styleLbl>
+  <dgm:styleLbl name="parChTrans2D1">
+    <dgm:scene3d>
+      <a:camera prst="orthographicFront"/>
+      <a:lightRig rig="threePt" dir="t"/>
+    </dgm:scene3d>
+    <dgm:sp3d/>
+    <dgm:txPr/>
+    <dgm:style>
+      <a:lnRef idx="2">
+        <a:scrgbClr r="0" g="0" b="0"/>
+      </a:lnRef>
+      <a:fillRef idx="1">
+        <a:scrgbClr r="0" g="0" b="0"/>
+      </a:fillRef>
+      <a:effectRef idx="0">
+        <a:scrgbClr r="0" g="0" b="0"/>
+      </a:effectRef>
+      <a:fontRef idx="minor">
+        <a:schemeClr val="lt1"/>
+      </a:fontRef>
+    </dgm:style>
+  </dgm:styleLbl>
+  <dgm:styleLbl name="parChTrans2D2">
+    <dgm:scene3d>
+      <a:camera prst="orthographicFront"/>
+      <a:lightRig rig="threePt" dir="t"/>
+    </dgm:scene3d>
+    <dgm:sp3d/>
+    <dgm:txPr/>
+    <dgm:style>
+      <a:lnRef idx="2">
+        <a:scrgbClr r="0" g="0" b="0"/>
+      </a:lnRef>
+      <a:fillRef idx="1">
+        <a:scrgbClr r="0" g="0" b="0"/>
+      </a:fillRef>
+      <a:effectRef idx="0">
+        <a:scrgbClr r="0" g="0" b="0"/>
+      </a:effectRef>
+      <a:fontRef idx="minor">
+        <a:schemeClr val="lt1"/>
+      </a:fontRef>
+    </dgm:style>
+  </dgm:styleLbl>
+  <dgm:styleLbl name="parChTrans2D3">
+    <dgm:scene3d>
+      <a:camera prst="orthographicFront"/>
+      <a:lightRig rig="threePt" dir="t"/>
+    </dgm:scene3d>
+    <dgm:sp3d/>
+    <dgm:txPr/>
+    <dgm:style>
+      <a:lnRef idx="2">
+        <a:scrgbClr r="0" g="0" b="0"/>
+      </a:lnRef>
+      <a:fillRef idx="1">
+        <a:scrgbClr r="0" g="0" b="0"/>
+      </a:fillRef>
+      <a:effectRef idx="0">
+        <a:scrgbClr r="0" g="0" b="0"/>
+      </a:effectRef>
+      <a:fontRef idx="minor">
+        <a:schemeClr val="lt1"/>
+      </a:fontRef>
+    </dgm:style>
+  </dgm:styleLbl>
+  <dgm:styleLbl name="parChTrans2D4">
+    <dgm:scene3d>
+      <a:camera prst="orthographicFront"/>
+      <a:lightRig rig="threePt" dir="t"/>
+    </dgm:scene3d>
+    <dgm:sp3d/>
+    <dgm:txPr/>
+    <dgm:style>
+      <a:lnRef idx="2">
+        <a:scrgbClr r="0" g="0" b="0"/>
+      </a:lnRef>
+      <a:fillRef idx="1">
+        <a:scrgbClr r="0" g="0" b="0"/>
+      </a:fillRef>
+      <a:effectRef idx="0">
+        <a:scrgbClr r="0" g="0" b="0"/>
+      </a:effectRef>
+      <a:fontRef idx="minor">
+        <a:schemeClr val="lt1"/>
+      </a:fontRef>
+    </dgm:style>
+  </dgm:styleLbl>
+  <dgm:styleLbl name="parChTrans1D1">
+    <dgm:scene3d>
+      <a:camera prst="orthographicFront"/>
+      <a:lightRig rig="threePt" dir="t"/>
+    </dgm:scene3d>
+    <dgm:sp3d/>
+    <dgm:txPr/>
+    <dgm:style>
+      <a:lnRef idx="2">
+        <a:scrgbClr r="0" g="0" b="0"/>
+      </a:lnRef>
+      <a:fillRef idx="0">
+        <a:scrgbClr r="0" g="0" b="0"/>
+      </a:fillRef>
+      <a:effectRef idx="0">
+        <a:scrgbClr r="0" g="0" b="0"/>
+      </a:effectRef>
+      <a:fontRef idx="minor"/>
+    </dgm:style>
+  </dgm:styleLbl>
+  <dgm:styleLbl name="parChTrans1D2">
+    <dgm:scene3d>
+      <a:camera prst="orthographicFront"/>
+      <a:lightRig rig="threePt" dir="t"/>
+    </dgm:scene3d>
+    <dgm:sp3d/>
+    <dgm:txPr/>
+    <dgm:style>
+      <a:lnRef idx="2">
+        <a:scrgbClr r="0" g="0" b="0"/>
+      </a:lnRef>
+      <a:fillRef idx="0">
+        <a:scrgbClr r="0" g="0" b="0"/>
+      </a:fillRef>
+      <a:effectRef idx="0">
+        <a:scrgbClr r="0" g="0" b="0"/>
+      </a:effectRef>
+      <a:fontRef idx="minor"/>
+    </dgm:style>
+  </dgm:styleLbl>
+  <dgm:styleLbl name="parChTrans1D3">
+    <dgm:scene3d>
+      <a:camera prst="orthographicFront"/>
+      <a:lightRig rig="threePt" dir="t"/>
+    </dgm:scene3d>
+    <dgm:sp3d/>
+    <dgm:txPr/>
+    <dgm:style>
+      <a:lnRef idx="2">
+        <a:scrgbClr r="0" g="0" b="0"/>
+      </a:lnRef>
+      <a:fillRef idx="0">
+        <a:scrgbClr r="0" g="0" b="0"/>
+      </a:fillRef>
+      <a:effectRef idx="0">
+        <a:scrgbClr r="0" g="0" b="0"/>
+      </a:effectRef>
+      <a:fontRef idx="minor"/>
+    </dgm:style>
+  </dgm:styleLbl>
+  <dgm:styleLbl name="parChTrans1D4">
+    <dgm:scene3d>
+      <a:camera prst="orthographicFront"/>
+      <a:lightRig rig="threePt" dir="t"/>
+    </dgm:scene3d>
+    <dgm:sp3d/>
+    <dgm:txPr/>
+    <dgm:style>
+      <a:lnRef idx="2">
+        <a:scrgbClr r="0" g="0" b="0"/>
+      </a:lnRef>
+      <a:fillRef idx="0">
+        <a:scrgbClr r="0" g="0" b="0"/>
+      </a:fillRef>
+      <a:effectRef idx="0">
+        <a:scrgbClr r="0" g="0" b="0"/>
+      </a:effectRef>
+      <a:fontRef idx="minor"/>
+    </dgm:style>
+  </dgm:styleLbl>
+  <dgm:styleLbl name="fgAcc1">
+    <dgm:scene3d>
+      <a:camera prst="orthographicFront"/>
+      <a:lightRig rig="threePt" dir="t"/>
+    </dgm:scene3d>
+    <dgm:sp3d/>
+    <dgm:txPr/>
+    <dgm:style>
+      <a:lnRef idx="2">
+        <a:scrgbClr r="0" g="0" b="0"/>
+      </a:lnRef>
+      <a:fillRef idx="1">
+        <a:scrgbClr r="0" g="0" b="0"/>
+      </a:fillRef>
+      <a:effectRef idx="0">
+        <a:scrgbClr r="0" g="0" b="0"/>
+      </a:effectRef>
+      <a:fontRef idx="minor"/>
+    </dgm:style>
+  </dgm:styleLbl>
+  <dgm:styleLbl name="conFgAcc1">
+    <dgm:scene3d>
+      <a:camera prst="orthographicFront"/>
+      <a:lightRig rig="threePt" dir="t"/>
+    </dgm:scene3d>
+    <dgm:sp3d/>
+    <dgm:txPr/>
+    <dgm:style>
+      <a:lnRef idx="2">
+        <a:scrgbClr r="0" g="0" b="0"/>
+      </a:lnRef>
+      <a:fillRef idx="1">
+        <a:scrgbClr r="0" g="0" b="0"/>
+      </a:fillRef>
+      <a:effectRef idx="0">
+        <a:scrgbClr r="0" g="0" b="0"/>
+      </a:effectRef>
+      <a:fontRef idx="minor"/>
+    </dgm:style>
+  </dgm:styleLbl>
+  <dgm:styleLbl name="alignAcc1">
+    <dgm:scene3d>
+      <a:camera prst="orthographicFront"/>
+      <a:lightRig rig="threePt" dir="t"/>
+    </dgm:scene3d>
+    <dgm:sp3d/>
+    <dgm:txPr/>
+    <dgm:style>
+      <a:lnRef idx="2">
+        <a:scrgbClr r="0" g="0" b="0"/>
+      </a:lnRef>
+      <a:fillRef idx="1">
+        <a:scrgbClr r="0" g="0" b="0"/>
+      </a:fillRef>
+      <a:effectRef idx="0">
+        <a:scrgbClr r="0" g="0" b="0"/>
+      </a:effectRef>
+      <a:fontRef idx="minor"/>
+    </dgm:style>
+  </dgm:styleLbl>
+  <dgm:styleLbl name="trAlignAcc1">
+    <dgm:scene3d>
+      <a:camera prst="orthographicFront"/>
+      <a:lightRig rig="threePt" dir="t"/>
+    </dgm:scene3d>
+    <dgm:sp3d/>
+    <dgm:txPr/>
+    <dgm:style>
+      <a:lnRef idx="1">
+        <a:scrgbClr r="0" g="0" b="0"/>
+      </a:lnRef>
+      <a:fillRef idx="1">
+        <a:scrgbClr r="0" g="0" b="0"/>
+      </a:fillRef>
+      <a:effectRef idx="0">
+        <a:scrgbClr r="0" g="0" b="0"/>
+      </a:effectRef>
+      <a:fontRef idx="minor"/>
+    </dgm:style>
+  </dgm:styleLbl>
+  <dgm:styleLbl name="bgAcc1">
+    <dgm:scene3d>
+      <a:camera prst="orthographicFront"/>
+      <a:lightRig rig="threePt" dir="t"/>
+    </dgm:scene3d>
+    <dgm:sp3d/>
+    <dgm:txPr/>
+    <dgm:style>
+      <a:lnRef idx="2">
+        <a:scrgbClr r="0" g="0" b="0"/>
+      </a:lnRef>
+      <a:fillRef idx="1">
+        <a:scrgbClr r="0" g="0" b="0"/>
+      </a:fillRef>
+      <a:effectRef idx="0">
+        <a:scrgbClr r="0" g="0" b="0"/>
+      </a:effectRef>
+      <a:fontRef idx="minor"/>
+    </dgm:style>
+  </dgm:styleLbl>
+  <dgm:styleLbl name="solidFgAcc1">
+    <dgm:scene3d>
+      <a:camera prst="orthographicFront"/>
+      <a:lightRig rig="threePt" dir="t"/>
+    </dgm:scene3d>
+    <dgm:sp3d/>
+    <dgm:txPr/>
+    <dgm:style>
+      <a:lnRef idx="2">
+        <a:scrgbClr r="0" g="0" b="0"/>
+      </a:lnRef>
+      <a:fillRef idx="1">
+        <a:scrgbClr r="0" g="0" b="0"/>
+      </a:fillRef>
+      <a:effectRef idx="0">
+        <a:scrgbClr r="0" g="0" b="0"/>
+      </a:effectRef>
+      <a:fontRef idx="minor"/>
+    </dgm:style>
+  </dgm:styleLbl>
+  <dgm:styleLbl name="solidAlignAcc1">
+    <dgm:scene3d>
+      <a:camera prst="orthographicFront"/>
+      <a:lightRig rig="threePt" dir="t"/>
+    </dgm:scene3d>
+    <dgm:sp3d/>
+    <dgm:txPr/>
+    <dgm:style>
+      <a:lnRef idx="2">
+        <a:scrgbClr r="0" g="0" b="0"/>
+      </a:lnRef>
+      <a:fillRef idx="1">
+        <a:scrgbClr r="0" g="0" b="0"/>
+      </a:fillRef>
+      <a:effectRef idx="0">
+        <a:scrgbClr r="0" g="0" b="0"/>
+      </a:effectRef>
+      <a:fontRef idx="minor"/>
+    </dgm:style>
+  </dgm:styleLbl>
+  <dgm:styleLbl name="solidBgAcc1">
+    <dgm:scene3d>
+      <a:camera prst="orthographicFront"/>
+      <a:lightRig rig="threePt" dir="t"/>
+    </dgm:scene3d>
+    <dgm:sp3d/>
+    <dgm:txPr/>
+    <dgm:style>
+      <a:lnRef idx="2">
+        <a:scrgbClr r="0" g="0" b="0"/>
+      </a:lnRef>
+      <a:fillRef idx="1">
+        <a:scrgbClr r="0" g="0" b="0"/>
+      </a:fillRef>
+      <a:effectRef idx="0">
+        <a:scrgbClr r="0" g="0" b="0"/>
+      </a:effectRef>
+      <a:fontRef idx="minor"/>
+    </dgm:style>
+  </dgm:styleLbl>
+  <dgm:styleLbl name="fgAccFollowNode1">
+    <dgm:scene3d>
+      <a:camera prst="orthographicFront"/>
+      <a:lightRig rig="threePt" dir="t"/>
+    </dgm:scene3d>
+    <dgm:sp3d/>
+    <dgm:txPr/>
+    <dgm:style>
+      <a:lnRef idx="2">
+        <a:scrgbClr r="0" g="0" b="0"/>
+      </a:lnRef>
+      <a:fillRef idx="1">
+        <a:scrgbClr r="0" g="0" b="0"/>
+      </a:fillRef>
+      <a:effectRef idx="0">
+        <a:scrgbClr r="0" g="0" b="0"/>
+      </a:effectRef>
+      <a:fontRef idx="minor"/>
+    </dgm:style>
+  </dgm:styleLbl>
+  <dgm:styleLbl name="alignAccFollowNode1">
+    <dgm:scene3d>
+      <a:camera prst="orthographicFront"/>
+      <a:lightRig rig="threePt" dir="t"/>
+    </dgm:scene3d>
+    <dgm:sp3d/>
+    <dgm:txPr/>
+    <dgm:style>
+      <a:lnRef idx="2">
+        <a:scrgbClr r="0" g="0" b="0"/>
+      </a:lnRef>
+      <a:fillRef idx="1">
+        <a:scrgbClr r="0" g="0" b="0"/>
+      </a:fillRef>
+      <a:effectRef idx="0">
+        <a:scrgbClr r="0" g="0" b="0"/>
+      </a:effectRef>
+      <a:fontRef idx="minor"/>
+    </dgm:style>
+  </dgm:styleLbl>
+  <dgm:styleLbl name="bgAccFollowNode1">
+    <dgm:scene3d>
+      <a:camera prst="orthographicFront"/>
+      <a:lightRig rig="threePt" dir="t"/>
+    </dgm:scene3d>
+    <dgm:sp3d/>
+    <dgm:txPr/>
+    <dgm:style>
+      <a:lnRef idx="2">
+        <a:scrgbClr r="0" g="0" b="0"/>
+      </a:lnRef>
+      <a:fillRef idx="1">
+        <a:scrgbClr r="0" g="0" b="0"/>
+      </a:fillRef>
+      <a:effectRef idx="0">
+        <a:scrgbClr r="0" g="0" b="0"/>
+      </a:effectRef>
+      <a:fontRef idx="minor"/>
+    </dgm:style>
+  </dgm:styleLbl>
+  <dgm:styleLbl name="fgAcc0">
+    <dgm:scene3d>
+      <a:camera prst="orthographicFront"/>
+      <a:lightRig rig="threePt" dir="t"/>
+    </dgm:scene3d>
+    <dgm:sp3d/>
+    <dgm:txPr/>
+    <dgm:style>
+      <a:lnRef idx="2">
+        <a:scrgbClr r="0" g="0" b="0"/>
+      </a:lnRef>
+      <a:fillRef idx="1">
+        <a:scrgbClr r="0" g="0" b="0"/>
+      </a:fillRef>
+      <a:effectRef idx="0">
+        <a:scrgbClr r="0" g="0" b="0"/>
+      </a:effectRef>
+      <a:fontRef idx="minor"/>
+    </dgm:style>
+  </dgm:styleLbl>
+  <dgm:styleLbl name="fgAcc2">
+    <dgm:scene3d>
+      <a:camera prst="orthographicFront"/>
+      <a:lightRig rig="threePt" dir="t"/>
+    </dgm:scene3d>
+    <dgm:sp3d/>
+    <dgm:txPr/>
+    <dgm:style>
+      <a:lnRef idx="2">
+        <a:scrgbClr r="0" g="0" b="0"/>
+      </a:lnRef>
+      <a:fillRef idx="1">
+        <a:scrgbClr r="0" g="0" b="0"/>
+      </a:fillRef>
+      <a:effectRef idx="0">
+        <a:scrgbClr r="0" g="0" b="0"/>
+      </a:effectRef>
+      <a:fontRef idx="minor"/>
+    </dgm:style>
+  </dgm:styleLbl>
+  <dgm:styleLbl name="fgAcc3">
+    <dgm:scene3d>
+      <a:camera prst="orthographicFront"/>
+      <a:lightRig rig="threePt" dir="t"/>
+    </dgm:scene3d>
+    <dgm:sp3d/>
+    <dgm:txPr/>
+    <dgm:style>
+      <a:lnRef idx="2">
+        <a:scrgbClr r="0" g="0" b="0"/>
+      </a:lnRef>
+      <a:fillRef idx="1">
+        <a:scrgbClr r="0" g="0" b="0"/>
+      </a:fillRef>
+      <a:effectRef idx="0">
+        <a:scrgbClr r="0" g="0" b="0"/>
+      </a:effectRef>
+      <a:fontRef idx="minor"/>
+    </dgm:style>
+  </dgm:styleLbl>
+  <dgm:styleLbl name="fgAcc4">
+    <dgm:scene3d>
+      <a:camera prst="orthographicFront"/>
+      <a:lightRig rig="threePt" dir="t"/>
+    </dgm:scene3d>
+    <dgm:sp3d/>
+    <dgm:txPr/>
+    <dgm:style>
+      <a:lnRef idx="2">
+        <a:scrgbClr r="0" g="0" b="0"/>
+      </a:lnRef>
+      <a:fillRef idx="1">
+        <a:scrgbClr r="0" g="0" b="0"/>
+      </a:fillRef>
+      <a:effectRef idx="0">
+        <a:scrgbClr r="0" g="0" b="0"/>
+      </a:effectRef>
+      <a:fontRef idx="minor"/>
+    </dgm:style>
+  </dgm:styleLbl>
+  <dgm:styleLbl name="bgShp">
+    <dgm:scene3d>
+      <a:camera prst="orthographicFront"/>
+      <a:lightRig rig="threePt" dir="t"/>
+    </dgm:scene3d>
+    <dgm:sp3d/>
+    <dgm:txPr/>
+    <dgm:style>
+      <a:lnRef idx="0">
+        <a:scrgbClr r="0" g="0" b="0"/>
+      </a:lnRef>
+      <a:fillRef idx="1">
+        <a:scrgbClr r="0" g="0" b="0"/>
+      </a:fillRef>
+      <a:effectRef idx="0">
+        <a:scrgbClr r="0" g="0" b="0"/>
+      </a:effectRef>
+      <a:fontRef idx="minor"/>
+    </dgm:style>
+  </dgm:styleLbl>
+  <dgm:styleLbl name="dkBgShp">
+    <dgm:scene3d>
+      <a:camera prst="orthographicFront"/>
+      <a:lightRig rig="threePt" dir="t"/>
+    </dgm:scene3d>
+    <dgm:sp3d/>
+    <dgm:txPr/>
+    <dgm:style>
+      <a:lnRef idx="0">
+        <a:scrgbClr r="0" g="0" b="0"/>
+      </a:lnRef>
+      <a:fillRef idx="1">
+        <a:scrgbClr r="0" g="0" b="0"/>
+      </a:fillRef>
+      <a:effectRef idx="0">
+        <a:scrgbClr r="0" g="0" b="0"/>
+      </a:effectRef>
+      <a:fontRef idx="minor"/>
+    </dgm:style>
+  </dgm:styleLbl>
+  <dgm:styleLbl name="trBgShp">
+    <dgm:scene3d>
+      <a:camera prst="orthographicFront"/>
+      <a:lightRig rig="threePt" dir="t"/>
+    </dgm:scene3d>
+    <dgm:sp3d/>
+    <dgm:txPr/>
+    <dgm:style>
+      <a:lnRef idx="0">
+        <a:scrgbClr r="0" g="0" b="0"/>
+      </a:lnRef>
+      <a:fillRef idx="1">
+        <a:scrgbClr r="0" g="0" b="0"/>
+      </a:fillRef>
+      <a:effectRef idx="0">
+        <a:scrgbClr r="0" g="0" b="0"/>
+      </a:effectRef>
+      <a:fontRef idx="minor"/>
+    </dgm:style>
+  </dgm:styleLbl>
+  <dgm:styleLbl name="fgShp">
+    <dgm:scene3d>
+      <a:camera prst="orthographicFront"/>
+      <a:lightRig rig="threePt" dir="t"/>
+    </dgm:scene3d>
+    <dgm:sp3d/>
+    <dgm:txPr/>
+    <dgm:style>
+      <a:lnRef idx="2">
+        <a:scrgbClr r="0" g="0" b="0"/>
+      </a:lnRef>
+      <a:fillRef idx="1">
+        <a:scrgbClr r="0" g="0" b="0"/>
+      </a:fillRef>
+      <a:effectRef idx="0">
+        <a:scrgbClr r="0" g="0" b="0"/>
+      </a:effectRef>
+      <a:fontRef idx="minor"/>
+    </dgm:style>
+  </dgm:styleLbl>
+  <dgm:styleLbl name="revTx">
+    <dgm:scene3d>
+      <a:camera prst="orthographicFront"/>
+      <a:lightRig rig="threePt" dir="t"/>
+    </dgm:scene3d>
+    <dgm:sp3d/>
+    <dgm:txPr/>
+    <dgm:style>
+      <a:lnRef idx="0">
+        <a:scrgbClr r="0" g="0" b="0"/>
+      </a:lnRef>
+      <a:fillRef idx="0">
+        <a:scrgbClr r="0" g="0" b="0"/>
+      </a:fillRef>
+      <a:effectRef idx="0">
+        <a:scrgbClr r="0" g="0" b="0"/>
+      </a:effectRef>
+      <a:fontRef idx="minor"/>
+    </dgm:style>
+  </dgm:styleLbl>
+</dgm:styleDef>
+</file>
+
+<file path=ppt/diagrams/quickStyle8.xml><?xml version="1.0" encoding="utf-8"?>
 <dgm:styleDef xmlns:dgm="http://schemas.openxmlformats.org/drawingml/2006/diagram" xmlns:a="http://schemas.openxmlformats.org/drawingml/2006/main" uniqueId="urn:microsoft.com/office/officeart/2005/8/quickstyle/simple1">
   <dgm:title val=""/>
   <dgm:desc val=""/>
@@ -20090,7 +22893,7 @@
           <a:p>
             <a:fld id="{29134D58-3766-44A1-9C78-2A4754B7E537}" type="datetimeFigureOut">
               <a:rPr lang="en-US" smtClean="0"/>
-              <a:t>1/2/2023</a:t>
+              <a:t>1/7/2023</a:t>
             </a:fld>
             <a:endParaRPr lang="en-US"/>
           </a:p>
@@ -20288,7 +23091,7 @@
           <a:p>
             <a:fld id="{29134D58-3766-44A1-9C78-2A4754B7E537}" type="datetimeFigureOut">
               <a:rPr lang="en-US" smtClean="0"/>
-              <a:t>1/2/2023</a:t>
+              <a:t>1/7/2023</a:t>
             </a:fld>
             <a:endParaRPr lang="en-US"/>
           </a:p>
@@ -20496,7 +23299,7 @@
           <a:p>
             <a:fld id="{29134D58-3766-44A1-9C78-2A4754B7E537}" type="datetimeFigureOut">
               <a:rPr lang="en-US" smtClean="0"/>
-              <a:t>1/2/2023</a:t>
+              <a:t>1/7/2023</a:t>
             </a:fld>
             <a:endParaRPr lang="en-US"/>
           </a:p>
@@ -20694,7 +23497,7 @@
           <a:p>
             <a:fld id="{29134D58-3766-44A1-9C78-2A4754B7E537}" type="datetimeFigureOut">
               <a:rPr lang="en-US" smtClean="0"/>
-              <a:t>1/2/2023</a:t>
+              <a:t>1/7/2023</a:t>
             </a:fld>
             <a:endParaRPr lang="en-US"/>
           </a:p>
@@ -20969,7 +23772,7 @@
           <a:p>
             <a:fld id="{29134D58-3766-44A1-9C78-2A4754B7E537}" type="datetimeFigureOut">
               <a:rPr lang="en-US" smtClean="0"/>
-              <a:t>1/2/2023</a:t>
+              <a:t>1/7/2023</a:t>
             </a:fld>
             <a:endParaRPr lang="en-US"/>
           </a:p>
@@ -21234,7 +24037,7 @@
           <a:p>
             <a:fld id="{29134D58-3766-44A1-9C78-2A4754B7E537}" type="datetimeFigureOut">
               <a:rPr lang="en-US" smtClean="0"/>
-              <a:t>1/2/2023</a:t>
+              <a:t>1/7/2023</a:t>
             </a:fld>
             <a:endParaRPr lang="en-US"/>
           </a:p>
@@ -21646,7 +24449,7 @@
           <a:p>
             <a:fld id="{29134D58-3766-44A1-9C78-2A4754B7E537}" type="datetimeFigureOut">
               <a:rPr lang="en-US" smtClean="0"/>
-              <a:t>1/2/2023</a:t>
+              <a:t>1/7/2023</a:t>
             </a:fld>
             <a:endParaRPr lang="en-US"/>
           </a:p>
@@ -21787,7 +24590,7 @@
           <a:p>
             <a:fld id="{29134D58-3766-44A1-9C78-2A4754B7E537}" type="datetimeFigureOut">
               <a:rPr lang="en-US" smtClean="0"/>
-              <a:t>1/2/2023</a:t>
+              <a:t>1/7/2023</a:t>
             </a:fld>
             <a:endParaRPr lang="en-US"/>
           </a:p>
@@ -21900,7 +24703,7 @@
           <a:p>
             <a:fld id="{29134D58-3766-44A1-9C78-2A4754B7E537}" type="datetimeFigureOut">
               <a:rPr lang="en-US" smtClean="0"/>
-              <a:t>1/2/2023</a:t>
+              <a:t>1/7/2023</a:t>
             </a:fld>
             <a:endParaRPr lang="en-US"/>
           </a:p>
@@ -22211,7 +25014,7 @@
           <a:p>
             <a:fld id="{29134D58-3766-44A1-9C78-2A4754B7E537}" type="datetimeFigureOut">
               <a:rPr lang="en-US" smtClean="0"/>
-              <a:t>1/2/2023</a:t>
+              <a:t>1/7/2023</a:t>
             </a:fld>
             <a:endParaRPr lang="en-US"/>
           </a:p>
@@ -22499,7 +25302,7 @@
           <a:p>
             <a:fld id="{29134D58-3766-44A1-9C78-2A4754B7E537}" type="datetimeFigureOut">
               <a:rPr lang="en-US" smtClean="0"/>
-              <a:t>1/2/2023</a:t>
+              <a:t>1/7/2023</a:t>
             </a:fld>
             <a:endParaRPr lang="en-US"/>
           </a:p>
@@ -22740,7 +25543,7 @@
           <a:p>
             <a:fld id="{29134D58-3766-44A1-9C78-2A4754B7E537}" type="datetimeFigureOut">
               <a:rPr lang="en-US" smtClean="0"/>
-              <a:t>1/2/2023</a:t>
+              <a:t>1/7/2023</a:t>
             </a:fld>
             <a:endParaRPr lang="en-US"/>
           </a:p>
@@ -30070,6 +32873,215 @@
 </p:sld>
 </file>
 
+<file path=ppt/slides/slide18.xml><?xml version="1.0" encoding="utf-8"?>
+<p:sld xmlns:a="http://schemas.openxmlformats.org/drawingml/2006/main" xmlns:r="http://schemas.openxmlformats.org/officeDocument/2006/relationships" xmlns:p="http://schemas.openxmlformats.org/presentationml/2006/main">
+  <p:cSld>
+    <p:spTree>
+      <p:nvGrpSpPr>
+        <p:cNvPr id="1" name=""/>
+        <p:cNvGrpSpPr/>
+        <p:nvPr/>
+      </p:nvGrpSpPr>
+      <p:grpSpPr>
+        <a:xfrm>
+          <a:off x="0" y="0"/>
+          <a:ext cx="0" cy="0"/>
+          <a:chOff x="0" y="0"/>
+          <a:chExt cx="0" cy="0"/>
+        </a:xfrm>
+      </p:grpSpPr>
+      <p:sp>
+        <p:nvSpPr>
+          <p:cNvPr id="2" name="Title 1">
+            <a:extLst>
+              <a:ext uri="{FF2B5EF4-FFF2-40B4-BE49-F238E27FC236}">
+                <a16:creationId xmlns:a16="http://schemas.microsoft.com/office/drawing/2014/main" id="{EA227436-959E-9773-40FE-6DA8A295F02F}"/>
+              </a:ext>
+            </a:extLst>
+          </p:cNvPr>
+          <p:cNvSpPr>
+            <a:spLocks noGrp="1"/>
+          </p:cNvSpPr>
+          <p:nvPr>
+            <p:ph type="title"/>
+          </p:nvPr>
+        </p:nvSpPr>
+        <p:spPr/>
+        <p:txBody>
+          <a:bodyPr/>
+          <a:lstStyle/>
+          <a:p>
+            <a:r>
+              <a:rPr lang="en-US" b="0" i="0">
+                <a:solidFill>
+                  <a:srgbClr val="24292F"/>
+                </a:solidFill>
+                <a:effectLst/>
+                <a:latin typeface="-apple-system"/>
+              </a:rPr>
+              <a:t> </a:t>
+            </a:r>
+            <a:r>
+              <a:rPr lang="en-US">
+                <a:solidFill>
+                  <a:srgbClr val="24292F"/>
+                </a:solidFill>
+                <a:latin typeface="-apple-system"/>
+              </a:rPr>
+              <a:t>P</a:t>
+            </a:r>
+            <a:r>
+              <a:rPr lang="en-US" b="0" i="0">
+                <a:solidFill>
+                  <a:srgbClr val="24292F"/>
+                </a:solidFill>
+                <a:effectLst/>
+                <a:latin typeface="-apple-system"/>
+              </a:rPr>
+              <a:t>oužité </a:t>
+            </a:r>
+            <a:r>
+              <a:rPr lang="en-US">
+                <a:solidFill>
+                  <a:srgbClr val="24292F"/>
+                </a:solidFill>
+                <a:latin typeface="-apple-system"/>
+              </a:rPr>
+              <a:t>L</a:t>
+            </a:r>
+            <a:r>
+              <a:rPr lang="en-US" b="0" i="0">
+                <a:solidFill>
+                  <a:srgbClr val="24292F"/>
+                </a:solidFill>
+                <a:effectLst/>
+                <a:latin typeface="-apple-system"/>
+              </a:rPr>
+              <a:t>iteratury</a:t>
+            </a:r>
+            <a:endParaRPr lang="en-US" dirty="0"/>
+          </a:p>
+        </p:txBody>
+      </p:sp>
+      <p:graphicFrame>
+        <p:nvGraphicFramePr>
+          <p:cNvPr id="21" name="Content Placeholder 2">
+            <a:extLst>
+              <a:ext uri="{FF2B5EF4-FFF2-40B4-BE49-F238E27FC236}">
+                <a16:creationId xmlns:a16="http://schemas.microsoft.com/office/drawing/2014/main" id="{740903EE-929F-FC03-163E-B020EA8BFC0B}"/>
+              </a:ext>
+            </a:extLst>
+          </p:cNvPr>
+          <p:cNvGraphicFramePr>
+            <a:graphicFrameLocks noGrp="1"/>
+          </p:cNvGraphicFramePr>
+          <p:nvPr>
+            <p:ph idx="1"/>
+          </p:nvPr>
+        </p:nvGraphicFramePr>
+        <p:xfrm>
+          <a:off x="838200" y="1825625"/>
+          <a:ext cx="10515600" cy="4351338"/>
+        </p:xfrm>
+        <a:graphic>
+          <a:graphicData uri="http://schemas.openxmlformats.org/drawingml/2006/diagram">
+            <dgm:relIds xmlns:dgm="http://schemas.openxmlformats.org/drawingml/2006/diagram" xmlns:r="http://schemas.openxmlformats.org/officeDocument/2006/relationships" r:dm="rId2" r:lo="rId3" r:qs="rId4" r:cs="rId5"/>
+          </a:graphicData>
+        </a:graphic>
+      </p:graphicFrame>
+    </p:spTree>
+    <p:extLst>
+      <p:ext uri="{BB962C8B-B14F-4D97-AF65-F5344CB8AC3E}">
+        <p14:creationId xmlns:p14="http://schemas.microsoft.com/office/powerpoint/2010/main" val="3045059169"/>
+      </p:ext>
+    </p:extLst>
+  </p:cSld>
+  <p:clrMapOvr>
+    <a:masterClrMapping/>
+  </p:clrMapOvr>
+</p:sld>
+</file>
+
+<file path=ppt/slides/slide19.xml><?xml version="1.0" encoding="utf-8"?>
+<p:sld xmlns:a="http://schemas.openxmlformats.org/drawingml/2006/main" xmlns:r="http://schemas.openxmlformats.org/officeDocument/2006/relationships" xmlns:p="http://schemas.openxmlformats.org/presentationml/2006/main">
+  <p:cSld>
+    <p:spTree>
+      <p:nvGrpSpPr>
+        <p:cNvPr id="1" name=""/>
+        <p:cNvGrpSpPr/>
+        <p:nvPr/>
+      </p:nvGrpSpPr>
+      <p:grpSpPr>
+        <a:xfrm>
+          <a:off x="0" y="0"/>
+          <a:ext cx="0" cy="0"/>
+          <a:chOff x="0" y="0"/>
+          <a:chExt cx="0" cy="0"/>
+        </a:xfrm>
+      </p:grpSpPr>
+      <p:sp>
+        <p:nvSpPr>
+          <p:cNvPr id="2" name="Title 1">
+            <a:extLst>
+              <a:ext uri="{FF2B5EF4-FFF2-40B4-BE49-F238E27FC236}">
+                <a16:creationId xmlns:a16="http://schemas.microsoft.com/office/drawing/2014/main" id="{AC694C76-DEFF-8BD4-8486-EA90698679CD}"/>
+              </a:ext>
+            </a:extLst>
+          </p:cNvPr>
+          <p:cNvSpPr>
+            <a:spLocks noGrp="1"/>
+          </p:cNvSpPr>
+          <p:nvPr>
+            <p:ph type="title"/>
+          </p:nvPr>
+        </p:nvSpPr>
+        <p:spPr/>
+        <p:txBody>
+          <a:bodyPr/>
+          <a:lstStyle/>
+          <a:p>
+            <a:endParaRPr lang="en-US"/>
+          </a:p>
+        </p:txBody>
+      </p:sp>
+      <p:sp>
+        <p:nvSpPr>
+          <p:cNvPr id="3" name="Content Placeholder 2">
+            <a:extLst>
+              <a:ext uri="{FF2B5EF4-FFF2-40B4-BE49-F238E27FC236}">
+                <a16:creationId xmlns:a16="http://schemas.microsoft.com/office/drawing/2014/main" id="{044C8D8B-0D54-54DC-1CFA-9028C6AE0BB1}"/>
+              </a:ext>
+            </a:extLst>
+          </p:cNvPr>
+          <p:cNvSpPr>
+            <a:spLocks noGrp="1"/>
+          </p:cNvSpPr>
+          <p:nvPr>
+            <p:ph idx="1"/>
+          </p:nvPr>
+        </p:nvSpPr>
+        <p:spPr/>
+        <p:txBody>
+          <a:bodyPr/>
+          <a:lstStyle/>
+          <a:p>
+            <a:endParaRPr lang="en-US"/>
+          </a:p>
+        </p:txBody>
+      </p:sp>
+    </p:spTree>
+    <p:extLst>
+      <p:ext uri="{BB962C8B-B14F-4D97-AF65-F5344CB8AC3E}">
+        <p14:creationId xmlns:p14="http://schemas.microsoft.com/office/powerpoint/2010/main" val="2837572125"/>
+      </p:ext>
+    </p:extLst>
+  </p:cSld>
+  <p:clrMapOvr>
+    <a:masterClrMapping/>
+  </p:clrMapOvr>
+</p:sld>
+</file>
+
 <file path=ppt/slides/slide2.xml><?xml version="1.0" encoding="utf-8"?>
 <p:sld xmlns:a="http://schemas.openxmlformats.org/drawingml/2006/main" xmlns:r="http://schemas.openxmlformats.org/officeDocument/2006/relationships" xmlns:p="http://schemas.openxmlformats.org/presentationml/2006/main">
   <p:cSld>

--- a/Presentation for IT.pptx
+++ b/Presentation for IT.pptx
@@ -4,6 +4,9 @@
   <p:sldMasterIdLst>
     <p:sldMasterId id="2147483648" r:id="rId1"/>
   </p:sldMasterIdLst>
+  <p:notesMasterIdLst>
+    <p:notesMasterId r:id="rId20"/>
+  </p:notesMasterIdLst>
   <p:sldIdLst>
     <p:sldId id="258" r:id="rId2"/>
     <p:sldId id="257" r:id="rId3"/>
@@ -20065,6 +20068,571 @@
 </dgm:styleDef>
 </file>
 
+<file path=ppt/notesMasters/notesMaster1.xml><?xml version="1.0" encoding="utf-8"?>
+<p:notesMaster xmlns:a="http://schemas.openxmlformats.org/drawingml/2006/main" xmlns:r="http://schemas.openxmlformats.org/officeDocument/2006/relationships" xmlns:p="http://schemas.openxmlformats.org/presentationml/2006/main">
+  <p:cSld>
+    <p:bg>
+      <p:bgRef idx="1001">
+        <a:schemeClr val="bg1"/>
+      </p:bgRef>
+    </p:bg>
+    <p:spTree>
+      <p:nvGrpSpPr>
+        <p:cNvPr id="1" name=""/>
+        <p:cNvGrpSpPr/>
+        <p:nvPr/>
+      </p:nvGrpSpPr>
+      <p:grpSpPr>
+        <a:xfrm>
+          <a:off x="0" y="0"/>
+          <a:ext cx="0" cy="0"/>
+          <a:chOff x="0" y="0"/>
+          <a:chExt cx="0" cy="0"/>
+        </a:xfrm>
+      </p:grpSpPr>
+      <p:sp>
+        <p:nvSpPr>
+          <p:cNvPr id="2" name="Header Placeholder 1"/>
+          <p:cNvSpPr>
+            <a:spLocks noGrp="1"/>
+          </p:cNvSpPr>
+          <p:nvPr>
+            <p:ph type="hdr" sz="quarter"/>
+          </p:nvPr>
+        </p:nvSpPr>
+        <p:spPr>
+          <a:xfrm>
+            <a:off x="0" y="0"/>
+            <a:ext cx="2971800" cy="458788"/>
+          </a:xfrm>
+          <a:prstGeom prst="rect">
+            <a:avLst/>
+          </a:prstGeom>
+        </p:spPr>
+        <p:txBody>
+          <a:bodyPr vert="horz" lIns="91440" tIns="45720" rIns="91440" bIns="45720" rtlCol="0"/>
+          <a:lstStyle>
+            <a:lvl1pPr algn="l">
+              <a:defRPr sz="1200"/>
+            </a:lvl1pPr>
+          </a:lstStyle>
+          <a:p>
+            <a:endParaRPr lang="en-US"/>
+          </a:p>
+        </p:txBody>
+      </p:sp>
+      <p:sp>
+        <p:nvSpPr>
+          <p:cNvPr id="3" name="Date Placeholder 2"/>
+          <p:cNvSpPr>
+            <a:spLocks noGrp="1"/>
+          </p:cNvSpPr>
+          <p:nvPr>
+            <p:ph type="dt" idx="1"/>
+          </p:nvPr>
+        </p:nvSpPr>
+        <p:spPr>
+          <a:xfrm>
+            <a:off x="3884613" y="0"/>
+            <a:ext cx="2971800" cy="458788"/>
+          </a:xfrm>
+          <a:prstGeom prst="rect">
+            <a:avLst/>
+          </a:prstGeom>
+        </p:spPr>
+        <p:txBody>
+          <a:bodyPr vert="horz" lIns="91440" tIns="45720" rIns="91440" bIns="45720" rtlCol="0"/>
+          <a:lstStyle>
+            <a:lvl1pPr algn="r">
+              <a:defRPr sz="1200"/>
+            </a:lvl1pPr>
+          </a:lstStyle>
+          <a:p>
+            <a:fld id="{E91DDA50-ABC7-4925-B05D-AC0ABC4936E7}" type="datetimeFigureOut">
+              <a:rPr lang="en-US" smtClean="0"/>
+              <a:t>1/7/2023</a:t>
+            </a:fld>
+            <a:endParaRPr lang="en-US"/>
+          </a:p>
+        </p:txBody>
+      </p:sp>
+      <p:sp>
+        <p:nvSpPr>
+          <p:cNvPr id="4" name="Slide Image Placeholder 3"/>
+          <p:cNvSpPr>
+            <a:spLocks noGrp="1" noRot="1" noChangeAspect="1"/>
+          </p:cNvSpPr>
+          <p:nvPr>
+            <p:ph type="sldImg" idx="2"/>
+          </p:nvPr>
+        </p:nvSpPr>
+        <p:spPr>
+          <a:xfrm>
+            <a:off x="685800" y="1143000"/>
+            <a:ext cx="5486400" cy="3086100"/>
+          </a:xfrm>
+          <a:prstGeom prst="rect">
+            <a:avLst/>
+          </a:prstGeom>
+          <a:noFill/>
+          <a:ln w="12700">
+            <a:solidFill>
+              <a:prstClr val="black"/>
+            </a:solidFill>
+          </a:ln>
+        </p:spPr>
+        <p:txBody>
+          <a:bodyPr vert="horz" lIns="91440" tIns="45720" rIns="91440" bIns="45720" rtlCol="0" anchor="ctr"/>
+          <a:lstStyle/>
+          <a:p>
+            <a:endParaRPr lang="en-US"/>
+          </a:p>
+        </p:txBody>
+      </p:sp>
+      <p:sp>
+        <p:nvSpPr>
+          <p:cNvPr id="5" name="Notes Placeholder 4"/>
+          <p:cNvSpPr>
+            <a:spLocks noGrp="1"/>
+          </p:cNvSpPr>
+          <p:nvPr>
+            <p:ph type="body" sz="quarter" idx="3"/>
+          </p:nvPr>
+        </p:nvSpPr>
+        <p:spPr>
+          <a:xfrm>
+            <a:off x="685800" y="4400550"/>
+            <a:ext cx="5486400" cy="3600450"/>
+          </a:xfrm>
+          <a:prstGeom prst="rect">
+            <a:avLst/>
+          </a:prstGeom>
+        </p:spPr>
+        <p:txBody>
+          <a:bodyPr vert="horz" lIns="91440" tIns="45720" rIns="91440" bIns="45720" rtlCol="0"/>
+          <a:lstStyle/>
+          <a:p>
+            <a:pPr lvl="0"/>
+            <a:r>
+              <a:rPr lang="en-US"/>
+              <a:t>Click to edit Master text styles</a:t>
+            </a:r>
+          </a:p>
+          <a:p>
+            <a:pPr lvl="1"/>
+            <a:r>
+              <a:rPr lang="en-US"/>
+              <a:t>Second level</a:t>
+            </a:r>
+          </a:p>
+          <a:p>
+            <a:pPr lvl="2"/>
+            <a:r>
+              <a:rPr lang="en-US"/>
+              <a:t>Third level</a:t>
+            </a:r>
+          </a:p>
+          <a:p>
+            <a:pPr lvl="3"/>
+            <a:r>
+              <a:rPr lang="en-US"/>
+              <a:t>Fourth level</a:t>
+            </a:r>
+          </a:p>
+          <a:p>
+            <a:pPr lvl="4"/>
+            <a:r>
+              <a:rPr lang="en-US"/>
+              <a:t>Fifth level</a:t>
+            </a:r>
+          </a:p>
+        </p:txBody>
+      </p:sp>
+      <p:sp>
+        <p:nvSpPr>
+          <p:cNvPr id="6" name="Footer Placeholder 5"/>
+          <p:cNvSpPr>
+            <a:spLocks noGrp="1"/>
+          </p:cNvSpPr>
+          <p:nvPr>
+            <p:ph type="ftr" sz="quarter" idx="4"/>
+          </p:nvPr>
+        </p:nvSpPr>
+        <p:spPr>
+          <a:xfrm>
+            <a:off x="0" y="8685213"/>
+            <a:ext cx="2971800" cy="458787"/>
+          </a:xfrm>
+          <a:prstGeom prst="rect">
+            <a:avLst/>
+          </a:prstGeom>
+        </p:spPr>
+        <p:txBody>
+          <a:bodyPr vert="horz" lIns="91440" tIns="45720" rIns="91440" bIns="45720" rtlCol="0" anchor="b"/>
+          <a:lstStyle>
+            <a:lvl1pPr algn="l">
+              <a:defRPr sz="1200"/>
+            </a:lvl1pPr>
+          </a:lstStyle>
+          <a:p>
+            <a:endParaRPr lang="en-US"/>
+          </a:p>
+        </p:txBody>
+      </p:sp>
+      <p:sp>
+        <p:nvSpPr>
+          <p:cNvPr id="7" name="Slide Number Placeholder 6"/>
+          <p:cNvSpPr>
+            <a:spLocks noGrp="1"/>
+          </p:cNvSpPr>
+          <p:nvPr>
+            <p:ph type="sldNum" sz="quarter" idx="5"/>
+          </p:nvPr>
+        </p:nvSpPr>
+        <p:spPr>
+          <a:xfrm>
+            <a:off x="3884613" y="8685213"/>
+            <a:ext cx="2971800" cy="458787"/>
+          </a:xfrm>
+          <a:prstGeom prst="rect">
+            <a:avLst/>
+          </a:prstGeom>
+        </p:spPr>
+        <p:txBody>
+          <a:bodyPr vert="horz" lIns="91440" tIns="45720" rIns="91440" bIns="45720" rtlCol="0" anchor="b"/>
+          <a:lstStyle>
+            <a:lvl1pPr algn="r">
+              <a:defRPr sz="1200"/>
+            </a:lvl1pPr>
+          </a:lstStyle>
+          <a:p>
+            <a:fld id="{A327F149-D9FA-4932-BD99-DB4E84988BB6}" type="slidenum">
+              <a:rPr lang="en-US" smtClean="0"/>
+              <a:t>‹#›</a:t>
+            </a:fld>
+            <a:endParaRPr lang="en-US"/>
+          </a:p>
+        </p:txBody>
+      </p:sp>
+    </p:spTree>
+    <p:extLst>
+      <p:ext uri="{BB962C8B-B14F-4D97-AF65-F5344CB8AC3E}">
+        <p14:creationId xmlns:p14="http://schemas.microsoft.com/office/powerpoint/2010/main" val="1915393388"/>
+      </p:ext>
+    </p:extLst>
+  </p:cSld>
+  <p:clrMap bg1="lt1" tx1="dk1" bg2="lt2" tx2="dk2" accent1="accent1" accent2="accent2" accent3="accent3" accent4="accent4" accent5="accent5" accent6="accent6" hlink="hlink" folHlink="folHlink"/>
+  <p:notesStyle>
+    <a:lvl1pPr marL="0" algn="l" defTabSz="914400" rtl="0" eaLnBrk="1" latinLnBrk="0" hangingPunct="1">
+      <a:defRPr sz="1200" kern="1200">
+        <a:solidFill>
+          <a:schemeClr val="tx1"/>
+        </a:solidFill>
+        <a:latin typeface="+mn-lt"/>
+        <a:ea typeface="+mn-ea"/>
+        <a:cs typeface="+mn-cs"/>
+      </a:defRPr>
+    </a:lvl1pPr>
+    <a:lvl2pPr marL="457200" algn="l" defTabSz="914400" rtl="0" eaLnBrk="1" latinLnBrk="0" hangingPunct="1">
+      <a:defRPr sz="1200" kern="1200">
+        <a:solidFill>
+          <a:schemeClr val="tx1"/>
+        </a:solidFill>
+        <a:latin typeface="+mn-lt"/>
+        <a:ea typeface="+mn-ea"/>
+        <a:cs typeface="+mn-cs"/>
+      </a:defRPr>
+    </a:lvl2pPr>
+    <a:lvl3pPr marL="914400" algn="l" defTabSz="914400" rtl="0" eaLnBrk="1" latinLnBrk="0" hangingPunct="1">
+      <a:defRPr sz="1200" kern="1200">
+        <a:solidFill>
+          <a:schemeClr val="tx1"/>
+        </a:solidFill>
+        <a:latin typeface="+mn-lt"/>
+        <a:ea typeface="+mn-ea"/>
+        <a:cs typeface="+mn-cs"/>
+      </a:defRPr>
+    </a:lvl3pPr>
+    <a:lvl4pPr marL="1371600" algn="l" defTabSz="914400" rtl="0" eaLnBrk="1" latinLnBrk="0" hangingPunct="1">
+      <a:defRPr sz="1200" kern="1200">
+        <a:solidFill>
+          <a:schemeClr val="tx1"/>
+        </a:solidFill>
+        <a:latin typeface="+mn-lt"/>
+        <a:ea typeface="+mn-ea"/>
+        <a:cs typeface="+mn-cs"/>
+      </a:defRPr>
+    </a:lvl4pPr>
+    <a:lvl5pPr marL="1828800" algn="l" defTabSz="914400" rtl="0" eaLnBrk="1" latinLnBrk="0" hangingPunct="1">
+      <a:defRPr sz="1200" kern="1200">
+        <a:solidFill>
+          <a:schemeClr val="tx1"/>
+        </a:solidFill>
+        <a:latin typeface="+mn-lt"/>
+        <a:ea typeface="+mn-ea"/>
+        <a:cs typeface="+mn-cs"/>
+      </a:defRPr>
+    </a:lvl5pPr>
+    <a:lvl6pPr marL="2286000" algn="l" defTabSz="914400" rtl="0" eaLnBrk="1" latinLnBrk="0" hangingPunct="1">
+      <a:defRPr sz="1200" kern="1200">
+        <a:solidFill>
+          <a:schemeClr val="tx1"/>
+        </a:solidFill>
+        <a:latin typeface="+mn-lt"/>
+        <a:ea typeface="+mn-ea"/>
+        <a:cs typeface="+mn-cs"/>
+      </a:defRPr>
+    </a:lvl6pPr>
+    <a:lvl7pPr marL="2743200" algn="l" defTabSz="914400" rtl="0" eaLnBrk="1" latinLnBrk="0" hangingPunct="1">
+      <a:defRPr sz="1200" kern="1200">
+        <a:solidFill>
+          <a:schemeClr val="tx1"/>
+        </a:solidFill>
+        <a:latin typeface="+mn-lt"/>
+        <a:ea typeface="+mn-ea"/>
+        <a:cs typeface="+mn-cs"/>
+      </a:defRPr>
+    </a:lvl7pPr>
+    <a:lvl8pPr marL="3200400" algn="l" defTabSz="914400" rtl="0" eaLnBrk="1" latinLnBrk="0" hangingPunct="1">
+      <a:defRPr sz="1200" kern="1200">
+        <a:solidFill>
+          <a:schemeClr val="tx1"/>
+        </a:solidFill>
+        <a:latin typeface="+mn-lt"/>
+        <a:ea typeface="+mn-ea"/>
+        <a:cs typeface="+mn-cs"/>
+      </a:defRPr>
+    </a:lvl8pPr>
+    <a:lvl9pPr marL="3657600" algn="l" defTabSz="914400" rtl="0" eaLnBrk="1" latinLnBrk="0" hangingPunct="1">
+      <a:defRPr sz="1200" kern="1200">
+        <a:solidFill>
+          <a:schemeClr val="tx1"/>
+        </a:solidFill>
+        <a:latin typeface="+mn-lt"/>
+        <a:ea typeface="+mn-ea"/>
+        <a:cs typeface="+mn-cs"/>
+      </a:defRPr>
+    </a:lvl9pPr>
+  </p:notesStyle>
+</p:notesMaster>
+</file>
+
+<file path=ppt/notesSlides/notesSlide1.xml><?xml version="1.0" encoding="utf-8"?>
+<p:notes xmlns:a="http://schemas.openxmlformats.org/drawingml/2006/main" xmlns:r="http://schemas.openxmlformats.org/officeDocument/2006/relationships" xmlns:p="http://schemas.openxmlformats.org/presentationml/2006/main">
+  <p:cSld>
+    <p:spTree>
+      <p:nvGrpSpPr>
+        <p:cNvPr id="1" name=""/>
+        <p:cNvGrpSpPr/>
+        <p:nvPr/>
+      </p:nvGrpSpPr>
+      <p:grpSpPr>
+        <a:xfrm>
+          <a:off x="0" y="0"/>
+          <a:ext cx="0" cy="0"/>
+          <a:chOff x="0" y="0"/>
+          <a:chExt cx="0" cy="0"/>
+        </a:xfrm>
+      </p:grpSpPr>
+      <p:sp>
+        <p:nvSpPr>
+          <p:cNvPr id="2" name="Slide Image Placeholder 1"/>
+          <p:cNvSpPr>
+            <a:spLocks noGrp="1" noRot="1" noChangeAspect="1"/>
+          </p:cNvSpPr>
+          <p:nvPr>
+            <p:ph type="sldImg"/>
+          </p:nvPr>
+        </p:nvSpPr>
+        <p:spPr/>
+      </p:sp>
+      <p:sp>
+        <p:nvSpPr>
+          <p:cNvPr id="3" name="Notes Placeholder 2"/>
+          <p:cNvSpPr>
+            <a:spLocks noGrp="1"/>
+          </p:cNvSpPr>
+          <p:nvPr>
+            <p:ph type="body" idx="1"/>
+          </p:nvPr>
+        </p:nvSpPr>
+        <p:spPr/>
+        <p:txBody>
+          <a:bodyPr/>
+          <a:lstStyle/>
+          <a:p>
+            <a:r>
+              <a:rPr lang="en-US" dirty="0" err="1"/>
+              <a:t>Dobry</a:t>
+            </a:r>
+            <a:r>
+              <a:rPr lang="en-US" dirty="0"/>
+              <a:t> den  </a:t>
+            </a:r>
+            <a:r>
+              <a:rPr lang="en-US" dirty="0" err="1"/>
+              <a:t>dámy</a:t>
+            </a:r>
+            <a:r>
+              <a:rPr lang="en-US" dirty="0"/>
+              <a:t> a </a:t>
+            </a:r>
+            <a:r>
+              <a:rPr lang="en-US" dirty="0" err="1"/>
+              <a:t>pánové</a:t>
+            </a:r>
+            <a:r>
+              <a:rPr lang="en-US" dirty="0"/>
+              <a:t>. Ja </a:t>
+            </a:r>
+            <a:r>
+              <a:rPr lang="en-US" dirty="0" err="1"/>
+              <a:t>jsem</a:t>
+            </a:r>
+            <a:r>
+              <a:rPr lang="en-US" dirty="0"/>
+              <a:t> Babayev Imamaddin. V </a:t>
+            </a:r>
+            <a:r>
+              <a:rPr lang="en-US" dirty="0" err="1"/>
+              <a:t>této</a:t>
+            </a:r>
+            <a:r>
+              <a:rPr lang="en-US" dirty="0"/>
+              <a:t> </a:t>
+            </a:r>
+            <a:r>
+              <a:rPr lang="en-US" dirty="0" err="1"/>
+              <a:t>prezentaci</a:t>
+            </a:r>
+            <a:r>
+              <a:rPr lang="en-US" dirty="0"/>
+              <a:t> </a:t>
+            </a:r>
+            <a:r>
+              <a:rPr lang="en-US" dirty="0" err="1"/>
+              <a:t>vám</a:t>
+            </a:r>
+            <a:r>
+              <a:rPr lang="en-US" dirty="0"/>
+              <a:t> </a:t>
+            </a:r>
+            <a:r>
+              <a:rPr lang="en-US" dirty="0" err="1"/>
+              <a:t>budu</a:t>
+            </a:r>
+            <a:r>
+              <a:rPr lang="en-US" dirty="0"/>
+              <a:t> </a:t>
+            </a:r>
+            <a:r>
+              <a:rPr lang="en-US" dirty="0" err="1"/>
+              <a:t>prezentovat</a:t>
+            </a:r>
+            <a:r>
+              <a:rPr lang="en-US" dirty="0"/>
+              <a:t> o </a:t>
+            </a:r>
+            <a:r>
+              <a:rPr lang="en-US" dirty="0" err="1"/>
+              <a:t>kalibraci</a:t>
+            </a:r>
+            <a:r>
+              <a:rPr lang="en-US" dirty="0"/>
+              <a:t> </a:t>
+            </a:r>
+            <a:r>
+              <a:rPr lang="en-US" dirty="0" err="1"/>
+              <a:t>barev</a:t>
+            </a:r>
+            <a:r>
+              <a:rPr lang="en-US" dirty="0"/>
+              <a:t> , </a:t>
+            </a:r>
+            <a:r>
+              <a:rPr lang="en-US" dirty="0" err="1"/>
+              <a:t>hloubce</a:t>
+            </a:r>
+            <a:r>
+              <a:rPr lang="en-US" dirty="0"/>
+              <a:t> </a:t>
+            </a:r>
+            <a:r>
+              <a:rPr lang="en-US" dirty="0" err="1"/>
+              <a:t>barev</a:t>
+            </a:r>
+            <a:r>
+              <a:rPr lang="en-US" dirty="0"/>
+              <a:t> a </a:t>
+            </a:r>
+            <a:r>
+              <a:rPr lang="en-US" dirty="0" err="1"/>
+              <a:t>jeho</a:t>
+            </a:r>
+            <a:r>
+              <a:rPr lang="en-US" dirty="0"/>
+              <a:t> </a:t>
+            </a:r>
+            <a:r>
+              <a:rPr lang="en-US" dirty="0" err="1"/>
+              <a:t>modelech</a:t>
+            </a:r>
+            <a:r>
+              <a:rPr lang="en-US" dirty="0"/>
+              <a:t>. </a:t>
+            </a:r>
+            <a:r>
+              <a:rPr lang="en-US" dirty="0" err="1"/>
+              <a:t>Doufam</a:t>
+            </a:r>
+            <a:r>
+              <a:rPr lang="en-US" dirty="0"/>
+              <a:t> </a:t>
+            </a:r>
+            <a:r>
+              <a:rPr lang="cs-CZ" dirty="0"/>
+              <a:t>že budete rozumět . Doufám, že mě pochopíte. Pokud mi nerozumíte, můžete mi to říct a vysvětlím vám to znovu. Pokud budete mít otázky, můžete se zeptat.</a:t>
+            </a:r>
+            <a:endParaRPr lang="en-US" dirty="0"/>
+          </a:p>
+        </p:txBody>
+      </p:sp>
+      <p:sp>
+        <p:nvSpPr>
+          <p:cNvPr id="4" name="Slide Number Placeholder 3"/>
+          <p:cNvSpPr>
+            <a:spLocks noGrp="1"/>
+          </p:cNvSpPr>
+          <p:nvPr>
+            <p:ph type="sldNum" sz="quarter" idx="5"/>
+          </p:nvPr>
+        </p:nvSpPr>
+        <p:spPr/>
+        <p:txBody>
+          <a:bodyPr/>
+          <a:lstStyle/>
+          <a:p>
+            <a:fld id="{A327F149-D9FA-4932-BD99-DB4E84988BB6}" type="slidenum">
+              <a:rPr lang="en-US" smtClean="0"/>
+              <a:t>1</a:t>
+            </a:fld>
+            <a:endParaRPr lang="en-US"/>
+          </a:p>
+        </p:txBody>
+      </p:sp>
+    </p:spTree>
+    <p:extLst>
+      <p:ext uri="{BB962C8B-B14F-4D97-AF65-F5344CB8AC3E}">
+        <p14:creationId xmlns:p14="http://schemas.microsoft.com/office/powerpoint/2010/main" val="3997868900"/>
+      </p:ext>
+    </p:extLst>
+  </p:cSld>
+  <p:clrMapOvr>
+    <a:masterClrMapping/>
+  </p:clrMapOvr>
+</p:notes>
+</file>
+
 <file path=ppt/slideLayouts/slideLayout1.xml><?xml version="1.0" encoding="utf-8"?>
 <p:sldLayout xmlns:a="http://schemas.openxmlformats.org/drawingml/2006/main" xmlns:r="http://schemas.openxmlformats.org/officeDocument/2006/relationships" xmlns:p="http://schemas.openxmlformats.org/presentationml/2006/main" type="title" preserve="1">
   <p:cSld name="Title Slide">
@@ -20282,13 +20850,13 @@
   <p:clrMapOvr>
     <a:masterClrMapping/>
   </p:clrMapOvr>
-  <mc:AlternateContent xmlns:mc="http://schemas.openxmlformats.org/markup-compatibility/2006">
-    <mc:Choice xmlns:p14="http://schemas.microsoft.com/office/powerpoint/2010/main" Requires="p14">
+  <mc:AlternateContent xmlns:mc="http://schemas.openxmlformats.org/markup-compatibility/2006" xmlns:p14="http://schemas.microsoft.com/office/powerpoint/2010/main">
+    <mc:Choice Requires="p14">
       <p:transition p14:dur="10" advClick="0" advTm="4000">
         <p:split orient="vert"/>
       </p:transition>
     </mc:Choice>
-    <mc:Fallback>
+    <mc:Fallback xmlns="">
       <p:transition advClick="0" advTm="4000">
         <p:split orient="vert"/>
       </p:transition>
@@ -20492,13 +21060,13 @@
   <p:clrMapOvr>
     <a:masterClrMapping/>
   </p:clrMapOvr>
-  <mc:AlternateContent xmlns:mc="http://schemas.openxmlformats.org/markup-compatibility/2006">
-    <mc:Choice xmlns:p14="http://schemas.microsoft.com/office/powerpoint/2010/main" Requires="p14">
+  <mc:AlternateContent xmlns:mc="http://schemas.openxmlformats.org/markup-compatibility/2006" xmlns:p14="http://schemas.microsoft.com/office/powerpoint/2010/main">
+    <mc:Choice Requires="p14">
       <p:transition p14:dur="10" advClick="0" advTm="4000">
         <p:split orient="vert"/>
       </p:transition>
     </mc:Choice>
-    <mc:Fallback>
+    <mc:Fallback xmlns="">
       <p:transition advClick="0" advTm="4000">
         <p:split orient="vert"/>
       </p:transition>
@@ -20712,13 +21280,13 @@
   <p:clrMapOvr>
     <a:masterClrMapping/>
   </p:clrMapOvr>
-  <mc:AlternateContent xmlns:mc="http://schemas.openxmlformats.org/markup-compatibility/2006">
-    <mc:Choice xmlns:p14="http://schemas.microsoft.com/office/powerpoint/2010/main" Requires="p14">
+  <mc:AlternateContent xmlns:mc="http://schemas.openxmlformats.org/markup-compatibility/2006" xmlns:p14="http://schemas.microsoft.com/office/powerpoint/2010/main">
+    <mc:Choice Requires="p14">
       <p:transition p14:dur="10" advClick="0" advTm="4000">
         <p:split orient="vert"/>
       </p:transition>
     </mc:Choice>
-    <mc:Fallback>
+    <mc:Fallback xmlns="">
       <p:transition advClick="0" advTm="4000">
         <p:split orient="vert"/>
       </p:transition>
@@ -20922,13 +21490,13 @@
   <p:clrMapOvr>
     <a:masterClrMapping/>
   </p:clrMapOvr>
-  <mc:AlternateContent xmlns:mc="http://schemas.openxmlformats.org/markup-compatibility/2006">
-    <mc:Choice xmlns:p14="http://schemas.microsoft.com/office/powerpoint/2010/main" Requires="p14">
+  <mc:AlternateContent xmlns:mc="http://schemas.openxmlformats.org/markup-compatibility/2006" xmlns:p14="http://schemas.microsoft.com/office/powerpoint/2010/main">
+    <mc:Choice Requires="p14">
       <p:transition p14:dur="10" advClick="0" advTm="4000">
         <p:split orient="vert"/>
       </p:transition>
     </mc:Choice>
-    <mc:Fallback>
+    <mc:Fallback xmlns="">
       <p:transition advClick="0" advTm="4000">
         <p:split orient="vert"/>
       </p:transition>
@@ -21209,13 +21777,13 @@
   <p:clrMapOvr>
     <a:masterClrMapping/>
   </p:clrMapOvr>
-  <mc:AlternateContent xmlns:mc="http://schemas.openxmlformats.org/markup-compatibility/2006">
-    <mc:Choice xmlns:p14="http://schemas.microsoft.com/office/powerpoint/2010/main" Requires="p14">
+  <mc:AlternateContent xmlns:mc="http://schemas.openxmlformats.org/markup-compatibility/2006" xmlns:p14="http://schemas.microsoft.com/office/powerpoint/2010/main">
+    <mc:Choice Requires="p14">
       <p:transition p14:dur="10" advClick="0" advTm="4000">
         <p:split orient="vert"/>
       </p:transition>
     </mc:Choice>
-    <mc:Fallback>
+    <mc:Fallback xmlns="">
       <p:transition advClick="0" advTm="4000">
         <p:split orient="vert"/>
       </p:transition>
@@ -21486,13 +22054,13 @@
   <p:clrMapOvr>
     <a:masterClrMapping/>
   </p:clrMapOvr>
-  <mc:AlternateContent xmlns:mc="http://schemas.openxmlformats.org/markup-compatibility/2006">
-    <mc:Choice xmlns:p14="http://schemas.microsoft.com/office/powerpoint/2010/main" Requires="p14">
+  <mc:AlternateContent xmlns:mc="http://schemas.openxmlformats.org/markup-compatibility/2006" xmlns:p14="http://schemas.microsoft.com/office/powerpoint/2010/main">
+    <mc:Choice Requires="p14">
       <p:transition p14:dur="10" advClick="0" advTm="4000">
         <p:split orient="vert"/>
       </p:transition>
     </mc:Choice>
-    <mc:Fallback>
+    <mc:Fallback xmlns="">
       <p:transition advClick="0" advTm="4000">
         <p:split orient="vert"/>
       </p:transition>
@@ -21910,13 +22478,13 @@
   <p:clrMapOvr>
     <a:masterClrMapping/>
   </p:clrMapOvr>
-  <mc:AlternateContent xmlns:mc="http://schemas.openxmlformats.org/markup-compatibility/2006">
-    <mc:Choice xmlns:p14="http://schemas.microsoft.com/office/powerpoint/2010/main" Requires="p14">
+  <mc:AlternateContent xmlns:mc="http://schemas.openxmlformats.org/markup-compatibility/2006" xmlns:p14="http://schemas.microsoft.com/office/powerpoint/2010/main">
+    <mc:Choice Requires="p14">
       <p:transition p14:dur="10" advClick="0" advTm="4000">
         <p:split orient="vert"/>
       </p:transition>
     </mc:Choice>
-    <mc:Fallback>
+    <mc:Fallback xmlns="">
       <p:transition advClick="0" advTm="4000">
         <p:split orient="vert"/>
       </p:transition>
@@ -22063,13 +22631,13 @@
   <p:clrMapOvr>
     <a:masterClrMapping/>
   </p:clrMapOvr>
-  <mc:AlternateContent xmlns:mc="http://schemas.openxmlformats.org/markup-compatibility/2006">
-    <mc:Choice xmlns:p14="http://schemas.microsoft.com/office/powerpoint/2010/main" Requires="p14">
+  <mc:AlternateContent xmlns:mc="http://schemas.openxmlformats.org/markup-compatibility/2006" xmlns:p14="http://schemas.microsoft.com/office/powerpoint/2010/main">
+    <mc:Choice Requires="p14">
       <p:transition p14:dur="10" advClick="0" advTm="4000">
         <p:split orient="vert"/>
       </p:transition>
     </mc:Choice>
-    <mc:Fallback>
+    <mc:Fallback xmlns="">
       <p:transition advClick="0" advTm="4000">
         <p:split orient="vert"/>
       </p:transition>
@@ -22188,13 +22756,13 @@
   <p:clrMapOvr>
     <a:masterClrMapping/>
   </p:clrMapOvr>
-  <mc:AlternateContent xmlns:mc="http://schemas.openxmlformats.org/markup-compatibility/2006">
-    <mc:Choice xmlns:p14="http://schemas.microsoft.com/office/powerpoint/2010/main" Requires="p14">
+  <mc:AlternateContent xmlns:mc="http://schemas.openxmlformats.org/markup-compatibility/2006" xmlns:p14="http://schemas.microsoft.com/office/powerpoint/2010/main">
+    <mc:Choice Requires="p14">
       <p:transition p14:dur="10" advClick="0" advTm="4000">
         <p:split orient="vert"/>
       </p:transition>
     </mc:Choice>
-    <mc:Fallback>
+    <mc:Fallback xmlns="">
       <p:transition advClick="0" advTm="4000">
         <p:split orient="vert"/>
       </p:transition>
@@ -22511,13 +23079,13 @@
   <p:clrMapOvr>
     <a:masterClrMapping/>
   </p:clrMapOvr>
-  <mc:AlternateContent xmlns:mc="http://schemas.openxmlformats.org/markup-compatibility/2006">
-    <mc:Choice xmlns:p14="http://schemas.microsoft.com/office/powerpoint/2010/main" Requires="p14">
+  <mc:AlternateContent xmlns:mc="http://schemas.openxmlformats.org/markup-compatibility/2006" xmlns:p14="http://schemas.microsoft.com/office/powerpoint/2010/main">
+    <mc:Choice Requires="p14">
       <p:transition p14:dur="10" advClick="0" advTm="4000">
         <p:split orient="vert"/>
       </p:transition>
     </mc:Choice>
-    <mc:Fallback>
+    <mc:Fallback xmlns="">
       <p:transition advClick="0" advTm="4000">
         <p:split orient="vert"/>
       </p:transition>
@@ -22811,13 +23379,13 @@
   <p:clrMapOvr>
     <a:masterClrMapping/>
   </p:clrMapOvr>
-  <mc:AlternateContent xmlns:mc="http://schemas.openxmlformats.org/markup-compatibility/2006">
-    <mc:Choice xmlns:p14="http://schemas.microsoft.com/office/powerpoint/2010/main" Requires="p14">
+  <mc:AlternateContent xmlns:mc="http://schemas.openxmlformats.org/markup-compatibility/2006" xmlns:p14="http://schemas.microsoft.com/office/powerpoint/2010/main">
+    <mc:Choice Requires="p14">
       <p:transition p14:dur="10" advClick="0" advTm="4000">
         <p:split orient="vert"/>
       </p:transition>
     </mc:Choice>
-    <mc:Fallback>
+    <mc:Fallback xmlns="">
       <p:transition advClick="0" advTm="4000">
         <p:split orient="vert"/>
       </p:transition>
@@ -23111,13 +23679,13 @@
     <p:sldLayoutId id="2147483658" r:id="rId10"/>
     <p:sldLayoutId id="2147483659" r:id="rId11"/>
   </p:sldLayoutIdLst>
-  <mc:AlternateContent xmlns:mc="http://schemas.openxmlformats.org/markup-compatibility/2006">
-    <mc:Choice xmlns:p14="http://schemas.microsoft.com/office/powerpoint/2010/main" Requires="p14">
+  <mc:AlternateContent xmlns:mc="http://schemas.openxmlformats.org/markup-compatibility/2006" xmlns:p14="http://schemas.microsoft.com/office/powerpoint/2010/main">
+    <mc:Choice Requires="p14">
       <p:transition p14:dur="10" advClick="0" advTm="4000">
         <p:split orient="vert"/>
       </p:transition>
     </mc:Choice>
-    <mc:Fallback>
+    <mc:Fallback xmlns="">
       <p:transition advClick="0" advTm="4000">
         <p:split orient="vert"/>
       </p:transition>
@@ -23506,7 +24074,7 @@
           <p:nvPr/>
         </p:nvPicPr>
         <p:blipFill rotWithShape="1">
-          <a:blip r:embed="rId2"/>
+          <a:blip r:embed="rId3"/>
           <a:srcRect b="15730"/>
           <a:stretch/>
         </p:blipFill>
@@ -25836,13 +26404,13 @@
   <p:clrMapOvr>
     <a:masterClrMapping/>
   </p:clrMapOvr>
-  <mc:AlternateContent xmlns:mc="http://schemas.openxmlformats.org/markup-compatibility/2006">
-    <mc:Choice xmlns:p14="http://schemas.microsoft.com/office/powerpoint/2010/main" Requires="p14">
+  <mc:AlternateContent xmlns:mc="http://schemas.openxmlformats.org/markup-compatibility/2006" xmlns:p14="http://schemas.microsoft.com/office/powerpoint/2010/main">
+    <mc:Choice Requires="p14">
       <p:transition p14:dur="10" advClick="0" advTm="4000">
         <p:split orient="vert"/>
       </p:transition>
     </mc:Choice>
-    <mc:Fallback>
+    <mc:Fallback xmlns="">
       <p:transition advClick="0" advTm="4000">
         <p:split orient="vert"/>
       </p:transition>
@@ -26695,13 +27263,13 @@
   <p:clrMapOvr>
     <a:masterClrMapping/>
   </p:clrMapOvr>
-  <mc:AlternateContent xmlns:mc="http://schemas.openxmlformats.org/markup-compatibility/2006">
-    <mc:Choice xmlns:p14="http://schemas.microsoft.com/office/powerpoint/2010/main" Requires="p14">
+  <mc:AlternateContent xmlns:mc="http://schemas.openxmlformats.org/markup-compatibility/2006" xmlns:p14="http://schemas.microsoft.com/office/powerpoint/2010/main">
+    <mc:Choice Requires="p14">
       <p:transition p14:dur="10" advClick="0" advTm="4000">
         <p:split orient="vert"/>
       </p:transition>
     </mc:Choice>
-    <mc:Fallback>
+    <mc:Fallback xmlns="">
       <p:transition advClick="0" advTm="4000">
         <p:split orient="vert"/>
       </p:transition>
@@ -27200,13 +27768,13 @@
   <p:clrMapOvr>
     <a:masterClrMapping/>
   </p:clrMapOvr>
-  <mc:AlternateContent xmlns:mc="http://schemas.openxmlformats.org/markup-compatibility/2006">
-    <mc:Choice xmlns:p14="http://schemas.microsoft.com/office/powerpoint/2010/main" Requires="p14">
+  <mc:AlternateContent xmlns:mc="http://schemas.openxmlformats.org/markup-compatibility/2006" xmlns:p14="http://schemas.microsoft.com/office/powerpoint/2010/main">
+    <mc:Choice Requires="p14">
       <p:transition p14:dur="10" advClick="0" advTm="4000">
         <p:split orient="vert"/>
       </p:transition>
     </mc:Choice>
-    <mc:Fallback>
+    <mc:Fallback xmlns="">
       <p:transition advClick="0" advTm="4000">
         <p:split orient="vert"/>
       </p:transition>
@@ -27722,13 +28290,13 @@
   <p:clrMapOvr>
     <a:masterClrMapping/>
   </p:clrMapOvr>
-  <mc:AlternateContent xmlns:mc="http://schemas.openxmlformats.org/markup-compatibility/2006">
-    <mc:Choice xmlns:p14="http://schemas.microsoft.com/office/powerpoint/2010/main" Requires="p14">
+  <mc:AlternateContent xmlns:mc="http://schemas.openxmlformats.org/markup-compatibility/2006" xmlns:p14="http://schemas.microsoft.com/office/powerpoint/2010/main">
+    <mc:Choice Requires="p14">
       <p:transition p14:dur="10" advClick="0" advTm="4000">
         <p:split orient="vert"/>
       </p:transition>
     </mc:Choice>
-    <mc:Fallback>
+    <mc:Fallback xmlns="">
       <p:transition advClick="0" advTm="4000">
         <p:split orient="vert"/>
       </p:transition>
@@ -28080,13 +28648,13 @@
   <p:clrMapOvr>
     <a:masterClrMapping/>
   </p:clrMapOvr>
-  <mc:AlternateContent xmlns:mc="http://schemas.openxmlformats.org/markup-compatibility/2006">
-    <mc:Choice xmlns:p14="http://schemas.microsoft.com/office/powerpoint/2010/main" Requires="p14">
+  <mc:AlternateContent xmlns:mc="http://schemas.openxmlformats.org/markup-compatibility/2006" xmlns:p14="http://schemas.microsoft.com/office/powerpoint/2010/main">
+    <mc:Choice Requires="p14">
       <p:transition p14:dur="10" advClick="0" advTm="4000">
         <p:split orient="vert"/>
       </p:transition>
     </mc:Choice>
-    <mc:Fallback>
+    <mc:Fallback xmlns="">
       <p:transition advClick="0" advTm="4000">
         <p:split orient="vert"/>
       </p:transition>
@@ -28827,13 +29395,13 @@
   <p:clrMapOvr>
     <a:masterClrMapping/>
   </p:clrMapOvr>
-  <mc:AlternateContent xmlns:mc="http://schemas.openxmlformats.org/markup-compatibility/2006">
-    <mc:Choice xmlns:p14="http://schemas.microsoft.com/office/powerpoint/2010/main" Requires="p14">
+  <mc:AlternateContent xmlns:mc="http://schemas.openxmlformats.org/markup-compatibility/2006" xmlns:p14="http://schemas.microsoft.com/office/powerpoint/2010/main">
+    <mc:Choice Requires="p14">
       <p:transition p14:dur="10" advClick="0" advTm="4000">
         <p:split orient="vert"/>
       </p:transition>
     </mc:Choice>
-    <mc:Fallback>
+    <mc:Fallback xmlns="">
       <p:transition advClick="0" advTm="4000">
         <p:split orient="vert"/>
       </p:transition>
@@ -29256,13 +29824,13 @@
   <p:clrMapOvr>
     <a:masterClrMapping/>
   </p:clrMapOvr>
-  <mc:AlternateContent xmlns:mc="http://schemas.openxmlformats.org/markup-compatibility/2006">
-    <mc:Choice xmlns:p14="http://schemas.microsoft.com/office/powerpoint/2010/main" Requires="p14">
+  <mc:AlternateContent xmlns:mc="http://schemas.openxmlformats.org/markup-compatibility/2006" xmlns:p14="http://schemas.microsoft.com/office/powerpoint/2010/main">
+    <mc:Choice Requires="p14">
       <p:transition p14:dur="10" advClick="0" advTm="4000">
         <p:split orient="vert"/>
       </p:transition>
     </mc:Choice>
-    <mc:Fallback>
+    <mc:Fallback xmlns="">
       <p:transition advClick="0" advTm="4000">
         <p:split orient="vert"/>
       </p:transition>
@@ -29747,13 +30315,13 @@
   <p:clrMapOvr>
     <a:masterClrMapping/>
   </p:clrMapOvr>
-  <mc:AlternateContent xmlns:mc="http://schemas.openxmlformats.org/markup-compatibility/2006">
-    <mc:Choice xmlns:p14="http://schemas.microsoft.com/office/powerpoint/2010/main" Requires="p14">
+  <mc:AlternateContent xmlns:mc="http://schemas.openxmlformats.org/markup-compatibility/2006" xmlns:p14="http://schemas.microsoft.com/office/powerpoint/2010/main">
+    <mc:Choice Requires="p14">
       <p:transition p14:dur="10" advClick="0" advTm="4000">
         <p:split orient="vert"/>
       </p:transition>
     </mc:Choice>
-    <mc:Fallback>
+    <mc:Fallback xmlns="">
       <p:transition advClick="0" advTm="4000">
         <p:split orient="vert"/>
       </p:transition>
@@ -29888,13 +30456,13 @@
   <p:clrMapOvr>
     <a:masterClrMapping/>
   </p:clrMapOvr>
-  <mc:AlternateContent xmlns:mc="http://schemas.openxmlformats.org/markup-compatibility/2006">
-    <mc:Choice xmlns:p14="http://schemas.microsoft.com/office/powerpoint/2010/main" Requires="p14">
+  <mc:AlternateContent xmlns:mc="http://schemas.openxmlformats.org/markup-compatibility/2006" xmlns:p14="http://schemas.microsoft.com/office/powerpoint/2010/main">
+    <mc:Choice Requires="p14">
       <p:transition p14:dur="10" advClick="0" advTm="4000">
         <p:split orient="vert"/>
       </p:transition>
     </mc:Choice>
-    <mc:Fallback>
+    <mc:Fallback xmlns="">
       <p:transition advClick="0" advTm="4000">
         <p:split orient="vert"/>
       </p:transition>
@@ -29980,13 +30548,13 @@
   <p:clrMapOvr>
     <a:masterClrMapping/>
   </p:clrMapOvr>
-  <mc:AlternateContent xmlns:mc="http://schemas.openxmlformats.org/markup-compatibility/2006">
-    <mc:Choice xmlns:p14="http://schemas.microsoft.com/office/powerpoint/2010/main" Requires="p14">
+  <mc:AlternateContent xmlns:mc="http://schemas.openxmlformats.org/markup-compatibility/2006" xmlns:p14="http://schemas.microsoft.com/office/powerpoint/2010/main">
+    <mc:Choice Requires="p14">
       <p:transition p14:dur="10" advClick="0" advTm="4000">
         <p:split orient="vert"/>
       </p:transition>
     </mc:Choice>
-    <mc:Fallback>
+    <mc:Fallback xmlns="">
       <p:transition advClick="0" advTm="4000">
         <p:split orient="vert"/>
       </p:transition>
@@ -30292,13 +30860,13 @@
   <p:clrMapOvr>
     <a:masterClrMapping/>
   </p:clrMapOvr>
-  <mc:AlternateContent xmlns:mc="http://schemas.openxmlformats.org/markup-compatibility/2006">
-    <mc:Choice xmlns:p14="http://schemas.microsoft.com/office/powerpoint/2010/main" Requires="p14">
+  <mc:AlternateContent xmlns:mc="http://schemas.openxmlformats.org/markup-compatibility/2006" xmlns:p14="http://schemas.microsoft.com/office/powerpoint/2010/main">
+    <mc:Choice Requires="p14">
       <p:transition p14:dur="10" advClick="0" advTm="4000">
         <p:split orient="vert"/>
       </p:transition>
     </mc:Choice>
-    <mc:Fallback>
+    <mc:Fallback xmlns="">
       <p:transition advClick="0" advTm="4000">
         <p:split orient="vert"/>
       </p:transition>
@@ -30675,13 +31243,13 @@
   <p:clrMapOvr>
     <a:masterClrMapping/>
   </p:clrMapOvr>
-  <mc:AlternateContent xmlns:mc="http://schemas.openxmlformats.org/markup-compatibility/2006">
-    <mc:Choice xmlns:p14="http://schemas.microsoft.com/office/powerpoint/2010/main" Requires="p14">
+  <mc:AlternateContent xmlns:mc="http://schemas.openxmlformats.org/markup-compatibility/2006" xmlns:p14="http://schemas.microsoft.com/office/powerpoint/2010/main">
+    <mc:Choice Requires="p14">
       <p:transition p14:dur="10" advClick="0" advTm="4000">
         <p:split orient="vert"/>
       </p:transition>
     </mc:Choice>
-    <mc:Fallback>
+    <mc:Fallback xmlns="">
       <p:transition advClick="0" advTm="4000">
         <p:split orient="vert"/>
       </p:transition>
@@ -31395,13 +31963,13 @@
   <p:clrMapOvr>
     <a:masterClrMapping/>
   </p:clrMapOvr>
-  <mc:AlternateContent xmlns:mc="http://schemas.openxmlformats.org/markup-compatibility/2006">
-    <mc:Choice xmlns:p14="http://schemas.microsoft.com/office/powerpoint/2010/main" Requires="p14">
+  <mc:AlternateContent xmlns:mc="http://schemas.openxmlformats.org/markup-compatibility/2006" xmlns:p14="http://schemas.microsoft.com/office/powerpoint/2010/main">
+    <mc:Choice Requires="p14">
       <p:transition p14:dur="10" advClick="0" advTm="4000">
         <p:split orient="vert"/>
       </p:transition>
     </mc:Choice>
-    <mc:Fallback>
+    <mc:Fallback xmlns="">
       <p:transition advClick="0" advTm="4000">
         <p:split orient="vert"/>
       </p:transition>
@@ -31716,13 +32284,13 @@
   <p:clrMapOvr>
     <a:masterClrMapping/>
   </p:clrMapOvr>
-  <mc:AlternateContent xmlns:mc="http://schemas.openxmlformats.org/markup-compatibility/2006">
-    <mc:Choice xmlns:p14="http://schemas.microsoft.com/office/powerpoint/2010/main" Requires="p14">
+  <mc:AlternateContent xmlns:mc="http://schemas.openxmlformats.org/markup-compatibility/2006" xmlns:p14="http://schemas.microsoft.com/office/powerpoint/2010/main">
+    <mc:Choice Requires="p14">
       <p:transition p14:dur="10" advClick="0" advTm="4000">
         <p:split orient="vert"/>
       </p:transition>
     </mc:Choice>
-    <mc:Fallback>
+    <mc:Fallback xmlns="">
       <p:transition advClick="0" advTm="4000">
         <p:split orient="vert"/>
       </p:transition>
@@ -31892,13 +32460,13 @@
   <p:clrMapOvr>
     <a:masterClrMapping/>
   </p:clrMapOvr>
-  <mc:AlternateContent xmlns:mc="http://schemas.openxmlformats.org/markup-compatibility/2006">
-    <mc:Choice xmlns:p14="http://schemas.microsoft.com/office/powerpoint/2010/main" Requires="p14">
+  <mc:AlternateContent xmlns:mc="http://schemas.openxmlformats.org/markup-compatibility/2006" xmlns:p14="http://schemas.microsoft.com/office/powerpoint/2010/main">
+    <mc:Choice Requires="p14">
       <p:transition p14:dur="10" advClick="0" advTm="4000">
         <p:split orient="vert"/>
       </p:transition>
     </mc:Choice>
-    <mc:Fallback>
+    <mc:Fallback xmlns="">
       <p:transition advClick="0" advTm="4000">
         <p:split orient="vert"/>
       </p:transition>
@@ -32256,13 +32824,13 @@
   <p:clrMapOvr>
     <a:masterClrMapping/>
   </p:clrMapOvr>
-  <mc:AlternateContent xmlns:mc="http://schemas.openxmlformats.org/markup-compatibility/2006">
-    <mc:Choice xmlns:p14="http://schemas.microsoft.com/office/powerpoint/2010/main" Requires="p14">
+  <mc:AlternateContent xmlns:mc="http://schemas.openxmlformats.org/markup-compatibility/2006" xmlns:p14="http://schemas.microsoft.com/office/powerpoint/2010/main">
+    <mc:Choice Requires="p14">
       <p:transition p14:dur="10" advClick="0" advTm="4000">
         <p:split orient="vert"/>
       </p:transition>
     </mc:Choice>
-    <mc:Fallback>
+    <mc:Fallback xmlns="">
       <p:transition advClick="0" advTm="4000">
         <p:split orient="vert"/>
       </p:transition>
@@ -32860,13 +33428,13 @@
   <p:clrMapOvr>
     <a:masterClrMapping/>
   </p:clrMapOvr>
-  <mc:AlternateContent xmlns:mc="http://schemas.openxmlformats.org/markup-compatibility/2006">
-    <mc:Choice xmlns:p14="http://schemas.microsoft.com/office/powerpoint/2010/main" Requires="p14">
+  <mc:AlternateContent xmlns:mc="http://schemas.openxmlformats.org/markup-compatibility/2006" xmlns:p14="http://schemas.microsoft.com/office/powerpoint/2010/main">
+    <mc:Choice Requires="p14">
       <p:transition p14:dur="10" advClick="0" advTm="4000">
         <p:split orient="vert"/>
       </p:transition>
     </mc:Choice>
-    <mc:Fallback>
+    <mc:Fallback xmlns="">
       <p:transition advClick="0" advTm="4000">
         <p:split orient="vert"/>
       </p:transition>
@@ -33470,13 +34038,13 @@
   <p:clrMapOvr>
     <a:masterClrMapping/>
   </p:clrMapOvr>
-  <mc:AlternateContent xmlns:mc="http://schemas.openxmlformats.org/markup-compatibility/2006">
-    <mc:Choice xmlns:p14="http://schemas.microsoft.com/office/powerpoint/2010/main" Requires="p14">
+  <mc:AlternateContent xmlns:mc="http://schemas.openxmlformats.org/markup-compatibility/2006" xmlns:p14="http://schemas.microsoft.com/office/powerpoint/2010/main">
+    <mc:Choice Requires="p14">
       <p:transition p14:dur="10" advClick="0" advTm="4000">
         <p:split orient="vert"/>
       </p:transition>
     </mc:Choice>
-    <mc:Fallback>
+    <mc:Fallback xmlns="">
       <p:transition advClick="0" advTm="4000">
         <p:split orient="vert"/>
       </p:transition>
@@ -33778,4 +34346,299 @@
     </a:ext>
   </a:extLst>
 </a:theme>
+</file>
+
+<file path=ppt/theme/theme2.xml><?xml version="1.0" encoding="utf-8"?>
+<a:theme xmlns:a="http://schemas.openxmlformats.org/drawingml/2006/main" name="Office Theme">
+  <a:themeElements>
+    <a:clrScheme name="Office">
+      <a:dk1>
+        <a:sysClr val="windowText" lastClr="000000"/>
+      </a:dk1>
+      <a:lt1>
+        <a:sysClr val="window" lastClr="FFFFFF"/>
+      </a:lt1>
+      <a:dk2>
+        <a:srgbClr val="44546A"/>
+      </a:dk2>
+      <a:lt2>
+        <a:srgbClr val="E7E6E6"/>
+      </a:lt2>
+      <a:accent1>
+        <a:srgbClr val="4472C4"/>
+      </a:accent1>
+      <a:accent2>
+        <a:srgbClr val="ED7D31"/>
+      </a:accent2>
+      <a:accent3>
+        <a:srgbClr val="A5A5A5"/>
+      </a:accent3>
+      <a:accent4>
+        <a:srgbClr val="FFC000"/>
+      </a:accent4>
+      <a:accent5>
+        <a:srgbClr val="5B9BD5"/>
+      </a:accent5>
+      <a:accent6>
+        <a:srgbClr val="70AD47"/>
+      </a:accent6>
+      <a:hlink>
+        <a:srgbClr val="0563C1"/>
+      </a:hlink>
+      <a:folHlink>
+        <a:srgbClr val="954F72"/>
+      </a:folHlink>
+    </a:clrScheme>
+    <a:fontScheme name="Office">
+      <a:majorFont>
+        <a:latin typeface="Calibri Light" panose="020F0302020204030204"/>
+        <a:ea typeface=""/>
+        <a:cs typeface=""/>
+        <a:font script="Jpan" typeface="游ゴシック Light"/>
+        <a:font script="Hang" typeface="맑은 고딕"/>
+        <a:font script="Hans" typeface="等线 Light"/>
+        <a:font script="Hant" typeface="新細明體"/>
+        <a:font script="Arab" typeface="Times New Roman"/>
+        <a:font script="Hebr" typeface="Times New Roman"/>
+        <a:font script="Thai" typeface="Angsana New"/>
+        <a:font script="Ethi" typeface="Nyala"/>
+        <a:font script="Beng" typeface="Vrinda"/>
+        <a:font script="Gujr" typeface="Shruti"/>
+        <a:font script="Khmr" typeface="MoolBoran"/>
+        <a:font script="Knda" typeface="Tunga"/>
+        <a:font script="Guru" typeface="Raavi"/>
+        <a:font script="Cans" typeface="Euphemia"/>
+        <a:font script="Cher" typeface="Plantagenet Cherokee"/>
+        <a:font script="Yiii" typeface="Microsoft Yi Baiti"/>
+        <a:font script="Tibt" typeface="Microsoft Himalaya"/>
+        <a:font script="Thaa" typeface="MV Boli"/>
+        <a:font script="Deva" typeface="Mangal"/>
+        <a:font script="Telu" typeface="Gautami"/>
+        <a:font script="Taml" typeface="Latha"/>
+        <a:font script="Syrc" typeface="Estrangelo Edessa"/>
+        <a:font script="Orya" typeface="Kalinga"/>
+        <a:font script="Mlym" typeface="Kartika"/>
+        <a:font script="Laoo" typeface="DokChampa"/>
+        <a:font script="Sinh" typeface="Iskoola Pota"/>
+        <a:font script="Mong" typeface="Mongolian Baiti"/>
+        <a:font script="Viet" typeface="Times New Roman"/>
+        <a:font script="Uigh" typeface="Microsoft Uighur"/>
+        <a:font script="Geor" typeface="Sylfaen"/>
+        <a:font script="Armn" typeface="Arial"/>
+        <a:font script="Bugi" typeface="Leelawadee UI"/>
+        <a:font script="Bopo" typeface="Microsoft JhengHei"/>
+        <a:font script="Java" typeface="Javanese Text"/>
+        <a:font script="Lisu" typeface="Segoe UI"/>
+        <a:font script="Mymr" typeface="Myanmar Text"/>
+        <a:font script="Nkoo" typeface="Ebrima"/>
+        <a:font script="Olck" typeface="Nirmala UI"/>
+        <a:font script="Osma" typeface="Ebrima"/>
+        <a:font script="Phag" typeface="Phagspa"/>
+        <a:font script="Syrn" typeface="Estrangelo Edessa"/>
+        <a:font script="Syrj" typeface="Estrangelo Edessa"/>
+        <a:font script="Syre" typeface="Estrangelo Edessa"/>
+        <a:font script="Sora" typeface="Nirmala UI"/>
+        <a:font script="Tale" typeface="Microsoft Tai Le"/>
+        <a:font script="Talu" typeface="Microsoft New Tai Lue"/>
+        <a:font script="Tfng" typeface="Ebrima"/>
+      </a:majorFont>
+      <a:minorFont>
+        <a:latin typeface="Calibri" panose="020F0502020204030204"/>
+        <a:ea typeface=""/>
+        <a:cs typeface=""/>
+        <a:font script="Jpan" typeface="游ゴシック"/>
+        <a:font script="Hang" typeface="맑은 고딕"/>
+        <a:font script="Hans" typeface="等线"/>
+        <a:font script="Hant" typeface="新細明體"/>
+        <a:font script="Arab" typeface="Arial"/>
+        <a:font script="Hebr" typeface="Arial"/>
+        <a:font script="Thai" typeface="Cordia New"/>
+        <a:font script="Ethi" typeface="Nyala"/>
+        <a:font script="Beng" typeface="Vrinda"/>
+        <a:font script="Gujr" typeface="Shruti"/>
+        <a:font script="Khmr" typeface="DaunPenh"/>
+        <a:font script="Knda" typeface="Tunga"/>
+        <a:font script="Guru" typeface="Raavi"/>
+        <a:font script="Cans" typeface="Euphemia"/>
+        <a:font script="Cher" typeface="Plantagenet Cherokee"/>
+        <a:font script="Yiii" typeface="Microsoft Yi Baiti"/>
+        <a:font script="Tibt" typeface="Microsoft Himalaya"/>
+        <a:font script="Thaa" typeface="MV Boli"/>
+        <a:font script="Deva" typeface="Mangal"/>
+        <a:font script="Telu" typeface="Gautami"/>
+        <a:font script="Taml" typeface="Latha"/>
+        <a:font script="Syrc" typeface="Estrangelo Edessa"/>
+        <a:font script="Orya" typeface="Kalinga"/>
+        <a:font script="Mlym" typeface="Kartika"/>
+        <a:font script="Laoo" typeface="DokChampa"/>
+        <a:font script="Sinh" typeface="Iskoola Pota"/>
+        <a:font script="Mong" typeface="Mongolian Baiti"/>
+        <a:font script="Viet" typeface="Arial"/>
+        <a:font script="Uigh" typeface="Microsoft Uighur"/>
+        <a:font script="Geor" typeface="Sylfaen"/>
+        <a:font script="Armn" typeface="Arial"/>
+        <a:font script="Bugi" typeface="Leelawadee UI"/>
+        <a:font script="Bopo" typeface="Microsoft JhengHei"/>
+        <a:font script="Java" typeface="Javanese Text"/>
+        <a:font script="Lisu" typeface="Segoe UI"/>
+        <a:font script="Mymr" typeface="Myanmar Text"/>
+        <a:font script="Nkoo" typeface="Ebrima"/>
+        <a:font script="Olck" typeface="Nirmala UI"/>
+        <a:font script="Osma" typeface="Ebrima"/>
+        <a:font script="Phag" typeface="Phagspa"/>
+        <a:font script="Syrn" typeface="Estrangelo Edessa"/>
+        <a:font script="Syrj" typeface="Estrangelo Edessa"/>
+        <a:font script="Syre" typeface="Estrangelo Edessa"/>
+        <a:font script="Sora" typeface="Nirmala UI"/>
+        <a:font script="Tale" typeface="Microsoft Tai Le"/>
+        <a:font script="Talu" typeface="Microsoft New Tai Lue"/>
+        <a:font script="Tfng" typeface="Ebrima"/>
+      </a:minorFont>
+    </a:fontScheme>
+    <a:fmtScheme name="Office">
+      <a:fillStyleLst>
+        <a:solidFill>
+          <a:schemeClr val="phClr"/>
+        </a:solidFill>
+        <a:gradFill rotWithShape="1">
+          <a:gsLst>
+            <a:gs pos="0">
+              <a:schemeClr val="phClr">
+                <a:lumMod val="110000"/>
+                <a:satMod val="105000"/>
+                <a:tint val="67000"/>
+              </a:schemeClr>
+            </a:gs>
+            <a:gs pos="50000">
+              <a:schemeClr val="phClr">
+                <a:lumMod val="105000"/>
+                <a:satMod val="103000"/>
+                <a:tint val="73000"/>
+              </a:schemeClr>
+            </a:gs>
+            <a:gs pos="100000">
+              <a:schemeClr val="phClr">
+                <a:lumMod val="105000"/>
+                <a:satMod val="109000"/>
+                <a:tint val="81000"/>
+              </a:schemeClr>
+            </a:gs>
+          </a:gsLst>
+          <a:lin ang="5400000" scaled="0"/>
+        </a:gradFill>
+        <a:gradFill rotWithShape="1">
+          <a:gsLst>
+            <a:gs pos="0">
+              <a:schemeClr val="phClr">
+                <a:satMod val="103000"/>
+                <a:lumMod val="102000"/>
+                <a:tint val="94000"/>
+              </a:schemeClr>
+            </a:gs>
+            <a:gs pos="50000">
+              <a:schemeClr val="phClr">
+                <a:satMod val="110000"/>
+                <a:lumMod val="100000"/>
+                <a:shade val="100000"/>
+              </a:schemeClr>
+            </a:gs>
+            <a:gs pos="100000">
+              <a:schemeClr val="phClr">
+                <a:lumMod val="99000"/>
+                <a:satMod val="120000"/>
+                <a:shade val="78000"/>
+              </a:schemeClr>
+            </a:gs>
+          </a:gsLst>
+          <a:lin ang="5400000" scaled="0"/>
+        </a:gradFill>
+      </a:fillStyleLst>
+      <a:lnStyleLst>
+        <a:ln w="6350" cap="flat" cmpd="sng" algn="ctr">
+          <a:solidFill>
+            <a:schemeClr val="phClr"/>
+          </a:solidFill>
+          <a:prstDash val="solid"/>
+          <a:miter lim="800000"/>
+        </a:ln>
+        <a:ln w="12700" cap="flat" cmpd="sng" algn="ctr">
+          <a:solidFill>
+            <a:schemeClr val="phClr"/>
+          </a:solidFill>
+          <a:prstDash val="solid"/>
+          <a:miter lim="800000"/>
+        </a:ln>
+        <a:ln w="19050" cap="flat" cmpd="sng" algn="ctr">
+          <a:solidFill>
+            <a:schemeClr val="phClr"/>
+          </a:solidFill>
+          <a:prstDash val="solid"/>
+          <a:miter lim="800000"/>
+        </a:ln>
+      </a:lnStyleLst>
+      <a:effectStyleLst>
+        <a:effectStyle>
+          <a:effectLst/>
+        </a:effectStyle>
+        <a:effectStyle>
+          <a:effectLst/>
+        </a:effectStyle>
+        <a:effectStyle>
+          <a:effectLst>
+            <a:outerShdw blurRad="57150" dist="19050" dir="5400000" algn="ctr" rotWithShape="0">
+              <a:srgbClr val="000000">
+                <a:alpha val="63000"/>
+              </a:srgbClr>
+            </a:outerShdw>
+          </a:effectLst>
+        </a:effectStyle>
+      </a:effectStyleLst>
+      <a:bgFillStyleLst>
+        <a:solidFill>
+          <a:schemeClr val="phClr"/>
+        </a:solidFill>
+        <a:solidFill>
+          <a:schemeClr val="phClr">
+            <a:tint val="95000"/>
+            <a:satMod val="170000"/>
+          </a:schemeClr>
+        </a:solidFill>
+        <a:gradFill rotWithShape="1">
+          <a:gsLst>
+            <a:gs pos="0">
+              <a:schemeClr val="phClr">
+                <a:tint val="93000"/>
+                <a:satMod val="150000"/>
+                <a:shade val="98000"/>
+                <a:lumMod val="102000"/>
+              </a:schemeClr>
+            </a:gs>
+            <a:gs pos="50000">
+              <a:schemeClr val="phClr">
+                <a:tint val="98000"/>
+                <a:satMod val="130000"/>
+                <a:shade val="90000"/>
+                <a:lumMod val="103000"/>
+              </a:schemeClr>
+            </a:gs>
+            <a:gs pos="100000">
+              <a:schemeClr val="phClr">
+                <a:shade val="63000"/>
+                <a:satMod val="120000"/>
+              </a:schemeClr>
+            </a:gs>
+          </a:gsLst>
+          <a:lin ang="5400000" scaled="0"/>
+        </a:gradFill>
+      </a:bgFillStyleLst>
+    </a:fmtScheme>
+  </a:themeElements>
+  <a:objectDefaults/>
+  <a:extraClrSchemeLst/>
+  <a:extLst>
+    <a:ext uri="{05A4C25C-085E-4340-85A3-A5531E510DB2}">
+      <thm15:themeFamily xmlns:thm15="http://schemas.microsoft.com/office/thememl/2012/main" name="Office Theme" id="{62F939B6-93AF-4DB8-9C6B-D6C7DFDC589F}" vid="{4A3C46E8-61CC-4603-A589-7422A47A8E4A}"/>
+    </a:ext>
+  </a:extLst>
+</a:theme>
 </file>
--- a/Presentation for IT.pptx
+++ b/Presentation for IT.pptx
@@ -8912,7 +8912,7 @@
   <dgm:whole/>
   <dgm:extLst>
     <a:ext uri="http://schemas.microsoft.com/office/drawing/2008/diagram">
-      <dsp:dataModelExt xmlns:dsp="http://schemas.microsoft.com/office/drawing/2008/diagram" relId="rId6" minVer="http://schemas.openxmlformats.org/drawingml/2006/diagram"/>
+      <dsp:dataModelExt xmlns:dsp="http://schemas.microsoft.com/office/drawing/2008/diagram" relId="rId7" minVer="http://schemas.openxmlformats.org/drawingml/2006/diagram"/>
     </a:ext>
   </dgm:extLst>
 </dgm:dataModel>
@@ -9164,7 +9164,7 @@
   <dgm:whole/>
   <dgm:extLst>
     <a:ext uri="http://schemas.microsoft.com/office/drawing/2008/diagram">
-      <dsp:dataModelExt xmlns:dsp="http://schemas.microsoft.com/office/drawing/2008/diagram" relId="rId6" minVer="http://schemas.openxmlformats.org/drawingml/2006/diagram"/>
+      <dsp:dataModelExt xmlns:dsp="http://schemas.microsoft.com/office/drawing/2008/diagram" relId="rId7" minVer="http://schemas.openxmlformats.org/drawingml/2006/diagram"/>
     </a:ext>
   </dgm:extLst>
 </dgm:dataModel>
@@ -28277,7 +28277,7 @@
           <a:p>
             <a:fld id="{E91DDA50-ABC7-4925-B05D-AC0ABC4936E7}" type="datetimeFigureOut">
               <a:rPr lang="en-US" smtClean="0"/>
-              <a:t>1/7/2023</a:t>
+              <a:t>1/8/2023</a:t>
             </a:fld>
             <a:endParaRPr lang="en-US"/>
           </a:p>
@@ -29423,6 +29423,754 @@
 </p:notes>
 </file>
 
+<file path=ppt/notesSlides/notesSlide6.xml><?xml version="1.0" encoding="utf-8"?>
+<p:notes xmlns:a="http://schemas.openxmlformats.org/drawingml/2006/main" xmlns:r="http://schemas.openxmlformats.org/officeDocument/2006/relationships" xmlns:p="http://schemas.openxmlformats.org/presentationml/2006/main">
+  <p:cSld>
+    <p:spTree>
+      <p:nvGrpSpPr>
+        <p:cNvPr id="1" name=""/>
+        <p:cNvGrpSpPr/>
+        <p:nvPr/>
+      </p:nvGrpSpPr>
+      <p:grpSpPr>
+        <a:xfrm>
+          <a:off x="0" y="0"/>
+          <a:ext cx="0" cy="0"/>
+          <a:chOff x="0" y="0"/>
+          <a:chExt cx="0" cy="0"/>
+        </a:xfrm>
+      </p:grpSpPr>
+      <p:sp>
+        <p:nvSpPr>
+          <p:cNvPr id="2" name="Slide Image Placeholder 1"/>
+          <p:cNvSpPr>
+            <a:spLocks noGrp="1" noRot="1" noChangeAspect="1"/>
+          </p:cNvSpPr>
+          <p:nvPr>
+            <p:ph type="sldImg"/>
+          </p:nvPr>
+        </p:nvSpPr>
+        <p:spPr/>
+      </p:sp>
+      <p:sp>
+        <p:nvSpPr>
+          <p:cNvPr id="3" name="Notes Placeholder 2"/>
+          <p:cNvSpPr>
+            <a:spLocks noGrp="1"/>
+          </p:cNvSpPr>
+          <p:nvPr>
+            <p:ph type="body" idx="1"/>
+          </p:nvPr>
+        </p:nvSpPr>
+        <p:spPr/>
+        <p:txBody>
+          <a:bodyPr/>
+          <a:lstStyle/>
+          <a:p>
+            <a:r>
+              <a:rPr lang="en-US" dirty="0" err="1"/>
+              <a:t>Druhy</a:t>
+            </a:r>
+            <a:r>
+              <a:rPr lang="en-US" dirty="0"/>
+              <a:t> </a:t>
+            </a:r>
+            <a:r>
+              <a:rPr lang="en-US" dirty="0" err="1"/>
+              <a:t>barevne</a:t>
+            </a:r>
+            <a:r>
+              <a:rPr lang="en-US" dirty="0"/>
+              <a:t> </a:t>
+            </a:r>
+            <a:r>
+              <a:rPr lang="en-US" dirty="0" err="1"/>
+              <a:t>modely</a:t>
+            </a:r>
+            <a:r>
+              <a:rPr lang="en-US" dirty="0"/>
+              <a:t> CMY a CMYK. Je to </a:t>
+            </a:r>
+            <a:r>
+              <a:rPr lang="en-US" dirty="0" err="1"/>
+              <a:t>barevne</a:t>
+            </a:r>
+            <a:r>
+              <a:rPr lang="en-US" dirty="0"/>
+              <a:t> model . </a:t>
+            </a:r>
+            <a:r>
+              <a:rPr lang="en-US" dirty="0" err="1"/>
+              <a:t>Znamena</a:t>
+            </a:r>
+            <a:r>
+              <a:rPr lang="en-US" dirty="0"/>
+              <a:t> ze </a:t>
+            </a:r>
+            <a:r>
+              <a:rPr lang="en-US" b="0" i="0" dirty="0">
+                <a:solidFill>
+                  <a:srgbClr val="374151"/>
+                </a:solidFill>
+                <a:effectLst/>
+                <a:latin typeface="Söhne"/>
+              </a:rPr>
+              <a:t>Cyan, Magenta, Yellow, Key. Je to taky </a:t>
+            </a:r>
+            <a:r>
+              <a:rPr lang="en-US" b="0" i="0" dirty="0" err="1">
+                <a:solidFill>
+                  <a:srgbClr val="374151"/>
+                </a:solidFill>
+                <a:effectLst/>
+                <a:latin typeface="Söhne"/>
+              </a:rPr>
+              <a:t>dulezitejsi</a:t>
+            </a:r>
+            <a:r>
+              <a:rPr lang="en-US" b="0" i="0" dirty="0">
+                <a:solidFill>
+                  <a:srgbClr val="374151"/>
+                </a:solidFill>
+                <a:effectLst/>
+                <a:latin typeface="Söhne"/>
+              </a:rPr>
+              <a:t> model </a:t>
+            </a:r>
+            <a:r>
+              <a:rPr lang="en-US" b="0" i="0" dirty="0" err="1">
+                <a:solidFill>
+                  <a:srgbClr val="374151"/>
+                </a:solidFill>
+                <a:effectLst/>
+                <a:latin typeface="Söhne"/>
+              </a:rPr>
+              <a:t>jako</a:t>
+            </a:r>
+            <a:r>
+              <a:rPr lang="en-US" b="0" i="0" dirty="0">
+                <a:solidFill>
+                  <a:srgbClr val="374151"/>
+                </a:solidFill>
+                <a:effectLst/>
+                <a:latin typeface="Söhne"/>
+              </a:rPr>
+              <a:t> RGB. </a:t>
+            </a:r>
+            <a:endParaRPr lang="en-US" dirty="0"/>
+          </a:p>
+        </p:txBody>
+      </p:sp>
+      <p:sp>
+        <p:nvSpPr>
+          <p:cNvPr id="4" name="Slide Number Placeholder 3"/>
+          <p:cNvSpPr>
+            <a:spLocks noGrp="1"/>
+          </p:cNvSpPr>
+          <p:nvPr>
+            <p:ph type="sldNum" sz="quarter" idx="5"/>
+          </p:nvPr>
+        </p:nvSpPr>
+        <p:spPr/>
+        <p:txBody>
+          <a:bodyPr/>
+          <a:lstStyle/>
+          <a:p>
+            <a:fld id="{A327F149-D9FA-4932-BD99-DB4E84988BB6}" type="slidenum">
+              <a:rPr lang="en-US" smtClean="0"/>
+              <a:t>6</a:t>
+            </a:fld>
+            <a:endParaRPr lang="en-US"/>
+          </a:p>
+        </p:txBody>
+      </p:sp>
+    </p:spTree>
+    <p:extLst>
+      <p:ext uri="{BB962C8B-B14F-4D97-AF65-F5344CB8AC3E}">
+        <p14:creationId xmlns:p14="http://schemas.microsoft.com/office/powerpoint/2010/main" val="971353420"/>
+      </p:ext>
+    </p:extLst>
+  </p:cSld>
+  <p:clrMapOvr>
+    <a:masterClrMapping/>
+  </p:clrMapOvr>
+</p:notes>
+</file>
+
+<file path=ppt/notesSlides/notesSlide7.xml><?xml version="1.0" encoding="utf-8"?>
+<p:notes xmlns:a="http://schemas.openxmlformats.org/drawingml/2006/main" xmlns:r="http://schemas.openxmlformats.org/officeDocument/2006/relationships" xmlns:p="http://schemas.openxmlformats.org/presentationml/2006/main">
+  <p:cSld>
+    <p:spTree>
+      <p:nvGrpSpPr>
+        <p:cNvPr id="1" name=""/>
+        <p:cNvGrpSpPr/>
+        <p:nvPr/>
+      </p:nvGrpSpPr>
+      <p:grpSpPr>
+        <a:xfrm>
+          <a:off x="0" y="0"/>
+          <a:ext cx="0" cy="0"/>
+          <a:chOff x="0" y="0"/>
+          <a:chExt cx="0" cy="0"/>
+        </a:xfrm>
+      </p:grpSpPr>
+      <p:sp>
+        <p:nvSpPr>
+          <p:cNvPr id="2" name="Slide Image Placeholder 1"/>
+          <p:cNvSpPr>
+            <a:spLocks noGrp="1" noRot="1" noChangeAspect="1"/>
+          </p:cNvSpPr>
+          <p:nvPr>
+            <p:ph type="sldImg"/>
+          </p:nvPr>
+        </p:nvSpPr>
+        <p:spPr/>
+      </p:sp>
+      <p:sp>
+        <p:nvSpPr>
+          <p:cNvPr id="3" name="Notes Placeholder 2"/>
+          <p:cNvSpPr>
+            <a:spLocks noGrp="1"/>
+          </p:cNvSpPr>
+          <p:nvPr>
+            <p:ph type="body" idx="1"/>
+          </p:nvPr>
+        </p:nvSpPr>
+        <p:spPr/>
+        <p:txBody>
+          <a:bodyPr/>
+          <a:lstStyle/>
+          <a:p>
+            <a:r>
+              <a:rPr lang="en-US" dirty="0"/>
+              <a:t>Jak </a:t>
+            </a:r>
+            <a:r>
+              <a:rPr lang="en-US" dirty="0" err="1"/>
+              <a:t>nam</a:t>
+            </a:r>
+            <a:r>
+              <a:rPr lang="en-US" dirty="0"/>
+              <a:t> </a:t>
+            </a:r>
+            <a:r>
+              <a:rPr lang="en-US" dirty="0" err="1"/>
+              <a:t>pomuze</a:t>
+            </a:r>
+            <a:r>
+              <a:rPr lang="en-US" dirty="0"/>
+              <a:t>? </a:t>
+            </a:r>
+            <a:r>
+              <a:rPr lang="en-US" dirty="0" err="1"/>
+              <a:t>Barevne</a:t>
+            </a:r>
+            <a:r>
+              <a:rPr lang="en-US" dirty="0"/>
+              <a:t> model CMY </a:t>
+            </a:r>
+            <a:r>
+              <a:rPr lang="en-US" dirty="0" err="1"/>
+              <a:t>nebo</a:t>
+            </a:r>
+            <a:r>
+              <a:rPr lang="en-US" dirty="0"/>
+              <a:t> CMYK je pro </a:t>
+            </a:r>
+            <a:r>
+              <a:rPr lang="en-US" dirty="0" err="1"/>
+              <a:t>tiskaren</a:t>
+            </a:r>
+            <a:r>
+              <a:rPr lang="en-US" dirty="0"/>
+              <a:t>. </a:t>
+            </a:r>
+            <a:r>
+              <a:rPr lang="en-US" dirty="0" err="1"/>
+              <a:t>Tady</a:t>
+            </a:r>
+            <a:r>
+              <a:rPr lang="en-US" dirty="0"/>
+              <a:t> </a:t>
+            </a:r>
+            <a:r>
+              <a:rPr lang="en-US" dirty="0" err="1"/>
+              <a:t>na</a:t>
+            </a:r>
+            <a:r>
+              <a:rPr lang="en-US" dirty="0"/>
+              <a:t> </a:t>
+            </a:r>
+            <a:r>
+              <a:rPr lang="en-US" dirty="0" err="1"/>
+              <a:t>fotce</a:t>
+            </a:r>
+            <a:r>
+              <a:rPr lang="en-US" dirty="0"/>
+              <a:t> </a:t>
+            </a:r>
+            <a:r>
+              <a:rPr lang="en-US" dirty="0" err="1"/>
+              <a:t>ukazu</a:t>
+            </a:r>
+            <a:r>
+              <a:rPr lang="en-US" dirty="0"/>
+              <a:t> . Oba </a:t>
+            </a:r>
+            <a:r>
+              <a:rPr lang="en-US" dirty="0" err="1"/>
+              <a:t>dva</a:t>
+            </a:r>
+            <a:r>
+              <a:rPr lang="en-US" dirty="0"/>
+              <a:t> </a:t>
+            </a:r>
+            <a:r>
+              <a:rPr lang="en-US" dirty="0" err="1"/>
+              <a:t>fotce</a:t>
+            </a:r>
+            <a:r>
+              <a:rPr lang="en-US" dirty="0"/>
+              <a:t> ukase ze C je </a:t>
+            </a:r>
+            <a:r>
+              <a:rPr lang="en-US" dirty="0" err="1"/>
+              <a:t>tohle</a:t>
+            </a:r>
+            <a:r>
+              <a:rPr lang="en-US" dirty="0"/>
+              <a:t> </a:t>
+            </a:r>
+            <a:r>
+              <a:rPr lang="en-US" dirty="0" err="1"/>
+              <a:t>barev</a:t>
+            </a:r>
+            <a:r>
+              <a:rPr lang="en-US" dirty="0"/>
+              <a:t> M je </a:t>
+            </a:r>
+            <a:r>
+              <a:rPr lang="en-US" dirty="0" err="1"/>
+              <a:t>tohle</a:t>
+            </a:r>
+            <a:r>
+              <a:rPr lang="en-US" dirty="0"/>
+              <a:t> </a:t>
+            </a:r>
+            <a:r>
+              <a:rPr lang="en-US" dirty="0" err="1"/>
+              <a:t>barev</a:t>
+            </a:r>
+            <a:r>
+              <a:rPr lang="en-US" dirty="0"/>
+              <a:t> Y je </a:t>
+            </a:r>
+            <a:r>
+              <a:rPr lang="en-US" dirty="0" err="1"/>
+              <a:t>tohle</a:t>
+            </a:r>
+            <a:r>
+              <a:rPr lang="en-US" dirty="0"/>
+              <a:t> </a:t>
+            </a:r>
+            <a:r>
+              <a:rPr lang="en-US" dirty="0" err="1"/>
+              <a:t>barev</a:t>
+            </a:r>
+            <a:r>
+              <a:rPr lang="en-US" dirty="0"/>
+              <a:t> K je </a:t>
+            </a:r>
+            <a:r>
+              <a:rPr lang="en-US" dirty="0" err="1"/>
+              <a:t>tohle</a:t>
+            </a:r>
+            <a:r>
+              <a:rPr lang="en-US" dirty="0"/>
+              <a:t> </a:t>
+            </a:r>
+            <a:r>
+              <a:rPr lang="en-US" dirty="0" err="1"/>
+              <a:t>barev</a:t>
+            </a:r>
+            <a:r>
+              <a:rPr lang="en-US" dirty="0"/>
+              <a:t> . </a:t>
+            </a:r>
+          </a:p>
+        </p:txBody>
+      </p:sp>
+      <p:sp>
+        <p:nvSpPr>
+          <p:cNvPr id="4" name="Slide Number Placeholder 3"/>
+          <p:cNvSpPr>
+            <a:spLocks noGrp="1"/>
+          </p:cNvSpPr>
+          <p:nvPr>
+            <p:ph type="sldNum" sz="quarter" idx="5"/>
+          </p:nvPr>
+        </p:nvSpPr>
+        <p:spPr/>
+        <p:txBody>
+          <a:bodyPr/>
+          <a:lstStyle/>
+          <a:p>
+            <a:fld id="{A327F149-D9FA-4932-BD99-DB4E84988BB6}" type="slidenum">
+              <a:rPr lang="en-US" smtClean="0"/>
+              <a:t>7</a:t>
+            </a:fld>
+            <a:endParaRPr lang="en-US"/>
+          </a:p>
+        </p:txBody>
+      </p:sp>
+    </p:spTree>
+    <p:extLst>
+      <p:ext uri="{BB962C8B-B14F-4D97-AF65-F5344CB8AC3E}">
+        <p14:creationId xmlns:p14="http://schemas.microsoft.com/office/powerpoint/2010/main" val="3054278321"/>
+      </p:ext>
+    </p:extLst>
+  </p:cSld>
+  <p:clrMapOvr>
+    <a:masterClrMapping/>
+  </p:clrMapOvr>
+</p:notes>
+</file>
+
+<file path=ppt/notesSlides/notesSlide8.xml><?xml version="1.0" encoding="utf-8"?>
+<p:notes xmlns:a="http://schemas.openxmlformats.org/drawingml/2006/main" xmlns:r="http://schemas.openxmlformats.org/officeDocument/2006/relationships" xmlns:p="http://schemas.openxmlformats.org/presentationml/2006/main">
+  <p:cSld>
+    <p:spTree>
+      <p:nvGrpSpPr>
+        <p:cNvPr id="1" name=""/>
+        <p:cNvGrpSpPr/>
+        <p:nvPr/>
+      </p:nvGrpSpPr>
+      <p:grpSpPr>
+        <a:xfrm>
+          <a:off x="0" y="0"/>
+          <a:ext cx="0" cy="0"/>
+          <a:chOff x="0" y="0"/>
+          <a:chExt cx="0" cy="0"/>
+        </a:xfrm>
+      </p:grpSpPr>
+      <p:sp>
+        <p:nvSpPr>
+          <p:cNvPr id="2" name="Slide Image Placeholder 1"/>
+          <p:cNvSpPr>
+            <a:spLocks noGrp="1" noRot="1" noChangeAspect="1"/>
+          </p:cNvSpPr>
+          <p:nvPr>
+            <p:ph type="sldImg"/>
+          </p:nvPr>
+        </p:nvSpPr>
+        <p:spPr/>
+      </p:sp>
+      <p:sp>
+        <p:nvSpPr>
+          <p:cNvPr id="3" name="Notes Placeholder 2"/>
+          <p:cNvSpPr>
+            <a:spLocks noGrp="1"/>
+          </p:cNvSpPr>
+          <p:nvPr>
+            <p:ph type="body" idx="1"/>
+          </p:nvPr>
+        </p:nvSpPr>
+        <p:spPr/>
+        <p:txBody>
+          <a:bodyPr/>
+          <a:lstStyle/>
+          <a:p>
+            <a:r>
+              <a:rPr lang="en-US" dirty="0"/>
+              <a:t>Tech </a:t>
+            </a:r>
+            <a:r>
+              <a:rPr lang="en-US" dirty="0" err="1"/>
+              <a:t>slidu</a:t>
+            </a:r>
+            <a:r>
+              <a:rPr lang="en-US" dirty="0"/>
+              <a:t> </a:t>
+            </a:r>
+            <a:r>
+              <a:rPr lang="en-US" dirty="0" err="1"/>
+              <a:t>budu</a:t>
+            </a:r>
+            <a:r>
+              <a:rPr lang="en-US" dirty="0"/>
+              <a:t> </a:t>
+            </a:r>
+            <a:r>
+              <a:rPr lang="en-US" dirty="0" err="1"/>
+              <a:t>vysvetlit</a:t>
+            </a:r>
+            <a:r>
+              <a:rPr lang="en-US" dirty="0"/>
+              <a:t> </a:t>
+            </a:r>
+            <a:r>
+              <a:rPr lang="en-US" dirty="0" err="1"/>
+              <a:t>jaky</a:t>
+            </a:r>
+            <a:r>
+              <a:rPr lang="en-US" dirty="0"/>
+              <a:t> je </a:t>
+            </a:r>
+            <a:r>
+              <a:rPr lang="en-US" dirty="0" err="1"/>
+              <a:t>rozdil</a:t>
+            </a:r>
+            <a:r>
+              <a:rPr lang="en-US" dirty="0"/>
+              <a:t> </a:t>
+            </a:r>
+            <a:r>
+              <a:rPr lang="en-US" dirty="0" err="1"/>
+              <a:t>mezu</a:t>
+            </a:r>
+            <a:r>
+              <a:rPr lang="en-US" dirty="0"/>
+              <a:t> RGB a CMYK. RGB red green blue </a:t>
+            </a:r>
+            <a:r>
+              <a:rPr lang="en-US" dirty="0" err="1"/>
+              <a:t>takze</a:t>
+            </a:r>
+            <a:r>
+              <a:rPr lang="en-US" dirty="0"/>
+              <a:t> 3 </a:t>
+            </a:r>
+            <a:r>
+              <a:rPr lang="en-US" dirty="0" err="1"/>
+              <a:t>barev</a:t>
+            </a:r>
+            <a:r>
+              <a:rPr lang="en-US" dirty="0"/>
+              <a:t> . CMYK cyan magenta yellow a black. </a:t>
+            </a:r>
+            <a:r>
+              <a:rPr lang="en-US" dirty="0" err="1"/>
+              <a:t>Barevne</a:t>
+            </a:r>
+            <a:r>
+              <a:rPr lang="en-US" dirty="0"/>
+              <a:t> </a:t>
+            </a:r>
+            <a:r>
+              <a:rPr lang="en-US" dirty="0" err="1"/>
+              <a:t>moznosti</a:t>
+            </a:r>
+            <a:r>
+              <a:rPr lang="en-US" dirty="0"/>
+              <a:t> proc ma </a:t>
+            </a:r>
+            <a:r>
+              <a:rPr lang="en-US" dirty="0" err="1"/>
+              <a:t>rgb</a:t>
+            </a:r>
+            <a:r>
+              <a:rPr lang="en-US" dirty="0"/>
+              <a:t> 16.7 mil, </a:t>
+            </a:r>
+            <a:r>
+              <a:rPr lang="en-US" dirty="0" err="1"/>
+              <a:t>rikal</a:t>
+            </a:r>
+            <a:r>
+              <a:rPr lang="en-US" dirty="0"/>
+              <a:t> </a:t>
+            </a:r>
+            <a:r>
+              <a:rPr lang="en-US" dirty="0" err="1"/>
+              <a:t>jsem</a:t>
+            </a:r>
+            <a:r>
+              <a:rPr lang="en-US" dirty="0"/>
+              <a:t> ze 3 </a:t>
+            </a:r>
+            <a:r>
+              <a:rPr lang="en-US" dirty="0" err="1"/>
+              <a:t>bytove</a:t>
+            </a:r>
+            <a:r>
+              <a:rPr lang="en-US" dirty="0"/>
+              <a:t> a je to 24 bit , 2 </a:t>
+            </a:r>
+            <a:r>
+              <a:rPr lang="en-US" dirty="0" err="1"/>
+              <a:t>na</a:t>
+            </a:r>
+            <a:r>
+              <a:rPr lang="en-US" dirty="0"/>
+              <a:t> 24 je </a:t>
+            </a:r>
+            <a:r>
+              <a:rPr lang="en-US" dirty="0" err="1"/>
+              <a:t>rovnace</a:t>
+            </a:r>
+            <a:r>
+              <a:rPr lang="en-US" dirty="0"/>
+              <a:t> 16.7 mil. Proc ma </a:t>
+            </a:r>
+            <a:r>
+              <a:rPr lang="en-US" dirty="0" err="1"/>
+              <a:t>cmyk</a:t>
+            </a:r>
+            <a:r>
+              <a:rPr lang="en-US" dirty="0"/>
+              <a:t> 16000? </a:t>
+            </a:r>
+            <a:r>
+              <a:rPr lang="en-US" dirty="0" err="1"/>
+              <a:t>lidské</a:t>
+            </a:r>
+            <a:r>
+              <a:rPr lang="en-US" dirty="0"/>
+              <a:t> </a:t>
+            </a:r>
+            <a:r>
+              <a:rPr lang="en-US" dirty="0" err="1"/>
+              <a:t>oko</a:t>
+            </a:r>
+            <a:r>
+              <a:rPr lang="en-US" dirty="0"/>
+              <a:t> </a:t>
+            </a:r>
+            <a:r>
+              <a:rPr lang="en-US" dirty="0" err="1"/>
+              <a:t>má</a:t>
+            </a:r>
+            <a:r>
+              <a:rPr lang="en-US" dirty="0"/>
+              <a:t> </a:t>
+            </a:r>
+            <a:r>
+              <a:rPr lang="en-US" dirty="0" err="1"/>
+              <a:t>nižší</a:t>
+            </a:r>
+            <a:r>
+              <a:rPr lang="en-US" dirty="0"/>
+              <a:t> </a:t>
+            </a:r>
+            <a:r>
+              <a:rPr lang="en-US" dirty="0" err="1"/>
+              <a:t>úroveň</a:t>
+            </a:r>
+            <a:r>
+              <a:rPr lang="en-US" dirty="0"/>
+              <a:t> </a:t>
+            </a:r>
+            <a:r>
+              <a:rPr lang="en-US" dirty="0" err="1"/>
+              <a:t>schopnosti</a:t>
+            </a:r>
+            <a:r>
+              <a:rPr lang="en-US" dirty="0"/>
+              <a:t> </a:t>
+            </a:r>
+            <a:r>
+              <a:rPr lang="en-US" dirty="0" err="1"/>
+              <a:t>rozlišovat</a:t>
+            </a:r>
+            <a:r>
+              <a:rPr lang="en-US" dirty="0"/>
+              <a:t> </a:t>
+            </a:r>
+            <a:r>
+              <a:rPr lang="en-US" dirty="0" err="1"/>
+              <a:t>většinu</a:t>
+            </a:r>
+            <a:r>
+              <a:rPr lang="en-US" dirty="0"/>
+              <a:t> </a:t>
+            </a:r>
+            <a:r>
+              <a:rPr lang="en-US" dirty="0" err="1"/>
+              <a:t>barev</a:t>
+            </a:r>
+            <a:r>
+              <a:rPr lang="en-US" dirty="0"/>
+              <a:t>. </a:t>
+            </a:r>
+            <a:r>
+              <a:rPr lang="en-US" dirty="0" err="1"/>
+              <a:t>Kvuli</a:t>
+            </a:r>
+            <a:r>
+              <a:rPr lang="en-US" dirty="0"/>
+              <a:t> </a:t>
+            </a:r>
+            <a:r>
+              <a:rPr lang="en-US" dirty="0" err="1"/>
+              <a:t>tomu</a:t>
+            </a:r>
+            <a:r>
+              <a:rPr lang="en-US" dirty="0"/>
+              <a:t> CMYK </a:t>
+            </a:r>
+            <a:r>
+              <a:rPr lang="en-US" dirty="0" err="1"/>
+              <a:t>pouzivany</a:t>
+            </a:r>
+            <a:r>
+              <a:rPr lang="en-US" dirty="0"/>
+              <a:t> </a:t>
+            </a:r>
+            <a:r>
+              <a:rPr lang="en-US" dirty="0" err="1"/>
+              <a:t>na</a:t>
+            </a:r>
+            <a:r>
+              <a:rPr lang="en-US" dirty="0"/>
+              <a:t> </a:t>
+            </a:r>
+            <a:r>
+              <a:rPr lang="en-US" dirty="0" err="1"/>
+              <a:t>tiskaren</a:t>
+            </a:r>
+            <a:r>
+              <a:rPr lang="en-US" dirty="0"/>
+              <a:t>.</a:t>
+            </a:r>
+          </a:p>
+        </p:txBody>
+      </p:sp>
+      <p:sp>
+        <p:nvSpPr>
+          <p:cNvPr id="4" name="Slide Number Placeholder 3"/>
+          <p:cNvSpPr>
+            <a:spLocks noGrp="1"/>
+          </p:cNvSpPr>
+          <p:nvPr>
+            <p:ph type="sldNum" sz="quarter" idx="5"/>
+          </p:nvPr>
+        </p:nvSpPr>
+        <p:spPr/>
+        <p:txBody>
+          <a:bodyPr/>
+          <a:lstStyle/>
+          <a:p>
+            <a:fld id="{A327F149-D9FA-4932-BD99-DB4E84988BB6}" type="slidenum">
+              <a:rPr lang="en-US" smtClean="0"/>
+              <a:t>8</a:t>
+            </a:fld>
+            <a:endParaRPr lang="en-US"/>
+          </a:p>
+        </p:txBody>
+      </p:sp>
+    </p:spTree>
+    <p:extLst>
+      <p:ext uri="{BB962C8B-B14F-4D97-AF65-F5344CB8AC3E}">
+        <p14:creationId xmlns:p14="http://schemas.microsoft.com/office/powerpoint/2010/main" val="2545284437"/>
+      </p:ext>
+    </p:extLst>
+  </p:cSld>
+  <p:clrMapOvr>
+    <a:masterClrMapping/>
+  </p:clrMapOvr>
+</p:notes>
+</file>
+
 <file path=ppt/slideLayouts/slideLayout1.xml><?xml version="1.0" encoding="utf-8"?>
 <p:sldLayout xmlns:a="http://schemas.openxmlformats.org/drawingml/2006/main" xmlns:r="http://schemas.openxmlformats.org/officeDocument/2006/relationships" xmlns:p="http://schemas.openxmlformats.org/presentationml/2006/main" type="title" preserve="1">
   <p:cSld name="Title Slide">
@@ -29570,7 +30318,7 @@
           <a:p>
             <a:fld id="{29134D58-3766-44A1-9C78-2A4754B7E537}" type="datetimeFigureOut">
               <a:rPr lang="en-US" smtClean="0"/>
-              <a:t>1/7/2023</a:t>
+              <a:t>1/8/2023</a:t>
             </a:fld>
             <a:endParaRPr lang="en-US"/>
           </a:p>
@@ -29780,7 +30528,7 @@
           <a:p>
             <a:fld id="{29134D58-3766-44A1-9C78-2A4754B7E537}" type="datetimeFigureOut">
               <a:rPr lang="en-US" smtClean="0"/>
-              <a:t>1/7/2023</a:t>
+              <a:t>1/8/2023</a:t>
             </a:fld>
             <a:endParaRPr lang="en-US"/>
           </a:p>
@@ -30000,7 +30748,7 @@
           <a:p>
             <a:fld id="{29134D58-3766-44A1-9C78-2A4754B7E537}" type="datetimeFigureOut">
               <a:rPr lang="en-US" smtClean="0"/>
-              <a:t>1/7/2023</a:t>
+              <a:t>1/8/2023</a:t>
             </a:fld>
             <a:endParaRPr lang="en-US"/>
           </a:p>
@@ -30210,7 +30958,7 @@
           <a:p>
             <a:fld id="{29134D58-3766-44A1-9C78-2A4754B7E537}" type="datetimeFigureOut">
               <a:rPr lang="en-US" smtClean="0"/>
-              <a:t>1/7/2023</a:t>
+              <a:t>1/8/2023</a:t>
             </a:fld>
             <a:endParaRPr lang="en-US"/>
           </a:p>
@@ -30497,7 +31245,7 @@
           <a:p>
             <a:fld id="{29134D58-3766-44A1-9C78-2A4754B7E537}" type="datetimeFigureOut">
               <a:rPr lang="en-US" smtClean="0"/>
-              <a:t>1/7/2023</a:t>
+              <a:t>1/8/2023</a:t>
             </a:fld>
             <a:endParaRPr lang="en-US"/>
           </a:p>
@@ -30774,7 +31522,7 @@
           <a:p>
             <a:fld id="{29134D58-3766-44A1-9C78-2A4754B7E537}" type="datetimeFigureOut">
               <a:rPr lang="en-US" smtClean="0"/>
-              <a:t>1/7/2023</a:t>
+              <a:t>1/8/2023</a:t>
             </a:fld>
             <a:endParaRPr lang="en-US"/>
           </a:p>
@@ -31198,7 +31946,7 @@
           <a:p>
             <a:fld id="{29134D58-3766-44A1-9C78-2A4754B7E537}" type="datetimeFigureOut">
               <a:rPr lang="en-US" smtClean="0"/>
-              <a:t>1/7/2023</a:t>
+              <a:t>1/8/2023</a:t>
             </a:fld>
             <a:endParaRPr lang="en-US"/>
           </a:p>
@@ -31351,7 +32099,7 @@
           <a:p>
             <a:fld id="{29134D58-3766-44A1-9C78-2A4754B7E537}" type="datetimeFigureOut">
               <a:rPr lang="en-US" smtClean="0"/>
-              <a:t>1/7/2023</a:t>
+              <a:t>1/8/2023</a:t>
             </a:fld>
             <a:endParaRPr lang="en-US"/>
           </a:p>
@@ -31476,7 +32224,7 @@
           <a:p>
             <a:fld id="{29134D58-3766-44A1-9C78-2A4754B7E537}" type="datetimeFigureOut">
               <a:rPr lang="en-US" smtClean="0"/>
-              <a:t>1/7/2023</a:t>
+              <a:t>1/8/2023</a:t>
             </a:fld>
             <a:endParaRPr lang="en-US"/>
           </a:p>
@@ -31799,7 +32547,7 @@
           <a:p>
             <a:fld id="{29134D58-3766-44A1-9C78-2A4754B7E537}" type="datetimeFigureOut">
               <a:rPr lang="en-US" smtClean="0"/>
-              <a:t>1/7/2023</a:t>
+              <a:t>1/8/2023</a:t>
             </a:fld>
             <a:endParaRPr lang="en-US"/>
           </a:p>
@@ -32099,7 +32847,7 @@
           <a:p>
             <a:fld id="{29134D58-3766-44A1-9C78-2A4754B7E537}" type="datetimeFigureOut">
               <a:rPr lang="en-US" smtClean="0"/>
-              <a:t>1/7/2023</a:t>
+              <a:t>1/8/2023</a:t>
             </a:fld>
             <a:endParaRPr lang="en-US"/>
           </a:p>
@@ -32352,7 +33100,7 @@
           <a:p>
             <a:fld id="{29134D58-3766-44A1-9C78-2A4754B7E537}" type="datetimeFigureOut">
               <a:rPr lang="en-US" smtClean="0"/>
-              <a:t>1/7/2023</a:t>
+              <a:t>1/8/2023</a:t>
             </a:fld>
             <a:endParaRPr lang="en-US"/>
           </a:p>
@@ -35194,13 +35942,13 @@
   <p:clrMapOvr>
     <a:masterClrMapping/>
   </p:clrMapOvr>
-  <mc:AlternateContent xmlns:mc="http://schemas.openxmlformats.org/markup-compatibility/2006">
-    <mc:Choice xmlns:p15="http://schemas.microsoft.com/office/powerpoint/2012/main" Requires="p15">
+  <mc:AlternateContent xmlns:mc="http://schemas.openxmlformats.org/markup-compatibility/2006" xmlns:p15="http://schemas.microsoft.com/office/powerpoint/2012/main">
+    <mc:Choice Requires="p15">
       <p:transition xmlns:p14="http://schemas.microsoft.com/office/powerpoint/2010/main" spd="slow" p14:dur="1750" advClick="0" advTm="4000">
         <p15:prstTrans prst="drape"/>
       </p:transition>
     </mc:Choice>
-    <mc:Fallback>
+    <mc:Fallback xmlns="">
       <p:transition spd="slow" advClick="0" advTm="4000">
         <p:fade/>
       </p:transition>
@@ -35937,13 +36685,13 @@
   <p:clrMapOvr>
     <a:masterClrMapping/>
   </p:clrMapOvr>
-  <mc:AlternateContent xmlns:mc="http://schemas.openxmlformats.org/markup-compatibility/2006">
-    <mc:Choice xmlns:p14="http://schemas.microsoft.com/office/powerpoint/2010/main" Requires="p14">
+  <mc:AlternateContent xmlns:mc="http://schemas.openxmlformats.org/markup-compatibility/2006" xmlns:p14="http://schemas.microsoft.com/office/powerpoint/2010/main">
+    <mc:Choice Requires="p14">
       <p:transition spd="slow" p14:dur="1300" advClick="0" advTm="4000">
         <p14:pan dir="u"/>
       </p:transition>
     </mc:Choice>
-    <mc:Fallback>
+    <mc:Fallback xmlns="">
       <p:transition spd="slow" advClick="0" advTm="4000">
         <p:fade/>
       </p:transition>
@@ -36262,13 +37010,13 @@
   <p:clrMapOvr>
     <a:masterClrMapping/>
   </p:clrMapOvr>
-  <mc:AlternateContent xmlns:mc="http://schemas.openxmlformats.org/markup-compatibility/2006">
-    <mc:Choice xmlns:p14="http://schemas.microsoft.com/office/powerpoint/2010/main" Requires="p14">
+  <mc:AlternateContent xmlns:mc="http://schemas.openxmlformats.org/markup-compatibility/2006" xmlns:p14="http://schemas.microsoft.com/office/powerpoint/2010/main">
+    <mc:Choice Requires="p14">
       <p:transition spd="slow" p14:dur="1300" advClick="0" advTm="4000">
         <p14:pan dir="u"/>
       </p:transition>
     </mc:Choice>
-    <mc:Fallback>
+    <mc:Fallback xmlns="">
       <p:transition spd="slow" advClick="0" advTm="4000">
         <p:fade/>
       </p:transition>
@@ -36872,13 +37620,13 @@
   <p:clrMapOvr>
     <a:masterClrMapping/>
   </p:clrMapOvr>
-  <mc:AlternateContent xmlns:mc="http://schemas.openxmlformats.org/markup-compatibility/2006">
-    <mc:Choice xmlns:p14="http://schemas.microsoft.com/office/powerpoint/2010/main" Requires="p14">
+  <mc:AlternateContent xmlns:mc="http://schemas.openxmlformats.org/markup-compatibility/2006" xmlns:p14="http://schemas.microsoft.com/office/powerpoint/2010/main">
+    <mc:Choice Requires="p14">
       <p:transition spd="slow" p14:dur="1300" advClick="0" advTm="4000">
         <p14:pan dir="u"/>
       </p:transition>
     </mc:Choice>
-    <mc:Fallback>
+    <mc:Fallback xmlns="">
       <p:transition spd="slow" advClick="0" advTm="4000">
         <p:fade/>
       </p:transition>
@@ -37592,13 +38340,13 @@
   <p:clrMapOvr>
     <a:masterClrMapping/>
   </p:clrMapOvr>
-  <mc:AlternateContent xmlns:mc="http://schemas.openxmlformats.org/markup-compatibility/2006">
-    <mc:Choice xmlns:p14="http://schemas.microsoft.com/office/powerpoint/2010/main" Requires="p14">
+  <mc:AlternateContent xmlns:mc="http://schemas.openxmlformats.org/markup-compatibility/2006" xmlns:p14="http://schemas.microsoft.com/office/powerpoint/2010/main">
+    <mc:Choice Requires="p14">
       <p:transition spd="slow" p14:dur="1300" advClick="0" advTm="4000">
         <p14:pan dir="u"/>
       </p:transition>
     </mc:Choice>
-    <mc:Fallback>
+    <mc:Fallback xmlns="">
       <p:transition spd="slow" advClick="0" advTm="4000">
         <p:fade/>
       </p:transition>
@@ -38173,13 +38921,13 @@
   <p:clrMapOvr>
     <a:masterClrMapping/>
   </p:clrMapOvr>
-  <mc:AlternateContent xmlns:mc="http://schemas.openxmlformats.org/markup-compatibility/2006">
-    <mc:Choice xmlns:p14="http://schemas.microsoft.com/office/powerpoint/2010/main" Requires="p14">
+  <mc:AlternateContent xmlns:mc="http://schemas.openxmlformats.org/markup-compatibility/2006" xmlns:p14="http://schemas.microsoft.com/office/powerpoint/2010/main">
+    <mc:Choice Requires="p14">
       <p:transition spd="slow" p14:dur="1300" advClick="0" advTm="4000">
         <p14:pan dir="u"/>
       </p:transition>
     </mc:Choice>
-    <mc:Fallback>
+    <mc:Fallback xmlns="">
       <p:transition spd="slow" advClick="0" advTm="4000">
         <p:fade/>
       </p:transition>
@@ -38695,13 +39443,13 @@
   <p:clrMapOvr>
     <a:masterClrMapping/>
   </p:clrMapOvr>
-  <mc:AlternateContent xmlns:mc="http://schemas.openxmlformats.org/markup-compatibility/2006">
-    <mc:Choice xmlns:p14="http://schemas.microsoft.com/office/powerpoint/2010/main" Requires="p14">
+  <mc:AlternateContent xmlns:mc="http://schemas.openxmlformats.org/markup-compatibility/2006" xmlns:p14="http://schemas.microsoft.com/office/powerpoint/2010/main">
+    <mc:Choice Requires="p14">
       <p:transition spd="slow" p14:dur="1300" advClick="0" advTm="4000">
         <p14:pan dir="u"/>
       </p:transition>
     </mc:Choice>
-    <mc:Fallback>
+    <mc:Fallback xmlns="">
       <p:transition spd="slow" advClick="0" advTm="4000">
         <p:fade/>
       </p:transition>
@@ -39053,13 +39801,13 @@
   <p:clrMapOvr>
     <a:masterClrMapping/>
   </p:clrMapOvr>
-  <mc:AlternateContent xmlns:mc="http://schemas.openxmlformats.org/markup-compatibility/2006">
-    <mc:Choice xmlns:p14="http://schemas.microsoft.com/office/powerpoint/2010/main" Requires="p14">
+  <mc:AlternateContent xmlns:mc="http://schemas.openxmlformats.org/markup-compatibility/2006" xmlns:p14="http://schemas.microsoft.com/office/powerpoint/2010/main">
+    <mc:Choice Requires="p14">
       <p:transition spd="slow" p14:dur="1300" advClick="0" advTm="4000">
         <p14:pan dir="u"/>
       </p:transition>
     </mc:Choice>
-    <mc:Fallback>
+    <mc:Fallback xmlns="">
       <p:transition spd="slow" advClick="0" advTm="4000">
         <p:fade/>
       </p:transition>
@@ -39800,13 +40548,13 @@
   <p:clrMapOvr>
     <a:masterClrMapping/>
   </p:clrMapOvr>
-  <mc:AlternateContent xmlns:mc="http://schemas.openxmlformats.org/markup-compatibility/2006">
-    <mc:Choice xmlns:p14="http://schemas.microsoft.com/office/powerpoint/2010/main" Requires="p14">
+  <mc:AlternateContent xmlns:mc="http://schemas.openxmlformats.org/markup-compatibility/2006" xmlns:p14="http://schemas.microsoft.com/office/powerpoint/2010/main">
+    <mc:Choice Requires="p14">
       <p:transition spd="slow" p14:dur="1300" advClick="0" advTm="4000">
         <p14:pan dir="u"/>
       </p:transition>
     </mc:Choice>
-    <mc:Fallback>
+    <mc:Fallback xmlns="">
       <p:transition spd="slow" advClick="0" advTm="4000">
         <p:fade/>
       </p:transition>
@@ -40238,13 +40986,13 @@
   <p:clrMapOvr>
     <a:masterClrMapping/>
   </p:clrMapOvr>
-  <mc:AlternateContent xmlns:mc="http://schemas.openxmlformats.org/markup-compatibility/2006">
-    <mc:Choice xmlns:p14="http://schemas.microsoft.com/office/powerpoint/2010/main" Requires="p14">
+  <mc:AlternateContent xmlns:mc="http://schemas.openxmlformats.org/markup-compatibility/2006" xmlns:p14="http://schemas.microsoft.com/office/powerpoint/2010/main">
+    <mc:Choice Requires="p14">
       <p:transition spd="slow" p14:dur="1300" advClick="0" advTm="4000">
         <p14:pan dir="u"/>
       </p:transition>
     </mc:Choice>
-    <mc:Fallback>
+    <mc:Fallback xmlns="">
       <p:transition spd="slow" advClick="0" advTm="4000">
         <p:fade/>
       </p:transition>
@@ -40801,13 +41549,13 @@
   <p:clrMapOvr>
     <a:masterClrMapping/>
   </p:clrMapOvr>
-  <mc:AlternateContent xmlns:mc="http://schemas.openxmlformats.org/markup-compatibility/2006">
-    <mc:Choice xmlns:p14="http://schemas.microsoft.com/office/powerpoint/2010/main" Requires="p14">
+  <mc:AlternateContent xmlns:mc="http://schemas.openxmlformats.org/markup-compatibility/2006" xmlns:p14="http://schemas.microsoft.com/office/powerpoint/2010/main">
+    <mc:Choice Requires="p14">
       <p:transition spd="slow" p14:dur="1300" advClick="0" advTm="4000">
         <p14:pan dir="u"/>
       </p:transition>
     </mc:Choice>
-    <mc:Fallback>
+    <mc:Fallback xmlns="">
       <p:transition spd="slow" advClick="0" advTm="4000">
         <p:fade/>
       </p:transition>
@@ -41200,13 +41948,13 @@
   <p:clrMapOvr>
     <a:overrideClrMapping bg1="dk1" tx1="lt1" bg2="dk2" tx2="lt2" accent1="accent1" accent2="accent2" accent3="accent3" accent4="accent4" accent5="accent5" accent6="accent6" hlink="hlink" folHlink="folHlink"/>
   </p:clrMapOvr>
-  <mc:AlternateContent xmlns:mc="http://schemas.openxmlformats.org/markup-compatibility/2006">
-    <mc:Choice xmlns:p14="http://schemas.microsoft.com/office/powerpoint/2010/main" Requires="p14">
+  <mc:AlternateContent xmlns:mc="http://schemas.openxmlformats.org/markup-compatibility/2006" xmlns:p14="http://schemas.microsoft.com/office/powerpoint/2010/main">
+    <mc:Choice Requires="p14">
       <p:transition spd="slow" p14:dur="1300" advClick="0" advTm="4000">
         <p14:pan dir="u"/>
       </p:transition>
     </mc:Choice>
-    <mc:Fallback>
+    <mc:Fallback xmlns="">
       <p:transition spd="slow" advClick="0" advTm="4000">
         <p:fade/>
       </p:transition>
@@ -41407,13 +42155,13 @@
   <p:clrMapOvr>
     <a:masterClrMapping/>
   </p:clrMapOvr>
-  <mc:AlternateContent xmlns:mc="http://schemas.openxmlformats.org/markup-compatibility/2006">
-    <mc:Choice xmlns:p14="http://schemas.microsoft.com/office/powerpoint/2010/main" Requires="p14">
+  <mc:AlternateContent xmlns:mc="http://schemas.openxmlformats.org/markup-compatibility/2006" xmlns:p14="http://schemas.microsoft.com/office/powerpoint/2010/main">
+    <mc:Choice Requires="p14">
       <p:transition spd="slow" p14:dur="1300" advClick="0" advTm="4000">
         <p14:pan dir="u"/>
       </p:transition>
     </mc:Choice>
-    <mc:Fallback>
+    <mc:Fallback xmlns="">
       <p:transition spd="slow" advClick="0" advTm="4000">
         <p:fade/>
       </p:transition>
@@ -41882,13 +42630,13 @@
   <p:clrMapOvr>
     <a:masterClrMapping/>
   </p:clrMapOvr>
-  <mc:AlternateContent xmlns:mc="http://schemas.openxmlformats.org/markup-compatibility/2006">
-    <mc:Choice xmlns:p14="http://schemas.microsoft.com/office/powerpoint/2010/main" Requires="p14">
+  <mc:AlternateContent xmlns:mc="http://schemas.openxmlformats.org/markup-compatibility/2006" xmlns:p14="http://schemas.microsoft.com/office/powerpoint/2010/main">
+    <mc:Choice Requires="p14">
       <p:transition spd="slow" p14:dur="1300" advClick="0" advTm="4000">
         <p14:pan dir="u"/>
       </p:transition>
     </mc:Choice>
-    <mc:Fallback>
+    <mc:Fallback xmlns="">
       <p:transition spd="slow" advClick="0" advTm="4000">
         <p:fade/>
       </p:transition>
@@ -42310,13 +43058,13 @@
   <p:clrMapOvr>
     <a:masterClrMapping/>
   </p:clrMapOvr>
-  <mc:AlternateContent xmlns:mc="http://schemas.openxmlformats.org/markup-compatibility/2006">
-    <mc:Choice xmlns:p14="http://schemas.microsoft.com/office/powerpoint/2010/main" Requires="p14">
+  <mc:AlternateContent xmlns:mc="http://schemas.openxmlformats.org/markup-compatibility/2006" xmlns:p14="http://schemas.microsoft.com/office/powerpoint/2010/main">
+    <mc:Choice Requires="p14">
       <p:transition spd="slow" p14:dur="1300" advClick="0" advTm="4000">
         <p14:pan dir="u"/>
       </p:transition>
     </mc:Choice>
-    <mc:Fallback>
+    <mc:Fallback xmlns="">
       <p:transition spd="slow" advClick="0" advTm="4000">
         <p:fade/>
       </p:transition>
@@ -42839,13 +43587,13 @@
   <p:clrMapOvr>
     <a:masterClrMapping/>
   </p:clrMapOvr>
-  <mc:AlternateContent xmlns:mc="http://schemas.openxmlformats.org/markup-compatibility/2006">
-    <mc:Choice xmlns:p14="http://schemas.microsoft.com/office/powerpoint/2010/main" Requires="p14">
+  <mc:AlternateContent xmlns:mc="http://schemas.openxmlformats.org/markup-compatibility/2006" xmlns:p14="http://schemas.microsoft.com/office/powerpoint/2010/main">
+    <mc:Choice Requires="p14">
       <p:transition spd="slow" p14:dur="1300" advClick="0" advTm="4000">
         <p14:pan dir="u"/>
       </p:transition>
     </mc:Choice>
-    <mc:Fallback>
+    <mc:Fallback xmlns="">
       <p:transition spd="slow" advClick="0" advTm="4000">
         <p:fade/>
       </p:transition>
@@ -43253,7 +44001,7 @@
         </p:xfrm>
         <a:graphic>
           <a:graphicData uri="http://schemas.openxmlformats.org/drawingml/2006/diagram">
-            <dgm:relIds xmlns:dgm="http://schemas.openxmlformats.org/drawingml/2006/diagram" xmlns:r="http://schemas.openxmlformats.org/officeDocument/2006/relationships" r:dm="rId2" r:lo="rId3" r:qs="rId4" r:cs="rId5"/>
+            <dgm:relIds xmlns:dgm="http://schemas.openxmlformats.org/drawingml/2006/diagram" xmlns:r="http://schemas.openxmlformats.org/officeDocument/2006/relationships" r:dm="rId3" r:lo="rId4" r:qs="rId5" r:cs="rId6"/>
           </a:graphicData>
         </a:graphic>
       </p:graphicFrame>
@@ -43267,13 +44015,13 @@
   <p:clrMapOvr>
     <a:masterClrMapping/>
   </p:clrMapOvr>
-  <mc:AlternateContent xmlns:mc="http://schemas.openxmlformats.org/markup-compatibility/2006">
-    <mc:Choice xmlns:p14="http://schemas.microsoft.com/office/powerpoint/2010/main" Requires="p14">
+  <mc:AlternateContent xmlns:mc="http://schemas.openxmlformats.org/markup-compatibility/2006" xmlns:p14="http://schemas.microsoft.com/office/powerpoint/2010/main">
+    <mc:Choice Requires="p14">
       <p:transition spd="slow" p14:dur="1300" advClick="0" advTm="4000">
         <p14:pan dir="u"/>
       </p:transition>
     </mc:Choice>
-    <mc:Fallback>
+    <mc:Fallback xmlns="">
       <p:transition spd="slow" advClick="0" advTm="4000">
         <p:fade/>
       </p:transition>
@@ -43369,7 +44117,7 @@
         </p:xfrm>
         <a:graphic>
           <a:graphicData uri="http://schemas.openxmlformats.org/drawingml/2006/diagram">
-            <dgm:relIds xmlns:dgm="http://schemas.openxmlformats.org/drawingml/2006/diagram" xmlns:r="http://schemas.openxmlformats.org/officeDocument/2006/relationships" r:dm="rId2" r:lo="rId3" r:qs="rId4" r:cs="rId5"/>
+            <dgm:relIds xmlns:dgm="http://schemas.openxmlformats.org/drawingml/2006/diagram" xmlns:r="http://schemas.openxmlformats.org/officeDocument/2006/relationships" r:dm="rId3" r:lo="rId4" r:qs="rId5" r:cs="rId6"/>
           </a:graphicData>
         </a:graphic>
       </p:graphicFrame>
@@ -43392,7 +44140,7 @@
         <p:spPr>
           <a:xfrm flipH="1">
             <a:off x="7134718" y="2452687"/>
-            <a:ext cx="4184922" cy="3724275"/>
+            <a:ext cx="3269122" cy="2881313"/>
           </a:xfrm>
         </p:spPr>
         <p:txBody>
@@ -43418,19 +44166,66 @@
           <p:nvPr/>
         </p:nvPicPr>
         <p:blipFill>
-          <a:blip r:embed="rId7"/>
+          <a:blip r:embed="rId8"/>
           <a:stretch>
             <a:fillRect/>
           </a:stretch>
         </p:blipFill>
         <p:spPr>
           <a:xfrm>
-            <a:off x="7116810" y="1681544"/>
+            <a:off x="7866738" y="2895186"/>
             <a:ext cx="3724275" cy="3724275"/>
           </a:xfrm>
           <a:prstGeom prst="rect">
             <a:avLst/>
           </a:prstGeom>
+        </p:spPr>
+      </p:pic>
+      <p:pic>
+        <p:nvPicPr>
+          <p:cNvPr id="1026" name="Picture 2" descr="Difference Between CMY, CMYK, and CYMKK Ink Cartridges">
+            <a:extLst>
+              <a:ext uri="{FF2B5EF4-FFF2-40B4-BE49-F238E27FC236}">
+                <a16:creationId xmlns:a16="http://schemas.microsoft.com/office/drawing/2014/main" id="{73511F88-F992-683C-1519-607995864BE4}"/>
+              </a:ext>
+            </a:extLst>
+          </p:cNvPr>
+          <p:cNvPicPr>
+            <a:picLocks noChangeAspect="1" noChangeArrowheads="1"/>
+          </p:cNvPicPr>
+          <p:nvPr/>
+        </p:nvPicPr>
+        <p:blipFill>
+          <a:blip r:embed="rId9">
+            <a:extLst>
+              <a:ext uri="{28A0092B-C50C-407E-A947-70E740481C1C}">
+                <a14:useLocalDpi xmlns:a14="http://schemas.microsoft.com/office/drawing/2010/main" val="0"/>
+              </a:ext>
+            </a:extLst>
+          </a:blip>
+          <a:srcRect/>
+          <a:stretch>
+            <a:fillRect/>
+          </a:stretch>
+        </p:blipFill>
+        <p:spPr bwMode="auto">
+          <a:xfrm>
+            <a:off x="7895232" y="0"/>
+            <a:ext cx="3724275" cy="2789612"/>
+          </a:xfrm>
+          <a:prstGeom prst="rect">
+            <a:avLst/>
+          </a:prstGeom>
+          <a:noFill/>
+          <a:extLst>
+            <a:ext uri="{909E8E84-426E-40DD-AFC4-6F175D3DCCD1}">
+              <a14:hiddenFill xmlns:a14="http://schemas.microsoft.com/office/drawing/2010/main">
+                <a:solidFill>
+                  <a:srgbClr val="FFFFFF"/>
+                </a:solidFill>
+              </a14:hiddenFill>
+            </a:ext>
+          </a:extLst>
         </p:spPr>
       </p:pic>
     </p:spTree>
@@ -43443,13 +44238,13 @@
   <p:clrMapOvr>
     <a:masterClrMapping/>
   </p:clrMapOvr>
-  <mc:AlternateContent xmlns:mc="http://schemas.openxmlformats.org/markup-compatibility/2006">
-    <mc:Choice xmlns:p14="http://schemas.microsoft.com/office/powerpoint/2010/main" Requires="p14">
+  <mc:AlternateContent xmlns:mc="http://schemas.openxmlformats.org/markup-compatibility/2006" xmlns:p14="http://schemas.microsoft.com/office/powerpoint/2010/main">
+    <mc:Choice Requires="p14">
       <p:transition spd="slow" p14:dur="1300" advClick="0" advTm="4000">
         <p14:pan dir="u"/>
       </p:transition>
     </mc:Choice>
-    <mc:Fallback>
+    <mc:Fallback xmlns="">
       <p:transition spd="slow" advClick="0" advTm="4000">
         <p:fade/>
       </p:transition>
@@ -43782,7 +44577,7 @@
           <p:nvPr/>
         </p:nvPicPr>
         <p:blipFill>
-          <a:blip r:embed="rId2"/>
+          <a:blip r:embed="rId3"/>
           <a:stretch>
             <a:fillRect/>
           </a:stretch>
@@ -43807,13 +44602,13 @@
   <p:clrMapOvr>
     <a:masterClrMapping/>
   </p:clrMapOvr>
-  <mc:AlternateContent xmlns:mc="http://schemas.openxmlformats.org/markup-compatibility/2006">
-    <mc:Choice xmlns:p14="http://schemas.microsoft.com/office/powerpoint/2010/main" Requires="p14">
+  <mc:AlternateContent xmlns:mc="http://schemas.openxmlformats.org/markup-compatibility/2006" xmlns:p14="http://schemas.microsoft.com/office/powerpoint/2010/main">
+    <mc:Choice Requires="p14">
       <p:transition spd="slow" p14:dur="1300" advClick="0" advTm="4000">
         <p14:pan dir="u"/>
       </p:transition>
     </mc:Choice>
-    <mc:Fallback>
+    <mc:Fallback xmlns="">
       <p:transition spd="slow" advClick="0" advTm="4000">
         <p:fade/>
       </p:transition>
@@ -44133,13 +44928,13 @@
   <p:clrMapOvr>
     <a:masterClrMapping/>
   </p:clrMapOvr>
-  <mc:AlternateContent xmlns:mc="http://schemas.openxmlformats.org/markup-compatibility/2006">
-    <mc:Choice xmlns:p14="http://schemas.microsoft.com/office/powerpoint/2010/main" Requires="p14">
+  <mc:AlternateContent xmlns:mc="http://schemas.openxmlformats.org/markup-compatibility/2006" xmlns:p14="http://schemas.microsoft.com/office/powerpoint/2010/main">
+    <mc:Choice Requires="p14">
       <p:transition spd="slow" p14:dur="1300" advClick="0" advTm="4000">
         <p14:pan dir="u"/>
       </p:transition>
     </mc:Choice>
-    <mc:Fallback>
+    <mc:Fallback xmlns="">
       <p:transition spd="slow" advClick="0" advTm="4000">
         <p:fade/>
       </p:transition>

--- a/Presentation for IT.pptx
+++ b/Presentation for IT.pptx
@@ -9326,7 +9326,7 @@
   <dgm:whole/>
   <dgm:extLst>
     <a:ext uri="http://schemas.microsoft.com/office/drawing/2008/diagram">
-      <dsp:dataModelExt xmlns:dsp="http://schemas.microsoft.com/office/drawing/2008/diagram" relId="rId6" minVer="http://schemas.openxmlformats.org/drawingml/2006/diagram"/>
+      <dsp:dataModelExt xmlns:dsp="http://schemas.microsoft.com/office/drawing/2008/diagram" relId="rId7" minVer="http://schemas.openxmlformats.org/drawingml/2006/diagram"/>
     </a:ext>
   </dgm:extLst>
 </dgm:dataModel>
@@ -9336,7 +9336,7 @@
 <dgm:dataModel xmlns:dgm="http://schemas.openxmlformats.org/drawingml/2006/diagram" xmlns:a="http://schemas.openxmlformats.org/drawingml/2006/main">
   <dgm:ptLst>
     <dgm:pt modelId="{6C9E7E73-23E0-4FFF-8793-60CC8ACE9D17}" type="doc">
-      <dgm:prSet loTypeId="urn:microsoft.com/office/officeart/2008/layout/LinedList" loCatId="list" qsTypeId="urn:microsoft.com/office/officeart/2005/8/quickstyle/simple2" qsCatId="simple" csTypeId="urn:microsoft.com/office/officeart/2005/8/colors/accent6_2" csCatId="accent6"/>
+      <dgm:prSet loTypeId="urn:microsoft.com/office/officeart/2008/layout/LinedList" loCatId="list" qsTypeId="urn:microsoft.com/office/officeart/2005/8/quickstyle/simple2" qsCatId="simple" csTypeId="urn:microsoft.com/office/officeart/2005/8/colors/accent6_2" csCatId="accent6" phldr="1"/>
       <dgm:spPr/>
       <dgm:t>
         <a:bodyPr/>
@@ -9357,7 +9357,7 @@
             <a:rPr lang="cs-CZ"/>
             <a:t>Někdy HSB</a:t>
           </a:r>
-          <a:endParaRPr lang="en-US"/>
+          <a:endParaRPr lang="en-US" dirty="0"/>
         </a:p>
       </dgm:t>
     </dgm:pt>
@@ -9448,10 +9448,94 @@
         <a:lstStyle/>
         <a:p>
           <a:r>
-            <a:rPr lang="cs-CZ"/>
-            <a:t>Jsou alternativní reprezentace barevného modelu RGB</a:t>
+            <a:rPr lang="cs-CZ" dirty="0"/>
+            <a:t>J</a:t>
           </a:r>
-          <a:endParaRPr lang="en-US"/>
+          <a:r>
+            <a:rPr lang="en-US" dirty="0"/>
+            <a:t>e </a:t>
+          </a:r>
+          <a:r>
+            <a:rPr lang="en-US" dirty="0" err="1"/>
+            <a:t>cylindrický</a:t>
+          </a:r>
+          <a:r>
+            <a:rPr lang="en-US" dirty="0"/>
+            <a:t> </a:t>
+          </a:r>
+          <a:r>
+            <a:rPr lang="en-US" dirty="0" err="1"/>
+            <a:t>barevný</a:t>
+          </a:r>
+          <a:r>
+            <a:rPr lang="en-US" dirty="0"/>
+            <a:t> model, </a:t>
+          </a:r>
+          <a:r>
+            <a:rPr lang="en-US" dirty="0" err="1"/>
+            <a:t>který</a:t>
+          </a:r>
+          <a:r>
+            <a:rPr lang="en-US" dirty="0"/>
+            <a:t> </a:t>
+          </a:r>
+          <a:r>
+            <a:rPr lang="en-US" dirty="0" err="1"/>
+            <a:t>představuje</a:t>
+          </a:r>
+          <a:r>
+            <a:rPr lang="en-US" dirty="0"/>
+            <a:t> </a:t>
+          </a:r>
+          <a:r>
+            <a:rPr lang="en-US" dirty="0" err="1"/>
+            <a:t>odstíny</a:t>
+          </a:r>
+          <a:r>
+            <a:rPr lang="en-US" dirty="0"/>
+            <a:t>, </a:t>
+          </a:r>
+          <a:r>
+            <a:rPr lang="en-US" dirty="0" err="1"/>
+            <a:t>sytost</a:t>
+          </a:r>
+          <a:r>
+            <a:rPr lang="en-US" dirty="0"/>
+            <a:t> a </a:t>
+          </a:r>
+          <a:r>
+            <a:rPr lang="en-US" dirty="0" err="1"/>
+            <a:t>hodnoty</a:t>
+          </a:r>
+          <a:r>
+            <a:rPr lang="en-US" dirty="0"/>
+            <a:t> (</a:t>
+          </a:r>
+          <a:r>
+            <a:rPr lang="en-US" dirty="0" err="1"/>
+            <a:t>nebo</a:t>
+          </a:r>
+          <a:r>
+            <a:rPr lang="en-US" dirty="0"/>
+            <a:t> </a:t>
+          </a:r>
+          <a:r>
+            <a:rPr lang="en-US" dirty="0" err="1"/>
+            <a:t>jas</a:t>
+          </a:r>
+          <a:r>
+            <a:rPr lang="en-US" dirty="0"/>
+            <a:t>) </a:t>
+          </a:r>
+          <a:r>
+            <a:rPr lang="en-US" dirty="0" err="1"/>
+            <a:t>barev</a:t>
+          </a:r>
+          <a:r>
+            <a:rPr lang="cs-CZ" dirty="0"/>
+            <a:t>.</a:t>
+          </a:r>
+          <a:endParaRPr lang="en-US" dirty="0"/>
         </a:p>
       </dgm:t>
     </dgm:pt>
@@ -9561,7 +9645,7 @@
   <dgm:whole/>
   <dgm:extLst>
     <a:ext uri="http://schemas.microsoft.com/office/drawing/2008/diagram">
-      <dsp:dataModelExt xmlns:dsp="http://schemas.microsoft.com/office/drawing/2008/diagram" relId="rId7" minVer="http://schemas.openxmlformats.org/drawingml/2006/diagram"/>
+      <dsp:dataModelExt xmlns:dsp="http://schemas.microsoft.com/office/drawing/2008/diagram" relId="rId8" minVer="http://schemas.openxmlformats.org/drawingml/2006/diagram"/>
     </a:ext>
   </dgm:extLst>
 </dgm:dataModel>
@@ -11845,8 +11929,8 @@
       </dsp:nvSpPr>
       <dsp:spPr>
         <a:xfrm>
-          <a:off x="0" y="1621"/>
-          <a:ext cx="4243589" cy="0"/>
+          <a:off x="0" y="1420"/>
+          <a:ext cx="4291149" cy="0"/>
         </a:xfrm>
         <a:prstGeom prst="line">
           <a:avLst/>
@@ -11895,8 +11979,8 @@
       </dsp:nvSpPr>
       <dsp:spPr>
         <a:xfrm>
-          <a:off x="0" y="1621"/>
-          <a:ext cx="4243589" cy="1105808"/>
+          <a:off x="0" y="1420"/>
+          <a:ext cx="4291149" cy="968598"/>
         </a:xfrm>
         <a:prstGeom prst="rect">
           <a:avLst/>
@@ -11920,12 +12004,12 @@
         <a:fontRef idx="minor"/>
       </dsp:style>
       <dsp:txBody>
-        <a:bodyPr spcFirstLastPara="0" vert="horz" wrap="square" lIns="91440" tIns="91440" rIns="91440" bIns="91440" numCol="1" spcCol="1270" anchor="t" anchorCtr="0">
+        <a:bodyPr spcFirstLastPara="0" vert="horz" wrap="square" lIns="72390" tIns="72390" rIns="72390" bIns="72390" numCol="1" spcCol="1270" anchor="t" anchorCtr="0">
           <a:noAutofit/>
         </a:bodyPr>
         <a:lstStyle/>
         <a:p>
-          <a:pPr marL="0" lvl="0" indent="0" algn="l" defTabSz="1066800">
+          <a:pPr marL="0" lvl="0" indent="0" algn="l" defTabSz="844550">
             <a:lnSpc>
               <a:spcPct val="90000"/>
             </a:lnSpc>
@@ -11938,15 +12022,15 @@
             <a:buNone/>
           </a:pPr>
           <a:r>
-            <a:rPr lang="cs-CZ" sz="2400" kern="1200"/>
+            <a:rPr lang="cs-CZ" sz="1900" kern="1200"/>
             <a:t>Někdy HSB</a:t>
           </a:r>
-          <a:endParaRPr lang="en-US" sz="2400" kern="1200"/>
+          <a:endParaRPr lang="en-US" sz="1900" kern="1200" dirty="0"/>
         </a:p>
       </dsp:txBody>
       <dsp:txXfrm>
-        <a:off x="0" y="1621"/>
-        <a:ext cx="4243589" cy="1105808"/>
+        <a:off x="0" y="1420"/>
+        <a:ext cx="4291149" cy="968598"/>
       </dsp:txXfrm>
     </dsp:sp>
     <dsp:sp modelId="{2480933B-B62B-4A6C-99BE-0BA17B6C238F}">
@@ -11956,8 +12040,8 @@
       </dsp:nvSpPr>
       <dsp:spPr>
         <a:xfrm>
-          <a:off x="0" y="1107429"/>
-          <a:ext cx="4243589" cy="0"/>
+          <a:off x="0" y="970018"/>
+          <a:ext cx="4291149" cy="0"/>
         </a:xfrm>
         <a:prstGeom prst="line">
           <a:avLst/>
@@ -12006,8 +12090,8 @@
       </dsp:nvSpPr>
       <dsp:spPr>
         <a:xfrm>
-          <a:off x="0" y="1107429"/>
-          <a:ext cx="4243589" cy="1105808"/>
+          <a:off x="0" y="970018"/>
+          <a:ext cx="4291149" cy="968598"/>
         </a:xfrm>
         <a:prstGeom prst="rect">
           <a:avLst/>
@@ -12031,12 +12115,12 @@
         <a:fontRef idx="minor"/>
       </dsp:style>
       <dsp:txBody>
-        <a:bodyPr spcFirstLastPara="0" vert="horz" wrap="square" lIns="91440" tIns="91440" rIns="91440" bIns="91440" numCol="1" spcCol="1270" anchor="t" anchorCtr="0">
+        <a:bodyPr spcFirstLastPara="0" vert="horz" wrap="square" lIns="72390" tIns="72390" rIns="72390" bIns="72390" numCol="1" spcCol="1270" anchor="t" anchorCtr="0">
           <a:noAutofit/>
         </a:bodyPr>
         <a:lstStyle/>
         <a:p>
-          <a:pPr marL="0" lvl="0" indent="0" algn="l" defTabSz="1066800">
+          <a:pPr marL="0" lvl="0" indent="0" algn="l" defTabSz="844550">
             <a:lnSpc>
               <a:spcPct val="90000"/>
             </a:lnSpc>
@@ -12049,35 +12133,35 @@
             <a:buNone/>
           </a:pPr>
           <a:r>
-            <a:rPr lang="cs-CZ" sz="2400" b="1" kern="1200"/>
+            <a:rPr lang="cs-CZ" sz="1900" b="1" kern="1200"/>
             <a:t>H</a:t>
           </a:r>
           <a:r>
-            <a:rPr lang="cs-CZ" sz="2400" kern="1200"/>
+            <a:rPr lang="cs-CZ" sz="1900" kern="1200"/>
             <a:t>ue (odstín)</a:t>
           </a:r>
           <a:r>
-            <a:rPr lang="cs-CZ" sz="2400" b="1" kern="1200"/>
+            <a:rPr lang="cs-CZ" sz="1900" b="1" kern="1200"/>
             <a:t>, s</a:t>
           </a:r>
           <a:r>
-            <a:rPr lang="cs-CZ" sz="2400" kern="1200"/>
+            <a:rPr lang="cs-CZ" sz="1900" kern="1200"/>
             <a:t>aturation(sytost)</a:t>
           </a:r>
           <a:r>
-            <a:rPr lang="cs-CZ" sz="2400" b="1" kern="1200"/>
+            <a:rPr lang="cs-CZ" sz="1900" b="1" kern="1200"/>
             <a:t>, v</a:t>
           </a:r>
           <a:r>
-            <a:rPr lang="cs-CZ" sz="2400" kern="1200"/>
+            <a:rPr lang="cs-CZ" sz="1900" kern="1200"/>
             <a:t>alue (hodnota)</a:t>
           </a:r>
-          <a:endParaRPr lang="en-US" sz="2400" kern="1200"/>
+          <a:endParaRPr lang="en-US" sz="1900" kern="1200"/>
         </a:p>
       </dsp:txBody>
       <dsp:txXfrm>
-        <a:off x="0" y="1107429"/>
-        <a:ext cx="4243589" cy="1105808"/>
+        <a:off x="0" y="970018"/>
+        <a:ext cx="4291149" cy="968598"/>
       </dsp:txXfrm>
     </dsp:sp>
     <dsp:sp modelId="{EE6AB3C7-B7BF-4541-B429-8E09FFB9C544}">
@@ -12087,8 +12171,8 @@
       </dsp:nvSpPr>
       <dsp:spPr>
         <a:xfrm>
-          <a:off x="0" y="2213238"/>
-          <a:ext cx="4243589" cy="0"/>
+          <a:off x="0" y="1938617"/>
+          <a:ext cx="4291149" cy="0"/>
         </a:xfrm>
         <a:prstGeom prst="line">
           <a:avLst/>
@@ -12137,8 +12221,8 @@
       </dsp:nvSpPr>
       <dsp:spPr>
         <a:xfrm>
-          <a:off x="0" y="2213238"/>
-          <a:ext cx="4243589" cy="1105808"/>
+          <a:off x="0" y="1938617"/>
+          <a:ext cx="4291149" cy="968598"/>
         </a:xfrm>
         <a:prstGeom prst="rect">
           <a:avLst/>
@@ -12162,12 +12246,12 @@
         <a:fontRef idx="minor"/>
       </dsp:style>
       <dsp:txBody>
-        <a:bodyPr spcFirstLastPara="0" vert="horz" wrap="square" lIns="91440" tIns="91440" rIns="91440" bIns="91440" numCol="1" spcCol="1270" anchor="t" anchorCtr="0">
+        <a:bodyPr spcFirstLastPara="0" vert="horz" wrap="square" lIns="72390" tIns="72390" rIns="72390" bIns="72390" numCol="1" spcCol="1270" anchor="t" anchorCtr="0">
           <a:noAutofit/>
         </a:bodyPr>
         <a:lstStyle/>
         <a:p>
-          <a:pPr marL="0" lvl="0" indent="0" algn="l" defTabSz="1066800">
+          <a:pPr marL="0" lvl="0" indent="0" algn="l" defTabSz="844550">
             <a:lnSpc>
               <a:spcPct val="90000"/>
             </a:lnSpc>
@@ -12180,15 +12264,99 @@
             <a:buNone/>
           </a:pPr>
           <a:r>
-            <a:rPr lang="cs-CZ" sz="2400" kern="1200"/>
-            <a:t>Jsou alternativní reprezentace barevného modelu RGB</a:t>
+            <a:rPr lang="cs-CZ" sz="1900" kern="1200" dirty="0"/>
+            <a:t>J</a:t>
           </a:r>
-          <a:endParaRPr lang="en-US" sz="2400" kern="1200"/>
+          <a:r>
+            <a:rPr lang="en-US" sz="1900" kern="1200" dirty="0"/>
+            <a:t>e </a:t>
+          </a:r>
+          <a:r>
+            <a:rPr lang="en-US" sz="1900" kern="1200" dirty="0" err="1"/>
+            <a:t>cylindrický</a:t>
+          </a:r>
+          <a:r>
+            <a:rPr lang="en-US" sz="1900" kern="1200" dirty="0"/>
+            <a:t> </a:t>
+          </a:r>
+          <a:r>
+            <a:rPr lang="en-US" sz="1900" kern="1200" dirty="0" err="1"/>
+            <a:t>barevný</a:t>
+          </a:r>
+          <a:r>
+            <a:rPr lang="en-US" sz="1900" kern="1200" dirty="0"/>
+            <a:t> model, </a:t>
+          </a:r>
+          <a:r>
+            <a:rPr lang="en-US" sz="1900" kern="1200" dirty="0" err="1"/>
+            <a:t>který</a:t>
+          </a:r>
+          <a:r>
+            <a:rPr lang="en-US" sz="1900" kern="1200" dirty="0"/>
+            <a:t> </a:t>
+          </a:r>
+          <a:r>
+            <a:rPr lang="en-US" sz="1900" kern="1200" dirty="0" err="1"/>
+            <a:t>představuje</a:t>
+          </a:r>
+          <a:r>
+            <a:rPr lang="en-US" sz="1900" kern="1200" dirty="0"/>
+            <a:t> </a:t>
+          </a:r>
+          <a:r>
+            <a:rPr lang="en-US" sz="1900" kern="1200" dirty="0" err="1"/>
+            <a:t>odstíny</a:t>
+          </a:r>
+          <a:r>
+            <a:rPr lang="en-US" sz="1900" kern="1200" dirty="0"/>
+            <a:t>, </a:t>
+          </a:r>
+          <a:r>
+            <a:rPr lang="en-US" sz="1900" kern="1200" dirty="0" err="1"/>
+            <a:t>sytost</a:t>
+          </a:r>
+          <a:r>
+            <a:rPr lang="en-US" sz="1900" kern="1200" dirty="0"/>
+            <a:t> a </a:t>
+          </a:r>
+          <a:r>
+            <a:rPr lang="en-US" sz="1900" kern="1200" dirty="0" err="1"/>
+            <a:t>hodnoty</a:t>
+          </a:r>
+          <a:r>
+            <a:rPr lang="en-US" sz="1900" kern="1200" dirty="0"/>
+            <a:t> (</a:t>
+          </a:r>
+          <a:r>
+            <a:rPr lang="en-US" sz="1900" kern="1200" dirty="0" err="1"/>
+            <a:t>nebo</a:t>
+          </a:r>
+          <a:r>
+            <a:rPr lang="en-US" sz="1900" kern="1200" dirty="0"/>
+            <a:t> </a:t>
+          </a:r>
+          <a:r>
+            <a:rPr lang="en-US" sz="1900" kern="1200" dirty="0" err="1"/>
+            <a:t>jas</a:t>
+          </a:r>
+          <a:r>
+            <a:rPr lang="en-US" sz="1900" kern="1200" dirty="0"/>
+            <a:t>) </a:t>
+          </a:r>
+          <a:r>
+            <a:rPr lang="en-US" sz="1900" kern="1200" dirty="0" err="1"/>
+            <a:t>barev</a:t>
+          </a:r>
+          <a:r>
+            <a:rPr lang="cs-CZ" sz="1900" kern="1200" dirty="0"/>
+            <a:t>.</a:t>
+          </a:r>
+          <a:endParaRPr lang="en-US" sz="1900" kern="1200" dirty="0"/>
         </a:p>
       </dsp:txBody>
       <dsp:txXfrm>
-        <a:off x="0" y="2213238"/>
-        <a:ext cx="4243589" cy="1105808"/>
+        <a:off x="0" y="1938617"/>
+        <a:ext cx="4291149" cy="968598"/>
       </dsp:txXfrm>
     </dsp:sp>
   </dsp:spTree>
@@ -28277,7 +28445,7 @@
           <a:p>
             <a:fld id="{E91DDA50-ABC7-4925-B05D-AC0ABC4936E7}" type="datetimeFigureOut">
               <a:rPr lang="en-US" smtClean="0"/>
-              <a:t>1/8/2023</a:t>
+              <a:t>1/11/2023</a:t>
             </a:fld>
             <a:endParaRPr lang="en-US"/>
           </a:p>
@@ -28751,6 +28919,115 @@
     <p:extLst>
       <p:ext uri="{BB962C8B-B14F-4D97-AF65-F5344CB8AC3E}">
         <p14:creationId xmlns:p14="http://schemas.microsoft.com/office/powerpoint/2010/main" val="3997868900"/>
+      </p:ext>
+    </p:extLst>
+  </p:cSld>
+  <p:clrMapOvr>
+    <a:masterClrMapping/>
+  </p:clrMapOvr>
+</p:notes>
+</file>
+
+<file path=ppt/notesSlides/notesSlide10.xml><?xml version="1.0" encoding="utf-8"?>
+<p:notes xmlns:a="http://schemas.openxmlformats.org/drawingml/2006/main" xmlns:r="http://schemas.openxmlformats.org/officeDocument/2006/relationships" xmlns:p="http://schemas.openxmlformats.org/presentationml/2006/main">
+  <p:cSld>
+    <p:spTree>
+      <p:nvGrpSpPr>
+        <p:cNvPr id="1" name=""/>
+        <p:cNvGrpSpPr/>
+        <p:nvPr/>
+      </p:nvGrpSpPr>
+      <p:grpSpPr>
+        <a:xfrm>
+          <a:off x="0" y="0"/>
+          <a:ext cx="0" cy="0"/>
+          <a:chOff x="0" y="0"/>
+          <a:chExt cx="0" cy="0"/>
+        </a:xfrm>
+      </p:grpSpPr>
+      <p:sp>
+        <p:nvSpPr>
+          <p:cNvPr id="2" name="Slide Image Placeholder 1"/>
+          <p:cNvSpPr>
+            <a:spLocks noGrp="1" noRot="1" noChangeAspect="1"/>
+          </p:cNvSpPr>
+          <p:nvPr>
+            <p:ph type="sldImg"/>
+          </p:nvPr>
+        </p:nvSpPr>
+        <p:spPr/>
+      </p:sp>
+      <p:sp>
+        <p:nvSpPr>
+          <p:cNvPr id="3" name="Notes Placeholder 2"/>
+          <p:cNvSpPr>
+            <a:spLocks noGrp="1"/>
+          </p:cNvSpPr>
+          <p:nvPr>
+            <p:ph type="body" idx="1"/>
+          </p:nvPr>
+        </p:nvSpPr>
+        <p:spPr/>
+        <p:txBody>
+          <a:bodyPr/>
+          <a:lstStyle/>
+          <a:p>
+            <a:pPr algn="l"/>
+            <a:r>
+              <a:rPr lang="cs-CZ" dirty="0"/>
+              <a:t>H znamena Hue odstin , S znamena sytost a posledni pismena V je znamena value a je to hodnota. Je to clyndricke barevne model, ktery predstavuje odstiny , sytost a hodnoty barev. Ale ja tady ve slidu psal jsem jas. Proc? No protoze na źacatku rikal jsem ze je i nekdy HSB a tady B znamena </a:t>
+            </a:r>
+            <a:r>
+              <a:rPr lang="en-US" b="0" i="0" dirty="0">
+                <a:solidFill>
+                  <a:srgbClr val="374151"/>
+                </a:solidFill>
+                <a:effectLst/>
+                <a:latin typeface="Söhne"/>
+              </a:rPr>
+              <a:t>Br</a:t>
+            </a:r>
+            <a:r>
+              <a:rPr lang="cs-CZ" b="0" i="0" dirty="0">
+                <a:solidFill>
+                  <a:srgbClr val="374151"/>
+                </a:solidFill>
+                <a:effectLst/>
+                <a:latin typeface="Söhne"/>
+              </a:rPr>
+              <a:t>ightness a je to cesky jas. Barevný model HSV může být užitečný pro úkoly, jako je výběr barev, korekce barev a přizpůsobení barev, protože umožňuje efektivní změnu jasu, sytosti a odstínů obrazu. Příklady tohoto modelu zahrnují obory jako grafický design, úpravy videa a obrázků a používají se také v některých vědeckých oborech. </a:t>
+            </a:r>
+            <a:endParaRPr lang="en-US" dirty="0"/>
+          </a:p>
+        </p:txBody>
+      </p:sp>
+      <p:sp>
+        <p:nvSpPr>
+          <p:cNvPr id="4" name="Slide Number Placeholder 3"/>
+          <p:cNvSpPr>
+            <a:spLocks noGrp="1"/>
+          </p:cNvSpPr>
+          <p:nvPr>
+            <p:ph type="sldNum" sz="quarter" idx="5"/>
+          </p:nvPr>
+        </p:nvSpPr>
+        <p:spPr/>
+        <p:txBody>
+          <a:bodyPr/>
+          <a:lstStyle/>
+          <a:p>
+            <a:fld id="{A327F149-D9FA-4932-BD99-DB4E84988BB6}" type="slidenum">
+              <a:rPr lang="en-US" smtClean="0"/>
+              <a:t>10</a:t>
+            </a:fld>
+            <a:endParaRPr lang="en-US"/>
+          </a:p>
+        </p:txBody>
+      </p:sp>
+    </p:spTree>
+    <p:extLst>
+      <p:ext uri="{BB962C8B-B14F-4D97-AF65-F5344CB8AC3E}">
+        <p14:creationId xmlns:p14="http://schemas.microsoft.com/office/powerpoint/2010/main" val="3782743069"/>
       </p:ext>
     </p:extLst>
   </p:cSld>
@@ -30171,6 +30448,98 @@
 </p:notes>
 </file>
 
+<file path=ppt/notesSlides/notesSlide9.xml><?xml version="1.0" encoding="utf-8"?>
+<p:notes xmlns:a="http://schemas.openxmlformats.org/drawingml/2006/main" xmlns:r="http://schemas.openxmlformats.org/officeDocument/2006/relationships" xmlns:p="http://schemas.openxmlformats.org/presentationml/2006/main">
+  <p:cSld>
+    <p:spTree>
+      <p:nvGrpSpPr>
+        <p:cNvPr id="1" name=""/>
+        <p:cNvGrpSpPr/>
+        <p:nvPr/>
+      </p:nvGrpSpPr>
+      <p:grpSpPr>
+        <a:xfrm>
+          <a:off x="0" y="0"/>
+          <a:ext cx="0" cy="0"/>
+          <a:chOff x="0" y="0"/>
+          <a:chExt cx="0" cy="0"/>
+        </a:xfrm>
+      </p:grpSpPr>
+      <p:sp>
+        <p:nvSpPr>
+          <p:cNvPr id="2" name="Slide Image Placeholder 1"/>
+          <p:cNvSpPr>
+            <a:spLocks noGrp="1" noRot="1" noChangeAspect="1"/>
+          </p:cNvSpPr>
+          <p:nvPr>
+            <p:ph type="sldImg"/>
+          </p:nvPr>
+        </p:nvSpPr>
+        <p:spPr/>
+      </p:sp>
+      <p:sp>
+        <p:nvSpPr>
+          <p:cNvPr id="3" name="Notes Placeholder 2"/>
+          <p:cNvSpPr>
+            <a:spLocks noGrp="1"/>
+          </p:cNvSpPr>
+          <p:nvPr>
+            <p:ph type="body" idx="1"/>
+          </p:nvPr>
+        </p:nvSpPr>
+        <p:spPr/>
+        <p:txBody>
+          <a:bodyPr/>
+          <a:lstStyle/>
+          <a:p>
+            <a:r>
+              <a:rPr lang="en-US" dirty="0"/>
+              <a:t>Dal</a:t>
+            </a:r>
+            <a:r>
+              <a:rPr lang="cs-CZ" dirty="0"/>
+              <a:t>ši barevne modely je HSV.  Někdy   potkame jaho HSB </a:t>
+            </a:r>
+            <a:endParaRPr lang="en-US" dirty="0"/>
+          </a:p>
+        </p:txBody>
+      </p:sp>
+      <p:sp>
+        <p:nvSpPr>
+          <p:cNvPr id="4" name="Slide Number Placeholder 3"/>
+          <p:cNvSpPr>
+            <a:spLocks noGrp="1"/>
+          </p:cNvSpPr>
+          <p:nvPr>
+            <p:ph type="sldNum" sz="quarter" idx="5"/>
+          </p:nvPr>
+        </p:nvSpPr>
+        <p:spPr/>
+        <p:txBody>
+          <a:bodyPr/>
+          <a:lstStyle/>
+          <a:p>
+            <a:fld id="{A327F149-D9FA-4932-BD99-DB4E84988BB6}" type="slidenum">
+              <a:rPr lang="en-US" smtClean="0"/>
+              <a:t>9</a:t>
+            </a:fld>
+            <a:endParaRPr lang="en-US"/>
+          </a:p>
+        </p:txBody>
+      </p:sp>
+    </p:spTree>
+    <p:extLst>
+      <p:ext uri="{BB962C8B-B14F-4D97-AF65-F5344CB8AC3E}">
+        <p14:creationId xmlns:p14="http://schemas.microsoft.com/office/powerpoint/2010/main" val="756816201"/>
+      </p:ext>
+    </p:extLst>
+  </p:cSld>
+  <p:clrMapOvr>
+    <a:masterClrMapping/>
+  </p:clrMapOvr>
+</p:notes>
+</file>
+
 <file path=ppt/slideLayouts/slideLayout1.xml><?xml version="1.0" encoding="utf-8"?>
 <p:sldLayout xmlns:a="http://schemas.openxmlformats.org/drawingml/2006/main" xmlns:r="http://schemas.openxmlformats.org/officeDocument/2006/relationships" xmlns:p="http://schemas.openxmlformats.org/presentationml/2006/main" type="title" preserve="1">
   <p:cSld name="Title Slide">
@@ -30318,7 +30687,7 @@
           <a:p>
             <a:fld id="{29134D58-3766-44A1-9C78-2A4754B7E537}" type="datetimeFigureOut">
               <a:rPr lang="en-US" smtClean="0"/>
-              <a:t>1/8/2023</a:t>
+              <a:t>1/11/2023</a:t>
             </a:fld>
             <a:endParaRPr lang="en-US"/>
           </a:p>
@@ -30528,7 +30897,7 @@
           <a:p>
             <a:fld id="{29134D58-3766-44A1-9C78-2A4754B7E537}" type="datetimeFigureOut">
               <a:rPr lang="en-US" smtClean="0"/>
-              <a:t>1/8/2023</a:t>
+              <a:t>1/11/2023</a:t>
             </a:fld>
             <a:endParaRPr lang="en-US"/>
           </a:p>
@@ -30748,7 +31117,7 @@
           <a:p>
             <a:fld id="{29134D58-3766-44A1-9C78-2A4754B7E537}" type="datetimeFigureOut">
               <a:rPr lang="en-US" smtClean="0"/>
-              <a:t>1/8/2023</a:t>
+              <a:t>1/11/2023</a:t>
             </a:fld>
             <a:endParaRPr lang="en-US"/>
           </a:p>
@@ -30958,7 +31327,7 @@
           <a:p>
             <a:fld id="{29134D58-3766-44A1-9C78-2A4754B7E537}" type="datetimeFigureOut">
               <a:rPr lang="en-US" smtClean="0"/>
-              <a:t>1/8/2023</a:t>
+              <a:t>1/11/2023</a:t>
             </a:fld>
             <a:endParaRPr lang="en-US"/>
           </a:p>
@@ -31245,7 +31614,7 @@
           <a:p>
             <a:fld id="{29134D58-3766-44A1-9C78-2A4754B7E537}" type="datetimeFigureOut">
               <a:rPr lang="en-US" smtClean="0"/>
-              <a:t>1/8/2023</a:t>
+              <a:t>1/11/2023</a:t>
             </a:fld>
             <a:endParaRPr lang="en-US"/>
           </a:p>
@@ -31522,7 +31891,7 @@
           <a:p>
             <a:fld id="{29134D58-3766-44A1-9C78-2A4754B7E537}" type="datetimeFigureOut">
               <a:rPr lang="en-US" smtClean="0"/>
-              <a:t>1/8/2023</a:t>
+              <a:t>1/11/2023</a:t>
             </a:fld>
             <a:endParaRPr lang="en-US"/>
           </a:p>
@@ -31946,7 +32315,7 @@
           <a:p>
             <a:fld id="{29134D58-3766-44A1-9C78-2A4754B7E537}" type="datetimeFigureOut">
               <a:rPr lang="en-US" smtClean="0"/>
-              <a:t>1/8/2023</a:t>
+              <a:t>1/11/2023</a:t>
             </a:fld>
             <a:endParaRPr lang="en-US"/>
           </a:p>
@@ -32099,7 +32468,7 @@
           <a:p>
             <a:fld id="{29134D58-3766-44A1-9C78-2A4754B7E537}" type="datetimeFigureOut">
               <a:rPr lang="en-US" smtClean="0"/>
-              <a:t>1/8/2023</a:t>
+              <a:t>1/11/2023</a:t>
             </a:fld>
             <a:endParaRPr lang="en-US"/>
           </a:p>
@@ -32224,7 +32593,7 @@
           <a:p>
             <a:fld id="{29134D58-3766-44A1-9C78-2A4754B7E537}" type="datetimeFigureOut">
               <a:rPr lang="en-US" smtClean="0"/>
-              <a:t>1/8/2023</a:t>
+              <a:t>1/11/2023</a:t>
             </a:fld>
             <a:endParaRPr lang="en-US"/>
           </a:p>
@@ -32547,7 +32916,7 @@
           <a:p>
             <a:fld id="{29134D58-3766-44A1-9C78-2A4754B7E537}" type="datetimeFigureOut">
               <a:rPr lang="en-US" smtClean="0"/>
-              <a:t>1/8/2023</a:t>
+              <a:t>1/11/2023</a:t>
             </a:fld>
             <a:endParaRPr lang="en-US"/>
           </a:p>
@@ -32847,7 +33216,7 @@
           <a:p>
             <a:fld id="{29134D58-3766-44A1-9C78-2A4754B7E537}" type="datetimeFigureOut">
               <a:rPr lang="en-US" smtClean="0"/>
-              <a:t>1/8/2023</a:t>
+              <a:t>1/11/2023</a:t>
             </a:fld>
             <a:endParaRPr lang="en-US"/>
           </a:p>
@@ -33100,7 +33469,7 @@
           <a:p>
             <a:fld id="{29134D58-3766-44A1-9C78-2A4754B7E537}" type="datetimeFigureOut">
               <a:rPr lang="en-US" smtClean="0"/>
-              <a:t>1/8/2023</a:t>
+              <a:t>1/11/2023</a:t>
             </a:fld>
             <a:endParaRPr lang="en-US"/>
           </a:p>
@@ -36518,7 +36887,7 @@
           <p:nvPr/>
         </p:nvPicPr>
         <p:blipFill rotWithShape="1">
-          <a:blip r:embed="rId2"/>
+          <a:blip r:embed="rId3"/>
           <a:srcRect l="11577" r="13196"/>
           <a:stretch/>
         </p:blipFill>
@@ -36646,10 +37015,10 @@
       </p:pic>
       <p:graphicFrame>
         <p:nvGraphicFramePr>
-          <p:cNvPr id="6" name="Zástupný obsah 2">
+          <p:cNvPr id="7" name="Zástupný obsah 2">
             <a:extLst>
               <a:ext uri="{FF2B5EF4-FFF2-40B4-BE49-F238E27FC236}">
-                <a16:creationId xmlns:a16="http://schemas.microsoft.com/office/drawing/2014/main" id="{670472C4-F508-35E2-0D27-D69B4559ABB6}"/>
+                <a16:creationId xmlns:a16="http://schemas.microsoft.com/office/drawing/2014/main" id="{AA3AE655-37D4-CEA3-FEF5-9B4BB46F8091}"/>
               </a:ext>
             </a:extLst>
           </p:cNvPr>
@@ -36660,18 +37029,18 @@
             <p:ph idx="1"/>
             <p:extLst>
               <p:ext uri="{D42A27DB-BD31-4B8C-83A1-F6EECF244321}">
-                <p14:modId xmlns:p14="http://schemas.microsoft.com/office/powerpoint/2010/main" val="1611392844"/>
+                <p14:modId xmlns:p14="http://schemas.microsoft.com/office/powerpoint/2010/main" val="3390905196"/>
               </p:ext>
             </p:extLst>
           </p:nvPr>
         </p:nvGraphicFramePr>
         <p:xfrm>
-          <a:off x="640080" y="2872899"/>
-          <a:ext cx="4243589" cy="3320668"/>
+          <a:off x="640080" y="2965801"/>
+          <a:ext cx="4291149" cy="2908636"/>
         </p:xfrm>
         <a:graphic>
           <a:graphicData uri="http://schemas.openxmlformats.org/drawingml/2006/diagram">
-            <dgm:relIds xmlns:dgm="http://schemas.openxmlformats.org/drawingml/2006/diagram" xmlns:r="http://schemas.openxmlformats.org/officeDocument/2006/relationships" r:dm="rId3" r:lo="rId4" r:qs="rId5" r:cs="rId6"/>
+            <dgm:relIds xmlns:dgm="http://schemas.openxmlformats.org/drawingml/2006/diagram" xmlns:r="http://schemas.openxmlformats.org/officeDocument/2006/relationships" r:dm="rId4" r:lo="rId5" r:qs="rId6" r:cs="rId7"/>
           </a:graphicData>
         </a:graphic>
       </p:graphicFrame>
@@ -44914,7 +45283,7 @@
         </p:xfrm>
         <a:graphic>
           <a:graphicData uri="http://schemas.openxmlformats.org/drawingml/2006/diagram">
-            <dgm:relIds xmlns:dgm="http://schemas.openxmlformats.org/drawingml/2006/diagram" xmlns:r="http://schemas.openxmlformats.org/officeDocument/2006/relationships" r:dm="rId2" r:lo="rId3" r:qs="rId4" r:cs="rId5"/>
+            <dgm:relIds xmlns:dgm="http://schemas.openxmlformats.org/drawingml/2006/diagram" xmlns:r="http://schemas.openxmlformats.org/officeDocument/2006/relationships" r:dm="rId3" r:lo="rId4" r:qs="rId5" r:cs="rId6"/>
           </a:graphicData>
         </a:graphic>
       </p:graphicFrame>

--- a/Presentation for IT.pptx
+++ b/Presentation for IT.pptx
@@ -9807,7 +9807,7 @@
   <dgm:whole/>
   <dgm:extLst>
     <a:ext uri="http://schemas.microsoft.com/office/drawing/2008/diagram">
-      <dsp:dataModelExt xmlns:dsp="http://schemas.microsoft.com/office/drawing/2008/diagram" relId="rId6" minVer="http://schemas.openxmlformats.org/drawingml/2006/diagram"/>
+      <dsp:dataModelExt xmlns:dsp="http://schemas.microsoft.com/office/drawing/2008/diagram" relId="rId7" minVer="http://schemas.openxmlformats.org/drawingml/2006/diagram"/>
     </a:ext>
   </dgm:extLst>
 </dgm:dataModel>
@@ -28445,7 +28445,7 @@
           <a:p>
             <a:fld id="{E91DDA50-ABC7-4925-B05D-AC0ABC4936E7}" type="datetimeFigureOut">
               <a:rPr lang="en-US" smtClean="0"/>
-              <a:t>1/11/2023</a:t>
+              <a:t>1/13/2023</a:t>
             </a:fld>
             <a:endParaRPr lang="en-US"/>
           </a:p>
@@ -29028,6 +29028,129 @@
     <p:extLst>
       <p:ext uri="{BB962C8B-B14F-4D97-AF65-F5344CB8AC3E}">
         <p14:creationId xmlns:p14="http://schemas.microsoft.com/office/powerpoint/2010/main" val="3782743069"/>
+      </p:ext>
+    </p:extLst>
+  </p:cSld>
+  <p:clrMapOvr>
+    <a:masterClrMapping/>
+  </p:clrMapOvr>
+</p:notes>
+</file>
+
+<file path=ppt/notesSlides/notesSlide11.xml><?xml version="1.0" encoding="utf-8"?>
+<p:notes xmlns:a="http://schemas.openxmlformats.org/drawingml/2006/main" xmlns:r="http://schemas.openxmlformats.org/officeDocument/2006/relationships" xmlns:p="http://schemas.openxmlformats.org/presentationml/2006/main">
+  <p:cSld>
+    <p:spTree>
+      <p:nvGrpSpPr>
+        <p:cNvPr id="1" name=""/>
+        <p:cNvGrpSpPr/>
+        <p:nvPr/>
+      </p:nvGrpSpPr>
+      <p:grpSpPr>
+        <a:xfrm>
+          <a:off x="0" y="0"/>
+          <a:ext cx="0" cy="0"/>
+          <a:chOff x="0" y="0"/>
+          <a:chExt cx="0" cy="0"/>
+        </a:xfrm>
+      </p:grpSpPr>
+      <p:sp>
+        <p:nvSpPr>
+          <p:cNvPr id="2" name="Slide Image Placeholder 1"/>
+          <p:cNvSpPr>
+            <a:spLocks noGrp="1" noRot="1" noChangeAspect="1"/>
+          </p:cNvSpPr>
+          <p:nvPr>
+            <p:ph type="sldImg"/>
+          </p:nvPr>
+        </p:nvSpPr>
+        <p:spPr/>
+      </p:sp>
+      <p:sp>
+        <p:nvSpPr>
+          <p:cNvPr id="3" name="Notes Placeholder 2"/>
+          <p:cNvSpPr>
+            <a:spLocks noGrp="1"/>
+          </p:cNvSpPr>
+          <p:nvPr>
+            <p:ph type="body" idx="1"/>
+          </p:nvPr>
+        </p:nvSpPr>
+        <p:spPr/>
+        <p:txBody>
+          <a:bodyPr/>
+          <a:lstStyle/>
+          <a:p>
+            <a:r>
+              <a:rPr lang="en-US" dirty="0" err="1"/>
+              <a:t>Tedka</a:t>
+            </a:r>
+            <a:r>
+              <a:rPr lang="en-US" dirty="0"/>
+              <a:t> </a:t>
+            </a:r>
+            <a:r>
+              <a:rPr lang="en-US" dirty="0" err="1"/>
+              <a:t>zacinam</a:t>
+            </a:r>
+            <a:r>
+              <a:rPr lang="en-US" dirty="0"/>
+              <a:t> </a:t>
+            </a:r>
+            <a:r>
+              <a:rPr lang="en-US" dirty="0" err="1"/>
+              <a:t>bavit</a:t>
+            </a:r>
+            <a:r>
+              <a:rPr lang="en-US" dirty="0"/>
+              <a:t> o  </a:t>
+            </a:r>
+            <a:r>
+              <a:rPr lang="en-US" dirty="0" err="1"/>
+              <a:t>dalsi</a:t>
+            </a:r>
+            <a:r>
+              <a:rPr lang="en-US" dirty="0"/>
+              <a:t> </a:t>
+            </a:r>
+            <a:r>
+              <a:rPr lang="en-US" dirty="0" err="1"/>
+              <a:t>barevne</a:t>
+            </a:r>
+            <a:r>
+              <a:rPr lang="en-US" dirty="0"/>
+              <a:t> model. A to je CIE .</a:t>
+            </a:r>
+          </a:p>
+        </p:txBody>
+      </p:sp>
+      <p:sp>
+        <p:nvSpPr>
+          <p:cNvPr id="4" name="Slide Number Placeholder 3"/>
+          <p:cNvSpPr>
+            <a:spLocks noGrp="1"/>
+          </p:cNvSpPr>
+          <p:nvPr>
+            <p:ph type="sldNum" sz="quarter" idx="5"/>
+          </p:nvPr>
+        </p:nvSpPr>
+        <p:spPr/>
+        <p:txBody>
+          <a:bodyPr/>
+          <a:lstStyle/>
+          <a:p>
+            <a:fld id="{A327F149-D9FA-4932-BD99-DB4E84988BB6}" type="slidenum">
+              <a:rPr lang="en-US" smtClean="0"/>
+              <a:t>11</a:t>
+            </a:fld>
+            <a:endParaRPr lang="en-US"/>
+          </a:p>
+        </p:txBody>
+      </p:sp>
+    </p:spTree>
+    <p:extLst>
+      <p:ext uri="{BB962C8B-B14F-4D97-AF65-F5344CB8AC3E}">
+        <p14:creationId xmlns:p14="http://schemas.microsoft.com/office/powerpoint/2010/main" val="2006715218"/>
       </p:ext>
     </p:extLst>
   </p:cSld>
@@ -30687,7 +30810,7 @@
           <a:p>
             <a:fld id="{29134D58-3766-44A1-9C78-2A4754B7E537}" type="datetimeFigureOut">
               <a:rPr lang="en-US" smtClean="0"/>
-              <a:t>1/11/2023</a:t>
+              <a:t>1/13/2023</a:t>
             </a:fld>
             <a:endParaRPr lang="en-US"/>
           </a:p>
@@ -30897,7 +31020,7 @@
           <a:p>
             <a:fld id="{29134D58-3766-44A1-9C78-2A4754B7E537}" type="datetimeFigureOut">
               <a:rPr lang="en-US" smtClean="0"/>
-              <a:t>1/11/2023</a:t>
+              <a:t>1/13/2023</a:t>
             </a:fld>
             <a:endParaRPr lang="en-US"/>
           </a:p>
@@ -31117,7 +31240,7 @@
           <a:p>
             <a:fld id="{29134D58-3766-44A1-9C78-2A4754B7E537}" type="datetimeFigureOut">
               <a:rPr lang="en-US" smtClean="0"/>
-              <a:t>1/11/2023</a:t>
+              <a:t>1/13/2023</a:t>
             </a:fld>
             <a:endParaRPr lang="en-US"/>
           </a:p>
@@ -31327,7 +31450,7 @@
           <a:p>
             <a:fld id="{29134D58-3766-44A1-9C78-2A4754B7E537}" type="datetimeFigureOut">
               <a:rPr lang="en-US" smtClean="0"/>
-              <a:t>1/11/2023</a:t>
+              <a:t>1/13/2023</a:t>
             </a:fld>
             <a:endParaRPr lang="en-US"/>
           </a:p>
@@ -31614,7 +31737,7 @@
           <a:p>
             <a:fld id="{29134D58-3766-44A1-9C78-2A4754B7E537}" type="datetimeFigureOut">
               <a:rPr lang="en-US" smtClean="0"/>
-              <a:t>1/11/2023</a:t>
+              <a:t>1/13/2023</a:t>
             </a:fld>
             <a:endParaRPr lang="en-US"/>
           </a:p>
@@ -31891,7 +32014,7 @@
           <a:p>
             <a:fld id="{29134D58-3766-44A1-9C78-2A4754B7E537}" type="datetimeFigureOut">
               <a:rPr lang="en-US" smtClean="0"/>
-              <a:t>1/11/2023</a:t>
+              <a:t>1/13/2023</a:t>
             </a:fld>
             <a:endParaRPr lang="en-US"/>
           </a:p>
@@ -32315,7 +32438,7 @@
           <a:p>
             <a:fld id="{29134D58-3766-44A1-9C78-2A4754B7E537}" type="datetimeFigureOut">
               <a:rPr lang="en-US" smtClean="0"/>
-              <a:t>1/11/2023</a:t>
+              <a:t>1/13/2023</a:t>
             </a:fld>
             <a:endParaRPr lang="en-US"/>
           </a:p>
@@ -32468,7 +32591,7 @@
           <a:p>
             <a:fld id="{29134D58-3766-44A1-9C78-2A4754B7E537}" type="datetimeFigureOut">
               <a:rPr lang="en-US" smtClean="0"/>
-              <a:t>1/11/2023</a:t>
+              <a:t>1/13/2023</a:t>
             </a:fld>
             <a:endParaRPr lang="en-US"/>
           </a:p>
@@ -32593,7 +32716,7 @@
           <a:p>
             <a:fld id="{29134D58-3766-44A1-9C78-2A4754B7E537}" type="datetimeFigureOut">
               <a:rPr lang="en-US" smtClean="0"/>
-              <a:t>1/11/2023</a:t>
+              <a:t>1/13/2023</a:t>
             </a:fld>
             <a:endParaRPr lang="en-US"/>
           </a:p>
@@ -32916,7 +33039,7 @@
           <a:p>
             <a:fld id="{29134D58-3766-44A1-9C78-2A4754B7E537}" type="datetimeFigureOut">
               <a:rPr lang="en-US" smtClean="0"/>
-              <a:t>1/11/2023</a:t>
+              <a:t>1/13/2023</a:t>
             </a:fld>
             <a:endParaRPr lang="en-US"/>
           </a:p>
@@ -33216,7 +33339,7 @@
           <a:p>
             <a:fld id="{29134D58-3766-44A1-9C78-2A4754B7E537}" type="datetimeFigureOut">
               <a:rPr lang="en-US" smtClean="0"/>
-              <a:t>1/11/2023</a:t>
+              <a:t>1/13/2023</a:t>
             </a:fld>
             <a:endParaRPr lang="en-US"/>
           </a:p>
@@ -33469,7 +33592,7 @@
           <a:p>
             <a:fld id="{29134D58-3766-44A1-9C78-2A4754B7E537}" type="datetimeFigureOut">
               <a:rPr lang="en-US" smtClean="0"/>
-              <a:t>1/11/2023</a:t>
+              <a:t>1/13/2023</a:t>
             </a:fld>
             <a:endParaRPr lang="en-US"/>
           </a:p>
@@ -37365,7 +37488,7 @@
         </p:xfrm>
         <a:graphic>
           <a:graphicData uri="http://schemas.openxmlformats.org/drawingml/2006/diagram">
-            <dgm:relIds xmlns:dgm="http://schemas.openxmlformats.org/drawingml/2006/diagram" xmlns:r="http://schemas.openxmlformats.org/officeDocument/2006/relationships" r:dm="rId2" r:lo="rId3" r:qs="rId4" r:cs="rId5"/>
+            <dgm:relIds xmlns:dgm="http://schemas.openxmlformats.org/drawingml/2006/diagram" xmlns:r="http://schemas.openxmlformats.org/officeDocument/2006/relationships" r:dm="rId3" r:lo="rId4" r:qs="rId5" r:cs="rId6"/>
           </a:graphicData>
         </a:graphic>
       </p:graphicFrame>

--- a/Presentation for IT.pptx
+++ b/Presentation for IT.pptx
@@ -1023,753 +1023,6 @@
     <dgm:fillClrLst meth="repeat">
       <a:schemeClr val="accent2">
         <a:tint val="40000"/>
-      </a:schemeClr>
-    </dgm:fillClrLst>
-    <dgm:linClrLst meth="repeat">
-      <a:schemeClr val="lt1"/>
-    </dgm:linClrLst>
-    <dgm:effectClrLst/>
-    <dgm:txLinClrLst/>
-    <dgm:txFillClrLst meth="repeat">
-      <a:schemeClr val="dk1"/>
-    </dgm:txFillClrLst>
-    <dgm:txEffectClrLst/>
-  </dgm:styleLbl>
-  <dgm:styleLbl name="revTx">
-    <dgm:fillClrLst meth="repeat">
-      <a:schemeClr val="lt1">
-        <a:alpha val="0"/>
-      </a:schemeClr>
-    </dgm:fillClrLst>
-    <dgm:linClrLst meth="repeat">
-      <a:schemeClr val="dk1">
-        <a:alpha val="0"/>
-      </a:schemeClr>
-    </dgm:linClrLst>
-    <dgm:effectClrLst/>
-    <dgm:txLinClrLst/>
-    <dgm:txFillClrLst meth="repeat">
-      <a:schemeClr val="tx1"/>
-    </dgm:txFillClrLst>
-    <dgm:txEffectClrLst/>
-  </dgm:styleLbl>
-</dgm:colorsDef>
-</file>
-
-<file path=ppt/diagrams/colors10.xml><?xml version="1.0" encoding="utf-8"?>
-<dgm:colorsDef xmlns:dgm="http://schemas.openxmlformats.org/drawingml/2006/diagram" xmlns:a="http://schemas.openxmlformats.org/drawingml/2006/main" uniqueId="urn:microsoft.com/office/officeart/2005/8/colors/accent2_2">
-  <dgm:title val=""/>
-  <dgm:desc val=""/>
-  <dgm:catLst>
-    <dgm:cat type="accent2" pri="11200"/>
-  </dgm:catLst>
-  <dgm:styleLbl name="node0">
-    <dgm:fillClrLst meth="repeat">
-      <a:schemeClr val="accent2"/>
-    </dgm:fillClrLst>
-    <dgm:linClrLst meth="repeat">
-      <a:schemeClr val="lt1"/>
-    </dgm:linClrLst>
-    <dgm:effectClrLst/>
-    <dgm:txLinClrLst/>
-    <dgm:txFillClrLst/>
-    <dgm:txEffectClrLst/>
-  </dgm:styleLbl>
-  <dgm:styleLbl name="node1">
-    <dgm:fillClrLst meth="repeat">
-      <a:schemeClr val="accent2"/>
-    </dgm:fillClrLst>
-    <dgm:linClrLst meth="repeat">
-      <a:schemeClr val="lt1"/>
-    </dgm:linClrLst>
-    <dgm:effectClrLst/>
-    <dgm:txLinClrLst/>
-    <dgm:txFillClrLst/>
-    <dgm:txEffectClrLst/>
-  </dgm:styleLbl>
-  <dgm:styleLbl name="alignNode1">
-    <dgm:fillClrLst meth="repeat">
-      <a:schemeClr val="accent2"/>
-    </dgm:fillClrLst>
-    <dgm:linClrLst meth="repeat">
-      <a:schemeClr val="accent2"/>
-    </dgm:linClrLst>
-    <dgm:effectClrLst/>
-    <dgm:txLinClrLst/>
-    <dgm:txFillClrLst/>
-    <dgm:txEffectClrLst/>
-  </dgm:styleLbl>
-  <dgm:styleLbl name="lnNode1">
-    <dgm:fillClrLst meth="repeat">
-      <a:schemeClr val="accent2"/>
-    </dgm:fillClrLst>
-    <dgm:linClrLst meth="repeat">
-      <a:schemeClr val="lt1"/>
-    </dgm:linClrLst>
-    <dgm:effectClrLst/>
-    <dgm:txLinClrLst/>
-    <dgm:txFillClrLst/>
-    <dgm:txEffectClrLst/>
-  </dgm:styleLbl>
-  <dgm:styleLbl name="vennNode1">
-    <dgm:fillClrLst meth="repeat">
-      <a:schemeClr val="accent2">
-        <a:alpha val="50000"/>
-      </a:schemeClr>
-    </dgm:fillClrLst>
-    <dgm:linClrLst meth="repeat">
-      <a:schemeClr val="lt1"/>
-    </dgm:linClrLst>
-    <dgm:effectClrLst/>
-    <dgm:txLinClrLst/>
-    <dgm:txFillClrLst/>
-    <dgm:txEffectClrLst/>
-  </dgm:styleLbl>
-  <dgm:styleLbl name="node2">
-    <dgm:fillClrLst meth="repeat">
-      <a:schemeClr val="accent2"/>
-    </dgm:fillClrLst>
-    <dgm:linClrLst meth="repeat">
-      <a:schemeClr val="lt1"/>
-    </dgm:linClrLst>
-    <dgm:effectClrLst/>
-    <dgm:txLinClrLst/>
-    <dgm:txFillClrLst/>
-    <dgm:txEffectClrLst/>
-  </dgm:styleLbl>
-  <dgm:styleLbl name="node3">
-    <dgm:fillClrLst meth="repeat">
-      <a:schemeClr val="accent2"/>
-    </dgm:fillClrLst>
-    <dgm:linClrLst meth="repeat">
-      <a:schemeClr val="lt1"/>
-    </dgm:linClrLst>
-    <dgm:effectClrLst/>
-    <dgm:txLinClrLst/>
-    <dgm:txFillClrLst/>
-    <dgm:txEffectClrLst/>
-  </dgm:styleLbl>
-  <dgm:styleLbl name="node4">
-    <dgm:fillClrLst meth="repeat">
-      <a:schemeClr val="accent2"/>
-    </dgm:fillClrLst>
-    <dgm:linClrLst meth="repeat">
-      <a:schemeClr val="lt1"/>
-    </dgm:linClrLst>
-    <dgm:effectClrLst/>
-    <dgm:txLinClrLst/>
-    <dgm:txFillClrLst/>
-    <dgm:txEffectClrLst/>
-  </dgm:styleLbl>
-  <dgm:styleLbl name="fgImgPlace1">
-    <dgm:fillClrLst meth="repeat">
-      <a:schemeClr val="accent2">
-        <a:tint val="50000"/>
-      </a:schemeClr>
-    </dgm:fillClrLst>
-    <dgm:linClrLst meth="repeat">
-      <a:schemeClr val="lt1"/>
-    </dgm:linClrLst>
-    <dgm:effectClrLst/>
-    <dgm:txLinClrLst/>
-    <dgm:txFillClrLst meth="repeat">
-      <a:schemeClr val="lt1"/>
-    </dgm:txFillClrLst>
-    <dgm:txEffectClrLst/>
-  </dgm:styleLbl>
-  <dgm:styleLbl name="alignImgPlace1">
-    <dgm:fillClrLst meth="repeat">
-      <a:schemeClr val="accent2">
-        <a:tint val="50000"/>
-      </a:schemeClr>
-    </dgm:fillClrLst>
-    <dgm:linClrLst meth="repeat">
-      <a:schemeClr val="lt1"/>
-    </dgm:linClrLst>
-    <dgm:effectClrLst/>
-    <dgm:txLinClrLst/>
-    <dgm:txFillClrLst meth="repeat">
-      <a:schemeClr val="lt1"/>
-    </dgm:txFillClrLst>
-    <dgm:txEffectClrLst/>
-  </dgm:styleLbl>
-  <dgm:styleLbl name="bgImgPlace1">
-    <dgm:fillClrLst meth="repeat">
-      <a:schemeClr val="accent2">
-        <a:tint val="50000"/>
-      </a:schemeClr>
-    </dgm:fillClrLst>
-    <dgm:linClrLst meth="repeat">
-      <a:schemeClr val="lt1"/>
-    </dgm:linClrLst>
-    <dgm:effectClrLst/>
-    <dgm:txLinClrLst/>
-    <dgm:txFillClrLst meth="repeat">
-      <a:schemeClr val="lt1"/>
-    </dgm:txFillClrLst>
-    <dgm:txEffectClrLst/>
-  </dgm:styleLbl>
-  <dgm:styleLbl name="sibTrans2D1">
-    <dgm:fillClrLst meth="repeat">
-      <a:schemeClr val="accent2">
-        <a:tint val="60000"/>
-      </a:schemeClr>
-    </dgm:fillClrLst>
-    <dgm:linClrLst meth="repeat">
-      <a:schemeClr val="accent2">
-        <a:tint val="60000"/>
-      </a:schemeClr>
-    </dgm:linClrLst>
-    <dgm:effectClrLst/>
-    <dgm:txLinClrLst/>
-    <dgm:txFillClrLst/>
-    <dgm:txEffectClrLst/>
-  </dgm:styleLbl>
-  <dgm:styleLbl name="fgSibTrans2D1">
-    <dgm:fillClrLst meth="repeat">
-      <a:schemeClr val="accent2">
-        <a:tint val="60000"/>
-      </a:schemeClr>
-    </dgm:fillClrLst>
-    <dgm:linClrLst meth="repeat">
-      <a:schemeClr val="accent2">
-        <a:tint val="60000"/>
-      </a:schemeClr>
-    </dgm:linClrLst>
-    <dgm:effectClrLst/>
-    <dgm:txLinClrLst/>
-    <dgm:txFillClrLst/>
-    <dgm:txEffectClrLst/>
-  </dgm:styleLbl>
-  <dgm:styleLbl name="bgSibTrans2D1">
-    <dgm:fillClrLst meth="repeat">
-      <a:schemeClr val="accent2">
-        <a:tint val="60000"/>
-      </a:schemeClr>
-    </dgm:fillClrLst>
-    <dgm:linClrLst meth="repeat">
-      <a:schemeClr val="accent2">
-        <a:tint val="60000"/>
-      </a:schemeClr>
-    </dgm:linClrLst>
-    <dgm:effectClrLst/>
-    <dgm:txLinClrLst/>
-    <dgm:txFillClrLst/>
-    <dgm:txEffectClrLst/>
-  </dgm:styleLbl>
-  <dgm:styleLbl name="sibTrans1D1">
-    <dgm:fillClrLst meth="repeat">
-      <a:schemeClr val="accent2"/>
-    </dgm:fillClrLst>
-    <dgm:linClrLst meth="repeat">
-      <a:schemeClr val="accent2"/>
-    </dgm:linClrLst>
-    <dgm:effectClrLst/>
-    <dgm:txLinClrLst/>
-    <dgm:txFillClrLst meth="repeat">
-      <a:schemeClr val="tx1"/>
-    </dgm:txFillClrLst>
-    <dgm:txEffectClrLst/>
-  </dgm:styleLbl>
-  <dgm:styleLbl name="callout">
-    <dgm:fillClrLst meth="repeat">
-      <a:schemeClr val="accent2"/>
-    </dgm:fillClrLst>
-    <dgm:linClrLst meth="repeat">
-      <a:schemeClr val="accent2">
-        <a:tint val="50000"/>
-      </a:schemeClr>
-    </dgm:linClrLst>
-    <dgm:effectClrLst/>
-    <dgm:txLinClrLst/>
-    <dgm:txFillClrLst meth="repeat">
-      <a:schemeClr val="tx1"/>
-    </dgm:txFillClrLst>
-    <dgm:txEffectClrLst/>
-  </dgm:styleLbl>
-  <dgm:styleLbl name="asst0">
-    <dgm:fillClrLst meth="repeat">
-      <a:schemeClr val="accent2"/>
-    </dgm:fillClrLst>
-    <dgm:linClrLst meth="repeat">
-      <a:schemeClr val="lt1"/>
-    </dgm:linClrLst>
-    <dgm:effectClrLst/>
-    <dgm:txLinClrLst/>
-    <dgm:txFillClrLst/>
-    <dgm:txEffectClrLst/>
-  </dgm:styleLbl>
-  <dgm:styleLbl name="asst1">
-    <dgm:fillClrLst meth="repeat">
-      <a:schemeClr val="accent2"/>
-    </dgm:fillClrLst>
-    <dgm:linClrLst meth="repeat">
-      <a:schemeClr val="lt1"/>
-    </dgm:linClrLst>
-    <dgm:effectClrLst/>
-    <dgm:txLinClrLst/>
-    <dgm:txFillClrLst/>
-    <dgm:txEffectClrLst/>
-  </dgm:styleLbl>
-  <dgm:styleLbl name="asst2">
-    <dgm:fillClrLst meth="repeat">
-      <a:schemeClr val="accent2"/>
-    </dgm:fillClrLst>
-    <dgm:linClrLst meth="repeat">
-      <a:schemeClr val="lt1"/>
-    </dgm:linClrLst>
-    <dgm:effectClrLst/>
-    <dgm:txLinClrLst/>
-    <dgm:txFillClrLst/>
-    <dgm:txEffectClrLst/>
-  </dgm:styleLbl>
-  <dgm:styleLbl name="asst3">
-    <dgm:fillClrLst meth="repeat">
-      <a:schemeClr val="accent2"/>
-    </dgm:fillClrLst>
-    <dgm:linClrLst meth="repeat">
-      <a:schemeClr val="lt1"/>
-    </dgm:linClrLst>
-    <dgm:effectClrLst/>
-    <dgm:txLinClrLst/>
-    <dgm:txFillClrLst/>
-    <dgm:txEffectClrLst/>
-  </dgm:styleLbl>
-  <dgm:styleLbl name="asst4">
-    <dgm:fillClrLst meth="repeat">
-      <a:schemeClr val="accent2"/>
-    </dgm:fillClrLst>
-    <dgm:linClrLst meth="repeat">
-      <a:schemeClr val="lt1"/>
-    </dgm:linClrLst>
-    <dgm:effectClrLst/>
-    <dgm:txLinClrLst/>
-    <dgm:txFillClrLst/>
-    <dgm:txEffectClrLst/>
-  </dgm:styleLbl>
-  <dgm:styleLbl name="parChTrans2D1">
-    <dgm:fillClrLst meth="repeat">
-      <a:schemeClr val="accent2">
-        <a:tint val="60000"/>
-      </a:schemeClr>
-    </dgm:fillClrLst>
-    <dgm:linClrLst meth="repeat">
-      <a:schemeClr val="accent2">
-        <a:tint val="60000"/>
-      </a:schemeClr>
-    </dgm:linClrLst>
-    <dgm:effectClrLst/>
-    <dgm:txLinClrLst/>
-    <dgm:txFillClrLst meth="repeat">
-      <a:schemeClr val="lt1"/>
-    </dgm:txFillClrLst>
-    <dgm:txEffectClrLst/>
-  </dgm:styleLbl>
-  <dgm:styleLbl name="parChTrans2D2">
-    <dgm:fillClrLst meth="repeat">
-      <a:schemeClr val="accent2"/>
-    </dgm:fillClrLst>
-    <dgm:linClrLst meth="repeat">
-      <a:schemeClr val="accent2"/>
-    </dgm:linClrLst>
-    <dgm:effectClrLst/>
-    <dgm:txLinClrLst/>
-    <dgm:txFillClrLst meth="repeat">
-      <a:schemeClr val="lt1"/>
-    </dgm:txFillClrLst>
-    <dgm:txEffectClrLst/>
-  </dgm:styleLbl>
-  <dgm:styleLbl name="parChTrans2D3">
-    <dgm:fillClrLst meth="repeat">
-      <a:schemeClr val="accent2"/>
-    </dgm:fillClrLst>
-    <dgm:linClrLst meth="repeat">
-      <a:schemeClr val="accent2"/>
-    </dgm:linClrLst>
-    <dgm:effectClrLst/>
-    <dgm:txLinClrLst/>
-    <dgm:txFillClrLst meth="repeat">
-      <a:schemeClr val="lt1"/>
-    </dgm:txFillClrLst>
-    <dgm:txEffectClrLst/>
-  </dgm:styleLbl>
-  <dgm:styleLbl name="parChTrans2D4">
-    <dgm:fillClrLst meth="repeat">
-      <a:schemeClr val="accent2"/>
-    </dgm:fillClrLst>
-    <dgm:linClrLst meth="repeat">
-      <a:schemeClr val="accent2"/>
-    </dgm:linClrLst>
-    <dgm:effectClrLst/>
-    <dgm:txLinClrLst/>
-    <dgm:txFillClrLst meth="repeat">
-      <a:schemeClr val="lt1"/>
-    </dgm:txFillClrLst>
-    <dgm:txEffectClrLst/>
-  </dgm:styleLbl>
-  <dgm:styleLbl name="parChTrans1D1">
-    <dgm:fillClrLst meth="repeat">
-      <a:schemeClr val="accent2"/>
-    </dgm:fillClrLst>
-    <dgm:linClrLst meth="repeat">
-      <a:schemeClr val="accent2">
-        <a:shade val="60000"/>
-      </a:schemeClr>
-    </dgm:linClrLst>
-    <dgm:effectClrLst/>
-    <dgm:txLinClrLst/>
-    <dgm:txFillClrLst meth="repeat">
-      <a:schemeClr val="tx1"/>
-    </dgm:txFillClrLst>
-    <dgm:txEffectClrLst/>
-  </dgm:styleLbl>
-  <dgm:styleLbl name="parChTrans1D2">
-    <dgm:fillClrLst meth="repeat">
-      <a:schemeClr val="accent2"/>
-    </dgm:fillClrLst>
-    <dgm:linClrLst meth="repeat">
-      <a:schemeClr val="accent2">
-        <a:shade val="60000"/>
-      </a:schemeClr>
-    </dgm:linClrLst>
-    <dgm:effectClrLst/>
-    <dgm:txLinClrLst/>
-    <dgm:txFillClrLst meth="repeat">
-      <a:schemeClr val="tx1"/>
-    </dgm:txFillClrLst>
-    <dgm:txEffectClrLst/>
-  </dgm:styleLbl>
-  <dgm:styleLbl name="parChTrans1D3">
-    <dgm:fillClrLst meth="repeat">
-      <a:schemeClr val="accent2"/>
-    </dgm:fillClrLst>
-    <dgm:linClrLst meth="repeat">
-      <a:schemeClr val="accent2">
-        <a:shade val="80000"/>
-      </a:schemeClr>
-    </dgm:linClrLst>
-    <dgm:effectClrLst/>
-    <dgm:txLinClrLst/>
-    <dgm:txFillClrLst meth="repeat">
-      <a:schemeClr val="tx1"/>
-    </dgm:txFillClrLst>
-    <dgm:txEffectClrLst/>
-  </dgm:styleLbl>
-  <dgm:styleLbl name="parChTrans1D4">
-    <dgm:fillClrLst meth="repeat">
-      <a:schemeClr val="accent2"/>
-    </dgm:fillClrLst>
-    <dgm:linClrLst meth="repeat">
-      <a:schemeClr val="accent2">
-        <a:shade val="80000"/>
-      </a:schemeClr>
-    </dgm:linClrLst>
-    <dgm:effectClrLst/>
-    <dgm:txLinClrLst/>
-    <dgm:txFillClrLst meth="repeat">
-      <a:schemeClr val="tx1"/>
-    </dgm:txFillClrLst>
-    <dgm:txEffectClrLst/>
-  </dgm:styleLbl>
-  <dgm:styleLbl name="fgAcc1">
-    <dgm:fillClrLst meth="repeat">
-      <a:schemeClr val="lt1">
-        <a:alpha val="90000"/>
-      </a:schemeClr>
-    </dgm:fillClrLst>
-    <dgm:linClrLst meth="repeat">
-      <a:schemeClr val="accent2"/>
-    </dgm:linClrLst>
-    <dgm:effectClrLst/>
-    <dgm:txLinClrLst/>
-    <dgm:txFillClrLst meth="repeat">
-      <a:schemeClr val="dk1"/>
-    </dgm:txFillClrLst>
-    <dgm:txEffectClrLst/>
-  </dgm:styleLbl>
-  <dgm:styleLbl name="conFgAcc1">
-    <dgm:fillClrLst meth="repeat">
-      <a:schemeClr val="lt1">
-        <a:alpha val="90000"/>
-      </a:schemeClr>
-    </dgm:fillClrLst>
-    <dgm:linClrLst meth="repeat">
-      <a:schemeClr val="accent2"/>
-    </dgm:linClrLst>
-    <dgm:effectClrLst/>
-    <dgm:txLinClrLst/>
-    <dgm:txFillClrLst meth="repeat">
-      <a:schemeClr val="dk1"/>
-    </dgm:txFillClrLst>
-    <dgm:txEffectClrLst/>
-  </dgm:styleLbl>
-  <dgm:styleLbl name="alignAcc1">
-    <dgm:fillClrLst meth="repeat">
-      <a:schemeClr val="lt1">
-        <a:alpha val="90000"/>
-      </a:schemeClr>
-    </dgm:fillClrLst>
-    <dgm:linClrLst meth="repeat">
-      <a:schemeClr val="accent2"/>
-    </dgm:linClrLst>
-    <dgm:effectClrLst/>
-    <dgm:txLinClrLst/>
-    <dgm:txFillClrLst meth="repeat">
-      <a:schemeClr val="dk1"/>
-    </dgm:txFillClrLst>
-    <dgm:txEffectClrLst/>
-  </dgm:styleLbl>
-  <dgm:styleLbl name="trAlignAcc1">
-    <dgm:fillClrLst meth="repeat">
-      <a:schemeClr val="lt1">
-        <a:alpha val="40000"/>
-      </a:schemeClr>
-    </dgm:fillClrLst>
-    <dgm:linClrLst meth="repeat">
-      <a:schemeClr val="accent2"/>
-    </dgm:linClrLst>
-    <dgm:effectClrLst/>
-    <dgm:txLinClrLst/>
-    <dgm:txFillClrLst meth="repeat">
-      <a:schemeClr val="dk1"/>
-    </dgm:txFillClrLst>
-    <dgm:txEffectClrLst/>
-  </dgm:styleLbl>
-  <dgm:styleLbl name="bgAcc1">
-    <dgm:fillClrLst meth="repeat">
-      <a:schemeClr val="lt1">
-        <a:alpha val="90000"/>
-      </a:schemeClr>
-    </dgm:fillClrLst>
-    <dgm:linClrLst meth="repeat">
-      <a:schemeClr val="accent2"/>
-    </dgm:linClrLst>
-    <dgm:effectClrLst/>
-    <dgm:txLinClrLst/>
-    <dgm:txFillClrLst meth="repeat">
-      <a:schemeClr val="dk1"/>
-    </dgm:txFillClrLst>
-    <dgm:txEffectClrLst/>
-  </dgm:styleLbl>
-  <dgm:styleLbl name="solidFgAcc1">
-    <dgm:fillClrLst meth="repeat">
-      <a:schemeClr val="lt1"/>
-    </dgm:fillClrLst>
-    <dgm:linClrLst meth="repeat">
-      <a:schemeClr val="accent2"/>
-    </dgm:linClrLst>
-    <dgm:effectClrLst/>
-    <dgm:txLinClrLst/>
-    <dgm:txFillClrLst meth="repeat">
-      <a:schemeClr val="dk1"/>
-    </dgm:txFillClrLst>
-    <dgm:txEffectClrLst/>
-  </dgm:styleLbl>
-  <dgm:styleLbl name="solidAlignAcc1">
-    <dgm:fillClrLst meth="repeat">
-      <a:schemeClr val="lt1"/>
-    </dgm:fillClrLst>
-    <dgm:linClrLst meth="repeat">
-      <a:schemeClr val="accent2"/>
-    </dgm:linClrLst>
-    <dgm:effectClrLst/>
-    <dgm:txLinClrLst/>
-    <dgm:txFillClrLst meth="repeat">
-      <a:schemeClr val="dk1"/>
-    </dgm:txFillClrLst>
-    <dgm:txEffectClrLst/>
-  </dgm:styleLbl>
-  <dgm:styleLbl name="solidBgAcc1">
-    <dgm:fillClrLst meth="repeat">
-      <a:schemeClr val="lt1"/>
-    </dgm:fillClrLst>
-    <dgm:linClrLst meth="repeat">
-      <a:schemeClr val="accent2"/>
-    </dgm:linClrLst>
-    <dgm:effectClrLst/>
-    <dgm:txLinClrLst/>
-    <dgm:txFillClrLst meth="repeat">
-      <a:schemeClr val="dk1"/>
-    </dgm:txFillClrLst>
-    <dgm:txEffectClrLst/>
-  </dgm:styleLbl>
-  <dgm:styleLbl name="fgAccFollowNode1">
-    <dgm:fillClrLst meth="repeat">
-      <a:schemeClr val="accent2">
-        <a:alpha val="90000"/>
-        <a:tint val="40000"/>
-      </a:schemeClr>
-    </dgm:fillClrLst>
-    <dgm:linClrLst meth="repeat">
-      <a:schemeClr val="accent2">
-        <a:alpha val="90000"/>
-        <a:tint val="40000"/>
-      </a:schemeClr>
-    </dgm:linClrLst>
-    <dgm:effectClrLst/>
-    <dgm:txLinClrLst/>
-    <dgm:txFillClrLst meth="repeat">
-      <a:schemeClr val="dk1"/>
-    </dgm:txFillClrLst>
-    <dgm:txEffectClrLst/>
-  </dgm:styleLbl>
-  <dgm:styleLbl name="alignAccFollowNode1">
-    <dgm:fillClrLst meth="repeat">
-      <a:schemeClr val="accent2">
-        <a:alpha val="90000"/>
-        <a:tint val="40000"/>
-      </a:schemeClr>
-    </dgm:fillClrLst>
-    <dgm:linClrLst meth="repeat">
-      <a:schemeClr val="accent2">
-        <a:alpha val="90000"/>
-        <a:tint val="40000"/>
-      </a:schemeClr>
-    </dgm:linClrLst>
-    <dgm:effectClrLst/>
-    <dgm:txLinClrLst/>
-    <dgm:txFillClrLst meth="repeat">
-      <a:schemeClr val="dk1"/>
-    </dgm:txFillClrLst>
-    <dgm:txEffectClrLst/>
-  </dgm:styleLbl>
-  <dgm:styleLbl name="bgAccFollowNode1">
-    <dgm:fillClrLst meth="repeat">
-      <a:schemeClr val="accent2">
-        <a:alpha val="90000"/>
-        <a:tint val="40000"/>
-      </a:schemeClr>
-    </dgm:fillClrLst>
-    <dgm:linClrLst meth="repeat">
-      <a:schemeClr val="accent2">
-        <a:alpha val="90000"/>
-        <a:tint val="40000"/>
-      </a:schemeClr>
-    </dgm:linClrLst>
-    <dgm:effectClrLst/>
-    <dgm:txLinClrLst/>
-    <dgm:txFillClrLst meth="repeat">
-      <a:schemeClr val="dk1"/>
-    </dgm:txFillClrLst>
-    <dgm:txEffectClrLst/>
-  </dgm:styleLbl>
-  <dgm:styleLbl name="fgAcc0">
-    <dgm:fillClrLst meth="repeat">
-      <a:schemeClr val="lt1">
-        <a:alpha val="90000"/>
-      </a:schemeClr>
-    </dgm:fillClrLst>
-    <dgm:linClrLst meth="repeat">
-      <a:schemeClr val="accent2"/>
-    </dgm:linClrLst>
-    <dgm:effectClrLst/>
-    <dgm:txLinClrLst/>
-    <dgm:txFillClrLst meth="repeat">
-      <a:schemeClr val="dk1"/>
-    </dgm:txFillClrLst>
-    <dgm:txEffectClrLst/>
-  </dgm:styleLbl>
-  <dgm:styleLbl name="fgAcc2">
-    <dgm:fillClrLst meth="repeat">
-      <a:schemeClr val="lt1">
-        <a:alpha val="90000"/>
-      </a:schemeClr>
-    </dgm:fillClrLst>
-    <dgm:linClrLst meth="repeat">
-      <a:schemeClr val="accent2"/>
-    </dgm:linClrLst>
-    <dgm:effectClrLst/>
-    <dgm:txLinClrLst/>
-    <dgm:txFillClrLst meth="repeat">
-      <a:schemeClr val="dk1"/>
-    </dgm:txFillClrLst>
-    <dgm:txEffectClrLst/>
-  </dgm:styleLbl>
-  <dgm:styleLbl name="fgAcc3">
-    <dgm:fillClrLst meth="repeat">
-      <a:schemeClr val="lt1">
-        <a:alpha val="90000"/>
-      </a:schemeClr>
-    </dgm:fillClrLst>
-    <dgm:linClrLst meth="repeat">
-      <a:schemeClr val="accent2"/>
-    </dgm:linClrLst>
-    <dgm:effectClrLst/>
-    <dgm:txLinClrLst/>
-    <dgm:txFillClrLst meth="repeat">
-      <a:schemeClr val="dk1"/>
-    </dgm:txFillClrLst>
-    <dgm:txEffectClrLst/>
-  </dgm:styleLbl>
-  <dgm:styleLbl name="fgAcc4">
-    <dgm:fillClrLst meth="repeat">
-      <a:schemeClr val="lt1">
-        <a:alpha val="90000"/>
-      </a:schemeClr>
-    </dgm:fillClrLst>
-    <dgm:linClrLst meth="repeat">
-      <a:schemeClr val="accent2"/>
-    </dgm:linClrLst>
-    <dgm:effectClrLst/>
-    <dgm:txLinClrLst/>
-    <dgm:txFillClrLst meth="repeat">
-      <a:schemeClr val="dk1"/>
-    </dgm:txFillClrLst>
-    <dgm:txEffectClrLst/>
-  </dgm:styleLbl>
-  <dgm:styleLbl name="bgShp">
-    <dgm:fillClrLst meth="repeat">
-      <a:schemeClr val="accent2">
-        <a:tint val="40000"/>
-      </a:schemeClr>
-    </dgm:fillClrLst>
-    <dgm:linClrLst meth="repeat">
-      <a:schemeClr val="accent2"/>
-    </dgm:linClrLst>
-    <dgm:effectClrLst/>
-    <dgm:txLinClrLst/>
-    <dgm:txFillClrLst meth="repeat">
-      <a:schemeClr val="dk1"/>
-    </dgm:txFillClrLst>
-    <dgm:txEffectClrLst/>
-  </dgm:styleLbl>
-  <dgm:styleLbl name="dkBgShp">
-    <dgm:fillClrLst meth="repeat">
-      <a:schemeClr val="accent2">
-        <a:shade val="80000"/>
-      </a:schemeClr>
-    </dgm:fillClrLst>
-    <dgm:linClrLst meth="repeat">
-      <a:schemeClr val="accent2"/>
-    </dgm:linClrLst>
-    <dgm:effectClrLst/>
-    <dgm:txLinClrLst/>
-    <dgm:txFillClrLst meth="repeat">
-      <a:schemeClr val="lt1"/>
-    </dgm:txFillClrLst>
-    <dgm:txEffectClrLst/>
-  </dgm:styleLbl>
-  <dgm:styleLbl name="trBgShp">
-    <dgm:fillClrLst meth="repeat">
-      <a:schemeClr val="accent2">
-        <a:tint val="50000"/>
-        <a:alpha val="40000"/>
-      </a:schemeClr>
-    </dgm:fillClrLst>
-    <dgm:linClrLst meth="repeat">
-      <a:schemeClr val="accent2"/>
-    </dgm:linClrLst>
-    <dgm:effectClrLst/>
-    <dgm:txLinClrLst/>
-    <dgm:txFillClrLst meth="repeat">
-      <a:schemeClr val="lt1"/>
-    </dgm:txFillClrLst>
-    <dgm:txEffectClrLst/>
-  </dgm:styleLbl>
-  <dgm:styleLbl name="fgShp">
-    <dgm:fillClrLst meth="repeat">
-      <a:schemeClr val="accent2">
-        <a:tint val="60000"/>
       </a:schemeClr>
     </dgm:fillClrLst>
     <dgm:linClrLst meth="repeat">
@@ -8430,235 +7683,6 @@
   <dgm:extLst>
     <a:ext uri="http://schemas.microsoft.com/office/drawing/2008/diagram">
       <dsp:dataModelExt xmlns:dsp="http://schemas.microsoft.com/office/drawing/2008/diagram" relId="rId7" minVer="http://schemas.openxmlformats.org/drawingml/2006/diagram"/>
-    </a:ext>
-  </dgm:extLst>
-</dgm:dataModel>
-</file>
-
-<file path=ppt/diagrams/data10.xml><?xml version="1.0" encoding="utf-8"?>
-<dgm:dataModel xmlns:dgm="http://schemas.openxmlformats.org/drawingml/2006/diagram" xmlns:a="http://schemas.openxmlformats.org/drawingml/2006/main">
-  <dgm:ptLst>
-    <dgm:pt modelId="{3FDD8AC6-45CC-4039-83E7-A84933B856A0}" type="doc">
-      <dgm:prSet loTypeId="urn:microsoft.com/office/officeart/2008/layout/LinedList" loCatId="list" qsTypeId="urn:microsoft.com/office/officeart/2005/8/quickstyle/simple1" qsCatId="simple" csTypeId="urn:microsoft.com/office/officeart/2005/8/colors/accent2_2" csCatId="accent2"/>
-      <dgm:spPr/>
-      <dgm:t>
-        <a:bodyPr/>
-        <a:lstStyle/>
-        <a:p>
-          <a:endParaRPr lang="en-US"/>
-        </a:p>
-      </dgm:t>
-    </dgm:pt>
-    <dgm:pt modelId="{6E11BDDB-A26B-4718-9612-FAC3A0363EF8}">
-      <dgm:prSet/>
-      <dgm:spPr/>
-      <dgm:t>
-        <a:bodyPr/>
-        <a:lstStyle/>
-        <a:p>
-          <a:r>
-            <a:rPr lang="en-US" b="0" i="1"/>
-            <a:t>ChatGPT</a:t>
-          </a:r>
-        </a:p>
-      </dgm:t>
-    </dgm:pt>
-    <dgm:pt modelId="{5ED0C93E-0918-4D28-BC57-3D9E07F9C588}" type="parTrans" cxnId="{6F24BF08-3A0B-41C8-AA9E-A2A67D79F347}">
-      <dgm:prSet/>
-      <dgm:spPr/>
-      <dgm:t>
-        <a:bodyPr/>
-        <a:lstStyle/>
-        <a:p>
-          <a:endParaRPr lang="en-US"/>
-        </a:p>
-      </dgm:t>
-    </dgm:pt>
-    <dgm:pt modelId="{1A0C5C38-4CDC-4F2E-9689-3B42100D16EB}" type="sibTrans" cxnId="{6F24BF08-3A0B-41C8-AA9E-A2A67D79F347}">
-      <dgm:prSet/>
-      <dgm:spPr/>
-      <dgm:t>
-        <a:bodyPr/>
-        <a:lstStyle/>
-        <a:p>
-          <a:endParaRPr lang="en-US"/>
-        </a:p>
-      </dgm:t>
-    </dgm:pt>
-    <dgm:pt modelId="{DC457E70-6ADD-4947-96CA-244D29F93F8A}">
-      <dgm:prSet/>
-      <dgm:spPr/>
-      <dgm:t>
-        <a:bodyPr/>
-        <a:lstStyle/>
-        <a:p>
-          <a:r>
-            <a:rPr lang="en-US" i="1"/>
-            <a:t>Wikipedia</a:t>
-          </a:r>
-        </a:p>
-      </dgm:t>
-    </dgm:pt>
-    <dgm:pt modelId="{E368F0A9-665B-40C6-A7C2-12454B46DAA5}" type="parTrans" cxnId="{4F50BDAA-62DA-448A-AB03-A399E3749936}">
-      <dgm:prSet/>
-      <dgm:spPr/>
-      <dgm:t>
-        <a:bodyPr/>
-        <a:lstStyle/>
-        <a:p>
-          <a:endParaRPr lang="en-US"/>
-        </a:p>
-      </dgm:t>
-    </dgm:pt>
-    <dgm:pt modelId="{99F7E522-3395-48C4-B336-E3E0D00E4822}" type="sibTrans" cxnId="{4F50BDAA-62DA-448A-AB03-A399E3749936}">
-      <dgm:prSet/>
-      <dgm:spPr/>
-      <dgm:t>
-        <a:bodyPr/>
-        <a:lstStyle/>
-        <a:p>
-          <a:endParaRPr lang="en-US"/>
-        </a:p>
-      </dgm:t>
-    </dgm:pt>
-    <dgm:pt modelId="{F387326F-E853-4950-81F8-E92282382FE1}">
-      <dgm:prSet/>
-      <dgm:spPr/>
-      <dgm:t>
-        <a:bodyPr/>
-        <a:lstStyle/>
-        <a:p>
-          <a:r>
-            <a:rPr lang="en-US" i="1" dirty="0" err="1"/>
-            <a:t>Youtube</a:t>
-          </a:r>
-          <a:r>
-            <a:rPr lang="en-US" i="1" dirty="0"/>
-            <a:t> – </a:t>
-          </a:r>
-          <a:r>
-            <a:rPr lang="en-US" i="1" dirty="0" err="1"/>
-            <a:t>Barevné</a:t>
-          </a:r>
-          <a:r>
-            <a:rPr lang="en-US" i="1" dirty="0"/>
-            <a:t> </a:t>
-          </a:r>
-          <a:r>
-            <a:rPr lang="en-US" i="1" dirty="0" err="1"/>
-            <a:t>modely</a:t>
-          </a:r>
-          <a:endParaRPr lang="en-US" i="1" dirty="0"/>
-        </a:p>
-      </dgm:t>
-    </dgm:pt>
-    <dgm:pt modelId="{C51F6557-2083-4368-8A93-8CE217A81A74}" type="parTrans" cxnId="{7F0A019C-5E0E-412A-B42E-24E5AA453415}">
-      <dgm:prSet/>
-      <dgm:spPr/>
-      <dgm:t>
-        <a:bodyPr/>
-        <a:lstStyle/>
-        <a:p>
-          <a:endParaRPr lang="en-US"/>
-        </a:p>
-      </dgm:t>
-    </dgm:pt>
-    <dgm:pt modelId="{7B442872-B506-400D-ACCB-123AD83A5C1B}" type="sibTrans" cxnId="{7F0A019C-5E0E-412A-B42E-24E5AA453415}">
-      <dgm:prSet/>
-      <dgm:spPr/>
-      <dgm:t>
-        <a:bodyPr/>
-        <a:lstStyle/>
-        <a:p>
-          <a:endParaRPr lang="en-US"/>
-        </a:p>
-      </dgm:t>
-    </dgm:pt>
-    <dgm:pt modelId="{BC03528F-E9BD-44A6-B965-AF606D07532B}" type="pres">
-      <dgm:prSet presAssocID="{3FDD8AC6-45CC-4039-83E7-A84933B856A0}" presName="vert0" presStyleCnt="0">
-        <dgm:presLayoutVars>
-          <dgm:dir/>
-          <dgm:animOne val="branch"/>
-          <dgm:animLvl val="lvl"/>
-        </dgm:presLayoutVars>
-      </dgm:prSet>
-      <dgm:spPr/>
-    </dgm:pt>
-    <dgm:pt modelId="{3D071F6F-6EF2-4E9C-BD1B-3BE9E374CE8C}" type="pres">
-      <dgm:prSet presAssocID="{6E11BDDB-A26B-4718-9612-FAC3A0363EF8}" presName="thickLine" presStyleLbl="alignNode1" presStyleIdx="0" presStyleCnt="3"/>
-      <dgm:spPr/>
-    </dgm:pt>
-    <dgm:pt modelId="{C24DD961-BC42-4B72-B816-333F17B2B34D}" type="pres">
-      <dgm:prSet presAssocID="{6E11BDDB-A26B-4718-9612-FAC3A0363EF8}" presName="horz1" presStyleCnt="0"/>
-      <dgm:spPr/>
-    </dgm:pt>
-    <dgm:pt modelId="{AE3B59CD-51FB-4B4D-B57A-FB679C255815}" type="pres">
-      <dgm:prSet presAssocID="{6E11BDDB-A26B-4718-9612-FAC3A0363EF8}" presName="tx1" presStyleLbl="revTx" presStyleIdx="0" presStyleCnt="3"/>
-      <dgm:spPr/>
-    </dgm:pt>
-    <dgm:pt modelId="{0FC04DDF-3EBD-4D64-B3A3-65D777AC42EE}" type="pres">
-      <dgm:prSet presAssocID="{6E11BDDB-A26B-4718-9612-FAC3A0363EF8}" presName="vert1" presStyleCnt="0"/>
-      <dgm:spPr/>
-    </dgm:pt>
-    <dgm:pt modelId="{091A97FA-0574-4B85-8F71-530D9BCC246A}" type="pres">
-      <dgm:prSet presAssocID="{DC457E70-6ADD-4947-96CA-244D29F93F8A}" presName="thickLine" presStyleLbl="alignNode1" presStyleIdx="1" presStyleCnt="3"/>
-      <dgm:spPr/>
-    </dgm:pt>
-    <dgm:pt modelId="{CA2212D0-66B8-4D28-8EEB-C9D625C16CD0}" type="pres">
-      <dgm:prSet presAssocID="{DC457E70-6ADD-4947-96CA-244D29F93F8A}" presName="horz1" presStyleCnt="0"/>
-      <dgm:spPr/>
-    </dgm:pt>
-    <dgm:pt modelId="{A3F917C5-F9CC-4F6B-90AA-28CB2B700B6D}" type="pres">
-      <dgm:prSet presAssocID="{DC457E70-6ADD-4947-96CA-244D29F93F8A}" presName="tx1" presStyleLbl="revTx" presStyleIdx="1" presStyleCnt="3"/>
-      <dgm:spPr/>
-    </dgm:pt>
-    <dgm:pt modelId="{70E093E8-03B2-427B-A847-8CD1B43CE057}" type="pres">
-      <dgm:prSet presAssocID="{DC457E70-6ADD-4947-96CA-244D29F93F8A}" presName="vert1" presStyleCnt="0"/>
-      <dgm:spPr/>
-    </dgm:pt>
-    <dgm:pt modelId="{F41D28C8-30A1-4A87-B742-08A5D2C327CF}" type="pres">
-      <dgm:prSet presAssocID="{F387326F-E853-4950-81F8-E92282382FE1}" presName="thickLine" presStyleLbl="alignNode1" presStyleIdx="2" presStyleCnt="3"/>
-      <dgm:spPr/>
-    </dgm:pt>
-    <dgm:pt modelId="{0C42621D-F7C2-4E3D-A519-D6E5049C8064}" type="pres">
-      <dgm:prSet presAssocID="{F387326F-E853-4950-81F8-E92282382FE1}" presName="horz1" presStyleCnt="0"/>
-      <dgm:spPr/>
-    </dgm:pt>
-    <dgm:pt modelId="{9CE61463-FC06-4281-837D-1E32CC319CE1}" type="pres">
-      <dgm:prSet presAssocID="{F387326F-E853-4950-81F8-E92282382FE1}" presName="tx1" presStyleLbl="revTx" presStyleIdx="2" presStyleCnt="3"/>
-      <dgm:spPr/>
-    </dgm:pt>
-    <dgm:pt modelId="{A2F9E99C-09C8-4F68-A8D7-950601915F29}" type="pres">
-      <dgm:prSet presAssocID="{F387326F-E853-4950-81F8-E92282382FE1}" presName="vert1" presStyleCnt="0"/>
-      <dgm:spPr/>
-    </dgm:pt>
-  </dgm:ptLst>
-  <dgm:cxnLst>
-    <dgm:cxn modelId="{6F24BF08-3A0B-41C8-AA9E-A2A67D79F347}" srcId="{3FDD8AC6-45CC-4039-83E7-A84933B856A0}" destId="{6E11BDDB-A26B-4718-9612-FAC3A0363EF8}" srcOrd="0" destOrd="0" parTransId="{5ED0C93E-0918-4D28-BC57-3D9E07F9C588}" sibTransId="{1A0C5C38-4CDC-4F2E-9689-3B42100D16EB}"/>
-    <dgm:cxn modelId="{8EBA0283-EC50-4A9C-926F-DFFFBFABC58C}" type="presOf" srcId="{3FDD8AC6-45CC-4039-83E7-A84933B856A0}" destId="{BC03528F-E9BD-44A6-B965-AF606D07532B}" srcOrd="0" destOrd="0" presId="urn:microsoft.com/office/officeart/2008/layout/LinedList"/>
-    <dgm:cxn modelId="{7F0A019C-5E0E-412A-B42E-24E5AA453415}" srcId="{3FDD8AC6-45CC-4039-83E7-A84933B856A0}" destId="{F387326F-E853-4950-81F8-E92282382FE1}" srcOrd="2" destOrd="0" parTransId="{C51F6557-2083-4368-8A93-8CE217A81A74}" sibTransId="{7B442872-B506-400D-ACCB-123AD83A5C1B}"/>
-    <dgm:cxn modelId="{8F3844A2-C39D-4016-BCA3-16C459A38D45}" type="presOf" srcId="{F387326F-E853-4950-81F8-E92282382FE1}" destId="{9CE61463-FC06-4281-837D-1E32CC319CE1}" srcOrd="0" destOrd="0" presId="urn:microsoft.com/office/officeart/2008/layout/LinedList"/>
-    <dgm:cxn modelId="{D78312A3-AFE6-4B93-ADE9-F881330D97E1}" type="presOf" srcId="{DC457E70-6ADD-4947-96CA-244D29F93F8A}" destId="{A3F917C5-F9CC-4F6B-90AA-28CB2B700B6D}" srcOrd="0" destOrd="0" presId="urn:microsoft.com/office/officeart/2008/layout/LinedList"/>
-    <dgm:cxn modelId="{4F50BDAA-62DA-448A-AB03-A399E3749936}" srcId="{3FDD8AC6-45CC-4039-83E7-A84933B856A0}" destId="{DC457E70-6ADD-4947-96CA-244D29F93F8A}" srcOrd="1" destOrd="0" parTransId="{E368F0A9-665B-40C6-A7C2-12454B46DAA5}" sibTransId="{99F7E522-3395-48C4-B336-E3E0D00E4822}"/>
-    <dgm:cxn modelId="{695508C1-1645-439A-9155-D93AD9E2859F}" type="presOf" srcId="{6E11BDDB-A26B-4718-9612-FAC3A0363EF8}" destId="{AE3B59CD-51FB-4B4D-B57A-FB679C255815}" srcOrd="0" destOrd="0" presId="urn:microsoft.com/office/officeart/2008/layout/LinedList"/>
-    <dgm:cxn modelId="{B40688D0-1BAE-41C5-AE5B-D01698E8EAAD}" type="presParOf" srcId="{BC03528F-E9BD-44A6-B965-AF606D07532B}" destId="{3D071F6F-6EF2-4E9C-BD1B-3BE9E374CE8C}" srcOrd="0" destOrd="0" presId="urn:microsoft.com/office/officeart/2008/layout/LinedList"/>
-    <dgm:cxn modelId="{5CD89B98-C8D9-42AE-9B16-E50667B6AC74}" type="presParOf" srcId="{BC03528F-E9BD-44A6-B965-AF606D07532B}" destId="{C24DD961-BC42-4B72-B816-333F17B2B34D}" srcOrd="1" destOrd="0" presId="urn:microsoft.com/office/officeart/2008/layout/LinedList"/>
-    <dgm:cxn modelId="{9EC3AAB8-9F95-4CB1-A1D0-B06E0AA5FFB5}" type="presParOf" srcId="{C24DD961-BC42-4B72-B816-333F17B2B34D}" destId="{AE3B59CD-51FB-4B4D-B57A-FB679C255815}" srcOrd="0" destOrd="0" presId="urn:microsoft.com/office/officeart/2008/layout/LinedList"/>
-    <dgm:cxn modelId="{9DEAA4A1-B6F9-4D58-A18A-41CDF1F1CC6A}" type="presParOf" srcId="{C24DD961-BC42-4B72-B816-333F17B2B34D}" destId="{0FC04DDF-3EBD-4D64-B3A3-65D777AC42EE}" srcOrd="1" destOrd="0" presId="urn:microsoft.com/office/officeart/2008/layout/LinedList"/>
-    <dgm:cxn modelId="{404CD22A-909F-4EE2-B806-2AE43B0469C8}" type="presParOf" srcId="{BC03528F-E9BD-44A6-B965-AF606D07532B}" destId="{091A97FA-0574-4B85-8F71-530D9BCC246A}" srcOrd="2" destOrd="0" presId="urn:microsoft.com/office/officeart/2008/layout/LinedList"/>
-    <dgm:cxn modelId="{711B55A8-E701-4160-89CF-B26515C7AADF}" type="presParOf" srcId="{BC03528F-E9BD-44A6-B965-AF606D07532B}" destId="{CA2212D0-66B8-4D28-8EEB-C9D625C16CD0}" srcOrd="3" destOrd="0" presId="urn:microsoft.com/office/officeart/2008/layout/LinedList"/>
-    <dgm:cxn modelId="{F4C00BAD-54B8-4CD2-9E48-8F1B481F4F24}" type="presParOf" srcId="{CA2212D0-66B8-4D28-8EEB-C9D625C16CD0}" destId="{A3F917C5-F9CC-4F6B-90AA-28CB2B700B6D}" srcOrd="0" destOrd="0" presId="urn:microsoft.com/office/officeart/2008/layout/LinedList"/>
-    <dgm:cxn modelId="{4B107F4E-3B58-4862-B201-81D3FEABFE11}" type="presParOf" srcId="{CA2212D0-66B8-4D28-8EEB-C9D625C16CD0}" destId="{70E093E8-03B2-427B-A847-8CD1B43CE057}" srcOrd="1" destOrd="0" presId="urn:microsoft.com/office/officeart/2008/layout/LinedList"/>
-    <dgm:cxn modelId="{F714D28E-CF97-48C8-8175-9B23F7B742FD}" type="presParOf" srcId="{BC03528F-E9BD-44A6-B965-AF606D07532B}" destId="{F41D28C8-30A1-4A87-B742-08A5D2C327CF}" srcOrd="4" destOrd="0" presId="urn:microsoft.com/office/officeart/2008/layout/LinedList"/>
-    <dgm:cxn modelId="{F1000BF4-E25E-4BA7-838D-DE7589BFBACA}" type="presParOf" srcId="{BC03528F-E9BD-44A6-B965-AF606D07532B}" destId="{0C42621D-F7C2-4E3D-A519-D6E5049C8064}" srcOrd="5" destOrd="0" presId="urn:microsoft.com/office/officeart/2008/layout/LinedList"/>
-    <dgm:cxn modelId="{F54D45F7-9F96-43C6-AF32-8EEBEDF8D028}" type="presParOf" srcId="{0C42621D-F7C2-4E3D-A519-D6E5049C8064}" destId="{9CE61463-FC06-4281-837D-1E32CC319CE1}" srcOrd="0" destOrd="0" presId="urn:microsoft.com/office/officeart/2008/layout/LinedList"/>
-    <dgm:cxn modelId="{7DE07977-A5F3-4A3A-8705-DE25ED1DCA40}" type="presParOf" srcId="{0C42621D-F7C2-4E3D-A519-D6E5049C8064}" destId="{A2F9E99C-09C8-4F68-A8D7-950601915F29}" srcOrd="1" destOrd="0" presId="urn:microsoft.com/office/officeart/2008/layout/LinedList"/>
-  </dgm:cxnLst>
-  <dgm:bg/>
-  <dgm:whole/>
-  <dgm:extLst>
-    <a:ext uri="http://schemas.microsoft.com/office/drawing/2008/diagram">
-      <dsp:dataModelExt xmlns:dsp="http://schemas.microsoft.com/office/drawing/2008/diagram" relId="rId6" minVer="http://schemas.openxmlformats.org/drawingml/2006/diagram"/>
     </a:ext>
   </dgm:extLst>
 </dgm:dataModel>
@@ -10635,365 +9659,6 @@
       <dsp:txXfrm>
         <a:off x="5778914" y="3176402"/>
         <a:ext cx="3600000" cy="720000"/>
-      </dsp:txXfrm>
-    </dsp:sp>
-  </dsp:spTree>
-</dsp:drawing>
-</file>
-
-<file path=ppt/diagrams/drawing10.xml><?xml version="1.0" encoding="utf-8"?>
-<dsp:drawing xmlns:dgm="http://schemas.openxmlformats.org/drawingml/2006/diagram" xmlns:dsp="http://schemas.microsoft.com/office/drawing/2008/diagram" xmlns:a="http://schemas.openxmlformats.org/drawingml/2006/main">
-  <dsp:spTree>
-    <dsp:nvGrpSpPr>
-      <dsp:cNvPr id="0" name=""/>
-      <dsp:cNvGrpSpPr/>
-    </dsp:nvGrpSpPr>
-    <dsp:grpSpPr/>
-    <dsp:sp modelId="{3D071F6F-6EF2-4E9C-BD1B-3BE9E374CE8C}">
-      <dsp:nvSpPr>
-        <dsp:cNvPr id="0" name=""/>
-        <dsp:cNvSpPr/>
-      </dsp:nvSpPr>
-      <dsp:spPr>
-        <a:xfrm>
-          <a:off x="0" y="2125"/>
-          <a:ext cx="10515600" cy="0"/>
-        </a:xfrm>
-        <a:prstGeom prst="line">
-          <a:avLst/>
-        </a:prstGeom>
-        <a:solidFill>
-          <a:schemeClr val="accent2">
-            <a:hueOff val="0"/>
-            <a:satOff val="0"/>
-            <a:lumOff val="0"/>
-            <a:alphaOff val="0"/>
-          </a:schemeClr>
-        </a:solidFill>
-        <a:ln w="12700" cap="flat" cmpd="sng" algn="ctr">
-          <a:solidFill>
-            <a:schemeClr val="accent2">
-              <a:hueOff val="0"/>
-              <a:satOff val="0"/>
-              <a:lumOff val="0"/>
-              <a:alphaOff val="0"/>
-            </a:schemeClr>
-          </a:solidFill>
-          <a:prstDash val="solid"/>
-          <a:miter lim="800000"/>
-        </a:ln>
-        <a:effectLst/>
-      </dsp:spPr>
-      <dsp:style>
-        <a:lnRef idx="2">
-          <a:scrgbClr r="0" g="0" b="0"/>
-        </a:lnRef>
-        <a:fillRef idx="1">
-          <a:scrgbClr r="0" g="0" b="0"/>
-        </a:fillRef>
-        <a:effectRef idx="0">
-          <a:scrgbClr r="0" g="0" b="0"/>
-        </a:effectRef>
-        <a:fontRef idx="minor">
-          <a:schemeClr val="lt1"/>
-        </a:fontRef>
-      </dsp:style>
-    </dsp:sp>
-    <dsp:sp modelId="{AE3B59CD-51FB-4B4D-B57A-FB679C255815}">
-      <dsp:nvSpPr>
-        <dsp:cNvPr id="0" name=""/>
-        <dsp:cNvSpPr/>
-      </dsp:nvSpPr>
-      <dsp:spPr>
-        <a:xfrm>
-          <a:off x="0" y="2125"/>
-          <a:ext cx="10515600" cy="1449431"/>
-        </a:xfrm>
-        <a:prstGeom prst="rect">
-          <a:avLst/>
-        </a:prstGeom>
-        <a:noFill/>
-        <a:ln>
-          <a:noFill/>
-        </a:ln>
-        <a:effectLst/>
-      </dsp:spPr>
-      <dsp:style>
-        <a:lnRef idx="0">
-          <a:scrgbClr r="0" g="0" b="0"/>
-        </a:lnRef>
-        <a:fillRef idx="0">
-          <a:scrgbClr r="0" g="0" b="0"/>
-        </a:fillRef>
-        <a:effectRef idx="0">
-          <a:scrgbClr r="0" g="0" b="0"/>
-        </a:effectRef>
-        <a:fontRef idx="minor"/>
-      </dsp:style>
-      <dsp:txBody>
-        <a:bodyPr spcFirstLastPara="0" vert="horz" wrap="square" lIns="247650" tIns="247650" rIns="247650" bIns="247650" numCol="1" spcCol="1270" anchor="t" anchorCtr="0">
-          <a:noAutofit/>
-        </a:bodyPr>
-        <a:lstStyle/>
-        <a:p>
-          <a:pPr marL="0" lvl="0" indent="0" algn="l" defTabSz="2889250">
-            <a:lnSpc>
-              <a:spcPct val="90000"/>
-            </a:lnSpc>
-            <a:spcBef>
-              <a:spcPct val="0"/>
-            </a:spcBef>
-            <a:spcAft>
-              <a:spcPct val="35000"/>
-            </a:spcAft>
-            <a:buNone/>
-          </a:pPr>
-          <a:r>
-            <a:rPr lang="en-US" sz="6500" b="0" i="1" kern="1200"/>
-            <a:t>ChatGPT</a:t>
-          </a:r>
-        </a:p>
-      </dsp:txBody>
-      <dsp:txXfrm>
-        <a:off x="0" y="2125"/>
-        <a:ext cx="10515600" cy="1449431"/>
-      </dsp:txXfrm>
-    </dsp:sp>
-    <dsp:sp modelId="{091A97FA-0574-4B85-8F71-530D9BCC246A}">
-      <dsp:nvSpPr>
-        <dsp:cNvPr id="0" name=""/>
-        <dsp:cNvSpPr/>
-      </dsp:nvSpPr>
-      <dsp:spPr>
-        <a:xfrm>
-          <a:off x="0" y="1451556"/>
-          <a:ext cx="10515600" cy="0"/>
-        </a:xfrm>
-        <a:prstGeom prst="line">
-          <a:avLst/>
-        </a:prstGeom>
-        <a:solidFill>
-          <a:schemeClr val="accent2">
-            <a:hueOff val="0"/>
-            <a:satOff val="0"/>
-            <a:lumOff val="0"/>
-            <a:alphaOff val="0"/>
-          </a:schemeClr>
-        </a:solidFill>
-        <a:ln w="12700" cap="flat" cmpd="sng" algn="ctr">
-          <a:solidFill>
-            <a:schemeClr val="accent2">
-              <a:hueOff val="0"/>
-              <a:satOff val="0"/>
-              <a:lumOff val="0"/>
-              <a:alphaOff val="0"/>
-            </a:schemeClr>
-          </a:solidFill>
-          <a:prstDash val="solid"/>
-          <a:miter lim="800000"/>
-        </a:ln>
-        <a:effectLst/>
-      </dsp:spPr>
-      <dsp:style>
-        <a:lnRef idx="2">
-          <a:scrgbClr r="0" g="0" b="0"/>
-        </a:lnRef>
-        <a:fillRef idx="1">
-          <a:scrgbClr r="0" g="0" b="0"/>
-        </a:fillRef>
-        <a:effectRef idx="0">
-          <a:scrgbClr r="0" g="0" b="0"/>
-        </a:effectRef>
-        <a:fontRef idx="minor">
-          <a:schemeClr val="lt1"/>
-        </a:fontRef>
-      </dsp:style>
-    </dsp:sp>
-    <dsp:sp modelId="{A3F917C5-F9CC-4F6B-90AA-28CB2B700B6D}">
-      <dsp:nvSpPr>
-        <dsp:cNvPr id="0" name=""/>
-        <dsp:cNvSpPr/>
-      </dsp:nvSpPr>
-      <dsp:spPr>
-        <a:xfrm>
-          <a:off x="0" y="1451556"/>
-          <a:ext cx="10515600" cy="1449431"/>
-        </a:xfrm>
-        <a:prstGeom prst="rect">
-          <a:avLst/>
-        </a:prstGeom>
-        <a:noFill/>
-        <a:ln>
-          <a:noFill/>
-        </a:ln>
-        <a:effectLst/>
-      </dsp:spPr>
-      <dsp:style>
-        <a:lnRef idx="0">
-          <a:scrgbClr r="0" g="0" b="0"/>
-        </a:lnRef>
-        <a:fillRef idx="0">
-          <a:scrgbClr r="0" g="0" b="0"/>
-        </a:fillRef>
-        <a:effectRef idx="0">
-          <a:scrgbClr r="0" g="0" b="0"/>
-        </a:effectRef>
-        <a:fontRef idx="minor"/>
-      </dsp:style>
-      <dsp:txBody>
-        <a:bodyPr spcFirstLastPara="0" vert="horz" wrap="square" lIns="247650" tIns="247650" rIns="247650" bIns="247650" numCol="1" spcCol="1270" anchor="t" anchorCtr="0">
-          <a:noAutofit/>
-        </a:bodyPr>
-        <a:lstStyle/>
-        <a:p>
-          <a:pPr marL="0" lvl="0" indent="0" algn="l" defTabSz="2889250">
-            <a:lnSpc>
-              <a:spcPct val="90000"/>
-            </a:lnSpc>
-            <a:spcBef>
-              <a:spcPct val="0"/>
-            </a:spcBef>
-            <a:spcAft>
-              <a:spcPct val="35000"/>
-            </a:spcAft>
-            <a:buNone/>
-          </a:pPr>
-          <a:r>
-            <a:rPr lang="en-US" sz="6500" i="1" kern="1200"/>
-            <a:t>Wikipedia</a:t>
-          </a:r>
-        </a:p>
-      </dsp:txBody>
-      <dsp:txXfrm>
-        <a:off x="0" y="1451556"/>
-        <a:ext cx="10515600" cy="1449431"/>
-      </dsp:txXfrm>
-    </dsp:sp>
-    <dsp:sp modelId="{F41D28C8-30A1-4A87-B742-08A5D2C327CF}">
-      <dsp:nvSpPr>
-        <dsp:cNvPr id="0" name=""/>
-        <dsp:cNvSpPr/>
-      </dsp:nvSpPr>
-      <dsp:spPr>
-        <a:xfrm>
-          <a:off x="0" y="2900987"/>
-          <a:ext cx="10515600" cy="0"/>
-        </a:xfrm>
-        <a:prstGeom prst="line">
-          <a:avLst/>
-        </a:prstGeom>
-        <a:solidFill>
-          <a:schemeClr val="accent2">
-            <a:hueOff val="0"/>
-            <a:satOff val="0"/>
-            <a:lumOff val="0"/>
-            <a:alphaOff val="0"/>
-          </a:schemeClr>
-        </a:solidFill>
-        <a:ln w="12700" cap="flat" cmpd="sng" algn="ctr">
-          <a:solidFill>
-            <a:schemeClr val="accent2">
-              <a:hueOff val="0"/>
-              <a:satOff val="0"/>
-              <a:lumOff val="0"/>
-              <a:alphaOff val="0"/>
-            </a:schemeClr>
-          </a:solidFill>
-          <a:prstDash val="solid"/>
-          <a:miter lim="800000"/>
-        </a:ln>
-        <a:effectLst/>
-      </dsp:spPr>
-      <dsp:style>
-        <a:lnRef idx="2">
-          <a:scrgbClr r="0" g="0" b="0"/>
-        </a:lnRef>
-        <a:fillRef idx="1">
-          <a:scrgbClr r="0" g="0" b="0"/>
-        </a:fillRef>
-        <a:effectRef idx="0">
-          <a:scrgbClr r="0" g="0" b="0"/>
-        </a:effectRef>
-        <a:fontRef idx="minor">
-          <a:schemeClr val="lt1"/>
-        </a:fontRef>
-      </dsp:style>
-    </dsp:sp>
-    <dsp:sp modelId="{9CE61463-FC06-4281-837D-1E32CC319CE1}">
-      <dsp:nvSpPr>
-        <dsp:cNvPr id="0" name=""/>
-        <dsp:cNvSpPr/>
-      </dsp:nvSpPr>
-      <dsp:spPr>
-        <a:xfrm>
-          <a:off x="0" y="2900987"/>
-          <a:ext cx="10515600" cy="1449431"/>
-        </a:xfrm>
-        <a:prstGeom prst="rect">
-          <a:avLst/>
-        </a:prstGeom>
-        <a:noFill/>
-        <a:ln>
-          <a:noFill/>
-        </a:ln>
-        <a:effectLst/>
-      </dsp:spPr>
-      <dsp:style>
-        <a:lnRef idx="0">
-          <a:scrgbClr r="0" g="0" b="0"/>
-        </a:lnRef>
-        <a:fillRef idx="0">
-          <a:scrgbClr r="0" g="0" b="0"/>
-        </a:fillRef>
-        <a:effectRef idx="0">
-          <a:scrgbClr r="0" g="0" b="0"/>
-        </a:effectRef>
-        <a:fontRef idx="minor"/>
-      </dsp:style>
-      <dsp:txBody>
-        <a:bodyPr spcFirstLastPara="0" vert="horz" wrap="square" lIns="247650" tIns="247650" rIns="247650" bIns="247650" numCol="1" spcCol="1270" anchor="t" anchorCtr="0">
-          <a:noAutofit/>
-        </a:bodyPr>
-        <a:lstStyle/>
-        <a:p>
-          <a:pPr marL="0" lvl="0" indent="0" algn="l" defTabSz="2889250">
-            <a:lnSpc>
-              <a:spcPct val="90000"/>
-            </a:lnSpc>
-            <a:spcBef>
-              <a:spcPct val="0"/>
-            </a:spcBef>
-            <a:spcAft>
-              <a:spcPct val="35000"/>
-            </a:spcAft>
-            <a:buNone/>
-          </a:pPr>
-          <a:r>
-            <a:rPr lang="en-US" sz="6500" i="1" kern="1200" dirty="0" err="1"/>
-            <a:t>Youtube</a:t>
-          </a:r>
-          <a:r>
-            <a:rPr lang="en-US" sz="6500" i="1" kern="1200" dirty="0"/>
-            <a:t> – </a:t>
-          </a:r>
-          <a:r>
-            <a:rPr lang="en-US" sz="6500" i="1" kern="1200" dirty="0" err="1"/>
-            <a:t>Barevné</a:t>
-          </a:r>
-          <a:r>
-            <a:rPr lang="en-US" sz="6500" i="1" kern="1200" dirty="0"/>
-            <a:t> </a:t>
-          </a:r>
-          <a:r>
-            <a:rPr lang="en-US" sz="6500" i="1" kern="1200" dirty="0" err="1"/>
-            <a:t>modely</a:t>
-          </a:r>
-          <a:endParaRPr lang="en-US" sz="6500" i="1" kern="1200" dirty="0"/>
-        </a:p>
-      </dsp:txBody>
-      <dsp:txXfrm>
-        <a:off x="0" y="2900987"/>
-        <a:ext cx="10515600" cy="1449431"/>
       </dsp:txXfrm>
     </dsp:sp>
   </dsp:spTree>
@@ -13556,472 +12221,6 @@
       </dgm1612:lstStyle>
     </a:ext>
   </dgm:extLst>
-</dgm:layoutDef>
-</file>
-
-<file path=ppt/diagrams/layout10.xml><?xml version="1.0" encoding="utf-8"?>
-<dgm:layoutDef xmlns:dgm="http://schemas.openxmlformats.org/drawingml/2006/diagram" xmlns:a="http://schemas.openxmlformats.org/drawingml/2006/main" uniqueId="urn:microsoft.com/office/officeart/2008/layout/LinedList">
-  <dgm:title val=""/>
-  <dgm:desc val=""/>
-  <dgm:catLst>
-    <dgm:cat type="hierarchy" pri="8000"/>
-    <dgm:cat type="list" pri="2500"/>
-  </dgm:catLst>
-  <dgm:sampData>
-    <dgm:dataModel>
-      <dgm:ptLst>
-        <dgm:pt modelId="0" type="doc"/>
-        <dgm:pt modelId="1">
-          <dgm:prSet phldr="1"/>
-        </dgm:pt>
-        <dgm:pt modelId="11">
-          <dgm:prSet phldr="1"/>
-        </dgm:pt>
-        <dgm:pt modelId="12">
-          <dgm:prSet phldr="1"/>
-        </dgm:pt>
-        <dgm:pt modelId="13">
-          <dgm:prSet phldr="1"/>
-        </dgm:pt>
-      </dgm:ptLst>
-      <dgm:cxnLst>
-        <dgm:cxn modelId="2" srcId="0" destId="1" srcOrd="0" destOrd="0"/>
-        <dgm:cxn modelId="3" srcId="1" destId="11" srcOrd="0" destOrd="0"/>
-        <dgm:cxn modelId="4" srcId="1" destId="12" srcOrd="1" destOrd="0"/>
-        <dgm:cxn modelId="5" srcId="1" destId="13" srcOrd="2" destOrd="0"/>
-      </dgm:cxnLst>
-      <dgm:bg/>
-      <dgm:whole/>
-    </dgm:dataModel>
-  </dgm:sampData>
-  <dgm:styleData>
-    <dgm:dataModel>
-      <dgm:ptLst>
-        <dgm:pt modelId="0" type="doc"/>
-        <dgm:pt modelId="1">
-          <dgm:prSet phldr="1"/>
-        </dgm:pt>
-        <dgm:pt modelId="11">
-          <dgm:prSet phldr="1"/>
-        </dgm:pt>
-        <dgm:pt modelId="12">
-          <dgm:prSet phldr="1"/>
-        </dgm:pt>
-      </dgm:ptLst>
-      <dgm:cxnLst>
-        <dgm:cxn modelId="2" srcId="0" destId="1" srcOrd="0" destOrd="0"/>
-        <dgm:cxn modelId="3" srcId="1" destId="11" srcOrd="0" destOrd="0"/>
-        <dgm:cxn modelId="4" srcId="1" destId="12" srcOrd="1" destOrd="0"/>
-      </dgm:cxnLst>
-      <dgm:bg/>
-      <dgm:whole/>
-    </dgm:dataModel>
-  </dgm:styleData>
-  <dgm:clrData>
-    <dgm:dataModel>
-      <dgm:ptLst>
-        <dgm:pt modelId="0" type="doc"/>
-        <dgm:pt modelId="1">
-          <dgm:prSet phldr="1"/>
-        </dgm:pt>
-        <dgm:pt modelId="11">
-          <dgm:prSet phldr="1"/>
-        </dgm:pt>
-        <dgm:pt modelId="12">
-          <dgm:prSet phldr="1"/>
-        </dgm:pt>
-      </dgm:ptLst>
-      <dgm:cxnLst>
-        <dgm:cxn modelId="2" srcId="0" destId="1" srcOrd="0" destOrd="0"/>
-        <dgm:cxn modelId="3" srcId="1" destId="11" srcOrd="0" destOrd="0"/>
-        <dgm:cxn modelId="4" srcId="1" destId="12" srcOrd="1" destOrd="0"/>
-      </dgm:cxnLst>
-      <dgm:bg/>
-      <dgm:whole/>
-    </dgm:dataModel>
-  </dgm:clrData>
-  <dgm:layoutNode name="vert0">
-    <dgm:varLst>
-      <dgm:dir/>
-      <dgm:animOne val="branch"/>
-      <dgm:animLvl val="lvl"/>
-    </dgm:varLst>
-    <dgm:choose name="Name0">
-      <dgm:if name="Name1" func="var" arg="dir" op="equ" val="norm">
-        <dgm:alg type="lin">
-          <dgm:param type="linDir" val="fromT"/>
-          <dgm:param type="nodeHorzAlign" val="l"/>
-        </dgm:alg>
-      </dgm:if>
-      <dgm:else name="Name2">
-        <dgm:alg type="lin">
-          <dgm:param type="linDir" val="fromT"/>
-          <dgm:param type="nodeHorzAlign" val="r"/>
-        </dgm:alg>
-      </dgm:else>
-    </dgm:choose>
-    <dgm:shape xmlns:r="http://schemas.openxmlformats.org/officeDocument/2006/relationships" r:blip="">
-      <dgm:adjLst/>
-    </dgm:shape>
-    <dgm:presOf/>
-    <dgm:constrLst>
-      <dgm:constr type="w" for="ch" forName="horz1" refType="w"/>
-      <dgm:constr type="h" for="ch" forName="horz1" refType="h"/>
-      <dgm:constr type="h" for="des" forName="vert1" refType="h"/>
-      <dgm:constr type="h" for="des" forName="tx1" refType="h"/>
-      <dgm:constr type="h" for="des" forName="horz2" refType="h"/>
-      <dgm:constr type="h" for="des" forName="vert2" refType="h"/>
-      <dgm:constr type="h" for="des" forName="horz3" refType="h"/>
-      <dgm:constr type="h" for="des" forName="vert3" refType="h"/>
-      <dgm:constr type="h" for="des" forName="horz4" refType="h"/>
-      <dgm:constr type="h" for="des" ptType="node" refType="h"/>
-      <dgm:constr type="primFontSz" for="des" forName="tx1" op="equ" val="65"/>
-      <dgm:constr type="primFontSz" for="des" forName="tx2" op="equ" val="65"/>
-      <dgm:constr type="primFontSz" for="des" forName="tx3" op="equ" val="65"/>
-      <dgm:constr type="primFontSz" for="des" forName="tx4" op="equ" val="65"/>
-      <dgm:constr type="w" for="des" forName="thickLine" refType="w"/>
-      <dgm:constr type="h" for="des" forName="thickLine"/>
-      <dgm:constr type="h" for="des" forName="thinLine1"/>
-      <dgm:constr type="h" for="des" forName="thinLine2b"/>
-      <dgm:constr type="h" for="des" forName="thinLine3"/>
-      <dgm:constr type="h" for="des" forName="vertSpace2a" refType="h" fact="0.05"/>
-      <dgm:constr type="h" for="des" forName="vertSpace2b" refType="h" refFor="des" refForName="vertSpace2a"/>
-    </dgm:constrLst>
-    <dgm:forEach name="Name3" axis="ch" ptType="node">
-      <dgm:layoutNode name="thickLine" styleLbl="alignNode1">
-        <dgm:alg type="sp"/>
-        <dgm:shape xmlns:r="http://schemas.openxmlformats.org/officeDocument/2006/relationships" type="line" r:blip="">
-          <dgm:adjLst/>
-        </dgm:shape>
-        <dgm:presOf/>
-      </dgm:layoutNode>
-      <dgm:layoutNode name="horz1">
-        <dgm:choose name="Name4">
-          <dgm:if name="Name5" func="var" arg="dir" op="equ" val="norm">
-            <dgm:alg type="lin">
-              <dgm:param type="linDir" val="fromL"/>
-              <dgm:param type="nodeVertAlign" val="t"/>
-            </dgm:alg>
-          </dgm:if>
-          <dgm:else name="Name6">
-            <dgm:alg type="lin">
-              <dgm:param type="linDir" val="fromR"/>
-              <dgm:param type="nodeVertAlign" val="t"/>
-            </dgm:alg>
-          </dgm:else>
-        </dgm:choose>
-        <dgm:shape xmlns:r="http://schemas.openxmlformats.org/officeDocument/2006/relationships" r:blip="">
-          <dgm:adjLst/>
-        </dgm:shape>
-        <dgm:presOf/>
-        <dgm:choose name="Name7">
-          <dgm:if name="Name8" axis="root des" func="maxDepth" op="equ" val="1">
-            <dgm:constrLst>
-              <dgm:constr type="w" for="ch" forName="tx1" refType="w"/>
-            </dgm:constrLst>
-          </dgm:if>
-          <dgm:if name="Name9" axis="root des" func="maxDepth" op="equ" val="2">
-            <dgm:constrLst>
-              <dgm:constr type="w" for="ch" forName="tx1" refType="w" fact="0.2"/>
-              <dgm:constr type="w" for="des" forName="tx2" refType="w" fact="0.785"/>
-              <dgm:constr type="w" for="des" forName="horzSpace2" refType="w" fact="0.015"/>
-              <dgm:constr type="w" for="des" forName="thinLine2b" refType="w" fact="0.8"/>
-            </dgm:constrLst>
-          </dgm:if>
-          <dgm:if name="Name10" axis="root des" func="maxDepth" op="equ" val="3">
-            <dgm:constrLst>
-              <dgm:constr type="w" for="ch" forName="tx1" refType="w" fact="0.2"/>
-              <dgm:constr type="w" for="des" forName="tx2" refType="w" fact="0.385"/>
-              <dgm:constr type="w" for="des" forName="tx3" refType="w" fact="0.385"/>
-              <dgm:constr type="w" for="des" forName="horzSpace2" refType="w" fact="0.015"/>
-              <dgm:constr type="w" for="des" forName="horzSpace3" refType="w" fact="0.015"/>
-              <dgm:constr type="w" for="des" forName="thinLine2b" refType="w" fact="0.8"/>
-              <dgm:constr type="w" for="des" forName="thinLine3" refType="w" fact="0.385"/>
-            </dgm:constrLst>
-          </dgm:if>
-          <dgm:if name="Name11" axis="root des" func="maxDepth" op="gte" val="4">
-            <dgm:constrLst>
-              <dgm:constr type="w" for="ch" forName="tx1" refType="w" fact="0.2"/>
-              <dgm:constr type="w" for="des" forName="tx2" refType="w" fact="0.2516"/>
-              <dgm:constr type="w" for="des" forName="tx3" refType="w" fact="0.2516"/>
-              <dgm:constr type="w" for="des" forName="tx4" refType="w" fact="0.2516"/>
-              <dgm:constr type="w" for="des" forName="horzSpace2" refType="w" fact="0.015"/>
-              <dgm:constr type="w" for="des" forName="horzSpace3" refType="w" fact="0.015"/>
-              <dgm:constr type="w" for="des" forName="horzSpace4" refType="w" fact="0.015"/>
-              <dgm:constr type="w" for="des" forName="thinLine2b" refType="w" fact="0.8"/>
-              <dgm:constr type="w" for="des" forName="thinLine3" refType="w" fact="0.5332"/>
-            </dgm:constrLst>
-          </dgm:if>
-          <dgm:else name="Name12"/>
-        </dgm:choose>
-        <dgm:layoutNode name="tx1" styleLbl="revTx">
-          <dgm:alg type="tx">
-            <dgm:param type="parTxLTRAlign" val="l"/>
-            <dgm:param type="parTxRTLAlign" val="r"/>
-            <dgm:param type="txAnchorVert" val="t"/>
-          </dgm:alg>
-          <dgm:shape xmlns:r="http://schemas.openxmlformats.org/officeDocument/2006/relationships" type="rect" r:blip="">
-            <dgm:adjLst/>
-          </dgm:shape>
-          <dgm:presOf axis="self"/>
-          <dgm:constrLst>
-            <dgm:constr type="tMarg" refType="primFontSz" fact="0.3"/>
-            <dgm:constr type="bMarg" refType="primFontSz" fact="0.3"/>
-            <dgm:constr type="lMarg" refType="primFontSz" fact="0.3"/>
-            <dgm:constr type="rMarg" refType="primFontSz" fact="0.3"/>
-          </dgm:constrLst>
-          <dgm:ruleLst>
-            <dgm:rule type="primFontSz" val="5" fact="NaN" max="NaN"/>
-          </dgm:ruleLst>
-        </dgm:layoutNode>
-        <dgm:layoutNode name="vert1">
-          <dgm:choose name="Name13">
-            <dgm:if name="Name14" func="var" arg="dir" op="equ" val="norm">
-              <dgm:alg type="lin">
-                <dgm:param type="linDir" val="fromT"/>
-                <dgm:param type="nodeHorzAlign" val="l"/>
-              </dgm:alg>
-            </dgm:if>
-            <dgm:else name="Name15">
-              <dgm:alg type="lin">
-                <dgm:param type="linDir" val="fromT"/>
-                <dgm:param type="nodeHorzAlign" val="r"/>
-              </dgm:alg>
-            </dgm:else>
-          </dgm:choose>
-          <dgm:shape xmlns:r="http://schemas.openxmlformats.org/officeDocument/2006/relationships" r:blip="">
-            <dgm:adjLst/>
-          </dgm:shape>
-          <dgm:presOf/>
-          <dgm:forEach name="Name16" axis="ch" ptType="node">
-            <dgm:choose name="Name17">
-              <dgm:if name="Name18" axis="self" ptType="node" func="pos" op="equ" val="1">
-                <dgm:layoutNode name="vertSpace2a">
-                  <dgm:alg type="sp"/>
-                  <dgm:shape xmlns:r="http://schemas.openxmlformats.org/officeDocument/2006/relationships" r:blip="">
-                    <dgm:adjLst/>
-                  </dgm:shape>
-                  <dgm:presOf/>
-                </dgm:layoutNode>
-              </dgm:if>
-              <dgm:else name="Name19"/>
-            </dgm:choose>
-            <dgm:layoutNode name="horz2">
-              <dgm:choose name="Name20">
-                <dgm:if name="Name21" func="var" arg="dir" op="equ" val="norm">
-                  <dgm:alg type="lin">
-                    <dgm:param type="linDir" val="fromL"/>
-                    <dgm:param type="nodeVertAlign" val="t"/>
-                  </dgm:alg>
-                </dgm:if>
-                <dgm:else name="Name22">
-                  <dgm:alg type="lin">
-                    <dgm:param type="linDir" val="fromR"/>
-                    <dgm:param type="nodeVertAlign" val="t"/>
-                  </dgm:alg>
-                </dgm:else>
-              </dgm:choose>
-              <dgm:shape xmlns:r="http://schemas.openxmlformats.org/officeDocument/2006/relationships" r:blip="">
-                <dgm:adjLst/>
-              </dgm:shape>
-              <dgm:presOf/>
-              <dgm:layoutNode name="horzSpace2">
-                <dgm:alg type="sp"/>
-                <dgm:shape xmlns:r="http://schemas.openxmlformats.org/officeDocument/2006/relationships" r:blip="">
-                  <dgm:adjLst/>
-                </dgm:shape>
-                <dgm:presOf/>
-              </dgm:layoutNode>
-              <dgm:layoutNode name="tx2" styleLbl="revTx">
-                <dgm:alg type="tx">
-                  <dgm:param type="parTxLTRAlign" val="l"/>
-                  <dgm:param type="parTxRTLAlign" val="r"/>
-                  <dgm:param type="txAnchorVert" val="t"/>
-                </dgm:alg>
-                <dgm:shape xmlns:r="http://schemas.openxmlformats.org/officeDocument/2006/relationships" type="rect" r:blip="">
-                  <dgm:adjLst/>
-                </dgm:shape>
-                <dgm:presOf axis="self"/>
-                <dgm:constrLst>
-                  <dgm:constr type="tMarg" refType="primFontSz" fact="0.3"/>
-                  <dgm:constr type="bMarg" refType="primFontSz" fact="0.3"/>
-                  <dgm:constr type="lMarg" refType="primFontSz" fact="0.3"/>
-                  <dgm:constr type="rMarg" refType="primFontSz" fact="0.3"/>
-                </dgm:constrLst>
-                <dgm:ruleLst>
-                  <dgm:rule type="primFontSz" val="5" fact="NaN" max="NaN"/>
-                </dgm:ruleLst>
-              </dgm:layoutNode>
-              <dgm:layoutNode name="vert2">
-                <dgm:choose name="Name23">
-                  <dgm:if name="Name24" func="var" arg="dir" op="equ" val="norm">
-                    <dgm:alg type="lin">
-                      <dgm:param type="linDir" val="fromT"/>
-                      <dgm:param type="nodeHorzAlign" val="l"/>
-                    </dgm:alg>
-                  </dgm:if>
-                  <dgm:else name="Name25">
-                    <dgm:alg type="lin">
-                      <dgm:param type="linDir" val="fromT"/>
-                      <dgm:param type="nodeHorzAlign" val="r"/>
-                    </dgm:alg>
-                  </dgm:else>
-                </dgm:choose>
-                <dgm:shape xmlns:r="http://schemas.openxmlformats.org/officeDocument/2006/relationships" r:blip="">
-                  <dgm:adjLst/>
-                </dgm:shape>
-                <dgm:presOf/>
-                <dgm:forEach name="Name26" axis="ch" ptType="node">
-                  <dgm:layoutNode name="horz3">
-                    <dgm:choose name="Name27">
-                      <dgm:if name="Name28" func="var" arg="dir" op="equ" val="norm">
-                        <dgm:alg type="lin">
-                          <dgm:param type="linDir" val="fromL"/>
-                          <dgm:param type="nodeVertAlign" val="t"/>
-                        </dgm:alg>
-                      </dgm:if>
-                      <dgm:else name="Name29">
-                        <dgm:alg type="lin">
-                          <dgm:param type="linDir" val="fromR"/>
-                          <dgm:param type="nodeVertAlign" val="t"/>
-                        </dgm:alg>
-                      </dgm:else>
-                    </dgm:choose>
-                    <dgm:shape xmlns:r="http://schemas.openxmlformats.org/officeDocument/2006/relationships" r:blip="">
-                      <dgm:adjLst/>
-                    </dgm:shape>
-                    <dgm:presOf/>
-                    <dgm:layoutNode name="horzSpace3">
-                      <dgm:alg type="sp"/>
-                      <dgm:shape xmlns:r="http://schemas.openxmlformats.org/officeDocument/2006/relationships" r:blip="">
-                        <dgm:adjLst/>
-                      </dgm:shape>
-                      <dgm:presOf/>
-                    </dgm:layoutNode>
-                    <dgm:layoutNode name="tx3" styleLbl="revTx">
-                      <dgm:alg type="tx">
-                        <dgm:param type="parTxLTRAlign" val="l"/>
-                        <dgm:param type="parTxRTLAlign" val="r"/>
-                        <dgm:param type="txAnchorVert" val="t"/>
-                      </dgm:alg>
-                      <dgm:shape xmlns:r="http://schemas.openxmlformats.org/officeDocument/2006/relationships" type="rect" r:blip="">
-                        <dgm:adjLst/>
-                      </dgm:shape>
-                      <dgm:presOf axis="self"/>
-                      <dgm:constrLst>
-                        <dgm:constr type="tMarg" refType="primFontSz" fact="0.3"/>
-                        <dgm:constr type="bMarg" refType="primFontSz" fact="0.3"/>
-                        <dgm:constr type="lMarg" refType="primFontSz" fact="0.3"/>
-                        <dgm:constr type="rMarg" refType="primFontSz" fact="0.3"/>
-                      </dgm:constrLst>
-                      <dgm:ruleLst>
-                        <dgm:rule type="primFontSz" val="5" fact="NaN" max="NaN"/>
-                      </dgm:ruleLst>
-                    </dgm:layoutNode>
-                    <dgm:layoutNode name="vert3">
-                      <dgm:choose name="Name30">
-                        <dgm:if name="Name31" func="var" arg="dir" op="equ" val="norm">
-                          <dgm:alg type="lin">
-                            <dgm:param type="linDir" val="fromT"/>
-                            <dgm:param type="nodeHorzAlign" val="l"/>
-                          </dgm:alg>
-                        </dgm:if>
-                        <dgm:else name="Name32">
-                          <dgm:alg type="lin">
-                            <dgm:param type="linDir" val="fromT"/>
-                            <dgm:param type="nodeHorzAlign" val="r"/>
-                          </dgm:alg>
-                        </dgm:else>
-                      </dgm:choose>
-                      <dgm:shape xmlns:r="http://schemas.openxmlformats.org/officeDocument/2006/relationships" r:blip="">
-                        <dgm:adjLst/>
-                      </dgm:shape>
-                      <dgm:presOf/>
-                      <dgm:forEach name="Name33" axis="ch" ptType="node">
-                        <dgm:layoutNode name="horz4">
-                          <dgm:choose name="Name34">
-                            <dgm:if name="Name35" func="var" arg="dir" op="equ" val="norm">
-                              <dgm:alg type="lin">
-                                <dgm:param type="linDir" val="fromL"/>
-                                <dgm:param type="nodeVertAlign" val="t"/>
-                              </dgm:alg>
-                            </dgm:if>
-                            <dgm:else name="Name36">
-                              <dgm:alg type="lin">
-                                <dgm:param type="linDir" val="fromR"/>
-                                <dgm:param type="nodeVertAlign" val="t"/>
-                              </dgm:alg>
-                            </dgm:else>
-                          </dgm:choose>
-                          <dgm:shape xmlns:r="http://schemas.openxmlformats.org/officeDocument/2006/relationships" r:blip="">
-                            <dgm:adjLst/>
-                          </dgm:shape>
-                          <dgm:presOf/>
-                          <dgm:layoutNode name="horzSpace4">
-                            <dgm:alg type="sp"/>
-                            <dgm:shape xmlns:r="http://schemas.openxmlformats.org/officeDocument/2006/relationships" r:blip="">
-                              <dgm:adjLst/>
-                            </dgm:shape>
-                            <dgm:presOf/>
-                          </dgm:layoutNode>
-                          <dgm:layoutNode name="tx4" styleLbl="revTx">
-                            <dgm:varLst>
-                              <dgm:bulletEnabled val="1"/>
-                            </dgm:varLst>
-                            <dgm:alg type="tx">
-                              <dgm:param type="parTxLTRAlign" val="l"/>
-                              <dgm:param type="parTxRTLAlign" val="r"/>
-                              <dgm:param type="txAnchorVert" val="t"/>
-                            </dgm:alg>
-                            <dgm:shape xmlns:r="http://schemas.openxmlformats.org/officeDocument/2006/relationships" type="rect" r:blip="">
-                              <dgm:adjLst/>
-                            </dgm:shape>
-                            <dgm:presOf axis="desOrSelf" ptType="node"/>
-                            <dgm:constrLst>
-                              <dgm:constr type="tMarg" refType="primFontSz" fact="0.3"/>
-                              <dgm:constr type="bMarg" refType="primFontSz" fact="0.3"/>
-                              <dgm:constr type="lMarg" refType="primFontSz" fact="0.3"/>
-                              <dgm:constr type="rMarg" refType="primFontSz" fact="0.3"/>
-                            </dgm:constrLst>
-                            <dgm:ruleLst>
-                              <dgm:rule type="primFontSz" val="5" fact="NaN" max="NaN"/>
-                            </dgm:ruleLst>
-                          </dgm:layoutNode>
-                        </dgm:layoutNode>
-                      </dgm:forEach>
-                    </dgm:layoutNode>
-                  </dgm:layoutNode>
-                  <dgm:forEach name="Name37" axis="followSib" ptType="sibTrans" cnt="1">
-                    <dgm:layoutNode name="thinLine3" styleLbl="callout">
-                      <dgm:alg type="sp"/>
-                      <dgm:shape xmlns:r="http://schemas.openxmlformats.org/officeDocument/2006/relationships" type="line" r:blip="">
-                        <dgm:adjLst/>
-                      </dgm:shape>
-                      <dgm:presOf/>
-                    </dgm:layoutNode>
-                  </dgm:forEach>
-                </dgm:forEach>
-              </dgm:layoutNode>
-            </dgm:layoutNode>
-            <dgm:layoutNode name="thinLine2b" styleLbl="callout">
-              <dgm:alg type="sp"/>
-              <dgm:shape xmlns:r="http://schemas.openxmlformats.org/officeDocument/2006/relationships" type="line" r:blip="">
-                <dgm:adjLst/>
-              </dgm:shape>
-              <dgm:presOf/>
-            </dgm:layoutNode>
-            <dgm:layoutNode name="vertSpace2b">
-              <dgm:alg type="sp"/>
-              <dgm:shape xmlns:r="http://schemas.openxmlformats.org/officeDocument/2006/relationships" r:blip="">
-                <dgm:adjLst/>
-              </dgm:shape>
-              <dgm:presOf/>
-            </dgm:layoutNode>
-          </dgm:forEach>
-        </dgm:layoutNode>
-      </dgm:layoutNode>
-    </dgm:forEach>
-  </dgm:layoutNode>
 </dgm:layoutDef>
 </file>
 
@@ -19057,1040 +17256,6 @@
 </dgm:styleDef>
 </file>
 
-<file path=ppt/diagrams/quickStyle10.xml><?xml version="1.0" encoding="utf-8"?>
-<dgm:styleDef xmlns:dgm="http://schemas.openxmlformats.org/drawingml/2006/diagram" xmlns:a="http://schemas.openxmlformats.org/drawingml/2006/main" uniqueId="urn:microsoft.com/office/officeart/2005/8/quickstyle/simple1">
-  <dgm:title val=""/>
-  <dgm:desc val=""/>
-  <dgm:catLst>
-    <dgm:cat type="simple" pri="10100"/>
-  </dgm:catLst>
-  <dgm:scene3d>
-    <a:camera prst="orthographicFront"/>
-    <a:lightRig rig="threePt" dir="t"/>
-  </dgm:scene3d>
-  <dgm:styleLbl name="node0">
-    <dgm:scene3d>
-      <a:camera prst="orthographicFront"/>
-      <a:lightRig rig="threePt" dir="t"/>
-    </dgm:scene3d>
-    <dgm:sp3d/>
-    <dgm:txPr/>
-    <dgm:style>
-      <a:lnRef idx="2">
-        <a:scrgbClr r="0" g="0" b="0"/>
-      </a:lnRef>
-      <a:fillRef idx="1">
-        <a:scrgbClr r="0" g="0" b="0"/>
-      </a:fillRef>
-      <a:effectRef idx="0">
-        <a:scrgbClr r="0" g="0" b="0"/>
-      </a:effectRef>
-      <a:fontRef idx="minor">
-        <a:schemeClr val="lt1"/>
-      </a:fontRef>
-    </dgm:style>
-  </dgm:styleLbl>
-  <dgm:styleLbl name="lnNode1">
-    <dgm:scene3d>
-      <a:camera prst="orthographicFront"/>
-      <a:lightRig rig="threePt" dir="t"/>
-    </dgm:scene3d>
-    <dgm:sp3d/>
-    <dgm:txPr/>
-    <dgm:style>
-      <a:lnRef idx="2">
-        <a:scrgbClr r="0" g="0" b="0"/>
-      </a:lnRef>
-      <a:fillRef idx="1">
-        <a:scrgbClr r="0" g="0" b="0"/>
-      </a:fillRef>
-      <a:effectRef idx="0">
-        <a:scrgbClr r="0" g="0" b="0"/>
-      </a:effectRef>
-      <a:fontRef idx="minor">
-        <a:schemeClr val="lt1"/>
-      </a:fontRef>
-    </dgm:style>
-  </dgm:styleLbl>
-  <dgm:styleLbl name="vennNode1">
-    <dgm:scene3d>
-      <a:camera prst="orthographicFront"/>
-      <a:lightRig rig="threePt" dir="t"/>
-    </dgm:scene3d>
-    <dgm:sp3d/>
-    <dgm:txPr/>
-    <dgm:style>
-      <a:lnRef idx="2">
-        <a:scrgbClr r="0" g="0" b="0"/>
-      </a:lnRef>
-      <a:fillRef idx="1">
-        <a:scrgbClr r="0" g="0" b="0"/>
-      </a:fillRef>
-      <a:effectRef idx="0">
-        <a:scrgbClr r="0" g="0" b="0"/>
-      </a:effectRef>
-      <a:fontRef idx="minor">
-        <a:schemeClr val="tx1"/>
-      </a:fontRef>
-    </dgm:style>
-  </dgm:styleLbl>
-  <dgm:styleLbl name="alignNode1">
-    <dgm:scene3d>
-      <a:camera prst="orthographicFront"/>
-      <a:lightRig rig="threePt" dir="t"/>
-    </dgm:scene3d>
-    <dgm:sp3d/>
-    <dgm:txPr/>
-    <dgm:style>
-      <a:lnRef idx="2">
-        <a:scrgbClr r="0" g="0" b="0"/>
-      </a:lnRef>
-      <a:fillRef idx="1">
-        <a:scrgbClr r="0" g="0" b="0"/>
-      </a:fillRef>
-      <a:effectRef idx="0">
-        <a:scrgbClr r="0" g="0" b="0"/>
-      </a:effectRef>
-      <a:fontRef idx="minor">
-        <a:schemeClr val="lt1"/>
-      </a:fontRef>
-    </dgm:style>
-  </dgm:styleLbl>
-  <dgm:styleLbl name="node1">
-    <dgm:scene3d>
-      <a:camera prst="orthographicFront"/>
-      <a:lightRig rig="threePt" dir="t"/>
-    </dgm:scene3d>
-    <dgm:sp3d/>
-    <dgm:txPr/>
-    <dgm:style>
-      <a:lnRef idx="2">
-        <a:scrgbClr r="0" g="0" b="0"/>
-      </a:lnRef>
-      <a:fillRef idx="1">
-        <a:scrgbClr r="0" g="0" b="0"/>
-      </a:fillRef>
-      <a:effectRef idx="0">
-        <a:scrgbClr r="0" g="0" b="0"/>
-      </a:effectRef>
-      <a:fontRef idx="minor">
-        <a:schemeClr val="lt1"/>
-      </a:fontRef>
-    </dgm:style>
-  </dgm:styleLbl>
-  <dgm:styleLbl name="node2">
-    <dgm:scene3d>
-      <a:camera prst="orthographicFront"/>
-      <a:lightRig rig="threePt" dir="t"/>
-    </dgm:scene3d>
-    <dgm:sp3d/>
-    <dgm:txPr/>
-    <dgm:style>
-      <a:lnRef idx="2">
-        <a:scrgbClr r="0" g="0" b="0"/>
-      </a:lnRef>
-      <a:fillRef idx="1">
-        <a:scrgbClr r="0" g="0" b="0"/>
-      </a:fillRef>
-      <a:effectRef idx="0">
-        <a:scrgbClr r="0" g="0" b="0"/>
-      </a:effectRef>
-      <a:fontRef idx="minor">
-        <a:schemeClr val="lt1"/>
-      </a:fontRef>
-    </dgm:style>
-  </dgm:styleLbl>
-  <dgm:styleLbl name="node3">
-    <dgm:scene3d>
-      <a:camera prst="orthographicFront"/>
-      <a:lightRig rig="threePt" dir="t"/>
-    </dgm:scene3d>
-    <dgm:sp3d/>
-    <dgm:txPr/>
-    <dgm:style>
-      <a:lnRef idx="2">
-        <a:scrgbClr r="0" g="0" b="0"/>
-      </a:lnRef>
-      <a:fillRef idx="1">
-        <a:scrgbClr r="0" g="0" b="0"/>
-      </a:fillRef>
-      <a:effectRef idx="0">
-        <a:scrgbClr r="0" g="0" b="0"/>
-      </a:effectRef>
-      <a:fontRef idx="minor">
-        <a:schemeClr val="lt1"/>
-      </a:fontRef>
-    </dgm:style>
-  </dgm:styleLbl>
-  <dgm:styleLbl name="node4">
-    <dgm:scene3d>
-      <a:camera prst="orthographicFront"/>
-      <a:lightRig rig="threePt" dir="t"/>
-    </dgm:scene3d>
-    <dgm:sp3d/>
-    <dgm:txPr/>
-    <dgm:style>
-      <a:lnRef idx="2">
-        <a:scrgbClr r="0" g="0" b="0"/>
-      </a:lnRef>
-      <a:fillRef idx="1">
-        <a:scrgbClr r="0" g="0" b="0"/>
-      </a:fillRef>
-      <a:effectRef idx="0">
-        <a:scrgbClr r="0" g="0" b="0"/>
-      </a:effectRef>
-      <a:fontRef idx="minor">
-        <a:schemeClr val="lt1"/>
-      </a:fontRef>
-    </dgm:style>
-  </dgm:styleLbl>
-  <dgm:styleLbl name="fgImgPlace1">
-    <dgm:scene3d>
-      <a:camera prst="orthographicFront"/>
-      <a:lightRig rig="threePt" dir="t"/>
-    </dgm:scene3d>
-    <dgm:sp3d/>
-    <dgm:txPr/>
-    <dgm:style>
-      <a:lnRef idx="2">
-        <a:scrgbClr r="0" g="0" b="0"/>
-      </a:lnRef>
-      <a:fillRef idx="1">
-        <a:scrgbClr r="0" g="0" b="0"/>
-      </a:fillRef>
-      <a:effectRef idx="0">
-        <a:scrgbClr r="0" g="0" b="0"/>
-      </a:effectRef>
-      <a:fontRef idx="minor"/>
-    </dgm:style>
-  </dgm:styleLbl>
-  <dgm:styleLbl name="alignImgPlace1">
-    <dgm:scene3d>
-      <a:camera prst="orthographicFront"/>
-      <a:lightRig rig="threePt" dir="t"/>
-    </dgm:scene3d>
-    <dgm:sp3d/>
-    <dgm:txPr/>
-    <dgm:style>
-      <a:lnRef idx="2">
-        <a:scrgbClr r="0" g="0" b="0"/>
-      </a:lnRef>
-      <a:fillRef idx="1">
-        <a:scrgbClr r="0" g="0" b="0"/>
-      </a:fillRef>
-      <a:effectRef idx="0">
-        <a:scrgbClr r="0" g="0" b="0"/>
-      </a:effectRef>
-      <a:fontRef idx="minor"/>
-    </dgm:style>
-  </dgm:styleLbl>
-  <dgm:styleLbl name="bgImgPlace1">
-    <dgm:scene3d>
-      <a:camera prst="orthographicFront"/>
-      <a:lightRig rig="threePt" dir="t"/>
-    </dgm:scene3d>
-    <dgm:sp3d/>
-    <dgm:txPr/>
-    <dgm:style>
-      <a:lnRef idx="2">
-        <a:scrgbClr r="0" g="0" b="0"/>
-      </a:lnRef>
-      <a:fillRef idx="1">
-        <a:scrgbClr r="0" g="0" b="0"/>
-      </a:fillRef>
-      <a:effectRef idx="0">
-        <a:scrgbClr r="0" g="0" b="0"/>
-      </a:effectRef>
-      <a:fontRef idx="minor"/>
-    </dgm:style>
-  </dgm:styleLbl>
-  <dgm:styleLbl name="sibTrans2D1">
-    <dgm:scene3d>
-      <a:camera prst="orthographicFront"/>
-      <a:lightRig rig="threePt" dir="t"/>
-    </dgm:scene3d>
-    <dgm:sp3d/>
-    <dgm:txPr/>
-    <dgm:style>
-      <a:lnRef idx="0">
-        <a:scrgbClr r="0" g="0" b="0"/>
-      </a:lnRef>
-      <a:fillRef idx="1">
-        <a:scrgbClr r="0" g="0" b="0"/>
-      </a:fillRef>
-      <a:effectRef idx="0">
-        <a:scrgbClr r="0" g="0" b="0"/>
-      </a:effectRef>
-      <a:fontRef idx="minor">
-        <a:schemeClr val="lt1"/>
-      </a:fontRef>
-    </dgm:style>
-  </dgm:styleLbl>
-  <dgm:styleLbl name="fgSibTrans2D1">
-    <dgm:scene3d>
-      <a:camera prst="orthographicFront"/>
-      <a:lightRig rig="threePt" dir="t"/>
-    </dgm:scene3d>
-    <dgm:sp3d/>
-    <dgm:txPr/>
-    <dgm:style>
-      <a:lnRef idx="0">
-        <a:scrgbClr r="0" g="0" b="0"/>
-      </a:lnRef>
-      <a:fillRef idx="1">
-        <a:scrgbClr r="0" g="0" b="0"/>
-      </a:fillRef>
-      <a:effectRef idx="0">
-        <a:scrgbClr r="0" g="0" b="0"/>
-      </a:effectRef>
-      <a:fontRef idx="minor">
-        <a:schemeClr val="lt1"/>
-      </a:fontRef>
-    </dgm:style>
-  </dgm:styleLbl>
-  <dgm:styleLbl name="bgSibTrans2D1">
-    <dgm:scene3d>
-      <a:camera prst="orthographicFront"/>
-      <a:lightRig rig="threePt" dir="t"/>
-    </dgm:scene3d>
-    <dgm:sp3d/>
-    <dgm:txPr/>
-    <dgm:style>
-      <a:lnRef idx="0">
-        <a:scrgbClr r="0" g="0" b="0"/>
-      </a:lnRef>
-      <a:fillRef idx="1">
-        <a:scrgbClr r="0" g="0" b="0"/>
-      </a:fillRef>
-      <a:effectRef idx="0">
-        <a:scrgbClr r="0" g="0" b="0"/>
-      </a:effectRef>
-      <a:fontRef idx="minor">
-        <a:schemeClr val="lt1"/>
-      </a:fontRef>
-    </dgm:style>
-  </dgm:styleLbl>
-  <dgm:styleLbl name="sibTrans1D1">
-    <dgm:scene3d>
-      <a:camera prst="orthographicFront"/>
-      <a:lightRig rig="threePt" dir="t"/>
-    </dgm:scene3d>
-    <dgm:sp3d/>
-    <dgm:txPr/>
-    <dgm:style>
-      <a:lnRef idx="1">
-        <a:scrgbClr r="0" g="0" b="0"/>
-      </a:lnRef>
-      <a:fillRef idx="0">
-        <a:scrgbClr r="0" g="0" b="0"/>
-      </a:fillRef>
-      <a:effectRef idx="0">
-        <a:scrgbClr r="0" g="0" b="0"/>
-      </a:effectRef>
-      <a:fontRef idx="minor"/>
-    </dgm:style>
-  </dgm:styleLbl>
-  <dgm:styleLbl name="callout">
-    <dgm:scene3d>
-      <a:camera prst="orthographicFront"/>
-      <a:lightRig rig="threePt" dir="t"/>
-    </dgm:scene3d>
-    <dgm:sp3d/>
-    <dgm:txPr/>
-    <dgm:style>
-      <a:lnRef idx="2">
-        <a:scrgbClr r="0" g="0" b="0"/>
-      </a:lnRef>
-      <a:fillRef idx="1">
-        <a:scrgbClr r="0" g="0" b="0"/>
-      </a:fillRef>
-      <a:effectRef idx="0">
-        <a:scrgbClr r="0" g="0" b="0"/>
-      </a:effectRef>
-      <a:fontRef idx="minor"/>
-    </dgm:style>
-  </dgm:styleLbl>
-  <dgm:styleLbl name="asst0">
-    <dgm:scene3d>
-      <a:camera prst="orthographicFront"/>
-      <a:lightRig rig="threePt" dir="t"/>
-    </dgm:scene3d>
-    <dgm:sp3d/>
-    <dgm:txPr/>
-    <dgm:style>
-      <a:lnRef idx="2">
-        <a:scrgbClr r="0" g="0" b="0"/>
-      </a:lnRef>
-      <a:fillRef idx="1">
-        <a:scrgbClr r="0" g="0" b="0"/>
-      </a:fillRef>
-      <a:effectRef idx="0">
-        <a:scrgbClr r="0" g="0" b="0"/>
-      </a:effectRef>
-      <a:fontRef idx="minor">
-        <a:schemeClr val="lt1"/>
-      </a:fontRef>
-    </dgm:style>
-  </dgm:styleLbl>
-  <dgm:styleLbl name="asst1">
-    <dgm:scene3d>
-      <a:camera prst="orthographicFront"/>
-      <a:lightRig rig="threePt" dir="t"/>
-    </dgm:scene3d>
-    <dgm:sp3d/>
-    <dgm:txPr/>
-    <dgm:style>
-      <a:lnRef idx="2">
-        <a:scrgbClr r="0" g="0" b="0"/>
-      </a:lnRef>
-      <a:fillRef idx="1">
-        <a:scrgbClr r="0" g="0" b="0"/>
-      </a:fillRef>
-      <a:effectRef idx="0">
-        <a:scrgbClr r="0" g="0" b="0"/>
-      </a:effectRef>
-      <a:fontRef idx="minor">
-        <a:schemeClr val="lt1"/>
-      </a:fontRef>
-    </dgm:style>
-  </dgm:styleLbl>
-  <dgm:styleLbl name="asst2">
-    <dgm:scene3d>
-      <a:camera prst="orthographicFront"/>
-      <a:lightRig rig="threePt" dir="t"/>
-    </dgm:scene3d>
-    <dgm:sp3d/>
-    <dgm:txPr/>
-    <dgm:style>
-      <a:lnRef idx="2">
-        <a:scrgbClr r="0" g="0" b="0"/>
-      </a:lnRef>
-      <a:fillRef idx="1">
-        <a:scrgbClr r="0" g="0" b="0"/>
-      </a:fillRef>
-      <a:effectRef idx="0">
-        <a:scrgbClr r="0" g="0" b="0"/>
-      </a:effectRef>
-      <a:fontRef idx="minor">
-        <a:schemeClr val="lt1"/>
-      </a:fontRef>
-    </dgm:style>
-  </dgm:styleLbl>
-  <dgm:styleLbl name="asst3">
-    <dgm:scene3d>
-      <a:camera prst="orthographicFront"/>
-      <a:lightRig rig="threePt" dir="t"/>
-    </dgm:scene3d>
-    <dgm:sp3d/>
-    <dgm:txPr/>
-    <dgm:style>
-      <a:lnRef idx="2">
-        <a:scrgbClr r="0" g="0" b="0"/>
-      </a:lnRef>
-      <a:fillRef idx="1">
-        <a:scrgbClr r="0" g="0" b="0"/>
-      </a:fillRef>
-      <a:effectRef idx="0">
-        <a:scrgbClr r="0" g="0" b="0"/>
-      </a:effectRef>
-      <a:fontRef idx="minor">
-        <a:schemeClr val="lt1"/>
-      </a:fontRef>
-    </dgm:style>
-  </dgm:styleLbl>
-  <dgm:styleLbl name="asst4">
-    <dgm:scene3d>
-      <a:camera prst="orthographicFront"/>
-      <a:lightRig rig="threePt" dir="t"/>
-    </dgm:scene3d>
-    <dgm:sp3d/>
-    <dgm:txPr/>
-    <dgm:style>
-      <a:lnRef idx="2">
-        <a:scrgbClr r="0" g="0" b="0"/>
-      </a:lnRef>
-      <a:fillRef idx="1">
-        <a:scrgbClr r="0" g="0" b="0"/>
-      </a:fillRef>
-      <a:effectRef idx="0">
-        <a:scrgbClr r="0" g="0" b="0"/>
-      </a:effectRef>
-      <a:fontRef idx="minor">
-        <a:schemeClr val="lt1"/>
-      </a:fontRef>
-    </dgm:style>
-  </dgm:styleLbl>
-  <dgm:styleLbl name="parChTrans2D1">
-    <dgm:scene3d>
-      <a:camera prst="orthographicFront"/>
-      <a:lightRig rig="threePt" dir="t"/>
-    </dgm:scene3d>
-    <dgm:sp3d/>
-    <dgm:txPr/>
-    <dgm:style>
-      <a:lnRef idx="2">
-        <a:scrgbClr r="0" g="0" b="0"/>
-      </a:lnRef>
-      <a:fillRef idx="1">
-        <a:scrgbClr r="0" g="0" b="0"/>
-      </a:fillRef>
-      <a:effectRef idx="0">
-        <a:scrgbClr r="0" g="0" b="0"/>
-      </a:effectRef>
-      <a:fontRef idx="minor">
-        <a:schemeClr val="lt1"/>
-      </a:fontRef>
-    </dgm:style>
-  </dgm:styleLbl>
-  <dgm:styleLbl name="parChTrans2D2">
-    <dgm:scene3d>
-      <a:camera prst="orthographicFront"/>
-      <a:lightRig rig="threePt" dir="t"/>
-    </dgm:scene3d>
-    <dgm:sp3d/>
-    <dgm:txPr/>
-    <dgm:style>
-      <a:lnRef idx="2">
-        <a:scrgbClr r="0" g="0" b="0"/>
-      </a:lnRef>
-      <a:fillRef idx="1">
-        <a:scrgbClr r="0" g="0" b="0"/>
-      </a:fillRef>
-      <a:effectRef idx="0">
-        <a:scrgbClr r="0" g="0" b="0"/>
-      </a:effectRef>
-      <a:fontRef idx="minor">
-        <a:schemeClr val="lt1"/>
-      </a:fontRef>
-    </dgm:style>
-  </dgm:styleLbl>
-  <dgm:styleLbl name="parChTrans2D3">
-    <dgm:scene3d>
-      <a:camera prst="orthographicFront"/>
-      <a:lightRig rig="threePt" dir="t"/>
-    </dgm:scene3d>
-    <dgm:sp3d/>
-    <dgm:txPr/>
-    <dgm:style>
-      <a:lnRef idx="2">
-        <a:scrgbClr r="0" g="0" b="0"/>
-      </a:lnRef>
-      <a:fillRef idx="1">
-        <a:scrgbClr r="0" g="0" b="0"/>
-      </a:fillRef>
-      <a:effectRef idx="0">
-        <a:scrgbClr r="0" g="0" b="0"/>
-      </a:effectRef>
-      <a:fontRef idx="minor">
-        <a:schemeClr val="lt1"/>
-      </a:fontRef>
-    </dgm:style>
-  </dgm:styleLbl>
-  <dgm:styleLbl name="parChTrans2D4">
-    <dgm:scene3d>
-      <a:camera prst="orthographicFront"/>
-      <a:lightRig rig="threePt" dir="t"/>
-    </dgm:scene3d>
-    <dgm:sp3d/>
-    <dgm:txPr/>
-    <dgm:style>
-      <a:lnRef idx="2">
-        <a:scrgbClr r="0" g="0" b="0"/>
-      </a:lnRef>
-      <a:fillRef idx="1">
-        <a:scrgbClr r="0" g="0" b="0"/>
-      </a:fillRef>
-      <a:effectRef idx="0">
-        <a:scrgbClr r="0" g="0" b="0"/>
-      </a:effectRef>
-      <a:fontRef idx="minor">
-        <a:schemeClr val="lt1"/>
-      </a:fontRef>
-    </dgm:style>
-  </dgm:styleLbl>
-  <dgm:styleLbl name="parChTrans1D1">
-    <dgm:scene3d>
-      <a:camera prst="orthographicFront"/>
-      <a:lightRig rig="threePt" dir="t"/>
-    </dgm:scene3d>
-    <dgm:sp3d/>
-    <dgm:txPr/>
-    <dgm:style>
-      <a:lnRef idx="2">
-        <a:scrgbClr r="0" g="0" b="0"/>
-      </a:lnRef>
-      <a:fillRef idx="0">
-        <a:scrgbClr r="0" g="0" b="0"/>
-      </a:fillRef>
-      <a:effectRef idx="0">
-        <a:scrgbClr r="0" g="0" b="0"/>
-      </a:effectRef>
-      <a:fontRef idx="minor"/>
-    </dgm:style>
-  </dgm:styleLbl>
-  <dgm:styleLbl name="parChTrans1D2">
-    <dgm:scene3d>
-      <a:camera prst="orthographicFront"/>
-      <a:lightRig rig="threePt" dir="t"/>
-    </dgm:scene3d>
-    <dgm:sp3d/>
-    <dgm:txPr/>
-    <dgm:style>
-      <a:lnRef idx="2">
-        <a:scrgbClr r="0" g="0" b="0"/>
-      </a:lnRef>
-      <a:fillRef idx="0">
-        <a:scrgbClr r="0" g="0" b="0"/>
-      </a:fillRef>
-      <a:effectRef idx="0">
-        <a:scrgbClr r="0" g="0" b="0"/>
-      </a:effectRef>
-      <a:fontRef idx="minor"/>
-    </dgm:style>
-  </dgm:styleLbl>
-  <dgm:styleLbl name="parChTrans1D3">
-    <dgm:scene3d>
-      <a:camera prst="orthographicFront"/>
-      <a:lightRig rig="threePt" dir="t"/>
-    </dgm:scene3d>
-    <dgm:sp3d/>
-    <dgm:txPr/>
-    <dgm:style>
-      <a:lnRef idx="2">
-        <a:scrgbClr r="0" g="0" b="0"/>
-      </a:lnRef>
-      <a:fillRef idx="0">
-        <a:scrgbClr r="0" g="0" b="0"/>
-      </a:fillRef>
-      <a:effectRef idx="0">
-        <a:scrgbClr r="0" g="0" b="0"/>
-      </a:effectRef>
-      <a:fontRef idx="minor"/>
-    </dgm:style>
-  </dgm:styleLbl>
-  <dgm:styleLbl name="parChTrans1D4">
-    <dgm:scene3d>
-      <a:camera prst="orthographicFront"/>
-      <a:lightRig rig="threePt" dir="t"/>
-    </dgm:scene3d>
-    <dgm:sp3d/>
-    <dgm:txPr/>
-    <dgm:style>
-      <a:lnRef idx="2">
-        <a:scrgbClr r="0" g="0" b="0"/>
-      </a:lnRef>
-      <a:fillRef idx="0">
-        <a:scrgbClr r="0" g="0" b="0"/>
-      </a:fillRef>
-      <a:effectRef idx="0">
-        <a:scrgbClr r="0" g="0" b="0"/>
-      </a:effectRef>
-      <a:fontRef idx="minor"/>
-    </dgm:style>
-  </dgm:styleLbl>
-  <dgm:styleLbl name="fgAcc1">
-    <dgm:scene3d>
-      <a:camera prst="orthographicFront"/>
-      <a:lightRig rig="threePt" dir="t"/>
-    </dgm:scene3d>
-    <dgm:sp3d/>
-    <dgm:txPr/>
-    <dgm:style>
-      <a:lnRef idx="2">
-        <a:scrgbClr r="0" g="0" b="0"/>
-      </a:lnRef>
-      <a:fillRef idx="1">
-        <a:scrgbClr r="0" g="0" b="0"/>
-      </a:fillRef>
-      <a:effectRef idx="0">
-        <a:scrgbClr r="0" g="0" b="0"/>
-      </a:effectRef>
-      <a:fontRef idx="minor"/>
-    </dgm:style>
-  </dgm:styleLbl>
-  <dgm:styleLbl name="conFgAcc1">
-    <dgm:scene3d>
-      <a:camera prst="orthographicFront"/>
-      <a:lightRig rig="threePt" dir="t"/>
-    </dgm:scene3d>
-    <dgm:sp3d/>
-    <dgm:txPr/>
-    <dgm:style>
-      <a:lnRef idx="2">
-        <a:scrgbClr r="0" g="0" b="0"/>
-      </a:lnRef>
-      <a:fillRef idx="1">
-        <a:scrgbClr r="0" g="0" b="0"/>
-      </a:fillRef>
-      <a:effectRef idx="0">
-        <a:scrgbClr r="0" g="0" b="0"/>
-      </a:effectRef>
-      <a:fontRef idx="minor"/>
-    </dgm:style>
-  </dgm:styleLbl>
-  <dgm:styleLbl name="alignAcc1">
-    <dgm:scene3d>
-      <a:camera prst="orthographicFront"/>
-      <a:lightRig rig="threePt" dir="t"/>
-    </dgm:scene3d>
-    <dgm:sp3d/>
-    <dgm:txPr/>
-    <dgm:style>
-      <a:lnRef idx="2">
-        <a:scrgbClr r="0" g="0" b="0"/>
-      </a:lnRef>
-      <a:fillRef idx="1">
-        <a:scrgbClr r="0" g="0" b="0"/>
-      </a:fillRef>
-      <a:effectRef idx="0">
-        <a:scrgbClr r="0" g="0" b="0"/>
-      </a:effectRef>
-      <a:fontRef idx="minor"/>
-    </dgm:style>
-  </dgm:styleLbl>
-  <dgm:styleLbl name="trAlignAcc1">
-    <dgm:scene3d>
-      <a:camera prst="orthographicFront"/>
-      <a:lightRig rig="threePt" dir="t"/>
-    </dgm:scene3d>
-    <dgm:sp3d/>
-    <dgm:txPr/>
-    <dgm:style>
-      <a:lnRef idx="1">
-        <a:scrgbClr r="0" g="0" b="0"/>
-      </a:lnRef>
-      <a:fillRef idx="1">
-        <a:scrgbClr r="0" g="0" b="0"/>
-      </a:fillRef>
-      <a:effectRef idx="0">
-        <a:scrgbClr r="0" g="0" b="0"/>
-      </a:effectRef>
-      <a:fontRef idx="minor"/>
-    </dgm:style>
-  </dgm:styleLbl>
-  <dgm:styleLbl name="bgAcc1">
-    <dgm:scene3d>
-      <a:camera prst="orthographicFront"/>
-      <a:lightRig rig="threePt" dir="t"/>
-    </dgm:scene3d>
-    <dgm:sp3d/>
-    <dgm:txPr/>
-    <dgm:style>
-      <a:lnRef idx="2">
-        <a:scrgbClr r="0" g="0" b="0"/>
-      </a:lnRef>
-      <a:fillRef idx="1">
-        <a:scrgbClr r="0" g="0" b="0"/>
-      </a:fillRef>
-      <a:effectRef idx="0">
-        <a:scrgbClr r="0" g="0" b="0"/>
-      </a:effectRef>
-      <a:fontRef idx="minor"/>
-    </dgm:style>
-  </dgm:styleLbl>
-  <dgm:styleLbl name="solidFgAcc1">
-    <dgm:scene3d>
-      <a:camera prst="orthographicFront"/>
-      <a:lightRig rig="threePt" dir="t"/>
-    </dgm:scene3d>
-    <dgm:sp3d/>
-    <dgm:txPr/>
-    <dgm:style>
-      <a:lnRef idx="2">
-        <a:scrgbClr r="0" g="0" b="0"/>
-      </a:lnRef>
-      <a:fillRef idx="1">
-        <a:scrgbClr r="0" g="0" b="0"/>
-      </a:fillRef>
-      <a:effectRef idx="0">
-        <a:scrgbClr r="0" g="0" b="0"/>
-      </a:effectRef>
-      <a:fontRef idx="minor"/>
-    </dgm:style>
-  </dgm:styleLbl>
-  <dgm:styleLbl name="solidAlignAcc1">
-    <dgm:scene3d>
-      <a:camera prst="orthographicFront"/>
-      <a:lightRig rig="threePt" dir="t"/>
-    </dgm:scene3d>
-    <dgm:sp3d/>
-    <dgm:txPr/>
-    <dgm:style>
-      <a:lnRef idx="2">
-        <a:scrgbClr r="0" g="0" b="0"/>
-      </a:lnRef>
-      <a:fillRef idx="1">
-        <a:scrgbClr r="0" g="0" b="0"/>
-      </a:fillRef>
-      <a:effectRef idx="0">
-        <a:scrgbClr r="0" g="0" b="0"/>
-      </a:effectRef>
-      <a:fontRef idx="minor"/>
-    </dgm:style>
-  </dgm:styleLbl>
-  <dgm:styleLbl name="solidBgAcc1">
-    <dgm:scene3d>
-      <a:camera prst="orthographicFront"/>
-      <a:lightRig rig="threePt" dir="t"/>
-    </dgm:scene3d>
-    <dgm:sp3d/>
-    <dgm:txPr/>
-    <dgm:style>
-      <a:lnRef idx="2">
-        <a:scrgbClr r="0" g="0" b="0"/>
-      </a:lnRef>
-      <a:fillRef idx="1">
-        <a:scrgbClr r="0" g="0" b="0"/>
-      </a:fillRef>
-      <a:effectRef idx="0">
-        <a:scrgbClr r="0" g="0" b="0"/>
-      </a:effectRef>
-      <a:fontRef idx="minor"/>
-    </dgm:style>
-  </dgm:styleLbl>
-  <dgm:styleLbl name="fgAccFollowNode1">
-    <dgm:scene3d>
-      <a:camera prst="orthographicFront"/>
-      <a:lightRig rig="threePt" dir="t"/>
-    </dgm:scene3d>
-    <dgm:sp3d/>
-    <dgm:txPr/>
-    <dgm:style>
-      <a:lnRef idx="2">
-        <a:scrgbClr r="0" g="0" b="0"/>
-      </a:lnRef>
-      <a:fillRef idx="1">
-        <a:scrgbClr r="0" g="0" b="0"/>
-      </a:fillRef>
-      <a:effectRef idx="0">
-        <a:scrgbClr r="0" g="0" b="0"/>
-      </a:effectRef>
-      <a:fontRef idx="minor"/>
-    </dgm:style>
-  </dgm:styleLbl>
-  <dgm:styleLbl name="alignAccFollowNode1">
-    <dgm:scene3d>
-      <a:camera prst="orthographicFront"/>
-      <a:lightRig rig="threePt" dir="t"/>
-    </dgm:scene3d>
-    <dgm:sp3d/>
-    <dgm:txPr/>
-    <dgm:style>
-      <a:lnRef idx="2">
-        <a:scrgbClr r="0" g="0" b="0"/>
-      </a:lnRef>
-      <a:fillRef idx="1">
-        <a:scrgbClr r="0" g="0" b="0"/>
-      </a:fillRef>
-      <a:effectRef idx="0">
-        <a:scrgbClr r="0" g="0" b="0"/>
-      </a:effectRef>
-      <a:fontRef idx="minor"/>
-    </dgm:style>
-  </dgm:styleLbl>
-  <dgm:styleLbl name="bgAccFollowNode1">
-    <dgm:scene3d>
-      <a:camera prst="orthographicFront"/>
-      <a:lightRig rig="threePt" dir="t"/>
-    </dgm:scene3d>
-    <dgm:sp3d/>
-    <dgm:txPr/>
-    <dgm:style>
-      <a:lnRef idx="2">
-        <a:scrgbClr r="0" g="0" b="0"/>
-      </a:lnRef>
-      <a:fillRef idx="1">
-        <a:scrgbClr r="0" g="0" b="0"/>
-      </a:fillRef>
-      <a:effectRef idx="0">
-        <a:scrgbClr r="0" g="0" b="0"/>
-      </a:effectRef>
-      <a:fontRef idx="minor"/>
-    </dgm:style>
-  </dgm:styleLbl>
-  <dgm:styleLbl name="fgAcc0">
-    <dgm:scene3d>
-      <a:camera prst="orthographicFront"/>
-      <a:lightRig rig="threePt" dir="t"/>
-    </dgm:scene3d>
-    <dgm:sp3d/>
-    <dgm:txPr/>
-    <dgm:style>
-      <a:lnRef idx="2">
-        <a:scrgbClr r="0" g="0" b="0"/>
-      </a:lnRef>
-      <a:fillRef idx="1">
-        <a:scrgbClr r="0" g="0" b="0"/>
-      </a:fillRef>
-      <a:effectRef idx="0">
-        <a:scrgbClr r="0" g="0" b="0"/>
-      </a:effectRef>
-      <a:fontRef idx="minor"/>
-    </dgm:style>
-  </dgm:styleLbl>
-  <dgm:styleLbl name="fgAcc2">
-    <dgm:scene3d>
-      <a:camera prst="orthographicFront"/>
-      <a:lightRig rig="threePt" dir="t"/>
-    </dgm:scene3d>
-    <dgm:sp3d/>
-    <dgm:txPr/>
-    <dgm:style>
-      <a:lnRef idx="2">
-        <a:scrgbClr r="0" g="0" b="0"/>
-      </a:lnRef>
-      <a:fillRef idx="1">
-        <a:scrgbClr r="0" g="0" b="0"/>
-      </a:fillRef>
-      <a:effectRef idx="0">
-        <a:scrgbClr r="0" g="0" b="0"/>
-      </a:effectRef>
-      <a:fontRef idx="minor"/>
-    </dgm:style>
-  </dgm:styleLbl>
-  <dgm:styleLbl name="fgAcc3">
-    <dgm:scene3d>
-      <a:camera prst="orthographicFront"/>
-      <a:lightRig rig="threePt" dir="t"/>
-    </dgm:scene3d>
-    <dgm:sp3d/>
-    <dgm:txPr/>
-    <dgm:style>
-      <a:lnRef idx="2">
-        <a:scrgbClr r="0" g="0" b="0"/>
-      </a:lnRef>
-      <a:fillRef idx="1">
-        <a:scrgbClr r="0" g="0" b="0"/>
-      </a:fillRef>
-      <a:effectRef idx="0">
-        <a:scrgbClr r="0" g="0" b="0"/>
-      </a:effectRef>
-      <a:fontRef idx="minor"/>
-    </dgm:style>
-  </dgm:styleLbl>
-  <dgm:styleLbl name="fgAcc4">
-    <dgm:scene3d>
-      <a:camera prst="orthographicFront"/>
-      <a:lightRig rig="threePt" dir="t"/>
-    </dgm:scene3d>
-    <dgm:sp3d/>
-    <dgm:txPr/>
-    <dgm:style>
-      <a:lnRef idx="2">
-        <a:scrgbClr r="0" g="0" b="0"/>
-      </a:lnRef>
-      <a:fillRef idx="1">
-        <a:scrgbClr r="0" g="0" b="0"/>
-      </a:fillRef>
-      <a:effectRef idx="0">
-        <a:scrgbClr r="0" g="0" b="0"/>
-      </a:effectRef>
-      <a:fontRef idx="minor"/>
-    </dgm:style>
-  </dgm:styleLbl>
-  <dgm:styleLbl name="bgShp">
-    <dgm:scene3d>
-      <a:camera prst="orthographicFront"/>
-      <a:lightRig rig="threePt" dir="t"/>
-    </dgm:scene3d>
-    <dgm:sp3d/>
-    <dgm:txPr/>
-    <dgm:style>
-      <a:lnRef idx="0">
-        <a:scrgbClr r="0" g="0" b="0"/>
-      </a:lnRef>
-      <a:fillRef idx="1">
-        <a:scrgbClr r="0" g="0" b="0"/>
-      </a:fillRef>
-      <a:effectRef idx="0">
-        <a:scrgbClr r="0" g="0" b="0"/>
-      </a:effectRef>
-      <a:fontRef idx="minor"/>
-    </dgm:style>
-  </dgm:styleLbl>
-  <dgm:styleLbl name="dkBgShp">
-    <dgm:scene3d>
-      <a:camera prst="orthographicFront"/>
-      <a:lightRig rig="threePt" dir="t"/>
-    </dgm:scene3d>
-    <dgm:sp3d/>
-    <dgm:txPr/>
-    <dgm:style>
-      <a:lnRef idx="0">
-        <a:scrgbClr r="0" g="0" b="0"/>
-      </a:lnRef>
-      <a:fillRef idx="1">
-        <a:scrgbClr r="0" g="0" b="0"/>
-      </a:fillRef>
-      <a:effectRef idx="0">
-        <a:scrgbClr r="0" g="0" b="0"/>
-      </a:effectRef>
-      <a:fontRef idx="minor"/>
-    </dgm:style>
-  </dgm:styleLbl>
-  <dgm:styleLbl name="trBgShp">
-    <dgm:scene3d>
-      <a:camera prst="orthographicFront"/>
-      <a:lightRig rig="threePt" dir="t"/>
-    </dgm:scene3d>
-    <dgm:sp3d/>
-    <dgm:txPr/>
-    <dgm:style>
-      <a:lnRef idx="0">
-        <a:scrgbClr r="0" g="0" b="0"/>
-      </a:lnRef>
-      <a:fillRef idx="1">
-        <a:scrgbClr r="0" g="0" b="0"/>
-      </a:fillRef>
-      <a:effectRef idx="0">
-        <a:scrgbClr r="0" g="0" b="0"/>
-      </a:effectRef>
-      <a:fontRef idx="minor"/>
-    </dgm:style>
-  </dgm:styleLbl>
-  <dgm:styleLbl name="fgShp">
-    <dgm:scene3d>
-      <a:camera prst="orthographicFront"/>
-      <a:lightRig rig="threePt" dir="t"/>
-    </dgm:scene3d>
-    <dgm:sp3d/>
-    <dgm:txPr/>
-    <dgm:style>
-      <a:lnRef idx="2">
-        <a:scrgbClr r="0" g="0" b="0"/>
-      </a:lnRef>
-      <a:fillRef idx="1">
-        <a:scrgbClr r="0" g="0" b="0"/>
-      </a:fillRef>
-      <a:effectRef idx="0">
-        <a:scrgbClr r="0" g="0" b="0"/>
-      </a:effectRef>
-      <a:fontRef idx="minor"/>
-    </dgm:style>
-  </dgm:styleLbl>
-  <dgm:styleLbl name="revTx">
-    <dgm:scene3d>
-      <a:camera prst="orthographicFront"/>
-      <a:lightRig rig="threePt" dir="t"/>
-    </dgm:scene3d>
-    <dgm:sp3d/>
-    <dgm:txPr/>
-    <dgm:style>
-      <a:lnRef idx="0">
-        <a:scrgbClr r="0" g="0" b="0"/>
-      </a:lnRef>
-      <a:fillRef idx="0">
-        <a:scrgbClr r="0" g="0" b="0"/>
-      </a:fillRef>
-      <a:effectRef idx="0">
-        <a:scrgbClr r="0" g="0" b="0"/>
-      </a:effectRef>
-      <a:fontRef idx="minor"/>
-    </dgm:style>
-  </dgm:styleLbl>
-</dgm:styleDef>
-</file>
-
 <file path=ppt/diagrams/quickStyle2.xml><?xml version="1.0" encoding="utf-8"?>
 <dgm:styleDef xmlns:dgm="http://schemas.openxmlformats.org/drawingml/2006/diagram" xmlns:a="http://schemas.openxmlformats.org/drawingml/2006/main" uniqueId="urn:microsoft.com/office/officeart/2005/8/quickstyle/simple1">
   <dgm:title val=""/>
@@ -28445,7 +25610,7 @@
           <a:p>
             <a:fld id="{E91DDA50-ABC7-4925-B05D-AC0ABC4936E7}" type="datetimeFigureOut">
               <a:rPr lang="en-US" smtClean="0"/>
-              <a:t>1/13/2023</a:t>
+              <a:t>1/14/2023</a:t>
             </a:fld>
             <a:endParaRPr lang="en-US"/>
           </a:p>
@@ -30810,7 +27975,7 @@
           <a:p>
             <a:fld id="{29134D58-3766-44A1-9C78-2A4754B7E537}" type="datetimeFigureOut">
               <a:rPr lang="en-US" smtClean="0"/>
-              <a:t>1/13/2023</a:t>
+              <a:t>1/14/2023</a:t>
             </a:fld>
             <a:endParaRPr lang="en-US"/>
           </a:p>
@@ -31020,7 +28185,7 @@
           <a:p>
             <a:fld id="{29134D58-3766-44A1-9C78-2A4754B7E537}" type="datetimeFigureOut">
               <a:rPr lang="en-US" smtClean="0"/>
-              <a:t>1/13/2023</a:t>
+              <a:t>1/14/2023</a:t>
             </a:fld>
             <a:endParaRPr lang="en-US"/>
           </a:p>
@@ -31240,7 +28405,7 @@
           <a:p>
             <a:fld id="{29134D58-3766-44A1-9C78-2A4754B7E537}" type="datetimeFigureOut">
               <a:rPr lang="en-US" smtClean="0"/>
-              <a:t>1/13/2023</a:t>
+              <a:t>1/14/2023</a:t>
             </a:fld>
             <a:endParaRPr lang="en-US"/>
           </a:p>
@@ -31450,7 +28615,7 @@
           <a:p>
             <a:fld id="{29134D58-3766-44A1-9C78-2A4754B7E537}" type="datetimeFigureOut">
               <a:rPr lang="en-US" smtClean="0"/>
-              <a:t>1/13/2023</a:t>
+              <a:t>1/14/2023</a:t>
             </a:fld>
             <a:endParaRPr lang="en-US"/>
           </a:p>
@@ -31737,7 +28902,7 @@
           <a:p>
             <a:fld id="{29134D58-3766-44A1-9C78-2A4754B7E537}" type="datetimeFigureOut">
               <a:rPr lang="en-US" smtClean="0"/>
-              <a:t>1/13/2023</a:t>
+              <a:t>1/14/2023</a:t>
             </a:fld>
             <a:endParaRPr lang="en-US"/>
           </a:p>
@@ -32014,7 +29179,7 @@
           <a:p>
             <a:fld id="{29134D58-3766-44A1-9C78-2A4754B7E537}" type="datetimeFigureOut">
               <a:rPr lang="en-US" smtClean="0"/>
-              <a:t>1/13/2023</a:t>
+              <a:t>1/14/2023</a:t>
             </a:fld>
             <a:endParaRPr lang="en-US"/>
           </a:p>
@@ -32438,7 +29603,7 @@
           <a:p>
             <a:fld id="{29134D58-3766-44A1-9C78-2A4754B7E537}" type="datetimeFigureOut">
               <a:rPr lang="en-US" smtClean="0"/>
-              <a:t>1/13/2023</a:t>
+              <a:t>1/14/2023</a:t>
             </a:fld>
             <a:endParaRPr lang="en-US"/>
           </a:p>
@@ -32591,7 +29756,7 @@
           <a:p>
             <a:fld id="{29134D58-3766-44A1-9C78-2A4754B7E537}" type="datetimeFigureOut">
               <a:rPr lang="en-US" smtClean="0"/>
-              <a:t>1/13/2023</a:t>
+              <a:t>1/14/2023</a:t>
             </a:fld>
             <a:endParaRPr lang="en-US"/>
           </a:p>
@@ -32716,7 +29881,7 @@
           <a:p>
             <a:fld id="{29134D58-3766-44A1-9C78-2A4754B7E537}" type="datetimeFigureOut">
               <a:rPr lang="en-US" smtClean="0"/>
-              <a:t>1/13/2023</a:t>
+              <a:t>1/14/2023</a:t>
             </a:fld>
             <a:endParaRPr lang="en-US"/>
           </a:p>
@@ -33039,7 +30204,7 @@
           <a:p>
             <a:fld id="{29134D58-3766-44A1-9C78-2A4754B7E537}" type="datetimeFigureOut">
               <a:rPr lang="en-US" smtClean="0"/>
-              <a:t>1/13/2023</a:t>
+              <a:t>1/14/2023</a:t>
             </a:fld>
             <a:endParaRPr lang="en-US"/>
           </a:p>
@@ -33339,7 +30504,7 @@
           <a:p>
             <a:fld id="{29134D58-3766-44A1-9C78-2A4754B7E537}" type="datetimeFigureOut">
               <a:rPr lang="en-US" smtClean="0"/>
-              <a:t>1/13/2023</a:t>
+              <a:t>1/14/2023</a:t>
             </a:fld>
             <a:endParaRPr lang="en-US"/>
           </a:p>
@@ -33592,7 +30757,7 @@
           <a:p>
             <a:fld id="{29134D58-3766-44A1-9C78-2A4754B7E537}" type="datetimeFigureOut">
               <a:rPr lang="en-US" smtClean="0"/>
-              <a:t>1/13/2023</a:t>
+              <a:t>1/14/2023</a:t>
             </a:fld>
             <a:endParaRPr lang="en-US"/>
           </a:p>
@@ -37631,7 +34796,7 @@
           <a:lstStyle/>
           <a:p>
             <a:r>
-              <a:rPr lang="en-US" sz="5400"/>
+              <a:rPr lang="en-US" sz="5400" dirty="0"/>
               <a:t>CIE </a:t>
             </a:r>
           </a:p>
@@ -42482,10 +39647,10 @@
       </p:grpSpPr>
       <p:sp useBgFill="1">
         <p:nvSpPr>
-          <p:cNvPr id="34" name="Rectangle 25">
+          <p:cNvPr id="39" name="Rectangle 38">
             <a:extLst>
               <a:ext uri="{FF2B5EF4-FFF2-40B4-BE49-F238E27FC236}">
-                <a16:creationId xmlns:a16="http://schemas.microsoft.com/office/drawing/2014/main" id="{955A2079-FA98-4876-80F0-72364A7D2EA4}"/>
+                <a16:creationId xmlns:a16="http://schemas.microsoft.com/office/drawing/2014/main" id="{100EDD19-6802-4EC3-95CE-CFFAB042CFD6}"/>
               </a:ext>
               <a:ext uri="{C183D7F6-B498-43B3-948B-1728B52AA6E4}">
                 <adec:decorative xmlns:adec="http://schemas.microsoft.com/office/drawing/2017/decorative" val="1"/>
@@ -42505,7 +39670,7 @@
         </p:nvSpPr>
         <p:spPr>
           <a:xfrm>
-            <a:off x="-1" y="0"/>
+            <a:off x="0" y="0"/>
             <a:ext cx="12188952" cy="6858000"/>
           </a:xfrm>
           <a:prstGeom prst="rect">
@@ -42558,8 +39723,8 @@
         </p:nvSpPr>
         <p:spPr>
           <a:xfrm>
-            <a:off x="838200" y="557188"/>
-            <a:ext cx="10515600" cy="1133499"/>
+            <a:off x="838200" y="365125"/>
+            <a:ext cx="10515600" cy="1325563"/>
           </a:xfrm>
         </p:spPr>
         <p:txBody>
@@ -42568,75 +39733,1015 @@
           </a:bodyPr>
           <a:lstStyle/>
           <a:p>
-            <a:pPr algn="ctr"/>
-            <a:r>
-              <a:rPr lang="en-US" sz="5200" b="0" i="0">
+            <a:r>
+              <a:rPr lang="en-US" sz="5400" b="0" i="0">
                 <a:effectLst/>
                 <a:latin typeface="-apple-system"/>
               </a:rPr>
               <a:t> </a:t>
             </a:r>
             <a:r>
-              <a:rPr lang="en-US" sz="5200">
+              <a:rPr lang="en-US" sz="5400">
                 <a:latin typeface="-apple-system"/>
               </a:rPr>
               <a:t>P</a:t>
             </a:r>
             <a:r>
-              <a:rPr lang="en-US" sz="5200" b="0" i="0">
+              <a:rPr lang="en-US" sz="5400" b="0" i="0">
                 <a:effectLst/>
                 <a:latin typeface="-apple-system"/>
               </a:rPr>
               <a:t>oužité </a:t>
             </a:r>
             <a:r>
-              <a:rPr lang="en-US" sz="5200">
+              <a:rPr lang="en-US" sz="5400">
                 <a:latin typeface="-apple-system"/>
               </a:rPr>
               <a:t>L</a:t>
             </a:r>
             <a:r>
-              <a:rPr lang="en-US" sz="5200" b="0" i="0">
+              <a:rPr lang="en-US" sz="5400" b="0" i="0">
                 <a:effectLst/>
                 <a:latin typeface="-apple-system"/>
               </a:rPr>
               <a:t>iteratury</a:t>
             </a:r>
-            <a:endParaRPr lang="en-US" sz="5200"/>
+            <a:endParaRPr lang="en-US" sz="5400"/>
           </a:p>
         </p:txBody>
       </p:sp>
-      <p:graphicFrame>
-        <p:nvGraphicFramePr>
-          <p:cNvPr id="21" name="Content Placeholder 2">
+      <p:sp>
+        <p:nvSpPr>
+          <p:cNvPr id="41" name="sketch line">
             <a:extLst>
               <a:ext uri="{FF2B5EF4-FFF2-40B4-BE49-F238E27FC236}">
-                <a16:creationId xmlns:a16="http://schemas.microsoft.com/office/drawing/2014/main" id="{740903EE-929F-FC03-163E-B020EA8BFC0B}"/>
+                <a16:creationId xmlns:a16="http://schemas.microsoft.com/office/drawing/2014/main" id="{DB17E863-922E-4C26-BD64-E8FD41D28661}"/>
+              </a:ext>
+              <a:ext uri="{C183D7F6-B498-43B3-948B-1728B52AA6E4}">
+                <adec:decorative xmlns:adec="http://schemas.microsoft.com/office/drawing/2017/decorative" val="1"/>
               </a:ext>
             </a:extLst>
           </p:cNvPr>
-          <p:cNvGraphicFramePr>
-            <a:graphicFrameLocks noGrp="1"/>
-          </p:cNvGraphicFramePr>
+          <p:cNvSpPr>
+            <a:spLocks noGrp="1" noRot="1" noChangeAspect="1" noMove="1" noResize="1" noEditPoints="1" noAdjustHandles="1" noChangeArrowheads="1" noChangeShapeType="1" noTextEdit="1"/>
+          </p:cNvSpPr>
           <p:nvPr>
-            <p:ph idx="1"/>
             <p:extLst>
-              <p:ext uri="{D42A27DB-BD31-4B8C-83A1-F6EECF244321}">
-                <p14:modId xmlns:p14="http://schemas.microsoft.com/office/powerpoint/2010/main" val="3379458749"/>
+              <p:ext uri="{386F3935-93C4-4BCD-93E2-E3B085C9AB24}">
+                <p16:designElem xmlns:p16="http://schemas.microsoft.com/office/powerpoint/2015/main" val="1"/>
               </p:ext>
             </p:extLst>
           </p:nvPr>
-        </p:nvGraphicFramePr>
-        <p:xfrm>
-          <a:off x="838200" y="1828800"/>
-          <a:ext cx="10515600" cy="4352544"/>
-        </p:xfrm>
-        <a:graphic>
-          <a:graphicData uri="http://schemas.openxmlformats.org/drawingml/2006/diagram">
-            <dgm:relIds xmlns:dgm="http://schemas.openxmlformats.org/drawingml/2006/diagram" xmlns:r="http://schemas.openxmlformats.org/officeDocument/2006/relationships" r:dm="rId2" r:lo="rId3" r:qs="rId4" r:cs="rId5"/>
-          </a:graphicData>
-        </a:graphic>
-      </p:graphicFrame>
+        </p:nvSpPr>
+        <p:spPr>
+          <a:xfrm>
+            <a:off x="669036" y="1677373"/>
+            <a:ext cx="10853928" cy="18288"/>
+          </a:xfrm>
+          <a:custGeom>
+            <a:avLst/>
+            <a:gdLst>
+              <a:gd name="connsiteX0" fmla="*/ 0 w 10853928"/>
+              <a:gd name="connsiteY0" fmla="*/ 0 h 18288"/>
+              <a:gd name="connsiteX1" fmla="*/ 461292 w 10853928"/>
+              <a:gd name="connsiteY1" fmla="*/ 0 h 18288"/>
+              <a:gd name="connsiteX2" fmla="*/ 1139662 w 10853928"/>
+              <a:gd name="connsiteY2" fmla="*/ 0 h 18288"/>
+              <a:gd name="connsiteX3" fmla="*/ 1926572 w 10853928"/>
+              <a:gd name="connsiteY3" fmla="*/ 0 h 18288"/>
+              <a:gd name="connsiteX4" fmla="*/ 2279325 w 10853928"/>
+              <a:gd name="connsiteY4" fmla="*/ 0 h 18288"/>
+              <a:gd name="connsiteX5" fmla="*/ 2632078 w 10853928"/>
+              <a:gd name="connsiteY5" fmla="*/ 0 h 18288"/>
+              <a:gd name="connsiteX6" fmla="*/ 3527527 w 10853928"/>
+              <a:gd name="connsiteY6" fmla="*/ 0 h 18288"/>
+              <a:gd name="connsiteX7" fmla="*/ 4205897 w 10853928"/>
+              <a:gd name="connsiteY7" fmla="*/ 0 h 18288"/>
+              <a:gd name="connsiteX8" fmla="*/ 4558650 w 10853928"/>
+              <a:gd name="connsiteY8" fmla="*/ 0 h 18288"/>
+              <a:gd name="connsiteX9" fmla="*/ 5237020 w 10853928"/>
+              <a:gd name="connsiteY9" fmla="*/ 0 h 18288"/>
+              <a:gd name="connsiteX10" fmla="*/ 6132469 w 10853928"/>
+              <a:gd name="connsiteY10" fmla="*/ 0 h 18288"/>
+              <a:gd name="connsiteX11" fmla="*/ 6702301 w 10853928"/>
+              <a:gd name="connsiteY11" fmla="*/ 0 h 18288"/>
+              <a:gd name="connsiteX12" fmla="*/ 7272132 w 10853928"/>
+              <a:gd name="connsiteY12" fmla="*/ 0 h 18288"/>
+              <a:gd name="connsiteX13" fmla="*/ 7950502 w 10853928"/>
+              <a:gd name="connsiteY13" fmla="*/ 0 h 18288"/>
+              <a:gd name="connsiteX14" fmla="*/ 8737412 w 10853928"/>
+              <a:gd name="connsiteY14" fmla="*/ 0 h 18288"/>
+              <a:gd name="connsiteX15" fmla="*/ 9524322 w 10853928"/>
+              <a:gd name="connsiteY15" fmla="*/ 0 h 18288"/>
+              <a:gd name="connsiteX16" fmla="*/ 10853928 w 10853928"/>
+              <a:gd name="connsiteY16" fmla="*/ 0 h 18288"/>
+              <a:gd name="connsiteX17" fmla="*/ 10853928 w 10853928"/>
+              <a:gd name="connsiteY17" fmla="*/ 18288 h 18288"/>
+              <a:gd name="connsiteX18" fmla="*/ 10392636 w 10853928"/>
+              <a:gd name="connsiteY18" fmla="*/ 18288 h 18288"/>
+              <a:gd name="connsiteX19" fmla="*/ 9497187 w 10853928"/>
+              <a:gd name="connsiteY19" fmla="*/ 18288 h 18288"/>
+              <a:gd name="connsiteX20" fmla="*/ 8818817 w 10853928"/>
+              <a:gd name="connsiteY20" fmla="*/ 18288 h 18288"/>
+              <a:gd name="connsiteX21" fmla="*/ 8466064 w 10853928"/>
+              <a:gd name="connsiteY21" fmla="*/ 18288 h 18288"/>
+              <a:gd name="connsiteX22" fmla="*/ 7787693 w 10853928"/>
+              <a:gd name="connsiteY22" fmla="*/ 18288 h 18288"/>
+              <a:gd name="connsiteX23" fmla="*/ 7217862 w 10853928"/>
+              <a:gd name="connsiteY23" fmla="*/ 18288 h 18288"/>
+              <a:gd name="connsiteX24" fmla="*/ 6648031 w 10853928"/>
+              <a:gd name="connsiteY24" fmla="*/ 18288 h 18288"/>
+              <a:gd name="connsiteX25" fmla="*/ 6078200 w 10853928"/>
+              <a:gd name="connsiteY25" fmla="*/ 18288 h 18288"/>
+              <a:gd name="connsiteX26" fmla="*/ 5508368 w 10853928"/>
+              <a:gd name="connsiteY26" fmla="*/ 18288 h 18288"/>
+              <a:gd name="connsiteX27" fmla="*/ 4721459 w 10853928"/>
+              <a:gd name="connsiteY27" fmla="*/ 18288 h 18288"/>
+              <a:gd name="connsiteX28" fmla="*/ 4043088 w 10853928"/>
+              <a:gd name="connsiteY28" fmla="*/ 18288 h 18288"/>
+              <a:gd name="connsiteX29" fmla="*/ 3690336 w 10853928"/>
+              <a:gd name="connsiteY29" fmla="*/ 18288 h 18288"/>
+              <a:gd name="connsiteX30" fmla="*/ 3120504 w 10853928"/>
+              <a:gd name="connsiteY30" fmla="*/ 18288 h 18288"/>
+              <a:gd name="connsiteX31" fmla="*/ 2333595 w 10853928"/>
+              <a:gd name="connsiteY31" fmla="*/ 18288 h 18288"/>
+              <a:gd name="connsiteX32" fmla="*/ 1872303 w 10853928"/>
+              <a:gd name="connsiteY32" fmla="*/ 18288 h 18288"/>
+              <a:gd name="connsiteX33" fmla="*/ 976854 w 10853928"/>
+              <a:gd name="connsiteY33" fmla="*/ 18288 h 18288"/>
+              <a:gd name="connsiteX34" fmla="*/ 0 w 10853928"/>
+              <a:gd name="connsiteY34" fmla="*/ 18288 h 18288"/>
+              <a:gd name="connsiteX35" fmla="*/ 0 w 10853928"/>
+              <a:gd name="connsiteY35" fmla="*/ 0 h 18288"/>
+            </a:gdLst>
+            <a:ahLst/>
+            <a:cxnLst>
+              <a:cxn ang="0">
+                <a:pos x="connsiteX0" y="connsiteY0"/>
+              </a:cxn>
+              <a:cxn ang="0">
+                <a:pos x="connsiteX1" y="connsiteY1"/>
+              </a:cxn>
+              <a:cxn ang="0">
+                <a:pos x="connsiteX2" y="connsiteY2"/>
+              </a:cxn>
+              <a:cxn ang="0">
+                <a:pos x="connsiteX3" y="connsiteY3"/>
+              </a:cxn>
+              <a:cxn ang="0">
+                <a:pos x="connsiteX4" y="connsiteY4"/>
+              </a:cxn>
+              <a:cxn ang="0">
+                <a:pos x="connsiteX5" y="connsiteY5"/>
+              </a:cxn>
+              <a:cxn ang="0">
+                <a:pos x="connsiteX6" y="connsiteY6"/>
+              </a:cxn>
+              <a:cxn ang="0">
+                <a:pos x="connsiteX7" y="connsiteY7"/>
+              </a:cxn>
+              <a:cxn ang="0">
+                <a:pos x="connsiteX8" y="connsiteY8"/>
+              </a:cxn>
+              <a:cxn ang="0">
+                <a:pos x="connsiteX9" y="connsiteY9"/>
+              </a:cxn>
+              <a:cxn ang="0">
+                <a:pos x="connsiteX10" y="connsiteY10"/>
+              </a:cxn>
+              <a:cxn ang="0">
+                <a:pos x="connsiteX11" y="connsiteY11"/>
+              </a:cxn>
+              <a:cxn ang="0">
+                <a:pos x="connsiteX12" y="connsiteY12"/>
+              </a:cxn>
+              <a:cxn ang="0">
+                <a:pos x="connsiteX13" y="connsiteY13"/>
+              </a:cxn>
+              <a:cxn ang="0">
+                <a:pos x="connsiteX14" y="connsiteY14"/>
+              </a:cxn>
+              <a:cxn ang="0">
+                <a:pos x="connsiteX15" y="connsiteY15"/>
+              </a:cxn>
+              <a:cxn ang="0">
+                <a:pos x="connsiteX16" y="connsiteY16"/>
+              </a:cxn>
+              <a:cxn ang="0">
+                <a:pos x="connsiteX17" y="connsiteY17"/>
+              </a:cxn>
+              <a:cxn ang="0">
+                <a:pos x="connsiteX18" y="connsiteY18"/>
+              </a:cxn>
+              <a:cxn ang="0">
+                <a:pos x="connsiteX19" y="connsiteY19"/>
+              </a:cxn>
+              <a:cxn ang="0">
+                <a:pos x="connsiteX20" y="connsiteY20"/>
+              </a:cxn>
+              <a:cxn ang="0">
+                <a:pos x="connsiteX21" y="connsiteY21"/>
+              </a:cxn>
+              <a:cxn ang="0">
+                <a:pos x="connsiteX22" y="connsiteY22"/>
+              </a:cxn>
+              <a:cxn ang="0">
+                <a:pos x="connsiteX23" y="connsiteY23"/>
+              </a:cxn>
+              <a:cxn ang="0">
+                <a:pos x="connsiteX24" y="connsiteY24"/>
+              </a:cxn>
+              <a:cxn ang="0">
+                <a:pos x="connsiteX25" y="connsiteY25"/>
+              </a:cxn>
+              <a:cxn ang="0">
+                <a:pos x="connsiteX26" y="connsiteY26"/>
+              </a:cxn>
+              <a:cxn ang="0">
+                <a:pos x="connsiteX27" y="connsiteY27"/>
+              </a:cxn>
+              <a:cxn ang="0">
+                <a:pos x="connsiteX28" y="connsiteY28"/>
+              </a:cxn>
+              <a:cxn ang="0">
+                <a:pos x="connsiteX29" y="connsiteY29"/>
+              </a:cxn>
+              <a:cxn ang="0">
+                <a:pos x="connsiteX30" y="connsiteY30"/>
+              </a:cxn>
+              <a:cxn ang="0">
+                <a:pos x="connsiteX31" y="connsiteY31"/>
+              </a:cxn>
+              <a:cxn ang="0">
+                <a:pos x="connsiteX32" y="connsiteY32"/>
+              </a:cxn>
+              <a:cxn ang="0">
+                <a:pos x="connsiteX33" y="connsiteY33"/>
+              </a:cxn>
+              <a:cxn ang="0">
+                <a:pos x="connsiteX34" y="connsiteY34"/>
+              </a:cxn>
+              <a:cxn ang="0">
+                <a:pos x="connsiteX35" y="connsiteY35"/>
+              </a:cxn>
+            </a:cxnLst>
+            <a:rect l="l" t="t" r="r" b="b"/>
+            <a:pathLst>
+              <a:path w="10853928" h="18288" fill="none" extrusionOk="0">
+                <a:moveTo>
+                  <a:pt x="0" y="0"/>
+                </a:moveTo>
+                <a:cubicBezTo>
+                  <a:pt x="146993" y="-19076"/>
+                  <a:pt x="347684" y="-4790"/>
+                  <a:pt x="461292" y="0"/>
+                </a:cubicBezTo>
+                <a:cubicBezTo>
+                  <a:pt x="574900" y="4790"/>
+                  <a:pt x="808367" y="19821"/>
+                  <a:pt x="1139662" y="0"/>
+                </a:cubicBezTo>
+                <a:cubicBezTo>
+                  <a:pt x="1470957" y="-19821"/>
+                  <a:pt x="1627405" y="5721"/>
+                  <a:pt x="1926572" y="0"/>
+                </a:cubicBezTo>
+                <a:cubicBezTo>
+                  <a:pt x="2225739" y="-5721"/>
+                  <a:pt x="2137730" y="-3235"/>
+                  <a:pt x="2279325" y="0"/>
+                </a:cubicBezTo>
+                <a:cubicBezTo>
+                  <a:pt x="2420920" y="3235"/>
+                  <a:pt x="2456518" y="9685"/>
+                  <a:pt x="2632078" y="0"/>
+                </a:cubicBezTo>
+                <a:cubicBezTo>
+                  <a:pt x="2807638" y="-9685"/>
+                  <a:pt x="3211516" y="-43007"/>
+                  <a:pt x="3527527" y="0"/>
+                </a:cubicBezTo>
+                <a:cubicBezTo>
+                  <a:pt x="3843538" y="43007"/>
+                  <a:pt x="4058833" y="22042"/>
+                  <a:pt x="4205897" y="0"/>
+                </a:cubicBezTo>
+                <a:cubicBezTo>
+                  <a:pt x="4352961" y="-22042"/>
+                  <a:pt x="4474805" y="-11846"/>
+                  <a:pt x="4558650" y="0"/>
+                </a:cubicBezTo>
+                <a:cubicBezTo>
+                  <a:pt x="4642495" y="11846"/>
+                  <a:pt x="5041928" y="-6069"/>
+                  <a:pt x="5237020" y="0"/>
+                </a:cubicBezTo>
+                <a:cubicBezTo>
+                  <a:pt x="5432112" y="6069"/>
+                  <a:pt x="5943266" y="-17479"/>
+                  <a:pt x="6132469" y="0"/>
+                </a:cubicBezTo>
+                <a:cubicBezTo>
+                  <a:pt x="6321672" y="17479"/>
+                  <a:pt x="6483872" y="26234"/>
+                  <a:pt x="6702301" y="0"/>
+                </a:cubicBezTo>
+                <a:cubicBezTo>
+                  <a:pt x="6920730" y="-26234"/>
+                  <a:pt x="6991194" y="-15156"/>
+                  <a:pt x="7272132" y="0"/>
+                </a:cubicBezTo>
+                <a:cubicBezTo>
+                  <a:pt x="7553070" y="15156"/>
+                  <a:pt x="7684444" y="-32961"/>
+                  <a:pt x="7950502" y="0"/>
+                </a:cubicBezTo>
+                <a:cubicBezTo>
+                  <a:pt x="8216560" y="32961"/>
+                  <a:pt x="8493290" y="-10491"/>
+                  <a:pt x="8737412" y="0"/>
+                </a:cubicBezTo>
+                <a:cubicBezTo>
+                  <a:pt x="8981534" y="10491"/>
+                  <a:pt x="9191586" y="-13899"/>
+                  <a:pt x="9524322" y="0"/>
+                </a:cubicBezTo>
+                <a:cubicBezTo>
+                  <a:pt x="9857058" y="13899"/>
+                  <a:pt x="10297509" y="7485"/>
+                  <a:pt x="10853928" y="0"/>
+                </a:cubicBezTo>
+                <a:cubicBezTo>
+                  <a:pt x="10854574" y="4451"/>
+                  <a:pt x="10854418" y="9226"/>
+                  <a:pt x="10853928" y="18288"/>
+                </a:cubicBezTo>
+                <a:cubicBezTo>
+                  <a:pt x="10691638" y="28522"/>
+                  <a:pt x="10574319" y="29578"/>
+                  <a:pt x="10392636" y="18288"/>
+                </a:cubicBezTo>
+                <a:cubicBezTo>
+                  <a:pt x="10210953" y="6998"/>
+                  <a:pt x="9836277" y="-16742"/>
+                  <a:pt x="9497187" y="18288"/>
+                </a:cubicBezTo>
+                <a:cubicBezTo>
+                  <a:pt x="9158097" y="53318"/>
+                  <a:pt x="9119479" y="30714"/>
+                  <a:pt x="8818817" y="18288"/>
+                </a:cubicBezTo>
+                <a:cubicBezTo>
+                  <a:pt x="8518155" y="5863"/>
+                  <a:pt x="8640037" y="6483"/>
+                  <a:pt x="8466064" y="18288"/>
+                </a:cubicBezTo>
+                <a:cubicBezTo>
+                  <a:pt x="8292091" y="30093"/>
+                  <a:pt x="7997656" y="18914"/>
+                  <a:pt x="7787693" y="18288"/>
+                </a:cubicBezTo>
+                <a:cubicBezTo>
+                  <a:pt x="7577730" y="17662"/>
+                  <a:pt x="7412468" y="21416"/>
+                  <a:pt x="7217862" y="18288"/>
+                </a:cubicBezTo>
+                <a:cubicBezTo>
+                  <a:pt x="7023256" y="15160"/>
+                  <a:pt x="6898018" y="14824"/>
+                  <a:pt x="6648031" y="18288"/>
+                </a:cubicBezTo>
+                <a:cubicBezTo>
+                  <a:pt x="6398044" y="21752"/>
+                  <a:pt x="6254402" y="38625"/>
+                  <a:pt x="6078200" y="18288"/>
+                </a:cubicBezTo>
+                <a:cubicBezTo>
+                  <a:pt x="5901998" y="-2049"/>
+                  <a:pt x="5622886" y="3213"/>
+                  <a:pt x="5508368" y="18288"/>
+                </a:cubicBezTo>
+                <a:cubicBezTo>
+                  <a:pt x="5393850" y="33363"/>
+                  <a:pt x="5036260" y="26830"/>
+                  <a:pt x="4721459" y="18288"/>
+                </a:cubicBezTo>
+                <a:cubicBezTo>
+                  <a:pt x="4406658" y="9746"/>
+                  <a:pt x="4239221" y="41551"/>
+                  <a:pt x="4043088" y="18288"/>
+                </a:cubicBezTo>
+                <a:cubicBezTo>
+                  <a:pt x="3846955" y="-4975"/>
+                  <a:pt x="3818802" y="34658"/>
+                  <a:pt x="3690336" y="18288"/>
+                </a:cubicBezTo>
+                <a:cubicBezTo>
+                  <a:pt x="3561870" y="1918"/>
+                  <a:pt x="3265491" y="42194"/>
+                  <a:pt x="3120504" y="18288"/>
+                </a:cubicBezTo>
+                <a:cubicBezTo>
+                  <a:pt x="2975517" y="-5618"/>
+                  <a:pt x="2720254" y="36673"/>
+                  <a:pt x="2333595" y="18288"/>
+                </a:cubicBezTo>
+                <a:cubicBezTo>
+                  <a:pt x="1946936" y="-97"/>
+                  <a:pt x="2097241" y="5776"/>
+                  <a:pt x="1872303" y="18288"/>
+                </a:cubicBezTo>
+                <a:cubicBezTo>
+                  <a:pt x="1647365" y="30800"/>
+                  <a:pt x="1282708" y="45380"/>
+                  <a:pt x="976854" y="18288"/>
+                </a:cubicBezTo>
+                <a:cubicBezTo>
+                  <a:pt x="671000" y="-8804"/>
+                  <a:pt x="408401" y="-12775"/>
+                  <a:pt x="0" y="18288"/>
+                </a:cubicBezTo>
+                <a:cubicBezTo>
+                  <a:pt x="-213" y="9468"/>
+                  <a:pt x="187" y="4459"/>
+                  <a:pt x="0" y="0"/>
+                </a:cubicBezTo>
+                <a:close/>
+              </a:path>
+              <a:path w="10853928" h="18288" stroke="0" extrusionOk="0">
+                <a:moveTo>
+                  <a:pt x="0" y="0"/>
+                </a:moveTo>
+                <a:cubicBezTo>
+                  <a:pt x="267322" y="15284"/>
+                  <a:pt x="415388" y="-21048"/>
+                  <a:pt x="569831" y="0"/>
+                </a:cubicBezTo>
+                <a:cubicBezTo>
+                  <a:pt x="724274" y="21048"/>
+                  <a:pt x="769333" y="-2353"/>
+                  <a:pt x="922584" y="0"/>
+                </a:cubicBezTo>
+                <a:cubicBezTo>
+                  <a:pt x="1075835" y="2353"/>
+                  <a:pt x="1399490" y="-145"/>
+                  <a:pt x="1818033" y="0"/>
+                </a:cubicBezTo>
+                <a:cubicBezTo>
+                  <a:pt x="2236576" y="145"/>
+                  <a:pt x="2145330" y="5482"/>
+                  <a:pt x="2387864" y="0"/>
+                </a:cubicBezTo>
+                <a:cubicBezTo>
+                  <a:pt x="2630398" y="-5482"/>
+                  <a:pt x="2793207" y="18487"/>
+                  <a:pt x="2957695" y="0"/>
+                </a:cubicBezTo>
+                <a:cubicBezTo>
+                  <a:pt x="3122183" y="-18487"/>
+                  <a:pt x="3579141" y="19003"/>
+                  <a:pt x="3853144" y="0"/>
+                </a:cubicBezTo>
+                <a:cubicBezTo>
+                  <a:pt x="4127147" y="-19003"/>
+                  <a:pt x="4209857" y="12211"/>
+                  <a:pt x="4314436" y="0"/>
+                </a:cubicBezTo>
+                <a:cubicBezTo>
+                  <a:pt x="4419015" y="-12211"/>
+                  <a:pt x="4762459" y="-17220"/>
+                  <a:pt x="5209885" y="0"/>
+                </a:cubicBezTo>
+                <a:cubicBezTo>
+                  <a:pt x="5657311" y="17220"/>
+                  <a:pt x="5692663" y="-3290"/>
+                  <a:pt x="6105335" y="0"/>
+                </a:cubicBezTo>
+                <a:cubicBezTo>
+                  <a:pt x="6518007" y="3290"/>
+                  <a:pt x="6455516" y="-5124"/>
+                  <a:pt x="6783705" y="0"/>
+                </a:cubicBezTo>
+                <a:cubicBezTo>
+                  <a:pt x="7111894" y="5124"/>
+                  <a:pt x="7441941" y="-17829"/>
+                  <a:pt x="7679154" y="0"/>
+                </a:cubicBezTo>
+                <a:cubicBezTo>
+                  <a:pt x="7916367" y="17829"/>
+                  <a:pt x="8102967" y="-24363"/>
+                  <a:pt x="8248985" y="0"/>
+                </a:cubicBezTo>
+                <a:cubicBezTo>
+                  <a:pt x="8395003" y="24363"/>
+                  <a:pt x="8552393" y="25505"/>
+                  <a:pt x="8818817" y="0"/>
+                </a:cubicBezTo>
+                <a:cubicBezTo>
+                  <a:pt x="9085241" y="-25505"/>
+                  <a:pt x="9411308" y="38000"/>
+                  <a:pt x="9605726" y="0"/>
+                </a:cubicBezTo>
+                <a:cubicBezTo>
+                  <a:pt x="9800144" y="-38000"/>
+                  <a:pt x="10006468" y="-25741"/>
+                  <a:pt x="10175558" y="0"/>
+                </a:cubicBezTo>
+                <a:cubicBezTo>
+                  <a:pt x="10344648" y="25741"/>
+                  <a:pt x="10696282" y="695"/>
+                  <a:pt x="10853928" y="0"/>
+                </a:cubicBezTo>
+                <a:cubicBezTo>
+                  <a:pt x="10853521" y="8690"/>
+                  <a:pt x="10853774" y="14141"/>
+                  <a:pt x="10853928" y="18288"/>
+                </a:cubicBezTo>
+                <a:cubicBezTo>
+                  <a:pt x="10608124" y="24255"/>
+                  <a:pt x="10343415" y="22307"/>
+                  <a:pt x="10067018" y="18288"/>
+                </a:cubicBezTo>
+                <a:cubicBezTo>
+                  <a:pt x="9790621" y="14270"/>
+                  <a:pt x="9843266" y="3564"/>
+                  <a:pt x="9714266" y="18288"/>
+                </a:cubicBezTo>
+                <a:cubicBezTo>
+                  <a:pt x="9585266" y="33012"/>
+                  <a:pt x="9379484" y="1875"/>
+                  <a:pt x="9252974" y="18288"/>
+                </a:cubicBezTo>
+                <a:cubicBezTo>
+                  <a:pt x="9126464" y="34701"/>
+                  <a:pt x="8580678" y="-4904"/>
+                  <a:pt x="8357525" y="18288"/>
+                </a:cubicBezTo>
+                <a:cubicBezTo>
+                  <a:pt x="8134372" y="41480"/>
+                  <a:pt x="7903199" y="26458"/>
+                  <a:pt x="7679154" y="18288"/>
+                </a:cubicBezTo>
+                <a:cubicBezTo>
+                  <a:pt x="7455109" y="10118"/>
+                  <a:pt x="7435944" y="27109"/>
+                  <a:pt x="7217862" y="18288"/>
+                </a:cubicBezTo>
+                <a:cubicBezTo>
+                  <a:pt x="6999780" y="9467"/>
+                  <a:pt x="6680409" y="18985"/>
+                  <a:pt x="6539492" y="18288"/>
+                </a:cubicBezTo>
+                <a:cubicBezTo>
+                  <a:pt x="6398575" y="17592"/>
+                  <a:pt x="6312077" y="33018"/>
+                  <a:pt x="6186739" y="18288"/>
+                </a:cubicBezTo>
+                <a:cubicBezTo>
+                  <a:pt x="6061401" y="3558"/>
+                  <a:pt x="5947033" y="12075"/>
+                  <a:pt x="5833986" y="18288"/>
+                </a:cubicBezTo>
+                <a:cubicBezTo>
+                  <a:pt x="5720939" y="24501"/>
+                  <a:pt x="5482226" y="8586"/>
+                  <a:pt x="5155616" y="18288"/>
+                </a:cubicBezTo>
+                <a:cubicBezTo>
+                  <a:pt x="4829006" y="27991"/>
+                  <a:pt x="4841274" y="29316"/>
+                  <a:pt x="4694324" y="18288"/>
+                </a:cubicBezTo>
+                <a:cubicBezTo>
+                  <a:pt x="4547374" y="7260"/>
+                  <a:pt x="4077675" y="7013"/>
+                  <a:pt x="3907414" y="18288"/>
+                </a:cubicBezTo>
+                <a:cubicBezTo>
+                  <a:pt x="3737153" y="29564"/>
+                  <a:pt x="3538393" y="21630"/>
+                  <a:pt x="3446122" y="18288"/>
+                </a:cubicBezTo>
+                <a:cubicBezTo>
+                  <a:pt x="3353851" y="14946"/>
+                  <a:pt x="2990320" y="-8091"/>
+                  <a:pt x="2659212" y="18288"/>
+                </a:cubicBezTo>
+                <a:cubicBezTo>
+                  <a:pt x="2328104" y="44667"/>
+                  <a:pt x="2427653" y="9607"/>
+                  <a:pt x="2306460" y="18288"/>
+                </a:cubicBezTo>
+                <a:cubicBezTo>
+                  <a:pt x="2185267" y="26969"/>
+                  <a:pt x="1719763" y="3717"/>
+                  <a:pt x="1519550" y="18288"/>
+                </a:cubicBezTo>
+                <a:cubicBezTo>
+                  <a:pt x="1319337" y="32860"/>
+                  <a:pt x="1167371" y="17040"/>
+                  <a:pt x="1058258" y="18288"/>
+                </a:cubicBezTo>
+                <a:cubicBezTo>
+                  <a:pt x="949145" y="19536"/>
+                  <a:pt x="780234" y="31447"/>
+                  <a:pt x="705505" y="18288"/>
+                </a:cubicBezTo>
+                <a:cubicBezTo>
+                  <a:pt x="630776" y="5129"/>
+                  <a:pt x="215796" y="30056"/>
+                  <a:pt x="0" y="18288"/>
+                </a:cubicBezTo>
+                <a:cubicBezTo>
+                  <a:pt x="-53" y="11301"/>
+                  <a:pt x="-649" y="7756"/>
+                  <a:pt x="0" y="0"/>
+                </a:cubicBezTo>
+                <a:close/>
+              </a:path>
+            </a:pathLst>
+          </a:custGeom>
+          <a:solidFill>
+            <a:schemeClr val="accent2"/>
+          </a:solidFill>
+          <a:ln w="41275" cap="rnd">
+            <a:solidFill>
+              <a:schemeClr val="accent2"/>
+            </a:solidFill>
+            <a:round/>
+            <a:extLst>
+              <a:ext uri="{C807C97D-BFC1-408E-A445-0C87EB9F89A2}">
+                <ask:lineSketchStyleProps xmlns:ask="http://schemas.microsoft.com/office/drawing/2018/sketchyshapes" sd="1219033472">
+                  <a:prstGeom prst="rect">
+                    <a:avLst/>
+                  </a:prstGeom>
+                  <ask:type>
+                    <ask:lineSketchFreehand/>
+                  </ask:type>
+                </ask:lineSketchStyleProps>
+              </a:ext>
+            </a:extLst>
+          </a:ln>
+        </p:spPr>
+        <p:style>
+          <a:lnRef idx="2">
+            <a:schemeClr val="accent1">
+              <a:shade val="50000"/>
+            </a:schemeClr>
+          </a:lnRef>
+          <a:fillRef idx="1">
+            <a:schemeClr val="accent1"/>
+          </a:fillRef>
+          <a:effectRef idx="0">
+            <a:schemeClr val="accent1"/>
+          </a:effectRef>
+          <a:fontRef idx="minor">
+            <a:schemeClr val="lt1"/>
+          </a:fontRef>
+        </p:style>
+        <p:txBody>
+          <a:bodyPr rtlCol="0" anchor="ctr"/>
+          <a:lstStyle/>
+          <a:p>
+            <a:pPr algn="ctr"/>
+            <a:endParaRPr lang="en-US"/>
+          </a:p>
+        </p:txBody>
+      </p:sp>
+      <p:sp>
+        <p:nvSpPr>
+          <p:cNvPr id="4" name="Content Placeholder 3">
+            <a:extLst>
+              <a:ext uri="{FF2B5EF4-FFF2-40B4-BE49-F238E27FC236}">
+                <a16:creationId xmlns:a16="http://schemas.microsoft.com/office/drawing/2014/main" id="{98C322F9-62D5-000E-F7B6-036E817F1549}"/>
+              </a:ext>
+            </a:extLst>
+          </p:cNvPr>
+          <p:cNvSpPr>
+            <a:spLocks noGrp="1"/>
+          </p:cNvSpPr>
+          <p:nvPr>
+            <p:ph idx="1"/>
+          </p:nvPr>
+        </p:nvSpPr>
+        <p:spPr>
+          <a:xfrm>
+            <a:off x="838200" y="1929384"/>
+            <a:ext cx="10515600" cy="4251960"/>
+          </a:xfrm>
+        </p:spPr>
+        <p:txBody>
+          <a:bodyPr>
+            <a:normAutofit/>
+          </a:bodyPr>
+          <a:lstStyle/>
+          <a:p>
+            <a:r>
+              <a:rPr lang="en-US" sz="1400" b="0" i="0">
+                <a:effectLst/>
+                <a:latin typeface="Open Sans" panose="020B0604020202020204" pitchFamily="34" charset="0"/>
+              </a:rPr>
+              <a:t>Barevná hloubka. In: </a:t>
+            </a:r>
+            <a:r>
+              <a:rPr lang="en-US" sz="1400" b="0" i="1">
+                <a:effectLst/>
+                <a:latin typeface="Open Sans" panose="020B0604020202020204" pitchFamily="34" charset="0"/>
+              </a:rPr>
+              <a:t>Wikipedia: the free encyclopedia</a:t>
+            </a:r>
+            <a:r>
+              <a:rPr lang="en-US" sz="1400" b="0" i="0">
+                <a:effectLst/>
+                <a:latin typeface="Open Sans" panose="020B0604020202020204" pitchFamily="34" charset="0"/>
+              </a:rPr>
+              <a:t> [online]. San Francisco (CA): Wikimedia Foundation, 2001- 2022, 11. 4. 2022 [cit. 2023-01-14]. Dostupné z: </a:t>
+            </a:r>
+            <a:r>
+              <a:rPr lang="en-US" sz="1400" b="0" i="0">
+                <a:effectLst/>
+                <a:latin typeface="Open Sans" panose="020B0604020202020204" pitchFamily="34" charset="0"/>
+                <a:hlinkClick r:id="rId2"/>
+              </a:rPr>
+              <a:t>https://cs.wikipedia.org/wiki/Barevn%C3%A1_hloubka</a:t>
+            </a:r>
+            <a:endParaRPr lang="en-US" sz="1400" b="0" i="0">
+              <a:effectLst/>
+              <a:latin typeface="Open Sans" panose="020B0604020202020204" pitchFamily="34" charset="0"/>
+            </a:endParaRPr>
+          </a:p>
+          <a:p>
+            <a:r>
+              <a:rPr lang="en-US" sz="1400" b="0" i="0">
+                <a:effectLst/>
+                <a:latin typeface="Open Sans" panose="020B0606030504020204" pitchFamily="34" charset="0"/>
+              </a:rPr>
+              <a:t>Pixel. In: </a:t>
+            </a:r>
+            <a:r>
+              <a:rPr lang="en-US" sz="1400" b="0" i="1">
+                <a:effectLst/>
+                <a:latin typeface="Open Sans" panose="020B0606030504020204" pitchFamily="34" charset="0"/>
+              </a:rPr>
+              <a:t>Wikipedia: the free encyclopedia</a:t>
+            </a:r>
+            <a:r>
+              <a:rPr lang="en-US" sz="1400" b="0" i="0">
+                <a:effectLst/>
+                <a:latin typeface="Open Sans" panose="020B0606030504020204" pitchFamily="34" charset="0"/>
+              </a:rPr>
+              <a:t> [online]. San Francisco (CA): Wikimedia Foundation, 2001- 2022, 2. 6. 2022 [cit. 2023-01-14]. Dostupné z: </a:t>
+            </a:r>
+            <a:r>
+              <a:rPr lang="en-US" sz="1400" b="0" i="0">
+                <a:effectLst/>
+                <a:latin typeface="Open Sans" panose="020B0606030504020204" pitchFamily="34" charset="0"/>
+                <a:hlinkClick r:id="rId3"/>
+              </a:rPr>
+              <a:t>https://cs.wikipedia.org/wiki/Pixel</a:t>
+            </a:r>
+            <a:endParaRPr lang="en-US" sz="1400">
+              <a:latin typeface="Open Sans" panose="020B0604020202020204" pitchFamily="34" charset="0"/>
+            </a:endParaRPr>
+          </a:p>
+          <a:p>
+            <a:r>
+              <a:rPr lang="en-US" sz="1400" b="0" i="0">
+                <a:effectLst/>
+                <a:latin typeface="Open Sans" panose="020B0606030504020204" pitchFamily="34" charset="0"/>
+              </a:rPr>
+              <a:t>RGB. In: </a:t>
+            </a:r>
+            <a:r>
+              <a:rPr lang="en-US" sz="1400" b="0" i="1">
+                <a:effectLst/>
+                <a:latin typeface="Open Sans" panose="020B0606030504020204" pitchFamily="34" charset="0"/>
+              </a:rPr>
+              <a:t>Wikipedia: the free encyclopedia</a:t>
+            </a:r>
+            <a:r>
+              <a:rPr lang="en-US" sz="1400" b="0" i="0">
+                <a:effectLst/>
+                <a:latin typeface="Open Sans" panose="020B0606030504020204" pitchFamily="34" charset="0"/>
+              </a:rPr>
+              <a:t> [online]. San Francisco (CA): Wikimedia Foundation, 2001- 2022, 17. 10. 2022 [cit. 2023-01-14]. Dostupné z: </a:t>
+            </a:r>
+            <a:r>
+              <a:rPr lang="en-US" sz="1400" b="0" i="0">
+                <a:effectLst/>
+                <a:latin typeface="Open Sans" panose="020B0606030504020204" pitchFamily="34" charset="0"/>
+                <a:hlinkClick r:id="rId4"/>
+              </a:rPr>
+              <a:t>https://cs.wikipedia.org/wiki/RGB</a:t>
+            </a:r>
+            <a:endParaRPr lang="en-US" sz="1400" b="0" i="0">
+              <a:effectLst/>
+              <a:latin typeface="Open Sans" panose="020B0606030504020204" pitchFamily="34" charset="0"/>
+            </a:endParaRPr>
+          </a:p>
+          <a:p>
+            <a:r>
+              <a:rPr lang="en-US" sz="1400" b="0" i="0">
+                <a:effectLst/>
+                <a:latin typeface="Open Sans" panose="020B0606030504020204" pitchFamily="34" charset="0"/>
+              </a:rPr>
+              <a:t>Barevný model. In: </a:t>
+            </a:r>
+            <a:r>
+              <a:rPr lang="en-US" sz="1400" b="0" i="1">
+                <a:effectLst/>
+                <a:latin typeface="Open Sans" panose="020B0606030504020204" pitchFamily="34" charset="0"/>
+              </a:rPr>
+              <a:t>Wikipedia: the free encyclopedia</a:t>
+            </a:r>
+            <a:r>
+              <a:rPr lang="en-US" sz="1400" b="0" i="0">
+                <a:effectLst/>
+                <a:latin typeface="Open Sans" panose="020B0606030504020204" pitchFamily="34" charset="0"/>
+              </a:rPr>
+              <a:t> [online]. San Francisco (CA): Wikimedia Foundation, 2001- 2021, 5. 8. 2021 [cit. 2023-01-14]. Dostupné z: </a:t>
+            </a:r>
+            <a:r>
+              <a:rPr lang="en-US" sz="1400" b="0" i="0">
+                <a:effectLst/>
+                <a:latin typeface="Open Sans" panose="020B0606030504020204" pitchFamily="34" charset="0"/>
+                <a:hlinkClick r:id="rId5"/>
+              </a:rPr>
+              <a:t>https://cs.wikipedia.org/wiki/Barevn%C3%BD_model</a:t>
+            </a:r>
+            <a:endParaRPr lang="en-US" sz="1400" b="0" i="0">
+              <a:effectLst/>
+              <a:latin typeface="Open Sans" panose="020B0606030504020204" pitchFamily="34" charset="0"/>
+            </a:endParaRPr>
+          </a:p>
+          <a:p>
+            <a:r>
+              <a:rPr lang="en-US" sz="1400" b="0" i="0">
+                <a:effectLst/>
+                <a:latin typeface="Open Sans" panose="020B0606030504020204" pitchFamily="34" charset="0"/>
+              </a:rPr>
+              <a:t>HSV. In: </a:t>
+            </a:r>
+            <a:r>
+              <a:rPr lang="en-US" sz="1400" b="0" i="1">
+                <a:effectLst/>
+                <a:latin typeface="Open Sans" panose="020B0606030504020204" pitchFamily="34" charset="0"/>
+              </a:rPr>
+              <a:t>Wikipedia: the free encyclopedia</a:t>
+            </a:r>
+            <a:r>
+              <a:rPr lang="en-US" sz="1400" b="0" i="0">
+                <a:effectLst/>
+                <a:latin typeface="Open Sans" panose="020B0606030504020204" pitchFamily="34" charset="0"/>
+              </a:rPr>
+              <a:t> [online]. San Francisco (CA): Wikimedia Foundation, 2001- 2022, 20. 8. 2022 [cit. 2023-01-14]. Dostupné z: </a:t>
+            </a:r>
+            <a:r>
+              <a:rPr lang="en-US" sz="1400" b="0" i="0">
+                <a:effectLst/>
+                <a:latin typeface="Open Sans" panose="020B0606030504020204" pitchFamily="34" charset="0"/>
+                <a:hlinkClick r:id="rId6"/>
+              </a:rPr>
+              <a:t>https://cs.wikipedia.org/wiki/HSV</a:t>
+            </a:r>
+            <a:endParaRPr lang="en-US" sz="1400" b="0" i="0">
+              <a:effectLst/>
+              <a:latin typeface="Open Sans" panose="020B0606030504020204" pitchFamily="34" charset="0"/>
+            </a:endParaRPr>
+          </a:p>
+          <a:p>
+            <a:r>
+              <a:rPr lang="en-US" sz="1400" b="0" i="0">
+                <a:effectLst/>
+                <a:latin typeface="Open Sans" panose="020B0606030504020204" pitchFamily="34" charset="0"/>
+              </a:rPr>
+              <a:t>CMYK. In: </a:t>
+            </a:r>
+            <a:r>
+              <a:rPr lang="en-US" sz="1400" b="0" i="1">
+                <a:effectLst/>
+                <a:latin typeface="Open Sans" panose="020B0606030504020204" pitchFamily="34" charset="0"/>
+              </a:rPr>
+              <a:t>Wikipedia: the free encyclopedia</a:t>
+            </a:r>
+            <a:r>
+              <a:rPr lang="en-US" sz="1400" b="0" i="0">
+                <a:effectLst/>
+                <a:latin typeface="Open Sans" panose="020B0606030504020204" pitchFamily="34" charset="0"/>
+              </a:rPr>
+              <a:t> [online]. San Francisco (CA): Wikimedia Foundation, 2001- 2022, 3. 1. 2022 [cit. 2023-01-14]. Dostupné z: </a:t>
+            </a:r>
+            <a:r>
+              <a:rPr lang="en-US" sz="1400" b="0" i="0">
+                <a:effectLst/>
+                <a:latin typeface="Open Sans" panose="020B0606030504020204" pitchFamily="34" charset="0"/>
+                <a:hlinkClick r:id="rId7"/>
+              </a:rPr>
+              <a:t>https://cs.wikipedia.org/wiki/CMYK</a:t>
+            </a:r>
+            <a:endParaRPr lang="en-US" sz="1400" b="0" i="0">
+              <a:effectLst/>
+              <a:latin typeface="Open Sans" panose="020B0606030504020204" pitchFamily="34" charset="0"/>
+            </a:endParaRPr>
+          </a:p>
+          <a:p>
+            <a:r>
+              <a:rPr lang="en-US" sz="1400" b="0" i="0">
+                <a:effectLst/>
+                <a:latin typeface="Open Sans" panose="020B0606030504020204" pitchFamily="34" charset="0"/>
+              </a:rPr>
+              <a:t>CIE XYZ. In: </a:t>
+            </a:r>
+            <a:r>
+              <a:rPr lang="en-US" sz="1400" b="0" i="1">
+                <a:effectLst/>
+                <a:latin typeface="Open Sans" panose="020B0606030504020204" pitchFamily="34" charset="0"/>
+              </a:rPr>
+              <a:t>Wikipedia: the free encyclopedia</a:t>
+            </a:r>
+            <a:r>
+              <a:rPr lang="en-US" sz="1400" b="0" i="0">
+                <a:effectLst/>
+                <a:latin typeface="Open Sans" panose="020B0606030504020204" pitchFamily="34" charset="0"/>
+              </a:rPr>
+              <a:t> [online]. San Francisco (CA): Wikimedia Foundation, 2022, 20. 8. 2022 [cit. 2023-01-14]. Dostupné z: </a:t>
+            </a:r>
+            <a:r>
+              <a:rPr lang="en-US" sz="1400" b="0" i="0">
+                <a:effectLst/>
+                <a:latin typeface="Open Sans" panose="020B0606030504020204" pitchFamily="34" charset="0"/>
+                <a:hlinkClick r:id="rId8"/>
+              </a:rPr>
+              <a:t>https://cs.wikipedia.org/wiki/CIE_XYZ</a:t>
+            </a:r>
+            <a:endParaRPr lang="en-US" sz="1400" b="0" i="0">
+              <a:effectLst/>
+              <a:latin typeface="Open Sans" panose="020B0606030504020204" pitchFamily="34" charset="0"/>
+            </a:endParaRPr>
+          </a:p>
+          <a:p>
+            <a:r>
+              <a:rPr lang="en-US" sz="1400" b="0" i="0">
+                <a:effectLst/>
+                <a:latin typeface="Open Sans" panose="020B0606030504020204" pitchFamily="34" charset="0"/>
+              </a:rPr>
+              <a:t>CIE 1931 color space. In: </a:t>
+            </a:r>
+            <a:r>
+              <a:rPr lang="en-US" sz="1400" b="0" i="1">
+                <a:effectLst/>
+                <a:latin typeface="Open Sans" panose="020B0606030504020204" pitchFamily="34" charset="0"/>
+              </a:rPr>
+              <a:t>Wikipedia: the free encyclopedia</a:t>
+            </a:r>
+            <a:r>
+              <a:rPr lang="en-US" sz="1400" b="0" i="0">
+                <a:effectLst/>
+                <a:latin typeface="Open Sans" panose="020B0606030504020204" pitchFamily="34" charset="0"/>
+              </a:rPr>
+              <a:t> [online]. San Francisco (CA): Wikimedia Foundation, 2023, 7 January 2023 [cit. 2023-01-14]. Dostupné z: </a:t>
+            </a:r>
+            <a:r>
+              <a:rPr lang="en-US" sz="1400" b="0" i="0">
+                <a:effectLst/>
+                <a:latin typeface="Open Sans" panose="020B0606030504020204" pitchFamily="34" charset="0"/>
+                <a:hlinkClick r:id="rId9"/>
+              </a:rPr>
+              <a:t>https://en.wikipedia.org/wiki/CIE_1931_color_space</a:t>
+            </a:r>
+            <a:endParaRPr lang="en-US" sz="1400" b="0" i="0">
+              <a:effectLst/>
+              <a:latin typeface="Open Sans" panose="020B0606030504020204" pitchFamily="34" charset="0"/>
+            </a:endParaRPr>
+          </a:p>
+          <a:p>
+            <a:endParaRPr lang="en-US" sz="1400" b="0" i="0">
+              <a:effectLst/>
+              <a:latin typeface="Open Sans" panose="020B0606030504020204" pitchFamily="34" charset="0"/>
+            </a:endParaRPr>
+          </a:p>
+          <a:p>
+            <a:endParaRPr lang="en-US" sz="1400">
+              <a:latin typeface="Open Sans" panose="020B0606030504020204" pitchFamily="34" charset="0"/>
+            </a:endParaRPr>
+          </a:p>
+          <a:p>
+            <a:endParaRPr lang="en-US" sz="1400" b="0" i="0">
+              <a:effectLst/>
+              <a:latin typeface="Open Sans" panose="020B0606030504020204" pitchFamily="34" charset="0"/>
+            </a:endParaRPr>
+          </a:p>
+          <a:p>
+            <a:endParaRPr lang="en-US" sz="1400" b="0" i="0">
+              <a:effectLst/>
+              <a:latin typeface="Open Sans" panose="020B0606030504020204" pitchFamily="34" charset="0"/>
+            </a:endParaRPr>
+          </a:p>
+          <a:p>
+            <a:endParaRPr lang="en-US" sz="1400"/>
+          </a:p>
+        </p:txBody>
+      </p:sp>
     </p:spTree>
     <p:extLst>
       <p:ext uri="{BB962C8B-B14F-4D97-AF65-F5344CB8AC3E}">

--- a/Presentation for IT.pptx
+++ b/Presentation for IT.pptx
@@ -8993,7 +8993,7 @@
   <dgm:whole/>
   <dgm:extLst>
     <a:ext uri="http://schemas.microsoft.com/office/drawing/2008/diagram">
-      <dsp:dataModelExt xmlns:dsp="http://schemas.microsoft.com/office/drawing/2008/diagram" relId="rId6" minVer="http://schemas.openxmlformats.org/drawingml/2006/diagram"/>
+      <dsp:dataModelExt xmlns:dsp="http://schemas.microsoft.com/office/drawing/2008/diagram" relId="rId7" minVer="http://schemas.openxmlformats.org/drawingml/2006/diagram"/>
     </a:ext>
   </dgm:extLst>
 </dgm:dataModel>
@@ -9183,7 +9183,7 @@
   <dgm:whole/>
   <dgm:extLst>
     <a:ext uri="http://schemas.microsoft.com/office/drawing/2008/diagram">
-      <dsp:dataModelExt xmlns:dsp="http://schemas.microsoft.com/office/drawing/2008/diagram" relId="rId6" minVer="http://schemas.openxmlformats.org/drawingml/2006/diagram"/>
+      <dsp:dataModelExt xmlns:dsp="http://schemas.microsoft.com/office/drawing/2008/diagram" relId="rId7" minVer="http://schemas.openxmlformats.org/drawingml/2006/diagram"/>
     </a:ext>
   </dgm:extLst>
 </dgm:dataModel>
@@ -9345,7 +9345,7 @@
   <dgm:whole/>
   <dgm:extLst>
     <a:ext uri="http://schemas.microsoft.com/office/drawing/2008/diagram">
-      <dsp:dataModelExt xmlns:dsp="http://schemas.microsoft.com/office/drawing/2008/diagram" relId="rId6" minVer="http://schemas.openxmlformats.org/drawingml/2006/diagram"/>
+      <dsp:dataModelExt xmlns:dsp="http://schemas.microsoft.com/office/drawing/2008/diagram" relId="rId7" minVer="http://schemas.openxmlformats.org/drawingml/2006/diagram"/>
     </a:ext>
   </dgm:extLst>
 </dgm:dataModel>
@@ -25610,7 +25610,7 @@
           <a:p>
             <a:fld id="{E91DDA50-ABC7-4925-B05D-AC0ABC4936E7}" type="datetimeFigureOut">
               <a:rPr lang="en-US" smtClean="0"/>
-              <a:t>1/14/2023</a:t>
+              <a:t>1/15/2023</a:t>
             </a:fld>
             <a:endParaRPr lang="en-US"/>
           </a:p>
@@ -26325,6 +26325,2277 @@
 </p:notes>
 </file>
 
+<file path=ppt/notesSlides/notesSlide12.xml><?xml version="1.0" encoding="utf-8"?>
+<p:notes xmlns:a="http://schemas.openxmlformats.org/drawingml/2006/main" xmlns:r="http://schemas.openxmlformats.org/officeDocument/2006/relationships" xmlns:p="http://schemas.openxmlformats.org/presentationml/2006/main">
+  <p:cSld>
+    <p:spTree>
+      <p:nvGrpSpPr>
+        <p:cNvPr id="1" name=""/>
+        <p:cNvGrpSpPr/>
+        <p:nvPr/>
+      </p:nvGrpSpPr>
+      <p:grpSpPr>
+        <a:xfrm>
+          <a:off x="0" y="0"/>
+          <a:ext cx="0" cy="0"/>
+          <a:chOff x="0" y="0"/>
+          <a:chExt cx="0" cy="0"/>
+        </a:xfrm>
+      </p:grpSpPr>
+      <p:sp>
+        <p:nvSpPr>
+          <p:cNvPr id="2" name="Slide Image Placeholder 1"/>
+          <p:cNvSpPr>
+            <a:spLocks noGrp="1" noRot="1" noChangeAspect="1"/>
+          </p:cNvSpPr>
+          <p:nvPr>
+            <p:ph type="sldImg"/>
+          </p:nvPr>
+        </p:nvSpPr>
+        <p:spPr/>
+      </p:sp>
+      <p:sp>
+        <p:nvSpPr>
+          <p:cNvPr id="3" name="Notes Placeholder 2"/>
+          <p:cNvSpPr>
+            <a:spLocks noGrp="1"/>
+          </p:cNvSpPr>
+          <p:nvPr>
+            <p:ph type="body" idx="1"/>
+          </p:nvPr>
+        </p:nvSpPr>
+        <p:spPr/>
+        <p:txBody>
+          <a:bodyPr/>
+          <a:lstStyle/>
+          <a:p>
+            <a:r>
+              <a:rPr lang="en-US" dirty="0" err="1"/>
+              <a:t>Byl</a:t>
+            </a:r>
+            <a:r>
+              <a:rPr lang="en-US" dirty="0"/>
+              <a:t> </a:t>
+            </a:r>
+            <a:r>
+              <a:rPr lang="en-US" dirty="0" err="1"/>
+              <a:t>vyvinut</a:t>
+            </a:r>
+            <a:r>
+              <a:rPr lang="en-US" dirty="0"/>
+              <a:t> </a:t>
+            </a:r>
+            <a:r>
+              <a:rPr lang="en-US" dirty="0" err="1"/>
+              <a:t>Mezinárodní</a:t>
+            </a:r>
+            <a:r>
+              <a:rPr lang="en-US" dirty="0"/>
+              <a:t> </a:t>
+            </a:r>
+            <a:r>
+              <a:rPr lang="en-US" dirty="0" err="1"/>
+              <a:t>komisí</a:t>
+            </a:r>
+            <a:r>
+              <a:rPr lang="en-US" dirty="0"/>
+              <a:t> pro </a:t>
+            </a:r>
+            <a:r>
+              <a:rPr lang="en-US" dirty="0" err="1"/>
+              <a:t>osvětlení</a:t>
+            </a:r>
+            <a:r>
+              <a:rPr lang="en-US" dirty="0"/>
+              <a:t> (CIE) v </a:t>
+            </a:r>
+            <a:r>
+              <a:rPr lang="en-US" dirty="0" err="1"/>
+              <a:t>roce</a:t>
+            </a:r>
+            <a:r>
+              <a:rPr lang="en-US" dirty="0"/>
+              <a:t> 1930 . </a:t>
+            </a:r>
+            <a:r>
+              <a:rPr lang="en-US" dirty="0" err="1"/>
+              <a:t>Barevný</a:t>
+            </a:r>
+            <a:r>
+              <a:rPr lang="en-US" dirty="0"/>
+              <a:t> model CIE </a:t>
+            </a:r>
+            <a:r>
+              <a:rPr lang="en-US" dirty="0" err="1"/>
+              <a:t>používá</a:t>
+            </a:r>
+            <a:r>
+              <a:rPr lang="en-US" dirty="0"/>
+              <a:t> </a:t>
+            </a:r>
+            <a:r>
+              <a:rPr lang="en-US" dirty="0" err="1"/>
+              <a:t>souřadnice</a:t>
+            </a:r>
+            <a:r>
+              <a:rPr lang="en-US" dirty="0"/>
+              <a:t> X, Y a Z.  Co je </a:t>
+            </a:r>
+            <a:r>
+              <a:rPr lang="en-US" dirty="0" err="1"/>
+              <a:t>souradnice</a:t>
+            </a:r>
+            <a:r>
+              <a:rPr lang="en-US" dirty="0"/>
+              <a:t> x y z? </a:t>
+            </a:r>
+            <a:r>
+              <a:rPr lang="en-US" dirty="0" err="1"/>
+              <a:t>na</a:t>
+            </a:r>
+            <a:r>
+              <a:rPr lang="en-US" dirty="0"/>
+              <a:t> </a:t>
+            </a:r>
+            <a:r>
+              <a:rPr lang="en-US" dirty="0" err="1"/>
+              <a:t>zacatku</a:t>
+            </a:r>
+            <a:r>
+              <a:rPr lang="en-US" dirty="0"/>
+              <a:t> taky </a:t>
+            </a:r>
+            <a:r>
+              <a:rPr lang="en-US" dirty="0" err="1"/>
+              <a:t>rikal</a:t>
+            </a:r>
+            <a:r>
+              <a:rPr lang="en-US" dirty="0"/>
+              <a:t> </a:t>
+            </a:r>
+            <a:r>
+              <a:rPr lang="en-US" dirty="0" err="1"/>
+              <a:t>jsem</a:t>
+            </a:r>
+            <a:r>
+              <a:rPr lang="en-US" dirty="0"/>
+              <a:t> ze RGB je </a:t>
+            </a:r>
+            <a:r>
+              <a:rPr lang="en-US" dirty="0" err="1"/>
+              <a:t>nejdulezitejsi</a:t>
+            </a:r>
+            <a:r>
+              <a:rPr lang="en-US" dirty="0"/>
+              <a:t> </a:t>
+            </a:r>
+            <a:r>
+              <a:rPr lang="en-US" dirty="0" err="1"/>
+              <a:t>barevne</a:t>
+            </a:r>
+            <a:r>
+              <a:rPr lang="en-US" dirty="0"/>
+              <a:t> model. Proc </a:t>
+            </a:r>
+            <a:r>
+              <a:rPr lang="en-US" dirty="0" err="1"/>
+              <a:t>rgb</a:t>
+            </a:r>
+            <a:r>
+              <a:rPr lang="en-US" dirty="0"/>
+              <a:t>? </a:t>
+            </a:r>
+            <a:r>
+              <a:rPr lang="en-US" dirty="0" err="1"/>
+              <a:t>Rgb</a:t>
+            </a:r>
+            <a:r>
+              <a:rPr lang="en-US" dirty="0"/>
+              <a:t> je red green blue ze jo.  </a:t>
+            </a:r>
+            <a:r>
+              <a:rPr lang="en-US" dirty="0" err="1"/>
+              <a:t>Souradnice</a:t>
+            </a:r>
+            <a:r>
+              <a:rPr lang="en-US" dirty="0"/>
+              <a:t> x y z </a:t>
+            </a:r>
+            <a:r>
+              <a:rPr lang="en-US" dirty="0" err="1"/>
+              <a:t>znamena</a:t>
+            </a:r>
+            <a:r>
+              <a:rPr lang="en-US" dirty="0"/>
+              <a:t> </a:t>
+            </a:r>
+            <a:r>
+              <a:rPr lang="en-US" dirty="0" err="1"/>
+              <a:t>cervena</a:t>
+            </a:r>
+            <a:r>
+              <a:rPr lang="en-US" dirty="0"/>
+              <a:t> je x , y je </a:t>
+            </a:r>
+            <a:r>
+              <a:rPr lang="en-US" dirty="0" err="1"/>
+              <a:t>zelena</a:t>
+            </a:r>
+            <a:r>
+              <a:rPr lang="en-US" dirty="0"/>
+              <a:t> z je </a:t>
+            </a:r>
+            <a:r>
+              <a:rPr lang="en-US" dirty="0" err="1"/>
+              <a:t>modra</a:t>
+            </a:r>
+            <a:r>
+              <a:rPr lang="en-US" dirty="0"/>
+              <a:t>. </a:t>
+            </a:r>
+            <a:r>
+              <a:rPr lang="en-US" dirty="0" err="1"/>
+              <a:t>díky</a:t>
+            </a:r>
+            <a:r>
+              <a:rPr lang="en-US" dirty="0"/>
+              <a:t> </a:t>
+            </a:r>
+            <a:r>
+              <a:rPr lang="en-US" dirty="0" err="1"/>
+              <a:t>těmto</a:t>
+            </a:r>
+            <a:r>
+              <a:rPr lang="en-US" dirty="0"/>
+              <a:t> </a:t>
+            </a:r>
+            <a:r>
+              <a:rPr lang="en-US" dirty="0" err="1"/>
+              <a:t>souřadnicím</a:t>
+            </a:r>
+            <a:r>
+              <a:rPr lang="en-US" dirty="0"/>
+              <a:t> je </a:t>
+            </a:r>
+            <a:r>
+              <a:rPr lang="en-US" dirty="0" err="1"/>
+              <a:t>snazší</a:t>
+            </a:r>
+            <a:r>
+              <a:rPr lang="en-US" dirty="0"/>
+              <a:t> </a:t>
+            </a:r>
+            <a:r>
+              <a:rPr lang="en-US" dirty="0" err="1"/>
+              <a:t>identifikovat</a:t>
+            </a:r>
+            <a:r>
+              <a:rPr lang="en-US" dirty="0"/>
+              <a:t> </a:t>
+            </a:r>
+            <a:r>
+              <a:rPr lang="en-US" dirty="0" err="1"/>
+              <a:t>jakoukoli</a:t>
+            </a:r>
+            <a:r>
+              <a:rPr lang="en-US" dirty="0"/>
+              <a:t> </a:t>
+            </a:r>
+            <a:r>
+              <a:rPr lang="en-US" dirty="0" err="1"/>
+              <a:t>barvu</a:t>
+            </a:r>
+            <a:r>
+              <a:rPr lang="en-US" dirty="0"/>
+              <a:t>, </a:t>
+            </a:r>
+            <a:r>
+              <a:rPr lang="en-US" dirty="0" err="1"/>
+              <a:t>kterou</a:t>
+            </a:r>
+            <a:r>
+              <a:rPr lang="en-US" dirty="0"/>
+              <a:t> </a:t>
+            </a:r>
+            <a:r>
+              <a:rPr lang="en-US" dirty="0" err="1"/>
+              <a:t>lidské</a:t>
+            </a:r>
+            <a:r>
+              <a:rPr lang="en-US" dirty="0"/>
+              <a:t> </a:t>
+            </a:r>
+            <a:r>
+              <a:rPr lang="en-US" dirty="0" err="1"/>
+              <a:t>oko</a:t>
+            </a:r>
+            <a:r>
+              <a:rPr lang="en-US" dirty="0"/>
+              <a:t> </a:t>
+            </a:r>
+            <a:r>
+              <a:rPr lang="en-US" dirty="0" err="1"/>
+              <a:t>vidí</a:t>
+            </a:r>
+            <a:r>
+              <a:rPr lang="en-US" dirty="0"/>
+              <a:t>.</a:t>
+            </a:r>
+          </a:p>
+        </p:txBody>
+      </p:sp>
+      <p:sp>
+        <p:nvSpPr>
+          <p:cNvPr id="4" name="Slide Number Placeholder 3"/>
+          <p:cNvSpPr>
+            <a:spLocks noGrp="1"/>
+          </p:cNvSpPr>
+          <p:nvPr>
+            <p:ph type="sldNum" sz="quarter" idx="5"/>
+          </p:nvPr>
+        </p:nvSpPr>
+        <p:spPr/>
+        <p:txBody>
+          <a:bodyPr/>
+          <a:lstStyle/>
+          <a:p>
+            <a:fld id="{A327F149-D9FA-4932-BD99-DB4E84988BB6}" type="slidenum">
+              <a:rPr lang="en-US" smtClean="0"/>
+              <a:t>12</a:t>
+            </a:fld>
+            <a:endParaRPr lang="en-US"/>
+          </a:p>
+        </p:txBody>
+      </p:sp>
+    </p:spTree>
+    <p:extLst>
+      <p:ext uri="{BB962C8B-B14F-4D97-AF65-F5344CB8AC3E}">
+        <p14:creationId xmlns:p14="http://schemas.microsoft.com/office/powerpoint/2010/main" val="3805668159"/>
+      </p:ext>
+    </p:extLst>
+  </p:cSld>
+  <p:clrMapOvr>
+    <a:masterClrMapping/>
+  </p:clrMapOvr>
+</p:notes>
+</file>
+
+<file path=ppt/notesSlides/notesSlide13.xml><?xml version="1.0" encoding="utf-8"?>
+<p:notes xmlns:a="http://schemas.openxmlformats.org/drawingml/2006/main" xmlns:r="http://schemas.openxmlformats.org/officeDocument/2006/relationships" xmlns:p="http://schemas.openxmlformats.org/presentationml/2006/main">
+  <p:cSld>
+    <p:spTree>
+      <p:nvGrpSpPr>
+        <p:cNvPr id="1" name=""/>
+        <p:cNvGrpSpPr/>
+        <p:nvPr/>
+      </p:nvGrpSpPr>
+      <p:grpSpPr>
+        <a:xfrm>
+          <a:off x="0" y="0"/>
+          <a:ext cx="0" cy="0"/>
+          <a:chOff x="0" y="0"/>
+          <a:chExt cx="0" cy="0"/>
+        </a:xfrm>
+      </p:grpSpPr>
+      <p:sp>
+        <p:nvSpPr>
+          <p:cNvPr id="2" name="Slide Image Placeholder 1"/>
+          <p:cNvSpPr>
+            <a:spLocks noGrp="1" noRot="1" noChangeAspect="1"/>
+          </p:cNvSpPr>
+          <p:nvPr>
+            <p:ph type="sldImg"/>
+          </p:nvPr>
+        </p:nvSpPr>
+        <p:spPr/>
+      </p:sp>
+      <p:sp>
+        <p:nvSpPr>
+          <p:cNvPr id="3" name="Notes Placeholder 2"/>
+          <p:cNvSpPr>
+            <a:spLocks noGrp="1"/>
+          </p:cNvSpPr>
+          <p:nvPr>
+            <p:ph type="body" idx="1"/>
+          </p:nvPr>
+        </p:nvSpPr>
+        <p:spPr/>
+        <p:txBody>
+          <a:bodyPr/>
+          <a:lstStyle/>
+          <a:p>
+            <a:r>
+              <a:rPr lang="en-US" dirty="0"/>
+              <a:t>A ted </a:t>
+            </a:r>
+            <a:r>
+              <a:rPr lang="en-US" dirty="0" err="1"/>
+              <a:t>zacinam</a:t>
+            </a:r>
+            <a:r>
+              <a:rPr lang="en-US" dirty="0"/>
+              <a:t> </a:t>
+            </a:r>
+            <a:r>
+              <a:rPr lang="en-US" dirty="0" err="1"/>
+              <a:t>mluvit</a:t>
+            </a:r>
+            <a:r>
+              <a:rPr lang="en-US" dirty="0"/>
+              <a:t>  o CIE 1931.  </a:t>
+            </a:r>
+            <a:r>
+              <a:rPr lang="en-US" dirty="0" err="1"/>
+              <a:t>budu</a:t>
+            </a:r>
+            <a:r>
+              <a:rPr lang="en-US" dirty="0"/>
+              <a:t> </a:t>
+            </a:r>
+            <a:r>
+              <a:rPr lang="en-US" dirty="0" err="1"/>
+              <a:t>vysvetlit</a:t>
+            </a:r>
+            <a:r>
+              <a:rPr lang="en-US" dirty="0"/>
+              <a:t> co to </a:t>
+            </a:r>
+            <a:r>
+              <a:rPr lang="en-US" dirty="0" err="1"/>
+              <a:t>znamena</a:t>
+            </a:r>
+            <a:r>
+              <a:rPr lang="en-US" dirty="0"/>
+              <a:t> a </a:t>
+            </a:r>
+            <a:r>
+              <a:rPr lang="en-US" dirty="0" err="1"/>
+              <a:t>jeho</a:t>
+            </a:r>
+            <a:r>
+              <a:rPr lang="en-US" dirty="0"/>
+              <a:t> </a:t>
+            </a:r>
+            <a:r>
+              <a:rPr lang="en-US" dirty="0" err="1"/>
+              <a:t>hlavni</a:t>
+            </a:r>
+            <a:r>
+              <a:rPr lang="en-US" dirty="0"/>
+              <a:t> </a:t>
+            </a:r>
+            <a:r>
+              <a:rPr lang="en-US" dirty="0" err="1"/>
+              <a:t>ucel</a:t>
+            </a:r>
+            <a:r>
+              <a:rPr lang="en-US" dirty="0"/>
+              <a:t>.</a:t>
+            </a:r>
+          </a:p>
+        </p:txBody>
+      </p:sp>
+      <p:sp>
+        <p:nvSpPr>
+          <p:cNvPr id="4" name="Slide Number Placeholder 3"/>
+          <p:cNvSpPr>
+            <a:spLocks noGrp="1"/>
+          </p:cNvSpPr>
+          <p:nvPr>
+            <p:ph type="sldNum" sz="quarter" idx="5"/>
+          </p:nvPr>
+        </p:nvSpPr>
+        <p:spPr/>
+        <p:txBody>
+          <a:bodyPr/>
+          <a:lstStyle/>
+          <a:p>
+            <a:fld id="{A327F149-D9FA-4932-BD99-DB4E84988BB6}" type="slidenum">
+              <a:rPr lang="en-US" smtClean="0"/>
+              <a:t>13</a:t>
+            </a:fld>
+            <a:endParaRPr lang="en-US"/>
+          </a:p>
+        </p:txBody>
+      </p:sp>
+    </p:spTree>
+    <p:extLst>
+      <p:ext uri="{BB962C8B-B14F-4D97-AF65-F5344CB8AC3E}">
+        <p14:creationId xmlns:p14="http://schemas.microsoft.com/office/powerpoint/2010/main" val="1359427921"/>
+      </p:ext>
+    </p:extLst>
+  </p:cSld>
+  <p:clrMapOvr>
+    <a:masterClrMapping/>
+  </p:clrMapOvr>
+</p:notes>
+</file>
+
+<file path=ppt/notesSlides/notesSlide14.xml><?xml version="1.0" encoding="utf-8"?>
+<p:notes xmlns:a="http://schemas.openxmlformats.org/drawingml/2006/main" xmlns:r="http://schemas.openxmlformats.org/officeDocument/2006/relationships" xmlns:p="http://schemas.openxmlformats.org/presentationml/2006/main">
+  <p:cSld>
+    <p:spTree>
+      <p:nvGrpSpPr>
+        <p:cNvPr id="1" name=""/>
+        <p:cNvGrpSpPr/>
+        <p:nvPr/>
+      </p:nvGrpSpPr>
+      <p:grpSpPr>
+        <a:xfrm>
+          <a:off x="0" y="0"/>
+          <a:ext cx="0" cy="0"/>
+          <a:chOff x="0" y="0"/>
+          <a:chExt cx="0" cy="0"/>
+        </a:xfrm>
+      </p:grpSpPr>
+      <p:sp>
+        <p:nvSpPr>
+          <p:cNvPr id="2" name="Slide Image Placeholder 1"/>
+          <p:cNvSpPr>
+            <a:spLocks noGrp="1" noRot="1" noChangeAspect="1"/>
+          </p:cNvSpPr>
+          <p:nvPr>
+            <p:ph type="sldImg"/>
+          </p:nvPr>
+        </p:nvSpPr>
+        <p:spPr/>
+      </p:sp>
+      <p:sp>
+        <p:nvSpPr>
+          <p:cNvPr id="3" name="Notes Placeholder 2"/>
+          <p:cNvSpPr>
+            <a:spLocks noGrp="1"/>
+          </p:cNvSpPr>
+          <p:nvPr>
+            <p:ph type="body" idx="1"/>
+          </p:nvPr>
+        </p:nvSpPr>
+        <p:spPr/>
+        <p:txBody>
+          <a:bodyPr/>
+          <a:lstStyle/>
+          <a:p>
+            <a:pPr marL="0" marR="0" lvl="0" indent="0" algn="l" defTabSz="914400" rtl="0" eaLnBrk="1" fontAlgn="auto" latinLnBrk="0" hangingPunct="1">
+              <a:lnSpc>
+                <a:spcPct val="100000"/>
+              </a:lnSpc>
+              <a:spcBef>
+                <a:spcPts val="0"/>
+              </a:spcBef>
+              <a:spcAft>
+                <a:spcPts val="0"/>
+              </a:spcAft>
+              <a:buClrTx/>
+              <a:buSzTx/>
+              <a:buFontTx/>
+              <a:buNone/>
+              <a:tabLst/>
+              <a:defRPr/>
+            </a:pPr>
+            <a:r>
+              <a:rPr lang="en-US" dirty="0" err="1"/>
+              <a:t>Vznikl</a:t>
+            </a:r>
+            <a:r>
+              <a:rPr lang="en-US" dirty="0"/>
+              <a:t> v </a:t>
+            </a:r>
+            <a:r>
+              <a:rPr lang="en-US" dirty="0" err="1"/>
+              <a:t>roce</a:t>
+            </a:r>
+            <a:r>
+              <a:rPr lang="en-US" dirty="0"/>
+              <a:t> 1931.  </a:t>
+            </a:r>
+            <a:r>
+              <a:rPr lang="en-US" dirty="0" err="1"/>
+              <a:t>tady</a:t>
+            </a:r>
+            <a:r>
+              <a:rPr lang="en-US" dirty="0"/>
+              <a:t> taky </a:t>
+            </a:r>
+            <a:r>
+              <a:rPr lang="en-US" dirty="0" err="1"/>
+              <a:t>duezitejsi</a:t>
+            </a:r>
+            <a:r>
+              <a:rPr lang="en-US" dirty="0"/>
+              <a:t> je XYZ. </a:t>
+            </a:r>
+            <a:r>
+              <a:rPr lang="en-US" dirty="0" err="1"/>
+              <a:t>Vam</a:t>
+            </a:r>
+            <a:r>
+              <a:rPr lang="en-US" dirty="0"/>
+              <a:t> </a:t>
+            </a:r>
+            <a:r>
+              <a:rPr lang="en-US" dirty="0" err="1"/>
+              <a:t>tady</a:t>
+            </a:r>
+            <a:r>
+              <a:rPr lang="en-US" dirty="0"/>
+              <a:t> </a:t>
+            </a:r>
+            <a:r>
+              <a:rPr lang="en-US" dirty="0" err="1"/>
+              <a:t>budu</a:t>
+            </a:r>
+            <a:r>
+              <a:rPr lang="en-US" dirty="0"/>
+              <a:t> </a:t>
+            </a:r>
+            <a:r>
+              <a:rPr lang="en-US" dirty="0" err="1"/>
+              <a:t>ukazat</a:t>
+            </a:r>
+            <a:r>
+              <a:rPr lang="en-US" dirty="0"/>
+              <a:t>. </a:t>
+            </a:r>
+            <a:r>
+              <a:rPr lang="en-US" dirty="0" err="1"/>
+              <a:t>Nahore</a:t>
+            </a:r>
+            <a:r>
+              <a:rPr lang="en-US" dirty="0"/>
+              <a:t> </a:t>
+            </a:r>
+            <a:r>
+              <a:rPr lang="en-US" dirty="0" err="1"/>
+              <a:t>vidite</a:t>
+            </a:r>
+            <a:r>
+              <a:rPr lang="en-US" dirty="0"/>
+              <a:t> Y a </a:t>
+            </a:r>
+            <a:r>
+              <a:rPr lang="en-US" dirty="0" err="1"/>
+              <a:t>rikal</a:t>
+            </a:r>
+            <a:r>
+              <a:rPr lang="en-US" dirty="0"/>
+              <a:t> </a:t>
+            </a:r>
+            <a:r>
+              <a:rPr lang="en-US" dirty="0" err="1"/>
+              <a:t>jsem</a:t>
+            </a:r>
+            <a:r>
+              <a:rPr lang="en-US" dirty="0"/>
+              <a:t> ze je to </a:t>
+            </a:r>
+            <a:r>
+              <a:rPr lang="en-US" dirty="0" err="1"/>
+              <a:t>zelena</a:t>
+            </a:r>
+            <a:r>
+              <a:rPr lang="en-US" dirty="0"/>
+              <a:t> . Dole je x , a </a:t>
+            </a:r>
+            <a:r>
+              <a:rPr lang="en-US" dirty="0" err="1"/>
+              <a:t>vidite</a:t>
+            </a:r>
+            <a:r>
+              <a:rPr lang="en-US" dirty="0"/>
+              <a:t> je to </a:t>
+            </a:r>
+            <a:r>
+              <a:rPr lang="en-US" dirty="0" err="1"/>
+              <a:t>cervene</a:t>
+            </a:r>
+            <a:r>
+              <a:rPr lang="en-US" dirty="0"/>
+              <a:t> . A Z je to </a:t>
+            </a:r>
+            <a:r>
+              <a:rPr lang="en-US" dirty="0" err="1"/>
+              <a:t>modra</a:t>
+            </a:r>
+            <a:r>
+              <a:rPr lang="en-US" dirty="0"/>
+              <a:t> </a:t>
+            </a:r>
+            <a:r>
+              <a:rPr lang="en-US" dirty="0" err="1"/>
+              <a:t>takze</a:t>
+            </a:r>
+            <a:r>
+              <a:rPr lang="en-US" dirty="0"/>
+              <a:t> </a:t>
+            </a:r>
+            <a:r>
+              <a:rPr lang="en-US" dirty="0" err="1"/>
+              <a:t>tady</a:t>
+            </a:r>
+            <a:r>
+              <a:rPr lang="en-US" dirty="0"/>
+              <a:t> je </a:t>
+            </a:r>
+            <a:r>
+              <a:rPr lang="en-US" dirty="0" err="1"/>
+              <a:t>modra</a:t>
+            </a:r>
+            <a:r>
+              <a:rPr lang="en-US" dirty="0"/>
+              <a:t>. </a:t>
+            </a:r>
+            <a:r>
+              <a:rPr lang="en-US" sz="1200" dirty="0"/>
+              <a:t>Na </a:t>
+            </a:r>
+            <a:r>
+              <a:rPr lang="en-US" sz="1200" dirty="0" err="1"/>
+              <a:t>rozdíl</a:t>
+            </a:r>
+            <a:r>
+              <a:rPr lang="en-US" sz="1200" dirty="0"/>
+              <a:t> od </a:t>
+            </a:r>
+            <a:r>
+              <a:rPr lang="en-US" sz="1200" dirty="0" err="1"/>
+              <a:t>barevného</a:t>
+            </a:r>
+            <a:r>
+              <a:rPr lang="en-US" sz="1200" dirty="0"/>
+              <a:t> </a:t>
+            </a:r>
+            <a:r>
+              <a:rPr lang="en-US" sz="1200" dirty="0" err="1"/>
+              <a:t>modelu</a:t>
+            </a:r>
+            <a:r>
+              <a:rPr lang="en-US" sz="1200" dirty="0"/>
+              <a:t> RGB </a:t>
+            </a:r>
+            <a:r>
+              <a:rPr lang="en-US" sz="1200" dirty="0" err="1"/>
+              <a:t>přesněji</a:t>
+            </a:r>
+            <a:r>
+              <a:rPr lang="en-US" sz="1200" dirty="0"/>
+              <a:t> </a:t>
+            </a:r>
+            <a:r>
+              <a:rPr lang="en-US" sz="1200" dirty="0" err="1"/>
+              <a:t>reprezentuje</a:t>
+            </a:r>
+            <a:r>
+              <a:rPr lang="en-US" sz="1200" dirty="0"/>
+              <a:t> </a:t>
+            </a:r>
+            <a:r>
+              <a:rPr lang="en-US" sz="1200" dirty="0" err="1"/>
+              <a:t>vnímání</a:t>
+            </a:r>
+            <a:r>
+              <a:rPr lang="en-US" sz="1200" dirty="0"/>
+              <a:t> </a:t>
+            </a:r>
+            <a:r>
+              <a:rPr lang="en-US" sz="1200" dirty="0" err="1"/>
+              <a:t>barev</a:t>
+            </a:r>
+            <a:r>
+              <a:rPr lang="en-US" sz="1200" dirty="0"/>
+              <a:t> </a:t>
+            </a:r>
+            <a:r>
+              <a:rPr lang="en-US" sz="1200" dirty="0" err="1"/>
+              <a:t>lidským</a:t>
+            </a:r>
+            <a:r>
+              <a:rPr lang="en-US" sz="1200" dirty="0"/>
+              <a:t> </a:t>
+            </a:r>
+            <a:r>
+              <a:rPr lang="en-US" sz="1200" dirty="0" err="1"/>
+              <a:t>okem</a:t>
+            </a:r>
+            <a:r>
+              <a:rPr lang="en-US" sz="1200" dirty="0"/>
+              <a:t>. </a:t>
+            </a:r>
+            <a:r>
+              <a:rPr lang="en-US" sz="1200" dirty="0" err="1"/>
+              <a:t>Často</a:t>
+            </a:r>
+            <a:r>
+              <a:rPr lang="en-US" sz="1200" dirty="0"/>
+              <a:t> se </a:t>
+            </a:r>
+            <a:r>
+              <a:rPr lang="en-US" sz="1200" dirty="0" err="1"/>
+              <a:t>používá</a:t>
+            </a:r>
+            <a:r>
+              <a:rPr lang="en-US" sz="1200" dirty="0"/>
+              <a:t> v </a:t>
+            </a:r>
+            <a:r>
+              <a:rPr lang="en-US" sz="1200" dirty="0" err="1"/>
+              <a:t>systémech</a:t>
+            </a:r>
+            <a:r>
+              <a:rPr lang="en-US" sz="1200" dirty="0"/>
+              <a:t> </a:t>
+            </a:r>
+            <a:r>
+              <a:rPr lang="en-US" sz="1200" dirty="0" err="1"/>
+              <a:t>správy</a:t>
+            </a:r>
+            <a:r>
+              <a:rPr lang="en-US" sz="1200" dirty="0"/>
+              <a:t> </a:t>
+            </a:r>
+            <a:r>
+              <a:rPr lang="en-US" sz="1200" dirty="0" err="1"/>
+              <a:t>barev</a:t>
+            </a:r>
+            <a:r>
+              <a:rPr lang="en-US" sz="1200" dirty="0"/>
+              <a:t> a </a:t>
+            </a:r>
+            <a:r>
+              <a:rPr lang="en-US" sz="1200" dirty="0" err="1"/>
+              <a:t>dalších</a:t>
+            </a:r>
+            <a:r>
+              <a:rPr lang="en-US" sz="1200" dirty="0"/>
+              <a:t> </a:t>
+            </a:r>
+            <a:r>
+              <a:rPr lang="en-US" sz="1200" dirty="0" err="1"/>
+              <a:t>aplikacích</a:t>
+            </a:r>
+            <a:r>
+              <a:rPr lang="en-US" sz="1200" dirty="0"/>
+              <a:t>, </a:t>
+            </a:r>
+            <a:r>
+              <a:rPr lang="en-US" sz="1200" dirty="0" err="1"/>
+              <a:t>kde</a:t>
+            </a:r>
+            <a:r>
+              <a:rPr lang="en-US" sz="1200" dirty="0"/>
+              <a:t> je </a:t>
+            </a:r>
+            <a:r>
+              <a:rPr lang="en-US" sz="1200" dirty="0" err="1"/>
+              <a:t>důležitá</a:t>
+            </a:r>
+            <a:r>
+              <a:rPr lang="en-US" sz="1200" dirty="0"/>
+              <a:t> </a:t>
+            </a:r>
+            <a:r>
+              <a:rPr lang="en-US" sz="1200" dirty="0" err="1"/>
+              <a:t>přesná</a:t>
+            </a:r>
+            <a:r>
+              <a:rPr lang="en-US" sz="1200" dirty="0"/>
+              <a:t> </a:t>
+            </a:r>
+            <a:r>
+              <a:rPr lang="en-US" sz="1200" dirty="0" err="1"/>
+              <a:t>reprezentace</a:t>
+            </a:r>
+            <a:r>
+              <a:rPr lang="en-US" sz="1200" dirty="0"/>
+              <a:t> </a:t>
+            </a:r>
+            <a:r>
+              <a:rPr lang="en-US" sz="1200" dirty="0" err="1"/>
+              <a:t>barev</a:t>
+            </a:r>
+            <a:r>
+              <a:rPr lang="en-US" sz="1200" dirty="0"/>
+              <a:t>.</a:t>
+            </a:r>
+          </a:p>
+          <a:p>
+            <a:pPr marL="0" marR="0" lvl="0" indent="0" algn="l" defTabSz="914400" rtl="0" eaLnBrk="1" fontAlgn="auto" latinLnBrk="0" hangingPunct="1">
+              <a:lnSpc>
+                <a:spcPct val="100000"/>
+              </a:lnSpc>
+              <a:spcBef>
+                <a:spcPts val="0"/>
+              </a:spcBef>
+              <a:spcAft>
+                <a:spcPts val="0"/>
+              </a:spcAft>
+              <a:buClrTx/>
+              <a:buSzTx/>
+              <a:buFontTx/>
+              <a:buNone/>
+              <a:tabLst/>
+              <a:defRPr/>
+            </a:pPr>
+            <a:endParaRPr lang="en-US" sz="1200" dirty="0"/>
+          </a:p>
+          <a:p>
+            <a:endParaRPr lang="en-US" dirty="0"/>
+          </a:p>
+        </p:txBody>
+      </p:sp>
+      <p:sp>
+        <p:nvSpPr>
+          <p:cNvPr id="4" name="Slide Number Placeholder 3"/>
+          <p:cNvSpPr>
+            <a:spLocks noGrp="1"/>
+          </p:cNvSpPr>
+          <p:nvPr>
+            <p:ph type="sldNum" sz="quarter" idx="5"/>
+          </p:nvPr>
+        </p:nvSpPr>
+        <p:spPr/>
+        <p:txBody>
+          <a:bodyPr/>
+          <a:lstStyle/>
+          <a:p>
+            <a:fld id="{A327F149-D9FA-4932-BD99-DB4E84988BB6}" type="slidenum">
+              <a:rPr lang="en-US" smtClean="0"/>
+              <a:t>14</a:t>
+            </a:fld>
+            <a:endParaRPr lang="en-US"/>
+          </a:p>
+        </p:txBody>
+      </p:sp>
+    </p:spTree>
+    <p:extLst>
+      <p:ext uri="{BB962C8B-B14F-4D97-AF65-F5344CB8AC3E}">
+        <p14:creationId xmlns:p14="http://schemas.microsoft.com/office/powerpoint/2010/main" val="4062271577"/>
+      </p:ext>
+    </p:extLst>
+  </p:cSld>
+  <p:clrMapOvr>
+    <a:masterClrMapping/>
+  </p:clrMapOvr>
+</p:notes>
+</file>
+
+<file path=ppt/notesSlides/notesSlide15.xml><?xml version="1.0" encoding="utf-8"?>
+<p:notes xmlns:a="http://schemas.openxmlformats.org/drawingml/2006/main" xmlns:r="http://schemas.openxmlformats.org/officeDocument/2006/relationships" xmlns:p="http://schemas.openxmlformats.org/presentationml/2006/main">
+  <p:cSld>
+    <p:spTree>
+      <p:nvGrpSpPr>
+        <p:cNvPr id="1" name=""/>
+        <p:cNvGrpSpPr/>
+        <p:nvPr/>
+      </p:nvGrpSpPr>
+      <p:grpSpPr>
+        <a:xfrm>
+          <a:off x="0" y="0"/>
+          <a:ext cx="0" cy="0"/>
+          <a:chOff x="0" y="0"/>
+          <a:chExt cx="0" cy="0"/>
+        </a:xfrm>
+      </p:grpSpPr>
+      <p:sp>
+        <p:nvSpPr>
+          <p:cNvPr id="2" name="Slide Image Placeholder 1"/>
+          <p:cNvSpPr>
+            <a:spLocks noGrp="1" noRot="1" noChangeAspect="1"/>
+          </p:cNvSpPr>
+          <p:nvPr>
+            <p:ph type="sldImg"/>
+          </p:nvPr>
+        </p:nvSpPr>
+        <p:spPr/>
+      </p:sp>
+      <p:sp>
+        <p:nvSpPr>
+          <p:cNvPr id="3" name="Notes Placeholder 2"/>
+          <p:cNvSpPr>
+            <a:spLocks noGrp="1"/>
+          </p:cNvSpPr>
+          <p:nvPr>
+            <p:ph type="body" idx="1"/>
+          </p:nvPr>
+        </p:nvSpPr>
+        <p:spPr/>
+        <p:txBody>
+          <a:bodyPr/>
+          <a:lstStyle/>
+          <a:p>
+            <a:r>
+              <a:rPr lang="en-US" dirty="0"/>
+              <a:t>CIE XYZ . O tom </a:t>
+            </a:r>
+            <a:r>
+              <a:rPr lang="en-US" dirty="0" err="1"/>
+              <a:t>uz</a:t>
+            </a:r>
+            <a:r>
+              <a:rPr lang="en-US" dirty="0"/>
+              <a:t> </a:t>
+            </a:r>
+            <a:r>
+              <a:rPr lang="en-US" dirty="0" err="1"/>
+              <a:t>mluvil</a:t>
+            </a:r>
+            <a:r>
+              <a:rPr lang="en-US" dirty="0"/>
+              <a:t> </a:t>
+            </a:r>
+            <a:r>
+              <a:rPr lang="en-US" dirty="0" err="1"/>
+              <a:t>jsem</a:t>
+            </a:r>
+            <a:r>
+              <a:rPr lang="en-US" dirty="0"/>
+              <a:t> ale </a:t>
+            </a:r>
+            <a:r>
+              <a:rPr lang="en-US" dirty="0" err="1"/>
+              <a:t>musel</a:t>
+            </a:r>
+            <a:r>
+              <a:rPr lang="en-US" dirty="0"/>
+              <a:t> </a:t>
+            </a:r>
+            <a:r>
+              <a:rPr lang="en-US" dirty="0" err="1"/>
+              <a:t>jsem</a:t>
+            </a:r>
+            <a:r>
+              <a:rPr lang="en-US" dirty="0"/>
+              <a:t> taky </a:t>
+            </a:r>
+            <a:r>
+              <a:rPr lang="en-US" dirty="0" err="1"/>
+              <a:t>prezentovat</a:t>
+            </a:r>
+            <a:r>
+              <a:rPr lang="en-US" dirty="0"/>
+              <a:t> , </a:t>
+            </a:r>
+            <a:r>
+              <a:rPr lang="en-US" dirty="0" err="1"/>
+              <a:t>myslel</a:t>
+            </a:r>
+            <a:r>
+              <a:rPr lang="en-US" dirty="0"/>
+              <a:t> </a:t>
+            </a:r>
+            <a:r>
+              <a:rPr lang="en-US" dirty="0" err="1"/>
+              <a:t>jsem</a:t>
+            </a:r>
+            <a:r>
+              <a:rPr lang="en-US" dirty="0"/>
+              <a:t> ze to </a:t>
+            </a:r>
+            <a:r>
+              <a:rPr lang="en-US" dirty="0" err="1"/>
+              <a:t>bude</a:t>
+            </a:r>
+            <a:r>
+              <a:rPr lang="en-US" dirty="0"/>
+              <a:t> </a:t>
+            </a:r>
+            <a:r>
+              <a:rPr lang="en-US" dirty="0" err="1"/>
+              <a:t>lepsi</a:t>
+            </a:r>
+            <a:r>
+              <a:rPr lang="en-US" dirty="0"/>
+              <a:t>.</a:t>
+            </a:r>
+          </a:p>
+        </p:txBody>
+      </p:sp>
+      <p:sp>
+        <p:nvSpPr>
+          <p:cNvPr id="4" name="Slide Number Placeholder 3"/>
+          <p:cNvSpPr>
+            <a:spLocks noGrp="1"/>
+          </p:cNvSpPr>
+          <p:nvPr>
+            <p:ph type="sldNum" sz="quarter" idx="5"/>
+          </p:nvPr>
+        </p:nvSpPr>
+        <p:spPr/>
+        <p:txBody>
+          <a:bodyPr/>
+          <a:lstStyle/>
+          <a:p>
+            <a:fld id="{A327F149-D9FA-4932-BD99-DB4E84988BB6}" type="slidenum">
+              <a:rPr lang="en-US" smtClean="0"/>
+              <a:t>15</a:t>
+            </a:fld>
+            <a:endParaRPr lang="en-US"/>
+          </a:p>
+        </p:txBody>
+      </p:sp>
+    </p:spTree>
+    <p:extLst>
+      <p:ext uri="{BB962C8B-B14F-4D97-AF65-F5344CB8AC3E}">
+        <p14:creationId xmlns:p14="http://schemas.microsoft.com/office/powerpoint/2010/main" val="473430273"/>
+      </p:ext>
+    </p:extLst>
+  </p:cSld>
+  <p:clrMapOvr>
+    <a:masterClrMapping/>
+  </p:clrMapOvr>
+</p:notes>
+</file>
+
+<file path=ppt/notesSlides/notesSlide16.xml><?xml version="1.0" encoding="utf-8"?>
+<p:notes xmlns:a="http://schemas.openxmlformats.org/drawingml/2006/main" xmlns:r="http://schemas.openxmlformats.org/officeDocument/2006/relationships" xmlns:p="http://schemas.openxmlformats.org/presentationml/2006/main">
+  <p:cSld>
+    <p:spTree>
+      <p:nvGrpSpPr>
+        <p:cNvPr id="1" name=""/>
+        <p:cNvGrpSpPr/>
+        <p:nvPr/>
+      </p:nvGrpSpPr>
+      <p:grpSpPr>
+        <a:xfrm>
+          <a:off x="0" y="0"/>
+          <a:ext cx="0" cy="0"/>
+          <a:chOff x="0" y="0"/>
+          <a:chExt cx="0" cy="0"/>
+        </a:xfrm>
+      </p:grpSpPr>
+      <p:sp>
+        <p:nvSpPr>
+          <p:cNvPr id="2" name="Slide Image Placeholder 1"/>
+          <p:cNvSpPr>
+            <a:spLocks noGrp="1" noRot="1" noChangeAspect="1"/>
+          </p:cNvSpPr>
+          <p:nvPr>
+            <p:ph type="sldImg"/>
+          </p:nvPr>
+        </p:nvSpPr>
+        <p:spPr/>
+      </p:sp>
+      <p:sp>
+        <p:nvSpPr>
+          <p:cNvPr id="3" name="Notes Placeholder 2"/>
+          <p:cNvSpPr>
+            <a:spLocks noGrp="1"/>
+          </p:cNvSpPr>
+          <p:nvPr>
+            <p:ph type="body" idx="1"/>
+          </p:nvPr>
+        </p:nvSpPr>
+        <p:spPr/>
+        <p:txBody>
+          <a:bodyPr/>
+          <a:lstStyle/>
+          <a:p>
+            <a:pPr marL="0" marR="0" lvl="0" indent="0" algn="l" defTabSz="914400" rtl="0" eaLnBrk="1" fontAlgn="auto" latinLnBrk="0" hangingPunct="1">
+              <a:lnSpc>
+                <a:spcPct val="100000"/>
+              </a:lnSpc>
+              <a:spcBef>
+                <a:spcPts val="0"/>
+              </a:spcBef>
+              <a:spcAft>
+                <a:spcPts val="0"/>
+              </a:spcAft>
+              <a:buClrTx/>
+              <a:buSzTx/>
+              <a:buFontTx/>
+              <a:buNone/>
+              <a:tabLst/>
+              <a:defRPr/>
+            </a:pPr>
+            <a:r>
+              <a:rPr lang="en-US" dirty="0" err="1"/>
+              <a:t>Uz</a:t>
+            </a:r>
+            <a:r>
+              <a:rPr lang="en-US" dirty="0"/>
+              <a:t> </a:t>
+            </a:r>
+            <a:r>
+              <a:rPr lang="en-US" dirty="0" err="1"/>
+              <a:t>vite</a:t>
+            </a:r>
+            <a:r>
+              <a:rPr lang="en-US" dirty="0"/>
+              <a:t> co je XYZ . </a:t>
+            </a:r>
+            <a:r>
+              <a:rPr lang="en-US" dirty="0" err="1"/>
+              <a:t>Skoro</a:t>
+            </a:r>
+            <a:r>
+              <a:rPr lang="en-US" dirty="0"/>
+              <a:t> </a:t>
+            </a:r>
+            <a:r>
+              <a:rPr lang="en-US" dirty="0" err="1"/>
+              <a:t>uz</a:t>
+            </a:r>
+            <a:r>
+              <a:rPr lang="en-US" dirty="0"/>
+              <a:t> </a:t>
+            </a:r>
+            <a:r>
+              <a:rPr lang="en-US" dirty="0" err="1"/>
+              <a:t>vedeli</a:t>
+            </a:r>
+            <a:r>
+              <a:rPr lang="en-US" dirty="0"/>
+              <a:t> </a:t>
+            </a:r>
+            <a:r>
+              <a:rPr lang="en-US" dirty="0" err="1"/>
+              <a:t>jste</a:t>
+            </a:r>
+            <a:r>
+              <a:rPr lang="en-US" dirty="0"/>
+              <a:t> proc </a:t>
+            </a:r>
+            <a:r>
+              <a:rPr lang="en-US" dirty="0" err="1"/>
+              <a:t>byl</a:t>
+            </a:r>
+            <a:r>
+              <a:rPr lang="en-US" dirty="0"/>
+              <a:t> </a:t>
+            </a:r>
+            <a:r>
+              <a:rPr lang="en-US" dirty="0" err="1"/>
+              <a:t>navrzen</a:t>
+            </a:r>
+            <a:r>
+              <a:rPr lang="en-US" dirty="0"/>
+              <a:t>.</a:t>
+            </a:r>
+            <a:r>
+              <a:rPr lang="en-US" i="1" dirty="0"/>
+              <a:t> </a:t>
+            </a:r>
+            <a:r>
+              <a:rPr lang="en-US" i="1" dirty="0" err="1"/>
+              <a:t>Navržený</a:t>
+            </a:r>
+            <a:r>
+              <a:rPr lang="en-US" i="1" dirty="0"/>
+              <a:t> </a:t>
+            </a:r>
+            <a:r>
+              <a:rPr lang="en-US" i="1" dirty="0" err="1"/>
+              <a:t>tak</a:t>
+            </a:r>
+            <a:r>
+              <a:rPr lang="en-US" i="1" dirty="0"/>
+              <a:t>, aby </a:t>
+            </a:r>
+            <a:r>
+              <a:rPr lang="en-US" i="1" dirty="0" err="1"/>
+              <a:t>popisoval</a:t>
+            </a:r>
+            <a:r>
+              <a:rPr lang="en-US" i="1" dirty="0"/>
+              <a:t>, jak se </a:t>
+            </a:r>
+            <a:r>
+              <a:rPr lang="en-US" i="1" dirty="0" err="1"/>
+              <a:t>barvy</a:t>
+            </a:r>
+            <a:r>
+              <a:rPr lang="en-US" i="1" dirty="0"/>
+              <a:t> </a:t>
+            </a:r>
+            <a:r>
+              <a:rPr lang="en-US" i="1" dirty="0" err="1"/>
+              <a:t>mění</a:t>
+            </a:r>
+            <a:r>
+              <a:rPr lang="en-US" i="1" dirty="0"/>
+              <a:t>, </a:t>
+            </a:r>
+            <a:r>
+              <a:rPr lang="en-US" i="1" dirty="0" err="1"/>
+              <a:t>když</a:t>
+            </a:r>
+            <a:r>
+              <a:rPr lang="en-US" i="1" dirty="0"/>
+              <a:t> </a:t>
+            </a:r>
+            <a:r>
+              <a:rPr lang="en-US" i="1" dirty="0" err="1"/>
+              <a:t>jsou</a:t>
+            </a:r>
+            <a:r>
+              <a:rPr lang="en-US" i="1" dirty="0"/>
+              <a:t> </a:t>
+            </a:r>
+            <a:r>
+              <a:rPr lang="en-US" i="1" dirty="0" err="1"/>
+              <a:t>vytvářeny</a:t>
+            </a:r>
+            <a:r>
+              <a:rPr lang="en-US" i="1" dirty="0"/>
+              <a:t> </a:t>
+            </a:r>
+            <a:r>
+              <a:rPr lang="en-US" i="1" dirty="0" err="1"/>
+              <a:t>světelnými</a:t>
+            </a:r>
+            <a:r>
+              <a:rPr lang="en-US" i="1" dirty="0"/>
+              <a:t> </a:t>
+            </a:r>
+            <a:r>
+              <a:rPr lang="en-US" i="1" dirty="0" err="1"/>
+              <a:t>zdroji</a:t>
+            </a:r>
+            <a:r>
+              <a:rPr lang="en-US" i="1" dirty="0"/>
+              <a:t>. (</a:t>
+            </a:r>
+            <a:r>
+              <a:rPr lang="en-US" i="1" dirty="0" err="1"/>
+              <a:t>souradnice</a:t>
+            </a:r>
+            <a:r>
+              <a:rPr lang="en-US" i="1" dirty="0"/>
+              <a:t>).  O </a:t>
+            </a:r>
+            <a:r>
+              <a:rPr lang="en-US" i="1" dirty="0" err="1"/>
+              <a:t>jeho</a:t>
+            </a:r>
+            <a:r>
+              <a:rPr lang="en-US" i="1" dirty="0"/>
+              <a:t> </a:t>
+            </a:r>
+            <a:r>
+              <a:rPr lang="en-US" i="1" dirty="0" err="1"/>
+              <a:t>hlavni</a:t>
+            </a:r>
+            <a:r>
+              <a:rPr lang="en-US" i="1" dirty="0"/>
+              <a:t> </a:t>
+            </a:r>
+            <a:r>
+              <a:rPr lang="en-US" i="1" dirty="0" err="1"/>
+              <a:t>ucel</a:t>
+            </a:r>
+            <a:r>
+              <a:rPr lang="en-US" i="1" dirty="0"/>
+              <a:t> taky </a:t>
+            </a:r>
+            <a:r>
+              <a:rPr lang="en-US" i="1" dirty="0" err="1"/>
+              <a:t>mluvil</a:t>
+            </a:r>
+            <a:r>
+              <a:rPr lang="en-US" i="1" dirty="0"/>
+              <a:t> </a:t>
+            </a:r>
+            <a:r>
+              <a:rPr lang="en-US" i="1" dirty="0" err="1"/>
+              <a:t>jsem</a:t>
+            </a:r>
+            <a:r>
+              <a:rPr lang="en-US" i="1" dirty="0"/>
+              <a:t>. </a:t>
+            </a:r>
+            <a:r>
+              <a:rPr lang="en-US" i="1" dirty="0" err="1"/>
+              <a:t>Slouží</a:t>
+            </a:r>
+            <a:r>
+              <a:rPr lang="en-US" i="1" dirty="0"/>
+              <a:t> k </a:t>
+            </a:r>
+            <a:r>
+              <a:rPr lang="en-US" i="1" dirty="0" err="1"/>
+              <a:t>předpovědi</a:t>
+            </a:r>
+            <a:r>
+              <a:rPr lang="en-US" i="1" dirty="0"/>
+              <a:t>, jak se </a:t>
+            </a:r>
+            <a:r>
+              <a:rPr lang="en-US" i="1" dirty="0" err="1"/>
+              <a:t>budou</a:t>
+            </a:r>
+            <a:r>
+              <a:rPr lang="en-US" i="1" dirty="0"/>
+              <a:t> </a:t>
+            </a:r>
+            <a:r>
+              <a:rPr lang="en-US" i="1" dirty="0" err="1"/>
+              <a:t>barvy</a:t>
+            </a:r>
+            <a:r>
+              <a:rPr lang="en-US" i="1" dirty="0"/>
+              <a:t> </a:t>
+            </a:r>
+            <a:r>
+              <a:rPr lang="en-US" i="1" dirty="0" err="1"/>
+              <a:t>obrázků</a:t>
+            </a:r>
+            <a:r>
+              <a:rPr lang="en-US" i="1" dirty="0"/>
+              <a:t> </a:t>
+            </a:r>
+            <a:r>
+              <a:rPr lang="en-US" i="1" dirty="0" err="1"/>
+              <a:t>měnit</a:t>
+            </a:r>
+            <a:r>
+              <a:rPr lang="en-US" i="1" dirty="0"/>
+              <a:t> za </a:t>
+            </a:r>
+            <a:r>
+              <a:rPr lang="en-US" i="1" dirty="0" err="1"/>
+              <a:t>různých</a:t>
+            </a:r>
+            <a:r>
+              <a:rPr lang="en-US" i="1" dirty="0"/>
+              <a:t> </a:t>
+            </a:r>
+            <a:r>
+              <a:rPr lang="en-US" i="1" dirty="0" err="1"/>
+              <a:t>světelných</a:t>
+            </a:r>
+            <a:r>
+              <a:rPr lang="en-US" i="1" dirty="0"/>
+              <a:t> </a:t>
+            </a:r>
+            <a:r>
+              <a:rPr lang="en-US" i="1" dirty="0" err="1"/>
+              <a:t>podmínek</a:t>
+            </a:r>
+            <a:r>
+              <a:rPr lang="en-US" i="1" dirty="0"/>
+              <a:t>.</a:t>
+            </a:r>
+          </a:p>
+          <a:p>
+            <a:pPr marL="0" marR="0" lvl="0" indent="0" algn="l" defTabSz="914400" rtl="0" eaLnBrk="1" fontAlgn="auto" latinLnBrk="0" hangingPunct="1">
+              <a:lnSpc>
+                <a:spcPct val="100000"/>
+              </a:lnSpc>
+              <a:spcBef>
+                <a:spcPts val="0"/>
+              </a:spcBef>
+              <a:spcAft>
+                <a:spcPts val="0"/>
+              </a:spcAft>
+              <a:buClrTx/>
+              <a:buSzTx/>
+              <a:buFontTx/>
+              <a:buNone/>
+              <a:tabLst/>
+              <a:defRPr/>
+            </a:pPr>
+            <a:endParaRPr lang="en-US" i="1" dirty="0"/>
+          </a:p>
+          <a:p>
+            <a:r>
+              <a:rPr lang="en-US" dirty="0"/>
+              <a:t> </a:t>
+            </a:r>
+          </a:p>
+        </p:txBody>
+      </p:sp>
+      <p:sp>
+        <p:nvSpPr>
+          <p:cNvPr id="4" name="Slide Number Placeholder 3"/>
+          <p:cNvSpPr>
+            <a:spLocks noGrp="1"/>
+          </p:cNvSpPr>
+          <p:nvPr>
+            <p:ph type="sldNum" sz="quarter" idx="5"/>
+          </p:nvPr>
+        </p:nvSpPr>
+        <p:spPr/>
+        <p:txBody>
+          <a:bodyPr/>
+          <a:lstStyle/>
+          <a:p>
+            <a:fld id="{A327F149-D9FA-4932-BD99-DB4E84988BB6}" type="slidenum">
+              <a:rPr lang="en-US" smtClean="0"/>
+              <a:t>16</a:t>
+            </a:fld>
+            <a:endParaRPr lang="en-US"/>
+          </a:p>
+        </p:txBody>
+      </p:sp>
+    </p:spTree>
+    <p:extLst>
+      <p:ext uri="{BB962C8B-B14F-4D97-AF65-F5344CB8AC3E}">
+        <p14:creationId xmlns:p14="http://schemas.microsoft.com/office/powerpoint/2010/main" val="4145455344"/>
+      </p:ext>
+    </p:extLst>
+  </p:cSld>
+  <p:clrMapOvr>
+    <a:masterClrMapping/>
+  </p:clrMapOvr>
+</p:notes>
+</file>
+
+<file path=ppt/notesSlides/notesSlide17.xml><?xml version="1.0" encoding="utf-8"?>
+<p:notes xmlns:a="http://schemas.openxmlformats.org/drawingml/2006/main" xmlns:r="http://schemas.openxmlformats.org/officeDocument/2006/relationships" xmlns:p="http://schemas.openxmlformats.org/presentationml/2006/main">
+  <p:cSld>
+    <p:spTree>
+      <p:nvGrpSpPr>
+        <p:cNvPr id="1" name=""/>
+        <p:cNvGrpSpPr/>
+        <p:nvPr/>
+      </p:nvGrpSpPr>
+      <p:grpSpPr>
+        <a:xfrm>
+          <a:off x="0" y="0"/>
+          <a:ext cx="0" cy="0"/>
+          <a:chOff x="0" y="0"/>
+          <a:chExt cx="0" cy="0"/>
+        </a:xfrm>
+      </p:grpSpPr>
+      <p:sp>
+        <p:nvSpPr>
+          <p:cNvPr id="2" name="Slide Image Placeholder 1"/>
+          <p:cNvSpPr>
+            <a:spLocks noGrp="1" noRot="1" noChangeAspect="1"/>
+          </p:cNvSpPr>
+          <p:nvPr>
+            <p:ph type="sldImg"/>
+          </p:nvPr>
+        </p:nvSpPr>
+        <p:spPr/>
+      </p:sp>
+      <p:sp>
+        <p:nvSpPr>
+          <p:cNvPr id="3" name="Notes Placeholder 2"/>
+          <p:cNvSpPr>
+            <a:spLocks noGrp="1"/>
+          </p:cNvSpPr>
+          <p:nvPr>
+            <p:ph type="body" idx="1"/>
+          </p:nvPr>
+        </p:nvSpPr>
+        <p:spPr/>
+        <p:txBody>
+          <a:bodyPr/>
+          <a:lstStyle/>
+          <a:p>
+            <a:r>
+              <a:rPr lang="en-US" dirty="0" err="1"/>
+              <a:t>Uz</a:t>
+            </a:r>
+            <a:r>
+              <a:rPr lang="en-US" dirty="0"/>
+              <a:t> </a:t>
+            </a:r>
+            <a:r>
+              <a:rPr lang="en-US" dirty="0" err="1"/>
+              <a:t>budu</a:t>
+            </a:r>
+            <a:r>
+              <a:rPr lang="en-US" dirty="0"/>
+              <a:t> </a:t>
+            </a:r>
+            <a:r>
+              <a:rPr lang="en-US" dirty="0" err="1"/>
+              <a:t>mluvit</a:t>
+            </a:r>
+            <a:r>
+              <a:rPr lang="en-US" dirty="0"/>
+              <a:t> o </a:t>
+            </a:r>
+            <a:r>
+              <a:rPr lang="en-US" dirty="0" err="1"/>
+              <a:t>kalibrace</a:t>
+            </a:r>
+            <a:r>
+              <a:rPr lang="en-US" dirty="0"/>
+              <a:t> </a:t>
+            </a:r>
+            <a:r>
+              <a:rPr lang="en-US" dirty="0" err="1"/>
+              <a:t>barev</a:t>
+            </a:r>
+            <a:r>
+              <a:rPr lang="en-US" dirty="0"/>
+              <a:t>. O tom </a:t>
+            </a:r>
+            <a:r>
+              <a:rPr lang="en-US" dirty="0" err="1"/>
+              <a:t>tady</a:t>
+            </a:r>
+            <a:r>
+              <a:rPr lang="en-US" dirty="0"/>
+              <a:t> </a:t>
+            </a:r>
+            <a:r>
+              <a:rPr lang="en-US" dirty="0" err="1"/>
+              <a:t>budu</a:t>
+            </a:r>
+            <a:r>
+              <a:rPr lang="en-US" dirty="0"/>
+              <a:t> </a:t>
+            </a:r>
+            <a:r>
+              <a:rPr lang="en-US" dirty="0" err="1"/>
+              <a:t>vysvetlit</a:t>
+            </a:r>
+            <a:r>
+              <a:rPr lang="en-US" dirty="0"/>
+              <a:t> co to </a:t>
+            </a:r>
+            <a:r>
+              <a:rPr lang="en-US" dirty="0" err="1"/>
+              <a:t>znamena</a:t>
+            </a:r>
+            <a:r>
+              <a:rPr lang="en-US" dirty="0"/>
+              <a:t>  a </a:t>
+            </a:r>
+            <a:r>
+              <a:rPr lang="en-US" dirty="0" err="1"/>
+              <a:t>hlavni</a:t>
+            </a:r>
+            <a:r>
+              <a:rPr lang="en-US" dirty="0"/>
+              <a:t> </a:t>
+            </a:r>
+            <a:r>
+              <a:rPr lang="en-US" dirty="0" err="1"/>
+              <a:t>ucel</a:t>
+            </a:r>
+            <a:r>
+              <a:rPr lang="en-US" dirty="0"/>
+              <a:t>. </a:t>
+            </a:r>
+          </a:p>
+        </p:txBody>
+      </p:sp>
+      <p:sp>
+        <p:nvSpPr>
+          <p:cNvPr id="4" name="Slide Number Placeholder 3"/>
+          <p:cNvSpPr>
+            <a:spLocks noGrp="1"/>
+          </p:cNvSpPr>
+          <p:nvPr>
+            <p:ph type="sldNum" sz="quarter" idx="5"/>
+          </p:nvPr>
+        </p:nvSpPr>
+        <p:spPr/>
+        <p:txBody>
+          <a:bodyPr/>
+          <a:lstStyle/>
+          <a:p>
+            <a:fld id="{A327F149-D9FA-4932-BD99-DB4E84988BB6}" type="slidenum">
+              <a:rPr lang="en-US" smtClean="0"/>
+              <a:t>17</a:t>
+            </a:fld>
+            <a:endParaRPr lang="en-US"/>
+          </a:p>
+        </p:txBody>
+      </p:sp>
+    </p:spTree>
+    <p:extLst>
+      <p:ext uri="{BB962C8B-B14F-4D97-AF65-F5344CB8AC3E}">
+        <p14:creationId xmlns:p14="http://schemas.microsoft.com/office/powerpoint/2010/main" val="2171584186"/>
+      </p:ext>
+    </p:extLst>
+  </p:cSld>
+  <p:clrMapOvr>
+    <a:masterClrMapping/>
+  </p:clrMapOvr>
+</p:notes>
+</file>
+
+<file path=ppt/notesSlides/notesSlide18.xml><?xml version="1.0" encoding="utf-8"?>
+<p:notes xmlns:a="http://schemas.openxmlformats.org/drawingml/2006/main" xmlns:r="http://schemas.openxmlformats.org/officeDocument/2006/relationships" xmlns:p="http://schemas.openxmlformats.org/presentationml/2006/main">
+  <p:cSld>
+    <p:spTree>
+      <p:nvGrpSpPr>
+        <p:cNvPr id="1" name=""/>
+        <p:cNvGrpSpPr/>
+        <p:nvPr/>
+      </p:nvGrpSpPr>
+      <p:grpSpPr>
+        <a:xfrm>
+          <a:off x="0" y="0"/>
+          <a:ext cx="0" cy="0"/>
+          <a:chOff x="0" y="0"/>
+          <a:chExt cx="0" cy="0"/>
+        </a:xfrm>
+      </p:grpSpPr>
+      <p:sp>
+        <p:nvSpPr>
+          <p:cNvPr id="2" name="Slide Image Placeholder 1"/>
+          <p:cNvSpPr>
+            <a:spLocks noGrp="1" noRot="1" noChangeAspect="1"/>
+          </p:cNvSpPr>
+          <p:nvPr>
+            <p:ph type="sldImg"/>
+          </p:nvPr>
+        </p:nvSpPr>
+        <p:spPr/>
+      </p:sp>
+      <p:sp>
+        <p:nvSpPr>
+          <p:cNvPr id="3" name="Notes Placeholder 2"/>
+          <p:cNvSpPr>
+            <a:spLocks noGrp="1"/>
+          </p:cNvSpPr>
+          <p:nvPr>
+            <p:ph type="body" idx="1"/>
+          </p:nvPr>
+        </p:nvSpPr>
+        <p:spPr/>
+        <p:txBody>
+          <a:bodyPr/>
+          <a:lstStyle/>
+          <a:p>
+            <a:pPr marL="0" marR="0" lvl="0" indent="0" algn="l" defTabSz="914400" rtl="0" eaLnBrk="1" fontAlgn="auto" latinLnBrk="0" hangingPunct="1">
+              <a:lnSpc>
+                <a:spcPct val="100000"/>
+              </a:lnSpc>
+              <a:spcBef>
+                <a:spcPts val="0"/>
+              </a:spcBef>
+              <a:spcAft>
+                <a:spcPts val="0"/>
+              </a:spcAft>
+              <a:buClrTx/>
+              <a:buSzTx/>
+              <a:buFontTx/>
+              <a:buNone/>
+              <a:tabLst/>
+              <a:defRPr/>
+            </a:pPr>
+            <a:r>
+              <a:rPr lang="en-US" dirty="0" err="1"/>
+              <a:t>Kalibrace</a:t>
+            </a:r>
+            <a:r>
+              <a:rPr lang="en-US" dirty="0"/>
+              <a:t> </a:t>
+            </a:r>
+            <a:r>
+              <a:rPr lang="en-US" dirty="0" err="1"/>
+              <a:t>barev</a:t>
+            </a:r>
+            <a:r>
+              <a:rPr lang="en-US" dirty="0"/>
+              <a:t> </a:t>
+            </a:r>
+            <a:r>
+              <a:rPr lang="en-US" dirty="0" err="1"/>
+              <a:t>proste</a:t>
+            </a:r>
+            <a:r>
+              <a:rPr lang="en-US" dirty="0"/>
+              <a:t> pro monitor a projector. </a:t>
+            </a:r>
+            <a:r>
+              <a:rPr lang="en-US" sz="1200" dirty="0" err="1"/>
+              <a:t>Ověření</a:t>
+            </a:r>
+            <a:r>
+              <a:rPr lang="en-US" sz="1200" dirty="0"/>
+              <a:t> </a:t>
+            </a:r>
+            <a:r>
+              <a:rPr lang="en-US" sz="1200" dirty="0" err="1"/>
+              <a:t>světla</a:t>
+            </a:r>
+            <a:r>
+              <a:rPr lang="en-US" sz="1200" dirty="0"/>
+              <a:t> a </a:t>
+            </a:r>
+            <a:r>
+              <a:rPr lang="en-US" sz="1200" dirty="0" err="1"/>
+              <a:t>barev</a:t>
+            </a:r>
+            <a:r>
+              <a:rPr lang="en-US" sz="1200" dirty="0"/>
+              <a:t>, </a:t>
+            </a:r>
+            <a:r>
+              <a:rPr lang="en-US" sz="1200" dirty="0" err="1"/>
+              <a:t>vyvinuté</a:t>
+            </a:r>
+            <a:r>
+              <a:rPr lang="en-US" sz="1200" dirty="0"/>
+              <a:t> pro monitor a </a:t>
+            </a:r>
+            <a:r>
+              <a:rPr lang="en-US" sz="1200" dirty="0" err="1"/>
+              <a:t>projektor</a:t>
+            </a:r>
+            <a:r>
+              <a:rPr lang="en-US" sz="1200" dirty="0"/>
+              <a:t>, se </a:t>
+            </a:r>
+            <a:r>
+              <a:rPr lang="en-US" sz="1200" dirty="0" err="1"/>
+              <a:t>nazývá</a:t>
+            </a:r>
+            <a:r>
+              <a:rPr lang="en-US" sz="1200" dirty="0"/>
+              <a:t> </a:t>
+            </a:r>
+            <a:r>
+              <a:rPr lang="en-US" sz="1200" dirty="0" err="1"/>
+              <a:t>kalibrace</a:t>
+            </a:r>
+            <a:endParaRPr lang="en-US" sz="1200" dirty="0"/>
+          </a:p>
+          <a:p>
+            <a:r>
+              <a:rPr lang="en-US" dirty="0" err="1"/>
+              <a:t>Lidske</a:t>
+            </a:r>
+            <a:r>
+              <a:rPr lang="en-US" dirty="0"/>
+              <a:t> </a:t>
+            </a:r>
+            <a:r>
+              <a:rPr lang="en-US" dirty="0" err="1"/>
+              <a:t>oko</a:t>
+            </a:r>
+            <a:r>
+              <a:rPr lang="en-US" dirty="0"/>
+              <a:t> ma </a:t>
+            </a:r>
+            <a:r>
+              <a:rPr lang="en-US" dirty="0" err="1"/>
+              <a:t>schopnost</a:t>
+            </a:r>
+            <a:r>
+              <a:rPr lang="en-US" dirty="0"/>
+              <a:t> </a:t>
+            </a:r>
+            <a:r>
+              <a:rPr lang="en-US" dirty="0" err="1"/>
+              <a:t>videt</a:t>
+            </a:r>
+            <a:r>
+              <a:rPr lang="en-US" dirty="0"/>
+              <a:t> </a:t>
+            </a:r>
+            <a:r>
+              <a:rPr lang="en-US" dirty="0" err="1"/>
+              <a:t>barvy</a:t>
+            </a:r>
+            <a:r>
+              <a:rPr lang="en-US" dirty="0"/>
+              <a:t> , </a:t>
+            </a:r>
+            <a:r>
+              <a:rPr lang="en-US" dirty="0" err="1"/>
+              <a:t>kalibrace</a:t>
+            </a:r>
+            <a:r>
+              <a:rPr lang="en-US" dirty="0"/>
+              <a:t> </a:t>
+            </a:r>
+            <a:r>
+              <a:rPr lang="en-US" dirty="0" err="1"/>
+              <a:t>barev</a:t>
+            </a:r>
+            <a:r>
+              <a:rPr lang="en-US" dirty="0"/>
+              <a:t> je aby nasi </a:t>
+            </a:r>
+            <a:r>
+              <a:rPr lang="en-US" dirty="0" err="1"/>
+              <a:t>oci</a:t>
+            </a:r>
+            <a:r>
+              <a:rPr lang="en-US" dirty="0"/>
+              <a:t> </a:t>
+            </a:r>
+            <a:r>
+              <a:rPr lang="en-US" dirty="0" err="1"/>
+              <a:t>videli</a:t>
+            </a:r>
+            <a:r>
+              <a:rPr lang="en-US" dirty="0"/>
+              <a:t> </a:t>
+            </a:r>
+            <a:r>
+              <a:rPr lang="en-US" dirty="0" err="1"/>
+              <a:t>barvy</a:t>
+            </a:r>
+            <a:r>
+              <a:rPr lang="en-US" dirty="0"/>
+              <a:t> </a:t>
+            </a:r>
+            <a:r>
+              <a:rPr lang="en-US" dirty="0" err="1"/>
+              <a:t>na</a:t>
+            </a:r>
+            <a:r>
+              <a:rPr lang="en-US" dirty="0"/>
+              <a:t> monitor a projector. Jak to </a:t>
+            </a:r>
+            <a:r>
+              <a:rPr lang="en-US" dirty="0" err="1"/>
+              <a:t>funguje</a:t>
+            </a:r>
+            <a:r>
+              <a:rPr lang="en-US" dirty="0"/>
+              <a:t>?</a:t>
+            </a:r>
+          </a:p>
+        </p:txBody>
+      </p:sp>
+      <p:sp>
+        <p:nvSpPr>
+          <p:cNvPr id="4" name="Slide Number Placeholder 3"/>
+          <p:cNvSpPr>
+            <a:spLocks noGrp="1"/>
+          </p:cNvSpPr>
+          <p:nvPr>
+            <p:ph type="sldNum" sz="quarter" idx="5"/>
+          </p:nvPr>
+        </p:nvSpPr>
+        <p:spPr/>
+        <p:txBody>
+          <a:bodyPr/>
+          <a:lstStyle/>
+          <a:p>
+            <a:fld id="{A327F149-D9FA-4932-BD99-DB4E84988BB6}" type="slidenum">
+              <a:rPr lang="en-US" smtClean="0"/>
+              <a:t>18</a:t>
+            </a:fld>
+            <a:endParaRPr lang="en-US"/>
+          </a:p>
+        </p:txBody>
+      </p:sp>
+    </p:spTree>
+    <p:extLst>
+      <p:ext uri="{BB962C8B-B14F-4D97-AF65-F5344CB8AC3E}">
+        <p14:creationId xmlns:p14="http://schemas.microsoft.com/office/powerpoint/2010/main" val="943611835"/>
+      </p:ext>
+    </p:extLst>
+  </p:cSld>
+  <p:clrMapOvr>
+    <a:masterClrMapping/>
+  </p:clrMapOvr>
+</p:notes>
+</file>
+
+<file path=ppt/notesSlides/notesSlide19.xml><?xml version="1.0" encoding="utf-8"?>
+<p:notes xmlns:a="http://schemas.openxmlformats.org/drawingml/2006/main" xmlns:r="http://schemas.openxmlformats.org/officeDocument/2006/relationships" xmlns:p="http://schemas.openxmlformats.org/presentationml/2006/main">
+  <p:cSld>
+    <p:spTree>
+      <p:nvGrpSpPr>
+        <p:cNvPr id="1" name=""/>
+        <p:cNvGrpSpPr/>
+        <p:nvPr/>
+      </p:nvGrpSpPr>
+      <p:grpSpPr>
+        <a:xfrm>
+          <a:off x="0" y="0"/>
+          <a:ext cx="0" cy="0"/>
+          <a:chOff x="0" y="0"/>
+          <a:chExt cx="0" cy="0"/>
+        </a:xfrm>
+      </p:grpSpPr>
+      <p:sp>
+        <p:nvSpPr>
+          <p:cNvPr id="2" name="Slide Image Placeholder 1"/>
+          <p:cNvSpPr>
+            <a:spLocks noGrp="1" noRot="1" noChangeAspect="1"/>
+          </p:cNvSpPr>
+          <p:nvPr>
+            <p:ph type="sldImg"/>
+          </p:nvPr>
+        </p:nvSpPr>
+        <p:spPr/>
+      </p:sp>
+      <p:sp>
+        <p:nvSpPr>
+          <p:cNvPr id="3" name="Notes Placeholder 2"/>
+          <p:cNvSpPr>
+            <a:spLocks noGrp="1"/>
+          </p:cNvSpPr>
+          <p:nvPr>
+            <p:ph type="body" idx="1"/>
+          </p:nvPr>
+        </p:nvSpPr>
+        <p:spPr/>
+        <p:txBody>
+          <a:bodyPr/>
+          <a:lstStyle/>
+          <a:p>
+            <a:r>
+              <a:rPr lang="en-US" dirty="0"/>
+              <a:t>Na to </a:t>
+            </a:r>
+            <a:r>
+              <a:rPr lang="en-US" dirty="0" err="1"/>
+              <a:t>potrebujeme</a:t>
+            </a:r>
+            <a:r>
+              <a:rPr lang="en-US" dirty="0"/>
+              <a:t> </a:t>
+            </a:r>
+            <a:r>
+              <a:rPr lang="en-US" dirty="0" err="1"/>
+              <a:t>kolorimetr</a:t>
+            </a:r>
+            <a:r>
+              <a:rPr lang="en-US" dirty="0"/>
+              <a:t> </a:t>
+            </a:r>
+            <a:r>
+              <a:rPr lang="en-US" dirty="0" err="1"/>
+              <a:t>nebo</a:t>
+            </a:r>
+            <a:r>
+              <a:rPr lang="en-US" dirty="0"/>
+              <a:t> </a:t>
+            </a:r>
+            <a:r>
+              <a:rPr lang="en-US" dirty="0" err="1"/>
+              <a:t>spektrofotometr</a:t>
+            </a:r>
+            <a:r>
+              <a:rPr lang="en-US" dirty="0"/>
+              <a:t>. Na </a:t>
+            </a:r>
+            <a:r>
+              <a:rPr lang="en-US" dirty="0" err="1"/>
+              <a:t>fotce</a:t>
+            </a:r>
+            <a:r>
+              <a:rPr lang="en-US" dirty="0"/>
+              <a:t> ja </a:t>
+            </a:r>
+            <a:r>
+              <a:rPr lang="en-US" dirty="0" err="1"/>
+              <a:t>vam</a:t>
+            </a:r>
+            <a:r>
+              <a:rPr lang="en-US" dirty="0"/>
+              <a:t> </a:t>
+            </a:r>
+            <a:r>
+              <a:rPr lang="en-US" dirty="0" err="1"/>
+              <a:t>ukazu</a:t>
+            </a:r>
+            <a:r>
+              <a:rPr lang="en-US" dirty="0"/>
+              <a:t> jak to </a:t>
+            </a:r>
+            <a:r>
+              <a:rPr lang="en-US" dirty="0" err="1"/>
+              <a:t>vypada</a:t>
+            </a:r>
+            <a:r>
+              <a:rPr lang="en-US" dirty="0"/>
+              <a:t>. </a:t>
+            </a:r>
+            <a:r>
+              <a:rPr lang="en-US" dirty="0" err="1"/>
+              <a:t>Prvním</a:t>
+            </a:r>
+            <a:r>
+              <a:rPr lang="en-US" dirty="0"/>
+              <a:t> </a:t>
+            </a:r>
+            <a:r>
+              <a:rPr lang="en-US" dirty="0" err="1"/>
+              <a:t>krokem</a:t>
+            </a:r>
+            <a:r>
+              <a:rPr lang="en-US" dirty="0"/>
+              <a:t> je </a:t>
+            </a:r>
+            <a:r>
+              <a:rPr lang="en-US" dirty="0" err="1"/>
+              <a:t>změření</a:t>
+            </a:r>
+            <a:r>
+              <a:rPr lang="en-US" dirty="0"/>
+              <a:t> </a:t>
+            </a:r>
+            <a:r>
+              <a:rPr lang="en-US" dirty="0" err="1"/>
+              <a:t>aktuálního</a:t>
+            </a:r>
+            <a:r>
+              <a:rPr lang="en-US" dirty="0"/>
+              <a:t> </a:t>
+            </a:r>
+            <a:r>
+              <a:rPr lang="en-US" dirty="0" err="1"/>
+              <a:t>barevného</a:t>
+            </a:r>
+            <a:r>
+              <a:rPr lang="en-US" dirty="0"/>
+              <a:t> </a:t>
+            </a:r>
+            <a:r>
+              <a:rPr lang="en-US" dirty="0" err="1"/>
+              <a:t>výstupu</a:t>
+            </a:r>
+            <a:r>
+              <a:rPr lang="en-US" dirty="0"/>
+              <a:t> </a:t>
+            </a:r>
+            <a:r>
+              <a:rPr lang="en-US" dirty="0" err="1"/>
+              <a:t>zařízení</a:t>
+            </a:r>
+            <a:r>
+              <a:rPr lang="en-US" dirty="0"/>
+              <a:t> </a:t>
+            </a:r>
+            <a:r>
+              <a:rPr lang="en-US" dirty="0" err="1"/>
+              <a:t>pomocí</a:t>
+            </a:r>
+            <a:r>
+              <a:rPr lang="en-US" dirty="0"/>
+              <a:t> </a:t>
+            </a:r>
+            <a:r>
+              <a:rPr lang="en-US" dirty="0" err="1"/>
+              <a:t>kolorimetru</a:t>
+            </a:r>
+            <a:r>
+              <a:rPr lang="en-US" dirty="0"/>
+              <a:t> </a:t>
+            </a:r>
+            <a:r>
+              <a:rPr lang="en-US" dirty="0" err="1"/>
+              <a:t>nebo</a:t>
+            </a:r>
+            <a:r>
+              <a:rPr lang="en-US" dirty="0"/>
+              <a:t> </a:t>
+            </a:r>
+            <a:r>
+              <a:rPr lang="en-US" dirty="0" err="1"/>
+              <a:t>spektrofotometru</a:t>
+            </a:r>
+            <a:r>
+              <a:rPr lang="en-US" dirty="0"/>
+              <a:t>, </a:t>
+            </a:r>
+            <a:r>
+              <a:rPr lang="en-US" dirty="0" err="1"/>
+              <a:t>poté</a:t>
+            </a:r>
+            <a:r>
+              <a:rPr lang="en-US" dirty="0"/>
+              <a:t> se </a:t>
+            </a:r>
+            <a:r>
+              <a:rPr lang="en-US" dirty="0" err="1"/>
+              <a:t>barevný</a:t>
+            </a:r>
+            <a:r>
+              <a:rPr lang="en-US" dirty="0"/>
+              <a:t> </a:t>
+            </a:r>
+            <a:r>
+              <a:rPr lang="en-US" dirty="0" err="1"/>
+              <a:t>profil</a:t>
+            </a:r>
+            <a:r>
+              <a:rPr lang="en-US" dirty="0"/>
+              <a:t> </a:t>
+            </a:r>
+            <a:r>
+              <a:rPr lang="en-US" dirty="0" err="1"/>
+              <a:t>nahraje</a:t>
+            </a:r>
+            <a:r>
+              <a:rPr lang="en-US" dirty="0"/>
+              <a:t> do </a:t>
+            </a:r>
+            <a:r>
+              <a:rPr lang="en-US" dirty="0" err="1"/>
+              <a:t>zařízení</a:t>
+            </a:r>
+            <a:r>
+              <a:rPr lang="en-US" dirty="0"/>
+              <a:t>. </a:t>
+            </a:r>
+            <a:r>
+              <a:rPr lang="en-US" dirty="0" err="1"/>
+              <a:t>Treba</a:t>
+            </a:r>
+            <a:r>
+              <a:rPr lang="en-US" dirty="0"/>
+              <a:t> </a:t>
+            </a:r>
+            <a:r>
+              <a:rPr lang="en-US" dirty="0" err="1"/>
+              <a:t>na</a:t>
+            </a:r>
+            <a:r>
+              <a:rPr lang="en-US" dirty="0"/>
+              <a:t> monitor. A </a:t>
+            </a:r>
+            <a:r>
+              <a:rPr lang="en-US" dirty="0" err="1"/>
+              <a:t>takhle</a:t>
+            </a:r>
+            <a:r>
+              <a:rPr lang="en-US" dirty="0"/>
+              <a:t> to </a:t>
+            </a:r>
+            <a:r>
+              <a:rPr lang="en-US" dirty="0" err="1"/>
+              <a:t>funguje</a:t>
+            </a:r>
+            <a:r>
+              <a:rPr lang="en-US" dirty="0"/>
+              <a:t>.  </a:t>
+            </a:r>
+          </a:p>
+        </p:txBody>
+      </p:sp>
+      <p:sp>
+        <p:nvSpPr>
+          <p:cNvPr id="4" name="Slide Number Placeholder 3"/>
+          <p:cNvSpPr>
+            <a:spLocks noGrp="1"/>
+          </p:cNvSpPr>
+          <p:nvPr>
+            <p:ph type="sldNum" sz="quarter" idx="5"/>
+          </p:nvPr>
+        </p:nvSpPr>
+        <p:spPr/>
+        <p:txBody>
+          <a:bodyPr/>
+          <a:lstStyle/>
+          <a:p>
+            <a:fld id="{A327F149-D9FA-4932-BD99-DB4E84988BB6}" type="slidenum">
+              <a:rPr lang="en-US" smtClean="0"/>
+              <a:t>19</a:t>
+            </a:fld>
+            <a:endParaRPr lang="en-US"/>
+          </a:p>
+        </p:txBody>
+      </p:sp>
+    </p:spTree>
+    <p:extLst>
+      <p:ext uri="{BB962C8B-B14F-4D97-AF65-F5344CB8AC3E}">
+        <p14:creationId xmlns:p14="http://schemas.microsoft.com/office/powerpoint/2010/main" val="1265724878"/>
+      </p:ext>
+    </p:extLst>
+  </p:cSld>
+  <p:clrMapOvr>
+    <a:masterClrMapping/>
+  </p:clrMapOvr>
+</p:notes>
+</file>
+
 <file path=ppt/notesSlides/notesSlide2.xml><?xml version="1.0" encoding="utf-8"?>
 <p:notes xmlns:a="http://schemas.openxmlformats.org/drawingml/2006/main" xmlns:r="http://schemas.openxmlformats.org/officeDocument/2006/relationships" xmlns:p="http://schemas.openxmlformats.org/presentationml/2006/main">
   <p:cSld>
@@ -27975,7 +30246,7 @@
           <a:p>
             <a:fld id="{29134D58-3766-44A1-9C78-2A4754B7E537}" type="datetimeFigureOut">
               <a:rPr lang="en-US" smtClean="0"/>
-              <a:t>1/14/2023</a:t>
+              <a:t>1/15/2023</a:t>
             </a:fld>
             <a:endParaRPr lang="en-US"/>
           </a:p>
@@ -28185,7 +30456,7 @@
           <a:p>
             <a:fld id="{29134D58-3766-44A1-9C78-2A4754B7E537}" type="datetimeFigureOut">
               <a:rPr lang="en-US" smtClean="0"/>
-              <a:t>1/14/2023</a:t>
+              <a:t>1/15/2023</a:t>
             </a:fld>
             <a:endParaRPr lang="en-US"/>
           </a:p>
@@ -28405,7 +30676,7 @@
           <a:p>
             <a:fld id="{29134D58-3766-44A1-9C78-2A4754B7E537}" type="datetimeFigureOut">
               <a:rPr lang="en-US" smtClean="0"/>
-              <a:t>1/14/2023</a:t>
+              <a:t>1/15/2023</a:t>
             </a:fld>
             <a:endParaRPr lang="en-US"/>
           </a:p>
@@ -28615,7 +30886,7 @@
           <a:p>
             <a:fld id="{29134D58-3766-44A1-9C78-2A4754B7E537}" type="datetimeFigureOut">
               <a:rPr lang="en-US" smtClean="0"/>
-              <a:t>1/14/2023</a:t>
+              <a:t>1/15/2023</a:t>
             </a:fld>
             <a:endParaRPr lang="en-US"/>
           </a:p>
@@ -28902,7 +31173,7 @@
           <a:p>
             <a:fld id="{29134D58-3766-44A1-9C78-2A4754B7E537}" type="datetimeFigureOut">
               <a:rPr lang="en-US" smtClean="0"/>
-              <a:t>1/14/2023</a:t>
+              <a:t>1/15/2023</a:t>
             </a:fld>
             <a:endParaRPr lang="en-US"/>
           </a:p>
@@ -29179,7 +31450,7 @@
           <a:p>
             <a:fld id="{29134D58-3766-44A1-9C78-2A4754B7E537}" type="datetimeFigureOut">
               <a:rPr lang="en-US" smtClean="0"/>
-              <a:t>1/14/2023</a:t>
+              <a:t>1/15/2023</a:t>
             </a:fld>
             <a:endParaRPr lang="en-US"/>
           </a:p>
@@ -29603,7 +31874,7 @@
           <a:p>
             <a:fld id="{29134D58-3766-44A1-9C78-2A4754B7E537}" type="datetimeFigureOut">
               <a:rPr lang="en-US" smtClean="0"/>
-              <a:t>1/14/2023</a:t>
+              <a:t>1/15/2023</a:t>
             </a:fld>
             <a:endParaRPr lang="en-US"/>
           </a:p>
@@ -29756,7 +32027,7 @@
           <a:p>
             <a:fld id="{29134D58-3766-44A1-9C78-2A4754B7E537}" type="datetimeFigureOut">
               <a:rPr lang="en-US" smtClean="0"/>
-              <a:t>1/14/2023</a:t>
+              <a:t>1/15/2023</a:t>
             </a:fld>
             <a:endParaRPr lang="en-US"/>
           </a:p>
@@ -29881,7 +32152,7 @@
           <a:p>
             <a:fld id="{29134D58-3766-44A1-9C78-2A4754B7E537}" type="datetimeFigureOut">
               <a:rPr lang="en-US" smtClean="0"/>
-              <a:t>1/14/2023</a:t>
+              <a:t>1/15/2023</a:t>
             </a:fld>
             <a:endParaRPr lang="en-US"/>
           </a:p>
@@ -30204,7 +32475,7 @@
           <a:p>
             <a:fld id="{29134D58-3766-44A1-9C78-2A4754B7E537}" type="datetimeFigureOut">
               <a:rPr lang="en-US" smtClean="0"/>
-              <a:t>1/14/2023</a:t>
+              <a:t>1/15/2023</a:t>
             </a:fld>
             <a:endParaRPr lang="en-US"/>
           </a:p>
@@ -30504,7 +32775,7 @@
           <a:p>
             <a:fld id="{29134D58-3766-44A1-9C78-2A4754B7E537}" type="datetimeFigureOut">
               <a:rPr lang="en-US" smtClean="0"/>
-              <a:t>1/14/2023</a:t>
+              <a:t>1/15/2023</a:t>
             </a:fld>
             <a:endParaRPr lang="en-US"/>
           </a:p>
@@ -30757,7 +33028,7 @@
           <a:p>
             <a:fld id="{29134D58-3766-44A1-9C78-2A4754B7E537}" type="datetimeFigureOut">
               <a:rPr lang="en-US" smtClean="0"/>
-              <a:t>1/14/2023</a:t>
+              <a:t>1/15/2023</a:t>
             </a:fld>
             <a:endParaRPr lang="en-US"/>
           </a:p>
@@ -35141,7 +37412,7 @@
           <p:nvPr/>
         </p:nvPicPr>
         <p:blipFill rotWithShape="1">
-          <a:blip r:embed="rId2"/>
+          <a:blip r:embed="rId3"/>
           <a:srcRect r="23518" b="-1"/>
           <a:stretch/>
         </p:blipFill>
@@ -35983,7 +38254,7 @@
         </p:xfrm>
         <a:graphic>
           <a:graphicData uri="http://schemas.openxmlformats.org/drawingml/2006/diagram">
-            <dgm:relIds xmlns:dgm="http://schemas.openxmlformats.org/drawingml/2006/diagram" xmlns:r="http://schemas.openxmlformats.org/officeDocument/2006/relationships" r:dm="rId2" r:lo="rId3" r:qs="rId4" r:cs="rId5"/>
+            <dgm:relIds xmlns:dgm="http://schemas.openxmlformats.org/drawingml/2006/diagram" xmlns:r="http://schemas.openxmlformats.org/officeDocument/2006/relationships" r:dm="rId3" r:lo="rId4" r:qs="rId5" r:cs="rId6"/>
           </a:graphicData>
         </a:graphic>
       </p:graphicFrame>
@@ -36378,14 +38649,178 @@
           <a:lstStyle/>
           <a:p>
             <a:r>
-              <a:rPr lang="en-US" sz="2000"/>
-              <a:t>Na rozdíl od barevného modelu RGB přesněji reprezentuje vnímání barev lidským okem.</a:t>
+              <a:rPr lang="en-US" sz="2000" dirty="0"/>
+              <a:t>Na </a:t>
+            </a:r>
+            <a:r>
+              <a:rPr lang="en-US" sz="2000" dirty="0" err="1"/>
+              <a:t>rozdíl</a:t>
+            </a:r>
+            <a:r>
+              <a:rPr lang="en-US" sz="2000" dirty="0"/>
+              <a:t> od </a:t>
+            </a:r>
+            <a:r>
+              <a:rPr lang="en-US" sz="2000" dirty="0" err="1"/>
+              <a:t>barevného</a:t>
+            </a:r>
+            <a:r>
+              <a:rPr lang="en-US" sz="2000" dirty="0"/>
+              <a:t> </a:t>
+            </a:r>
+            <a:r>
+              <a:rPr lang="en-US" sz="2000" dirty="0" err="1"/>
+              <a:t>modelu</a:t>
+            </a:r>
+            <a:r>
+              <a:rPr lang="en-US" sz="2000" dirty="0"/>
+              <a:t> RGB </a:t>
+            </a:r>
+            <a:r>
+              <a:rPr lang="en-US" sz="2000" dirty="0" err="1"/>
+              <a:t>přesněji</a:t>
+            </a:r>
+            <a:r>
+              <a:rPr lang="en-US" sz="2000" dirty="0"/>
+              <a:t> </a:t>
+            </a:r>
+            <a:r>
+              <a:rPr lang="en-US" sz="2000" dirty="0" err="1"/>
+              <a:t>reprezentuje</a:t>
+            </a:r>
+            <a:r>
+              <a:rPr lang="en-US" sz="2000" dirty="0"/>
+              <a:t> </a:t>
+            </a:r>
+            <a:r>
+              <a:rPr lang="en-US" sz="2000" dirty="0" err="1"/>
+              <a:t>vnímání</a:t>
+            </a:r>
+            <a:r>
+              <a:rPr lang="en-US" sz="2000" dirty="0"/>
+              <a:t> </a:t>
+            </a:r>
+            <a:r>
+              <a:rPr lang="en-US" sz="2000" dirty="0" err="1"/>
+              <a:t>barev</a:t>
+            </a:r>
+            <a:r>
+              <a:rPr lang="en-US" sz="2000" dirty="0"/>
+              <a:t> </a:t>
+            </a:r>
+            <a:r>
+              <a:rPr lang="en-US" sz="2000" dirty="0" err="1"/>
+              <a:t>lidským</a:t>
+            </a:r>
+            <a:r>
+              <a:rPr lang="en-US" sz="2000" dirty="0"/>
+              <a:t> </a:t>
+            </a:r>
+            <a:r>
+              <a:rPr lang="en-US" sz="2000" dirty="0" err="1"/>
+              <a:t>okem</a:t>
+            </a:r>
+            <a:r>
+              <a:rPr lang="en-US" sz="2000" dirty="0"/>
+              <a:t>.</a:t>
             </a:r>
           </a:p>
           <a:p>
             <a:r>
-              <a:rPr lang="en-US" sz="2000"/>
-              <a:t>Často se používá v systémech správy barev a dalších aplikacích, kde je důležitá přesná reprezentace barev.</a:t>
+              <a:rPr lang="en-US" sz="2000" dirty="0" err="1"/>
+              <a:t>Často</a:t>
+            </a:r>
+            <a:r>
+              <a:rPr lang="en-US" sz="2000" dirty="0"/>
+              <a:t> se </a:t>
+            </a:r>
+            <a:r>
+              <a:rPr lang="en-US" sz="2000" dirty="0" err="1"/>
+              <a:t>používá</a:t>
+            </a:r>
+            <a:r>
+              <a:rPr lang="en-US" sz="2000" dirty="0"/>
+              <a:t> v </a:t>
+            </a:r>
+            <a:r>
+              <a:rPr lang="en-US" sz="2000" dirty="0" err="1"/>
+              <a:t>systémech</a:t>
+            </a:r>
+            <a:r>
+              <a:rPr lang="en-US" sz="2000" dirty="0"/>
+              <a:t> </a:t>
+            </a:r>
+            <a:r>
+              <a:rPr lang="en-US" sz="2000" dirty="0" err="1"/>
+              <a:t>správy</a:t>
+            </a:r>
+            <a:r>
+              <a:rPr lang="en-US" sz="2000" dirty="0"/>
+              <a:t> </a:t>
+            </a:r>
+            <a:r>
+              <a:rPr lang="en-US" sz="2000" dirty="0" err="1"/>
+              <a:t>barev</a:t>
+            </a:r>
+            <a:r>
+              <a:rPr lang="en-US" sz="2000" dirty="0"/>
+              <a:t> a </a:t>
+            </a:r>
+            <a:r>
+              <a:rPr lang="en-US" sz="2000" dirty="0" err="1"/>
+              <a:t>dalších</a:t>
+            </a:r>
+            <a:r>
+              <a:rPr lang="en-US" sz="2000" dirty="0"/>
+              <a:t> </a:t>
+            </a:r>
+            <a:r>
+              <a:rPr lang="en-US" sz="2000" dirty="0" err="1"/>
+              <a:t>aplikacích</a:t>
+            </a:r>
+            <a:r>
+              <a:rPr lang="en-US" sz="2000" dirty="0"/>
+              <a:t>, </a:t>
+            </a:r>
+            <a:r>
+              <a:rPr lang="en-US" sz="2000" dirty="0" err="1"/>
+              <a:t>kde</a:t>
+            </a:r>
+            <a:r>
+              <a:rPr lang="en-US" sz="2000" dirty="0"/>
+              <a:t> je </a:t>
+            </a:r>
+            <a:r>
+              <a:rPr lang="en-US" sz="2000" dirty="0" err="1"/>
+              <a:t>důležitá</a:t>
+            </a:r>
+            <a:r>
+              <a:rPr lang="en-US" sz="2000" dirty="0"/>
+              <a:t> </a:t>
+            </a:r>
+            <a:r>
+              <a:rPr lang="en-US" sz="2000" dirty="0" err="1"/>
+              <a:t>přesná</a:t>
+            </a:r>
+            <a:r>
+              <a:rPr lang="en-US" sz="2000" dirty="0"/>
+              <a:t> </a:t>
+            </a:r>
+            <a:r>
+              <a:rPr lang="en-US" sz="2000" dirty="0" err="1"/>
+              <a:t>reprezentace</a:t>
+            </a:r>
+            <a:r>
+              <a:rPr lang="en-US" sz="2000" dirty="0"/>
+              <a:t> </a:t>
+            </a:r>
+            <a:r>
+              <a:rPr lang="en-US" sz="2000" dirty="0" err="1"/>
+              <a:t>barev</a:t>
+            </a:r>
+            <a:r>
+              <a:rPr lang="en-US" sz="2000" dirty="0"/>
+              <a:t>.</a:t>
             </a:r>
           </a:p>
         </p:txBody>
@@ -36538,7 +38973,7 @@
           <p:nvPr/>
         </p:nvPicPr>
         <p:blipFill rotWithShape="1">
-          <a:blip r:embed="rId2">
+          <a:blip r:embed="rId3">
             <a:extLst>
               <a:ext uri="{28A0092B-C50C-407E-A947-70E740481C1C}">
                 <a14:useLocalDpi xmlns:a14="http://schemas.microsoft.com/office/drawing/2010/main" val="0"/>
@@ -37086,7 +39521,7 @@
         </p:xfrm>
         <a:graphic>
           <a:graphicData uri="http://schemas.openxmlformats.org/drawingml/2006/diagram">
-            <dgm:relIds xmlns:dgm="http://schemas.openxmlformats.org/drawingml/2006/diagram" xmlns:r="http://schemas.openxmlformats.org/officeDocument/2006/relationships" r:dm="rId2" r:lo="rId3" r:qs="rId4" r:cs="rId5"/>
+            <dgm:relIds xmlns:dgm="http://schemas.openxmlformats.org/drawingml/2006/diagram" xmlns:r="http://schemas.openxmlformats.org/officeDocument/2006/relationships" r:dm="rId3" r:lo="rId4" r:qs="rId5" r:cs="rId6"/>
           </a:graphicData>
         </a:graphic>
       </p:graphicFrame>
@@ -37330,6 +39765,10 @@
           </a:p>
           <a:p>
             <a:r>
+              <a:rPr lang="en-US" i="1" dirty="0"/>
+              <a:t> </a:t>
+            </a:r>
+            <a:r>
               <a:rPr lang="en-US" i="1" dirty="0" err="1"/>
               <a:t>Slouží</a:t>
             </a:r>
@@ -37397,6 +39836,12 @@
               <a:rPr lang="en-US" i="1" dirty="0" err="1"/>
               <a:t>podmínek</a:t>
             </a:r>
+            <a:r>
+              <a:rPr lang="en-US" i="1" dirty="0"/>
+              <a:t>. </a:t>
+            </a:r>
+          </a:p>
+          <a:p>
             <a:endParaRPr lang="en-US" i="1" dirty="0"/>
           </a:p>
         </p:txBody>
@@ -37416,7 +39861,7 @@
           <p:nvPr/>
         </p:nvPicPr>
         <p:blipFill>
-          <a:blip r:embed="rId2">
+          <a:blip r:embed="rId3">
             <a:extLst>
               <a:ext uri="{28A0092B-C50C-407E-A947-70E740481C1C}">
                 <a14:useLocalDpi xmlns:a14="http://schemas.microsoft.com/office/drawing/2010/main" val="0"/>
@@ -38191,7 +40636,7 @@
         </p:xfrm>
         <a:graphic>
           <a:graphicData uri="http://schemas.openxmlformats.org/drawingml/2006/diagram">
-            <dgm:relIds xmlns:dgm="http://schemas.openxmlformats.org/drawingml/2006/diagram" xmlns:r="http://schemas.openxmlformats.org/officeDocument/2006/relationships" r:dm="rId2" r:lo="rId3" r:qs="rId4" r:cs="rId5"/>
+            <dgm:relIds xmlns:dgm="http://schemas.openxmlformats.org/drawingml/2006/diagram" xmlns:r="http://schemas.openxmlformats.org/officeDocument/2006/relationships" r:dm="rId3" r:lo="rId4" r:qs="rId5" r:cs="rId6"/>
           </a:graphicData>
         </a:graphic>
       </p:graphicFrame>
@@ -38320,7 +40765,7 @@
           <p:nvPr/>
         </p:nvPicPr>
         <p:blipFill rotWithShape="1">
-          <a:blip r:embed="rId2">
+          <a:blip r:embed="rId3">
             <a:extLst>
               <a:ext uri="{28A0092B-C50C-407E-A947-70E740481C1C}">
                 <a14:useLocalDpi xmlns:a14="http://schemas.microsoft.com/office/drawing/2010/main" val="0"/>
@@ -39165,7 +41610,7 @@
           <p:nvPr/>
         </p:nvPicPr>
         <p:blipFill>
-          <a:blip r:embed="rId2">
+          <a:blip r:embed="rId3">
             <a:extLst>
               <a:ext uri="{28A0092B-C50C-407E-A947-70E740481C1C}">
                 <a14:useLocalDpi xmlns:a14="http://schemas.microsoft.com/office/drawing/2010/main" val="0"/>

--- a/Presentation for IT.pptx
+++ b/Presentation for IT.pptx
@@ -42179,39 +42179,46 @@
           <a:lstStyle/>
           <a:p>
             <a:r>
-              <a:rPr lang="en-US" sz="5400" b="0" i="0">
+              <a:rPr lang="en-US" sz="5400" b="0" i="0" dirty="0">
                 <a:effectLst/>
                 <a:latin typeface="-apple-system"/>
               </a:rPr>
               <a:t> </a:t>
             </a:r>
             <a:r>
-              <a:rPr lang="en-US" sz="5400">
+              <a:rPr lang="en-US" sz="5400" dirty="0" err="1">
                 <a:latin typeface="-apple-system"/>
               </a:rPr>
               <a:t>P</a:t>
             </a:r>
             <a:r>
-              <a:rPr lang="en-US" sz="5400" b="0" i="0">
+              <a:rPr lang="en-US" sz="5400" b="0" i="0" dirty="0" err="1">
                 <a:effectLst/>
                 <a:latin typeface="-apple-system"/>
               </a:rPr>
-              <a:t>oužité </a:t>
-            </a:r>
-            <a:r>
-              <a:rPr lang="en-US" sz="5400">
+              <a:t>oužité</a:t>
+            </a:r>
+            <a:r>
+              <a:rPr lang="en-US" sz="5400" b="0" i="0" dirty="0">
+                <a:effectLst/>
+                <a:latin typeface="-apple-system"/>
+              </a:rPr>
+              <a:t> </a:t>
+            </a:r>
+            <a:r>
+              <a:rPr lang="en-US" sz="5400" dirty="0" err="1">
                 <a:latin typeface="-apple-system"/>
               </a:rPr>
               <a:t>L</a:t>
             </a:r>
             <a:r>
-              <a:rPr lang="en-US" sz="5400" b="0" i="0">
+              <a:rPr lang="en-US" sz="5400" b="0" i="0" dirty="0" err="1">
                 <a:effectLst/>
                 <a:latin typeface="-apple-system"/>
               </a:rPr>
               <a:t>iteratury</a:t>
             </a:r>
-            <a:endParaRPr lang="en-US" sz="5400"/>
+            <a:endParaRPr lang="en-US" sz="5400" dirty="0"/>
           </a:p>
         </p:txBody>
       </p:sp>
@@ -42882,308 +42889,448 @@
           <a:lstStyle/>
           <a:p>
             <a:r>
-              <a:rPr lang="en-US" sz="1400" b="0" i="0">
+              <a:rPr lang="en-US" sz="1400" b="0" i="0" dirty="0" err="1">
                 <a:effectLst/>
                 <a:latin typeface="Open Sans" panose="020B0604020202020204" pitchFamily="34" charset="0"/>
               </a:rPr>
-              <a:t>Barevná hloubka. In: </a:t>
-            </a:r>
-            <a:r>
-              <a:rPr lang="en-US" sz="1400" b="0" i="1">
+              <a:t>Barevná</a:t>
+            </a:r>
+            <a:r>
+              <a:rPr lang="en-US" sz="1400" b="0" i="0" dirty="0">
+                <a:effectLst/>
+                <a:latin typeface="Open Sans" panose="020B0604020202020204" pitchFamily="34" charset="0"/>
+              </a:rPr>
+              <a:t> </a:t>
+            </a:r>
+            <a:r>
+              <a:rPr lang="en-US" sz="1400" b="0" i="0" dirty="0" err="1">
+                <a:effectLst/>
+                <a:latin typeface="Open Sans" panose="020B0604020202020204" pitchFamily="34" charset="0"/>
+              </a:rPr>
+              <a:t>hloubka</a:t>
+            </a:r>
+            <a:r>
+              <a:rPr lang="en-US" sz="1400" b="0" i="0" dirty="0">
+                <a:effectLst/>
+                <a:latin typeface="Open Sans" panose="020B0604020202020204" pitchFamily="34" charset="0"/>
+              </a:rPr>
+              <a:t>. In: </a:t>
+            </a:r>
+            <a:r>
+              <a:rPr lang="en-US" sz="1400" b="0" i="1" dirty="0">
                 <a:effectLst/>
                 <a:latin typeface="Open Sans" panose="020B0604020202020204" pitchFamily="34" charset="0"/>
               </a:rPr>
               <a:t>Wikipedia: the free encyclopedia</a:t>
             </a:r>
             <a:r>
-              <a:rPr lang="en-US" sz="1400" b="0" i="0">
+              <a:rPr lang="en-US" sz="1400" b="0" i="0" dirty="0">
                 <a:effectLst/>
                 <a:latin typeface="Open Sans" panose="020B0604020202020204" pitchFamily="34" charset="0"/>
               </a:rPr>
-              <a:t> [online]. San Francisco (CA): Wikimedia Foundation, 2001- 2022, 11. 4. 2022 [cit. 2023-01-14]. Dostupné z: </a:t>
-            </a:r>
-            <a:r>
-              <a:rPr lang="en-US" sz="1400" b="0" i="0">
+              <a:t> [online]. San Francisco (CA): Wikimedia Foundation, 2001- 2022, 11. 4. 2022 [cit. 2023-01-14]. </a:t>
+            </a:r>
+            <a:r>
+              <a:rPr lang="en-US" sz="1400" b="0" i="0" dirty="0" err="1">
+                <a:effectLst/>
+                <a:latin typeface="Open Sans" panose="020B0604020202020204" pitchFamily="34" charset="0"/>
+              </a:rPr>
+              <a:t>Dostupné</a:t>
+            </a:r>
+            <a:r>
+              <a:rPr lang="en-US" sz="1400" b="0" i="0" dirty="0">
+                <a:effectLst/>
+                <a:latin typeface="Open Sans" panose="020B0604020202020204" pitchFamily="34" charset="0"/>
+              </a:rPr>
+              <a:t> z: </a:t>
+            </a:r>
+            <a:r>
+              <a:rPr lang="en-US" sz="1400" b="0" i="0" dirty="0">
                 <a:effectLst/>
                 <a:latin typeface="Open Sans" panose="020B0604020202020204" pitchFamily="34" charset="0"/>
                 <a:hlinkClick r:id="rId2"/>
               </a:rPr>
               <a:t>https://cs.wikipedia.org/wiki/Barevn%C3%A1_hloubka</a:t>
             </a:r>
-            <a:endParaRPr lang="en-US" sz="1400" b="0" i="0">
+            <a:endParaRPr lang="en-US" sz="1400" b="0" i="0" dirty="0">
               <a:effectLst/>
               <a:latin typeface="Open Sans" panose="020B0604020202020204" pitchFamily="34" charset="0"/>
             </a:endParaRPr>
           </a:p>
           <a:p>
             <a:r>
-              <a:rPr lang="en-US" sz="1400" b="0" i="0">
+              <a:rPr lang="en-US" sz="1400" b="0" i="0" dirty="0">
                 <a:effectLst/>
                 <a:latin typeface="Open Sans" panose="020B0606030504020204" pitchFamily="34" charset="0"/>
               </a:rPr>
               <a:t>Pixel. In: </a:t>
             </a:r>
             <a:r>
-              <a:rPr lang="en-US" sz="1400" b="0" i="1">
+              <a:rPr lang="en-US" sz="1400" b="0" i="1" dirty="0">
                 <a:effectLst/>
                 <a:latin typeface="Open Sans" panose="020B0606030504020204" pitchFamily="34" charset="0"/>
               </a:rPr>
               <a:t>Wikipedia: the free encyclopedia</a:t>
             </a:r>
             <a:r>
-              <a:rPr lang="en-US" sz="1400" b="0" i="0">
+              <a:rPr lang="en-US" sz="1400" b="0" i="0" dirty="0">
                 <a:effectLst/>
                 <a:latin typeface="Open Sans" panose="020B0606030504020204" pitchFamily="34" charset="0"/>
               </a:rPr>
-              <a:t> [online]. San Francisco (CA): Wikimedia Foundation, 2001- 2022, 2. 6. 2022 [cit. 2023-01-14]. Dostupné z: </a:t>
-            </a:r>
-            <a:r>
-              <a:rPr lang="en-US" sz="1400" b="0" i="0">
+              <a:t> [online]. San Francisco (CA): Wikimedia Foundation, 2001- 2022, 2. 6. 2022 [cit. 2023-01-14]. </a:t>
+            </a:r>
+            <a:r>
+              <a:rPr lang="en-US" sz="1400" b="0" i="0" dirty="0" err="1">
+                <a:effectLst/>
+                <a:latin typeface="Open Sans" panose="020B0606030504020204" pitchFamily="34" charset="0"/>
+              </a:rPr>
+              <a:t>Dostupné</a:t>
+            </a:r>
+            <a:r>
+              <a:rPr lang="en-US" sz="1400" b="0" i="0" dirty="0">
+                <a:effectLst/>
+                <a:latin typeface="Open Sans" panose="020B0606030504020204" pitchFamily="34" charset="0"/>
+              </a:rPr>
+              <a:t> z: </a:t>
+            </a:r>
+            <a:r>
+              <a:rPr lang="en-US" sz="1400" b="0" i="0" dirty="0">
                 <a:effectLst/>
                 <a:latin typeface="Open Sans" panose="020B0606030504020204" pitchFamily="34" charset="0"/>
                 <a:hlinkClick r:id="rId3"/>
               </a:rPr>
               <a:t>https://cs.wikipedia.org/wiki/Pixel</a:t>
             </a:r>
-            <a:endParaRPr lang="en-US" sz="1400">
+            <a:endParaRPr lang="en-US" sz="1400" dirty="0">
               <a:latin typeface="Open Sans" panose="020B0604020202020204" pitchFamily="34" charset="0"/>
             </a:endParaRPr>
           </a:p>
           <a:p>
             <a:r>
-              <a:rPr lang="en-US" sz="1400" b="0" i="0">
+              <a:rPr lang="en-US" sz="1400" b="0" i="0" dirty="0">
                 <a:effectLst/>
                 <a:latin typeface="Open Sans" panose="020B0606030504020204" pitchFamily="34" charset="0"/>
               </a:rPr>
               <a:t>RGB. In: </a:t>
             </a:r>
             <a:r>
-              <a:rPr lang="en-US" sz="1400" b="0" i="1">
+              <a:rPr lang="en-US" sz="1400" b="0" i="1" dirty="0">
                 <a:effectLst/>
                 <a:latin typeface="Open Sans" panose="020B0606030504020204" pitchFamily="34" charset="0"/>
               </a:rPr>
               <a:t>Wikipedia: the free encyclopedia</a:t>
             </a:r>
             <a:r>
-              <a:rPr lang="en-US" sz="1400" b="0" i="0">
+              <a:rPr lang="en-US" sz="1400" b="0" i="0" dirty="0">
                 <a:effectLst/>
                 <a:latin typeface="Open Sans" panose="020B0606030504020204" pitchFamily="34" charset="0"/>
               </a:rPr>
-              <a:t> [online]. San Francisco (CA): Wikimedia Foundation, 2001- 2022, 17. 10. 2022 [cit. 2023-01-14]. Dostupné z: </a:t>
-            </a:r>
-            <a:r>
-              <a:rPr lang="en-US" sz="1400" b="0" i="0">
+              <a:t> [online]. San Francisco (CA): Wikimedia Foundation, 2001- 2022, 17. 10. 2022 [cit. 2023-01-14]. </a:t>
+            </a:r>
+            <a:r>
+              <a:rPr lang="en-US" sz="1400" b="0" i="0" dirty="0" err="1">
+                <a:effectLst/>
+                <a:latin typeface="Open Sans" panose="020B0606030504020204" pitchFamily="34" charset="0"/>
+              </a:rPr>
+              <a:t>Dostupné</a:t>
+            </a:r>
+            <a:r>
+              <a:rPr lang="en-US" sz="1400" b="0" i="0" dirty="0">
+                <a:effectLst/>
+                <a:latin typeface="Open Sans" panose="020B0606030504020204" pitchFamily="34" charset="0"/>
+              </a:rPr>
+              <a:t> z: </a:t>
+            </a:r>
+            <a:r>
+              <a:rPr lang="en-US" sz="1400" b="0" i="0" dirty="0">
                 <a:effectLst/>
                 <a:latin typeface="Open Sans" panose="020B0606030504020204" pitchFamily="34" charset="0"/>
                 <a:hlinkClick r:id="rId4"/>
               </a:rPr>
               <a:t>https://cs.wikipedia.org/wiki/RGB</a:t>
             </a:r>
-            <a:endParaRPr lang="en-US" sz="1400" b="0" i="0">
+            <a:endParaRPr lang="en-US" sz="1400" b="0" i="0" dirty="0">
               <a:effectLst/>
               <a:latin typeface="Open Sans" panose="020B0606030504020204" pitchFamily="34" charset="0"/>
             </a:endParaRPr>
           </a:p>
           <a:p>
             <a:r>
-              <a:rPr lang="en-US" sz="1400" b="0" i="0">
+              <a:rPr lang="en-US" sz="1400" b="0" i="0" dirty="0" err="1">
                 <a:effectLst/>
                 <a:latin typeface="Open Sans" panose="020B0606030504020204" pitchFamily="34" charset="0"/>
               </a:rPr>
-              <a:t>Barevný model. In: </a:t>
-            </a:r>
-            <a:r>
-              <a:rPr lang="en-US" sz="1400" b="0" i="1">
+              <a:t>Barevný</a:t>
+            </a:r>
+            <a:r>
+              <a:rPr lang="en-US" sz="1400" b="0" i="0" dirty="0">
+                <a:effectLst/>
+                <a:latin typeface="Open Sans" panose="020B0606030504020204" pitchFamily="34" charset="0"/>
+              </a:rPr>
+              <a:t> model. In: </a:t>
+            </a:r>
+            <a:r>
+              <a:rPr lang="en-US" sz="1400" b="0" i="1" dirty="0">
                 <a:effectLst/>
                 <a:latin typeface="Open Sans" panose="020B0606030504020204" pitchFamily="34" charset="0"/>
               </a:rPr>
               <a:t>Wikipedia: the free encyclopedia</a:t>
             </a:r>
             <a:r>
-              <a:rPr lang="en-US" sz="1400" b="0" i="0">
+              <a:rPr lang="en-US" sz="1400" b="0" i="0" dirty="0">
                 <a:effectLst/>
                 <a:latin typeface="Open Sans" panose="020B0606030504020204" pitchFamily="34" charset="0"/>
               </a:rPr>
-              <a:t> [online]. San Francisco (CA): Wikimedia Foundation, 2001- 2021, 5. 8. 2021 [cit. 2023-01-14]. Dostupné z: </a:t>
-            </a:r>
-            <a:r>
-              <a:rPr lang="en-US" sz="1400" b="0" i="0">
+              <a:t> [online]. San Francisco (CA): Wikimedia Foundation, 2001- 2021, 5. 8. 2021 [cit. 2023-01-14]. </a:t>
+            </a:r>
+            <a:r>
+              <a:rPr lang="en-US" sz="1400" b="0" i="0" dirty="0" err="1">
+                <a:effectLst/>
+                <a:latin typeface="Open Sans" panose="020B0606030504020204" pitchFamily="34" charset="0"/>
+              </a:rPr>
+              <a:t>Dostupné</a:t>
+            </a:r>
+            <a:r>
+              <a:rPr lang="en-US" sz="1400" b="0" i="0" dirty="0">
+                <a:effectLst/>
+                <a:latin typeface="Open Sans" panose="020B0606030504020204" pitchFamily="34" charset="0"/>
+              </a:rPr>
+              <a:t> z: </a:t>
+            </a:r>
+            <a:r>
+              <a:rPr lang="en-US" sz="1400" b="0" i="0" dirty="0">
                 <a:effectLst/>
                 <a:latin typeface="Open Sans" panose="020B0606030504020204" pitchFamily="34" charset="0"/>
                 <a:hlinkClick r:id="rId5"/>
               </a:rPr>
               <a:t>https://cs.wikipedia.org/wiki/Barevn%C3%BD_model</a:t>
             </a:r>
-            <a:endParaRPr lang="en-US" sz="1400" b="0" i="0">
+            <a:endParaRPr lang="en-US" sz="1400" b="0" i="0" dirty="0">
               <a:effectLst/>
               <a:latin typeface="Open Sans" panose="020B0606030504020204" pitchFamily="34" charset="0"/>
             </a:endParaRPr>
           </a:p>
           <a:p>
             <a:r>
-              <a:rPr lang="en-US" sz="1400" b="0" i="0">
+              <a:rPr lang="en-US" sz="1400" b="0" i="0" dirty="0">
                 <a:effectLst/>
                 <a:latin typeface="Open Sans" panose="020B0606030504020204" pitchFamily="34" charset="0"/>
               </a:rPr>
               <a:t>HSV. In: </a:t>
             </a:r>
             <a:r>
-              <a:rPr lang="en-US" sz="1400" b="0" i="1">
+              <a:rPr lang="en-US" sz="1400" b="0" i="1" dirty="0">
                 <a:effectLst/>
                 <a:latin typeface="Open Sans" panose="020B0606030504020204" pitchFamily="34" charset="0"/>
               </a:rPr>
               <a:t>Wikipedia: the free encyclopedia</a:t>
             </a:r>
             <a:r>
-              <a:rPr lang="en-US" sz="1400" b="0" i="0">
+              <a:rPr lang="en-US" sz="1400" b="0" i="0" dirty="0">
                 <a:effectLst/>
                 <a:latin typeface="Open Sans" panose="020B0606030504020204" pitchFamily="34" charset="0"/>
               </a:rPr>
-              <a:t> [online]. San Francisco (CA): Wikimedia Foundation, 2001- 2022, 20. 8. 2022 [cit. 2023-01-14]. Dostupné z: </a:t>
-            </a:r>
-            <a:r>
-              <a:rPr lang="en-US" sz="1400" b="0" i="0">
+              <a:t> [online]. San Francisco (CA): Wikimedia Foundation, 2001- 2022, 20. 8. 2022 [cit. 2023-01-14]. </a:t>
+            </a:r>
+            <a:r>
+              <a:rPr lang="en-US" sz="1400" b="0" i="0" dirty="0" err="1">
+                <a:effectLst/>
+                <a:latin typeface="Open Sans" panose="020B0606030504020204" pitchFamily="34" charset="0"/>
+              </a:rPr>
+              <a:t>Dostupné</a:t>
+            </a:r>
+            <a:r>
+              <a:rPr lang="en-US" sz="1400" b="0" i="0" dirty="0">
+                <a:effectLst/>
+                <a:latin typeface="Open Sans" panose="020B0606030504020204" pitchFamily="34" charset="0"/>
+              </a:rPr>
+              <a:t> z: </a:t>
+            </a:r>
+            <a:r>
+              <a:rPr lang="en-US" sz="1400" b="0" i="0" dirty="0">
                 <a:effectLst/>
                 <a:latin typeface="Open Sans" panose="020B0606030504020204" pitchFamily="34" charset="0"/>
                 <a:hlinkClick r:id="rId6"/>
               </a:rPr>
               <a:t>https://cs.wikipedia.org/wiki/HSV</a:t>
             </a:r>
-            <a:endParaRPr lang="en-US" sz="1400" b="0" i="0">
+            <a:endParaRPr lang="en-US" sz="1400" b="0" i="0" dirty="0">
               <a:effectLst/>
               <a:latin typeface="Open Sans" panose="020B0606030504020204" pitchFamily="34" charset="0"/>
             </a:endParaRPr>
           </a:p>
           <a:p>
             <a:r>
-              <a:rPr lang="en-US" sz="1400" b="0" i="0">
+              <a:rPr lang="en-US" sz="1400" b="0" i="0" dirty="0">
                 <a:effectLst/>
                 <a:latin typeface="Open Sans" panose="020B0606030504020204" pitchFamily="34" charset="0"/>
               </a:rPr>
               <a:t>CMYK. In: </a:t>
             </a:r>
             <a:r>
-              <a:rPr lang="en-US" sz="1400" b="0" i="1">
+              <a:rPr lang="en-US" sz="1400" b="0" i="1" dirty="0">
                 <a:effectLst/>
                 <a:latin typeface="Open Sans" panose="020B0606030504020204" pitchFamily="34" charset="0"/>
               </a:rPr>
               <a:t>Wikipedia: the free encyclopedia</a:t>
             </a:r>
             <a:r>
-              <a:rPr lang="en-US" sz="1400" b="0" i="0">
+              <a:rPr lang="en-US" sz="1400" b="0" i="0" dirty="0">
                 <a:effectLst/>
                 <a:latin typeface="Open Sans" panose="020B0606030504020204" pitchFamily="34" charset="0"/>
               </a:rPr>
-              <a:t> [online]. San Francisco (CA): Wikimedia Foundation, 2001- 2022, 3. 1. 2022 [cit. 2023-01-14]. Dostupné z: </a:t>
-            </a:r>
-            <a:r>
-              <a:rPr lang="en-US" sz="1400" b="0" i="0">
+              <a:t> [online]. San Francisco (CA): Wikimedia Foundation, 2001- 2022, 3. 1. 2022 [cit. 2023-01-14]. </a:t>
+            </a:r>
+            <a:r>
+              <a:rPr lang="en-US" sz="1400" b="0" i="0" dirty="0" err="1">
+                <a:effectLst/>
+                <a:latin typeface="Open Sans" panose="020B0606030504020204" pitchFamily="34" charset="0"/>
+              </a:rPr>
+              <a:t>Dostupné</a:t>
+            </a:r>
+            <a:r>
+              <a:rPr lang="en-US" sz="1400" b="0" i="0" dirty="0">
+                <a:effectLst/>
+                <a:latin typeface="Open Sans" panose="020B0606030504020204" pitchFamily="34" charset="0"/>
+              </a:rPr>
+              <a:t> z: </a:t>
+            </a:r>
+            <a:r>
+              <a:rPr lang="en-US" sz="1400" b="0" i="0" dirty="0">
                 <a:effectLst/>
                 <a:latin typeface="Open Sans" panose="020B0606030504020204" pitchFamily="34" charset="0"/>
                 <a:hlinkClick r:id="rId7"/>
               </a:rPr>
               <a:t>https://cs.wikipedia.org/wiki/CMYK</a:t>
             </a:r>
-            <a:endParaRPr lang="en-US" sz="1400" b="0" i="0">
+            <a:endParaRPr lang="en-US" sz="1400" b="0" i="0" dirty="0">
               <a:effectLst/>
               <a:latin typeface="Open Sans" panose="020B0606030504020204" pitchFamily="34" charset="0"/>
             </a:endParaRPr>
           </a:p>
           <a:p>
             <a:r>
-              <a:rPr lang="en-US" sz="1400" b="0" i="0">
+              <a:rPr lang="en-US" sz="1400" b="0" i="0" dirty="0">
                 <a:effectLst/>
                 <a:latin typeface="Open Sans" panose="020B0606030504020204" pitchFamily="34" charset="0"/>
               </a:rPr>
               <a:t>CIE XYZ. In: </a:t>
             </a:r>
             <a:r>
-              <a:rPr lang="en-US" sz="1400" b="0" i="1">
+              <a:rPr lang="en-US" sz="1400" b="0" i="1" dirty="0">
                 <a:effectLst/>
                 <a:latin typeface="Open Sans" panose="020B0606030504020204" pitchFamily="34" charset="0"/>
               </a:rPr>
               <a:t>Wikipedia: the free encyclopedia</a:t>
             </a:r>
             <a:r>
-              <a:rPr lang="en-US" sz="1400" b="0" i="0">
+              <a:rPr lang="en-US" sz="1400" b="0" i="0" dirty="0">
                 <a:effectLst/>
                 <a:latin typeface="Open Sans" panose="020B0606030504020204" pitchFamily="34" charset="0"/>
               </a:rPr>
-              <a:t> [online]. San Francisco (CA): Wikimedia Foundation, 2022, 20. 8. 2022 [cit. 2023-01-14]. Dostupné z: </a:t>
-            </a:r>
-            <a:r>
-              <a:rPr lang="en-US" sz="1400" b="0" i="0">
+              <a:t> [online]. San Francisco (CA): Wikimedia Foundation, 2022, 20. 8. 2022 [cit. 2023-01-14]. </a:t>
+            </a:r>
+            <a:r>
+              <a:rPr lang="en-US" sz="1400" b="0" i="0" dirty="0" err="1">
+                <a:effectLst/>
+                <a:latin typeface="Open Sans" panose="020B0606030504020204" pitchFamily="34" charset="0"/>
+              </a:rPr>
+              <a:t>Dostupné</a:t>
+            </a:r>
+            <a:r>
+              <a:rPr lang="en-US" sz="1400" b="0" i="0" dirty="0">
+                <a:effectLst/>
+                <a:latin typeface="Open Sans" panose="020B0606030504020204" pitchFamily="34" charset="0"/>
+              </a:rPr>
+              <a:t> z: </a:t>
+            </a:r>
+            <a:r>
+              <a:rPr lang="en-US" sz="1400" b="0" i="0" dirty="0">
                 <a:effectLst/>
                 <a:latin typeface="Open Sans" panose="020B0606030504020204" pitchFamily="34" charset="0"/>
                 <a:hlinkClick r:id="rId8"/>
               </a:rPr>
               <a:t>https://cs.wikipedia.org/wiki/CIE_XYZ</a:t>
             </a:r>
-            <a:endParaRPr lang="en-US" sz="1400" b="0" i="0">
+            <a:endParaRPr lang="en-US" sz="1400" b="0" i="0" dirty="0">
               <a:effectLst/>
               <a:latin typeface="Open Sans" panose="020B0606030504020204" pitchFamily="34" charset="0"/>
             </a:endParaRPr>
           </a:p>
           <a:p>
             <a:r>
-              <a:rPr lang="en-US" sz="1400" b="0" i="0">
+              <a:rPr lang="en-US" sz="1400" b="0" i="0" dirty="0">
                 <a:effectLst/>
                 <a:latin typeface="Open Sans" panose="020B0606030504020204" pitchFamily="34" charset="0"/>
               </a:rPr>
               <a:t>CIE 1931 color space. In: </a:t>
             </a:r>
             <a:r>
-              <a:rPr lang="en-US" sz="1400" b="0" i="1">
+              <a:rPr lang="en-US" sz="1400" b="0" i="1" dirty="0">
                 <a:effectLst/>
                 <a:latin typeface="Open Sans" panose="020B0606030504020204" pitchFamily="34" charset="0"/>
               </a:rPr>
               <a:t>Wikipedia: the free encyclopedia</a:t>
             </a:r>
             <a:r>
-              <a:rPr lang="en-US" sz="1400" b="0" i="0">
+              <a:rPr lang="en-US" sz="1400" b="0" i="0" dirty="0">
                 <a:effectLst/>
                 <a:latin typeface="Open Sans" panose="020B0606030504020204" pitchFamily="34" charset="0"/>
               </a:rPr>
-              <a:t> [online]. San Francisco (CA): Wikimedia Foundation, 2023, 7 January 2023 [cit. 2023-01-14]. Dostupné z: </a:t>
-            </a:r>
-            <a:r>
-              <a:rPr lang="en-US" sz="1400" b="0" i="0">
+              <a:t> [online]. San Francisco (CA): Wikimedia Foundation, 2023, 7 January 2023 [cit. 2023-01-14]. </a:t>
+            </a:r>
+            <a:r>
+              <a:rPr lang="en-US" sz="1400" b="0" i="0" dirty="0" err="1">
+                <a:effectLst/>
+                <a:latin typeface="Open Sans" panose="020B0606030504020204" pitchFamily="34" charset="0"/>
+              </a:rPr>
+              <a:t>Dostupné</a:t>
+            </a:r>
+            <a:r>
+              <a:rPr lang="en-US" sz="1400" b="0" i="0" dirty="0">
+                <a:effectLst/>
+                <a:latin typeface="Open Sans" panose="020B0606030504020204" pitchFamily="34" charset="0"/>
+              </a:rPr>
+              <a:t> z: </a:t>
+            </a:r>
+            <a:r>
+              <a:rPr lang="en-US" sz="1400" b="0" i="0" dirty="0">
                 <a:effectLst/>
                 <a:latin typeface="Open Sans" panose="020B0606030504020204" pitchFamily="34" charset="0"/>
                 <a:hlinkClick r:id="rId9"/>
               </a:rPr>
               <a:t>https://en.wikipedia.org/wiki/CIE_1931_color_space</a:t>
             </a:r>
-            <a:endParaRPr lang="en-US" sz="1400" b="0" i="0">
+            <a:endParaRPr lang="en-US" sz="1400" b="0" i="0" dirty="0">
               <a:effectLst/>
               <a:latin typeface="Open Sans" panose="020B0606030504020204" pitchFamily="34" charset="0"/>
             </a:endParaRPr>
           </a:p>
           <a:p>
-            <a:endParaRPr lang="en-US" sz="1400" b="0" i="0">
+            <a:endParaRPr lang="en-US" sz="1400" b="0" i="0" dirty="0">
               <a:effectLst/>
               <a:latin typeface="Open Sans" panose="020B0606030504020204" pitchFamily="34" charset="0"/>
             </a:endParaRPr>
           </a:p>
           <a:p>
-            <a:endParaRPr lang="en-US" sz="1400">
+            <a:endParaRPr lang="en-US" sz="1400" dirty="0">
               <a:latin typeface="Open Sans" panose="020B0606030504020204" pitchFamily="34" charset="0"/>
             </a:endParaRPr>
           </a:p>
           <a:p>
-            <a:endParaRPr lang="en-US" sz="1400" b="0" i="0">
+            <a:endParaRPr lang="en-US" sz="1400" b="0" i="0" dirty="0">
               <a:effectLst/>
               <a:latin typeface="Open Sans" panose="020B0606030504020204" pitchFamily="34" charset="0"/>
             </a:endParaRPr>
           </a:p>
           <a:p>
-            <a:endParaRPr lang="en-US" sz="1400" b="0" i="0">
+            <a:endParaRPr lang="en-US" sz="1400" b="0" i="0" dirty="0">
               <a:effectLst/>
               <a:latin typeface="Open Sans" panose="020B0606030504020204" pitchFamily="34" charset="0"/>
             </a:endParaRPr>
           </a:p>
           <a:p>
-            <a:endParaRPr lang="en-US" sz="1400"/>
+            <a:endParaRPr lang="en-US" sz="1400" dirty="0"/>
           </a:p>
         </p:txBody>
       </p:sp>
@@ -43215,6 +43362,14 @@
 <file path=ppt/slides/slide21.xml><?xml version="1.0" encoding="utf-8"?>
 <p:sld xmlns:a="http://schemas.openxmlformats.org/drawingml/2006/main" xmlns:r="http://schemas.openxmlformats.org/officeDocument/2006/relationships" xmlns:p="http://schemas.openxmlformats.org/presentationml/2006/main">
   <p:cSld>
+    <p:bg>
+      <p:bgPr>
+        <a:solidFill>
+          <a:schemeClr val="bg1"/>
+        </a:solidFill>
+        <a:effectLst/>
+      </p:bgPr>
+    </p:bg>
     <p:spTree>
       <p:nvGrpSpPr>
         <p:cNvPr id="1" name=""/>
@@ -43229,6 +43384,66 @@
           <a:chExt cx="0" cy="0"/>
         </a:xfrm>
       </p:grpSpPr>
+      <p:sp useBgFill="1">
+        <p:nvSpPr>
+          <p:cNvPr id="8" name="Rectangle 7">
+            <a:extLst>
+              <a:ext uri="{FF2B5EF4-FFF2-40B4-BE49-F238E27FC236}">
+                <a16:creationId xmlns:a16="http://schemas.microsoft.com/office/drawing/2014/main" id="{777A147A-9ED8-46B4-8660-1B3C2AA880B5}"/>
+              </a:ext>
+              <a:ext uri="{C183D7F6-B498-43B3-948B-1728B52AA6E4}">
+                <adec:decorative xmlns:adec="http://schemas.microsoft.com/office/drawing/2017/decorative" val="1"/>
+              </a:ext>
+            </a:extLst>
+          </p:cNvPr>
+          <p:cNvSpPr>
+            <a:spLocks noGrp="1" noRot="1" noChangeAspect="1" noMove="1" noResize="1" noEditPoints="1" noAdjustHandles="1" noChangeArrowheads="1" noChangeShapeType="1" noTextEdit="1"/>
+          </p:cNvSpPr>
+          <p:nvPr>
+            <p:extLst>
+              <p:ext uri="{386F3935-93C4-4BCD-93E2-E3B085C9AB24}">
+                <p16:designElem xmlns:p16="http://schemas.microsoft.com/office/powerpoint/2015/main" val="1"/>
+              </p:ext>
+            </p:extLst>
+          </p:nvPr>
+        </p:nvSpPr>
+        <p:spPr>
+          <a:xfrm>
+            <a:off x="0" y="0"/>
+            <a:ext cx="12188952" cy="6858000"/>
+          </a:xfrm>
+          <a:prstGeom prst="rect">
+            <a:avLst/>
+          </a:prstGeom>
+          <a:ln>
+            <a:noFill/>
+          </a:ln>
+        </p:spPr>
+        <p:style>
+          <a:lnRef idx="2">
+            <a:schemeClr val="accent1">
+              <a:shade val="50000"/>
+            </a:schemeClr>
+          </a:lnRef>
+          <a:fillRef idx="1">
+            <a:schemeClr val="accent1"/>
+          </a:fillRef>
+          <a:effectRef idx="0">
+            <a:schemeClr val="accent1"/>
+          </a:effectRef>
+          <a:fontRef idx="minor">
+            <a:schemeClr val="lt1"/>
+          </a:fontRef>
+        </p:style>
+        <p:txBody>
+          <a:bodyPr rtlCol="0" anchor="ctr"/>
+          <a:lstStyle/>
+          <a:p>
+            <a:pPr algn="ctr"/>
+            <a:endParaRPr lang="en-US"/>
+          </a:p>
+        </p:txBody>
+      </p:sp>
       <p:sp>
         <p:nvSpPr>
           <p:cNvPr id="2" name="Title 1">
@@ -43245,11 +43460,371 @@
             <p:ph type="title"/>
           </p:nvPr>
         </p:nvSpPr>
-        <p:spPr/>
+        <p:spPr>
+          <a:xfrm>
+            <a:off x="841248" y="548640"/>
+            <a:ext cx="3600860" cy="5431536"/>
+          </a:xfrm>
+        </p:spPr>
         <p:txBody>
-          <a:bodyPr/>
+          <a:bodyPr>
+            <a:normAutofit/>
+          </a:bodyPr>
           <a:lstStyle/>
           <a:p>
+            <a:r>
+              <a:rPr lang="en-US" sz="5400" dirty="0"/>
+              <a:t>GitHub repositor</a:t>
+            </a:r>
+            <a:br>
+              <a:rPr lang="en-US" sz="5400" b="1" i="0" dirty="0">
+                <a:effectLst/>
+                <a:latin typeface="-apple-system"/>
+              </a:rPr>
+            </a:br>
+            <a:endParaRPr lang="en-US" sz="5400" dirty="0"/>
+          </a:p>
+        </p:txBody>
+      </p:sp>
+      <p:sp>
+        <p:nvSpPr>
+          <p:cNvPr id="10" name="sketch line">
+            <a:extLst>
+              <a:ext uri="{FF2B5EF4-FFF2-40B4-BE49-F238E27FC236}">
+                <a16:creationId xmlns:a16="http://schemas.microsoft.com/office/drawing/2014/main" id="{5D6C15A0-C087-4593-8414-2B4EC1CDC3DE}"/>
+              </a:ext>
+              <a:ext uri="{C183D7F6-B498-43B3-948B-1728B52AA6E4}">
+                <adec:decorative xmlns:adec="http://schemas.microsoft.com/office/drawing/2017/decorative" val="1"/>
+              </a:ext>
+            </a:extLst>
+          </p:cNvPr>
+          <p:cNvSpPr>
+            <a:spLocks noGrp="1" noRot="1" noChangeAspect="1" noMove="1" noResize="1" noEditPoints="1" noAdjustHandles="1" noChangeArrowheads="1" noChangeShapeType="1" noTextEdit="1"/>
+          </p:cNvSpPr>
+          <p:nvPr>
+            <p:extLst>
+              <p:ext uri="{386F3935-93C4-4BCD-93E2-E3B085C9AB24}">
+                <p16:designElem xmlns:p16="http://schemas.microsoft.com/office/powerpoint/2015/main" val="1"/>
+              </p:ext>
+            </p:extLst>
+          </p:nvPr>
+        </p:nvSpPr>
+        <p:spPr>
+          <a:xfrm rot="5400000">
+            <a:off x="2543983" y="3258715"/>
+            <a:ext cx="4480560" cy="18288"/>
+          </a:xfrm>
+          <a:custGeom>
+            <a:avLst/>
+            <a:gdLst>
+              <a:gd name="connsiteX0" fmla="*/ 0 w 4480560"/>
+              <a:gd name="connsiteY0" fmla="*/ 0 h 18288"/>
+              <a:gd name="connsiteX1" fmla="*/ 595274 w 4480560"/>
+              <a:gd name="connsiteY1" fmla="*/ 0 h 18288"/>
+              <a:gd name="connsiteX2" fmla="*/ 1100938 w 4480560"/>
+              <a:gd name="connsiteY2" fmla="*/ 0 h 18288"/>
+              <a:gd name="connsiteX3" fmla="*/ 1651406 w 4480560"/>
+              <a:gd name="connsiteY3" fmla="*/ 0 h 18288"/>
+              <a:gd name="connsiteX4" fmla="*/ 2336292 w 4480560"/>
+              <a:gd name="connsiteY4" fmla="*/ 0 h 18288"/>
+              <a:gd name="connsiteX5" fmla="*/ 2931566 w 4480560"/>
+              <a:gd name="connsiteY5" fmla="*/ 0 h 18288"/>
+              <a:gd name="connsiteX6" fmla="*/ 3482035 w 4480560"/>
+              <a:gd name="connsiteY6" fmla="*/ 0 h 18288"/>
+              <a:gd name="connsiteX7" fmla="*/ 4480560 w 4480560"/>
+              <a:gd name="connsiteY7" fmla="*/ 0 h 18288"/>
+              <a:gd name="connsiteX8" fmla="*/ 4480560 w 4480560"/>
+              <a:gd name="connsiteY8" fmla="*/ 18288 h 18288"/>
+              <a:gd name="connsiteX9" fmla="*/ 3840480 w 4480560"/>
+              <a:gd name="connsiteY9" fmla="*/ 18288 h 18288"/>
+              <a:gd name="connsiteX10" fmla="*/ 3290011 w 4480560"/>
+              <a:gd name="connsiteY10" fmla="*/ 18288 h 18288"/>
+              <a:gd name="connsiteX11" fmla="*/ 2560320 w 4480560"/>
+              <a:gd name="connsiteY11" fmla="*/ 18288 h 18288"/>
+              <a:gd name="connsiteX12" fmla="*/ 1965046 w 4480560"/>
+              <a:gd name="connsiteY12" fmla="*/ 18288 h 18288"/>
+              <a:gd name="connsiteX13" fmla="*/ 1459382 w 4480560"/>
+              <a:gd name="connsiteY13" fmla="*/ 18288 h 18288"/>
+              <a:gd name="connsiteX14" fmla="*/ 774497 w 4480560"/>
+              <a:gd name="connsiteY14" fmla="*/ 18288 h 18288"/>
+              <a:gd name="connsiteX15" fmla="*/ 0 w 4480560"/>
+              <a:gd name="connsiteY15" fmla="*/ 18288 h 18288"/>
+              <a:gd name="connsiteX16" fmla="*/ 0 w 4480560"/>
+              <a:gd name="connsiteY16" fmla="*/ 0 h 18288"/>
+            </a:gdLst>
+            <a:ahLst/>
+            <a:cxnLst>
+              <a:cxn ang="0">
+                <a:pos x="connsiteX0" y="connsiteY0"/>
+              </a:cxn>
+              <a:cxn ang="0">
+                <a:pos x="connsiteX1" y="connsiteY1"/>
+              </a:cxn>
+              <a:cxn ang="0">
+                <a:pos x="connsiteX2" y="connsiteY2"/>
+              </a:cxn>
+              <a:cxn ang="0">
+                <a:pos x="connsiteX3" y="connsiteY3"/>
+              </a:cxn>
+              <a:cxn ang="0">
+                <a:pos x="connsiteX4" y="connsiteY4"/>
+              </a:cxn>
+              <a:cxn ang="0">
+                <a:pos x="connsiteX5" y="connsiteY5"/>
+              </a:cxn>
+              <a:cxn ang="0">
+                <a:pos x="connsiteX6" y="connsiteY6"/>
+              </a:cxn>
+              <a:cxn ang="0">
+                <a:pos x="connsiteX7" y="connsiteY7"/>
+              </a:cxn>
+              <a:cxn ang="0">
+                <a:pos x="connsiteX8" y="connsiteY8"/>
+              </a:cxn>
+              <a:cxn ang="0">
+                <a:pos x="connsiteX9" y="connsiteY9"/>
+              </a:cxn>
+              <a:cxn ang="0">
+                <a:pos x="connsiteX10" y="connsiteY10"/>
+              </a:cxn>
+              <a:cxn ang="0">
+                <a:pos x="connsiteX11" y="connsiteY11"/>
+              </a:cxn>
+              <a:cxn ang="0">
+                <a:pos x="connsiteX12" y="connsiteY12"/>
+              </a:cxn>
+              <a:cxn ang="0">
+                <a:pos x="connsiteX13" y="connsiteY13"/>
+              </a:cxn>
+              <a:cxn ang="0">
+                <a:pos x="connsiteX14" y="connsiteY14"/>
+              </a:cxn>
+              <a:cxn ang="0">
+                <a:pos x="connsiteX15" y="connsiteY15"/>
+              </a:cxn>
+              <a:cxn ang="0">
+                <a:pos x="connsiteX16" y="connsiteY16"/>
+              </a:cxn>
+            </a:cxnLst>
+            <a:rect l="l" t="t" r="r" b="b"/>
+            <a:pathLst>
+              <a:path w="4480560" h="18288" fill="none" extrusionOk="0">
+                <a:moveTo>
+                  <a:pt x="0" y="0"/>
+                </a:moveTo>
+                <a:cubicBezTo>
+                  <a:pt x="267821" y="8731"/>
+                  <a:pt x="334105" y="2629"/>
+                  <a:pt x="595274" y="0"/>
+                </a:cubicBezTo>
+                <a:cubicBezTo>
+                  <a:pt x="856443" y="-2629"/>
+                  <a:pt x="863808" y="-13353"/>
+                  <a:pt x="1100938" y="0"/>
+                </a:cubicBezTo>
+                <a:cubicBezTo>
+                  <a:pt x="1338068" y="13353"/>
+                  <a:pt x="1431663" y="-25862"/>
+                  <a:pt x="1651406" y="0"/>
+                </a:cubicBezTo>
+                <a:cubicBezTo>
+                  <a:pt x="1871149" y="25862"/>
+                  <a:pt x="2173163" y="23827"/>
+                  <a:pt x="2336292" y="0"/>
+                </a:cubicBezTo>
+                <a:cubicBezTo>
+                  <a:pt x="2499421" y="-23827"/>
+                  <a:pt x="2720589" y="28148"/>
+                  <a:pt x="2931566" y="0"/>
+                </a:cubicBezTo>
+                <a:cubicBezTo>
+                  <a:pt x="3142543" y="-28148"/>
+                  <a:pt x="3323630" y="27022"/>
+                  <a:pt x="3482035" y="0"/>
+                </a:cubicBezTo>
+                <a:cubicBezTo>
+                  <a:pt x="3640440" y="-27022"/>
+                  <a:pt x="4012110" y="-20118"/>
+                  <a:pt x="4480560" y="0"/>
+                </a:cubicBezTo>
+                <a:cubicBezTo>
+                  <a:pt x="4480958" y="7429"/>
+                  <a:pt x="4480540" y="10822"/>
+                  <a:pt x="4480560" y="18288"/>
+                </a:cubicBezTo>
+                <a:cubicBezTo>
+                  <a:pt x="4314132" y="14924"/>
+                  <a:pt x="4028383" y="36632"/>
+                  <a:pt x="3840480" y="18288"/>
+                </a:cubicBezTo>
+                <a:cubicBezTo>
+                  <a:pt x="3652577" y="-56"/>
+                  <a:pt x="3547615" y="2848"/>
+                  <a:pt x="3290011" y="18288"/>
+                </a:cubicBezTo>
+                <a:cubicBezTo>
+                  <a:pt x="3032407" y="33728"/>
+                  <a:pt x="2830268" y="8719"/>
+                  <a:pt x="2560320" y="18288"/>
+                </a:cubicBezTo>
+                <a:cubicBezTo>
+                  <a:pt x="2290372" y="27857"/>
+                  <a:pt x="2147422" y="6728"/>
+                  <a:pt x="1965046" y="18288"/>
+                </a:cubicBezTo>
+                <a:cubicBezTo>
+                  <a:pt x="1782670" y="29848"/>
+                  <a:pt x="1689791" y="40680"/>
+                  <a:pt x="1459382" y="18288"/>
+                </a:cubicBezTo>
+                <a:cubicBezTo>
+                  <a:pt x="1228973" y="-4104"/>
+                  <a:pt x="915486" y="36501"/>
+                  <a:pt x="774497" y="18288"/>
+                </a:cubicBezTo>
+                <a:cubicBezTo>
+                  <a:pt x="633508" y="75"/>
+                  <a:pt x="361442" y="-11107"/>
+                  <a:pt x="0" y="18288"/>
+                </a:cubicBezTo>
+                <a:cubicBezTo>
+                  <a:pt x="-591" y="13205"/>
+                  <a:pt x="-663" y="6329"/>
+                  <a:pt x="0" y="0"/>
+                </a:cubicBezTo>
+                <a:close/>
+              </a:path>
+              <a:path w="4480560" h="18288" stroke="0" extrusionOk="0">
+                <a:moveTo>
+                  <a:pt x="0" y="0"/>
+                </a:moveTo>
+                <a:cubicBezTo>
+                  <a:pt x="285465" y="225"/>
+                  <a:pt x="322691" y="16223"/>
+                  <a:pt x="595274" y="0"/>
+                </a:cubicBezTo>
+                <a:cubicBezTo>
+                  <a:pt x="867857" y="-16223"/>
+                  <a:pt x="989129" y="-11242"/>
+                  <a:pt x="1100938" y="0"/>
+                </a:cubicBezTo>
+                <a:cubicBezTo>
+                  <a:pt x="1212747" y="11242"/>
+                  <a:pt x="1574350" y="-36410"/>
+                  <a:pt x="1830629" y="0"/>
+                </a:cubicBezTo>
+                <a:cubicBezTo>
+                  <a:pt x="2086908" y="36410"/>
+                  <a:pt x="2180922" y="4645"/>
+                  <a:pt x="2425903" y="0"/>
+                </a:cubicBezTo>
+                <a:cubicBezTo>
+                  <a:pt x="2670884" y="-4645"/>
+                  <a:pt x="2782024" y="22929"/>
+                  <a:pt x="3021178" y="0"/>
+                </a:cubicBezTo>
+                <a:cubicBezTo>
+                  <a:pt x="3260332" y="-22929"/>
+                  <a:pt x="3456982" y="-1586"/>
+                  <a:pt x="3750869" y="0"/>
+                </a:cubicBezTo>
+                <a:cubicBezTo>
+                  <a:pt x="4044756" y="1586"/>
+                  <a:pt x="4302726" y="17043"/>
+                  <a:pt x="4480560" y="0"/>
+                </a:cubicBezTo>
+                <a:cubicBezTo>
+                  <a:pt x="4479674" y="5429"/>
+                  <a:pt x="4481381" y="14046"/>
+                  <a:pt x="4480560" y="18288"/>
+                </a:cubicBezTo>
+                <a:cubicBezTo>
+                  <a:pt x="4279652" y="-6850"/>
+                  <a:pt x="4200762" y="41566"/>
+                  <a:pt x="3930091" y="18288"/>
+                </a:cubicBezTo>
+                <a:cubicBezTo>
+                  <a:pt x="3659420" y="-4990"/>
+                  <a:pt x="3456052" y="22294"/>
+                  <a:pt x="3290011" y="18288"/>
+                </a:cubicBezTo>
+                <a:cubicBezTo>
+                  <a:pt x="3123970" y="14282"/>
+                  <a:pt x="2882392" y="32818"/>
+                  <a:pt x="2649931" y="18288"/>
+                </a:cubicBezTo>
+                <a:cubicBezTo>
+                  <a:pt x="2417470" y="3758"/>
+                  <a:pt x="2238426" y="7337"/>
+                  <a:pt x="2054657" y="18288"/>
+                </a:cubicBezTo>
+                <a:cubicBezTo>
+                  <a:pt x="1870888" y="29239"/>
+                  <a:pt x="1566368" y="45040"/>
+                  <a:pt x="1324966" y="18288"/>
+                </a:cubicBezTo>
+                <a:cubicBezTo>
+                  <a:pt x="1083564" y="-8464"/>
+                  <a:pt x="787410" y="10946"/>
+                  <a:pt x="595274" y="18288"/>
+                </a:cubicBezTo>
+                <a:cubicBezTo>
+                  <a:pt x="403138" y="25630"/>
+                  <a:pt x="169622" y="10499"/>
+                  <a:pt x="0" y="18288"/>
+                </a:cubicBezTo>
+                <a:cubicBezTo>
+                  <a:pt x="668" y="13665"/>
+                  <a:pt x="578" y="5675"/>
+                  <a:pt x="0" y="0"/>
+                </a:cubicBezTo>
+                <a:close/>
+              </a:path>
+            </a:pathLst>
+          </a:custGeom>
+          <a:solidFill>
+            <a:schemeClr val="accent2"/>
+          </a:solidFill>
+          <a:ln w="41275" cap="rnd">
+            <a:solidFill>
+              <a:schemeClr val="accent2"/>
+            </a:solidFill>
+            <a:round/>
+            <a:extLst>
+              <a:ext uri="{C807C97D-BFC1-408E-A445-0C87EB9F89A2}">
+                <ask:lineSketchStyleProps xmlns:ask="http://schemas.microsoft.com/office/drawing/2018/sketchyshapes" sd="1219033472">
+                  <a:prstGeom prst="rect">
+                    <a:avLst/>
+                  </a:prstGeom>
+                  <ask:type>
+                    <ask:lineSketchFreehand/>
+                  </ask:type>
+                </ask:lineSketchStyleProps>
+              </a:ext>
+            </a:extLst>
+          </a:ln>
+        </p:spPr>
+        <p:style>
+          <a:lnRef idx="2">
+            <a:schemeClr val="accent1">
+              <a:shade val="50000"/>
+            </a:schemeClr>
+          </a:lnRef>
+          <a:fillRef idx="1">
+            <a:schemeClr val="accent1"/>
+          </a:fillRef>
+          <a:effectRef idx="0">
+            <a:schemeClr val="accent1"/>
+          </a:effectRef>
+          <a:fontRef idx="minor">
+            <a:schemeClr val="lt1"/>
+          </a:fontRef>
+        </p:style>
+        <p:txBody>
+          <a:bodyPr rtlCol="0" anchor="ctr"/>
+          <a:lstStyle/>
+          <a:p>
+            <a:pPr algn="ctr"/>
             <a:endParaRPr lang="en-US"/>
           </a:p>
         </p:txBody>
@@ -43270,12 +43845,25 @@
             <p:ph idx="1"/>
           </p:nvPr>
         </p:nvSpPr>
-        <p:spPr/>
+        <p:spPr>
+          <a:xfrm>
+            <a:off x="5126418" y="552091"/>
+            <a:ext cx="6224335" cy="5431536"/>
+          </a:xfrm>
+        </p:spPr>
         <p:txBody>
-          <a:bodyPr/>
+          <a:bodyPr anchor="ctr">
+            <a:normAutofit/>
+          </a:bodyPr>
           <a:lstStyle/>
           <a:p>
-            <a:endParaRPr lang="en-US"/>
+            <a:r>
+              <a:rPr lang="en-US" sz="2200" dirty="0">
+                <a:hlinkClick r:id="rId2"/>
+              </a:rPr>
+              <a:t>https://github.com/ibabayev7/barva.git</a:t>
+            </a:r>
+            <a:endParaRPr lang="en-US" sz="2200" dirty="0"/>
           </a:p>
         </p:txBody>
       </p:sp>

--- a/Presentation for IT.pptx
+++ b/Presentation for IT.pptx
@@ -25610,7 +25610,7 @@
           <a:p>
             <a:fld id="{E91DDA50-ABC7-4925-B05D-AC0ABC4936E7}" type="datetimeFigureOut">
               <a:rPr lang="en-US" smtClean="0"/>
-              <a:t>1/15/2023</a:t>
+              <a:t>1/18/2023</a:t>
             </a:fld>
             <a:endParaRPr lang="en-US"/>
           </a:p>
@@ -30246,7 +30246,7 @@
           <a:p>
             <a:fld id="{29134D58-3766-44A1-9C78-2A4754B7E537}" type="datetimeFigureOut">
               <a:rPr lang="en-US" smtClean="0"/>
-              <a:t>1/15/2023</a:t>
+              <a:t>1/18/2023</a:t>
             </a:fld>
             <a:endParaRPr lang="en-US"/>
           </a:p>
@@ -30456,7 +30456,7 @@
           <a:p>
             <a:fld id="{29134D58-3766-44A1-9C78-2A4754B7E537}" type="datetimeFigureOut">
               <a:rPr lang="en-US" smtClean="0"/>
-              <a:t>1/15/2023</a:t>
+              <a:t>1/18/2023</a:t>
             </a:fld>
             <a:endParaRPr lang="en-US"/>
           </a:p>
@@ -30676,7 +30676,7 @@
           <a:p>
             <a:fld id="{29134D58-3766-44A1-9C78-2A4754B7E537}" type="datetimeFigureOut">
               <a:rPr lang="en-US" smtClean="0"/>
-              <a:t>1/15/2023</a:t>
+              <a:t>1/18/2023</a:t>
             </a:fld>
             <a:endParaRPr lang="en-US"/>
           </a:p>
@@ -30886,7 +30886,7 @@
           <a:p>
             <a:fld id="{29134D58-3766-44A1-9C78-2A4754B7E537}" type="datetimeFigureOut">
               <a:rPr lang="en-US" smtClean="0"/>
-              <a:t>1/15/2023</a:t>
+              <a:t>1/18/2023</a:t>
             </a:fld>
             <a:endParaRPr lang="en-US"/>
           </a:p>
@@ -31173,7 +31173,7 @@
           <a:p>
             <a:fld id="{29134D58-3766-44A1-9C78-2A4754B7E537}" type="datetimeFigureOut">
               <a:rPr lang="en-US" smtClean="0"/>
-              <a:t>1/15/2023</a:t>
+              <a:t>1/18/2023</a:t>
             </a:fld>
             <a:endParaRPr lang="en-US"/>
           </a:p>
@@ -31450,7 +31450,7 @@
           <a:p>
             <a:fld id="{29134D58-3766-44A1-9C78-2A4754B7E537}" type="datetimeFigureOut">
               <a:rPr lang="en-US" smtClean="0"/>
-              <a:t>1/15/2023</a:t>
+              <a:t>1/18/2023</a:t>
             </a:fld>
             <a:endParaRPr lang="en-US"/>
           </a:p>
@@ -31874,7 +31874,7 @@
           <a:p>
             <a:fld id="{29134D58-3766-44A1-9C78-2A4754B7E537}" type="datetimeFigureOut">
               <a:rPr lang="en-US" smtClean="0"/>
-              <a:t>1/15/2023</a:t>
+              <a:t>1/18/2023</a:t>
             </a:fld>
             <a:endParaRPr lang="en-US"/>
           </a:p>
@@ -32027,7 +32027,7 @@
           <a:p>
             <a:fld id="{29134D58-3766-44A1-9C78-2A4754B7E537}" type="datetimeFigureOut">
               <a:rPr lang="en-US" smtClean="0"/>
-              <a:t>1/15/2023</a:t>
+              <a:t>1/18/2023</a:t>
             </a:fld>
             <a:endParaRPr lang="en-US"/>
           </a:p>
@@ -32152,7 +32152,7 @@
           <a:p>
             <a:fld id="{29134D58-3766-44A1-9C78-2A4754B7E537}" type="datetimeFigureOut">
               <a:rPr lang="en-US" smtClean="0"/>
-              <a:t>1/15/2023</a:t>
+              <a:t>1/18/2023</a:t>
             </a:fld>
             <a:endParaRPr lang="en-US"/>
           </a:p>
@@ -32475,7 +32475,7 @@
           <a:p>
             <a:fld id="{29134D58-3766-44A1-9C78-2A4754B7E537}" type="datetimeFigureOut">
               <a:rPr lang="en-US" smtClean="0"/>
-              <a:t>1/15/2023</a:t>
+              <a:t>1/18/2023</a:t>
             </a:fld>
             <a:endParaRPr lang="en-US"/>
           </a:p>
@@ -32775,7 +32775,7 @@
           <a:p>
             <a:fld id="{29134D58-3766-44A1-9C78-2A4754B7E537}" type="datetimeFigureOut">
               <a:rPr lang="en-US" smtClean="0"/>
-              <a:t>1/15/2023</a:t>
+              <a:t>1/18/2023</a:t>
             </a:fld>
             <a:endParaRPr lang="en-US"/>
           </a:p>
@@ -33028,7 +33028,7 @@
           <a:p>
             <a:fld id="{29134D58-3766-44A1-9C78-2A4754B7E537}" type="datetimeFigureOut">
               <a:rPr lang="en-US" smtClean="0"/>
-              <a:t>1/15/2023</a:t>
+              <a:t>1/18/2023</a:t>
             </a:fld>
             <a:endParaRPr lang="en-US"/>
           </a:p>
@@ -35870,14 +35870,14 @@
   <p:clrMapOvr>
     <a:masterClrMapping/>
   </p:clrMapOvr>
-  <mc:AlternateContent xmlns:mc="http://schemas.openxmlformats.org/markup-compatibility/2006" xmlns:p15="http://schemas.microsoft.com/office/powerpoint/2012/main">
-    <mc:Choice Requires="p15">
-      <p:transition xmlns:p14="http://schemas.microsoft.com/office/powerpoint/2010/main" spd="slow" p14:dur="1750" advClick="0" advTm="4000">
+  <mc:AlternateContent xmlns:mc="http://schemas.openxmlformats.org/markup-compatibility/2006">
+    <mc:Choice xmlns:p15="http://schemas.microsoft.com/office/powerpoint/2012/main" Requires="p15">
+      <p:transition xmlns:p14="http://schemas.microsoft.com/office/powerpoint/2010/main" spd="slow" p14:dur="2250" advTm="25000">
         <p15:prstTrans prst="drape"/>
       </p:transition>
     </mc:Choice>
-    <mc:Fallback xmlns="">
-      <p:transition spd="slow" advClick="0" advTm="4000">
+    <mc:Fallback>
+      <p:transition spd="slow" advTm="25000">
         <p:fade/>
       </p:transition>
     </mc:Fallback>
@@ -36613,14 +36613,14 @@
   <p:clrMapOvr>
     <a:masterClrMapping/>
   </p:clrMapOvr>
-  <mc:AlternateContent xmlns:mc="http://schemas.openxmlformats.org/markup-compatibility/2006" xmlns:p14="http://schemas.microsoft.com/office/powerpoint/2010/main">
-    <mc:Choice Requires="p14">
-      <p:transition spd="slow" p14:dur="1300" advClick="0" advTm="4000">
+  <mc:AlternateContent xmlns:mc="http://schemas.openxmlformats.org/markup-compatibility/2006">
+    <mc:Choice xmlns:p14="http://schemas.microsoft.com/office/powerpoint/2010/main" Requires="p14">
+      <p:transition spd="slow" p14:dur="1300" advTm="3600000">
         <p14:pan dir="u"/>
       </p:transition>
     </mc:Choice>
-    <mc:Fallback xmlns="">
-      <p:transition spd="slow" advClick="0" advTm="4000">
+    <mc:Fallback>
+      <p:transition spd="slow" advTm="3600000">
         <p:fade/>
       </p:transition>
     </mc:Fallback>
@@ -36938,14 +36938,14 @@
   <p:clrMapOvr>
     <a:masterClrMapping/>
   </p:clrMapOvr>
-  <mc:AlternateContent xmlns:mc="http://schemas.openxmlformats.org/markup-compatibility/2006" xmlns:p14="http://schemas.microsoft.com/office/powerpoint/2010/main">
-    <mc:Choice Requires="p14">
-      <p:transition spd="slow" p14:dur="1300" advClick="0" advTm="4000">
+  <mc:AlternateContent xmlns:mc="http://schemas.openxmlformats.org/markup-compatibility/2006">
+    <mc:Choice xmlns:p14="http://schemas.microsoft.com/office/powerpoint/2010/main" Requires="p14">
+      <p:transition spd="slow" p14:dur="1300" advTm="5000">
         <p14:pan dir="u"/>
       </p:transition>
     </mc:Choice>
-    <mc:Fallback xmlns="">
-      <p:transition spd="slow" advClick="0" advTm="4000">
+    <mc:Fallback>
+      <p:transition spd="slow" advTm="5000">
         <p:fade/>
       </p:transition>
     </mc:Fallback>
@@ -37548,14 +37548,14 @@
   <p:clrMapOvr>
     <a:masterClrMapping/>
   </p:clrMapOvr>
-  <mc:AlternateContent xmlns:mc="http://schemas.openxmlformats.org/markup-compatibility/2006" xmlns:p14="http://schemas.microsoft.com/office/powerpoint/2010/main">
-    <mc:Choice Requires="p14">
-      <p:transition spd="slow" p14:dur="1300" advClick="0" advTm="4000">
+  <mc:AlternateContent xmlns:mc="http://schemas.openxmlformats.org/markup-compatibility/2006">
+    <mc:Choice xmlns:p14="http://schemas.microsoft.com/office/powerpoint/2010/main" Requires="p14">
+      <p:transition spd="slow" p14:dur="1300" advTm="44000">
         <p14:pan dir="u"/>
       </p:transition>
     </mc:Choice>
-    <mc:Fallback xmlns="">
-      <p:transition spd="slow" advClick="0" advTm="4000">
+    <mc:Fallback>
+      <p:transition spd="slow" advTm="44000">
         <p:fade/>
       </p:transition>
     </mc:Fallback>
@@ -38268,14 +38268,14 @@
   <p:clrMapOvr>
     <a:masterClrMapping/>
   </p:clrMapOvr>
-  <mc:AlternateContent xmlns:mc="http://schemas.openxmlformats.org/markup-compatibility/2006" xmlns:p14="http://schemas.microsoft.com/office/powerpoint/2010/main">
-    <mc:Choice Requires="p14">
-      <p:transition spd="slow" p14:dur="1300" advClick="0" advTm="4000">
+  <mc:AlternateContent xmlns:mc="http://schemas.openxmlformats.org/markup-compatibility/2006">
+    <mc:Choice xmlns:p14="http://schemas.microsoft.com/office/powerpoint/2010/main" Requires="p14">
+      <p:transition spd="slow" p14:dur="1300" advTm="10000">
         <p14:pan dir="u"/>
       </p:transition>
     </mc:Choice>
-    <mc:Fallback xmlns="">
-      <p:transition spd="slow" advClick="0" advTm="4000">
+    <mc:Fallback>
+      <p:transition spd="slow" advTm="10000">
         <p:fade/>
       </p:transition>
     </mc:Fallback>
@@ -39013,14 +39013,14 @@
   <p:clrMapOvr>
     <a:masterClrMapping/>
   </p:clrMapOvr>
-  <mc:AlternateContent xmlns:mc="http://schemas.openxmlformats.org/markup-compatibility/2006" xmlns:p14="http://schemas.microsoft.com/office/powerpoint/2010/main">
-    <mc:Choice Requires="p14">
-      <p:transition spd="slow" p14:dur="1300" advClick="0" advTm="4000">
+  <mc:AlternateContent xmlns:mc="http://schemas.openxmlformats.org/markup-compatibility/2006">
+    <mc:Choice xmlns:p14="http://schemas.microsoft.com/office/powerpoint/2010/main" Requires="p14">
+      <p:transition spd="slow" p14:dur="1300" advTm="47000">
         <p14:pan dir="u"/>
       </p:transition>
     </mc:Choice>
-    <mc:Fallback xmlns="">
-      <p:transition spd="slow" advClick="0" advTm="4000">
+    <mc:Fallback>
+      <p:transition spd="slow" advTm="47000">
         <p:fade/>
       </p:transition>
     </mc:Fallback>
@@ -39535,14 +39535,14 @@
   <p:clrMapOvr>
     <a:masterClrMapping/>
   </p:clrMapOvr>
-  <mc:AlternateContent xmlns:mc="http://schemas.openxmlformats.org/markup-compatibility/2006" xmlns:p14="http://schemas.microsoft.com/office/powerpoint/2010/main">
-    <mc:Choice Requires="p14">
-      <p:transition spd="slow" p14:dur="1300" advClick="0" advTm="4000">
+  <mc:AlternateContent xmlns:mc="http://schemas.openxmlformats.org/markup-compatibility/2006">
+    <mc:Choice xmlns:p14="http://schemas.microsoft.com/office/powerpoint/2010/main" Requires="p14">
+      <p:transition spd="slow" p14:dur="1300" advTm="8000">
         <p14:pan dir="u"/>
       </p:transition>
     </mc:Choice>
-    <mc:Fallback xmlns="">
-      <p:transition spd="slow" advClick="0" advTm="4000">
+    <mc:Fallback>
+      <p:transition spd="slow" advTm="8000">
         <p:fade/>
       </p:transition>
     </mc:Fallback>
@@ -39903,14 +39903,14 @@
   <p:clrMapOvr>
     <a:masterClrMapping/>
   </p:clrMapOvr>
-  <mc:AlternateContent xmlns:mc="http://schemas.openxmlformats.org/markup-compatibility/2006" xmlns:p14="http://schemas.microsoft.com/office/powerpoint/2010/main">
-    <mc:Choice Requires="p14">
-      <p:transition spd="slow" p14:dur="1300" advClick="0" advTm="4000">
+  <mc:AlternateContent xmlns:mc="http://schemas.openxmlformats.org/markup-compatibility/2006">
+    <mc:Choice xmlns:p14="http://schemas.microsoft.com/office/powerpoint/2010/main" Requires="p14">
+      <p:transition spd="slow" p14:dur="1300" advTm="25000">
         <p14:pan dir="u"/>
       </p:transition>
     </mc:Choice>
-    <mc:Fallback xmlns="">
-      <p:transition spd="slow" advClick="0" advTm="4000">
+    <mc:Fallback>
+      <p:transition spd="slow" advTm="25000">
         <p:fade/>
       </p:transition>
     </mc:Fallback>
@@ -40650,14 +40650,14 @@
   <p:clrMapOvr>
     <a:masterClrMapping/>
   </p:clrMapOvr>
-  <mc:AlternateContent xmlns:mc="http://schemas.openxmlformats.org/markup-compatibility/2006" xmlns:p14="http://schemas.microsoft.com/office/powerpoint/2010/main">
-    <mc:Choice Requires="p14">
-      <p:transition spd="slow" p14:dur="1300" advClick="0" advTm="4000">
+  <mc:AlternateContent xmlns:mc="http://schemas.openxmlformats.org/markup-compatibility/2006">
+    <mc:Choice xmlns:p14="http://schemas.microsoft.com/office/powerpoint/2010/main" Requires="p14">
+      <p:transition spd="slow" p14:dur="1300" advTm="9000">
         <p14:pan dir="u"/>
       </p:transition>
     </mc:Choice>
-    <mc:Fallback xmlns="">
-      <p:transition spd="slow" advClick="0" advTm="4000">
+    <mc:Fallback>
+      <p:transition spd="slow" advTm="9000">
         <p:fade/>
       </p:transition>
     </mc:Fallback>
@@ -41088,14 +41088,14 @@
   <p:clrMapOvr>
     <a:masterClrMapping/>
   </p:clrMapOvr>
-  <mc:AlternateContent xmlns:mc="http://schemas.openxmlformats.org/markup-compatibility/2006" xmlns:p14="http://schemas.microsoft.com/office/powerpoint/2010/main">
-    <mc:Choice Requires="p14">
-      <p:transition spd="slow" p14:dur="1300" advClick="0" advTm="4000">
+  <mc:AlternateContent xmlns:mc="http://schemas.openxmlformats.org/markup-compatibility/2006">
+    <mc:Choice xmlns:p14="http://schemas.microsoft.com/office/powerpoint/2010/main" Requires="p14">
+      <p:transition spd="slow" p14:dur="1300" advTm="20000">
         <p14:pan dir="u"/>
       </p:transition>
     </mc:Choice>
-    <mc:Fallback xmlns="">
-      <p:transition spd="slow" advClick="0" advTm="4000">
+    <mc:Fallback>
+      <p:transition spd="slow" advTm="20000">
         <p:fade/>
       </p:transition>
     </mc:Fallback>
@@ -41651,14 +41651,14 @@
   <p:clrMapOvr>
     <a:masterClrMapping/>
   </p:clrMapOvr>
-  <mc:AlternateContent xmlns:mc="http://schemas.openxmlformats.org/markup-compatibility/2006" xmlns:p14="http://schemas.microsoft.com/office/powerpoint/2010/main">
-    <mc:Choice Requires="p14">
-      <p:transition spd="slow" p14:dur="1300" advClick="0" advTm="4000">
+  <mc:AlternateContent xmlns:mc="http://schemas.openxmlformats.org/markup-compatibility/2006">
+    <mc:Choice xmlns:p14="http://schemas.microsoft.com/office/powerpoint/2010/main" Requires="p14">
+      <p:transition spd="slow" p14:dur="1300" advTm="52000">
         <p14:pan dir="u"/>
       </p:transition>
     </mc:Choice>
-    <mc:Fallback xmlns="">
-      <p:transition spd="slow" advClick="0" advTm="4000">
+    <mc:Fallback>
+      <p:transition spd="slow" advTm="52000">
         <p:fade/>
       </p:transition>
     </mc:Fallback>
@@ -42050,14 +42050,14 @@
   <p:clrMapOvr>
     <a:overrideClrMapping bg1="dk1" tx1="lt1" bg2="dk2" tx2="lt2" accent1="accent1" accent2="accent2" accent3="accent3" accent4="accent4" accent5="accent5" accent6="accent6" hlink="hlink" folHlink="folHlink"/>
   </p:clrMapOvr>
-  <mc:AlternateContent xmlns:mc="http://schemas.openxmlformats.org/markup-compatibility/2006" xmlns:p14="http://schemas.microsoft.com/office/powerpoint/2010/main">
-    <mc:Choice Requires="p14">
-      <p:transition spd="slow" p14:dur="1300" advClick="0" advTm="4000">
+  <mc:AlternateContent xmlns:mc="http://schemas.openxmlformats.org/markup-compatibility/2006">
+    <mc:Choice xmlns:p14="http://schemas.microsoft.com/office/powerpoint/2010/main" Requires="p14">
+      <p:transition spd="slow" p14:dur="1300" advTm="40000">
         <p14:pan dir="u"/>
       </p:transition>
     </mc:Choice>
-    <mc:Fallback xmlns="">
-      <p:transition spd="slow" advClick="0" advTm="4000">
+    <mc:Fallback>
+      <p:transition spd="slow" advTm="40000">
         <p:fade/>
       </p:transition>
     </mc:Fallback>
@@ -43344,14 +43344,14 @@
   <p:clrMapOvr>
     <a:masterClrMapping/>
   </p:clrMapOvr>
-  <mc:AlternateContent xmlns:mc="http://schemas.openxmlformats.org/markup-compatibility/2006" xmlns:p14="http://schemas.microsoft.com/office/powerpoint/2010/main">
-    <mc:Choice Requires="p14">
-      <p:transition spd="slow" p14:dur="1300" advClick="0" advTm="4000">
+  <mc:AlternateContent xmlns:mc="http://schemas.openxmlformats.org/markup-compatibility/2006">
+    <mc:Choice xmlns:p14="http://schemas.microsoft.com/office/powerpoint/2010/main" Requires="p14">
+      <p:transition spd="slow" p14:dur="1300" advTm="4000">
         <p14:pan dir="u"/>
       </p:transition>
     </mc:Choice>
-    <mc:Fallback xmlns="">
-      <p:transition spd="slow" advClick="0" advTm="4000">
+    <mc:Fallback>
+      <p:transition spd="slow" advTm="4000">
         <p:fade/>
       </p:transition>
     </mc:Fallback>
@@ -43877,14 +43877,14 @@
   <p:clrMapOvr>
     <a:masterClrMapping/>
   </p:clrMapOvr>
-  <mc:AlternateContent xmlns:mc="http://schemas.openxmlformats.org/markup-compatibility/2006" xmlns:p14="http://schemas.microsoft.com/office/powerpoint/2010/main">
-    <mc:Choice Requires="p14">
-      <p:transition p14:dur="10" advClick="0" advTm="4000">
+  <mc:AlternateContent xmlns:mc="http://schemas.openxmlformats.org/markup-compatibility/2006">
+    <mc:Choice xmlns:p14="http://schemas.microsoft.com/office/powerpoint/2010/main" Requires="p14">
+      <p:transition p14:dur="10" advTm="4000">
         <p:split orient="vert"/>
       </p:transition>
     </mc:Choice>
-    <mc:Fallback xmlns="">
-      <p:transition advClick="0" advTm="4000">
+    <mc:Fallback>
+      <p:transition advTm="4000">
         <p:split orient="vert"/>
       </p:transition>
     </mc:Fallback>
@@ -44260,14 +44260,14 @@
   <p:clrMapOvr>
     <a:masterClrMapping/>
   </p:clrMapOvr>
-  <mc:AlternateContent xmlns:mc="http://schemas.openxmlformats.org/markup-compatibility/2006" xmlns:p14="http://schemas.microsoft.com/office/powerpoint/2010/main">
-    <mc:Choice Requires="p14">
-      <p:transition spd="slow" p14:dur="1300" advClick="0" advTm="4000">
+  <mc:AlternateContent xmlns:mc="http://schemas.openxmlformats.org/markup-compatibility/2006">
+    <mc:Choice xmlns:p14="http://schemas.microsoft.com/office/powerpoint/2010/main" Requires="p14">
+      <p:transition spd="slow" p14:dur="1300" advTm="25000">
         <p14:pan dir="u"/>
       </p:transition>
     </mc:Choice>
-    <mc:Fallback xmlns="">
-      <p:transition spd="slow" advClick="0" advTm="4000">
+    <mc:Fallback>
+      <p:transition spd="slow" advTm="25000">
         <p:fade/>
       </p:transition>
     </mc:Fallback>
@@ -44688,14 +44688,14 @@
   <p:clrMapOvr>
     <a:masterClrMapping/>
   </p:clrMapOvr>
-  <mc:AlternateContent xmlns:mc="http://schemas.openxmlformats.org/markup-compatibility/2006" xmlns:p14="http://schemas.microsoft.com/office/powerpoint/2010/main">
-    <mc:Choice Requires="p14">
-      <p:transition spd="slow" p14:dur="1300" advClick="0" advTm="4000">
+  <mc:AlternateContent xmlns:mc="http://schemas.openxmlformats.org/markup-compatibility/2006">
+    <mc:Choice xmlns:p14="http://schemas.microsoft.com/office/powerpoint/2010/main" Requires="p14">
+      <p:transition spd="slow" p14:dur="1300" advTm="36000">
         <p14:pan dir="u"/>
       </p:transition>
     </mc:Choice>
-    <mc:Fallback xmlns="">
-      <p:transition spd="slow" advClick="0" advTm="4000">
+    <mc:Fallback>
+      <p:transition spd="slow" advTm="36000">
         <p:fade/>
       </p:transition>
     </mc:Fallback>
@@ -45217,14 +45217,14 @@
   <p:clrMapOvr>
     <a:masterClrMapping/>
   </p:clrMapOvr>
-  <mc:AlternateContent xmlns:mc="http://schemas.openxmlformats.org/markup-compatibility/2006" xmlns:p14="http://schemas.microsoft.com/office/powerpoint/2010/main">
-    <mc:Choice Requires="p14">
-      <p:transition spd="slow" p14:dur="1300" advClick="0" advTm="4000">
+  <mc:AlternateContent xmlns:mc="http://schemas.openxmlformats.org/markup-compatibility/2006">
+    <mc:Choice xmlns:p14="http://schemas.microsoft.com/office/powerpoint/2010/main" Requires="p14">
+      <p:transition spd="slow" p14:dur="1300" advTm="50000">
         <p14:pan dir="u"/>
       </p:transition>
     </mc:Choice>
-    <mc:Fallback xmlns="">
-      <p:transition spd="slow" advClick="0" advTm="4000">
+    <mc:Fallback>
+      <p:transition spd="slow" advTm="50000">
         <p:fade/>
       </p:transition>
     </mc:Fallback>
@@ -45645,14 +45645,14 @@
   <p:clrMapOvr>
     <a:masterClrMapping/>
   </p:clrMapOvr>
-  <mc:AlternateContent xmlns:mc="http://schemas.openxmlformats.org/markup-compatibility/2006" xmlns:p14="http://schemas.microsoft.com/office/powerpoint/2010/main">
-    <mc:Choice Requires="p14">
-      <p:transition spd="slow" p14:dur="1300" advClick="0" advTm="4000">
+  <mc:AlternateContent xmlns:mc="http://schemas.openxmlformats.org/markup-compatibility/2006">
+    <mc:Choice xmlns:p14="http://schemas.microsoft.com/office/powerpoint/2010/main" Requires="p14">
+      <p:transition spd="slow" p14:dur="1300" advTm="22000">
         <p14:pan dir="u"/>
       </p:transition>
     </mc:Choice>
-    <mc:Fallback xmlns="">
-      <p:transition spd="slow" advClick="0" advTm="4000">
+    <mc:Fallback>
+      <p:transition spd="slow" advTm="22000">
         <p:fade/>
       </p:transition>
     </mc:Fallback>
@@ -45868,14 +45868,14 @@
   <p:clrMapOvr>
     <a:masterClrMapping/>
   </p:clrMapOvr>
-  <mc:AlternateContent xmlns:mc="http://schemas.openxmlformats.org/markup-compatibility/2006" xmlns:p14="http://schemas.microsoft.com/office/powerpoint/2010/main">
-    <mc:Choice Requires="p14">
-      <p:transition spd="slow" p14:dur="1300" advClick="0" advTm="4000">
+  <mc:AlternateContent xmlns:mc="http://schemas.openxmlformats.org/markup-compatibility/2006">
+    <mc:Choice xmlns:p14="http://schemas.microsoft.com/office/powerpoint/2010/main" Requires="p14">
+      <p:transition spd="slow" p14:dur="1300" advTm="35000">
         <p14:pan dir="u"/>
       </p:transition>
     </mc:Choice>
-    <mc:Fallback xmlns="">
-      <p:transition spd="slow" advClick="0" advTm="4000">
+    <mc:Fallback>
+      <p:transition spd="slow" advTm="35000">
         <p:fade/>
       </p:transition>
     </mc:Fallback>
@@ -46232,14 +46232,14 @@
   <p:clrMapOvr>
     <a:masterClrMapping/>
   </p:clrMapOvr>
-  <mc:AlternateContent xmlns:mc="http://schemas.openxmlformats.org/markup-compatibility/2006" xmlns:p14="http://schemas.microsoft.com/office/powerpoint/2010/main">
-    <mc:Choice Requires="p14">
-      <p:transition spd="slow" p14:dur="1300" advClick="0" advTm="4000">
+  <mc:AlternateContent xmlns:mc="http://schemas.openxmlformats.org/markup-compatibility/2006">
+    <mc:Choice xmlns:p14="http://schemas.microsoft.com/office/powerpoint/2010/main" Requires="p14">
+      <p:transition spd="slow" p14:dur="1300" advTm="55000">
         <p14:pan dir="u"/>
       </p:transition>
     </mc:Choice>
-    <mc:Fallback xmlns="">
-      <p:transition spd="slow" advClick="0" advTm="4000">
+    <mc:Fallback>
+      <p:transition spd="slow" advTm="55000">
         <p:fade/>
       </p:transition>
     </mc:Fallback>
@@ -46558,14 +46558,14 @@
   <p:clrMapOvr>
     <a:masterClrMapping/>
   </p:clrMapOvr>
-  <mc:AlternateContent xmlns:mc="http://schemas.openxmlformats.org/markup-compatibility/2006" xmlns:p14="http://schemas.microsoft.com/office/powerpoint/2010/main">
-    <mc:Choice Requires="p14">
-      <p:transition spd="slow" p14:dur="1300" advClick="0" advTm="4000">
+  <mc:AlternateContent xmlns:mc="http://schemas.openxmlformats.org/markup-compatibility/2006">
+    <mc:Choice xmlns:p14="http://schemas.microsoft.com/office/powerpoint/2010/main" Requires="p14">
+      <p:transition spd="slow" p14:dur="1300" advTm="6000">
         <p14:pan dir="u"/>
       </p:transition>
     </mc:Choice>
-    <mc:Fallback xmlns="">
-      <p:transition spd="slow" advClick="0" advTm="4000">
+    <mc:Fallback>
+      <p:transition spd="slow" advTm="6000">
         <p:fade/>
       </p:transition>
     </mc:Fallback>

--- a/Presentation for IT.pptx
+++ b/Presentation for IT.pptx
@@ -7476,10 +7476,10 @@
             <a:defRPr cap="all"/>
           </a:pPr>
           <a:r>
-            <a:rPr lang="cs-CZ"/>
+            <a:rPr lang="cs-CZ" b="1" dirty="0"/>
             <a:t>Co to znamená?</a:t>
           </a:r>
-          <a:endParaRPr lang="en-US"/>
+          <a:endParaRPr lang="en-US" b="1" dirty="0"/>
         </a:p>
       </dgm:t>
     </dgm:pt>
@@ -7519,10 +7519,10 @@
             <a:defRPr cap="all"/>
           </a:pPr>
           <a:r>
-            <a:rPr lang="cs-CZ" dirty="0"/>
+            <a:rPr lang="cs-CZ" b="1" dirty="0"/>
             <a:t>Jaký je jeho hlavní účel?</a:t>
           </a:r>
-          <a:endParaRPr lang="en-US" dirty="0"/>
+          <a:endParaRPr lang="en-US" b="1" dirty="0"/>
         </a:p>
       </dgm:t>
     </dgm:pt>
@@ -7716,10 +7716,10 @@
             <a:defRPr cap="all"/>
           </a:pPr>
           <a:r>
-            <a:rPr lang="cs-CZ" dirty="0"/>
+            <a:rPr lang="cs-CZ" b="1" dirty="0"/>
             <a:t>Co to znamená?</a:t>
           </a:r>
-          <a:endParaRPr lang="en-US" dirty="0"/>
+          <a:endParaRPr lang="en-US" b="1" dirty="0"/>
         </a:p>
       </dgm:t>
     </dgm:pt>
@@ -7759,10 +7759,10 @@
             <a:defRPr cap="all"/>
           </a:pPr>
           <a:r>
-            <a:rPr lang="cs-CZ" dirty="0"/>
+            <a:rPr lang="cs-CZ" b="1" dirty="0"/>
             <a:t>Jaký je jeho hlavní účel?</a:t>
           </a:r>
-          <a:endParaRPr lang="en-US" dirty="0"/>
+          <a:endParaRPr lang="en-US" b="1" dirty="0"/>
         </a:p>
       </dgm:t>
     </dgm:pt>
@@ -7957,7 +7957,7 @@
       </dgm:t>
     </dgm:pt>
     <dgm:pt modelId="{EBBA87D9-7F1E-4D9A-95D7-8DFEBE024038}">
-      <dgm:prSet/>
+      <dgm:prSet custT="1"/>
       <dgm:spPr/>
       <dgm:t>
         <a:bodyPr/>
@@ -7970,36 +7970,8 @@
             <a:defRPr cap="all"/>
           </a:pPr>
           <a:r>
-            <a:rPr lang="en-US" b="1"/>
-            <a:t>C</a:t>
-          </a:r>
-          <a:r>
-            <a:rPr lang="en-US"/>
-            <a:t>yan, </a:t>
-          </a:r>
-          <a:r>
-            <a:rPr lang="en-US" b="1"/>
-            <a:t>M</a:t>
-          </a:r>
-          <a:r>
-            <a:rPr lang="en-US"/>
-            <a:t>agenta, </a:t>
-          </a:r>
-          <a:r>
-            <a:rPr lang="en-US" b="1"/>
-            <a:t>Y</a:t>
-          </a:r>
-          <a:r>
-            <a:rPr lang="en-US"/>
-            <a:t>ellow, </a:t>
-          </a:r>
-          <a:r>
-            <a:rPr lang="en-US" b="1"/>
-            <a:t>K</a:t>
-          </a:r>
-          <a:r>
-            <a:rPr lang="en-US"/>
-            <a:t>ey</a:t>
+            <a:rPr lang="en-US" sz="1800" b="1" dirty="0"/>
+            <a:t>Cyan, Magenta, Yellow, Key</a:t>
           </a:r>
         </a:p>
       </dgm:t>
@@ -8027,7 +7999,7 @@
       </dgm:t>
     </dgm:pt>
     <dgm:pt modelId="{BDCB1669-9C4E-4702-997C-B277A046BDAC}">
-      <dgm:prSet/>
+      <dgm:prSet custT="1"/>
       <dgm:spPr/>
       <dgm:t>
         <a:bodyPr/>
@@ -8040,8 +8012,44 @@
             <a:defRPr cap="all"/>
           </a:pPr>
           <a:r>
-            <a:rPr lang="en-US"/>
-            <a:t>Jedná se o subtraktivní barevný model používaný v tisku.</a:t>
+            <a:rPr lang="en-US" sz="1800" b="1" dirty="0" err="1"/>
+            <a:t>Jedná</a:t>
+          </a:r>
+          <a:r>
+            <a:rPr lang="en-US" sz="1800" b="1" dirty="0"/>
+            <a:t> se o </a:t>
+          </a:r>
+          <a:r>
+            <a:rPr lang="en-US" sz="1800" b="1" dirty="0" err="1"/>
+            <a:t>subtraktivní</a:t>
+          </a:r>
+          <a:r>
+            <a:rPr lang="en-US" sz="1800" b="1" dirty="0"/>
+            <a:t> </a:t>
+          </a:r>
+          <a:r>
+            <a:rPr lang="en-US" sz="1800" b="1" dirty="0" err="1"/>
+            <a:t>barevný</a:t>
+          </a:r>
+          <a:r>
+            <a:rPr lang="en-US" sz="1800" b="1" dirty="0"/>
+            <a:t> model </a:t>
+          </a:r>
+          <a:r>
+            <a:rPr lang="en-US" sz="1800" b="1" dirty="0" err="1"/>
+            <a:t>používaný</a:t>
+          </a:r>
+          <a:r>
+            <a:rPr lang="en-US" sz="1800" b="1" dirty="0"/>
+            <a:t> v </a:t>
+          </a:r>
+          <a:r>
+            <a:rPr lang="en-US" sz="1800" b="1" dirty="0" err="1"/>
+            <a:t>tisku</a:t>
+          </a:r>
+          <a:r>
+            <a:rPr lang="en-US" sz="1800" b="1" dirty="0"/>
+            <a:t>.</a:t>
           </a:r>
         </a:p>
       </dgm:t>
@@ -8083,7 +8091,11 @@
     </dgm:pt>
     <dgm:pt modelId="{47B0EEBF-27D4-40E9-9178-3CC271A116E1}" type="pres">
       <dgm:prSet presAssocID="{EBBA87D9-7F1E-4D9A-95D7-8DFEBE024038}" presName="iconBgRect" presStyleLbl="bgShp" presStyleIdx="0" presStyleCnt="2"/>
-      <dgm:spPr/>
+      <dgm:spPr>
+        <a:solidFill>
+          <a:srgbClr val="C00000"/>
+        </a:solidFill>
+      </dgm:spPr>
     </dgm:pt>
     <dgm:pt modelId="{26B56776-3A22-4E75-B812-76581A1B7EAD}" type="pres">
       <dgm:prSet presAssocID="{EBBA87D9-7F1E-4D9A-95D7-8DFEBE024038}" presName="iconRect" presStyleLbl="node1" presStyleIdx="0" presStyleCnt="2"/>
@@ -8129,7 +8141,11 @@
     </dgm:pt>
     <dgm:pt modelId="{532ABB1E-DC88-476E-B56C-35565B7E72AF}" type="pres">
       <dgm:prSet presAssocID="{BDCB1669-9C4E-4702-997C-B277A046BDAC}" presName="iconBgRect" presStyleLbl="bgShp" presStyleIdx="1" presStyleCnt="2"/>
-      <dgm:spPr/>
+      <dgm:spPr>
+        <a:solidFill>
+          <a:srgbClr val="00B0F0"/>
+        </a:solidFill>
+      </dgm:spPr>
     </dgm:pt>
     <dgm:pt modelId="{0021A66C-FF0B-4BEB-AD62-B93FBF89BD9B}" type="pres">
       <dgm:prSet presAssocID="{BDCB1669-9C4E-4702-997C-B277A046BDAC}" presName="iconRect" presStyleLbl="node1" presStyleIdx="1" presStyleCnt="2"/>
@@ -8371,17 +8387,17 @@
       </dgm:t>
     </dgm:pt>
     <dgm:pt modelId="{83D8F678-05EB-4311-8D63-286AD02B189B}">
-      <dgm:prSet/>
+      <dgm:prSet custT="1"/>
       <dgm:spPr/>
       <dgm:t>
         <a:bodyPr/>
         <a:lstStyle/>
         <a:p>
           <a:r>
-            <a:rPr lang="cs-CZ"/>
+            <a:rPr lang="cs-CZ" sz="2400" b="1" dirty="0"/>
             <a:t>Někdy HSB</a:t>
           </a:r>
-          <a:endParaRPr lang="en-US" dirty="0"/>
+          <a:endParaRPr lang="en-US" sz="2400" b="1" dirty="0"/>
         </a:p>
       </dgm:t>
     </dgm:pt>
@@ -8408,37 +8424,33 @@
       </dgm:t>
     </dgm:pt>
     <dgm:pt modelId="{C74CD558-E170-402A-A88D-0BBB8A80EA1B}">
-      <dgm:prSet/>
+      <dgm:prSet custT="1"/>
       <dgm:spPr/>
       <dgm:t>
         <a:bodyPr/>
         <a:lstStyle/>
         <a:p>
           <a:r>
-            <a:rPr lang="cs-CZ" b="1"/>
-            <a:t>H</a:t>
+            <a:rPr lang="cs-CZ" sz="2400" b="1" dirty="0"/>
+            <a:t>Hue (odstín), </a:t>
           </a:r>
           <a:r>
-            <a:rPr lang="cs-CZ"/>
-            <a:t>ue (odstín)</a:t>
+            <a:rPr lang="en-US" sz="2400" b="1" dirty="0"/>
+            <a:t>S</a:t>
           </a:r>
           <a:r>
-            <a:rPr lang="cs-CZ" b="1"/>
-            <a:t>, s</a:t>
+            <a:rPr lang="cs-CZ" sz="2400" b="1" dirty="0"/>
+            <a:t>aturation(sytost), </a:t>
           </a:r>
           <a:r>
-            <a:rPr lang="cs-CZ"/>
-            <a:t>aturation(sytost)</a:t>
+            <a:rPr lang="en-US" sz="2400" b="1" dirty="0"/>
+            <a:t>V</a:t>
           </a:r>
           <a:r>
-            <a:rPr lang="cs-CZ" b="1"/>
-            <a:t>, v</a:t>
-          </a:r>
-          <a:r>
-            <a:rPr lang="cs-CZ"/>
+            <a:rPr lang="cs-CZ" sz="2400" b="1" dirty="0"/>
             <a:t>alue (hodnota)</a:t>
           </a:r>
-          <a:endParaRPr lang="en-US"/>
+          <a:endParaRPr lang="en-US" sz="2400" b="1" dirty="0"/>
         </a:p>
       </dgm:t>
     </dgm:pt>
@@ -8465,101 +8477,101 @@
       </dgm:t>
     </dgm:pt>
     <dgm:pt modelId="{CFFA3509-DA45-496D-A242-D038AAEF017E}">
-      <dgm:prSet/>
+      <dgm:prSet custT="1"/>
       <dgm:spPr/>
       <dgm:t>
         <a:bodyPr/>
         <a:lstStyle/>
         <a:p>
           <a:r>
-            <a:rPr lang="cs-CZ" dirty="0"/>
+            <a:rPr lang="cs-CZ" sz="2400" b="1" dirty="0"/>
             <a:t>J</a:t>
           </a:r>
           <a:r>
-            <a:rPr lang="en-US" dirty="0"/>
+            <a:rPr lang="en-US" sz="2400" b="1" dirty="0"/>
             <a:t>e </a:t>
           </a:r>
           <a:r>
-            <a:rPr lang="en-US" dirty="0" err="1"/>
+            <a:rPr lang="en-US" sz="2400" b="1" dirty="0" err="1"/>
             <a:t>cylindrický</a:t>
           </a:r>
           <a:r>
-            <a:rPr lang="en-US" dirty="0"/>
+            <a:rPr lang="en-US" sz="2400" b="1" dirty="0"/>
             <a:t> </a:t>
           </a:r>
           <a:r>
-            <a:rPr lang="en-US" dirty="0" err="1"/>
+            <a:rPr lang="en-US" sz="2400" b="1" dirty="0" err="1"/>
             <a:t>barevný</a:t>
           </a:r>
           <a:r>
-            <a:rPr lang="en-US" dirty="0"/>
+            <a:rPr lang="en-US" sz="2400" b="1" dirty="0"/>
             <a:t> model, </a:t>
           </a:r>
           <a:r>
-            <a:rPr lang="en-US" dirty="0" err="1"/>
+            <a:rPr lang="en-US" sz="2400" b="1" dirty="0" err="1"/>
             <a:t>který</a:t>
           </a:r>
           <a:r>
-            <a:rPr lang="en-US" dirty="0"/>
+            <a:rPr lang="en-US" sz="2400" b="1" dirty="0"/>
             <a:t> </a:t>
           </a:r>
           <a:r>
-            <a:rPr lang="en-US" dirty="0" err="1"/>
+            <a:rPr lang="en-US" sz="2400" b="1" dirty="0" err="1"/>
             <a:t>představuje</a:t>
           </a:r>
           <a:r>
-            <a:rPr lang="en-US" dirty="0"/>
+            <a:rPr lang="en-US" sz="2400" b="1" dirty="0"/>
             <a:t> </a:t>
           </a:r>
           <a:r>
-            <a:rPr lang="en-US" dirty="0" err="1"/>
+            <a:rPr lang="en-US" sz="2400" b="1" dirty="0" err="1"/>
             <a:t>odstíny</a:t>
           </a:r>
           <a:r>
-            <a:rPr lang="en-US" dirty="0"/>
+            <a:rPr lang="en-US" sz="2400" b="1" dirty="0"/>
             <a:t>, </a:t>
           </a:r>
           <a:r>
-            <a:rPr lang="en-US" dirty="0" err="1"/>
+            <a:rPr lang="en-US" sz="2400" b="1" dirty="0" err="1"/>
             <a:t>sytost</a:t>
           </a:r>
           <a:r>
-            <a:rPr lang="en-US" dirty="0"/>
+            <a:rPr lang="en-US" sz="2400" b="1" dirty="0"/>
             <a:t> a </a:t>
           </a:r>
           <a:r>
-            <a:rPr lang="en-US" dirty="0" err="1"/>
+            <a:rPr lang="en-US" sz="2400" b="1" dirty="0" err="1"/>
             <a:t>hodnoty</a:t>
           </a:r>
           <a:r>
-            <a:rPr lang="en-US" dirty="0"/>
+            <a:rPr lang="en-US" sz="2400" b="1" dirty="0"/>
             <a:t> (</a:t>
           </a:r>
           <a:r>
-            <a:rPr lang="en-US" dirty="0" err="1"/>
+            <a:rPr lang="en-US" sz="2400" b="1" dirty="0" err="1"/>
             <a:t>nebo</a:t>
           </a:r>
           <a:r>
-            <a:rPr lang="en-US" dirty="0"/>
+            <a:rPr lang="en-US" sz="2400" b="1" dirty="0"/>
             <a:t> </a:t>
           </a:r>
           <a:r>
-            <a:rPr lang="en-US" dirty="0" err="1"/>
+            <a:rPr lang="en-US" sz="2400" b="1" dirty="0" err="1"/>
             <a:t>jas</a:t>
           </a:r>
           <a:r>
-            <a:rPr lang="en-US" dirty="0"/>
+            <a:rPr lang="en-US" sz="2400" b="1" dirty="0"/>
             <a:t>) </a:t>
           </a:r>
           <a:r>
-            <a:rPr lang="en-US" dirty="0" err="1"/>
+            <a:rPr lang="en-US" sz="2400" b="1" dirty="0" err="1"/>
             <a:t>barev</a:t>
           </a:r>
           <a:r>
-            <a:rPr lang="cs-CZ" dirty="0"/>
+            <a:rPr lang="cs-CZ" sz="2400" b="1" dirty="0"/>
             <a:t>.</a:t>
           </a:r>
-          <a:endParaRPr lang="en-US" dirty="0"/>
+          <a:endParaRPr lang="en-US" sz="2400" b="1" dirty="0"/>
         </a:p>
       </dgm:t>
     </dgm:pt>
@@ -9485,7 +9497,7 @@
         </a:bodyPr>
         <a:lstStyle/>
         <a:p>
-          <a:pPr marL="0" lvl="0" indent="0" algn="ctr" defTabSz="1111250">
+          <a:pPr marL="0" lvl="0" indent="0" algn="ctr" defTabSz="1066800">
             <a:lnSpc>
               <a:spcPct val="100000"/>
             </a:lnSpc>
@@ -9499,10 +9511,10 @@
             <a:defRPr cap="all"/>
           </a:pPr>
           <a:r>
-            <a:rPr lang="cs-CZ" sz="2500" kern="1200"/>
+            <a:rPr lang="cs-CZ" sz="2400" b="1" kern="1200" dirty="0"/>
             <a:t>Co to znamená?</a:t>
           </a:r>
-          <a:endParaRPr lang="en-US" sz="2500" kern="1200"/>
+          <a:endParaRPr lang="en-US" sz="2400" b="1" kern="1200" dirty="0"/>
         </a:p>
       </dsp:txBody>
       <dsp:txXfrm>
@@ -9636,7 +9648,7 @@
         </a:bodyPr>
         <a:lstStyle/>
         <a:p>
-          <a:pPr marL="0" lvl="0" indent="0" algn="ctr" defTabSz="1111250">
+          <a:pPr marL="0" lvl="0" indent="0" algn="ctr" defTabSz="1066800">
             <a:lnSpc>
               <a:spcPct val="100000"/>
             </a:lnSpc>
@@ -9650,10 +9662,10 @@
             <a:defRPr cap="all"/>
           </a:pPr>
           <a:r>
-            <a:rPr lang="cs-CZ" sz="2500" kern="1200" dirty="0"/>
+            <a:rPr lang="cs-CZ" sz="2400" b="1" kern="1200" dirty="0"/>
             <a:t>Jaký je jeho hlavní účel?</a:t>
           </a:r>
-          <a:endParaRPr lang="en-US" sz="2500" kern="1200" dirty="0"/>
+          <a:endParaRPr lang="en-US" sz="2400" b="1" kern="1200" dirty="0"/>
         </a:p>
       </dsp:txBody>
       <dsp:txXfrm>
@@ -9802,7 +9814,7 @@
         </a:bodyPr>
         <a:lstStyle/>
         <a:p>
-          <a:pPr marL="0" lvl="0" indent="0" algn="ctr" defTabSz="1111250">
+          <a:pPr marL="0" lvl="0" indent="0" algn="ctr" defTabSz="1066800">
             <a:lnSpc>
               <a:spcPct val="100000"/>
             </a:lnSpc>
@@ -9816,10 +9828,10 @@
             <a:defRPr cap="all"/>
           </a:pPr>
           <a:r>
-            <a:rPr lang="cs-CZ" sz="2500" kern="1200" dirty="0"/>
+            <a:rPr lang="cs-CZ" sz="2400" b="1" kern="1200" dirty="0"/>
             <a:t>Co to znamená?</a:t>
           </a:r>
-          <a:endParaRPr lang="en-US" sz="2500" kern="1200" dirty="0"/>
+          <a:endParaRPr lang="en-US" sz="2400" b="1" kern="1200" dirty="0"/>
         </a:p>
       </dsp:txBody>
       <dsp:txXfrm>
@@ -9956,7 +9968,7 @@
         </a:bodyPr>
         <a:lstStyle/>
         <a:p>
-          <a:pPr marL="0" lvl="0" indent="0" algn="ctr" defTabSz="1111250">
+          <a:pPr marL="0" lvl="0" indent="0" algn="ctr" defTabSz="1066800">
             <a:lnSpc>
               <a:spcPct val="100000"/>
             </a:lnSpc>
@@ -9970,10 +9982,10 @@
             <a:defRPr cap="all"/>
           </a:pPr>
           <a:r>
-            <a:rPr lang="cs-CZ" sz="2500" kern="1200" dirty="0"/>
+            <a:rPr lang="cs-CZ" sz="2400" b="1" kern="1200" dirty="0"/>
             <a:t>Jaký je jeho hlavní účel?</a:t>
           </a:r>
-          <a:endParaRPr lang="en-US" sz="2500" kern="1200" dirty="0"/>
+          <a:endParaRPr lang="en-US" sz="2400" b="1" kern="1200" dirty="0"/>
         </a:p>
       </dsp:txBody>
       <dsp:txXfrm>
@@ -10000,20 +10012,14 @@
       </dsp:nvSpPr>
       <dsp:spPr>
         <a:xfrm>
-          <a:off x="645807" y="484585"/>
+          <a:off x="645807" y="417085"/>
           <a:ext cx="1852875" cy="1852875"/>
         </a:xfrm>
         <a:prstGeom prst="ellipse">
           <a:avLst/>
         </a:prstGeom>
         <a:solidFill>
-          <a:schemeClr val="accent1">
-            <a:tint val="40000"/>
-            <a:hueOff val="0"/>
-            <a:satOff val="0"/>
-            <a:lumOff val="0"/>
-            <a:alphaOff val="0"/>
-          </a:schemeClr>
+          <a:srgbClr val="C00000"/>
         </a:solidFill>
         <a:ln>
           <a:noFill/>
@@ -10040,7 +10046,7 @@
       </dsp:nvSpPr>
       <dsp:spPr>
         <a:xfrm>
-          <a:off x="1040682" y="879460"/>
+          <a:off x="1040682" y="811960"/>
           <a:ext cx="1063125" cy="1063125"/>
         </a:xfrm>
         <a:prstGeom prst="rect">
@@ -10098,8 +10104,8 @@
       </dsp:nvSpPr>
       <dsp:spPr>
         <a:xfrm>
-          <a:off x="53494" y="2914586"/>
-          <a:ext cx="3037500" cy="720000"/>
+          <a:off x="53494" y="2847086"/>
+          <a:ext cx="3037500" cy="855000"/>
         </a:xfrm>
         <a:prstGeom prst="rect">
           <a:avLst/>
@@ -10128,7 +10134,7 @@
         </a:bodyPr>
         <a:lstStyle/>
         <a:p>
-          <a:pPr marL="0" lvl="0" indent="0" algn="ctr" defTabSz="666750">
+          <a:pPr marL="0" lvl="0" indent="0" algn="ctr" defTabSz="800100">
             <a:lnSpc>
               <a:spcPct val="100000"/>
             </a:lnSpc>
@@ -10142,42 +10148,14 @@
             <a:defRPr cap="all"/>
           </a:pPr>
           <a:r>
-            <a:rPr lang="en-US" sz="1500" b="1" kern="1200"/>
-            <a:t>C</a:t>
-          </a:r>
-          <a:r>
-            <a:rPr lang="en-US" sz="1500" kern="1200"/>
-            <a:t>yan, </a:t>
-          </a:r>
-          <a:r>
-            <a:rPr lang="en-US" sz="1500" b="1" kern="1200"/>
-            <a:t>M</a:t>
-          </a:r>
-          <a:r>
-            <a:rPr lang="en-US" sz="1500" kern="1200"/>
-            <a:t>agenta, </a:t>
-          </a:r>
-          <a:r>
-            <a:rPr lang="en-US" sz="1500" b="1" kern="1200"/>
-            <a:t>Y</a:t>
-          </a:r>
-          <a:r>
-            <a:rPr lang="en-US" sz="1500" kern="1200"/>
-            <a:t>ellow, </a:t>
-          </a:r>
-          <a:r>
-            <a:rPr lang="en-US" sz="1500" b="1" kern="1200"/>
-            <a:t>K</a:t>
-          </a:r>
-          <a:r>
-            <a:rPr lang="en-US" sz="1500" kern="1200"/>
-            <a:t>ey</a:t>
+            <a:rPr lang="en-US" sz="1800" b="1" kern="1200" dirty="0"/>
+            <a:t>Cyan, Magenta, Yellow, Key</a:t>
           </a:r>
         </a:p>
       </dsp:txBody>
       <dsp:txXfrm>
-        <a:off x="53494" y="2914586"/>
-        <a:ext cx="3037500" cy="720000"/>
+        <a:off x="53494" y="2847086"/>
+        <a:ext cx="3037500" cy="855000"/>
       </dsp:txXfrm>
     </dsp:sp>
     <dsp:sp modelId="{532ABB1E-DC88-476E-B56C-35565B7E72AF}">
@@ -10187,20 +10165,14 @@
       </dsp:nvSpPr>
       <dsp:spPr>
         <a:xfrm>
-          <a:off x="4214869" y="484585"/>
+          <a:off x="4214869" y="417085"/>
           <a:ext cx="1852875" cy="1852875"/>
         </a:xfrm>
         <a:prstGeom prst="ellipse">
           <a:avLst/>
         </a:prstGeom>
         <a:solidFill>
-          <a:schemeClr val="accent1">
-            <a:tint val="40000"/>
-            <a:hueOff val="0"/>
-            <a:satOff val="0"/>
-            <a:lumOff val="0"/>
-            <a:alphaOff val="0"/>
-          </a:schemeClr>
+          <a:srgbClr val="00B0F0"/>
         </a:solidFill>
         <a:ln>
           <a:noFill/>
@@ -10227,7 +10199,7 @@
       </dsp:nvSpPr>
       <dsp:spPr>
         <a:xfrm>
-          <a:off x="4609744" y="879460"/>
+          <a:off x="4609744" y="811960"/>
           <a:ext cx="1063125" cy="1063125"/>
         </a:xfrm>
         <a:prstGeom prst="rect">
@@ -10285,8 +10257,8 @@
       </dsp:nvSpPr>
       <dsp:spPr>
         <a:xfrm>
-          <a:off x="3622557" y="2914586"/>
-          <a:ext cx="3037500" cy="720000"/>
+          <a:off x="3622557" y="2847086"/>
+          <a:ext cx="3037500" cy="855000"/>
         </a:xfrm>
         <a:prstGeom prst="rect">
           <a:avLst/>
@@ -10315,7 +10287,7 @@
         </a:bodyPr>
         <a:lstStyle/>
         <a:p>
-          <a:pPr marL="0" lvl="0" indent="0" algn="ctr" defTabSz="666750">
+          <a:pPr marL="0" lvl="0" indent="0" algn="ctr" defTabSz="800100">
             <a:lnSpc>
               <a:spcPct val="100000"/>
             </a:lnSpc>
@@ -10329,14 +10301,50 @@
             <a:defRPr cap="all"/>
           </a:pPr>
           <a:r>
-            <a:rPr lang="en-US" sz="1500" kern="1200"/>
-            <a:t>Jedná se o subtraktivní barevný model používaný v tisku.</a:t>
+            <a:rPr lang="en-US" sz="1800" b="1" kern="1200" dirty="0" err="1"/>
+            <a:t>Jedná</a:t>
+          </a:r>
+          <a:r>
+            <a:rPr lang="en-US" sz="1800" b="1" kern="1200" dirty="0"/>
+            <a:t> se o </a:t>
+          </a:r>
+          <a:r>
+            <a:rPr lang="en-US" sz="1800" b="1" kern="1200" dirty="0" err="1"/>
+            <a:t>subtraktivní</a:t>
+          </a:r>
+          <a:r>
+            <a:rPr lang="en-US" sz="1800" b="1" kern="1200" dirty="0"/>
+            <a:t> </a:t>
+          </a:r>
+          <a:r>
+            <a:rPr lang="en-US" sz="1800" b="1" kern="1200" dirty="0" err="1"/>
+            <a:t>barevný</a:t>
+          </a:r>
+          <a:r>
+            <a:rPr lang="en-US" sz="1800" b="1" kern="1200" dirty="0"/>
+            <a:t> model </a:t>
+          </a:r>
+          <a:r>
+            <a:rPr lang="en-US" sz="1800" b="1" kern="1200" dirty="0" err="1"/>
+            <a:t>používaný</a:t>
+          </a:r>
+          <a:r>
+            <a:rPr lang="en-US" sz="1800" b="1" kern="1200" dirty="0"/>
+            <a:t> v </a:t>
+          </a:r>
+          <a:r>
+            <a:rPr lang="en-US" sz="1800" b="1" kern="1200" dirty="0" err="1"/>
+            <a:t>tisku</a:t>
+          </a:r>
+          <a:r>
+            <a:rPr lang="en-US" sz="1800" b="1" kern="1200" dirty="0"/>
+            <a:t>.</a:t>
           </a:r>
         </a:p>
       </dsp:txBody>
       <dsp:txXfrm>
-        <a:off x="3622557" y="2914586"/>
-        <a:ext cx="3037500" cy="720000"/>
+        <a:off x="3622557" y="2847086"/>
+        <a:ext cx="3037500" cy="855000"/>
       </dsp:txXfrm>
     </dsp:sp>
   </dsp:spTree>
@@ -10669,12 +10677,12 @@
         <a:fontRef idx="minor"/>
       </dsp:style>
       <dsp:txBody>
-        <a:bodyPr spcFirstLastPara="0" vert="horz" wrap="square" lIns="72390" tIns="72390" rIns="72390" bIns="72390" numCol="1" spcCol="1270" anchor="t" anchorCtr="0">
+        <a:bodyPr spcFirstLastPara="0" vert="horz" wrap="square" lIns="91440" tIns="91440" rIns="91440" bIns="91440" numCol="1" spcCol="1270" anchor="t" anchorCtr="0">
           <a:noAutofit/>
         </a:bodyPr>
         <a:lstStyle/>
         <a:p>
-          <a:pPr marL="0" lvl="0" indent="0" algn="l" defTabSz="844550">
+          <a:pPr marL="0" lvl="0" indent="0" algn="l" defTabSz="1066800">
             <a:lnSpc>
               <a:spcPct val="90000"/>
             </a:lnSpc>
@@ -10687,10 +10695,10 @@
             <a:buNone/>
           </a:pPr>
           <a:r>
-            <a:rPr lang="cs-CZ" sz="1900" kern="1200"/>
+            <a:rPr lang="cs-CZ" sz="2400" b="1" kern="1200" dirty="0"/>
             <a:t>Někdy HSB</a:t>
           </a:r>
-          <a:endParaRPr lang="en-US" sz="1900" kern="1200" dirty="0"/>
+          <a:endParaRPr lang="en-US" sz="2400" b="1" kern="1200" dirty="0"/>
         </a:p>
       </dsp:txBody>
       <dsp:txXfrm>
@@ -10780,12 +10788,12 @@
         <a:fontRef idx="minor"/>
       </dsp:style>
       <dsp:txBody>
-        <a:bodyPr spcFirstLastPara="0" vert="horz" wrap="square" lIns="72390" tIns="72390" rIns="72390" bIns="72390" numCol="1" spcCol="1270" anchor="t" anchorCtr="0">
+        <a:bodyPr spcFirstLastPara="0" vert="horz" wrap="square" lIns="91440" tIns="91440" rIns="91440" bIns="91440" numCol="1" spcCol="1270" anchor="t" anchorCtr="0">
           <a:noAutofit/>
         </a:bodyPr>
         <a:lstStyle/>
         <a:p>
-          <a:pPr marL="0" lvl="0" indent="0" algn="l" defTabSz="844550">
+          <a:pPr marL="0" lvl="0" indent="0" algn="l" defTabSz="1066800">
             <a:lnSpc>
               <a:spcPct val="90000"/>
             </a:lnSpc>
@@ -10798,30 +10806,26 @@
             <a:buNone/>
           </a:pPr>
           <a:r>
-            <a:rPr lang="cs-CZ" sz="1900" b="1" kern="1200"/>
-            <a:t>H</a:t>
+            <a:rPr lang="cs-CZ" sz="2400" b="1" kern="1200" dirty="0"/>
+            <a:t>Hue (odstín), </a:t>
           </a:r>
           <a:r>
-            <a:rPr lang="cs-CZ" sz="1900" kern="1200"/>
-            <a:t>ue (odstín)</a:t>
+            <a:rPr lang="en-US" sz="2400" b="1" kern="1200" dirty="0"/>
+            <a:t>S</a:t>
           </a:r>
           <a:r>
-            <a:rPr lang="cs-CZ" sz="1900" b="1" kern="1200"/>
-            <a:t>, s</a:t>
+            <a:rPr lang="cs-CZ" sz="2400" b="1" kern="1200" dirty="0"/>
+            <a:t>aturation(sytost), </a:t>
           </a:r>
           <a:r>
-            <a:rPr lang="cs-CZ" sz="1900" kern="1200"/>
-            <a:t>aturation(sytost)</a:t>
+            <a:rPr lang="en-US" sz="2400" b="1" kern="1200" dirty="0"/>
+            <a:t>V</a:t>
           </a:r>
           <a:r>
-            <a:rPr lang="cs-CZ" sz="1900" b="1" kern="1200"/>
-            <a:t>, v</a:t>
-          </a:r>
-          <a:r>
-            <a:rPr lang="cs-CZ" sz="1900" kern="1200"/>
+            <a:rPr lang="cs-CZ" sz="2400" b="1" kern="1200" dirty="0"/>
             <a:t>alue (hodnota)</a:t>
           </a:r>
-          <a:endParaRPr lang="en-US" sz="1900" kern="1200"/>
+          <a:endParaRPr lang="en-US" sz="2400" b="1" kern="1200" dirty="0"/>
         </a:p>
       </dsp:txBody>
       <dsp:txXfrm>
@@ -10911,12 +10915,12 @@
         <a:fontRef idx="minor"/>
       </dsp:style>
       <dsp:txBody>
-        <a:bodyPr spcFirstLastPara="0" vert="horz" wrap="square" lIns="72390" tIns="72390" rIns="72390" bIns="72390" numCol="1" spcCol="1270" anchor="t" anchorCtr="0">
+        <a:bodyPr spcFirstLastPara="0" vert="horz" wrap="square" lIns="91440" tIns="91440" rIns="91440" bIns="91440" numCol="1" spcCol="1270" anchor="t" anchorCtr="0">
           <a:noAutofit/>
         </a:bodyPr>
         <a:lstStyle/>
         <a:p>
-          <a:pPr marL="0" lvl="0" indent="0" algn="l" defTabSz="844550">
+          <a:pPr marL="0" lvl="0" indent="0" algn="l" defTabSz="1066800">
             <a:lnSpc>
               <a:spcPct val="90000"/>
             </a:lnSpc>
@@ -10929,94 +10933,94 @@
             <a:buNone/>
           </a:pPr>
           <a:r>
-            <a:rPr lang="cs-CZ" sz="1900" kern="1200" dirty="0"/>
+            <a:rPr lang="cs-CZ" sz="2400" b="1" kern="1200" dirty="0"/>
             <a:t>J</a:t>
           </a:r>
           <a:r>
-            <a:rPr lang="en-US" sz="1900" kern="1200" dirty="0"/>
+            <a:rPr lang="en-US" sz="2400" b="1" kern="1200" dirty="0"/>
             <a:t>e </a:t>
           </a:r>
           <a:r>
-            <a:rPr lang="en-US" sz="1900" kern="1200" dirty="0" err="1"/>
+            <a:rPr lang="en-US" sz="2400" b="1" kern="1200" dirty="0" err="1"/>
             <a:t>cylindrický</a:t>
           </a:r>
           <a:r>
-            <a:rPr lang="en-US" sz="1900" kern="1200" dirty="0"/>
+            <a:rPr lang="en-US" sz="2400" b="1" kern="1200" dirty="0"/>
             <a:t> </a:t>
           </a:r>
           <a:r>
-            <a:rPr lang="en-US" sz="1900" kern="1200" dirty="0" err="1"/>
+            <a:rPr lang="en-US" sz="2400" b="1" kern="1200" dirty="0" err="1"/>
             <a:t>barevný</a:t>
           </a:r>
           <a:r>
-            <a:rPr lang="en-US" sz="1900" kern="1200" dirty="0"/>
+            <a:rPr lang="en-US" sz="2400" b="1" kern="1200" dirty="0"/>
             <a:t> model, </a:t>
           </a:r>
           <a:r>
-            <a:rPr lang="en-US" sz="1900" kern="1200" dirty="0" err="1"/>
+            <a:rPr lang="en-US" sz="2400" b="1" kern="1200" dirty="0" err="1"/>
             <a:t>který</a:t>
           </a:r>
           <a:r>
-            <a:rPr lang="en-US" sz="1900" kern="1200" dirty="0"/>
+            <a:rPr lang="en-US" sz="2400" b="1" kern="1200" dirty="0"/>
             <a:t> </a:t>
           </a:r>
           <a:r>
-            <a:rPr lang="en-US" sz="1900" kern="1200" dirty="0" err="1"/>
+            <a:rPr lang="en-US" sz="2400" b="1" kern="1200" dirty="0" err="1"/>
             <a:t>představuje</a:t>
           </a:r>
           <a:r>
-            <a:rPr lang="en-US" sz="1900" kern="1200" dirty="0"/>
+            <a:rPr lang="en-US" sz="2400" b="1" kern="1200" dirty="0"/>
             <a:t> </a:t>
           </a:r>
           <a:r>
-            <a:rPr lang="en-US" sz="1900" kern="1200" dirty="0" err="1"/>
+            <a:rPr lang="en-US" sz="2400" b="1" kern="1200" dirty="0" err="1"/>
             <a:t>odstíny</a:t>
           </a:r>
           <a:r>
-            <a:rPr lang="en-US" sz="1900" kern="1200" dirty="0"/>
+            <a:rPr lang="en-US" sz="2400" b="1" kern="1200" dirty="0"/>
             <a:t>, </a:t>
           </a:r>
           <a:r>
-            <a:rPr lang="en-US" sz="1900" kern="1200" dirty="0" err="1"/>
+            <a:rPr lang="en-US" sz="2400" b="1" kern="1200" dirty="0" err="1"/>
             <a:t>sytost</a:t>
           </a:r>
           <a:r>
-            <a:rPr lang="en-US" sz="1900" kern="1200" dirty="0"/>
+            <a:rPr lang="en-US" sz="2400" b="1" kern="1200" dirty="0"/>
             <a:t> a </a:t>
           </a:r>
           <a:r>
-            <a:rPr lang="en-US" sz="1900" kern="1200" dirty="0" err="1"/>
+            <a:rPr lang="en-US" sz="2400" b="1" kern="1200" dirty="0" err="1"/>
             <a:t>hodnoty</a:t>
           </a:r>
           <a:r>
-            <a:rPr lang="en-US" sz="1900" kern="1200" dirty="0"/>
+            <a:rPr lang="en-US" sz="2400" b="1" kern="1200" dirty="0"/>
             <a:t> (</a:t>
           </a:r>
           <a:r>
-            <a:rPr lang="en-US" sz="1900" kern="1200" dirty="0" err="1"/>
+            <a:rPr lang="en-US" sz="2400" b="1" kern="1200" dirty="0" err="1"/>
             <a:t>nebo</a:t>
           </a:r>
           <a:r>
-            <a:rPr lang="en-US" sz="1900" kern="1200" dirty="0"/>
+            <a:rPr lang="en-US" sz="2400" b="1" kern="1200" dirty="0"/>
             <a:t> </a:t>
           </a:r>
           <a:r>
-            <a:rPr lang="en-US" sz="1900" kern="1200" dirty="0" err="1"/>
+            <a:rPr lang="en-US" sz="2400" b="1" kern="1200" dirty="0" err="1"/>
             <a:t>jas</a:t>
           </a:r>
           <a:r>
-            <a:rPr lang="en-US" sz="1900" kern="1200" dirty="0"/>
+            <a:rPr lang="en-US" sz="2400" b="1" kern="1200" dirty="0"/>
             <a:t>) </a:t>
           </a:r>
           <a:r>
-            <a:rPr lang="en-US" sz="1900" kern="1200" dirty="0" err="1"/>
+            <a:rPr lang="en-US" sz="2400" b="1" kern="1200" dirty="0" err="1"/>
             <a:t>barev</a:t>
           </a:r>
           <a:r>
-            <a:rPr lang="cs-CZ" sz="1900" kern="1200" dirty="0"/>
+            <a:rPr lang="cs-CZ" sz="2400" b="1" kern="1200" dirty="0"/>
             <a:t>.</a:t>
           </a:r>
-          <a:endParaRPr lang="en-US" sz="1900" kern="1200" dirty="0"/>
+          <a:endParaRPr lang="en-US" sz="2400" b="1" kern="1200" dirty="0"/>
         </a:p>
       </dsp:txBody>
       <dsp:txXfrm>
@@ -35845,18 +35849,18 @@
           <a:lstStyle/>
           <a:p>
             <a:r>
-              <a:rPr lang="cs-CZ" dirty="0">
+              <a:rPr lang="cs-CZ" i="1" dirty="0">
                 <a:ea typeface="Meiryo"/>
               </a:rPr>
               <a:t>Prezentace: </a:t>
             </a:r>
             <a:r>
-              <a:rPr lang="cs-CZ" dirty="0" err="1">
+              <a:rPr lang="cs-CZ" i="1" dirty="0" err="1">
                 <a:ea typeface="Meiryo"/>
               </a:rPr>
               <a:t>B.Imamaddin</a:t>
             </a:r>
-            <a:endParaRPr lang="cs-CZ" dirty="0" err="1"/>
+            <a:endParaRPr lang="cs-CZ" i="1" dirty="0" err="1"/>
           </a:p>
         </p:txBody>
       </p:sp>
@@ -35870,13 +35874,13 @@
   <p:clrMapOvr>
     <a:masterClrMapping/>
   </p:clrMapOvr>
-  <mc:AlternateContent xmlns:mc="http://schemas.openxmlformats.org/markup-compatibility/2006">
-    <mc:Choice xmlns:p15="http://schemas.microsoft.com/office/powerpoint/2012/main" Requires="p15">
+  <mc:AlternateContent xmlns:mc="http://schemas.openxmlformats.org/markup-compatibility/2006" xmlns:p15="http://schemas.microsoft.com/office/powerpoint/2012/main">
+    <mc:Choice Requires="p15">
       <p:transition xmlns:p14="http://schemas.microsoft.com/office/powerpoint/2010/main" spd="slow" p14:dur="2250" advTm="25000">
         <p15:prstTrans prst="drape"/>
       </p:transition>
     </mc:Choice>
-    <mc:Fallback>
+    <mc:Fallback xmlns="">
       <p:transition spd="slow" advTm="25000">
         <p:fade/>
       </p:transition>
@@ -36588,7 +36592,7 @@
             <p:ph idx="1"/>
             <p:extLst>
               <p:ext uri="{D42A27DB-BD31-4B8C-83A1-F6EECF244321}">
-                <p14:modId xmlns:p14="http://schemas.microsoft.com/office/powerpoint/2010/main" val="3390905196"/>
+                <p14:modId xmlns:p14="http://schemas.microsoft.com/office/powerpoint/2010/main" val="328189711"/>
               </p:ext>
             </p:extLst>
           </p:nvPr>
@@ -36613,13 +36617,13 @@
   <p:clrMapOvr>
     <a:masterClrMapping/>
   </p:clrMapOvr>
-  <mc:AlternateContent xmlns:mc="http://schemas.openxmlformats.org/markup-compatibility/2006">
-    <mc:Choice xmlns:p14="http://schemas.microsoft.com/office/powerpoint/2010/main" Requires="p14">
+  <mc:AlternateContent xmlns:mc="http://schemas.openxmlformats.org/markup-compatibility/2006" xmlns:p14="http://schemas.microsoft.com/office/powerpoint/2010/main">
+    <mc:Choice Requires="p14">
       <p:transition spd="slow" p14:dur="1300" advTm="3600000">
         <p14:pan dir="u"/>
       </p:transition>
     </mc:Choice>
-    <mc:Fallback>
+    <mc:Fallback xmlns="">
       <p:transition spd="slow" advTm="3600000">
         <p:fade/>
       </p:transition>
@@ -36938,13 +36942,13 @@
   <p:clrMapOvr>
     <a:masterClrMapping/>
   </p:clrMapOvr>
-  <mc:AlternateContent xmlns:mc="http://schemas.openxmlformats.org/markup-compatibility/2006">
-    <mc:Choice xmlns:p14="http://schemas.microsoft.com/office/powerpoint/2010/main" Requires="p14">
+  <mc:AlternateContent xmlns:mc="http://schemas.openxmlformats.org/markup-compatibility/2006" xmlns:p14="http://schemas.microsoft.com/office/powerpoint/2010/main">
+    <mc:Choice Requires="p14">
       <p:transition spd="slow" p14:dur="1300" advTm="5000">
         <p14:pan dir="u"/>
       </p:transition>
     </mc:Choice>
-    <mc:Fallback>
+    <mc:Fallback xmlns="">
       <p:transition spd="slow" advTm="5000">
         <p:fade/>
       </p:transition>
@@ -37385,14 +37389,150 @@
           <a:lstStyle/>
           <a:p>
             <a:r>
-              <a:rPr lang="en-US" sz="2200"/>
-              <a:t>CIE (Commission Internationale de l'Eclairage) je mezinárodní organizace založená v roce 1913.</a:t>
+              <a:rPr lang="en-US" sz="2200" b="1" dirty="0"/>
+              <a:t>CIE (Commission </a:t>
+            </a:r>
+            <a:r>
+              <a:rPr lang="en-US" sz="2200" b="1" dirty="0" err="1"/>
+              <a:t>Internationale</a:t>
+            </a:r>
+            <a:r>
+              <a:rPr lang="en-US" sz="2200" b="1" dirty="0"/>
+              <a:t> de </a:t>
+            </a:r>
+            <a:r>
+              <a:rPr lang="en-US" sz="2200" b="1" dirty="0" err="1"/>
+              <a:t>l'Eclairage</a:t>
+            </a:r>
+            <a:r>
+              <a:rPr lang="en-US" sz="2200" b="1" dirty="0"/>
+              <a:t>) je </a:t>
+            </a:r>
+            <a:r>
+              <a:rPr lang="en-US" sz="2200" b="1" dirty="0" err="1"/>
+              <a:t>mezinárodní</a:t>
+            </a:r>
+            <a:r>
+              <a:rPr lang="en-US" sz="2200" b="1" dirty="0"/>
+              <a:t> </a:t>
+            </a:r>
+            <a:r>
+              <a:rPr lang="en-US" sz="2200" b="1" dirty="0" err="1"/>
+              <a:t>organizace</a:t>
+            </a:r>
+            <a:r>
+              <a:rPr lang="en-US" sz="2200" b="1" dirty="0"/>
+              <a:t> </a:t>
+            </a:r>
+            <a:r>
+              <a:rPr lang="en-US" sz="2200" b="1" dirty="0" err="1"/>
+              <a:t>založená</a:t>
+            </a:r>
+            <a:r>
+              <a:rPr lang="en-US" sz="2200" b="1" dirty="0"/>
+              <a:t> v </a:t>
+            </a:r>
+            <a:r>
+              <a:rPr lang="en-US" sz="2200" b="1" dirty="0" err="1"/>
+              <a:t>roce</a:t>
+            </a:r>
+            <a:r>
+              <a:rPr lang="en-US" sz="2200" b="1" dirty="0"/>
+              <a:t> 1913.</a:t>
             </a:r>
           </a:p>
           <a:p>
             <a:r>
-              <a:rPr lang="en-US" sz="2200"/>
-              <a:t>K dispozici je také barevný prostor CIE 1931, standardizovaný model používaný k reprezentaci barev viditelných lidským okem.</a:t>
+              <a:rPr lang="en-US" sz="2200" b="1" dirty="0"/>
+              <a:t>K </a:t>
+            </a:r>
+            <a:r>
+              <a:rPr lang="en-US" sz="2200" b="1" dirty="0" err="1"/>
+              <a:t>dispozici</a:t>
+            </a:r>
+            <a:r>
+              <a:rPr lang="en-US" sz="2200" b="1" dirty="0"/>
+              <a:t> je </a:t>
+            </a:r>
+            <a:r>
+              <a:rPr lang="en-US" sz="2200" b="1" dirty="0" err="1"/>
+              <a:t>také</a:t>
+            </a:r>
+            <a:r>
+              <a:rPr lang="en-US" sz="2200" b="1" dirty="0"/>
+              <a:t> </a:t>
+            </a:r>
+            <a:r>
+              <a:rPr lang="en-US" sz="2200" b="1" dirty="0" err="1"/>
+              <a:t>barevný</a:t>
+            </a:r>
+            <a:r>
+              <a:rPr lang="en-US" sz="2200" b="1" dirty="0"/>
+              <a:t> </a:t>
+            </a:r>
+            <a:r>
+              <a:rPr lang="en-US" sz="2200" b="1" dirty="0" err="1"/>
+              <a:t>prostor</a:t>
+            </a:r>
+            <a:r>
+              <a:rPr lang="en-US" sz="2200" b="1" dirty="0"/>
+              <a:t> CIE 1931, </a:t>
+            </a:r>
+            <a:r>
+              <a:rPr lang="en-US" sz="2200" b="1" dirty="0" err="1"/>
+              <a:t>standardizovaný</a:t>
+            </a:r>
+            <a:r>
+              <a:rPr lang="en-US" sz="2200" b="1" dirty="0"/>
+              <a:t> model </a:t>
+            </a:r>
+            <a:r>
+              <a:rPr lang="en-US" sz="2200" b="1" dirty="0" err="1"/>
+              <a:t>používaný</a:t>
+            </a:r>
+            <a:r>
+              <a:rPr lang="en-US" sz="2200" b="1" dirty="0"/>
+              <a:t> k </a:t>
+            </a:r>
+            <a:r>
+              <a:rPr lang="en-US" sz="2200" b="1" dirty="0" err="1"/>
+              <a:t>reprezentaci</a:t>
+            </a:r>
+            <a:r>
+              <a:rPr lang="en-US" sz="2200" b="1" dirty="0"/>
+              <a:t> </a:t>
+            </a:r>
+            <a:r>
+              <a:rPr lang="en-US" sz="2200" b="1" dirty="0" err="1"/>
+              <a:t>barev</a:t>
+            </a:r>
+            <a:r>
+              <a:rPr lang="en-US" sz="2200" b="1" dirty="0"/>
+              <a:t> </a:t>
+            </a:r>
+            <a:r>
+              <a:rPr lang="en-US" sz="2200" b="1" dirty="0" err="1"/>
+              <a:t>viditelných</a:t>
+            </a:r>
+            <a:r>
+              <a:rPr lang="en-US" sz="2200" b="1" dirty="0"/>
+              <a:t> </a:t>
+            </a:r>
+            <a:r>
+              <a:rPr lang="en-US" sz="2200" b="1" dirty="0" err="1"/>
+              <a:t>lidským</a:t>
+            </a:r>
+            <a:r>
+              <a:rPr lang="en-US" sz="2200" b="1" dirty="0"/>
+              <a:t> </a:t>
+            </a:r>
+            <a:r>
+              <a:rPr lang="en-US" sz="2200" b="1" dirty="0" err="1"/>
+              <a:t>okem</a:t>
+            </a:r>
+            <a:r>
+              <a:rPr lang="en-US" sz="2200" b="1" dirty="0"/>
+              <a:t>.</a:t>
             </a:r>
           </a:p>
         </p:txBody>
@@ -37548,13 +37688,13 @@
   <p:clrMapOvr>
     <a:masterClrMapping/>
   </p:clrMapOvr>
-  <mc:AlternateContent xmlns:mc="http://schemas.openxmlformats.org/markup-compatibility/2006">
-    <mc:Choice xmlns:p14="http://schemas.microsoft.com/office/powerpoint/2010/main" Requires="p14">
+  <mc:AlternateContent xmlns:mc="http://schemas.openxmlformats.org/markup-compatibility/2006" xmlns:p14="http://schemas.microsoft.com/office/powerpoint/2010/main">
+    <mc:Choice Requires="p14">
       <p:transition spd="slow" p14:dur="1300" advTm="44000">
         <p14:pan dir="u"/>
       </p:transition>
     </mc:Choice>
-    <mc:Fallback>
+    <mc:Fallback xmlns="">
       <p:transition spd="slow" advTm="44000">
         <p:fade/>
       </p:transition>
@@ -38268,13 +38408,13 @@
   <p:clrMapOvr>
     <a:masterClrMapping/>
   </p:clrMapOvr>
-  <mc:AlternateContent xmlns:mc="http://schemas.openxmlformats.org/markup-compatibility/2006">
-    <mc:Choice xmlns:p14="http://schemas.microsoft.com/office/powerpoint/2010/main" Requires="p14">
+  <mc:AlternateContent xmlns:mc="http://schemas.openxmlformats.org/markup-compatibility/2006" xmlns:p14="http://schemas.microsoft.com/office/powerpoint/2010/main">
+    <mc:Choice Requires="p14">
       <p:transition spd="slow" p14:dur="1300" advTm="10000">
         <p14:pan dir="u"/>
       </p:transition>
     </mc:Choice>
-    <mc:Fallback>
+    <mc:Fallback xmlns="">
       <p:transition spd="slow" advTm="10000">
         <p:fade/>
       </p:transition>
@@ -38649,173 +38789,173 @@
           <a:lstStyle/>
           <a:p>
             <a:r>
-              <a:rPr lang="en-US" sz="2000" dirty="0"/>
+              <a:rPr lang="en-US" sz="2400" b="1" dirty="0"/>
               <a:t>Na </a:t>
             </a:r>
             <a:r>
-              <a:rPr lang="en-US" sz="2000" dirty="0" err="1"/>
+              <a:rPr lang="en-US" sz="2400" b="1" dirty="0" err="1"/>
               <a:t>rozdíl</a:t>
             </a:r>
             <a:r>
-              <a:rPr lang="en-US" sz="2000" dirty="0"/>
+              <a:rPr lang="en-US" sz="2400" b="1" dirty="0"/>
               <a:t> od </a:t>
             </a:r>
             <a:r>
-              <a:rPr lang="en-US" sz="2000" dirty="0" err="1"/>
+              <a:rPr lang="en-US" sz="2400" b="1" dirty="0" err="1"/>
               <a:t>barevného</a:t>
             </a:r>
             <a:r>
-              <a:rPr lang="en-US" sz="2000" dirty="0"/>
+              <a:rPr lang="en-US" sz="2400" b="1" dirty="0"/>
               <a:t> </a:t>
             </a:r>
             <a:r>
-              <a:rPr lang="en-US" sz="2000" dirty="0" err="1"/>
+              <a:rPr lang="en-US" sz="2400" b="1" dirty="0" err="1"/>
               <a:t>modelu</a:t>
             </a:r>
             <a:r>
-              <a:rPr lang="en-US" sz="2000" dirty="0"/>
+              <a:rPr lang="en-US" sz="2400" b="1" dirty="0"/>
               <a:t> RGB </a:t>
             </a:r>
             <a:r>
-              <a:rPr lang="en-US" sz="2000" dirty="0" err="1"/>
+              <a:rPr lang="en-US" sz="2400" b="1" dirty="0" err="1"/>
               <a:t>přesněji</a:t>
             </a:r>
             <a:r>
-              <a:rPr lang="en-US" sz="2000" dirty="0"/>
+              <a:rPr lang="en-US" sz="2400" b="1" dirty="0"/>
               <a:t> </a:t>
             </a:r>
             <a:r>
-              <a:rPr lang="en-US" sz="2000" dirty="0" err="1"/>
+              <a:rPr lang="en-US" sz="2400" b="1" dirty="0" err="1"/>
               <a:t>reprezentuje</a:t>
             </a:r>
             <a:r>
-              <a:rPr lang="en-US" sz="2000" dirty="0"/>
+              <a:rPr lang="en-US" sz="2400" b="1" dirty="0"/>
               <a:t> </a:t>
             </a:r>
             <a:r>
-              <a:rPr lang="en-US" sz="2000" dirty="0" err="1"/>
+              <a:rPr lang="en-US" sz="2400" b="1" dirty="0" err="1"/>
               <a:t>vnímání</a:t>
             </a:r>
             <a:r>
-              <a:rPr lang="en-US" sz="2000" dirty="0"/>
+              <a:rPr lang="en-US" sz="2400" b="1" dirty="0"/>
               <a:t> </a:t>
             </a:r>
             <a:r>
-              <a:rPr lang="en-US" sz="2000" dirty="0" err="1"/>
+              <a:rPr lang="en-US" sz="2400" b="1" dirty="0" err="1"/>
               <a:t>barev</a:t>
             </a:r>
             <a:r>
-              <a:rPr lang="en-US" sz="2000" dirty="0"/>
+              <a:rPr lang="en-US" sz="2400" b="1" dirty="0"/>
               <a:t> </a:t>
             </a:r>
             <a:r>
-              <a:rPr lang="en-US" sz="2000" dirty="0" err="1"/>
+              <a:rPr lang="en-US" sz="2400" b="1" dirty="0" err="1"/>
               <a:t>lidským</a:t>
             </a:r>
             <a:r>
-              <a:rPr lang="en-US" sz="2000" dirty="0"/>
+              <a:rPr lang="en-US" sz="2400" b="1" dirty="0"/>
               <a:t> </a:t>
             </a:r>
             <a:r>
-              <a:rPr lang="en-US" sz="2000" dirty="0" err="1"/>
+              <a:rPr lang="en-US" sz="2400" b="1" dirty="0" err="1"/>
               <a:t>okem</a:t>
             </a:r>
             <a:r>
-              <a:rPr lang="en-US" sz="2000" dirty="0"/>
+              <a:rPr lang="en-US" sz="2400" b="1" dirty="0"/>
               <a:t>.</a:t>
             </a:r>
           </a:p>
           <a:p>
             <a:r>
-              <a:rPr lang="en-US" sz="2000" dirty="0" err="1"/>
+              <a:rPr lang="en-US" sz="2400" b="1" dirty="0" err="1"/>
               <a:t>Často</a:t>
             </a:r>
             <a:r>
-              <a:rPr lang="en-US" sz="2000" dirty="0"/>
+              <a:rPr lang="en-US" sz="2400" b="1" dirty="0"/>
               <a:t> se </a:t>
             </a:r>
             <a:r>
-              <a:rPr lang="en-US" sz="2000" dirty="0" err="1"/>
+              <a:rPr lang="en-US" sz="2400" b="1" dirty="0" err="1"/>
               <a:t>používá</a:t>
             </a:r>
             <a:r>
-              <a:rPr lang="en-US" sz="2000" dirty="0"/>
+              <a:rPr lang="en-US" sz="2400" b="1" dirty="0"/>
               <a:t> v </a:t>
             </a:r>
             <a:r>
-              <a:rPr lang="en-US" sz="2000" dirty="0" err="1"/>
+              <a:rPr lang="en-US" sz="2400" b="1" dirty="0" err="1"/>
               <a:t>systémech</a:t>
             </a:r>
             <a:r>
-              <a:rPr lang="en-US" sz="2000" dirty="0"/>
+              <a:rPr lang="en-US" sz="2400" b="1" dirty="0"/>
               <a:t> </a:t>
             </a:r>
             <a:r>
-              <a:rPr lang="en-US" sz="2000" dirty="0" err="1"/>
+              <a:rPr lang="en-US" sz="2400" b="1" dirty="0" err="1"/>
               <a:t>správy</a:t>
             </a:r>
             <a:r>
-              <a:rPr lang="en-US" sz="2000" dirty="0"/>
+              <a:rPr lang="en-US" sz="2400" b="1" dirty="0"/>
               <a:t> </a:t>
             </a:r>
             <a:r>
-              <a:rPr lang="en-US" sz="2000" dirty="0" err="1"/>
+              <a:rPr lang="en-US" sz="2400" b="1" dirty="0" err="1"/>
               <a:t>barev</a:t>
             </a:r>
             <a:r>
-              <a:rPr lang="en-US" sz="2000" dirty="0"/>
+              <a:rPr lang="en-US" sz="2400" b="1" dirty="0"/>
               <a:t> a </a:t>
             </a:r>
             <a:r>
-              <a:rPr lang="en-US" sz="2000" dirty="0" err="1"/>
+              <a:rPr lang="en-US" sz="2400" b="1" dirty="0" err="1"/>
               <a:t>dalších</a:t>
             </a:r>
             <a:r>
-              <a:rPr lang="en-US" sz="2000" dirty="0"/>
+              <a:rPr lang="en-US" sz="2400" b="1" dirty="0"/>
               <a:t> </a:t>
             </a:r>
             <a:r>
-              <a:rPr lang="en-US" sz="2000" dirty="0" err="1"/>
+              <a:rPr lang="en-US" sz="2400" b="1" dirty="0" err="1"/>
               <a:t>aplikacích</a:t>
             </a:r>
             <a:r>
-              <a:rPr lang="en-US" sz="2000" dirty="0"/>
+              <a:rPr lang="en-US" sz="2400" b="1" dirty="0"/>
               <a:t>, </a:t>
             </a:r>
             <a:r>
-              <a:rPr lang="en-US" sz="2000" dirty="0" err="1"/>
+              <a:rPr lang="en-US" sz="2400" b="1" dirty="0" err="1"/>
               <a:t>kde</a:t>
             </a:r>
             <a:r>
-              <a:rPr lang="en-US" sz="2000" dirty="0"/>
+              <a:rPr lang="en-US" sz="2400" b="1" dirty="0"/>
               <a:t> je </a:t>
             </a:r>
             <a:r>
-              <a:rPr lang="en-US" sz="2000" dirty="0" err="1"/>
+              <a:rPr lang="en-US" sz="2400" b="1" dirty="0" err="1"/>
               <a:t>důležitá</a:t>
             </a:r>
             <a:r>
-              <a:rPr lang="en-US" sz="2000" dirty="0"/>
+              <a:rPr lang="en-US" sz="2400" b="1" dirty="0"/>
               <a:t> </a:t>
             </a:r>
             <a:r>
-              <a:rPr lang="en-US" sz="2000" dirty="0" err="1"/>
+              <a:rPr lang="en-US" sz="2400" b="1" dirty="0" err="1"/>
               <a:t>přesná</a:t>
             </a:r>
             <a:r>
-              <a:rPr lang="en-US" sz="2000" dirty="0"/>
+              <a:rPr lang="en-US" sz="2400" b="1" dirty="0"/>
               <a:t> </a:t>
             </a:r>
             <a:r>
-              <a:rPr lang="en-US" sz="2000" dirty="0" err="1"/>
+              <a:rPr lang="en-US" sz="2400" b="1" dirty="0" err="1"/>
               <a:t>reprezentace</a:t>
             </a:r>
             <a:r>
-              <a:rPr lang="en-US" sz="2000" dirty="0"/>
+              <a:rPr lang="en-US" sz="2400" b="1" dirty="0"/>
               <a:t> </a:t>
             </a:r>
             <a:r>
-              <a:rPr lang="en-US" sz="2000" dirty="0" err="1"/>
+              <a:rPr lang="en-US" sz="2400" b="1" dirty="0" err="1"/>
               <a:t>barev</a:t>
             </a:r>
             <a:r>
@@ -39013,13 +39153,13 @@
   <p:clrMapOvr>
     <a:masterClrMapping/>
   </p:clrMapOvr>
-  <mc:AlternateContent xmlns:mc="http://schemas.openxmlformats.org/markup-compatibility/2006">
-    <mc:Choice xmlns:p14="http://schemas.microsoft.com/office/powerpoint/2010/main" Requires="p14">
+  <mc:AlternateContent xmlns:mc="http://schemas.openxmlformats.org/markup-compatibility/2006" xmlns:p14="http://schemas.microsoft.com/office/powerpoint/2010/main">
+    <mc:Choice Requires="p14">
       <p:transition spd="slow" p14:dur="1300" advTm="47000">
         <p14:pan dir="u"/>
       </p:transition>
     </mc:Choice>
-    <mc:Fallback>
+    <mc:Fallback xmlns="">
       <p:transition spd="slow" advTm="47000">
         <p:fade/>
       </p:transition>
@@ -39535,13 +39675,13 @@
   <p:clrMapOvr>
     <a:masterClrMapping/>
   </p:clrMapOvr>
-  <mc:AlternateContent xmlns:mc="http://schemas.openxmlformats.org/markup-compatibility/2006">
-    <mc:Choice xmlns:p14="http://schemas.microsoft.com/office/powerpoint/2010/main" Requires="p14">
+  <mc:AlternateContent xmlns:mc="http://schemas.openxmlformats.org/markup-compatibility/2006" xmlns:p14="http://schemas.microsoft.com/office/powerpoint/2010/main">
+    <mc:Choice Requires="p14">
       <p:transition spd="slow" p14:dur="1300" advTm="8000">
         <p14:pan dir="u"/>
       </p:transition>
     </mc:Choice>
-    <mc:Fallback>
+    <mc:Fallback xmlns="">
       <p:transition spd="slow" advTm="8000">
         <p:fade/>
       </p:transition>
@@ -39657,82 +39797,82 @@
           </a:p>
           <a:p>
             <a:r>
-              <a:rPr lang="en-US" i="1" dirty="0" err="1"/>
+              <a:rPr lang="en-US" sz="3200" i="1" dirty="0" err="1"/>
               <a:t>Navržený</a:t>
             </a:r>
             <a:r>
-              <a:rPr lang="en-US" i="1" dirty="0"/>
+              <a:rPr lang="en-US" sz="3200" i="1" dirty="0"/>
               <a:t> </a:t>
             </a:r>
             <a:r>
-              <a:rPr lang="en-US" i="1" dirty="0" err="1"/>
+              <a:rPr lang="en-US" sz="3200" i="1" dirty="0" err="1"/>
               <a:t>tak</a:t>
             </a:r>
             <a:r>
-              <a:rPr lang="en-US" i="1" dirty="0"/>
+              <a:rPr lang="en-US" sz="3200" i="1" dirty="0"/>
               <a:t>, aby </a:t>
             </a:r>
             <a:r>
-              <a:rPr lang="en-US" i="1" dirty="0" err="1"/>
+              <a:rPr lang="en-US" sz="3200" i="1" dirty="0" err="1"/>
               <a:t>popisoval</a:t>
             </a:r>
             <a:r>
-              <a:rPr lang="en-US" i="1" dirty="0"/>
+              <a:rPr lang="en-US" sz="3200" i="1" dirty="0"/>
               <a:t>, jak se </a:t>
             </a:r>
             <a:r>
-              <a:rPr lang="en-US" i="1" dirty="0" err="1"/>
+              <a:rPr lang="en-US" sz="3200" i="1" dirty="0" err="1"/>
               <a:t>barvy</a:t>
             </a:r>
             <a:r>
-              <a:rPr lang="en-US" i="1" dirty="0"/>
+              <a:rPr lang="en-US" sz="3200" i="1" dirty="0"/>
               <a:t> </a:t>
             </a:r>
             <a:r>
-              <a:rPr lang="en-US" i="1" dirty="0" err="1"/>
+              <a:rPr lang="en-US" sz="3200" i="1" dirty="0" err="1"/>
               <a:t>mění</a:t>
             </a:r>
             <a:r>
-              <a:rPr lang="en-US" i="1" dirty="0"/>
+              <a:rPr lang="en-US" sz="3200" i="1" dirty="0"/>
               <a:t>, </a:t>
             </a:r>
             <a:r>
-              <a:rPr lang="en-US" i="1" dirty="0" err="1"/>
+              <a:rPr lang="en-US" sz="3200" i="1" dirty="0" err="1"/>
               <a:t>když</a:t>
             </a:r>
             <a:r>
-              <a:rPr lang="en-US" i="1" dirty="0"/>
+              <a:rPr lang="en-US" sz="3200" i="1" dirty="0"/>
               <a:t> </a:t>
             </a:r>
             <a:r>
-              <a:rPr lang="en-US" i="1" dirty="0" err="1"/>
+              <a:rPr lang="en-US" sz="3200" i="1" dirty="0" err="1"/>
               <a:t>jsou</a:t>
             </a:r>
             <a:r>
-              <a:rPr lang="en-US" i="1" dirty="0"/>
+              <a:rPr lang="en-US" sz="3200" i="1" dirty="0"/>
               <a:t> </a:t>
             </a:r>
             <a:r>
-              <a:rPr lang="en-US" i="1" dirty="0" err="1"/>
+              <a:rPr lang="en-US" sz="3200" i="1" dirty="0" err="1"/>
               <a:t>vytvářeny</a:t>
             </a:r>
             <a:r>
-              <a:rPr lang="en-US" i="1" dirty="0"/>
+              <a:rPr lang="en-US" sz="3200" i="1" dirty="0"/>
               <a:t> </a:t>
             </a:r>
             <a:r>
-              <a:rPr lang="en-US" i="1" dirty="0" err="1"/>
+              <a:rPr lang="en-US" sz="3200" i="1" dirty="0" err="1"/>
               <a:t>světelnými</a:t>
             </a:r>
             <a:r>
-              <a:rPr lang="en-US" i="1" dirty="0"/>
+              <a:rPr lang="en-US" sz="3200" i="1" dirty="0"/>
               <a:t> </a:t>
             </a:r>
             <a:r>
-              <a:rPr lang="en-US" i="1" dirty="0" err="1"/>
+              <a:rPr lang="en-US" sz="3200" i="1" dirty="0" err="1"/>
               <a:t>zdroji</a:t>
             </a:r>
-            <a:endParaRPr lang="en-US" i="1" dirty="0"/>
+            <a:endParaRPr lang="en-US" sz="3200" i="1" dirty="0"/>
           </a:p>
         </p:txBody>
       </p:sp>
@@ -39765,79 +39905,79 @@
           </a:p>
           <a:p>
             <a:r>
-              <a:rPr lang="en-US" i="1" dirty="0"/>
+              <a:rPr lang="en-US" sz="3200" i="1" dirty="0"/>
               <a:t> </a:t>
             </a:r>
             <a:r>
-              <a:rPr lang="en-US" i="1" dirty="0" err="1"/>
+              <a:rPr lang="en-US" sz="3200" i="1" dirty="0" err="1"/>
               <a:t>Slouží</a:t>
             </a:r>
             <a:r>
-              <a:rPr lang="en-US" i="1" dirty="0"/>
+              <a:rPr lang="en-US" sz="3200" i="1" dirty="0"/>
               <a:t> k </a:t>
             </a:r>
             <a:r>
-              <a:rPr lang="en-US" i="1" dirty="0" err="1"/>
+              <a:rPr lang="en-US" sz="3200" i="1" dirty="0" err="1"/>
               <a:t>předpovědi</a:t>
             </a:r>
             <a:r>
-              <a:rPr lang="en-US" i="1" dirty="0"/>
+              <a:rPr lang="en-US" sz="3200" i="1" dirty="0"/>
               <a:t>, jak se </a:t>
             </a:r>
             <a:r>
-              <a:rPr lang="en-US" i="1" dirty="0" err="1"/>
+              <a:rPr lang="en-US" sz="3200" i="1" dirty="0" err="1"/>
               <a:t>budou</a:t>
             </a:r>
             <a:r>
-              <a:rPr lang="en-US" i="1" dirty="0"/>
+              <a:rPr lang="en-US" sz="3200" i="1" dirty="0"/>
               <a:t> </a:t>
             </a:r>
             <a:r>
-              <a:rPr lang="en-US" i="1" dirty="0" err="1"/>
+              <a:rPr lang="en-US" sz="3200" i="1" dirty="0" err="1"/>
               <a:t>barvy</a:t>
             </a:r>
             <a:r>
-              <a:rPr lang="en-US" i="1" dirty="0"/>
+              <a:rPr lang="en-US" sz="3200" i="1" dirty="0"/>
               <a:t> </a:t>
             </a:r>
             <a:r>
-              <a:rPr lang="en-US" i="1" dirty="0" err="1"/>
+              <a:rPr lang="en-US" sz="3200" i="1" dirty="0" err="1"/>
               <a:t>obrázků</a:t>
             </a:r>
             <a:r>
-              <a:rPr lang="en-US" i="1" dirty="0"/>
+              <a:rPr lang="en-US" sz="3200" i="1" dirty="0"/>
               <a:t> </a:t>
             </a:r>
             <a:r>
-              <a:rPr lang="en-US" i="1" dirty="0" err="1"/>
+              <a:rPr lang="en-US" sz="3200" i="1" dirty="0" err="1"/>
               <a:t>měnit</a:t>
             </a:r>
             <a:r>
-              <a:rPr lang="en-US" i="1" dirty="0"/>
+              <a:rPr lang="en-US" sz="3200" i="1" dirty="0"/>
               <a:t> za </a:t>
             </a:r>
             <a:r>
-              <a:rPr lang="en-US" i="1" dirty="0" err="1"/>
+              <a:rPr lang="en-US" sz="3200" i="1" dirty="0" err="1"/>
               <a:t>různých</a:t>
             </a:r>
             <a:r>
-              <a:rPr lang="en-US" i="1" dirty="0"/>
+              <a:rPr lang="en-US" sz="3200" i="1" dirty="0"/>
               <a:t> </a:t>
             </a:r>
             <a:r>
-              <a:rPr lang="en-US" i="1" dirty="0" err="1"/>
+              <a:rPr lang="en-US" sz="3200" i="1" dirty="0" err="1"/>
               <a:t>světelných</a:t>
             </a:r>
             <a:r>
-              <a:rPr lang="en-US" i="1" dirty="0"/>
+              <a:rPr lang="en-US" sz="3200" i="1" dirty="0"/>
               <a:t> </a:t>
             </a:r>
             <a:r>
-              <a:rPr lang="en-US" i="1" dirty="0" err="1"/>
+              <a:rPr lang="en-US" sz="3200" i="1" dirty="0" err="1"/>
               <a:t>podmínek</a:t>
             </a:r>
             <a:r>
-              <a:rPr lang="en-US" i="1" dirty="0"/>
+              <a:rPr lang="en-US" sz="3200" i="1" dirty="0"/>
               <a:t>. </a:t>
             </a:r>
           </a:p>
@@ -39903,13 +40043,13 @@
   <p:clrMapOvr>
     <a:masterClrMapping/>
   </p:clrMapOvr>
-  <mc:AlternateContent xmlns:mc="http://schemas.openxmlformats.org/markup-compatibility/2006">
-    <mc:Choice xmlns:p14="http://schemas.microsoft.com/office/powerpoint/2010/main" Requires="p14">
+  <mc:AlternateContent xmlns:mc="http://schemas.openxmlformats.org/markup-compatibility/2006" xmlns:p14="http://schemas.microsoft.com/office/powerpoint/2010/main">
+    <mc:Choice Requires="p14">
       <p:transition spd="slow" p14:dur="1300" advTm="25000">
         <p14:pan dir="u"/>
       </p:transition>
     </mc:Choice>
-    <mc:Fallback>
+    <mc:Fallback xmlns="">
       <p:transition spd="slow" advTm="25000">
         <p:fade/>
       </p:transition>
@@ -40650,13 +40790,13 @@
   <p:clrMapOvr>
     <a:masterClrMapping/>
   </p:clrMapOvr>
-  <mc:AlternateContent xmlns:mc="http://schemas.openxmlformats.org/markup-compatibility/2006">
-    <mc:Choice xmlns:p14="http://schemas.microsoft.com/office/powerpoint/2010/main" Requires="p14">
+  <mc:AlternateContent xmlns:mc="http://schemas.openxmlformats.org/markup-compatibility/2006" xmlns:p14="http://schemas.microsoft.com/office/powerpoint/2010/main">
+    <mc:Choice Requires="p14">
       <p:transition spd="slow" p14:dur="1300" advTm="9000">
         <p14:pan dir="u"/>
       </p:transition>
     </mc:Choice>
-    <mc:Fallback>
+    <mc:Fallback xmlns="">
       <p:transition spd="slow" advTm="9000">
         <p:fade/>
       </p:transition>
@@ -40954,125 +41094,125 @@
           <a:lstStyle/>
           <a:p>
             <a:r>
-              <a:rPr lang="en-US" sz="2000" dirty="0"/>
+              <a:rPr lang="en-US" sz="2400" b="1" dirty="0"/>
               <a:t>J</a:t>
             </a:r>
             <a:r>
-              <a:rPr lang="pl-PL" sz="2000" dirty="0"/>
+              <a:rPr lang="pl-PL" sz="2400" b="1" dirty="0"/>
               <a:t>e to pro monitor a projektor</a:t>
             </a:r>
-            <a:endParaRPr lang="en-US" sz="2000" dirty="0"/>
+            <a:endParaRPr lang="en-US" sz="2400" b="1" dirty="0"/>
           </a:p>
           <a:p>
             <a:r>
-              <a:rPr lang="en-US" sz="2000" dirty="0" err="1"/>
+              <a:rPr lang="en-US" sz="2400" b="1" dirty="0" err="1"/>
               <a:t>Ověření</a:t>
             </a:r>
             <a:r>
-              <a:rPr lang="en-US" sz="2000" dirty="0"/>
+              <a:rPr lang="en-US" sz="2400" b="1" dirty="0"/>
               <a:t> </a:t>
             </a:r>
             <a:r>
-              <a:rPr lang="en-US" sz="2000" dirty="0" err="1"/>
+              <a:rPr lang="en-US" sz="2400" b="1" dirty="0" err="1"/>
               <a:t>světla</a:t>
             </a:r>
             <a:r>
-              <a:rPr lang="en-US" sz="2000" dirty="0"/>
+              <a:rPr lang="en-US" sz="2400" b="1" dirty="0"/>
               <a:t> a </a:t>
             </a:r>
             <a:r>
-              <a:rPr lang="en-US" sz="2000" dirty="0" err="1"/>
+              <a:rPr lang="en-US" sz="2400" b="1" dirty="0" err="1"/>
               <a:t>barev</a:t>
             </a:r>
             <a:r>
-              <a:rPr lang="en-US" sz="2000" dirty="0"/>
+              <a:rPr lang="en-US" sz="2400" b="1" dirty="0"/>
               <a:t>, </a:t>
             </a:r>
             <a:r>
-              <a:rPr lang="en-US" sz="2000" dirty="0" err="1"/>
+              <a:rPr lang="en-US" sz="2400" b="1" dirty="0" err="1"/>
               <a:t>vyvinuté</a:t>
             </a:r>
             <a:r>
-              <a:rPr lang="en-US" sz="2000" dirty="0"/>
+              <a:rPr lang="en-US" sz="2400" b="1" dirty="0"/>
               <a:t> pro monitor a </a:t>
             </a:r>
             <a:r>
-              <a:rPr lang="en-US" sz="2000" dirty="0" err="1"/>
+              <a:rPr lang="en-US" sz="2400" b="1" dirty="0" err="1"/>
               <a:t>projektor</a:t>
             </a:r>
             <a:r>
-              <a:rPr lang="en-US" sz="2000" dirty="0"/>
+              <a:rPr lang="en-US" sz="2400" b="1" dirty="0"/>
               <a:t>, se </a:t>
             </a:r>
             <a:r>
-              <a:rPr lang="en-US" sz="2000" dirty="0" err="1"/>
+              <a:rPr lang="en-US" sz="2400" b="1" dirty="0" err="1"/>
               <a:t>nazývá</a:t>
             </a:r>
             <a:r>
-              <a:rPr lang="en-US" sz="2000" dirty="0"/>
+              <a:rPr lang="en-US" sz="2400" b="1" dirty="0"/>
               <a:t> </a:t>
             </a:r>
             <a:r>
-              <a:rPr lang="en-US" sz="2000" dirty="0" err="1"/>
+              <a:rPr lang="en-US" sz="2400" b="1" dirty="0" err="1"/>
               <a:t>kalibrace</a:t>
             </a:r>
-            <a:endParaRPr lang="en-US" sz="2000" dirty="0"/>
+            <a:endParaRPr lang="en-US" sz="2400" b="1" dirty="0"/>
           </a:p>
           <a:p>
             <a:r>
-              <a:rPr lang="en-US" sz="2000" dirty="0" err="1"/>
+              <a:rPr lang="en-US" sz="2400" b="1" dirty="0" err="1"/>
               <a:t>Umožňuje</a:t>
             </a:r>
             <a:r>
-              <a:rPr lang="en-US" sz="2000" dirty="0"/>
+              <a:rPr lang="en-US" sz="2400" b="1" dirty="0"/>
               <a:t> </a:t>
             </a:r>
             <a:r>
-              <a:rPr lang="en-US" sz="2000" dirty="0" err="1"/>
+              <a:rPr lang="en-US" sz="2400" b="1" dirty="0" err="1"/>
               <a:t>nám</a:t>
             </a:r>
             <a:r>
-              <a:rPr lang="en-US" sz="2000" dirty="0"/>
+              <a:rPr lang="en-US" sz="2400" b="1" dirty="0"/>
               <a:t> </a:t>
             </a:r>
             <a:r>
-              <a:rPr lang="en-US" sz="2000" dirty="0" err="1"/>
+              <a:rPr lang="en-US" sz="2400" b="1" dirty="0" err="1"/>
               <a:t>zachytit</a:t>
             </a:r>
             <a:r>
-              <a:rPr lang="en-US" sz="2000" dirty="0"/>
+              <a:rPr lang="en-US" sz="2400" b="1" dirty="0"/>
               <a:t> </a:t>
             </a:r>
             <a:r>
-              <a:rPr lang="en-US" sz="2000" dirty="0" err="1"/>
+              <a:rPr lang="en-US" sz="2400" b="1" dirty="0" err="1"/>
               <a:t>nejpřesnější</a:t>
             </a:r>
             <a:r>
-              <a:rPr lang="en-US" sz="2000" dirty="0"/>
+              <a:rPr lang="en-US" sz="2400" b="1" dirty="0"/>
               <a:t> </a:t>
             </a:r>
             <a:r>
-              <a:rPr lang="en-US" sz="2000" dirty="0" err="1"/>
+              <a:rPr lang="en-US" sz="2400" b="1" dirty="0" err="1"/>
               <a:t>barvy</a:t>
             </a:r>
             <a:r>
-              <a:rPr lang="en-US" sz="2000" dirty="0"/>
+              <a:rPr lang="en-US" sz="2400" b="1" dirty="0"/>
               <a:t> </a:t>
             </a:r>
             <a:r>
-              <a:rPr lang="en-US" sz="2000" dirty="0" err="1"/>
+              <a:rPr lang="en-US" sz="2400" b="1" dirty="0" err="1"/>
               <a:t>při</a:t>
             </a:r>
             <a:r>
-              <a:rPr lang="en-US" sz="2000" dirty="0"/>
+              <a:rPr lang="en-US" sz="2400" b="1" dirty="0"/>
               <a:t> </a:t>
             </a:r>
             <a:r>
-              <a:rPr lang="en-US" sz="2000" dirty="0" err="1"/>
+              <a:rPr lang="en-US" sz="2400" b="1" dirty="0" err="1"/>
               <a:t>zobrazování</a:t>
             </a:r>
             <a:r>
-              <a:rPr lang="en-US" sz="2000" dirty="0"/>
+              <a:rPr lang="en-US" sz="2400" b="1" dirty="0"/>
               <a:t>.</a:t>
             </a:r>
           </a:p>
@@ -41088,13 +41228,13 @@
   <p:clrMapOvr>
     <a:masterClrMapping/>
   </p:clrMapOvr>
-  <mc:AlternateContent xmlns:mc="http://schemas.openxmlformats.org/markup-compatibility/2006">
-    <mc:Choice xmlns:p14="http://schemas.microsoft.com/office/powerpoint/2010/main" Requires="p14">
+  <mc:AlternateContent xmlns:mc="http://schemas.openxmlformats.org/markup-compatibility/2006" xmlns:p14="http://schemas.microsoft.com/office/powerpoint/2010/main">
+    <mc:Choice Requires="p14">
       <p:transition spd="slow" p14:dur="1300" advTm="20000">
         <p14:pan dir="u"/>
       </p:transition>
     </mc:Choice>
-    <mc:Fallback>
+    <mc:Fallback xmlns="">
       <p:transition spd="slow" advTm="20000">
         <p:fade/>
       </p:transition>
@@ -41387,14 +41527,250 @@
           <a:lstStyle/>
           <a:p>
             <a:r>
-              <a:rPr lang="en-US" sz="1800"/>
-              <a:t>Tím se opraví rozdíly mezi různými barevnými prostory mezi zařízením vytvářejícím obrázek a zařízením, které obrázek zobrazuje.</a:t>
+              <a:rPr lang="en-US" sz="2000" b="1" dirty="0" err="1"/>
+              <a:t>Tím</a:t>
+            </a:r>
+            <a:r>
+              <a:rPr lang="en-US" sz="2000" b="1" dirty="0"/>
+              <a:t> se </a:t>
+            </a:r>
+            <a:r>
+              <a:rPr lang="en-US" sz="2000" b="1" dirty="0" err="1"/>
+              <a:t>opraví</a:t>
+            </a:r>
+            <a:r>
+              <a:rPr lang="en-US" sz="2000" b="1" dirty="0"/>
+              <a:t> </a:t>
+            </a:r>
+            <a:r>
+              <a:rPr lang="en-US" sz="2000" b="1" dirty="0" err="1"/>
+              <a:t>rozdíly</a:t>
+            </a:r>
+            <a:r>
+              <a:rPr lang="en-US" sz="2000" b="1" dirty="0"/>
+              <a:t> </a:t>
+            </a:r>
+            <a:r>
+              <a:rPr lang="en-US" sz="2000" b="1" dirty="0" err="1"/>
+              <a:t>mezi</a:t>
+            </a:r>
+            <a:r>
+              <a:rPr lang="en-US" sz="2000" b="1" dirty="0"/>
+              <a:t> </a:t>
+            </a:r>
+            <a:r>
+              <a:rPr lang="en-US" sz="2000" b="1" dirty="0" err="1"/>
+              <a:t>různými</a:t>
+            </a:r>
+            <a:r>
+              <a:rPr lang="en-US" sz="2000" b="1" dirty="0"/>
+              <a:t> </a:t>
+            </a:r>
+            <a:r>
+              <a:rPr lang="en-US" sz="2000" b="1" dirty="0" err="1"/>
+              <a:t>barevnými</a:t>
+            </a:r>
+            <a:r>
+              <a:rPr lang="en-US" sz="2000" b="1" dirty="0"/>
+              <a:t> </a:t>
+            </a:r>
+            <a:r>
+              <a:rPr lang="en-US" sz="2000" b="1" dirty="0" err="1"/>
+              <a:t>prostory</a:t>
+            </a:r>
+            <a:r>
+              <a:rPr lang="en-US" sz="2000" b="1" dirty="0"/>
+              <a:t> </a:t>
+            </a:r>
+            <a:r>
+              <a:rPr lang="en-US" sz="2000" b="1" dirty="0" err="1"/>
+              <a:t>mezi</a:t>
+            </a:r>
+            <a:r>
+              <a:rPr lang="en-US" sz="2000" b="1" dirty="0"/>
+              <a:t> </a:t>
+            </a:r>
+            <a:r>
+              <a:rPr lang="en-US" sz="2000" b="1" dirty="0" err="1"/>
+              <a:t>zařízením</a:t>
+            </a:r>
+            <a:r>
+              <a:rPr lang="en-US" sz="2000" b="1" dirty="0"/>
+              <a:t> </a:t>
+            </a:r>
+            <a:r>
+              <a:rPr lang="en-US" sz="2000" b="1" dirty="0" err="1"/>
+              <a:t>vytvářejícím</a:t>
+            </a:r>
+            <a:r>
+              <a:rPr lang="en-US" sz="2000" b="1" dirty="0"/>
+              <a:t> </a:t>
+            </a:r>
+            <a:r>
+              <a:rPr lang="en-US" sz="2000" b="1" dirty="0" err="1"/>
+              <a:t>obrázek</a:t>
+            </a:r>
+            <a:r>
+              <a:rPr lang="en-US" sz="2000" b="1" dirty="0"/>
+              <a:t> a </a:t>
+            </a:r>
+            <a:r>
+              <a:rPr lang="en-US" sz="2000" b="1" dirty="0" err="1"/>
+              <a:t>zařízením</a:t>
+            </a:r>
+            <a:r>
+              <a:rPr lang="en-US" sz="2000" b="1" dirty="0"/>
+              <a:t>, </a:t>
+            </a:r>
+            <a:r>
+              <a:rPr lang="en-US" sz="2000" b="1" dirty="0" err="1"/>
+              <a:t>které</a:t>
+            </a:r>
+            <a:r>
+              <a:rPr lang="en-US" sz="2000" b="1" dirty="0"/>
+              <a:t> </a:t>
+            </a:r>
+            <a:r>
+              <a:rPr lang="en-US" sz="2000" b="1" dirty="0" err="1"/>
+              <a:t>obrázek</a:t>
+            </a:r>
+            <a:r>
+              <a:rPr lang="en-US" sz="2000" b="1" dirty="0"/>
+              <a:t> </a:t>
+            </a:r>
+            <a:r>
+              <a:rPr lang="en-US" sz="2000" b="1" dirty="0" err="1"/>
+              <a:t>zobrazuje</a:t>
+            </a:r>
+            <a:r>
+              <a:rPr lang="en-US" sz="2000" b="1" dirty="0"/>
+              <a:t>.</a:t>
             </a:r>
           </a:p>
           <a:p>
             <a:r>
-              <a:rPr lang="en-US" sz="1800"/>
-              <a:t>Toto zařízení měří a koriguje rozdíly v barevném prostoru mezi zařízením, které vytváří obrázek, a zařízením, které obrázek zobrazuje.</a:t>
+              <a:rPr lang="en-US" sz="2000" b="1" dirty="0"/>
+              <a:t>Toto </a:t>
+            </a:r>
+            <a:r>
+              <a:rPr lang="en-US" sz="2000" b="1" dirty="0" err="1"/>
+              <a:t>zařízení</a:t>
+            </a:r>
+            <a:r>
+              <a:rPr lang="en-US" sz="2000" b="1" dirty="0"/>
+              <a:t> </a:t>
+            </a:r>
+            <a:r>
+              <a:rPr lang="en-US" sz="2000" b="1" dirty="0" err="1"/>
+              <a:t>měří</a:t>
+            </a:r>
+            <a:r>
+              <a:rPr lang="en-US" sz="2000" b="1" dirty="0"/>
+              <a:t> a </a:t>
+            </a:r>
+            <a:r>
+              <a:rPr lang="en-US" sz="2000" b="1" dirty="0" err="1"/>
+              <a:t>koriguje</a:t>
+            </a:r>
+            <a:r>
+              <a:rPr lang="en-US" sz="2000" b="1" dirty="0"/>
+              <a:t> </a:t>
+            </a:r>
+            <a:r>
+              <a:rPr lang="en-US" sz="2000" b="1" dirty="0" err="1"/>
+              <a:t>rozdíly</a:t>
+            </a:r>
+            <a:r>
+              <a:rPr lang="en-US" sz="2000" b="1" dirty="0"/>
+              <a:t> v </a:t>
+            </a:r>
+            <a:r>
+              <a:rPr lang="en-US" sz="2000" b="1" dirty="0" err="1"/>
+              <a:t>barevném</a:t>
+            </a:r>
+            <a:r>
+              <a:rPr lang="en-US" sz="2000" b="1" dirty="0"/>
+              <a:t> </a:t>
+            </a:r>
+            <a:r>
+              <a:rPr lang="en-US" sz="2000" b="1" dirty="0" err="1"/>
+              <a:t>prostoru</a:t>
+            </a:r>
+            <a:r>
+              <a:rPr lang="en-US" sz="2000" b="1" dirty="0"/>
+              <a:t> </a:t>
+            </a:r>
+            <a:r>
+              <a:rPr lang="en-US" sz="2000" b="1" dirty="0" err="1"/>
+              <a:t>mezi</a:t>
+            </a:r>
+            <a:r>
+              <a:rPr lang="en-US" sz="2000" b="1" dirty="0"/>
+              <a:t> </a:t>
+            </a:r>
+            <a:r>
+              <a:rPr lang="en-US" sz="2000" b="1" dirty="0" err="1"/>
+              <a:t>zařízením</a:t>
+            </a:r>
+            <a:r>
+              <a:rPr lang="en-US" sz="2000" b="1" dirty="0"/>
+              <a:t>, </a:t>
+            </a:r>
+            <a:r>
+              <a:rPr lang="en-US" sz="2000" b="1" dirty="0" err="1"/>
+              <a:t>které</a:t>
+            </a:r>
+            <a:r>
+              <a:rPr lang="en-US" sz="2000" b="1" dirty="0"/>
+              <a:t> </a:t>
+            </a:r>
+            <a:r>
+              <a:rPr lang="en-US" sz="2000" b="1" dirty="0" err="1"/>
+              <a:t>vytváří</a:t>
+            </a:r>
+            <a:r>
+              <a:rPr lang="en-US" sz="2000" b="1" dirty="0"/>
+              <a:t> </a:t>
+            </a:r>
+            <a:r>
+              <a:rPr lang="en-US" sz="2000" b="1" dirty="0" err="1"/>
+              <a:t>obrázek</a:t>
+            </a:r>
+            <a:r>
+              <a:rPr lang="en-US" sz="2000" b="1" dirty="0"/>
+              <a:t>, a </a:t>
+            </a:r>
+            <a:r>
+              <a:rPr lang="en-US" sz="2000" b="1" dirty="0" err="1"/>
+              <a:t>zařízením</a:t>
+            </a:r>
+            <a:r>
+              <a:rPr lang="en-US" sz="2000" b="1" dirty="0"/>
+              <a:t>, </a:t>
+            </a:r>
+            <a:r>
+              <a:rPr lang="en-US" sz="2000" b="1" dirty="0" err="1"/>
+              <a:t>které</a:t>
+            </a:r>
+            <a:r>
+              <a:rPr lang="en-US" sz="2000" b="1" dirty="0"/>
+              <a:t> </a:t>
+            </a:r>
+            <a:r>
+              <a:rPr lang="en-US" sz="2000" b="1" dirty="0" err="1"/>
+              <a:t>obrázek</a:t>
+            </a:r>
+            <a:r>
+              <a:rPr lang="en-US" sz="2000" b="1" dirty="0"/>
+              <a:t> </a:t>
+            </a:r>
+            <a:r>
+              <a:rPr lang="en-US" sz="2000" b="1" dirty="0" err="1"/>
+              <a:t>zobrazuje</a:t>
+            </a:r>
+            <a:r>
+              <a:rPr lang="en-US" sz="2000" b="1" dirty="0"/>
+              <a:t>.</a:t>
             </a:r>
           </a:p>
         </p:txBody>
@@ -41651,13 +42027,13 @@
   <p:clrMapOvr>
     <a:masterClrMapping/>
   </p:clrMapOvr>
-  <mc:AlternateContent xmlns:mc="http://schemas.openxmlformats.org/markup-compatibility/2006">
-    <mc:Choice xmlns:p14="http://schemas.microsoft.com/office/powerpoint/2010/main" Requires="p14">
+  <mc:AlternateContent xmlns:mc="http://schemas.openxmlformats.org/markup-compatibility/2006" xmlns:p14="http://schemas.microsoft.com/office/powerpoint/2010/main">
+    <mc:Choice Requires="p14">
       <p:transition spd="slow" p14:dur="1300" advTm="52000">
         <p14:pan dir="u"/>
       </p:transition>
     </mc:Choice>
-    <mc:Fallback>
+    <mc:Fallback xmlns="">
       <p:transition spd="slow" advTm="52000">
         <p:fade/>
       </p:transition>
@@ -41906,7 +42282,7 @@
           <a:lstStyle/>
           <a:p>
             <a:r>
-              <a:rPr lang="cs-CZ" sz="2600">
+              <a:rPr lang="cs-CZ" sz="2600" b="1" dirty="0">
                 <a:solidFill>
                   <a:schemeClr val="bg1"/>
                 </a:solidFill>
@@ -41915,7 +42291,7 @@
               <a:t>Co je </a:t>
             </a:r>
             <a:r>
-              <a:rPr lang="cs-CZ" sz="2600">
+              <a:rPr lang="cs-CZ" sz="2600" b="1" dirty="0">
                 <a:solidFill>
                   <a:schemeClr val="bg1"/>
                 </a:solidFill>
@@ -41924,7 +42300,7 @@
               </a:rPr>
               <a:t>Barevná hloubka?</a:t>
             </a:r>
-            <a:endParaRPr lang="cs-CZ" sz="2600">
+            <a:endParaRPr lang="cs-CZ" sz="2600" b="1" dirty="0">
               <a:solidFill>
                 <a:schemeClr val="bg1"/>
               </a:solidFill>
@@ -42020,7 +42396,7 @@
               <a:buChar char="•"/>
             </a:pPr>
             <a:r>
-              <a:rPr lang="cs-CZ" sz="1700" b="1" dirty="0">
+              <a:rPr lang="cs-CZ" sz="2400" b="1" dirty="0">
                 <a:solidFill>
                   <a:schemeClr val="bg1"/>
                 </a:solidFill>
@@ -42889,419 +43265,419 @@
           <a:lstStyle/>
           <a:p>
             <a:r>
-              <a:rPr lang="en-US" sz="1400" b="0" i="0" dirty="0" err="1">
+              <a:rPr lang="en-US" sz="1400" b="1" i="0" dirty="0" err="1">
                 <a:effectLst/>
                 <a:latin typeface="Open Sans" panose="020B0604020202020204" pitchFamily="34" charset="0"/>
               </a:rPr>
               <a:t>Barevná</a:t>
             </a:r>
             <a:r>
-              <a:rPr lang="en-US" sz="1400" b="0" i="0" dirty="0">
+              <a:rPr lang="en-US" sz="1400" b="1" i="0" dirty="0">
                 <a:effectLst/>
                 <a:latin typeface="Open Sans" panose="020B0604020202020204" pitchFamily="34" charset="0"/>
               </a:rPr>
               <a:t> </a:t>
             </a:r>
             <a:r>
-              <a:rPr lang="en-US" sz="1400" b="0" i="0" dirty="0" err="1">
+              <a:rPr lang="en-US" sz="1400" b="1" i="0" dirty="0" err="1">
                 <a:effectLst/>
                 <a:latin typeface="Open Sans" panose="020B0604020202020204" pitchFamily="34" charset="0"/>
               </a:rPr>
               <a:t>hloubka</a:t>
             </a:r>
             <a:r>
-              <a:rPr lang="en-US" sz="1400" b="0" i="0" dirty="0">
+              <a:rPr lang="en-US" sz="1400" b="1" i="0" dirty="0">
                 <a:effectLst/>
                 <a:latin typeface="Open Sans" panose="020B0604020202020204" pitchFamily="34" charset="0"/>
               </a:rPr>
               <a:t>. In: </a:t>
             </a:r>
             <a:r>
-              <a:rPr lang="en-US" sz="1400" b="0" i="1" dirty="0">
+              <a:rPr lang="en-US" sz="1400" b="1" i="1" dirty="0">
                 <a:effectLst/>
                 <a:latin typeface="Open Sans" panose="020B0604020202020204" pitchFamily="34" charset="0"/>
               </a:rPr>
               <a:t>Wikipedia: the free encyclopedia</a:t>
             </a:r>
             <a:r>
-              <a:rPr lang="en-US" sz="1400" b="0" i="0" dirty="0">
+              <a:rPr lang="en-US" sz="1400" b="1" i="0" dirty="0">
                 <a:effectLst/>
                 <a:latin typeface="Open Sans" panose="020B0604020202020204" pitchFamily="34" charset="0"/>
               </a:rPr>
               <a:t> [online]. San Francisco (CA): Wikimedia Foundation, 2001- 2022, 11. 4. 2022 [cit. 2023-01-14]. </a:t>
             </a:r>
             <a:r>
-              <a:rPr lang="en-US" sz="1400" b="0" i="0" dirty="0" err="1">
+              <a:rPr lang="en-US" sz="1400" b="1" i="0" dirty="0" err="1">
                 <a:effectLst/>
                 <a:latin typeface="Open Sans" panose="020B0604020202020204" pitchFamily="34" charset="0"/>
               </a:rPr>
               <a:t>Dostupné</a:t>
             </a:r>
             <a:r>
-              <a:rPr lang="en-US" sz="1400" b="0" i="0" dirty="0">
+              <a:rPr lang="en-US" sz="1400" b="1" i="0" dirty="0">
                 <a:effectLst/>
                 <a:latin typeface="Open Sans" panose="020B0604020202020204" pitchFamily="34" charset="0"/>
               </a:rPr>
               <a:t> z: </a:t>
             </a:r>
             <a:r>
-              <a:rPr lang="en-US" sz="1400" b="0" i="0" dirty="0">
+              <a:rPr lang="en-US" sz="1400" b="1" i="0" dirty="0">
                 <a:effectLst/>
                 <a:latin typeface="Open Sans" panose="020B0604020202020204" pitchFamily="34" charset="0"/>
                 <a:hlinkClick r:id="rId2"/>
               </a:rPr>
               <a:t>https://cs.wikipedia.org/wiki/Barevn%C3%A1_hloubka</a:t>
             </a:r>
-            <a:endParaRPr lang="en-US" sz="1400" b="0" i="0" dirty="0">
+            <a:endParaRPr lang="en-US" sz="1400" b="1" i="0" dirty="0">
               <a:effectLst/>
               <a:latin typeface="Open Sans" panose="020B0604020202020204" pitchFamily="34" charset="0"/>
             </a:endParaRPr>
           </a:p>
           <a:p>
             <a:r>
-              <a:rPr lang="en-US" sz="1400" b="0" i="0" dirty="0">
+              <a:rPr lang="en-US" sz="1400" b="1" i="0" dirty="0">
                 <a:effectLst/>
                 <a:latin typeface="Open Sans" panose="020B0606030504020204" pitchFamily="34" charset="0"/>
               </a:rPr>
               <a:t>Pixel. In: </a:t>
             </a:r>
             <a:r>
-              <a:rPr lang="en-US" sz="1400" b="0" i="1" dirty="0">
+              <a:rPr lang="en-US" sz="1400" b="1" i="1" dirty="0">
                 <a:effectLst/>
                 <a:latin typeface="Open Sans" panose="020B0606030504020204" pitchFamily="34" charset="0"/>
               </a:rPr>
               <a:t>Wikipedia: the free encyclopedia</a:t>
             </a:r>
             <a:r>
-              <a:rPr lang="en-US" sz="1400" b="0" i="0" dirty="0">
+              <a:rPr lang="en-US" sz="1400" b="1" i="0" dirty="0">
                 <a:effectLst/>
                 <a:latin typeface="Open Sans" panose="020B0606030504020204" pitchFamily="34" charset="0"/>
               </a:rPr>
               <a:t> [online]. San Francisco (CA): Wikimedia Foundation, 2001- 2022, 2. 6. 2022 [cit. 2023-01-14]. </a:t>
             </a:r>
             <a:r>
-              <a:rPr lang="en-US" sz="1400" b="0" i="0" dirty="0" err="1">
+              <a:rPr lang="en-US" sz="1400" b="1" i="0" dirty="0" err="1">
                 <a:effectLst/>
                 <a:latin typeface="Open Sans" panose="020B0606030504020204" pitchFamily="34" charset="0"/>
               </a:rPr>
               <a:t>Dostupné</a:t>
             </a:r>
             <a:r>
-              <a:rPr lang="en-US" sz="1400" b="0" i="0" dirty="0">
+              <a:rPr lang="en-US" sz="1400" b="1" i="0" dirty="0">
                 <a:effectLst/>
                 <a:latin typeface="Open Sans" panose="020B0606030504020204" pitchFamily="34" charset="0"/>
               </a:rPr>
               <a:t> z: </a:t>
             </a:r>
             <a:r>
-              <a:rPr lang="en-US" sz="1400" b="0" i="0" dirty="0">
+              <a:rPr lang="en-US" sz="1400" b="1" i="0" dirty="0">
                 <a:effectLst/>
                 <a:latin typeface="Open Sans" panose="020B0606030504020204" pitchFamily="34" charset="0"/>
                 <a:hlinkClick r:id="rId3"/>
               </a:rPr>
               <a:t>https://cs.wikipedia.org/wiki/Pixel</a:t>
             </a:r>
-            <a:endParaRPr lang="en-US" sz="1400" dirty="0">
+            <a:endParaRPr lang="en-US" sz="1400" b="1" dirty="0">
               <a:latin typeface="Open Sans" panose="020B0604020202020204" pitchFamily="34" charset="0"/>
             </a:endParaRPr>
           </a:p>
           <a:p>
             <a:r>
-              <a:rPr lang="en-US" sz="1400" b="0" i="0" dirty="0">
+              <a:rPr lang="en-US" sz="1400" b="1" i="0" dirty="0">
                 <a:effectLst/>
                 <a:latin typeface="Open Sans" panose="020B0606030504020204" pitchFamily="34" charset="0"/>
               </a:rPr>
               <a:t>RGB. In: </a:t>
             </a:r>
             <a:r>
-              <a:rPr lang="en-US" sz="1400" b="0" i="1" dirty="0">
+              <a:rPr lang="en-US" sz="1400" b="1" i="1" dirty="0">
                 <a:effectLst/>
                 <a:latin typeface="Open Sans" panose="020B0606030504020204" pitchFamily="34" charset="0"/>
               </a:rPr>
               <a:t>Wikipedia: the free encyclopedia</a:t>
             </a:r>
             <a:r>
-              <a:rPr lang="en-US" sz="1400" b="0" i="0" dirty="0">
+              <a:rPr lang="en-US" sz="1400" b="1" i="0" dirty="0">
                 <a:effectLst/>
                 <a:latin typeface="Open Sans" panose="020B0606030504020204" pitchFamily="34" charset="0"/>
               </a:rPr>
               <a:t> [online]. San Francisco (CA): Wikimedia Foundation, 2001- 2022, 17. 10. 2022 [cit. 2023-01-14]. </a:t>
             </a:r>
             <a:r>
-              <a:rPr lang="en-US" sz="1400" b="0" i="0" dirty="0" err="1">
+              <a:rPr lang="en-US" sz="1400" b="1" i="0" dirty="0" err="1">
                 <a:effectLst/>
                 <a:latin typeface="Open Sans" panose="020B0606030504020204" pitchFamily="34" charset="0"/>
               </a:rPr>
               <a:t>Dostupné</a:t>
             </a:r>
             <a:r>
-              <a:rPr lang="en-US" sz="1400" b="0" i="0" dirty="0">
+              <a:rPr lang="en-US" sz="1400" b="1" i="0" dirty="0">
                 <a:effectLst/>
                 <a:latin typeface="Open Sans" panose="020B0606030504020204" pitchFamily="34" charset="0"/>
               </a:rPr>
               <a:t> z: </a:t>
             </a:r>
             <a:r>
-              <a:rPr lang="en-US" sz="1400" b="0" i="0" dirty="0">
+              <a:rPr lang="en-US" sz="1400" b="1" i="0" dirty="0">
                 <a:effectLst/>
                 <a:latin typeface="Open Sans" panose="020B0606030504020204" pitchFamily="34" charset="0"/>
                 <a:hlinkClick r:id="rId4"/>
               </a:rPr>
               <a:t>https://cs.wikipedia.org/wiki/RGB</a:t>
             </a:r>
-            <a:endParaRPr lang="en-US" sz="1400" b="0" i="0" dirty="0">
+            <a:endParaRPr lang="en-US" sz="1400" b="1" i="0" dirty="0">
               <a:effectLst/>
               <a:latin typeface="Open Sans" panose="020B0606030504020204" pitchFamily="34" charset="0"/>
             </a:endParaRPr>
           </a:p>
           <a:p>
             <a:r>
-              <a:rPr lang="en-US" sz="1400" b="0" i="0" dirty="0" err="1">
+              <a:rPr lang="en-US" sz="1400" b="1" i="0" dirty="0" err="1">
                 <a:effectLst/>
                 <a:latin typeface="Open Sans" panose="020B0606030504020204" pitchFamily="34" charset="0"/>
               </a:rPr>
               <a:t>Barevný</a:t>
             </a:r>
             <a:r>
-              <a:rPr lang="en-US" sz="1400" b="0" i="0" dirty="0">
+              <a:rPr lang="en-US" sz="1400" b="1" i="0" dirty="0">
                 <a:effectLst/>
                 <a:latin typeface="Open Sans" panose="020B0606030504020204" pitchFamily="34" charset="0"/>
               </a:rPr>
               <a:t> model. In: </a:t>
             </a:r>
             <a:r>
-              <a:rPr lang="en-US" sz="1400" b="0" i="1" dirty="0">
+              <a:rPr lang="en-US" sz="1400" b="1" i="1" dirty="0">
                 <a:effectLst/>
                 <a:latin typeface="Open Sans" panose="020B0606030504020204" pitchFamily="34" charset="0"/>
               </a:rPr>
               <a:t>Wikipedia: the free encyclopedia</a:t>
             </a:r>
             <a:r>
-              <a:rPr lang="en-US" sz="1400" b="0" i="0" dirty="0">
+              <a:rPr lang="en-US" sz="1400" b="1" i="0" dirty="0">
                 <a:effectLst/>
                 <a:latin typeface="Open Sans" panose="020B0606030504020204" pitchFamily="34" charset="0"/>
               </a:rPr>
               <a:t> [online]. San Francisco (CA): Wikimedia Foundation, 2001- 2021, 5. 8. 2021 [cit. 2023-01-14]. </a:t>
             </a:r>
             <a:r>
-              <a:rPr lang="en-US" sz="1400" b="0" i="0" dirty="0" err="1">
+              <a:rPr lang="en-US" sz="1400" b="1" i="0" dirty="0" err="1">
                 <a:effectLst/>
                 <a:latin typeface="Open Sans" panose="020B0606030504020204" pitchFamily="34" charset="0"/>
               </a:rPr>
               <a:t>Dostupné</a:t>
             </a:r>
             <a:r>
-              <a:rPr lang="en-US" sz="1400" b="0" i="0" dirty="0">
+              <a:rPr lang="en-US" sz="1400" b="1" i="0" dirty="0">
                 <a:effectLst/>
                 <a:latin typeface="Open Sans" panose="020B0606030504020204" pitchFamily="34" charset="0"/>
               </a:rPr>
               <a:t> z: </a:t>
             </a:r>
             <a:r>
-              <a:rPr lang="en-US" sz="1400" b="0" i="0" dirty="0">
+              <a:rPr lang="en-US" sz="1400" b="1" i="0" dirty="0">
                 <a:effectLst/>
                 <a:latin typeface="Open Sans" panose="020B0606030504020204" pitchFamily="34" charset="0"/>
                 <a:hlinkClick r:id="rId5"/>
               </a:rPr>
               <a:t>https://cs.wikipedia.org/wiki/Barevn%C3%BD_model</a:t>
             </a:r>
-            <a:endParaRPr lang="en-US" sz="1400" b="0" i="0" dirty="0">
+            <a:endParaRPr lang="en-US" sz="1400" b="1" i="0" dirty="0">
               <a:effectLst/>
               <a:latin typeface="Open Sans" panose="020B0606030504020204" pitchFamily="34" charset="0"/>
             </a:endParaRPr>
           </a:p>
           <a:p>
             <a:r>
-              <a:rPr lang="en-US" sz="1400" b="0" i="0" dirty="0">
+              <a:rPr lang="en-US" sz="1400" b="1" i="0" dirty="0">
                 <a:effectLst/>
                 <a:latin typeface="Open Sans" panose="020B0606030504020204" pitchFamily="34" charset="0"/>
               </a:rPr>
               <a:t>HSV. In: </a:t>
             </a:r>
             <a:r>
-              <a:rPr lang="en-US" sz="1400" b="0" i="1" dirty="0">
+              <a:rPr lang="en-US" sz="1400" b="1" i="1" dirty="0">
                 <a:effectLst/>
                 <a:latin typeface="Open Sans" panose="020B0606030504020204" pitchFamily="34" charset="0"/>
               </a:rPr>
               <a:t>Wikipedia: the free encyclopedia</a:t>
             </a:r>
             <a:r>
-              <a:rPr lang="en-US" sz="1400" b="0" i="0" dirty="0">
+              <a:rPr lang="en-US" sz="1400" b="1" i="0" dirty="0">
                 <a:effectLst/>
                 <a:latin typeface="Open Sans" panose="020B0606030504020204" pitchFamily="34" charset="0"/>
               </a:rPr>
               <a:t> [online]. San Francisco (CA): Wikimedia Foundation, 2001- 2022, 20. 8. 2022 [cit. 2023-01-14]. </a:t>
             </a:r>
             <a:r>
-              <a:rPr lang="en-US" sz="1400" b="0" i="0" dirty="0" err="1">
+              <a:rPr lang="en-US" sz="1400" b="1" i="0" dirty="0" err="1">
                 <a:effectLst/>
                 <a:latin typeface="Open Sans" panose="020B0606030504020204" pitchFamily="34" charset="0"/>
               </a:rPr>
               <a:t>Dostupné</a:t>
             </a:r>
             <a:r>
-              <a:rPr lang="en-US" sz="1400" b="0" i="0" dirty="0">
+              <a:rPr lang="en-US" sz="1400" b="1" i="0" dirty="0">
                 <a:effectLst/>
                 <a:latin typeface="Open Sans" panose="020B0606030504020204" pitchFamily="34" charset="0"/>
               </a:rPr>
               <a:t> z: </a:t>
             </a:r>
             <a:r>
-              <a:rPr lang="en-US" sz="1400" b="0" i="0" dirty="0">
+              <a:rPr lang="en-US" sz="1400" b="1" i="0" dirty="0">
                 <a:effectLst/>
                 <a:latin typeface="Open Sans" panose="020B0606030504020204" pitchFamily="34" charset="0"/>
                 <a:hlinkClick r:id="rId6"/>
               </a:rPr>
               <a:t>https://cs.wikipedia.org/wiki/HSV</a:t>
             </a:r>
-            <a:endParaRPr lang="en-US" sz="1400" b="0" i="0" dirty="0">
+            <a:endParaRPr lang="en-US" sz="1400" b="1" i="0" dirty="0">
               <a:effectLst/>
               <a:latin typeface="Open Sans" panose="020B0606030504020204" pitchFamily="34" charset="0"/>
             </a:endParaRPr>
           </a:p>
           <a:p>
             <a:r>
-              <a:rPr lang="en-US" sz="1400" b="0" i="0" dirty="0">
+              <a:rPr lang="en-US" sz="1400" b="1" i="0" dirty="0">
                 <a:effectLst/>
                 <a:latin typeface="Open Sans" panose="020B0606030504020204" pitchFamily="34" charset="0"/>
               </a:rPr>
               <a:t>CMYK. In: </a:t>
             </a:r>
             <a:r>
-              <a:rPr lang="en-US" sz="1400" b="0" i="1" dirty="0">
+              <a:rPr lang="en-US" sz="1400" b="1" i="1" dirty="0">
                 <a:effectLst/>
                 <a:latin typeface="Open Sans" panose="020B0606030504020204" pitchFamily="34" charset="0"/>
               </a:rPr>
               <a:t>Wikipedia: the free encyclopedia</a:t>
             </a:r>
             <a:r>
-              <a:rPr lang="en-US" sz="1400" b="0" i="0" dirty="0">
+              <a:rPr lang="en-US" sz="1400" b="1" i="0" dirty="0">
                 <a:effectLst/>
                 <a:latin typeface="Open Sans" panose="020B0606030504020204" pitchFamily="34" charset="0"/>
               </a:rPr>
               <a:t> [online]. San Francisco (CA): Wikimedia Foundation, 2001- 2022, 3. 1. 2022 [cit. 2023-01-14]. </a:t>
             </a:r>
             <a:r>
-              <a:rPr lang="en-US" sz="1400" b="0" i="0" dirty="0" err="1">
+              <a:rPr lang="en-US" sz="1400" b="1" i="0" dirty="0" err="1">
                 <a:effectLst/>
                 <a:latin typeface="Open Sans" panose="020B0606030504020204" pitchFamily="34" charset="0"/>
               </a:rPr>
               <a:t>Dostupné</a:t>
             </a:r>
             <a:r>
-              <a:rPr lang="en-US" sz="1400" b="0" i="0" dirty="0">
+              <a:rPr lang="en-US" sz="1400" b="1" i="0" dirty="0">
                 <a:effectLst/>
                 <a:latin typeface="Open Sans" panose="020B0606030504020204" pitchFamily="34" charset="0"/>
               </a:rPr>
               <a:t> z: </a:t>
             </a:r>
             <a:r>
-              <a:rPr lang="en-US" sz="1400" b="0" i="0" dirty="0">
+              <a:rPr lang="en-US" sz="1400" b="1" i="0" dirty="0">
                 <a:effectLst/>
                 <a:latin typeface="Open Sans" panose="020B0606030504020204" pitchFamily="34" charset="0"/>
                 <a:hlinkClick r:id="rId7"/>
               </a:rPr>
               <a:t>https://cs.wikipedia.org/wiki/CMYK</a:t>
             </a:r>
-            <a:endParaRPr lang="en-US" sz="1400" b="0" i="0" dirty="0">
+            <a:endParaRPr lang="en-US" sz="1400" b="1" i="0" dirty="0">
               <a:effectLst/>
               <a:latin typeface="Open Sans" panose="020B0606030504020204" pitchFamily="34" charset="0"/>
             </a:endParaRPr>
           </a:p>
           <a:p>
             <a:r>
-              <a:rPr lang="en-US" sz="1400" b="0" i="0" dirty="0">
+              <a:rPr lang="en-US" sz="1400" b="1" i="0" dirty="0">
                 <a:effectLst/>
                 <a:latin typeface="Open Sans" panose="020B0606030504020204" pitchFamily="34" charset="0"/>
               </a:rPr>
               <a:t>CIE XYZ. In: </a:t>
             </a:r>
             <a:r>
-              <a:rPr lang="en-US" sz="1400" b="0" i="1" dirty="0">
+              <a:rPr lang="en-US" sz="1400" b="1" i="1" dirty="0">
                 <a:effectLst/>
                 <a:latin typeface="Open Sans" panose="020B0606030504020204" pitchFamily="34" charset="0"/>
               </a:rPr>
               <a:t>Wikipedia: the free encyclopedia</a:t>
             </a:r>
             <a:r>
-              <a:rPr lang="en-US" sz="1400" b="0" i="0" dirty="0">
+              <a:rPr lang="en-US" sz="1400" b="1" i="0" dirty="0">
                 <a:effectLst/>
                 <a:latin typeface="Open Sans" panose="020B0606030504020204" pitchFamily="34" charset="0"/>
               </a:rPr>
               <a:t> [online]. San Francisco (CA): Wikimedia Foundation, 2022, 20. 8. 2022 [cit. 2023-01-14]. </a:t>
             </a:r>
             <a:r>
-              <a:rPr lang="en-US" sz="1400" b="0" i="0" dirty="0" err="1">
+              <a:rPr lang="en-US" sz="1400" b="1" i="0" dirty="0" err="1">
                 <a:effectLst/>
                 <a:latin typeface="Open Sans" panose="020B0606030504020204" pitchFamily="34" charset="0"/>
               </a:rPr>
               <a:t>Dostupné</a:t>
             </a:r>
             <a:r>
-              <a:rPr lang="en-US" sz="1400" b="0" i="0" dirty="0">
+              <a:rPr lang="en-US" sz="1400" b="1" i="0" dirty="0">
                 <a:effectLst/>
                 <a:latin typeface="Open Sans" panose="020B0606030504020204" pitchFamily="34" charset="0"/>
               </a:rPr>
               <a:t> z: </a:t>
             </a:r>
             <a:r>
-              <a:rPr lang="en-US" sz="1400" b="0" i="0" dirty="0">
+              <a:rPr lang="en-US" sz="1400" b="1" i="0" dirty="0">
                 <a:effectLst/>
                 <a:latin typeface="Open Sans" panose="020B0606030504020204" pitchFamily="34" charset="0"/>
                 <a:hlinkClick r:id="rId8"/>
               </a:rPr>
               <a:t>https://cs.wikipedia.org/wiki/CIE_XYZ</a:t>
             </a:r>
-            <a:endParaRPr lang="en-US" sz="1400" b="0" i="0" dirty="0">
+            <a:endParaRPr lang="en-US" sz="1400" b="1" i="0" dirty="0">
               <a:effectLst/>
               <a:latin typeface="Open Sans" panose="020B0606030504020204" pitchFamily="34" charset="0"/>
             </a:endParaRPr>
           </a:p>
           <a:p>
             <a:r>
-              <a:rPr lang="en-US" sz="1400" b="0" i="0" dirty="0">
+              <a:rPr lang="en-US" sz="1400" b="1" i="0" dirty="0">
                 <a:effectLst/>
                 <a:latin typeface="Open Sans" panose="020B0606030504020204" pitchFamily="34" charset="0"/>
               </a:rPr>
               <a:t>CIE 1931 color space. In: </a:t>
             </a:r>
             <a:r>
-              <a:rPr lang="en-US" sz="1400" b="0" i="1" dirty="0">
+              <a:rPr lang="en-US" sz="1400" b="1" i="1" dirty="0">
                 <a:effectLst/>
                 <a:latin typeface="Open Sans" panose="020B0606030504020204" pitchFamily="34" charset="0"/>
               </a:rPr>
               <a:t>Wikipedia: the free encyclopedia</a:t>
             </a:r>
             <a:r>
-              <a:rPr lang="en-US" sz="1400" b="0" i="0" dirty="0">
+              <a:rPr lang="en-US" sz="1400" b="1" i="0" dirty="0">
                 <a:effectLst/>
                 <a:latin typeface="Open Sans" panose="020B0606030504020204" pitchFamily="34" charset="0"/>
               </a:rPr>
               <a:t> [online]. San Francisco (CA): Wikimedia Foundation, 2023, 7 January 2023 [cit. 2023-01-14]. </a:t>
             </a:r>
             <a:r>
-              <a:rPr lang="en-US" sz="1400" b="0" i="0" dirty="0" err="1">
+              <a:rPr lang="en-US" sz="1400" b="1" i="0" dirty="0" err="1">
                 <a:effectLst/>
                 <a:latin typeface="Open Sans" panose="020B0606030504020204" pitchFamily="34" charset="0"/>
               </a:rPr>
               <a:t>Dostupné</a:t>
             </a:r>
             <a:r>
-              <a:rPr lang="en-US" sz="1400" b="0" i="0" dirty="0">
+              <a:rPr lang="en-US" sz="1400" b="1" i="0" dirty="0">
                 <a:effectLst/>
                 <a:latin typeface="Open Sans" panose="020B0606030504020204" pitchFamily="34" charset="0"/>
               </a:rPr>
               <a:t> z: </a:t>
             </a:r>
             <a:r>
-              <a:rPr lang="en-US" sz="1400" b="0" i="0" dirty="0">
+              <a:rPr lang="en-US" sz="1400" b="1" i="0" dirty="0">
                 <a:effectLst/>
                 <a:latin typeface="Open Sans" panose="020B0606030504020204" pitchFamily="34" charset="0"/>
                 <a:hlinkClick r:id="rId9"/>
               </a:rPr>
               <a:t>https://en.wikipedia.org/wiki/CIE_1931_color_space</a:t>
             </a:r>
-            <a:endParaRPr lang="en-US" sz="1400" b="0" i="0" dirty="0">
+            <a:endParaRPr lang="en-US" sz="1400" b="1" i="0" dirty="0">
               <a:effectLst/>
               <a:latin typeface="Open Sans" panose="020B0606030504020204" pitchFamily="34" charset="0"/>
             </a:endParaRPr>
@@ -43344,13 +43720,13 @@
   <p:clrMapOvr>
     <a:masterClrMapping/>
   </p:clrMapOvr>
-  <mc:AlternateContent xmlns:mc="http://schemas.openxmlformats.org/markup-compatibility/2006">
-    <mc:Choice xmlns:p14="http://schemas.microsoft.com/office/powerpoint/2010/main" Requires="p14">
+  <mc:AlternateContent xmlns:mc="http://schemas.openxmlformats.org/markup-compatibility/2006" xmlns:p14="http://schemas.microsoft.com/office/powerpoint/2010/main">
+    <mc:Choice Requires="p14">
       <p:transition spd="slow" p14:dur="1300" advTm="4000">
         <p14:pan dir="u"/>
       </p:transition>
     </mc:Choice>
-    <mc:Fallback>
+    <mc:Fallback xmlns="">
       <p:transition spd="slow" advTm="4000">
         <p:fade/>
       </p:transition>
@@ -43858,12 +44234,12 @@
           <a:lstStyle/>
           <a:p>
             <a:r>
-              <a:rPr lang="en-US" sz="2200" dirty="0">
+              <a:rPr lang="en-US" dirty="0">
                 <a:hlinkClick r:id="rId2"/>
               </a:rPr>
               <a:t>https://github.com/ibabayev7/barva.git</a:t>
             </a:r>
-            <a:endParaRPr lang="en-US" sz="2200" dirty="0"/>
+            <a:endParaRPr lang="en-US" dirty="0"/>
           </a:p>
         </p:txBody>
       </p:sp>
@@ -43877,13 +44253,13 @@
   <p:clrMapOvr>
     <a:masterClrMapping/>
   </p:clrMapOvr>
-  <mc:AlternateContent xmlns:mc="http://schemas.openxmlformats.org/markup-compatibility/2006">
-    <mc:Choice xmlns:p14="http://schemas.microsoft.com/office/powerpoint/2010/main" Requires="p14">
+  <mc:AlternateContent xmlns:mc="http://schemas.openxmlformats.org/markup-compatibility/2006" xmlns:p14="http://schemas.microsoft.com/office/powerpoint/2010/main">
+    <mc:Choice Requires="p14">
       <p:transition p14:dur="10" advTm="4000">
         <p:split orient="vert"/>
       </p:transition>
     </mc:Choice>
-    <mc:Fallback>
+    <mc:Fallback xmlns="">
       <p:transition advTm="4000">
         <p:split orient="vert"/>
       </p:transition>
@@ -44163,7 +44539,7 @@
               <a:buAutoNum type="arabicPeriod"/>
             </a:pPr>
             <a:r>
-              <a:rPr lang="cs-CZ" sz="2000" b="1">
+              <a:rPr lang="cs-CZ" sz="2400" b="1" dirty="0">
                 <a:ea typeface="Meiryo"/>
               </a:rPr>
               <a:t>RGB nebo RGBA</a:t>
@@ -44174,7 +44550,7 @@
               <a:buAutoNum type="arabicPeriod"/>
             </a:pPr>
             <a:r>
-              <a:rPr lang="cs-CZ" sz="2000" b="1">
+              <a:rPr lang="cs-CZ" sz="2400" b="1" dirty="0">
                 <a:ea typeface="Meiryo"/>
               </a:rPr>
               <a:t>CMY nebo CMYK</a:t>
@@ -44185,7 +44561,7 @@
               <a:buAutoNum type="arabicPeriod"/>
             </a:pPr>
             <a:r>
-              <a:rPr lang="cs-CZ" sz="2000" b="1">
+              <a:rPr lang="cs-CZ" sz="2400" b="1" dirty="0">
                 <a:ea typeface="Meiryo"/>
               </a:rPr>
               <a:t>HSV nebo HSB</a:t>
@@ -44196,7 +44572,7 @@
               <a:buAutoNum type="arabicPeriod"/>
             </a:pPr>
             <a:r>
-              <a:rPr lang="cs-CZ" sz="2000" b="1">
+              <a:rPr lang="cs-CZ" sz="2400" b="1" dirty="0">
                 <a:ea typeface="Meiryo"/>
               </a:rPr>
               <a:t>HSL</a:t>
@@ -44207,7 +44583,7 @@
               <a:buAutoNum type="arabicPeriod"/>
             </a:pPr>
             <a:r>
-              <a:rPr lang="cs-CZ" sz="2000" b="1">
+              <a:rPr lang="cs-CZ" sz="2400" b="1" dirty="0">
                 <a:ea typeface="Meiryo"/>
               </a:rPr>
               <a:t>YUV</a:t>
@@ -44218,7 +44594,7 @@
               <a:buAutoNum type="arabicPeriod"/>
             </a:pPr>
             <a:r>
-              <a:rPr lang="cs-CZ" sz="2000" b="1">
+              <a:rPr lang="cs-CZ" sz="2400" b="1" dirty="0">
                 <a:ea typeface="Meiryo"/>
               </a:rPr>
               <a:t>CIE</a:t>
@@ -44228,7 +44604,7 @@
             <a:pPr marL="342900" indent="-342900">
               <a:buAutoNum type="arabicPeriod"/>
             </a:pPr>
-            <a:endParaRPr lang="cs-CZ" sz="2000">
+            <a:endParaRPr lang="cs-CZ" sz="2000" dirty="0">
               <a:ea typeface="Meiryo"/>
             </a:endParaRPr>
           </a:p>
@@ -44236,7 +44612,7 @@
             <a:pPr marL="342900" indent="-342900">
               <a:buAutoNum type="arabicPeriod"/>
             </a:pPr>
-            <a:endParaRPr lang="cs-CZ" sz="2000">
+            <a:endParaRPr lang="cs-CZ" sz="2000" dirty="0">
               <a:ea typeface="Meiryo"/>
             </a:endParaRPr>
           </a:p>
@@ -44663,7 +45039,7 @@
             <p:ph idx="1"/>
             <p:extLst>
               <p:ext uri="{D42A27DB-BD31-4B8C-83A1-F6EECF244321}">
-                <p14:modId xmlns:p14="http://schemas.microsoft.com/office/powerpoint/2010/main" val="78577506"/>
+                <p14:modId xmlns:p14="http://schemas.microsoft.com/office/powerpoint/2010/main" val="74701048"/>
               </p:ext>
             </p:extLst>
           </p:nvPr>
@@ -44688,13 +45064,13 @@
   <p:clrMapOvr>
     <a:masterClrMapping/>
   </p:clrMapOvr>
-  <mc:AlternateContent xmlns:mc="http://schemas.openxmlformats.org/markup-compatibility/2006">
-    <mc:Choice xmlns:p14="http://schemas.microsoft.com/office/powerpoint/2010/main" Requires="p14">
+  <mc:AlternateContent xmlns:mc="http://schemas.openxmlformats.org/markup-compatibility/2006" xmlns:p14="http://schemas.microsoft.com/office/powerpoint/2010/main">
+    <mc:Choice Requires="p14">
       <p:transition spd="slow" p14:dur="1300" advTm="36000">
         <p14:pan dir="u"/>
       </p:transition>
     </mc:Choice>
-    <mc:Fallback>
+    <mc:Fallback xmlns="">
       <p:transition spd="slow" advTm="36000">
         <p:fade/>
       </p:transition>
@@ -45217,13 +45593,13 @@
   <p:clrMapOvr>
     <a:masterClrMapping/>
   </p:clrMapOvr>
-  <mc:AlternateContent xmlns:mc="http://schemas.openxmlformats.org/markup-compatibility/2006">
-    <mc:Choice xmlns:p14="http://schemas.microsoft.com/office/powerpoint/2010/main" Requires="p14">
+  <mc:AlternateContent xmlns:mc="http://schemas.openxmlformats.org/markup-compatibility/2006" xmlns:p14="http://schemas.microsoft.com/office/powerpoint/2010/main">
+    <mc:Choice Requires="p14">
       <p:transition spd="slow" p14:dur="1300" advTm="50000">
         <p14:pan dir="u"/>
       </p:transition>
     </mc:Choice>
-    <mc:Fallback>
+    <mc:Fallback xmlns="">
       <p:transition spd="slow" advTm="50000">
         <p:fade/>
       </p:transition>
@@ -45620,7 +45996,7 @@
             <p:ph idx="1"/>
             <p:extLst>
               <p:ext uri="{D42A27DB-BD31-4B8C-83A1-F6EECF244321}">
-                <p14:modId xmlns:p14="http://schemas.microsoft.com/office/powerpoint/2010/main" val="2062425730"/>
+                <p14:modId xmlns:p14="http://schemas.microsoft.com/office/powerpoint/2010/main" val="3537887952"/>
               </p:ext>
             </p:extLst>
           </p:nvPr>
@@ -45645,13 +46021,13 @@
   <p:clrMapOvr>
     <a:masterClrMapping/>
   </p:clrMapOvr>
-  <mc:AlternateContent xmlns:mc="http://schemas.openxmlformats.org/markup-compatibility/2006">
-    <mc:Choice xmlns:p14="http://schemas.microsoft.com/office/powerpoint/2010/main" Requires="p14">
+  <mc:AlternateContent xmlns:mc="http://schemas.openxmlformats.org/markup-compatibility/2006" xmlns:p14="http://schemas.microsoft.com/office/powerpoint/2010/main">
+    <mc:Choice Requires="p14">
       <p:transition spd="slow" p14:dur="1300" advTm="22000">
         <p14:pan dir="u"/>
       </p:transition>
     </mc:Choice>
-    <mc:Fallback>
+    <mc:Fallback xmlns="">
       <p:transition spd="slow" advTm="22000">
         <p:fade/>
       </p:transition>
@@ -45736,7 +46112,7 @@
             <p:ph sz="half" idx="2"/>
             <p:extLst>
               <p:ext uri="{D42A27DB-BD31-4B8C-83A1-F6EECF244321}">
-                <p14:modId xmlns:p14="http://schemas.microsoft.com/office/powerpoint/2010/main" val="3356557580"/>
+                <p14:modId xmlns:p14="http://schemas.microsoft.com/office/powerpoint/2010/main" val="198538811"/>
               </p:ext>
             </p:extLst>
           </p:nvPr>
@@ -45868,13 +46244,13 @@
   <p:clrMapOvr>
     <a:masterClrMapping/>
   </p:clrMapOvr>
-  <mc:AlternateContent xmlns:mc="http://schemas.openxmlformats.org/markup-compatibility/2006">
-    <mc:Choice xmlns:p14="http://schemas.microsoft.com/office/powerpoint/2010/main" Requires="p14">
+  <mc:AlternateContent xmlns:mc="http://schemas.openxmlformats.org/markup-compatibility/2006" xmlns:p14="http://schemas.microsoft.com/office/powerpoint/2010/main">
+    <mc:Choice Requires="p14">
       <p:transition spd="slow" p14:dur="1300" advTm="35000">
         <p14:pan dir="u"/>
       </p:transition>
     </mc:Choice>
-    <mc:Fallback>
+    <mc:Fallback xmlns="">
       <p:transition spd="slow" advTm="35000">
         <p:fade/>
       </p:transition>
@@ -46042,7 +46418,7 @@
               <a:buChar char="•"/>
             </a:pPr>
             <a:r>
-              <a:rPr lang="cs-CZ" dirty="0">
+              <a:rPr lang="cs-CZ" sz="2400" b="1" dirty="0">
                 <a:ea typeface="+mn-lt"/>
                 <a:cs typeface="+mn-lt"/>
               </a:rPr>
@@ -46055,7 +46431,7 @@
               <a:buChar char="•"/>
             </a:pPr>
             <a:r>
-              <a:rPr lang="cs-CZ" dirty="0">
+              <a:rPr lang="cs-CZ" sz="2400" b="1" dirty="0">
                 <a:ea typeface="+mn-lt"/>
                 <a:cs typeface="+mn-lt"/>
               </a:rPr>
@@ -46068,13 +46444,13 @@
               <a:buChar char="•"/>
             </a:pPr>
             <a:r>
-              <a:rPr lang="cs-CZ" dirty="0">
+              <a:rPr lang="cs-CZ" sz="2400" b="1" dirty="0">
                 <a:ea typeface="+mn-lt"/>
                 <a:cs typeface="+mn-lt"/>
               </a:rPr>
               <a:t>Barva získaná smícháním: Černá</a:t>
             </a:r>
-            <a:endParaRPr lang="cs-CZ" dirty="0">
+            <a:endParaRPr lang="cs-CZ" sz="2400" b="1" dirty="0">
               <a:ea typeface="Meiryo"/>
             </a:endParaRPr>
           </a:p>
@@ -46154,7 +46530,7 @@
               <a:buChar char="•"/>
             </a:pPr>
             <a:r>
-              <a:rPr lang="cs-CZ" dirty="0">
+              <a:rPr lang="cs-CZ" sz="2400" b="1" dirty="0">
                 <a:ea typeface="+mn-lt"/>
                 <a:cs typeface="+mn-lt"/>
               </a:rPr>
@@ -46167,7 +46543,7 @@
               <a:buChar char="•"/>
             </a:pPr>
             <a:r>
-              <a:rPr lang="cs-CZ" dirty="0">
+              <a:rPr lang="cs-CZ" sz="2400" b="1" dirty="0">
                 <a:ea typeface="+mn-lt"/>
                 <a:cs typeface="+mn-lt"/>
               </a:rPr>
@@ -46180,13 +46556,13 @@
               <a:buChar char="•"/>
             </a:pPr>
             <a:r>
-              <a:rPr lang="cs-CZ" dirty="0">
+              <a:rPr lang="cs-CZ" sz="2400" b="1" dirty="0">
                 <a:ea typeface="+mn-lt"/>
                 <a:cs typeface="+mn-lt"/>
               </a:rPr>
               <a:t>Barva získaná smícháním: Bílá</a:t>
             </a:r>
-            <a:endParaRPr lang="cs-CZ" dirty="0">
+            <a:endParaRPr lang="cs-CZ" sz="2400" b="1" dirty="0">
               <a:ea typeface="Meiryo"/>
             </a:endParaRPr>
           </a:p>
@@ -46232,13 +46608,13 @@
   <p:clrMapOvr>
     <a:masterClrMapping/>
   </p:clrMapOvr>
-  <mc:AlternateContent xmlns:mc="http://schemas.openxmlformats.org/markup-compatibility/2006">
-    <mc:Choice xmlns:p14="http://schemas.microsoft.com/office/powerpoint/2010/main" Requires="p14">
+  <mc:AlternateContent xmlns:mc="http://schemas.openxmlformats.org/markup-compatibility/2006" xmlns:p14="http://schemas.microsoft.com/office/powerpoint/2010/main">
+    <mc:Choice Requires="p14">
       <p:transition spd="slow" p14:dur="1300" advTm="55000">
         <p14:pan dir="u"/>
       </p:transition>
     </mc:Choice>
-    <mc:Fallback>
+    <mc:Fallback xmlns="">
       <p:transition spd="slow" advTm="55000">
         <p:fade/>
       </p:transition>
@@ -46558,13 +46934,13 @@
   <p:clrMapOvr>
     <a:masterClrMapping/>
   </p:clrMapOvr>
-  <mc:AlternateContent xmlns:mc="http://schemas.openxmlformats.org/markup-compatibility/2006">
-    <mc:Choice xmlns:p14="http://schemas.microsoft.com/office/powerpoint/2010/main" Requires="p14">
+  <mc:AlternateContent xmlns:mc="http://schemas.openxmlformats.org/markup-compatibility/2006" xmlns:p14="http://schemas.microsoft.com/office/powerpoint/2010/main">
+    <mc:Choice Requires="p14">
       <p:transition spd="slow" p14:dur="1300" advTm="6000">
         <p14:pan dir="u"/>
       </p:transition>
     </mc:Choice>
-    <mc:Fallback>
+    <mc:Fallback xmlns="">
       <p:transition spd="slow" advTm="6000">
         <p:fade/>
       </p:transition>

--- a/Presentation for IT.pptx
+++ b/Presentation for IT.pptx
@@ -29028,7 +29028,22 @@
               <a:rPr lang="cs-CZ" dirty="0"/>
               <a:t>Existuje hodně barevne modely . Tady jsou nejduležitejši. Ja vam budu prezentovat model RGB a RGBA , CMY a CMYK , HSV, CIE. </a:t>
             </a:r>
-            <a:endParaRPr lang="en-US" dirty="0"/>
+            <a:r>
+              <a:rPr lang="en-US" dirty="0" err="1"/>
+              <a:t>Rozdil</a:t>
+            </a:r>
+            <a:r>
+              <a:rPr lang="en-US" dirty="0"/>
+              <a:t> </a:t>
+            </a:r>
+            <a:r>
+              <a:rPr lang="en-US" dirty="0" err="1"/>
+              <a:t>mezi</a:t>
+            </a:r>
+            <a:r>
+              <a:rPr lang="en-US" dirty="0"/>
+              <a:t> RGB a CMY.</a:t>
+            </a:r>
           </a:p>
         </p:txBody>
       </p:sp>
@@ -29136,6 +29151,43 @@
               <a:rPr lang="cs-CZ" dirty="0"/>
               <a:t> Jeho hlavni učel je RGB modelu je určit barvy všech bodů v obraze při vykreslování obrazu. určeno jako množství červené, zelené a modré barvy. Je to mezi 0-255. tak , když je to 255 , tak to znamena že je to 8 bitovy. Takže RGB je 3 bytove. </a:t>
             </a:r>
+            <a:r>
+              <a:rPr lang="en-US" dirty="0"/>
+              <a:t> Nebo </a:t>
+            </a:r>
+            <a:r>
+              <a:rPr lang="en-US" dirty="0" err="1"/>
+              <a:t>takhle</a:t>
+            </a:r>
+            <a:r>
+              <a:rPr lang="en-US" dirty="0"/>
+              <a:t> </a:t>
+            </a:r>
+            <a:r>
+              <a:rPr lang="en-US" dirty="0" err="1"/>
+              <a:t>kazdy</a:t>
+            </a:r>
+            <a:r>
+              <a:rPr lang="en-US" dirty="0"/>
+              <a:t> </a:t>
+            </a:r>
+            <a:r>
+              <a:rPr lang="en-US" dirty="0" err="1"/>
+              <a:t>barva</a:t>
+            </a:r>
+            <a:r>
+              <a:rPr lang="en-US" dirty="0"/>
+              <a:t> ma 8 bit . 2^8 je to 256. </a:t>
+            </a:r>
+            <a:r>
+              <a:rPr lang="en-US" dirty="0" err="1"/>
+              <a:t>treba</a:t>
+            </a:r>
+            <a:r>
+              <a:rPr lang="en-US" dirty="0"/>
+              <a:t> R je 256 G taky a B taky. 256x256x256= 16,777,216 </a:t>
+            </a:r>
+            <a:endParaRPr lang="cs-CZ" dirty="0"/>
           </a:p>
         </p:txBody>
       </p:sp>
@@ -42428,12 +42480,12 @@
   </p:clrMapOvr>
   <mc:AlternateContent xmlns:mc="http://schemas.openxmlformats.org/markup-compatibility/2006">
     <mc:Choice xmlns:p14="http://schemas.microsoft.com/office/powerpoint/2010/main" Requires="p14">
-      <p:transition spd="slow" p14:dur="1300" advTm="40000">
+      <p:transition spd="slow" p14:dur="1300" advTm="60000">
         <p14:pan dir="u"/>
       </p:transition>
     </mc:Choice>
     <mc:Fallback>
-      <p:transition spd="slow" advTm="40000">
+      <p:transition spd="slow" advTm="60000">
         <p:fade/>
       </p:transition>
     </mc:Fallback>
@@ -43260,7 +43312,7 @@
         </p:spPr>
         <p:txBody>
           <a:bodyPr>
-            <a:normAutofit/>
+            <a:normAutofit fontScale="92500" lnSpcReduction="10000"/>
           </a:bodyPr>
           <a:lstStyle/>
           <a:p>
@@ -43677,6 +43729,161 @@
               </a:rPr>
               <a:t>https://en.wikipedia.org/wiki/CIE_1931_color_space</a:t>
             </a:r>
+            <a:endParaRPr lang="en-US" sz="1400" b="1" i="0" dirty="0">
+              <a:effectLst/>
+              <a:latin typeface="Open Sans" panose="020B0606030504020204" pitchFamily="34" charset="0"/>
+            </a:endParaRPr>
+          </a:p>
+          <a:p>
+            <a:r>
+              <a:rPr lang="en-US" sz="1600" b="1" i="0" dirty="0" err="1">
+                <a:solidFill>
+                  <a:srgbClr val="0F0F0F"/>
+                </a:solidFill>
+                <a:effectLst/>
+                <a:latin typeface="YouTube Sans"/>
+              </a:rPr>
+              <a:t>Dijital</a:t>
+            </a:r>
+            <a:r>
+              <a:rPr lang="en-US" sz="1600" b="1" i="0" dirty="0">
+                <a:solidFill>
+                  <a:srgbClr val="0F0F0F"/>
+                </a:solidFill>
+                <a:effectLst/>
+                <a:latin typeface="YouTube Sans"/>
+              </a:rPr>
+              <a:t> </a:t>
+            </a:r>
+            <a:r>
+              <a:rPr lang="en-US" sz="1600" b="1" i="0" dirty="0" err="1">
+                <a:solidFill>
+                  <a:srgbClr val="0F0F0F"/>
+                </a:solidFill>
+                <a:effectLst/>
+                <a:latin typeface="YouTube Sans"/>
+              </a:rPr>
+              <a:t>Grafiklere</a:t>
+            </a:r>
+            <a:r>
+              <a:rPr lang="en-US" sz="1600" b="1" i="0" dirty="0">
+                <a:solidFill>
+                  <a:srgbClr val="0F0F0F"/>
+                </a:solidFill>
+                <a:effectLst/>
+                <a:latin typeface="YouTube Sans"/>
+              </a:rPr>
+              <a:t> </a:t>
+            </a:r>
+            <a:r>
+              <a:rPr lang="en-US" sz="1600" b="1" i="0" dirty="0" err="1">
+                <a:solidFill>
+                  <a:srgbClr val="0F0F0F"/>
+                </a:solidFill>
+                <a:effectLst/>
+                <a:latin typeface="YouTube Sans"/>
+              </a:rPr>
+              <a:t>Giriş</a:t>
+            </a:r>
+            <a:r>
+              <a:rPr lang="en-US" sz="1600" b="1" i="0" dirty="0">
+                <a:solidFill>
+                  <a:srgbClr val="0F0F0F"/>
+                </a:solidFill>
+                <a:effectLst/>
+                <a:latin typeface="YouTube Sans"/>
+              </a:rPr>
+              <a:t> - </a:t>
+            </a:r>
+            <a:r>
+              <a:rPr lang="en-US" sz="1600" b="1" i="0" dirty="0">
+                <a:solidFill>
+                  <a:srgbClr val="0F0F0F"/>
+                </a:solidFill>
+                <a:effectLst/>
+                <a:latin typeface="YouTube Sans"/>
+                <a:hlinkClick r:id="rId10"/>
+              </a:rPr>
+              <a:t>https://youtu.be/-WdIRBZJdao</a:t>
+            </a:r>
+            <a:endParaRPr lang="en-US" sz="1600" b="1" i="0" dirty="0">
+              <a:solidFill>
+                <a:srgbClr val="0F0F0F"/>
+              </a:solidFill>
+              <a:effectLst/>
+              <a:latin typeface="YouTube Sans"/>
+            </a:endParaRPr>
+          </a:p>
+          <a:p>
+            <a:r>
+              <a:rPr lang="en-US" sz="1700" b="1" i="0" dirty="0" err="1">
+                <a:solidFill>
+                  <a:srgbClr val="0F0F0F"/>
+                </a:solidFill>
+                <a:effectLst/>
+                <a:latin typeface="YouTube Sans"/>
+              </a:rPr>
+              <a:t>Renk</a:t>
+            </a:r>
+            <a:r>
+              <a:rPr lang="en-US" sz="1700" b="1" i="0" dirty="0">
+                <a:solidFill>
+                  <a:srgbClr val="0F0F0F"/>
+                </a:solidFill>
+                <a:effectLst/>
+                <a:latin typeface="YouTube Sans"/>
+              </a:rPr>
+              <a:t> </a:t>
+            </a:r>
+            <a:r>
+              <a:rPr lang="en-US" sz="1700" b="1" i="0" dirty="0" err="1">
+                <a:solidFill>
+                  <a:srgbClr val="0F0F0F"/>
+                </a:solidFill>
+                <a:effectLst/>
+                <a:latin typeface="YouTube Sans"/>
+              </a:rPr>
+              <a:t>Uzayları</a:t>
+            </a:r>
+            <a:r>
+              <a:rPr lang="en-US" sz="1700" b="1" i="0" dirty="0">
+                <a:solidFill>
+                  <a:srgbClr val="0F0F0F"/>
+                </a:solidFill>
+                <a:effectLst/>
+                <a:latin typeface="YouTube Sans"/>
+              </a:rPr>
+              <a:t> (RGB,HSI,CMY) - </a:t>
+            </a:r>
+            <a:r>
+              <a:rPr lang="en-US" sz="1700" b="1" i="0" dirty="0">
+                <a:solidFill>
+                  <a:srgbClr val="0F0F0F"/>
+                </a:solidFill>
+                <a:effectLst/>
+                <a:latin typeface="YouTube Sans"/>
+                <a:hlinkClick r:id="rId11"/>
+              </a:rPr>
+              <a:t>https://youtu.be/0eYw8XTae7Q</a:t>
+            </a:r>
+            <a:endParaRPr lang="en-US" sz="1700" b="1" i="0" dirty="0">
+              <a:solidFill>
+                <a:srgbClr val="0F0F0F"/>
+              </a:solidFill>
+              <a:effectLst/>
+              <a:latin typeface="YouTube Sans"/>
+            </a:endParaRPr>
+          </a:p>
+          <a:p>
+            <a:endParaRPr lang="en-US" sz="1600" b="1" i="0" dirty="0">
+              <a:solidFill>
+                <a:srgbClr val="0F0F0F"/>
+              </a:solidFill>
+              <a:effectLst/>
+              <a:latin typeface="YouTube Sans"/>
+            </a:endParaRPr>
+          </a:p>
+          <a:p>
             <a:endParaRPr lang="en-US" sz="1400" b="1" i="0" dirty="0">
               <a:effectLst/>
               <a:latin typeface="Open Sans" panose="020B0606030504020204" pitchFamily="34" charset="0"/>
@@ -44638,12 +44845,12 @@
   </p:clrMapOvr>
   <mc:AlternateContent xmlns:mc="http://schemas.openxmlformats.org/markup-compatibility/2006">
     <mc:Choice xmlns:p14="http://schemas.microsoft.com/office/powerpoint/2010/main" Requires="p14">
-      <p:transition spd="slow" p14:dur="1300" advTm="25000">
+      <p:transition spd="slow" p14:dur="1300" advTm="30000">
         <p14:pan dir="u"/>
       </p:transition>
     </mc:Choice>
     <mc:Fallback>
-      <p:transition spd="slow" advTm="25000">
+      <p:transition spd="slow" advTm="30000">
         <p:fade/>
       </p:transition>
     </mc:Fallback>
@@ -45064,14 +45271,14 @@
   <p:clrMapOvr>
     <a:masterClrMapping/>
   </p:clrMapOvr>
-  <mc:AlternateContent xmlns:mc="http://schemas.openxmlformats.org/markup-compatibility/2006" xmlns:p14="http://schemas.microsoft.com/office/powerpoint/2010/main">
-    <mc:Choice Requires="p14">
-      <p:transition spd="slow" p14:dur="1300" advTm="36000">
+  <mc:AlternateContent xmlns:mc="http://schemas.openxmlformats.org/markup-compatibility/2006">
+    <mc:Choice xmlns:p14="http://schemas.microsoft.com/office/powerpoint/2010/main" Requires="p14">
+      <p:transition spd="slow" p14:dur="1300" advTm="45000">
         <p14:pan dir="u"/>
       </p:transition>
     </mc:Choice>
-    <mc:Fallback xmlns="">
-      <p:transition spd="slow" advTm="36000">
+    <mc:Fallback>
+      <p:transition spd="slow" advTm="45000">
         <p:fade/>
       </p:transition>
     </mc:Fallback>
@@ -45593,14 +45800,14 @@
   <p:clrMapOvr>
     <a:masterClrMapping/>
   </p:clrMapOvr>
-  <mc:AlternateContent xmlns:mc="http://schemas.openxmlformats.org/markup-compatibility/2006" xmlns:p14="http://schemas.microsoft.com/office/powerpoint/2010/main">
-    <mc:Choice Requires="p14">
-      <p:transition spd="slow" p14:dur="1300" advTm="50000">
+  <mc:AlternateContent xmlns:mc="http://schemas.openxmlformats.org/markup-compatibility/2006">
+    <mc:Choice xmlns:p14="http://schemas.microsoft.com/office/powerpoint/2010/main" Requires="p14">
+      <p:transition spd="slow" p14:dur="1300" advTm="70000">
         <p14:pan dir="u"/>
       </p:transition>
     </mc:Choice>
-    <mc:Fallback xmlns="">
-      <p:transition spd="slow" advTm="50000">
+    <mc:Fallback>
+      <p:transition spd="slow" advTm="70000">
         <p:fade/>
       </p:transition>
     </mc:Fallback>

--- a/Presentation for IT.pptx
+++ b/Presentation for IT.pptx
@@ -5,7 +5,7 @@
     <p:sldMasterId id="2147483648" r:id="rId1"/>
   </p:sldMasterIdLst>
   <p:notesMasterIdLst>
-    <p:notesMasterId r:id="rId23"/>
+    <p:notesMasterId r:id="rId24"/>
   </p:notesMasterIdLst>
   <p:sldIdLst>
     <p:sldId id="258" r:id="rId2"/>
@@ -13,22 +13,23 @@
     <p:sldId id="259" r:id="rId4"/>
     <p:sldId id="262" r:id="rId5"/>
     <p:sldId id="261" r:id="rId6"/>
-    <p:sldId id="277" r:id="rId7"/>
-    <p:sldId id="263" r:id="rId8"/>
-    <p:sldId id="264" r:id="rId9"/>
-    <p:sldId id="278" r:id="rId10"/>
-    <p:sldId id="265" r:id="rId11"/>
-    <p:sldId id="279" r:id="rId12"/>
-    <p:sldId id="267" r:id="rId13"/>
-    <p:sldId id="268" r:id="rId14"/>
-    <p:sldId id="269" r:id="rId15"/>
-    <p:sldId id="273" r:id="rId16"/>
-    <p:sldId id="274" r:id="rId17"/>
-    <p:sldId id="271" r:id="rId18"/>
-    <p:sldId id="270" r:id="rId19"/>
-    <p:sldId id="272" r:id="rId20"/>
-    <p:sldId id="275" r:id="rId21"/>
-    <p:sldId id="276" r:id="rId22"/>
+    <p:sldId id="280" r:id="rId7"/>
+    <p:sldId id="277" r:id="rId8"/>
+    <p:sldId id="263" r:id="rId9"/>
+    <p:sldId id="264" r:id="rId10"/>
+    <p:sldId id="278" r:id="rId11"/>
+    <p:sldId id="265" r:id="rId12"/>
+    <p:sldId id="279" r:id="rId13"/>
+    <p:sldId id="267" r:id="rId14"/>
+    <p:sldId id="268" r:id="rId15"/>
+    <p:sldId id="269" r:id="rId16"/>
+    <p:sldId id="273" r:id="rId17"/>
+    <p:sldId id="274" r:id="rId18"/>
+    <p:sldId id="271" r:id="rId19"/>
+    <p:sldId id="270" r:id="rId20"/>
+    <p:sldId id="272" r:id="rId21"/>
+    <p:sldId id="275" r:id="rId22"/>
+    <p:sldId id="276" r:id="rId23"/>
   </p:sldIdLst>
   <p:sldSz cx="12192000" cy="6858000"/>
   <p:notesSz cx="6858000" cy="9144000"/>
@@ -26187,7 +26188,7 @@
           <a:p>
             <a:fld id="{A327F149-D9FA-4932-BD99-DB4E84988BB6}" type="slidenum">
               <a:rPr lang="en-US" smtClean="0"/>
-              <a:t>10</a:t>
+              <a:t>11</a:t>
             </a:fld>
             <a:endParaRPr lang="en-US"/>
           </a:p>
@@ -26310,7 +26311,7 @@
           <a:p>
             <a:fld id="{A327F149-D9FA-4932-BD99-DB4E84988BB6}" type="slidenum">
               <a:rPr lang="en-US" smtClean="0"/>
-              <a:t>11</a:t>
+              <a:t>12</a:t>
             </a:fld>
             <a:endParaRPr lang="en-US"/>
           </a:p>
@@ -26665,7 +26666,7 @@
           <a:p>
             <a:fld id="{A327F149-D9FA-4932-BD99-DB4E84988BB6}" type="slidenum">
               <a:rPr lang="en-US" smtClean="0"/>
-              <a:t>12</a:t>
+              <a:t>13</a:t>
             </a:fld>
             <a:endParaRPr lang="en-US"/>
           </a:p>
@@ -26816,7 +26817,7 @@
           <a:p>
             <a:fld id="{A327F149-D9FA-4932-BD99-DB4E84988BB6}" type="slidenum">
               <a:rPr lang="en-US" smtClean="0"/>
-              <a:t>13</a:t>
+              <a:t>14</a:t>
             </a:fld>
             <a:endParaRPr lang="en-US"/>
           </a:p>
@@ -27263,7 +27264,7 @@
           <a:p>
             <a:fld id="{A327F149-D9FA-4932-BD99-DB4E84988BB6}" type="slidenum">
               <a:rPr lang="en-US" smtClean="0"/>
-              <a:t>14</a:t>
+              <a:t>15</a:t>
             </a:fld>
             <a:endParaRPr lang="en-US"/>
           </a:p>
@@ -27430,7 +27431,7 @@
           <a:p>
             <a:fld id="{A327F149-D9FA-4932-BD99-DB4E84988BB6}" type="slidenum">
               <a:rPr lang="en-US" smtClean="0"/>
-              <a:t>15</a:t>
+              <a:t>16</a:t>
             </a:fld>
             <a:endParaRPr lang="en-US"/>
           </a:p>
@@ -27824,7 +27825,7 @@
           <a:p>
             <a:fld id="{A327F149-D9FA-4932-BD99-DB4E84988BB6}" type="slidenum">
               <a:rPr lang="en-US" smtClean="0"/>
-              <a:t>16</a:t>
+              <a:t>17</a:t>
             </a:fld>
             <a:endParaRPr lang="en-US"/>
           </a:p>
@@ -27995,7 +27996,7 @@
           <a:p>
             <a:fld id="{A327F149-D9FA-4932-BD99-DB4E84988BB6}" type="slidenum">
               <a:rPr lang="en-US" smtClean="0"/>
-              <a:t>17</a:t>
+              <a:t>18</a:t>
             </a:fld>
             <a:endParaRPr lang="en-US"/>
           </a:p>
@@ -28270,7 +28271,7 @@
           <a:p>
             <a:fld id="{A327F149-D9FA-4932-BD99-DB4E84988BB6}" type="slidenum">
               <a:rPr lang="en-US" smtClean="0"/>
-              <a:t>18</a:t>
+              <a:t>19</a:t>
             </a:fld>
             <a:endParaRPr lang="en-US"/>
           </a:p>
@@ -28581,7 +28582,7 @@
           <a:p>
             <a:fld id="{A327F149-D9FA-4932-BD99-DB4E84988BB6}" type="slidenum">
               <a:rPr lang="en-US" smtClean="0"/>
-              <a:t>19</a:t>
+              <a:t>20</a:t>
             </a:fld>
             <a:endParaRPr lang="en-US"/>
           </a:p>
@@ -29470,7 +29471,7 @@
           <a:p>
             <a:fld id="{A327F149-D9FA-4932-BD99-DB4E84988BB6}" type="slidenum">
               <a:rPr lang="en-US" smtClean="0"/>
-              <a:t>6</a:t>
+              <a:t>7</a:t>
             </a:fld>
             <a:endParaRPr lang="en-US"/>
           </a:p>
@@ -29709,7 +29710,7 @@
           <a:p>
             <a:fld id="{A327F149-D9FA-4932-BD99-DB4E84988BB6}" type="slidenum">
               <a:rPr lang="en-US" smtClean="0"/>
-              <a:t>7</a:t>
+              <a:t>8</a:t>
             </a:fld>
             <a:endParaRPr lang="en-US"/>
           </a:p>
@@ -30044,7 +30045,7 @@
           <a:p>
             <a:fld id="{A327F149-D9FA-4932-BD99-DB4E84988BB6}" type="slidenum">
               <a:rPr lang="en-US" smtClean="0"/>
-              <a:t>8</a:t>
+              <a:t>9</a:t>
             </a:fld>
             <a:endParaRPr lang="en-US"/>
           </a:p>
@@ -30136,7 +30137,7 @@
           <a:p>
             <a:fld id="{A327F149-D9FA-4932-BD99-DB4E84988BB6}" type="slidenum">
               <a:rPr lang="en-US" smtClean="0"/>
-              <a:t>9</a:t>
+              <a:t>10</a:t>
             </a:fld>
             <a:endParaRPr lang="en-US"/>
           </a:p>
@@ -36107,6 +36108,332 @@
       </p:grpSpPr>
       <p:sp useBgFill="1">
         <p:nvSpPr>
+          <p:cNvPr id="10" name="Rectangle 9">
+            <a:extLst>
+              <a:ext uri="{FF2B5EF4-FFF2-40B4-BE49-F238E27FC236}">
+                <a16:creationId xmlns:a16="http://schemas.microsoft.com/office/drawing/2014/main" id="{9DBC8166-481C-4473-95F5-9A5B9073B7F1}"/>
+              </a:ext>
+              <a:ext uri="{C183D7F6-B498-43B3-948B-1728B52AA6E4}">
+                <adec:decorative xmlns:adec="http://schemas.microsoft.com/office/drawing/2017/decorative" val="1"/>
+              </a:ext>
+            </a:extLst>
+          </p:cNvPr>
+          <p:cNvSpPr>
+            <a:spLocks noGrp="1" noRot="1" noChangeAspect="1" noMove="1" noResize="1" noEditPoints="1" noAdjustHandles="1" noChangeArrowheads="1" noChangeShapeType="1" noTextEdit="1"/>
+          </p:cNvSpPr>
+          <p:nvPr>
+            <p:extLst>
+              <p:ext uri="{386F3935-93C4-4BCD-93E2-E3B085C9AB24}">
+                <p16:designElem xmlns:p16="http://schemas.microsoft.com/office/powerpoint/2015/main" val="1"/>
+              </p:ext>
+            </p:extLst>
+          </p:nvPr>
+        </p:nvSpPr>
+        <p:spPr>
+          <a:xfrm>
+            <a:off x="0" y="0"/>
+            <a:ext cx="12188952" cy="6858000"/>
+          </a:xfrm>
+          <a:prstGeom prst="rect">
+            <a:avLst/>
+          </a:prstGeom>
+          <a:ln>
+            <a:noFill/>
+          </a:ln>
+        </p:spPr>
+        <p:style>
+          <a:lnRef idx="2">
+            <a:schemeClr val="accent1">
+              <a:shade val="50000"/>
+            </a:schemeClr>
+          </a:lnRef>
+          <a:fillRef idx="1">
+            <a:schemeClr val="accent1"/>
+          </a:fillRef>
+          <a:effectRef idx="0">
+            <a:schemeClr val="accent1"/>
+          </a:effectRef>
+          <a:fontRef idx="minor">
+            <a:schemeClr val="lt1"/>
+          </a:fontRef>
+        </p:style>
+        <p:txBody>
+          <a:bodyPr rtlCol="0" anchor="ctr"/>
+          <a:lstStyle/>
+          <a:p>
+            <a:pPr algn="ctr"/>
+            <a:endParaRPr lang="en-US"/>
+          </a:p>
+        </p:txBody>
+      </p:sp>
+      <p:sp>
+        <p:nvSpPr>
+          <p:cNvPr id="12" name="Freeform: Shape 11">
+            <a:extLst>
+              <a:ext uri="{FF2B5EF4-FFF2-40B4-BE49-F238E27FC236}">
+                <a16:creationId xmlns:a16="http://schemas.microsoft.com/office/drawing/2014/main" id="{A5A5CE6E-90AF-4D43-A014-1F9EC83EB93D}"/>
+              </a:ext>
+              <a:ext uri="{C183D7F6-B498-43B3-948B-1728B52AA6E4}">
+                <adec:decorative xmlns:adec="http://schemas.microsoft.com/office/drawing/2017/decorative" val="1"/>
+              </a:ext>
+            </a:extLst>
+          </p:cNvPr>
+          <p:cNvSpPr>
+            <a:spLocks noGrp="1" noRot="1" noChangeAspect="1" noMove="1" noResize="1" noEditPoints="1" noAdjustHandles="1" noChangeArrowheads="1" noChangeShapeType="1" noTextEdit="1"/>
+          </p:cNvSpPr>
+          <p:nvPr>
+            <p:extLst>
+              <p:ext uri="{386F3935-93C4-4BCD-93E2-E3B085C9AB24}">
+                <p16:designElem xmlns:p16="http://schemas.microsoft.com/office/powerpoint/2015/main" val="1"/>
+              </p:ext>
+            </p:extLst>
+          </p:nvPr>
+        </p:nvSpPr>
+        <p:spPr>
+          <a:xfrm>
+            <a:off x="0" y="1"/>
+            <a:ext cx="4512467" cy="6858000"/>
+          </a:xfrm>
+          <a:custGeom>
+            <a:avLst/>
+            <a:gdLst>
+              <a:gd name="connsiteX0" fmla="*/ 0 w 4512467"/>
+              <a:gd name="connsiteY0" fmla="*/ 0 h 6858000"/>
+              <a:gd name="connsiteX1" fmla="*/ 2579526 w 4512467"/>
+              <a:gd name="connsiteY1" fmla="*/ 0 h 6858000"/>
+              <a:gd name="connsiteX2" fmla="*/ 2583267 w 4512467"/>
+              <a:gd name="connsiteY2" fmla="*/ 2151 h 6858000"/>
+              <a:gd name="connsiteX3" fmla="*/ 4512467 w 4512467"/>
+              <a:gd name="connsiteY3" fmla="*/ 3429000 h 6858000"/>
+              <a:gd name="connsiteX4" fmla="*/ 2583267 w 4512467"/>
+              <a:gd name="connsiteY4" fmla="*/ 6855849 h 6858000"/>
+              <a:gd name="connsiteX5" fmla="*/ 2579526 w 4512467"/>
+              <a:gd name="connsiteY5" fmla="*/ 6858000 h 6858000"/>
+              <a:gd name="connsiteX6" fmla="*/ 0 w 4512467"/>
+              <a:gd name="connsiteY6" fmla="*/ 6858000 h 6858000"/>
+            </a:gdLst>
+            <a:ahLst/>
+            <a:cxnLst>
+              <a:cxn ang="0">
+                <a:pos x="connsiteX0" y="connsiteY0"/>
+              </a:cxn>
+              <a:cxn ang="0">
+                <a:pos x="connsiteX1" y="connsiteY1"/>
+              </a:cxn>
+              <a:cxn ang="0">
+                <a:pos x="connsiteX2" y="connsiteY2"/>
+              </a:cxn>
+              <a:cxn ang="0">
+                <a:pos x="connsiteX3" y="connsiteY3"/>
+              </a:cxn>
+              <a:cxn ang="0">
+                <a:pos x="connsiteX4" y="connsiteY4"/>
+              </a:cxn>
+              <a:cxn ang="0">
+                <a:pos x="connsiteX5" y="connsiteY5"/>
+              </a:cxn>
+              <a:cxn ang="0">
+                <a:pos x="connsiteX6" y="connsiteY6"/>
+              </a:cxn>
+            </a:cxnLst>
+            <a:rect l="l" t="t" r="r" b="b"/>
+            <a:pathLst>
+              <a:path w="4512467" h="6858000">
+                <a:moveTo>
+                  <a:pt x="0" y="0"/>
+                </a:moveTo>
+                <a:lnTo>
+                  <a:pt x="2579526" y="0"/>
+                </a:lnTo>
+                <a:lnTo>
+                  <a:pt x="2583267" y="2151"/>
+                </a:lnTo>
+                <a:cubicBezTo>
+                  <a:pt x="3739868" y="704919"/>
+                  <a:pt x="4512467" y="1976735"/>
+                  <a:pt x="4512467" y="3429000"/>
+                </a:cubicBezTo>
+                <a:cubicBezTo>
+                  <a:pt x="4512467" y="4881266"/>
+                  <a:pt x="3739868" y="6153081"/>
+                  <a:pt x="2583267" y="6855849"/>
+                </a:cubicBezTo>
+                <a:lnTo>
+                  <a:pt x="2579526" y="6858000"/>
+                </a:lnTo>
+                <a:lnTo>
+                  <a:pt x="0" y="6858000"/>
+                </a:lnTo>
+                <a:close/>
+              </a:path>
+            </a:pathLst>
+          </a:custGeom>
+          <a:solidFill>
+            <a:schemeClr val="accent2"/>
+          </a:solidFill>
+          <a:ln>
+            <a:noFill/>
+          </a:ln>
+        </p:spPr>
+        <p:style>
+          <a:lnRef idx="2">
+            <a:schemeClr val="accent1">
+              <a:shade val="50000"/>
+            </a:schemeClr>
+          </a:lnRef>
+          <a:fillRef idx="1">
+            <a:schemeClr val="accent1"/>
+          </a:fillRef>
+          <a:effectRef idx="0">
+            <a:schemeClr val="accent1"/>
+          </a:effectRef>
+          <a:fontRef idx="minor">
+            <a:schemeClr val="lt1"/>
+          </a:fontRef>
+        </p:style>
+        <p:txBody>
+          <a:bodyPr wrap="square" rtlCol="0" anchor="ctr">
+            <a:noAutofit/>
+          </a:bodyPr>
+          <a:lstStyle/>
+          <a:p>
+            <a:pPr algn="ctr"/>
+            <a:endParaRPr lang="en-US">
+              <a:solidFill>
+                <a:schemeClr val="bg1"/>
+              </a:solidFill>
+            </a:endParaRPr>
+          </a:p>
+        </p:txBody>
+      </p:sp>
+      <p:sp>
+        <p:nvSpPr>
+          <p:cNvPr id="2" name="Nadpis 1">
+            <a:extLst>
+              <a:ext uri="{FF2B5EF4-FFF2-40B4-BE49-F238E27FC236}">
+                <a16:creationId xmlns:a16="http://schemas.microsoft.com/office/drawing/2014/main" id="{412AE075-7AB0-59FD-4256-A18812485C9F}"/>
+              </a:ext>
+            </a:extLst>
+          </p:cNvPr>
+          <p:cNvSpPr>
+            <a:spLocks noGrp="1"/>
+          </p:cNvSpPr>
+          <p:nvPr>
+            <p:ph type="title"/>
+          </p:nvPr>
+        </p:nvSpPr>
+        <p:spPr>
+          <a:xfrm>
+            <a:off x="838200" y="643467"/>
+            <a:ext cx="2951205" cy="5571066"/>
+          </a:xfrm>
+        </p:spPr>
+        <p:txBody>
+          <a:bodyPr>
+            <a:normAutofit/>
+          </a:bodyPr>
+          <a:lstStyle/>
+          <a:p>
+            <a:r>
+              <a:rPr lang="en-US" b="1">
+                <a:solidFill>
+                  <a:srgbClr val="FFFFFF"/>
+                </a:solidFill>
+                <a:ea typeface="Meiryo"/>
+              </a:rPr>
+              <a:t>HSV </a:t>
+            </a:r>
+            <a:endParaRPr lang="cs-CZ" b="1">
+              <a:solidFill>
+                <a:srgbClr val="FFFFFF"/>
+              </a:solidFill>
+            </a:endParaRPr>
+          </a:p>
+        </p:txBody>
+      </p:sp>
+      <p:graphicFrame>
+        <p:nvGraphicFramePr>
+          <p:cNvPr id="5" name="Podnadpis 2">
+            <a:extLst>
+              <a:ext uri="{FF2B5EF4-FFF2-40B4-BE49-F238E27FC236}">
+                <a16:creationId xmlns:a16="http://schemas.microsoft.com/office/drawing/2014/main" id="{B482F2D5-9816-B569-07F8-AD1F917D640C}"/>
+              </a:ext>
+            </a:extLst>
+          </p:cNvPr>
+          <p:cNvGraphicFramePr>
+            <a:graphicFrameLocks noGrp="1"/>
+          </p:cNvGraphicFramePr>
+          <p:nvPr>
+            <p:ph idx="1"/>
+            <p:extLst>
+              <p:ext uri="{D42A27DB-BD31-4B8C-83A1-F6EECF244321}">
+                <p14:modId xmlns:p14="http://schemas.microsoft.com/office/powerpoint/2010/main" val="3970010089"/>
+              </p:ext>
+            </p:extLst>
+          </p:nvPr>
+        </p:nvGraphicFramePr>
+        <p:xfrm>
+          <a:off x="5207640" y="643466"/>
+          <a:ext cx="6291714" cy="5530735"/>
+        </p:xfrm>
+        <a:graphic>
+          <a:graphicData uri="http://schemas.openxmlformats.org/drawingml/2006/diagram">
+            <dgm:relIds xmlns:dgm="http://schemas.openxmlformats.org/drawingml/2006/diagram" xmlns:r="http://schemas.openxmlformats.org/officeDocument/2006/relationships" r:dm="rId3" r:lo="rId4" r:qs="rId5" r:cs="rId6"/>
+          </a:graphicData>
+        </a:graphic>
+      </p:graphicFrame>
+    </p:spTree>
+    <p:extLst>
+      <p:ext uri="{BB962C8B-B14F-4D97-AF65-F5344CB8AC3E}">
+        <p14:creationId xmlns:p14="http://schemas.microsoft.com/office/powerpoint/2010/main" val="3325235423"/>
+      </p:ext>
+    </p:extLst>
+  </p:cSld>
+  <p:clrMapOvr>
+    <a:masterClrMapping/>
+  </p:clrMapOvr>
+  <mc:AlternateContent xmlns:mc="http://schemas.openxmlformats.org/markup-compatibility/2006" xmlns:p14="http://schemas.microsoft.com/office/powerpoint/2010/main">
+    <mc:Choice Requires="p14">
+      <p:transition spd="slow" p14:dur="1300" advTm="6000">
+        <p14:pan dir="u"/>
+      </p:transition>
+    </mc:Choice>
+    <mc:Fallback xmlns="">
+      <p:transition spd="slow" advTm="6000">
+        <p:fade/>
+      </p:transition>
+    </mc:Fallback>
+  </mc:AlternateContent>
+</p:sld>
+</file>
+
+<file path=ppt/slides/slide11.xml><?xml version="1.0" encoding="utf-8"?>
+<p:sld xmlns:a="http://schemas.openxmlformats.org/drawingml/2006/main" xmlns:r="http://schemas.openxmlformats.org/officeDocument/2006/relationships" xmlns:p="http://schemas.openxmlformats.org/presentationml/2006/main">
+  <p:cSld>
+    <p:bg>
+      <p:bgPr>
+        <a:solidFill>
+          <a:schemeClr val="bg1"/>
+        </a:solidFill>
+        <a:effectLst/>
+      </p:bgPr>
+    </p:bg>
+    <p:spTree>
+      <p:nvGrpSpPr>
+        <p:cNvPr id="1" name=""/>
+        <p:cNvGrpSpPr/>
+        <p:nvPr/>
+      </p:nvGrpSpPr>
+      <p:grpSpPr>
+        <a:xfrm>
+          <a:off x="0" y="0"/>
+          <a:ext cx="0" cy="0"/>
+          <a:chOff x="0" y="0"/>
+          <a:chExt cx="0" cy="0"/>
+        </a:xfrm>
+      </p:grpSpPr>
+      <p:sp useBgFill="1">
+        <p:nvSpPr>
           <p:cNvPr id="11" name="Rectangle 10">
             <a:extLst>
               <a:ext uri="{FF2B5EF4-FFF2-40B4-BE49-F238E27FC236}">
@@ -36684,7 +37011,7 @@
 </p:sld>
 </file>
 
-<file path=ppt/slides/slide11.xml><?xml version="1.0" encoding="utf-8"?>
+<file path=ppt/slides/slide12.xml><?xml version="1.0" encoding="utf-8"?>
 <p:sld xmlns:a="http://schemas.openxmlformats.org/drawingml/2006/main" xmlns:r="http://schemas.openxmlformats.org/officeDocument/2006/relationships" xmlns:p="http://schemas.openxmlformats.org/presentationml/2006/main">
   <p:cSld>
     <p:bg>
@@ -37009,7 +37336,7 @@
 </p:sld>
 </file>
 
-<file path=ppt/slides/slide12.xml><?xml version="1.0" encoding="utf-8"?>
+<file path=ppt/slides/slide13.xml><?xml version="1.0" encoding="utf-8"?>
 <p:sld xmlns:a="http://schemas.openxmlformats.org/drawingml/2006/main" xmlns:r="http://schemas.openxmlformats.org/officeDocument/2006/relationships" xmlns:p="http://schemas.openxmlformats.org/presentationml/2006/main">
   <p:cSld>
     <p:bg>
@@ -37755,7 +38082,7 @@
 </p:sld>
 </file>
 
-<file path=ppt/slides/slide13.xml><?xml version="1.0" encoding="utf-8"?>
+<file path=ppt/slides/slide14.xml><?xml version="1.0" encoding="utf-8"?>
 <p:sld xmlns:a="http://schemas.openxmlformats.org/drawingml/2006/main" xmlns:r="http://schemas.openxmlformats.org/officeDocument/2006/relationships" xmlns:p="http://schemas.openxmlformats.org/presentationml/2006/main">
   <p:cSld>
     <p:bg>
@@ -38475,7 +38802,7 @@
 </p:sld>
 </file>
 
-<file path=ppt/slides/slide14.xml><?xml version="1.0" encoding="utf-8"?>
+<file path=ppt/slides/slide15.xml><?xml version="1.0" encoding="utf-8"?>
 <p:sld xmlns:a="http://schemas.openxmlformats.org/drawingml/2006/main" xmlns:r="http://schemas.openxmlformats.org/officeDocument/2006/relationships" xmlns:p="http://schemas.openxmlformats.org/presentationml/2006/main">
   <p:cSld>
     <p:bg>
@@ -39312,7 +39639,7 @@
 </p:sld>
 </file>
 
-<file path=ppt/slides/slide15.xml><?xml version="1.0" encoding="utf-8"?>
+<file path=ppt/slides/slide16.xml><?xml version="1.0" encoding="utf-8"?>
 <p:sld xmlns:a="http://schemas.openxmlformats.org/drawingml/2006/main" xmlns:r="http://schemas.openxmlformats.org/officeDocument/2006/relationships" xmlns:p="http://schemas.openxmlformats.org/presentationml/2006/main">
   <p:cSld>
     <p:bg>
@@ -39742,7 +40069,7 @@
 </p:sld>
 </file>
 
-<file path=ppt/slides/slide16.xml><?xml version="1.0" encoding="utf-8"?>
+<file path=ppt/slides/slide17.xml><?xml version="1.0" encoding="utf-8"?>
 <p:sld xmlns:a="http://schemas.openxmlformats.org/drawingml/2006/main" xmlns:r="http://schemas.openxmlformats.org/officeDocument/2006/relationships" xmlns:p="http://schemas.openxmlformats.org/presentationml/2006/main">
   <p:cSld>
     <p:spTree>
@@ -40110,7 +40437,7 @@
 </p:sld>
 </file>
 
-<file path=ppt/slides/slide17.xml><?xml version="1.0" encoding="utf-8"?>
+<file path=ppt/slides/slide18.xml><?xml version="1.0" encoding="utf-8"?>
 <p:sld xmlns:a="http://schemas.openxmlformats.org/drawingml/2006/main" xmlns:r="http://schemas.openxmlformats.org/officeDocument/2006/relationships" xmlns:p="http://schemas.openxmlformats.org/presentationml/2006/main">
   <p:cSld>
     <p:bg>
@@ -40857,7 +41184,7 @@
 </p:sld>
 </file>
 
-<file path=ppt/slides/slide18.xml><?xml version="1.0" encoding="utf-8"?>
+<file path=ppt/slides/slide19.xml><?xml version="1.0" encoding="utf-8"?>
 <p:sld xmlns:a="http://schemas.openxmlformats.org/drawingml/2006/main" xmlns:r="http://schemas.openxmlformats.org/officeDocument/2006/relationships" xmlns:p="http://schemas.openxmlformats.org/presentationml/2006/main">
   <p:cSld>
     <p:bg>
@@ -41295,7 +41622,406 @@
 </p:sld>
 </file>
 
-<file path=ppt/slides/slide19.xml><?xml version="1.0" encoding="utf-8"?>
+<file path=ppt/slides/slide2.xml><?xml version="1.0" encoding="utf-8"?>
+<p:sld xmlns:a="http://schemas.openxmlformats.org/drawingml/2006/main" xmlns:r="http://schemas.openxmlformats.org/officeDocument/2006/relationships" xmlns:p="http://schemas.openxmlformats.org/presentationml/2006/main">
+  <p:cSld>
+    <p:bg>
+      <p:bgPr>
+        <a:solidFill>
+          <a:schemeClr val="bg1">
+            <a:tint val="95000"/>
+            <a:satMod val="170000"/>
+          </a:schemeClr>
+        </a:solidFill>
+        <a:effectLst/>
+      </p:bgPr>
+    </p:bg>
+    <p:spTree>
+      <p:nvGrpSpPr>
+        <p:cNvPr id="1" name=""/>
+        <p:cNvGrpSpPr/>
+        <p:nvPr/>
+      </p:nvGrpSpPr>
+      <p:grpSpPr>
+        <a:xfrm>
+          <a:off x="0" y="0"/>
+          <a:ext cx="0" cy="0"/>
+          <a:chOff x="0" y="0"/>
+          <a:chExt cx="0" cy="0"/>
+        </a:xfrm>
+      </p:grpSpPr>
+      <p:sp useBgFill="1">
+        <p:nvSpPr>
+          <p:cNvPr id="20" name="Rectangle 19">
+            <a:extLst>
+              <a:ext uri="{FF2B5EF4-FFF2-40B4-BE49-F238E27FC236}">
+                <a16:creationId xmlns:a16="http://schemas.microsoft.com/office/drawing/2014/main" id="{9B76D444-2756-434F-AE61-96D69830C13E}"/>
+              </a:ext>
+              <a:ext uri="{C183D7F6-B498-43B3-948B-1728B52AA6E4}">
+                <adec:decorative xmlns:adec="http://schemas.microsoft.com/office/drawing/2017/decorative" val="1"/>
+              </a:ext>
+            </a:extLst>
+          </p:cNvPr>
+          <p:cNvSpPr>
+            <a:spLocks noGrp="1" noRot="1" noChangeAspect="1" noMove="1" noResize="1" noEditPoints="1" noAdjustHandles="1" noChangeArrowheads="1" noChangeShapeType="1" noTextEdit="1"/>
+          </p:cNvSpPr>
+          <p:nvPr>
+            <p:extLst>
+              <p:ext uri="{386F3935-93C4-4BCD-93E2-E3B085C9AB24}">
+                <p16:designElem xmlns:p16="http://schemas.microsoft.com/office/powerpoint/2015/main" val="1"/>
+              </p:ext>
+            </p:extLst>
+          </p:nvPr>
+        </p:nvSpPr>
+        <p:spPr>
+          <a:xfrm>
+            <a:off x="0" y="0"/>
+            <a:ext cx="12188952" cy="6858000"/>
+          </a:xfrm>
+          <a:prstGeom prst="rect">
+            <a:avLst/>
+          </a:prstGeom>
+          <a:ln>
+            <a:noFill/>
+          </a:ln>
+        </p:spPr>
+        <p:style>
+          <a:lnRef idx="2">
+            <a:schemeClr val="accent1">
+              <a:shade val="50000"/>
+            </a:schemeClr>
+          </a:lnRef>
+          <a:fillRef idx="1">
+            <a:schemeClr val="accent1"/>
+          </a:fillRef>
+          <a:effectRef idx="0">
+            <a:schemeClr val="accent1"/>
+          </a:effectRef>
+          <a:fontRef idx="minor">
+            <a:schemeClr val="lt1"/>
+          </a:fontRef>
+        </p:style>
+        <p:txBody>
+          <a:bodyPr rtlCol="0" anchor="ctr"/>
+          <a:lstStyle/>
+          <a:p>
+            <a:pPr algn="ctr"/>
+            <a:endParaRPr lang="en-US"/>
+          </a:p>
+        </p:txBody>
+      </p:sp>
+      <p:pic>
+        <p:nvPicPr>
+          <p:cNvPr id="5" name="Obrázek 5">
+            <a:extLst>
+              <a:ext uri="{FF2B5EF4-FFF2-40B4-BE49-F238E27FC236}">
+                <a16:creationId xmlns:a16="http://schemas.microsoft.com/office/drawing/2014/main" id="{C0D8E858-21D7-C261-3574-3835ED4007E1}"/>
+              </a:ext>
+            </a:extLst>
+          </p:cNvPr>
+          <p:cNvPicPr>
+            <a:picLocks noChangeAspect="1"/>
+          </p:cNvPicPr>
+          <p:nvPr/>
+        </p:nvPicPr>
+        <p:blipFill rotWithShape="1">
+          <a:blip r:embed="rId3"/>
+          <a:srcRect t="10273" r="-1" b="11278"/>
+          <a:stretch/>
+        </p:blipFill>
+        <p:spPr>
+          <a:xfrm>
+            <a:off x="320040" y="320040"/>
+            <a:ext cx="11548872" cy="4303462"/>
+          </a:xfrm>
+          <a:prstGeom prst="rect">
+            <a:avLst/>
+          </a:prstGeom>
+        </p:spPr>
+      </p:pic>
+      <p:sp>
+        <p:nvSpPr>
+          <p:cNvPr id="22" name="Rectangle 21">
+            <a:extLst>
+              <a:ext uri="{FF2B5EF4-FFF2-40B4-BE49-F238E27FC236}">
+                <a16:creationId xmlns:a16="http://schemas.microsoft.com/office/drawing/2014/main" id="{A27B6159-7734-4564-9E0F-C4BC43C36E52}"/>
+              </a:ext>
+              <a:ext uri="{C183D7F6-B498-43B3-948B-1728B52AA6E4}">
+                <adec:decorative xmlns:adec="http://schemas.microsoft.com/office/drawing/2017/decorative" val="1"/>
+              </a:ext>
+            </a:extLst>
+          </p:cNvPr>
+          <p:cNvSpPr>
+            <a:spLocks noGrp="1" noRot="1" noChangeAspect="1" noMove="1" noResize="1" noEditPoints="1" noAdjustHandles="1" noChangeArrowheads="1" noChangeShapeType="1" noTextEdit="1"/>
+          </p:cNvSpPr>
+          <p:nvPr>
+            <p:extLst>
+              <p:ext uri="{386F3935-93C4-4BCD-93E2-E3B085C9AB24}">
+                <p16:designElem xmlns:p16="http://schemas.microsoft.com/office/powerpoint/2015/main" val="1"/>
+              </p:ext>
+            </p:extLst>
+          </p:nvPr>
+        </p:nvSpPr>
+        <p:spPr bwMode="ltGray">
+          <a:xfrm>
+            <a:off x="321564" y="4782312"/>
+            <a:ext cx="11548872" cy="1755648"/>
+          </a:xfrm>
+          <a:prstGeom prst="rect">
+            <a:avLst/>
+          </a:prstGeom>
+          <a:solidFill>
+            <a:schemeClr val="tx1">
+              <a:alpha val="93000"/>
+            </a:schemeClr>
+          </a:solidFill>
+          <a:ln w="127000" cap="sq" cmpd="thinThick">
+            <a:noFill/>
+          </a:ln>
+        </p:spPr>
+        <p:style>
+          <a:lnRef idx="2">
+            <a:schemeClr val="accent1">
+              <a:shade val="50000"/>
+            </a:schemeClr>
+          </a:lnRef>
+          <a:fillRef idx="1">
+            <a:schemeClr val="accent1"/>
+          </a:fillRef>
+          <a:effectRef idx="0">
+            <a:schemeClr val="accent1"/>
+          </a:effectRef>
+          <a:fontRef idx="minor">
+            <a:schemeClr val="lt1"/>
+          </a:fontRef>
+        </p:style>
+        <p:txBody>
+          <a:bodyPr rtlCol="0" anchor="ctr"/>
+          <a:lstStyle/>
+          <a:p>
+            <a:pPr marL="0" marR="0" lvl="0" indent="0" algn="ctr" defTabSz="914400" rtl="0" eaLnBrk="1" fontAlgn="auto" latinLnBrk="0" hangingPunct="1">
+              <a:lnSpc>
+                <a:spcPct val="100000"/>
+              </a:lnSpc>
+              <a:spcBef>
+                <a:spcPts val="0"/>
+              </a:spcBef>
+              <a:spcAft>
+                <a:spcPts val="0"/>
+              </a:spcAft>
+              <a:buClrTx/>
+              <a:buSzTx/>
+              <a:buFontTx/>
+              <a:buNone/>
+              <a:tabLst/>
+              <a:defRPr/>
+            </a:pPr>
+            <a:endParaRPr kumimoji="0" lang="en-US" sz="1800" b="0" i="0" u="none" strike="noStrike" kern="1200" cap="none" spc="0" normalizeH="0" baseline="0" noProof="0">
+              <a:ln>
+                <a:noFill/>
+              </a:ln>
+              <a:solidFill>
+                <a:prstClr val="white"/>
+              </a:solidFill>
+              <a:effectLst/>
+              <a:uLnTx/>
+              <a:uFillTx/>
+              <a:latin typeface="Calibri" panose="020F0502020204030204"/>
+              <a:ea typeface="+mn-ea"/>
+              <a:cs typeface="+mn-cs"/>
+            </a:endParaRPr>
+          </a:p>
+        </p:txBody>
+      </p:sp>
+      <p:sp>
+        <p:nvSpPr>
+          <p:cNvPr id="2" name="Nadpis 1">
+            <a:extLst>
+              <a:ext uri="{FF2B5EF4-FFF2-40B4-BE49-F238E27FC236}">
+                <a16:creationId xmlns:a16="http://schemas.microsoft.com/office/drawing/2014/main" id="{285AFB01-7B30-93C6-4619-F1E08F367EDB}"/>
+              </a:ext>
+            </a:extLst>
+          </p:cNvPr>
+          <p:cNvSpPr>
+            <a:spLocks noGrp="1"/>
+          </p:cNvSpPr>
+          <p:nvPr>
+            <p:ph type="title"/>
+          </p:nvPr>
+        </p:nvSpPr>
+        <p:spPr>
+          <a:xfrm>
+            <a:off x="841248" y="5009083"/>
+            <a:ext cx="2889504" cy="1345997"/>
+          </a:xfrm>
+        </p:spPr>
+        <p:txBody>
+          <a:bodyPr anchor="ctr">
+            <a:normAutofit/>
+          </a:bodyPr>
+          <a:lstStyle/>
+          <a:p>
+            <a:r>
+              <a:rPr lang="cs-CZ" sz="2600" b="1" dirty="0">
+                <a:solidFill>
+                  <a:schemeClr val="bg1"/>
+                </a:solidFill>
+                <a:ea typeface="Meiryo"/>
+              </a:rPr>
+              <a:t>Co je </a:t>
+            </a:r>
+            <a:r>
+              <a:rPr lang="cs-CZ" sz="2600" b="1" dirty="0">
+                <a:solidFill>
+                  <a:schemeClr val="bg1"/>
+                </a:solidFill>
+                <a:ea typeface="+mj-lt"/>
+                <a:cs typeface="+mj-lt"/>
+              </a:rPr>
+              <a:t>Barevná hloubka?</a:t>
+            </a:r>
+            <a:endParaRPr lang="cs-CZ" sz="2600" b="1" dirty="0">
+              <a:solidFill>
+                <a:schemeClr val="bg1"/>
+              </a:solidFill>
+              <a:ea typeface="Meiryo"/>
+            </a:endParaRPr>
+          </a:p>
+        </p:txBody>
+      </p:sp>
+      <p:cxnSp>
+        <p:nvCxnSpPr>
+          <p:cNvPr id="24" name="Straight Connector 23">
+            <a:extLst>
+              <a:ext uri="{FF2B5EF4-FFF2-40B4-BE49-F238E27FC236}">
+                <a16:creationId xmlns:a16="http://schemas.microsoft.com/office/drawing/2014/main" id="{E2FFB46B-05BC-4950-B18A-9593FDAE6ED7}"/>
+              </a:ext>
+              <a:ext uri="{C183D7F6-B498-43B3-948B-1728B52AA6E4}">
+                <adec:decorative xmlns:adec="http://schemas.microsoft.com/office/drawing/2017/decorative" val="1"/>
+              </a:ext>
+            </a:extLst>
+          </p:cNvPr>
+          <p:cNvCxnSpPr>
+            <a:cxnSpLocks noGrp="1" noRot="1" noChangeAspect="1" noMove="1" noResize="1" noEditPoints="1" noAdjustHandles="1" noChangeArrowheads="1" noChangeShapeType="1"/>
+          </p:cNvCxnSpPr>
+          <p:nvPr>
+            <p:extLst>
+              <p:ext uri="{386F3935-93C4-4BCD-93E2-E3B085C9AB24}">
+                <p16:designElem xmlns:p16="http://schemas.microsoft.com/office/powerpoint/2015/main" val="1"/>
+              </p:ext>
+            </p:extLst>
+          </p:nvPr>
+        </p:nvCxnSpPr>
+        <p:spPr>
+          <a:xfrm flipV="1">
+            <a:off x="4059936" y="5237979"/>
+            <a:ext cx="0" cy="914400"/>
+          </a:xfrm>
+          <a:prstGeom prst="line">
+            <a:avLst/>
+          </a:prstGeom>
+          <a:ln w="19050">
+            <a:solidFill>
+              <a:schemeClr val="bg1">
+                <a:alpha val="80000"/>
+              </a:schemeClr>
+            </a:solidFill>
+          </a:ln>
+        </p:spPr>
+        <p:style>
+          <a:lnRef idx="1">
+            <a:schemeClr val="accent1"/>
+          </a:lnRef>
+          <a:fillRef idx="0">
+            <a:schemeClr val="accent1"/>
+          </a:fillRef>
+          <a:effectRef idx="0">
+            <a:schemeClr val="accent1"/>
+          </a:effectRef>
+          <a:fontRef idx="minor">
+            <a:schemeClr val="tx1"/>
+          </a:fontRef>
+        </p:style>
+      </p:cxnSp>
+      <p:sp>
+        <p:nvSpPr>
+          <p:cNvPr id="3" name="Zástupný obsah 2">
+            <a:extLst>
+              <a:ext uri="{FF2B5EF4-FFF2-40B4-BE49-F238E27FC236}">
+                <a16:creationId xmlns:a16="http://schemas.microsoft.com/office/drawing/2014/main" id="{369FAB80-7698-4C7F-E90A-50BD23FF639A}"/>
+              </a:ext>
+            </a:extLst>
+          </p:cNvPr>
+          <p:cNvSpPr>
+            <a:spLocks noGrp="1"/>
+          </p:cNvSpPr>
+          <p:nvPr>
+            <p:ph idx="1"/>
+          </p:nvPr>
+        </p:nvSpPr>
+        <p:spPr>
+          <a:xfrm>
+            <a:off x="4379976" y="5009083"/>
+            <a:ext cx="6976872" cy="1345997"/>
+          </a:xfrm>
+        </p:spPr>
+        <p:txBody>
+          <a:bodyPr vert="horz" lIns="109728" tIns="109728" rIns="109728" bIns="91440" rtlCol="0" anchor="ctr">
+            <a:normAutofit/>
+          </a:bodyPr>
+          <a:lstStyle/>
+          <a:p>
+            <a:pPr marL="285750" indent="-285750">
+              <a:buFont typeface="Arial" panose="020B0503020204020204" pitchFamily="34" charset="0"/>
+              <a:buChar char="•"/>
+            </a:pPr>
+            <a:r>
+              <a:rPr lang="cs-CZ" sz="2400" b="1" dirty="0">
+                <a:solidFill>
+                  <a:schemeClr val="bg1"/>
+                </a:solidFill>
+                <a:latin typeface="Constantia"/>
+                <a:ea typeface="Meiryo"/>
+              </a:rPr>
+              <a:t>Počet barva je , že ktery jde vybrat pixel.</a:t>
+            </a:r>
+          </a:p>
+          <a:p>
+            <a:endParaRPr lang="cs-CZ" sz="1700" dirty="0">
+              <a:solidFill>
+                <a:schemeClr val="bg1"/>
+              </a:solidFill>
+              <a:ea typeface="Meiryo"/>
+            </a:endParaRPr>
+          </a:p>
+        </p:txBody>
+      </p:sp>
+    </p:spTree>
+    <p:extLst>
+      <p:ext uri="{BB962C8B-B14F-4D97-AF65-F5344CB8AC3E}">
+        <p14:creationId xmlns:p14="http://schemas.microsoft.com/office/powerpoint/2010/main" val="705440424"/>
+      </p:ext>
+    </p:extLst>
+  </p:cSld>
+  <p:clrMapOvr>
+    <a:overrideClrMapping bg1="dk1" tx1="lt1" bg2="dk2" tx2="lt2" accent1="accent1" accent2="accent2" accent3="accent3" accent4="accent4" accent5="accent5" accent6="accent6" hlink="hlink" folHlink="folHlink"/>
+  </p:clrMapOvr>
+  <mc:AlternateContent xmlns:mc="http://schemas.openxmlformats.org/markup-compatibility/2006" xmlns:p14="http://schemas.microsoft.com/office/powerpoint/2010/main">
+    <mc:Choice Requires="p14">
+      <p:transition spd="slow" p14:dur="1300" advTm="60000">
+        <p14:pan dir="u"/>
+      </p:transition>
+    </mc:Choice>
+    <mc:Fallback xmlns="">
+      <p:transition spd="slow" advTm="60000">
+        <p:fade/>
+      </p:transition>
+    </mc:Fallback>
+  </mc:AlternateContent>
+</p:sld>
+</file>
+
+<file path=ppt/slides/slide20.xml><?xml version="1.0" encoding="utf-8"?>
 <p:sld xmlns:a="http://schemas.openxmlformats.org/drawingml/2006/main" xmlns:r="http://schemas.openxmlformats.org/officeDocument/2006/relationships" xmlns:p="http://schemas.openxmlformats.org/presentationml/2006/main">
   <p:cSld>
     <p:bg>
@@ -42094,406 +42820,7 @@
 </p:sld>
 </file>
 
-<file path=ppt/slides/slide2.xml><?xml version="1.0" encoding="utf-8"?>
-<p:sld xmlns:a="http://schemas.openxmlformats.org/drawingml/2006/main" xmlns:r="http://schemas.openxmlformats.org/officeDocument/2006/relationships" xmlns:p="http://schemas.openxmlformats.org/presentationml/2006/main">
-  <p:cSld>
-    <p:bg>
-      <p:bgPr>
-        <a:solidFill>
-          <a:schemeClr val="bg1">
-            <a:tint val="95000"/>
-            <a:satMod val="170000"/>
-          </a:schemeClr>
-        </a:solidFill>
-        <a:effectLst/>
-      </p:bgPr>
-    </p:bg>
-    <p:spTree>
-      <p:nvGrpSpPr>
-        <p:cNvPr id="1" name=""/>
-        <p:cNvGrpSpPr/>
-        <p:nvPr/>
-      </p:nvGrpSpPr>
-      <p:grpSpPr>
-        <a:xfrm>
-          <a:off x="0" y="0"/>
-          <a:ext cx="0" cy="0"/>
-          <a:chOff x="0" y="0"/>
-          <a:chExt cx="0" cy="0"/>
-        </a:xfrm>
-      </p:grpSpPr>
-      <p:sp useBgFill="1">
-        <p:nvSpPr>
-          <p:cNvPr id="20" name="Rectangle 19">
-            <a:extLst>
-              <a:ext uri="{FF2B5EF4-FFF2-40B4-BE49-F238E27FC236}">
-                <a16:creationId xmlns:a16="http://schemas.microsoft.com/office/drawing/2014/main" id="{9B76D444-2756-434F-AE61-96D69830C13E}"/>
-              </a:ext>
-              <a:ext uri="{C183D7F6-B498-43B3-948B-1728B52AA6E4}">
-                <adec:decorative xmlns:adec="http://schemas.microsoft.com/office/drawing/2017/decorative" val="1"/>
-              </a:ext>
-            </a:extLst>
-          </p:cNvPr>
-          <p:cNvSpPr>
-            <a:spLocks noGrp="1" noRot="1" noChangeAspect="1" noMove="1" noResize="1" noEditPoints="1" noAdjustHandles="1" noChangeArrowheads="1" noChangeShapeType="1" noTextEdit="1"/>
-          </p:cNvSpPr>
-          <p:nvPr>
-            <p:extLst>
-              <p:ext uri="{386F3935-93C4-4BCD-93E2-E3B085C9AB24}">
-                <p16:designElem xmlns:p16="http://schemas.microsoft.com/office/powerpoint/2015/main" val="1"/>
-              </p:ext>
-            </p:extLst>
-          </p:nvPr>
-        </p:nvSpPr>
-        <p:spPr>
-          <a:xfrm>
-            <a:off x="0" y="0"/>
-            <a:ext cx="12188952" cy="6858000"/>
-          </a:xfrm>
-          <a:prstGeom prst="rect">
-            <a:avLst/>
-          </a:prstGeom>
-          <a:ln>
-            <a:noFill/>
-          </a:ln>
-        </p:spPr>
-        <p:style>
-          <a:lnRef idx="2">
-            <a:schemeClr val="accent1">
-              <a:shade val="50000"/>
-            </a:schemeClr>
-          </a:lnRef>
-          <a:fillRef idx="1">
-            <a:schemeClr val="accent1"/>
-          </a:fillRef>
-          <a:effectRef idx="0">
-            <a:schemeClr val="accent1"/>
-          </a:effectRef>
-          <a:fontRef idx="minor">
-            <a:schemeClr val="lt1"/>
-          </a:fontRef>
-        </p:style>
-        <p:txBody>
-          <a:bodyPr rtlCol="0" anchor="ctr"/>
-          <a:lstStyle/>
-          <a:p>
-            <a:pPr algn="ctr"/>
-            <a:endParaRPr lang="en-US"/>
-          </a:p>
-        </p:txBody>
-      </p:sp>
-      <p:pic>
-        <p:nvPicPr>
-          <p:cNvPr id="5" name="Obrázek 5">
-            <a:extLst>
-              <a:ext uri="{FF2B5EF4-FFF2-40B4-BE49-F238E27FC236}">
-                <a16:creationId xmlns:a16="http://schemas.microsoft.com/office/drawing/2014/main" id="{C0D8E858-21D7-C261-3574-3835ED4007E1}"/>
-              </a:ext>
-            </a:extLst>
-          </p:cNvPr>
-          <p:cNvPicPr>
-            <a:picLocks noChangeAspect="1"/>
-          </p:cNvPicPr>
-          <p:nvPr/>
-        </p:nvPicPr>
-        <p:blipFill rotWithShape="1">
-          <a:blip r:embed="rId3"/>
-          <a:srcRect t="10273" r="-1" b="11278"/>
-          <a:stretch/>
-        </p:blipFill>
-        <p:spPr>
-          <a:xfrm>
-            <a:off x="320040" y="320040"/>
-            <a:ext cx="11548872" cy="4303462"/>
-          </a:xfrm>
-          <a:prstGeom prst="rect">
-            <a:avLst/>
-          </a:prstGeom>
-        </p:spPr>
-      </p:pic>
-      <p:sp>
-        <p:nvSpPr>
-          <p:cNvPr id="22" name="Rectangle 21">
-            <a:extLst>
-              <a:ext uri="{FF2B5EF4-FFF2-40B4-BE49-F238E27FC236}">
-                <a16:creationId xmlns:a16="http://schemas.microsoft.com/office/drawing/2014/main" id="{A27B6159-7734-4564-9E0F-C4BC43C36E52}"/>
-              </a:ext>
-              <a:ext uri="{C183D7F6-B498-43B3-948B-1728B52AA6E4}">
-                <adec:decorative xmlns:adec="http://schemas.microsoft.com/office/drawing/2017/decorative" val="1"/>
-              </a:ext>
-            </a:extLst>
-          </p:cNvPr>
-          <p:cNvSpPr>
-            <a:spLocks noGrp="1" noRot="1" noChangeAspect="1" noMove="1" noResize="1" noEditPoints="1" noAdjustHandles="1" noChangeArrowheads="1" noChangeShapeType="1" noTextEdit="1"/>
-          </p:cNvSpPr>
-          <p:nvPr>
-            <p:extLst>
-              <p:ext uri="{386F3935-93C4-4BCD-93E2-E3B085C9AB24}">
-                <p16:designElem xmlns:p16="http://schemas.microsoft.com/office/powerpoint/2015/main" val="1"/>
-              </p:ext>
-            </p:extLst>
-          </p:nvPr>
-        </p:nvSpPr>
-        <p:spPr bwMode="ltGray">
-          <a:xfrm>
-            <a:off x="321564" y="4782312"/>
-            <a:ext cx="11548872" cy="1755648"/>
-          </a:xfrm>
-          <a:prstGeom prst="rect">
-            <a:avLst/>
-          </a:prstGeom>
-          <a:solidFill>
-            <a:schemeClr val="tx1">
-              <a:alpha val="93000"/>
-            </a:schemeClr>
-          </a:solidFill>
-          <a:ln w="127000" cap="sq" cmpd="thinThick">
-            <a:noFill/>
-          </a:ln>
-        </p:spPr>
-        <p:style>
-          <a:lnRef idx="2">
-            <a:schemeClr val="accent1">
-              <a:shade val="50000"/>
-            </a:schemeClr>
-          </a:lnRef>
-          <a:fillRef idx="1">
-            <a:schemeClr val="accent1"/>
-          </a:fillRef>
-          <a:effectRef idx="0">
-            <a:schemeClr val="accent1"/>
-          </a:effectRef>
-          <a:fontRef idx="minor">
-            <a:schemeClr val="lt1"/>
-          </a:fontRef>
-        </p:style>
-        <p:txBody>
-          <a:bodyPr rtlCol="0" anchor="ctr"/>
-          <a:lstStyle/>
-          <a:p>
-            <a:pPr marL="0" marR="0" lvl="0" indent="0" algn="ctr" defTabSz="914400" rtl="0" eaLnBrk="1" fontAlgn="auto" latinLnBrk="0" hangingPunct="1">
-              <a:lnSpc>
-                <a:spcPct val="100000"/>
-              </a:lnSpc>
-              <a:spcBef>
-                <a:spcPts val="0"/>
-              </a:spcBef>
-              <a:spcAft>
-                <a:spcPts val="0"/>
-              </a:spcAft>
-              <a:buClrTx/>
-              <a:buSzTx/>
-              <a:buFontTx/>
-              <a:buNone/>
-              <a:tabLst/>
-              <a:defRPr/>
-            </a:pPr>
-            <a:endParaRPr kumimoji="0" lang="en-US" sz="1800" b="0" i="0" u="none" strike="noStrike" kern="1200" cap="none" spc="0" normalizeH="0" baseline="0" noProof="0">
-              <a:ln>
-                <a:noFill/>
-              </a:ln>
-              <a:solidFill>
-                <a:prstClr val="white"/>
-              </a:solidFill>
-              <a:effectLst/>
-              <a:uLnTx/>
-              <a:uFillTx/>
-              <a:latin typeface="Calibri" panose="020F0502020204030204"/>
-              <a:ea typeface="+mn-ea"/>
-              <a:cs typeface="+mn-cs"/>
-            </a:endParaRPr>
-          </a:p>
-        </p:txBody>
-      </p:sp>
-      <p:sp>
-        <p:nvSpPr>
-          <p:cNvPr id="2" name="Nadpis 1">
-            <a:extLst>
-              <a:ext uri="{FF2B5EF4-FFF2-40B4-BE49-F238E27FC236}">
-                <a16:creationId xmlns:a16="http://schemas.microsoft.com/office/drawing/2014/main" id="{285AFB01-7B30-93C6-4619-F1E08F367EDB}"/>
-              </a:ext>
-            </a:extLst>
-          </p:cNvPr>
-          <p:cNvSpPr>
-            <a:spLocks noGrp="1"/>
-          </p:cNvSpPr>
-          <p:nvPr>
-            <p:ph type="title"/>
-          </p:nvPr>
-        </p:nvSpPr>
-        <p:spPr>
-          <a:xfrm>
-            <a:off x="841248" y="5009083"/>
-            <a:ext cx="2889504" cy="1345997"/>
-          </a:xfrm>
-        </p:spPr>
-        <p:txBody>
-          <a:bodyPr anchor="ctr">
-            <a:normAutofit/>
-          </a:bodyPr>
-          <a:lstStyle/>
-          <a:p>
-            <a:r>
-              <a:rPr lang="cs-CZ" sz="2600" b="1" dirty="0">
-                <a:solidFill>
-                  <a:schemeClr val="bg1"/>
-                </a:solidFill>
-                <a:ea typeface="Meiryo"/>
-              </a:rPr>
-              <a:t>Co je </a:t>
-            </a:r>
-            <a:r>
-              <a:rPr lang="cs-CZ" sz="2600" b="1" dirty="0">
-                <a:solidFill>
-                  <a:schemeClr val="bg1"/>
-                </a:solidFill>
-                <a:ea typeface="+mj-lt"/>
-                <a:cs typeface="+mj-lt"/>
-              </a:rPr>
-              <a:t>Barevná hloubka?</a:t>
-            </a:r>
-            <a:endParaRPr lang="cs-CZ" sz="2600" b="1" dirty="0">
-              <a:solidFill>
-                <a:schemeClr val="bg1"/>
-              </a:solidFill>
-              <a:ea typeface="Meiryo"/>
-            </a:endParaRPr>
-          </a:p>
-        </p:txBody>
-      </p:sp>
-      <p:cxnSp>
-        <p:nvCxnSpPr>
-          <p:cNvPr id="24" name="Straight Connector 23">
-            <a:extLst>
-              <a:ext uri="{FF2B5EF4-FFF2-40B4-BE49-F238E27FC236}">
-                <a16:creationId xmlns:a16="http://schemas.microsoft.com/office/drawing/2014/main" id="{E2FFB46B-05BC-4950-B18A-9593FDAE6ED7}"/>
-              </a:ext>
-              <a:ext uri="{C183D7F6-B498-43B3-948B-1728B52AA6E4}">
-                <adec:decorative xmlns:adec="http://schemas.microsoft.com/office/drawing/2017/decorative" val="1"/>
-              </a:ext>
-            </a:extLst>
-          </p:cNvPr>
-          <p:cNvCxnSpPr>
-            <a:cxnSpLocks noGrp="1" noRot="1" noChangeAspect="1" noMove="1" noResize="1" noEditPoints="1" noAdjustHandles="1" noChangeArrowheads="1" noChangeShapeType="1"/>
-          </p:cNvCxnSpPr>
-          <p:nvPr>
-            <p:extLst>
-              <p:ext uri="{386F3935-93C4-4BCD-93E2-E3B085C9AB24}">
-                <p16:designElem xmlns:p16="http://schemas.microsoft.com/office/powerpoint/2015/main" val="1"/>
-              </p:ext>
-            </p:extLst>
-          </p:nvPr>
-        </p:nvCxnSpPr>
-        <p:spPr>
-          <a:xfrm flipV="1">
-            <a:off x="4059936" y="5237979"/>
-            <a:ext cx="0" cy="914400"/>
-          </a:xfrm>
-          <a:prstGeom prst="line">
-            <a:avLst/>
-          </a:prstGeom>
-          <a:ln w="19050">
-            <a:solidFill>
-              <a:schemeClr val="bg1">
-                <a:alpha val="80000"/>
-              </a:schemeClr>
-            </a:solidFill>
-          </a:ln>
-        </p:spPr>
-        <p:style>
-          <a:lnRef idx="1">
-            <a:schemeClr val="accent1"/>
-          </a:lnRef>
-          <a:fillRef idx="0">
-            <a:schemeClr val="accent1"/>
-          </a:fillRef>
-          <a:effectRef idx="0">
-            <a:schemeClr val="accent1"/>
-          </a:effectRef>
-          <a:fontRef idx="minor">
-            <a:schemeClr val="tx1"/>
-          </a:fontRef>
-        </p:style>
-      </p:cxnSp>
-      <p:sp>
-        <p:nvSpPr>
-          <p:cNvPr id="3" name="Zástupný obsah 2">
-            <a:extLst>
-              <a:ext uri="{FF2B5EF4-FFF2-40B4-BE49-F238E27FC236}">
-                <a16:creationId xmlns:a16="http://schemas.microsoft.com/office/drawing/2014/main" id="{369FAB80-7698-4C7F-E90A-50BD23FF639A}"/>
-              </a:ext>
-            </a:extLst>
-          </p:cNvPr>
-          <p:cNvSpPr>
-            <a:spLocks noGrp="1"/>
-          </p:cNvSpPr>
-          <p:nvPr>
-            <p:ph idx="1"/>
-          </p:nvPr>
-        </p:nvSpPr>
-        <p:spPr>
-          <a:xfrm>
-            <a:off x="4379976" y="5009083"/>
-            <a:ext cx="6976872" cy="1345997"/>
-          </a:xfrm>
-        </p:spPr>
-        <p:txBody>
-          <a:bodyPr vert="horz" lIns="109728" tIns="109728" rIns="109728" bIns="91440" rtlCol="0" anchor="ctr">
-            <a:normAutofit/>
-          </a:bodyPr>
-          <a:lstStyle/>
-          <a:p>
-            <a:pPr marL="285750" indent="-285750">
-              <a:buFont typeface="Arial" panose="020B0503020204020204" pitchFamily="34" charset="0"/>
-              <a:buChar char="•"/>
-            </a:pPr>
-            <a:r>
-              <a:rPr lang="cs-CZ" sz="2400" b="1" dirty="0">
-                <a:solidFill>
-                  <a:schemeClr val="bg1"/>
-                </a:solidFill>
-                <a:latin typeface="Constantia"/>
-                <a:ea typeface="Meiryo"/>
-              </a:rPr>
-              <a:t>Počet barva je , že ktery jde vybrat pixel.</a:t>
-            </a:r>
-          </a:p>
-          <a:p>
-            <a:endParaRPr lang="cs-CZ" sz="1700" dirty="0">
-              <a:solidFill>
-                <a:schemeClr val="bg1"/>
-              </a:solidFill>
-              <a:ea typeface="Meiryo"/>
-            </a:endParaRPr>
-          </a:p>
-        </p:txBody>
-      </p:sp>
-    </p:spTree>
-    <p:extLst>
-      <p:ext uri="{BB962C8B-B14F-4D97-AF65-F5344CB8AC3E}">
-        <p14:creationId xmlns:p14="http://schemas.microsoft.com/office/powerpoint/2010/main" val="705440424"/>
-      </p:ext>
-    </p:extLst>
-  </p:cSld>
-  <p:clrMapOvr>
-    <a:overrideClrMapping bg1="dk1" tx1="lt1" bg2="dk2" tx2="lt2" accent1="accent1" accent2="accent2" accent3="accent3" accent4="accent4" accent5="accent5" accent6="accent6" hlink="hlink" folHlink="folHlink"/>
-  </p:clrMapOvr>
-  <mc:AlternateContent xmlns:mc="http://schemas.openxmlformats.org/markup-compatibility/2006">
-    <mc:Choice xmlns:p14="http://schemas.microsoft.com/office/powerpoint/2010/main" Requires="p14">
-      <p:transition spd="slow" p14:dur="1300" advTm="60000">
-        <p14:pan dir="u"/>
-      </p:transition>
-    </mc:Choice>
-    <mc:Fallback>
-      <p:transition spd="slow" advTm="60000">
-        <p:fade/>
-      </p:transition>
-    </mc:Fallback>
-  </mc:AlternateContent>
-</p:sld>
-</file>
-
-<file path=ppt/slides/slide20.xml><?xml version="1.0" encoding="utf-8"?>
+<file path=ppt/slides/slide21.xml><?xml version="1.0" encoding="utf-8"?>
 <p:sld xmlns:a="http://schemas.openxmlformats.org/drawingml/2006/main" xmlns:r="http://schemas.openxmlformats.org/officeDocument/2006/relationships" xmlns:p="http://schemas.openxmlformats.org/presentationml/2006/main">
   <p:cSld>
     <p:bg>
@@ -43942,7 +44269,7 @@
 </p:sld>
 </file>
 
-<file path=ppt/slides/slide21.xml><?xml version="1.0" encoding="utf-8"?>
+<file path=ppt/slides/slide22.xml><?xml version="1.0" encoding="utf-8"?>
 <p:sld xmlns:a="http://schemas.openxmlformats.org/drawingml/2006/main" xmlns:r="http://schemas.openxmlformats.org/officeDocument/2006/relationships" xmlns:p="http://schemas.openxmlformats.org/presentationml/2006/main">
   <p:cSld>
     <p:bg>
@@ -44843,13 +45170,13 @@
   <p:clrMapOvr>
     <a:masterClrMapping/>
   </p:clrMapOvr>
-  <mc:AlternateContent xmlns:mc="http://schemas.openxmlformats.org/markup-compatibility/2006">
-    <mc:Choice xmlns:p14="http://schemas.microsoft.com/office/powerpoint/2010/main" Requires="p14">
+  <mc:AlternateContent xmlns:mc="http://schemas.openxmlformats.org/markup-compatibility/2006" xmlns:p14="http://schemas.microsoft.com/office/powerpoint/2010/main">
+    <mc:Choice Requires="p14">
       <p:transition spd="slow" p14:dur="1300" advTm="30000">
         <p14:pan dir="u"/>
       </p:transition>
     </mc:Choice>
-    <mc:Fallback>
+    <mc:Fallback xmlns="">
       <p:transition spd="slow" advTm="30000">
         <p:fade/>
       </p:transition>
@@ -45271,13 +45598,13 @@
   <p:clrMapOvr>
     <a:masterClrMapping/>
   </p:clrMapOvr>
-  <mc:AlternateContent xmlns:mc="http://schemas.openxmlformats.org/markup-compatibility/2006">
-    <mc:Choice xmlns:p14="http://schemas.microsoft.com/office/powerpoint/2010/main" Requires="p14">
+  <mc:AlternateContent xmlns:mc="http://schemas.openxmlformats.org/markup-compatibility/2006" xmlns:p14="http://schemas.microsoft.com/office/powerpoint/2010/main">
+    <mc:Choice Requires="p14">
       <p:transition spd="slow" p14:dur="1300" advTm="45000">
         <p14:pan dir="u"/>
       </p:transition>
     </mc:Choice>
-    <mc:Fallback>
+    <mc:Fallback xmlns="">
       <p:transition spd="slow" advTm="45000">
         <p:fade/>
       </p:transition>
@@ -45800,13 +46127,13 @@
   <p:clrMapOvr>
     <a:masterClrMapping/>
   </p:clrMapOvr>
-  <mc:AlternateContent xmlns:mc="http://schemas.openxmlformats.org/markup-compatibility/2006">
-    <mc:Choice xmlns:p14="http://schemas.microsoft.com/office/powerpoint/2010/main" Requires="p14">
+  <mc:AlternateContent xmlns:mc="http://schemas.openxmlformats.org/markup-compatibility/2006" xmlns:p14="http://schemas.microsoft.com/office/powerpoint/2010/main">
+    <mc:Choice Requires="p14">
       <p:transition spd="slow" p14:dur="1300" advTm="70000">
         <p14:pan dir="u"/>
       </p:transition>
     </mc:Choice>
-    <mc:Fallback>
+    <mc:Fallback xmlns="">
       <p:transition spd="slow" advTm="70000">
         <p:fade/>
       </p:transition>
@@ -45816,6 +46143,1036 @@
 </file>
 
 <file path=ppt/slides/slide6.xml><?xml version="1.0" encoding="utf-8"?>
+<p:sld xmlns:a="http://schemas.openxmlformats.org/drawingml/2006/main" xmlns:r="http://schemas.openxmlformats.org/officeDocument/2006/relationships" xmlns:p="http://schemas.openxmlformats.org/presentationml/2006/main">
+  <p:cSld>
+    <p:bg>
+      <p:bgPr>
+        <a:solidFill>
+          <a:schemeClr val="bg1"/>
+        </a:solidFill>
+        <a:effectLst/>
+      </p:bgPr>
+    </p:bg>
+    <p:spTree>
+      <p:nvGrpSpPr>
+        <p:cNvPr id="1" name=""/>
+        <p:cNvGrpSpPr/>
+        <p:nvPr/>
+      </p:nvGrpSpPr>
+      <p:grpSpPr>
+        <a:xfrm>
+          <a:off x="0" y="0"/>
+          <a:ext cx="0" cy="0"/>
+          <a:chOff x="0" y="0"/>
+          <a:chExt cx="0" cy="0"/>
+        </a:xfrm>
+      </p:grpSpPr>
+      <p:sp useBgFill="1">
+        <p:nvSpPr>
+          <p:cNvPr id="1054" name="Rectangle 1053">
+            <a:extLst>
+              <a:ext uri="{FF2B5EF4-FFF2-40B4-BE49-F238E27FC236}">
+                <a16:creationId xmlns:a16="http://schemas.microsoft.com/office/drawing/2014/main" id="{45D37F4E-DDB4-456B-97E0-9937730A039F}"/>
+              </a:ext>
+              <a:ext uri="{C183D7F6-B498-43B3-948B-1728B52AA6E4}">
+                <adec:decorative xmlns:adec="http://schemas.microsoft.com/office/drawing/2017/decorative" val="1"/>
+              </a:ext>
+            </a:extLst>
+          </p:cNvPr>
+          <p:cNvSpPr>
+            <a:spLocks noGrp="1" noRot="1" noChangeAspect="1" noMove="1" noResize="1" noEditPoints="1" noAdjustHandles="1" noChangeArrowheads="1" noChangeShapeType="1" noTextEdit="1"/>
+          </p:cNvSpPr>
+          <p:nvPr>
+            <p:extLst>
+              <p:ext uri="{386F3935-93C4-4BCD-93E2-E3B085C9AB24}">
+                <p16:designElem xmlns:p16="http://schemas.microsoft.com/office/powerpoint/2015/main" val="1"/>
+              </p:ext>
+            </p:extLst>
+          </p:nvPr>
+        </p:nvSpPr>
+        <p:spPr>
+          <a:xfrm>
+            <a:off x="0" y="0"/>
+            <a:ext cx="12188952" cy="6858000"/>
+          </a:xfrm>
+          <a:prstGeom prst="rect">
+            <a:avLst/>
+          </a:prstGeom>
+          <a:ln>
+            <a:noFill/>
+          </a:ln>
+        </p:spPr>
+        <p:style>
+          <a:lnRef idx="2">
+            <a:schemeClr val="accent1">
+              <a:shade val="50000"/>
+            </a:schemeClr>
+          </a:lnRef>
+          <a:fillRef idx="1">
+            <a:schemeClr val="accent1"/>
+          </a:fillRef>
+          <a:effectRef idx="0">
+            <a:schemeClr val="accent1"/>
+          </a:effectRef>
+          <a:fontRef idx="minor">
+            <a:schemeClr val="lt1"/>
+          </a:fontRef>
+        </p:style>
+        <p:txBody>
+          <a:bodyPr rtlCol="0" anchor="ctr"/>
+          <a:lstStyle/>
+          <a:p>
+            <a:pPr algn="ctr"/>
+            <a:endParaRPr lang="en-US"/>
+          </a:p>
+        </p:txBody>
+      </p:sp>
+      <p:sp>
+        <p:nvSpPr>
+          <p:cNvPr id="2" name="Title 1">
+            <a:extLst>
+              <a:ext uri="{FF2B5EF4-FFF2-40B4-BE49-F238E27FC236}">
+                <a16:creationId xmlns:a16="http://schemas.microsoft.com/office/drawing/2014/main" id="{83FD4D53-B98D-7AFF-20BD-55F8C48AA530}"/>
+              </a:ext>
+            </a:extLst>
+          </p:cNvPr>
+          <p:cNvSpPr>
+            <a:spLocks noGrp="1"/>
+          </p:cNvSpPr>
+          <p:nvPr>
+            <p:ph type="title"/>
+          </p:nvPr>
+        </p:nvSpPr>
+        <p:spPr>
+          <a:xfrm>
+            <a:off x="572493" y="238539"/>
+            <a:ext cx="11018520" cy="1434415"/>
+          </a:xfrm>
+        </p:spPr>
+        <p:txBody>
+          <a:bodyPr anchor="b">
+            <a:normAutofit/>
+          </a:bodyPr>
+          <a:lstStyle/>
+          <a:p>
+            <a:r>
+              <a:rPr lang="en-US" sz="3000" b="1" dirty="0" err="1"/>
+              <a:t>Příklad</a:t>
+            </a:r>
+            <a:r>
+              <a:rPr lang="en-US" sz="3000" b="1" dirty="0"/>
+              <a:t>:</a:t>
+            </a:r>
+            <a:br>
+              <a:rPr lang="en-US" sz="3000" dirty="0"/>
+            </a:br>
+            <a:r>
+              <a:rPr lang="en-US" sz="3000" i="1" dirty="0" err="1"/>
+              <a:t>Jaká</a:t>
+            </a:r>
+            <a:r>
+              <a:rPr lang="en-US" sz="3000" i="1" dirty="0"/>
+              <a:t> je </a:t>
+            </a:r>
+            <a:r>
+              <a:rPr lang="en-US" sz="3000" i="1" dirty="0" err="1"/>
+              <a:t>velikost</a:t>
+            </a:r>
+            <a:r>
+              <a:rPr lang="en-US" sz="3000" i="1" dirty="0"/>
+              <a:t> </a:t>
+            </a:r>
+            <a:r>
+              <a:rPr lang="en-US" sz="3000" i="1" dirty="0" err="1"/>
+              <a:t>souboru</a:t>
+            </a:r>
+            <a:r>
+              <a:rPr lang="en-US" sz="3000" i="1" dirty="0"/>
+              <a:t> </a:t>
+            </a:r>
+            <a:r>
+              <a:rPr lang="en-US" sz="3000" i="1" dirty="0" err="1"/>
+              <a:t>obrázku</a:t>
+            </a:r>
+            <a:r>
+              <a:rPr lang="en-US" sz="3000" i="1" dirty="0"/>
+              <a:t> 640 x 480 </a:t>
+            </a:r>
+            <a:r>
+              <a:rPr lang="en-US" sz="3000" i="1" dirty="0" err="1"/>
+              <a:t>pixelů</a:t>
+            </a:r>
+            <a:r>
+              <a:rPr lang="en-US" sz="3000" i="1" dirty="0"/>
+              <a:t>, </a:t>
+            </a:r>
+            <a:r>
+              <a:rPr lang="en-US" sz="3000" i="1" dirty="0" err="1"/>
+              <a:t>hloubka</a:t>
+            </a:r>
+            <a:r>
+              <a:rPr lang="en-US" sz="3000" i="1" dirty="0"/>
+              <a:t> 24 </a:t>
+            </a:r>
+            <a:r>
+              <a:rPr lang="en-US" sz="3000" i="1" dirty="0" err="1"/>
+              <a:t>bitů</a:t>
+            </a:r>
+            <a:r>
+              <a:rPr lang="en-US" sz="3000" i="1" dirty="0"/>
+              <a:t>, RGB?</a:t>
+            </a:r>
+          </a:p>
+        </p:txBody>
+      </p:sp>
+      <p:sp>
+        <p:nvSpPr>
+          <p:cNvPr id="1056" name="sketchy line">
+            <a:extLst>
+              <a:ext uri="{FF2B5EF4-FFF2-40B4-BE49-F238E27FC236}">
+                <a16:creationId xmlns:a16="http://schemas.microsoft.com/office/drawing/2014/main" id="{B2DD41CD-8F47-4F56-AD12-4E2FF7696987}"/>
+              </a:ext>
+              <a:ext uri="{C183D7F6-B498-43B3-948B-1728B52AA6E4}">
+                <adec:decorative xmlns:adec="http://schemas.microsoft.com/office/drawing/2017/decorative" val="1"/>
+              </a:ext>
+            </a:extLst>
+          </p:cNvPr>
+          <p:cNvSpPr>
+            <a:spLocks noGrp="1" noRot="1" noChangeAspect="1" noMove="1" noResize="1" noEditPoints="1" noAdjustHandles="1" noChangeArrowheads="1" noChangeShapeType="1" noTextEdit="1"/>
+          </p:cNvSpPr>
+          <p:nvPr>
+            <p:extLst>
+              <p:ext uri="{386F3935-93C4-4BCD-93E2-E3B085C9AB24}">
+                <p16:designElem xmlns:p16="http://schemas.microsoft.com/office/powerpoint/2015/main" val="1"/>
+              </p:ext>
+            </p:extLst>
+          </p:nvPr>
+        </p:nvSpPr>
+        <p:spPr>
+          <a:xfrm>
+            <a:off x="572493" y="1681544"/>
+            <a:ext cx="10972800" cy="18288"/>
+          </a:xfrm>
+          <a:custGeom>
+            <a:avLst/>
+            <a:gdLst>
+              <a:gd name="connsiteX0" fmla="*/ 0 w 10972800"/>
+              <a:gd name="connsiteY0" fmla="*/ 0 h 18288"/>
+              <a:gd name="connsiteX1" fmla="*/ 356616 w 10972800"/>
+              <a:gd name="connsiteY1" fmla="*/ 0 h 18288"/>
+              <a:gd name="connsiteX2" fmla="*/ 1042416 w 10972800"/>
+              <a:gd name="connsiteY2" fmla="*/ 0 h 18288"/>
+              <a:gd name="connsiteX3" fmla="*/ 1947672 w 10972800"/>
+              <a:gd name="connsiteY3" fmla="*/ 0 h 18288"/>
+              <a:gd name="connsiteX4" fmla="*/ 2633472 w 10972800"/>
+              <a:gd name="connsiteY4" fmla="*/ 0 h 18288"/>
+              <a:gd name="connsiteX5" fmla="*/ 2990088 w 10972800"/>
+              <a:gd name="connsiteY5" fmla="*/ 0 h 18288"/>
+              <a:gd name="connsiteX6" fmla="*/ 3456432 w 10972800"/>
+              <a:gd name="connsiteY6" fmla="*/ 0 h 18288"/>
+              <a:gd name="connsiteX7" fmla="*/ 4361688 w 10972800"/>
+              <a:gd name="connsiteY7" fmla="*/ 0 h 18288"/>
+              <a:gd name="connsiteX8" fmla="*/ 5266944 w 10972800"/>
+              <a:gd name="connsiteY8" fmla="*/ 0 h 18288"/>
+              <a:gd name="connsiteX9" fmla="*/ 6172200 w 10972800"/>
+              <a:gd name="connsiteY9" fmla="*/ 0 h 18288"/>
+              <a:gd name="connsiteX10" fmla="*/ 6528816 w 10972800"/>
+              <a:gd name="connsiteY10" fmla="*/ 0 h 18288"/>
+              <a:gd name="connsiteX11" fmla="*/ 7214616 w 10972800"/>
+              <a:gd name="connsiteY11" fmla="*/ 0 h 18288"/>
+              <a:gd name="connsiteX12" fmla="*/ 7790688 w 10972800"/>
+              <a:gd name="connsiteY12" fmla="*/ 0 h 18288"/>
+              <a:gd name="connsiteX13" fmla="*/ 8147304 w 10972800"/>
+              <a:gd name="connsiteY13" fmla="*/ 0 h 18288"/>
+              <a:gd name="connsiteX14" fmla="*/ 9052560 w 10972800"/>
+              <a:gd name="connsiteY14" fmla="*/ 0 h 18288"/>
+              <a:gd name="connsiteX15" fmla="*/ 9409176 w 10972800"/>
+              <a:gd name="connsiteY15" fmla="*/ 0 h 18288"/>
+              <a:gd name="connsiteX16" fmla="*/ 9765792 w 10972800"/>
+              <a:gd name="connsiteY16" fmla="*/ 0 h 18288"/>
+              <a:gd name="connsiteX17" fmla="*/ 10341864 w 10972800"/>
+              <a:gd name="connsiteY17" fmla="*/ 0 h 18288"/>
+              <a:gd name="connsiteX18" fmla="*/ 10972800 w 10972800"/>
+              <a:gd name="connsiteY18" fmla="*/ 0 h 18288"/>
+              <a:gd name="connsiteX19" fmla="*/ 10972800 w 10972800"/>
+              <a:gd name="connsiteY19" fmla="*/ 18288 h 18288"/>
+              <a:gd name="connsiteX20" fmla="*/ 10177272 w 10972800"/>
+              <a:gd name="connsiteY20" fmla="*/ 18288 h 18288"/>
+              <a:gd name="connsiteX21" fmla="*/ 9820656 w 10972800"/>
+              <a:gd name="connsiteY21" fmla="*/ 18288 h 18288"/>
+              <a:gd name="connsiteX22" fmla="*/ 9464040 w 10972800"/>
+              <a:gd name="connsiteY22" fmla="*/ 18288 h 18288"/>
+              <a:gd name="connsiteX23" fmla="*/ 8778240 w 10972800"/>
+              <a:gd name="connsiteY23" fmla="*/ 18288 h 18288"/>
+              <a:gd name="connsiteX24" fmla="*/ 8421624 w 10972800"/>
+              <a:gd name="connsiteY24" fmla="*/ 18288 h 18288"/>
+              <a:gd name="connsiteX25" fmla="*/ 7735824 w 10972800"/>
+              <a:gd name="connsiteY25" fmla="*/ 18288 h 18288"/>
+              <a:gd name="connsiteX26" fmla="*/ 6940296 w 10972800"/>
+              <a:gd name="connsiteY26" fmla="*/ 18288 h 18288"/>
+              <a:gd name="connsiteX27" fmla="*/ 6254496 w 10972800"/>
+              <a:gd name="connsiteY27" fmla="*/ 18288 h 18288"/>
+              <a:gd name="connsiteX28" fmla="*/ 5458968 w 10972800"/>
+              <a:gd name="connsiteY28" fmla="*/ 18288 h 18288"/>
+              <a:gd name="connsiteX29" fmla="*/ 4663440 w 10972800"/>
+              <a:gd name="connsiteY29" fmla="*/ 18288 h 18288"/>
+              <a:gd name="connsiteX30" fmla="*/ 4306824 w 10972800"/>
+              <a:gd name="connsiteY30" fmla="*/ 18288 h 18288"/>
+              <a:gd name="connsiteX31" fmla="*/ 3840480 w 10972800"/>
+              <a:gd name="connsiteY31" fmla="*/ 18288 h 18288"/>
+              <a:gd name="connsiteX32" fmla="*/ 3264408 w 10972800"/>
+              <a:gd name="connsiteY32" fmla="*/ 18288 h 18288"/>
+              <a:gd name="connsiteX33" fmla="*/ 2578608 w 10972800"/>
+              <a:gd name="connsiteY33" fmla="*/ 18288 h 18288"/>
+              <a:gd name="connsiteX34" fmla="*/ 1673352 w 10972800"/>
+              <a:gd name="connsiteY34" fmla="*/ 18288 h 18288"/>
+              <a:gd name="connsiteX35" fmla="*/ 877824 w 10972800"/>
+              <a:gd name="connsiteY35" fmla="*/ 18288 h 18288"/>
+              <a:gd name="connsiteX36" fmla="*/ 0 w 10972800"/>
+              <a:gd name="connsiteY36" fmla="*/ 18288 h 18288"/>
+              <a:gd name="connsiteX37" fmla="*/ 0 w 10972800"/>
+              <a:gd name="connsiteY37" fmla="*/ 0 h 18288"/>
+            </a:gdLst>
+            <a:ahLst/>
+            <a:cxnLst>
+              <a:cxn ang="0">
+                <a:pos x="connsiteX0" y="connsiteY0"/>
+              </a:cxn>
+              <a:cxn ang="0">
+                <a:pos x="connsiteX1" y="connsiteY1"/>
+              </a:cxn>
+              <a:cxn ang="0">
+                <a:pos x="connsiteX2" y="connsiteY2"/>
+              </a:cxn>
+              <a:cxn ang="0">
+                <a:pos x="connsiteX3" y="connsiteY3"/>
+              </a:cxn>
+              <a:cxn ang="0">
+                <a:pos x="connsiteX4" y="connsiteY4"/>
+              </a:cxn>
+              <a:cxn ang="0">
+                <a:pos x="connsiteX5" y="connsiteY5"/>
+              </a:cxn>
+              <a:cxn ang="0">
+                <a:pos x="connsiteX6" y="connsiteY6"/>
+              </a:cxn>
+              <a:cxn ang="0">
+                <a:pos x="connsiteX7" y="connsiteY7"/>
+              </a:cxn>
+              <a:cxn ang="0">
+                <a:pos x="connsiteX8" y="connsiteY8"/>
+              </a:cxn>
+              <a:cxn ang="0">
+                <a:pos x="connsiteX9" y="connsiteY9"/>
+              </a:cxn>
+              <a:cxn ang="0">
+                <a:pos x="connsiteX10" y="connsiteY10"/>
+              </a:cxn>
+              <a:cxn ang="0">
+                <a:pos x="connsiteX11" y="connsiteY11"/>
+              </a:cxn>
+              <a:cxn ang="0">
+                <a:pos x="connsiteX12" y="connsiteY12"/>
+              </a:cxn>
+              <a:cxn ang="0">
+                <a:pos x="connsiteX13" y="connsiteY13"/>
+              </a:cxn>
+              <a:cxn ang="0">
+                <a:pos x="connsiteX14" y="connsiteY14"/>
+              </a:cxn>
+              <a:cxn ang="0">
+                <a:pos x="connsiteX15" y="connsiteY15"/>
+              </a:cxn>
+              <a:cxn ang="0">
+                <a:pos x="connsiteX16" y="connsiteY16"/>
+              </a:cxn>
+              <a:cxn ang="0">
+                <a:pos x="connsiteX17" y="connsiteY17"/>
+              </a:cxn>
+              <a:cxn ang="0">
+                <a:pos x="connsiteX18" y="connsiteY18"/>
+              </a:cxn>
+              <a:cxn ang="0">
+                <a:pos x="connsiteX19" y="connsiteY19"/>
+              </a:cxn>
+              <a:cxn ang="0">
+                <a:pos x="connsiteX20" y="connsiteY20"/>
+              </a:cxn>
+              <a:cxn ang="0">
+                <a:pos x="connsiteX21" y="connsiteY21"/>
+              </a:cxn>
+              <a:cxn ang="0">
+                <a:pos x="connsiteX22" y="connsiteY22"/>
+              </a:cxn>
+              <a:cxn ang="0">
+                <a:pos x="connsiteX23" y="connsiteY23"/>
+              </a:cxn>
+              <a:cxn ang="0">
+                <a:pos x="connsiteX24" y="connsiteY24"/>
+              </a:cxn>
+              <a:cxn ang="0">
+                <a:pos x="connsiteX25" y="connsiteY25"/>
+              </a:cxn>
+              <a:cxn ang="0">
+                <a:pos x="connsiteX26" y="connsiteY26"/>
+              </a:cxn>
+              <a:cxn ang="0">
+                <a:pos x="connsiteX27" y="connsiteY27"/>
+              </a:cxn>
+              <a:cxn ang="0">
+                <a:pos x="connsiteX28" y="connsiteY28"/>
+              </a:cxn>
+              <a:cxn ang="0">
+                <a:pos x="connsiteX29" y="connsiteY29"/>
+              </a:cxn>
+              <a:cxn ang="0">
+                <a:pos x="connsiteX30" y="connsiteY30"/>
+              </a:cxn>
+              <a:cxn ang="0">
+                <a:pos x="connsiteX31" y="connsiteY31"/>
+              </a:cxn>
+              <a:cxn ang="0">
+                <a:pos x="connsiteX32" y="connsiteY32"/>
+              </a:cxn>
+              <a:cxn ang="0">
+                <a:pos x="connsiteX33" y="connsiteY33"/>
+              </a:cxn>
+              <a:cxn ang="0">
+                <a:pos x="connsiteX34" y="connsiteY34"/>
+              </a:cxn>
+              <a:cxn ang="0">
+                <a:pos x="connsiteX35" y="connsiteY35"/>
+              </a:cxn>
+              <a:cxn ang="0">
+                <a:pos x="connsiteX36" y="connsiteY36"/>
+              </a:cxn>
+              <a:cxn ang="0">
+                <a:pos x="connsiteX37" y="connsiteY37"/>
+              </a:cxn>
+            </a:cxnLst>
+            <a:rect l="l" t="t" r="r" b="b"/>
+            <a:pathLst>
+              <a:path w="10972800" h="18288" fill="none" extrusionOk="0">
+                <a:moveTo>
+                  <a:pt x="0" y="0"/>
+                </a:moveTo>
+                <a:cubicBezTo>
+                  <a:pt x="165916" y="-1866"/>
+                  <a:pt x="188720" y="13756"/>
+                  <a:pt x="356616" y="0"/>
+                </a:cubicBezTo>
+                <a:cubicBezTo>
+                  <a:pt x="524512" y="-13756"/>
+                  <a:pt x="734781" y="8922"/>
+                  <a:pt x="1042416" y="0"/>
+                </a:cubicBezTo>
+                <a:cubicBezTo>
+                  <a:pt x="1350051" y="-8922"/>
+                  <a:pt x="1595982" y="-26315"/>
+                  <a:pt x="1947672" y="0"/>
+                </a:cubicBezTo>
+                <a:cubicBezTo>
+                  <a:pt x="2299362" y="26315"/>
+                  <a:pt x="2292691" y="-19526"/>
+                  <a:pt x="2633472" y="0"/>
+                </a:cubicBezTo>
+                <a:cubicBezTo>
+                  <a:pt x="2974253" y="19526"/>
+                  <a:pt x="2857309" y="10773"/>
+                  <a:pt x="2990088" y="0"/>
+                </a:cubicBezTo>
+                <a:cubicBezTo>
+                  <a:pt x="3122867" y="-10773"/>
+                  <a:pt x="3359343" y="7194"/>
+                  <a:pt x="3456432" y="0"/>
+                </a:cubicBezTo>
+                <a:cubicBezTo>
+                  <a:pt x="3553521" y="-7194"/>
+                  <a:pt x="4136258" y="5108"/>
+                  <a:pt x="4361688" y="0"/>
+                </a:cubicBezTo>
+                <a:cubicBezTo>
+                  <a:pt x="4587118" y="-5108"/>
+                  <a:pt x="4992424" y="-42958"/>
+                  <a:pt x="5266944" y="0"/>
+                </a:cubicBezTo>
+                <a:cubicBezTo>
+                  <a:pt x="5541464" y="42958"/>
+                  <a:pt x="5882966" y="-3430"/>
+                  <a:pt x="6172200" y="0"/>
+                </a:cubicBezTo>
+                <a:cubicBezTo>
+                  <a:pt x="6461434" y="3430"/>
+                  <a:pt x="6432127" y="6688"/>
+                  <a:pt x="6528816" y="0"/>
+                </a:cubicBezTo>
+                <a:cubicBezTo>
+                  <a:pt x="6625505" y="-6688"/>
+                  <a:pt x="6916805" y="-436"/>
+                  <a:pt x="7214616" y="0"/>
+                </a:cubicBezTo>
+                <a:cubicBezTo>
+                  <a:pt x="7512427" y="436"/>
+                  <a:pt x="7626159" y="-6909"/>
+                  <a:pt x="7790688" y="0"/>
+                </a:cubicBezTo>
+                <a:cubicBezTo>
+                  <a:pt x="7955217" y="6909"/>
+                  <a:pt x="8048891" y="15307"/>
+                  <a:pt x="8147304" y="0"/>
+                </a:cubicBezTo>
+                <a:cubicBezTo>
+                  <a:pt x="8245717" y="-15307"/>
+                  <a:pt x="8645618" y="-11734"/>
+                  <a:pt x="9052560" y="0"/>
+                </a:cubicBezTo>
+                <a:cubicBezTo>
+                  <a:pt x="9459502" y="11734"/>
+                  <a:pt x="9320584" y="8388"/>
+                  <a:pt x="9409176" y="0"/>
+                </a:cubicBezTo>
+                <a:cubicBezTo>
+                  <a:pt x="9497768" y="-8388"/>
+                  <a:pt x="9644192" y="8379"/>
+                  <a:pt x="9765792" y="0"/>
+                </a:cubicBezTo>
+                <a:cubicBezTo>
+                  <a:pt x="9887392" y="-8379"/>
+                  <a:pt x="10105220" y="-12663"/>
+                  <a:pt x="10341864" y="0"/>
+                </a:cubicBezTo>
+                <a:cubicBezTo>
+                  <a:pt x="10578508" y="12663"/>
+                  <a:pt x="10773103" y="-5786"/>
+                  <a:pt x="10972800" y="0"/>
+                </a:cubicBezTo>
+                <a:cubicBezTo>
+                  <a:pt x="10972146" y="8818"/>
+                  <a:pt x="10972240" y="13823"/>
+                  <a:pt x="10972800" y="18288"/>
+                </a:cubicBezTo>
+                <a:cubicBezTo>
+                  <a:pt x="10588778" y="31598"/>
+                  <a:pt x="10543381" y="-12698"/>
+                  <a:pt x="10177272" y="18288"/>
+                </a:cubicBezTo>
+                <a:cubicBezTo>
+                  <a:pt x="9811163" y="49274"/>
+                  <a:pt x="9996817" y="25662"/>
+                  <a:pt x="9820656" y="18288"/>
+                </a:cubicBezTo>
+                <a:cubicBezTo>
+                  <a:pt x="9644495" y="10914"/>
+                  <a:pt x="9607007" y="31631"/>
+                  <a:pt x="9464040" y="18288"/>
+                </a:cubicBezTo>
+                <a:cubicBezTo>
+                  <a:pt x="9321073" y="4945"/>
+                  <a:pt x="9114189" y="28940"/>
+                  <a:pt x="8778240" y="18288"/>
+                </a:cubicBezTo>
+                <a:cubicBezTo>
+                  <a:pt x="8442291" y="7636"/>
+                  <a:pt x="8594763" y="987"/>
+                  <a:pt x="8421624" y="18288"/>
+                </a:cubicBezTo>
+                <a:cubicBezTo>
+                  <a:pt x="8248485" y="35589"/>
+                  <a:pt x="7929515" y="37573"/>
+                  <a:pt x="7735824" y="18288"/>
+                </a:cubicBezTo>
+                <a:cubicBezTo>
+                  <a:pt x="7542133" y="-997"/>
+                  <a:pt x="7252504" y="33858"/>
+                  <a:pt x="6940296" y="18288"/>
+                </a:cubicBezTo>
+                <a:cubicBezTo>
+                  <a:pt x="6628088" y="2718"/>
+                  <a:pt x="6528503" y="48389"/>
+                  <a:pt x="6254496" y="18288"/>
+                </a:cubicBezTo>
+                <a:cubicBezTo>
+                  <a:pt x="5980489" y="-11813"/>
+                  <a:pt x="5695784" y="-3740"/>
+                  <a:pt x="5458968" y="18288"/>
+                </a:cubicBezTo>
+                <a:cubicBezTo>
+                  <a:pt x="5222152" y="40316"/>
+                  <a:pt x="5010751" y="19095"/>
+                  <a:pt x="4663440" y="18288"/>
+                </a:cubicBezTo>
+                <a:cubicBezTo>
+                  <a:pt x="4316129" y="17481"/>
+                  <a:pt x="4425552" y="1606"/>
+                  <a:pt x="4306824" y="18288"/>
+                </a:cubicBezTo>
+                <a:cubicBezTo>
+                  <a:pt x="4188096" y="34970"/>
+                  <a:pt x="3941535" y="7481"/>
+                  <a:pt x="3840480" y="18288"/>
+                </a:cubicBezTo>
+                <a:cubicBezTo>
+                  <a:pt x="3739425" y="29095"/>
+                  <a:pt x="3402388" y="17641"/>
+                  <a:pt x="3264408" y="18288"/>
+                </a:cubicBezTo>
+                <a:cubicBezTo>
+                  <a:pt x="3126428" y="18935"/>
+                  <a:pt x="2776779" y="9983"/>
+                  <a:pt x="2578608" y="18288"/>
+                </a:cubicBezTo>
+                <a:cubicBezTo>
+                  <a:pt x="2380437" y="26593"/>
+                  <a:pt x="1909468" y="25818"/>
+                  <a:pt x="1673352" y="18288"/>
+                </a:cubicBezTo>
+                <a:cubicBezTo>
+                  <a:pt x="1437236" y="10758"/>
+                  <a:pt x="1131180" y="49884"/>
+                  <a:pt x="877824" y="18288"/>
+                </a:cubicBezTo>
+                <a:cubicBezTo>
+                  <a:pt x="624468" y="-13308"/>
+                  <a:pt x="206753" y="2195"/>
+                  <a:pt x="0" y="18288"/>
+                </a:cubicBezTo>
+                <a:cubicBezTo>
+                  <a:pt x="313" y="10654"/>
+                  <a:pt x="-263" y="4056"/>
+                  <a:pt x="0" y="0"/>
+                </a:cubicBezTo>
+                <a:close/>
+              </a:path>
+              <a:path w="10972800" h="18288" stroke="0" extrusionOk="0">
+                <a:moveTo>
+                  <a:pt x="0" y="0"/>
+                </a:moveTo>
+                <a:cubicBezTo>
+                  <a:pt x="164017" y="-17675"/>
+                  <a:pt x="309425" y="9913"/>
+                  <a:pt x="466344" y="0"/>
+                </a:cubicBezTo>
+                <a:cubicBezTo>
+                  <a:pt x="623263" y="-9913"/>
+                  <a:pt x="659300" y="-14524"/>
+                  <a:pt x="822960" y="0"/>
+                </a:cubicBezTo>
+                <a:cubicBezTo>
+                  <a:pt x="986620" y="14524"/>
+                  <a:pt x="1105222" y="-16481"/>
+                  <a:pt x="1289304" y="0"/>
+                </a:cubicBezTo>
+                <a:cubicBezTo>
+                  <a:pt x="1473386" y="16481"/>
+                  <a:pt x="1693223" y="26161"/>
+                  <a:pt x="1975104" y="0"/>
+                </a:cubicBezTo>
+                <a:cubicBezTo>
+                  <a:pt x="2256985" y="-26161"/>
+                  <a:pt x="2435781" y="23061"/>
+                  <a:pt x="2770632" y="0"/>
+                </a:cubicBezTo>
+                <a:cubicBezTo>
+                  <a:pt x="3105483" y="-23061"/>
+                  <a:pt x="3247479" y="-44011"/>
+                  <a:pt x="3675888" y="0"/>
+                </a:cubicBezTo>
+                <a:cubicBezTo>
+                  <a:pt x="4104297" y="44011"/>
+                  <a:pt x="4280918" y="4017"/>
+                  <a:pt x="4581144" y="0"/>
+                </a:cubicBezTo>
+                <a:cubicBezTo>
+                  <a:pt x="4881370" y="-4017"/>
+                  <a:pt x="5021699" y="-11889"/>
+                  <a:pt x="5157216" y="0"/>
+                </a:cubicBezTo>
+                <a:cubicBezTo>
+                  <a:pt x="5292733" y="11889"/>
+                  <a:pt x="5603398" y="-17698"/>
+                  <a:pt x="5952744" y="0"/>
+                </a:cubicBezTo>
+                <a:cubicBezTo>
+                  <a:pt x="6302090" y="17698"/>
+                  <a:pt x="6353093" y="-11909"/>
+                  <a:pt x="6638544" y="0"/>
+                </a:cubicBezTo>
+                <a:cubicBezTo>
+                  <a:pt x="6923995" y="11909"/>
+                  <a:pt x="7053404" y="21630"/>
+                  <a:pt x="7214616" y="0"/>
+                </a:cubicBezTo>
+                <a:cubicBezTo>
+                  <a:pt x="7375828" y="-21630"/>
+                  <a:pt x="7837963" y="3886"/>
+                  <a:pt x="8010144" y="0"/>
+                </a:cubicBezTo>
+                <a:cubicBezTo>
+                  <a:pt x="8182325" y="-3886"/>
+                  <a:pt x="8224183" y="16009"/>
+                  <a:pt x="8366760" y="0"/>
+                </a:cubicBezTo>
+                <a:cubicBezTo>
+                  <a:pt x="8509337" y="-16009"/>
+                  <a:pt x="8687920" y="-5720"/>
+                  <a:pt x="8942832" y="0"/>
+                </a:cubicBezTo>
+                <a:cubicBezTo>
+                  <a:pt x="9197744" y="5720"/>
+                  <a:pt x="9368437" y="20479"/>
+                  <a:pt x="9628632" y="0"/>
+                </a:cubicBezTo>
+                <a:cubicBezTo>
+                  <a:pt x="9888827" y="-20479"/>
+                  <a:pt x="10560858" y="-20746"/>
+                  <a:pt x="10972800" y="0"/>
+                </a:cubicBezTo>
+                <a:cubicBezTo>
+                  <a:pt x="10972186" y="5722"/>
+                  <a:pt x="10972980" y="12495"/>
+                  <a:pt x="10972800" y="18288"/>
+                </a:cubicBezTo>
+                <a:cubicBezTo>
+                  <a:pt x="10786146" y="12536"/>
+                  <a:pt x="10623717" y="14033"/>
+                  <a:pt x="10506456" y="18288"/>
+                </a:cubicBezTo>
+                <a:cubicBezTo>
+                  <a:pt x="10389195" y="22543"/>
+                  <a:pt x="10296178" y="20107"/>
+                  <a:pt x="10149840" y="18288"/>
+                </a:cubicBezTo>
+                <a:cubicBezTo>
+                  <a:pt x="10003502" y="16469"/>
+                  <a:pt x="9767530" y="28891"/>
+                  <a:pt x="9464040" y="18288"/>
+                </a:cubicBezTo>
+                <a:cubicBezTo>
+                  <a:pt x="9160550" y="7685"/>
+                  <a:pt x="9229050" y="2659"/>
+                  <a:pt x="8997696" y="18288"/>
+                </a:cubicBezTo>
+                <a:cubicBezTo>
+                  <a:pt x="8766342" y="33917"/>
+                  <a:pt x="8340136" y="34864"/>
+                  <a:pt x="8092440" y="18288"/>
+                </a:cubicBezTo>
+                <a:cubicBezTo>
+                  <a:pt x="7844744" y="1712"/>
+                  <a:pt x="7863720" y="27405"/>
+                  <a:pt x="7735824" y="18288"/>
+                </a:cubicBezTo>
+                <a:cubicBezTo>
+                  <a:pt x="7607928" y="9171"/>
+                  <a:pt x="7323619" y="461"/>
+                  <a:pt x="7050024" y="18288"/>
+                </a:cubicBezTo>
+                <a:cubicBezTo>
+                  <a:pt x="6776429" y="36115"/>
+                  <a:pt x="6787899" y="28206"/>
+                  <a:pt x="6693408" y="18288"/>
+                </a:cubicBezTo>
+                <a:cubicBezTo>
+                  <a:pt x="6598917" y="8370"/>
+                  <a:pt x="6395231" y="19114"/>
+                  <a:pt x="6227064" y="18288"/>
+                </a:cubicBezTo>
+                <a:cubicBezTo>
+                  <a:pt x="6058897" y="17462"/>
+                  <a:pt x="5618582" y="1091"/>
+                  <a:pt x="5431536" y="18288"/>
+                </a:cubicBezTo>
+                <a:cubicBezTo>
+                  <a:pt x="5244490" y="35485"/>
+                  <a:pt x="4729797" y="-9650"/>
+                  <a:pt x="4526280" y="18288"/>
+                </a:cubicBezTo>
+                <a:cubicBezTo>
+                  <a:pt x="4322763" y="46226"/>
+                  <a:pt x="4216797" y="756"/>
+                  <a:pt x="4059936" y="18288"/>
+                </a:cubicBezTo>
+                <a:cubicBezTo>
+                  <a:pt x="3903075" y="35820"/>
+                  <a:pt x="3537912" y="42098"/>
+                  <a:pt x="3374136" y="18288"/>
+                </a:cubicBezTo>
+                <a:cubicBezTo>
+                  <a:pt x="3210360" y="-5522"/>
+                  <a:pt x="3126842" y="39135"/>
+                  <a:pt x="2907792" y="18288"/>
+                </a:cubicBezTo>
+                <a:cubicBezTo>
+                  <a:pt x="2688742" y="-2559"/>
+                  <a:pt x="2490436" y="34100"/>
+                  <a:pt x="2112264" y="18288"/>
+                </a:cubicBezTo>
+                <a:cubicBezTo>
+                  <a:pt x="1734092" y="2476"/>
+                  <a:pt x="1744622" y="-7274"/>
+                  <a:pt x="1536192" y="18288"/>
+                </a:cubicBezTo>
+                <a:cubicBezTo>
+                  <a:pt x="1327762" y="43850"/>
+                  <a:pt x="1189025" y="6435"/>
+                  <a:pt x="1069848" y="18288"/>
+                </a:cubicBezTo>
+                <a:cubicBezTo>
+                  <a:pt x="950671" y="30141"/>
+                  <a:pt x="858345" y="33684"/>
+                  <a:pt x="713232" y="18288"/>
+                </a:cubicBezTo>
+                <a:cubicBezTo>
+                  <a:pt x="568119" y="2892"/>
+                  <a:pt x="250292" y="5410"/>
+                  <a:pt x="0" y="18288"/>
+                </a:cubicBezTo>
+                <a:cubicBezTo>
+                  <a:pt x="465" y="13062"/>
+                  <a:pt x="-894" y="9029"/>
+                  <a:pt x="0" y="0"/>
+                </a:cubicBezTo>
+                <a:close/>
+              </a:path>
+            </a:pathLst>
+          </a:custGeom>
+          <a:solidFill>
+            <a:schemeClr val="accent2">
+              <a:alpha val="75000"/>
+            </a:schemeClr>
+          </a:solidFill>
+          <a:ln w="44450" cap="rnd">
+            <a:solidFill>
+              <a:schemeClr val="accent2">
+                <a:alpha val="75000"/>
+              </a:schemeClr>
+            </a:solidFill>
+            <a:round/>
+            <a:extLst>
+              <a:ext uri="{C807C97D-BFC1-408E-A445-0C87EB9F89A2}">
+                <ask:lineSketchStyleProps xmlns:ask="http://schemas.microsoft.com/office/drawing/2018/sketchyshapes" sd="2727557108">
+                  <a:prstGeom prst="rect">
+                    <a:avLst/>
+                  </a:prstGeom>
+                  <ask:type>
+                    <ask:lineSketchFreehand/>
+                  </ask:type>
+                </ask:lineSketchStyleProps>
+              </a:ext>
+            </a:extLst>
+          </a:ln>
+        </p:spPr>
+        <p:style>
+          <a:lnRef idx="2">
+            <a:schemeClr val="accent1">
+              <a:shade val="50000"/>
+            </a:schemeClr>
+          </a:lnRef>
+          <a:fillRef idx="1">
+            <a:schemeClr val="accent1"/>
+          </a:fillRef>
+          <a:effectRef idx="0">
+            <a:schemeClr val="accent1"/>
+          </a:effectRef>
+          <a:fontRef idx="minor">
+            <a:schemeClr val="lt1"/>
+          </a:fontRef>
+        </p:style>
+        <p:txBody>
+          <a:bodyPr rtlCol="0" anchor="ctr"/>
+          <a:lstStyle/>
+          <a:p>
+            <a:pPr algn="ctr"/>
+            <a:endParaRPr lang="en-US"/>
+          </a:p>
+        </p:txBody>
+      </p:sp>
+      <p:sp>
+        <p:nvSpPr>
+          <p:cNvPr id="1030" name="Content Placeholder 1029">
+            <a:extLst>
+              <a:ext uri="{FF2B5EF4-FFF2-40B4-BE49-F238E27FC236}">
+                <a16:creationId xmlns:a16="http://schemas.microsoft.com/office/drawing/2014/main" id="{B4D2DAB9-769A-115A-9451-83CEE9B440BD}"/>
+              </a:ext>
+            </a:extLst>
+          </p:cNvPr>
+          <p:cNvSpPr>
+            <a:spLocks noGrp="1"/>
+          </p:cNvSpPr>
+          <p:nvPr>
+            <p:ph idx="1"/>
+          </p:nvPr>
+        </p:nvSpPr>
+        <p:spPr>
+          <a:xfrm>
+            <a:off x="572493" y="2071316"/>
+            <a:ext cx="6713552" cy="4119172"/>
+          </a:xfrm>
+        </p:spPr>
+        <p:txBody>
+          <a:bodyPr anchor="t">
+            <a:normAutofit/>
+          </a:bodyPr>
+          <a:lstStyle/>
+          <a:p>
+            <a:r>
+              <a:rPr lang="en-US" sz="2200" b="1" dirty="0" err="1"/>
+              <a:t>Nejprve</a:t>
+            </a:r>
+            <a:r>
+              <a:rPr lang="en-US" sz="2200" b="1" dirty="0"/>
+              <a:t> </a:t>
+            </a:r>
+            <a:r>
+              <a:rPr lang="en-US" sz="2200" b="1" dirty="0" err="1"/>
+              <a:t>spočítejme</a:t>
+            </a:r>
+            <a:r>
+              <a:rPr lang="en-US" sz="2200" b="1" dirty="0"/>
+              <a:t>, </a:t>
+            </a:r>
+            <a:r>
+              <a:rPr lang="en-US" sz="2200" b="1" dirty="0" err="1"/>
+              <a:t>kolik</a:t>
+            </a:r>
+            <a:r>
+              <a:rPr lang="en-US" sz="2200" b="1" dirty="0"/>
+              <a:t> </a:t>
+            </a:r>
+            <a:r>
+              <a:rPr lang="en-US" sz="2200" b="1" dirty="0" err="1"/>
+              <a:t>pixelů</a:t>
+            </a:r>
+            <a:r>
+              <a:rPr lang="en-US" sz="2200" b="1" dirty="0"/>
+              <a:t> </a:t>
+            </a:r>
+            <a:r>
+              <a:rPr lang="en-US" sz="2200" b="1" dirty="0" err="1"/>
+              <a:t>celkem</a:t>
+            </a:r>
+            <a:r>
+              <a:rPr lang="en-US" sz="2200" b="1" dirty="0"/>
+              <a:t> a </a:t>
+            </a:r>
+            <a:r>
+              <a:rPr lang="en-US" sz="2200" b="1" dirty="0" err="1"/>
+              <a:t>pak</a:t>
+            </a:r>
+            <a:r>
+              <a:rPr lang="en-US" sz="2200" b="1" dirty="0"/>
+              <a:t> RGB.</a:t>
+            </a:r>
+          </a:p>
+          <a:p>
+            <a:pPr marL="0" indent="0">
+              <a:buNone/>
+            </a:pPr>
+            <a:r>
+              <a:rPr lang="en-US" sz="2200" b="1" dirty="0"/>
+              <a:t> 640x480x(RGB)</a:t>
+            </a:r>
+          </a:p>
+          <a:p>
+            <a:pPr marL="0" indent="0">
+              <a:buNone/>
+            </a:pPr>
+            <a:r>
+              <a:rPr lang="en-US" sz="2200" b="1" dirty="0"/>
+              <a:t>640x480x(8bit+8bit+8bit)</a:t>
+            </a:r>
+          </a:p>
+          <a:p>
+            <a:pPr marL="0" indent="0">
+              <a:buNone/>
+            </a:pPr>
+            <a:r>
+              <a:rPr lang="en-US" sz="2200" b="1" dirty="0"/>
+              <a:t>307200x3byte= 921600B</a:t>
+            </a:r>
+          </a:p>
+          <a:p>
+            <a:pPr marL="0" indent="0">
+              <a:buNone/>
+            </a:pPr>
+            <a:r>
+              <a:rPr lang="en-US" sz="2200" b="1" dirty="0"/>
+              <a:t>921600B/1024=900 Kilo Byte</a:t>
+            </a:r>
+          </a:p>
+        </p:txBody>
+      </p:sp>
+      <p:pic>
+        <p:nvPicPr>
+          <p:cNvPr id="1026" name="Picture 2" descr="Anton's Research Ramblings - 2020_03_24_apg_bmp">
+            <a:extLst>
+              <a:ext uri="{FF2B5EF4-FFF2-40B4-BE49-F238E27FC236}">
+                <a16:creationId xmlns:a16="http://schemas.microsoft.com/office/drawing/2014/main" id="{56DA74FC-D3DE-D955-EC2B-866667830246}"/>
+              </a:ext>
+            </a:extLst>
+          </p:cNvPr>
+          <p:cNvPicPr>
+            <a:picLocks noChangeAspect="1" noChangeArrowheads="1"/>
+          </p:cNvPicPr>
+          <p:nvPr/>
+        </p:nvPicPr>
+        <p:blipFill rotWithShape="1">
+          <a:blip r:embed="rId2">
+            <a:extLst>
+              <a:ext uri="{28A0092B-C50C-407E-A947-70E740481C1C}">
+                <a14:useLocalDpi xmlns:a14="http://schemas.microsoft.com/office/drawing/2010/main" val="0"/>
+              </a:ext>
+            </a:extLst>
+          </a:blip>
+          <a:srcRect l="14039" r="13899"/>
+          <a:stretch/>
+        </p:blipFill>
+        <p:spPr bwMode="auto">
+          <a:xfrm>
+            <a:off x="7675658" y="2093976"/>
+            <a:ext cx="3941064" cy="4096512"/>
+          </a:xfrm>
+          <a:prstGeom prst="rect">
+            <a:avLst/>
+          </a:prstGeom>
+          <a:noFill/>
+          <a:extLst>
+            <a:ext uri="{909E8E84-426E-40DD-AFC4-6F175D3DCCD1}">
+              <a14:hiddenFill xmlns:a14="http://schemas.microsoft.com/office/drawing/2010/main">
+                <a:solidFill>
+                  <a:srgbClr val="FFFFFF"/>
+                </a:solidFill>
+              </a14:hiddenFill>
+            </a:ext>
+          </a:extLst>
+        </p:spPr>
+      </p:pic>
+    </p:spTree>
+    <p:extLst>
+      <p:ext uri="{BB962C8B-B14F-4D97-AF65-F5344CB8AC3E}">
+        <p14:creationId xmlns:p14="http://schemas.microsoft.com/office/powerpoint/2010/main" val="2261315387"/>
+      </p:ext>
+    </p:extLst>
+  </p:cSld>
+  <p:clrMapOvr>
+    <a:masterClrMapping/>
+  </p:clrMapOvr>
+  <mc:AlternateContent xmlns:mc="http://schemas.openxmlformats.org/markup-compatibility/2006">
+    <mc:Choice xmlns:p14="http://schemas.microsoft.com/office/powerpoint/2010/main" Requires="p14">
+      <p:transition p14:dur="10" advClick="0" advTm="60000">
+        <p:split orient="vert"/>
+      </p:transition>
+    </mc:Choice>
+    <mc:Fallback>
+      <p:transition advClick="0" advTm="60000">
+        <p:split orient="vert"/>
+      </p:transition>
+    </mc:Fallback>
+  </mc:AlternateContent>
+</p:sld>
+</file>
+
+<file path=ppt/slides/slide7.xml><?xml version="1.0" encoding="utf-8"?>
 <p:sld xmlns:a="http://schemas.openxmlformats.org/drawingml/2006/main" xmlns:r="http://schemas.openxmlformats.org/officeDocument/2006/relationships" xmlns:p="http://schemas.openxmlformats.org/presentationml/2006/main">
   <p:cSld>
     <p:bg>
@@ -46243,7 +47600,7 @@
 </p:sld>
 </file>
 
-<file path=ppt/slides/slide7.xml><?xml version="1.0" encoding="utf-8"?>
+<file path=ppt/slides/slide8.xml><?xml version="1.0" encoding="utf-8"?>
 <p:sld xmlns:a="http://schemas.openxmlformats.org/drawingml/2006/main" xmlns:r="http://schemas.openxmlformats.org/officeDocument/2006/relationships" xmlns:p="http://schemas.openxmlformats.org/presentationml/2006/main">
   <p:cSld>
     <p:spTree>
@@ -46466,7 +47823,7 @@
 </p:sld>
 </file>
 
-<file path=ppt/slides/slide8.xml><?xml version="1.0" encoding="utf-8"?>
+<file path=ppt/slides/slide9.xml><?xml version="1.0" encoding="utf-8"?>
 <p:sld xmlns:a="http://schemas.openxmlformats.org/drawingml/2006/main" xmlns:r="http://schemas.openxmlformats.org/officeDocument/2006/relationships" xmlns:p="http://schemas.openxmlformats.org/presentationml/2006/main">
   <p:cSld>
     <p:spTree>
@@ -46823,332 +48180,6 @@
     </mc:Choice>
     <mc:Fallback xmlns="">
       <p:transition spd="slow" advTm="55000">
-        <p:fade/>
-      </p:transition>
-    </mc:Fallback>
-  </mc:AlternateContent>
-</p:sld>
-</file>
-
-<file path=ppt/slides/slide9.xml><?xml version="1.0" encoding="utf-8"?>
-<p:sld xmlns:a="http://schemas.openxmlformats.org/drawingml/2006/main" xmlns:r="http://schemas.openxmlformats.org/officeDocument/2006/relationships" xmlns:p="http://schemas.openxmlformats.org/presentationml/2006/main">
-  <p:cSld>
-    <p:bg>
-      <p:bgPr>
-        <a:solidFill>
-          <a:schemeClr val="bg1"/>
-        </a:solidFill>
-        <a:effectLst/>
-      </p:bgPr>
-    </p:bg>
-    <p:spTree>
-      <p:nvGrpSpPr>
-        <p:cNvPr id="1" name=""/>
-        <p:cNvGrpSpPr/>
-        <p:nvPr/>
-      </p:nvGrpSpPr>
-      <p:grpSpPr>
-        <a:xfrm>
-          <a:off x="0" y="0"/>
-          <a:ext cx="0" cy="0"/>
-          <a:chOff x="0" y="0"/>
-          <a:chExt cx="0" cy="0"/>
-        </a:xfrm>
-      </p:grpSpPr>
-      <p:sp useBgFill="1">
-        <p:nvSpPr>
-          <p:cNvPr id="10" name="Rectangle 9">
-            <a:extLst>
-              <a:ext uri="{FF2B5EF4-FFF2-40B4-BE49-F238E27FC236}">
-                <a16:creationId xmlns:a16="http://schemas.microsoft.com/office/drawing/2014/main" id="{9DBC8166-481C-4473-95F5-9A5B9073B7F1}"/>
-              </a:ext>
-              <a:ext uri="{C183D7F6-B498-43B3-948B-1728B52AA6E4}">
-                <adec:decorative xmlns:adec="http://schemas.microsoft.com/office/drawing/2017/decorative" val="1"/>
-              </a:ext>
-            </a:extLst>
-          </p:cNvPr>
-          <p:cNvSpPr>
-            <a:spLocks noGrp="1" noRot="1" noChangeAspect="1" noMove="1" noResize="1" noEditPoints="1" noAdjustHandles="1" noChangeArrowheads="1" noChangeShapeType="1" noTextEdit="1"/>
-          </p:cNvSpPr>
-          <p:nvPr>
-            <p:extLst>
-              <p:ext uri="{386F3935-93C4-4BCD-93E2-E3B085C9AB24}">
-                <p16:designElem xmlns:p16="http://schemas.microsoft.com/office/powerpoint/2015/main" val="1"/>
-              </p:ext>
-            </p:extLst>
-          </p:nvPr>
-        </p:nvSpPr>
-        <p:spPr>
-          <a:xfrm>
-            <a:off x="0" y="0"/>
-            <a:ext cx="12188952" cy="6858000"/>
-          </a:xfrm>
-          <a:prstGeom prst="rect">
-            <a:avLst/>
-          </a:prstGeom>
-          <a:ln>
-            <a:noFill/>
-          </a:ln>
-        </p:spPr>
-        <p:style>
-          <a:lnRef idx="2">
-            <a:schemeClr val="accent1">
-              <a:shade val="50000"/>
-            </a:schemeClr>
-          </a:lnRef>
-          <a:fillRef idx="1">
-            <a:schemeClr val="accent1"/>
-          </a:fillRef>
-          <a:effectRef idx="0">
-            <a:schemeClr val="accent1"/>
-          </a:effectRef>
-          <a:fontRef idx="minor">
-            <a:schemeClr val="lt1"/>
-          </a:fontRef>
-        </p:style>
-        <p:txBody>
-          <a:bodyPr rtlCol="0" anchor="ctr"/>
-          <a:lstStyle/>
-          <a:p>
-            <a:pPr algn="ctr"/>
-            <a:endParaRPr lang="en-US"/>
-          </a:p>
-        </p:txBody>
-      </p:sp>
-      <p:sp>
-        <p:nvSpPr>
-          <p:cNvPr id="12" name="Freeform: Shape 11">
-            <a:extLst>
-              <a:ext uri="{FF2B5EF4-FFF2-40B4-BE49-F238E27FC236}">
-                <a16:creationId xmlns:a16="http://schemas.microsoft.com/office/drawing/2014/main" id="{A5A5CE6E-90AF-4D43-A014-1F9EC83EB93D}"/>
-              </a:ext>
-              <a:ext uri="{C183D7F6-B498-43B3-948B-1728B52AA6E4}">
-                <adec:decorative xmlns:adec="http://schemas.microsoft.com/office/drawing/2017/decorative" val="1"/>
-              </a:ext>
-            </a:extLst>
-          </p:cNvPr>
-          <p:cNvSpPr>
-            <a:spLocks noGrp="1" noRot="1" noChangeAspect="1" noMove="1" noResize="1" noEditPoints="1" noAdjustHandles="1" noChangeArrowheads="1" noChangeShapeType="1" noTextEdit="1"/>
-          </p:cNvSpPr>
-          <p:nvPr>
-            <p:extLst>
-              <p:ext uri="{386F3935-93C4-4BCD-93E2-E3B085C9AB24}">
-                <p16:designElem xmlns:p16="http://schemas.microsoft.com/office/powerpoint/2015/main" val="1"/>
-              </p:ext>
-            </p:extLst>
-          </p:nvPr>
-        </p:nvSpPr>
-        <p:spPr>
-          <a:xfrm>
-            <a:off x="0" y="1"/>
-            <a:ext cx="4512467" cy="6858000"/>
-          </a:xfrm>
-          <a:custGeom>
-            <a:avLst/>
-            <a:gdLst>
-              <a:gd name="connsiteX0" fmla="*/ 0 w 4512467"/>
-              <a:gd name="connsiteY0" fmla="*/ 0 h 6858000"/>
-              <a:gd name="connsiteX1" fmla="*/ 2579526 w 4512467"/>
-              <a:gd name="connsiteY1" fmla="*/ 0 h 6858000"/>
-              <a:gd name="connsiteX2" fmla="*/ 2583267 w 4512467"/>
-              <a:gd name="connsiteY2" fmla="*/ 2151 h 6858000"/>
-              <a:gd name="connsiteX3" fmla="*/ 4512467 w 4512467"/>
-              <a:gd name="connsiteY3" fmla="*/ 3429000 h 6858000"/>
-              <a:gd name="connsiteX4" fmla="*/ 2583267 w 4512467"/>
-              <a:gd name="connsiteY4" fmla="*/ 6855849 h 6858000"/>
-              <a:gd name="connsiteX5" fmla="*/ 2579526 w 4512467"/>
-              <a:gd name="connsiteY5" fmla="*/ 6858000 h 6858000"/>
-              <a:gd name="connsiteX6" fmla="*/ 0 w 4512467"/>
-              <a:gd name="connsiteY6" fmla="*/ 6858000 h 6858000"/>
-            </a:gdLst>
-            <a:ahLst/>
-            <a:cxnLst>
-              <a:cxn ang="0">
-                <a:pos x="connsiteX0" y="connsiteY0"/>
-              </a:cxn>
-              <a:cxn ang="0">
-                <a:pos x="connsiteX1" y="connsiteY1"/>
-              </a:cxn>
-              <a:cxn ang="0">
-                <a:pos x="connsiteX2" y="connsiteY2"/>
-              </a:cxn>
-              <a:cxn ang="0">
-                <a:pos x="connsiteX3" y="connsiteY3"/>
-              </a:cxn>
-              <a:cxn ang="0">
-                <a:pos x="connsiteX4" y="connsiteY4"/>
-              </a:cxn>
-              <a:cxn ang="0">
-                <a:pos x="connsiteX5" y="connsiteY5"/>
-              </a:cxn>
-              <a:cxn ang="0">
-                <a:pos x="connsiteX6" y="connsiteY6"/>
-              </a:cxn>
-            </a:cxnLst>
-            <a:rect l="l" t="t" r="r" b="b"/>
-            <a:pathLst>
-              <a:path w="4512467" h="6858000">
-                <a:moveTo>
-                  <a:pt x="0" y="0"/>
-                </a:moveTo>
-                <a:lnTo>
-                  <a:pt x="2579526" y="0"/>
-                </a:lnTo>
-                <a:lnTo>
-                  <a:pt x="2583267" y="2151"/>
-                </a:lnTo>
-                <a:cubicBezTo>
-                  <a:pt x="3739868" y="704919"/>
-                  <a:pt x="4512467" y="1976735"/>
-                  <a:pt x="4512467" y="3429000"/>
-                </a:cubicBezTo>
-                <a:cubicBezTo>
-                  <a:pt x="4512467" y="4881266"/>
-                  <a:pt x="3739868" y="6153081"/>
-                  <a:pt x="2583267" y="6855849"/>
-                </a:cubicBezTo>
-                <a:lnTo>
-                  <a:pt x="2579526" y="6858000"/>
-                </a:lnTo>
-                <a:lnTo>
-                  <a:pt x="0" y="6858000"/>
-                </a:lnTo>
-                <a:close/>
-              </a:path>
-            </a:pathLst>
-          </a:custGeom>
-          <a:solidFill>
-            <a:schemeClr val="accent2"/>
-          </a:solidFill>
-          <a:ln>
-            <a:noFill/>
-          </a:ln>
-        </p:spPr>
-        <p:style>
-          <a:lnRef idx="2">
-            <a:schemeClr val="accent1">
-              <a:shade val="50000"/>
-            </a:schemeClr>
-          </a:lnRef>
-          <a:fillRef idx="1">
-            <a:schemeClr val="accent1"/>
-          </a:fillRef>
-          <a:effectRef idx="0">
-            <a:schemeClr val="accent1"/>
-          </a:effectRef>
-          <a:fontRef idx="minor">
-            <a:schemeClr val="lt1"/>
-          </a:fontRef>
-        </p:style>
-        <p:txBody>
-          <a:bodyPr wrap="square" rtlCol="0" anchor="ctr">
-            <a:noAutofit/>
-          </a:bodyPr>
-          <a:lstStyle/>
-          <a:p>
-            <a:pPr algn="ctr"/>
-            <a:endParaRPr lang="en-US">
-              <a:solidFill>
-                <a:schemeClr val="bg1"/>
-              </a:solidFill>
-            </a:endParaRPr>
-          </a:p>
-        </p:txBody>
-      </p:sp>
-      <p:sp>
-        <p:nvSpPr>
-          <p:cNvPr id="2" name="Nadpis 1">
-            <a:extLst>
-              <a:ext uri="{FF2B5EF4-FFF2-40B4-BE49-F238E27FC236}">
-                <a16:creationId xmlns:a16="http://schemas.microsoft.com/office/drawing/2014/main" id="{412AE075-7AB0-59FD-4256-A18812485C9F}"/>
-              </a:ext>
-            </a:extLst>
-          </p:cNvPr>
-          <p:cNvSpPr>
-            <a:spLocks noGrp="1"/>
-          </p:cNvSpPr>
-          <p:nvPr>
-            <p:ph type="title"/>
-          </p:nvPr>
-        </p:nvSpPr>
-        <p:spPr>
-          <a:xfrm>
-            <a:off x="838200" y="643467"/>
-            <a:ext cx="2951205" cy="5571066"/>
-          </a:xfrm>
-        </p:spPr>
-        <p:txBody>
-          <a:bodyPr>
-            <a:normAutofit/>
-          </a:bodyPr>
-          <a:lstStyle/>
-          <a:p>
-            <a:r>
-              <a:rPr lang="en-US" b="1">
-                <a:solidFill>
-                  <a:srgbClr val="FFFFFF"/>
-                </a:solidFill>
-                <a:ea typeface="Meiryo"/>
-              </a:rPr>
-              <a:t>HSV </a:t>
-            </a:r>
-            <a:endParaRPr lang="cs-CZ" b="1">
-              <a:solidFill>
-                <a:srgbClr val="FFFFFF"/>
-              </a:solidFill>
-            </a:endParaRPr>
-          </a:p>
-        </p:txBody>
-      </p:sp>
-      <p:graphicFrame>
-        <p:nvGraphicFramePr>
-          <p:cNvPr id="5" name="Podnadpis 2">
-            <a:extLst>
-              <a:ext uri="{FF2B5EF4-FFF2-40B4-BE49-F238E27FC236}">
-                <a16:creationId xmlns:a16="http://schemas.microsoft.com/office/drawing/2014/main" id="{B482F2D5-9816-B569-07F8-AD1F917D640C}"/>
-              </a:ext>
-            </a:extLst>
-          </p:cNvPr>
-          <p:cNvGraphicFramePr>
-            <a:graphicFrameLocks noGrp="1"/>
-          </p:cNvGraphicFramePr>
-          <p:nvPr>
-            <p:ph idx="1"/>
-            <p:extLst>
-              <p:ext uri="{D42A27DB-BD31-4B8C-83A1-F6EECF244321}">
-                <p14:modId xmlns:p14="http://schemas.microsoft.com/office/powerpoint/2010/main" val="3970010089"/>
-              </p:ext>
-            </p:extLst>
-          </p:nvPr>
-        </p:nvGraphicFramePr>
-        <p:xfrm>
-          <a:off x="5207640" y="643466"/>
-          <a:ext cx="6291714" cy="5530735"/>
-        </p:xfrm>
-        <a:graphic>
-          <a:graphicData uri="http://schemas.openxmlformats.org/drawingml/2006/diagram">
-            <dgm:relIds xmlns:dgm="http://schemas.openxmlformats.org/drawingml/2006/diagram" xmlns:r="http://schemas.openxmlformats.org/officeDocument/2006/relationships" r:dm="rId3" r:lo="rId4" r:qs="rId5" r:cs="rId6"/>
-          </a:graphicData>
-        </a:graphic>
-      </p:graphicFrame>
-    </p:spTree>
-    <p:extLst>
-      <p:ext uri="{BB962C8B-B14F-4D97-AF65-F5344CB8AC3E}">
-        <p14:creationId xmlns:p14="http://schemas.microsoft.com/office/powerpoint/2010/main" val="3325235423"/>
-      </p:ext>
-    </p:extLst>
-  </p:cSld>
-  <p:clrMapOvr>
-    <a:masterClrMapping/>
-  </p:clrMapOvr>
-  <mc:AlternateContent xmlns:mc="http://schemas.openxmlformats.org/markup-compatibility/2006" xmlns:p14="http://schemas.microsoft.com/office/powerpoint/2010/main">
-    <mc:Choice Requires="p14">
-      <p:transition spd="slow" p14:dur="1300" advTm="6000">
-        <p14:pan dir="u"/>
-      </p:transition>
-    </mc:Choice>
-    <mc:Fallback xmlns="">
-      <p:transition spd="slow" advTm="6000">
         <p:fade/>
       </p:transition>
     </mc:Fallback>
